--- a/IR/Presentation1.pptx
+++ b/IR/Presentation1.pptx
@@ -7,9 +7,10 @@
   <p:sldIdLst>
     <p:sldId id="256" r:id="rId2"/>
     <p:sldId id="258" r:id="rId3"/>
-    <p:sldId id="257" r:id="rId4"/>
-    <p:sldId id="259" r:id="rId5"/>
-    <p:sldId id="260" r:id="rId6"/>
+    <p:sldId id="261" r:id="rId4"/>
+    <p:sldId id="257" r:id="rId5"/>
+    <p:sldId id="259" r:id="rId6"/>
+    <p:sldId id="260" r:id="rId7"/>
   </p:sldIdLst>
   <p:sldSz cx="12192000" cy="6858000"/>
   <p:notesSz cx="6858000" cy="9144000"/>
@@ -108,6 +109,11 @@
       </a:defRPr>
     </a:lvl9pPr>
   </p:defaultTextStyle>
+  <p:extLst>
+    <p:ext uri="{EFAFB233-063F-42B5-8137-9DF3F51BA10A}">
+      <p15:sldGuideLst xmlns:p15="http://schemas.microsoft.com/office/powerpoint/2012/main"/>
+    </p:ext>
+  </p:extLst>
 </p:presentation>
 </file>
 
@@ -242,7 +248,7 @@
           <a:p>
             <a:fld id="{27F2142A-344C-4C4D-B170-0C798B2E94BC}" type="datetimeFigureOut">
               <a:rPr lang="en-US" smtClean="0"/>
-              <a:t>11/15/2018</a:t>
+              <a:t>11/20/2018</a:t>
             </a:fld>
             <a:endParaRPr lang="en-US"/>
           </a:p>
@@ -412,7 +418,7 @@
           <a:p>
             <a:fld id="{27F2142A-344C-4C4D-B170-0C798B2E94BC}" type="datetimeFigureOut">
               <a:rPr lang="en-US" smtClean="0"/>
-              <a:t>11/15/2018</a:t>
+              <a:t>11/20/2018</a:t>
             </a:fld>
             <a:endParaRPr lang="en-US"/>
           </a:p>
@@ -592,7 +598,7 @@
           <a:p>
             <a:fld id="{27F2142A-344C-4C4D-B170-0C798B2E94BC}" type="datetimeFigureOut">
               <a:rPr lang="en-US" smtClean="0"/>
-              <a:t>11/15/2018</a:t>
+              <a:t>11/20/2018</a:t>
             </a:fld>
             <a:endParaRPr lang="en-US"/>
           </a:p>
@@ -762,7 +768,7 @@
           <a:p>
             <a:fld id="{27F2142A-344C-4C4D-B170-0C798B2E94BC}" type="datetimeFigureOut">
               <a:rPr lang="en-US" smtClean="0"/>
-              <a:t>11/15/2018</a:t>
+              <a:t>11/20/2018</a:t>
             </a:fld>
             <a:endParaRPr lang="en-US"/>
           </a:p>
@@ -1008,7 +1014,7 @@
           <a:p>
             <a:fld id="{27F2142A-344C-4C4D-B170-0C798B2E94BC}" type="datetimeFigureOut">
               <a:rPr lang="en-US" smtClean="0"/>
-              <a:t>11/15/2018</a:t>
+              <a:t>11/20/2018</a:t>
             </a:fld>
             <a:endParaRPr lang="en-US"/>
           </a:p>
@@ -1240,7 +1246,7 @@
           <a:p>
             <a:fld id="{27F2142A-344C-4C4D-B170-0C798B2E94BC}" type="datetimeFigureOut">
               <a:rPr lang="en-US" smtClean="0"/>
-              <a:t>11/15/2018</a:t>
+              <a:t>11/20/2018</a:t>
             </a:fld>
             <a:endParaRPr lang="en-US"/>
           </a:p>
@@ -1607,7 +1613,7 @@
           <a:p>
             <a:fld id="{27F2142A-344C-4C4D-B170-0C798B2E94BC}" type="datetimeFigureOut">
               <a:rPr lang="en-US" smtClean="0"/>
-              <a:t>11/15/2018</a:t>
+              <a:t>11/20/2018</a:t>
             </a:fld>
             <a:endParaRPr lang="en-US"/>
           </a:p>
@@ -1725,7 +1731,7 @@
           <a:p>
             <a:fld id="{27F2142A-344C-4C4D-B170-0C798B2E94BC}" type="datetimeFigureOut">
               <a:rPr lang="en-US" smtClean="0"/>
-              <a:t>11/15/2018</a:t>
+              <a:t>11/20/2018</a:t>
             </a:fld>
             <a:endParaRPr lang="en-US"/>
           </a:p>
@@ -1820,7 +1826,7 @@
           <a:p>
             <a:fld id="{27F2142A-344C-4C4D-B170-0C798B2E94BC}" type="datetimeFigureOut">
               <a:rPr lang="en-US" smtClean="0"/>
-              <a:t>11/15/2018</a:t>
+              <a:t>11/20/2018</a:t>
             </a:fld>
             <a:endParaRPr lang="en-US"/>
           </a:p>
@@ -2097,7 +2103,7 @@
           <a:p>
             <a:fld id="{27F2142A-344C-4C4D-B170-0C798B2E94BC}" type="datetimeFigureOut">
               <a:rPr lang="en-US" smtClean="0"/>
-              <a:t>11/15/2018</a:t>
+              <a:t>11/20/2018</a:t>
             </a:fld>
             <a:endParaRPr lang="en-US"/>
           </a:p>
@@ -2350,7 +2356,7 @@
           <a:p>
             <a:fld id="{27F2142A-344C-4C4D-B170-0C798B2E94BC}" type="datetimeFigureOut">
               <a:rPr lang="en-US" smtClean="0"/>
-              <a:t>11/15/2018</a:t>
+              <a:t>11/20/2018</a:t>
             </a:fld>
             <a:endParaRPr lang="en-US"/>
           </a:p>
@@ -2563,7 +2569,7 @@
           <a:p>
             <a:fld id="{27F2142A-344C-4C4D-B170-0C798B2E94BC}" type="datetimeFigureOut">
               <a:rPr lang="en-US" smtClean="0"/>
-              <a:t>11/15/2018</a:t>
+              <a:t>11/20/2018</a:t>
             </a:fld>
             <a:endParaRPr lang="en-US"/>
           </a:p>
@@ -3183,8 +3189,8 @@
         </p:nvSpPr>
         <p:spPr>
           <a:xfrm>
-            <a:off x="0" y="0"/>
-            <a:ext cx="9404723" cy="1400530"/>
+            <a:off x="838200" y="365125"/>
+            <a:ext cx="10515600" cy="5997575"/>
           </a:xfrm>
         </p:spPr>
         <p:txBody>
@@ -3193,372 +3199,100 @@
           </a:bodyPr>
           <a:lstStyle/>
           <a:p>
-            <a:r>
-              <a:rPr lang="en-US" sz="4000" dirty="0" smtClean="0">
+            <a:pPr algn="ctr"/>
+            <a:r>
+              <a:rPr lang="en-US" sz="5500" b="1" dirty="0">
                 <a:solidFill>
                   <a:schemeClr val="accent5">
                     <a:lumMod val="75000"/>
                   </a:schemeClr>
                 </a:solidFill>
-              </a:rPr>
-              <a:t>Hệ thống truy xuất thông tin.</a:t>
-            </a:r>
-            <a:endParaRPr lang="en-US" sz="4000" dirty="0">
-              <a:solidFill>
-                <a:schemeClr val="accent5">
-                  <a:lumMod val="75000"/>
-                </a:schemeClr>
-              </a:solidFill>
-            </a:endParaRPr>
-          </a:p>
-        </p:txBody>
-      </p:sp>
-      <p:sp>
-        <p:nvSpPr>
-          <p:cNvPr id="3" name="Content Placeholder 2"/>
-          <p:cNvSpPr>
-            <a:spLocks noGrp="1"/>
-          </p:cNvSpPr>
-          <p:nvPr>
-            <p:ph idx="1"/>
-          </p:nvPr>
-        </p:nvSpPr>
-        <p:spPr>
-          <a:xfrm>
-            <a:off x="597127" y="1171175"/>
-            <a:ext cx="10914516" cy="1779290"/>
-          </a:xfrm>
-        </p:spPr>
-        <p:txBody>
-          <a:bodyPr>
-            <a:noAutofit/>
-          </a:bodyPr>
-          <a:lstStyle/>
-          <a:p>
-            <a:r>
-              <a:rPr lang="en-US" sz="2400" dirty="0" smtClean="0">
-                <a:latin typeface="Times New Roman" panose="02020603050405020304" pitchFamily="18" charset="0"/>
-                <a:cs typeface="Times New Roman" panose="02020603050405020304" pitchFamily="18" charset="0"/>
-              </a:rPr>
-              <a:t>Đánh c</a:t>
-            </a:r>
-            <a:r>
-              <a:rPr lang="en-US" sz="2400" dirty="0" smtClean="0">
-                <a:latin typeface="Times New Roman" panose="02020603050405020304" pitchFamily="18" charset="0"/>
-                <a:cs typeface="Times New Roman" panose="02020603050405020304" pitchFamily="18" charset="0"/>
-              </a:rPr>
-              <a:t>hỉ số đảo ngược (INVERTED INDEX), lưu trữ:</a:t>
-            </a:r>
-          </a:p>
-          <a:p>
-            <a:r>
-              <a:rPr lang="en-US" sz="2400" dirty="0" smtClean="0">
-                <a:latin typeface="Times New Roman" panose="02020603050405020304" pitchFamily="18" charset="0"/>
-                <a:cs typeface="Times New Roman" panose="02020603050405020304" pitchFamily="18" charset="0"/>
-              </a:rPr>
-              <a:t>1. Từ: {tài liệu 1; tài liệu 3; tài liệu i;...}	word: {doc1; doc3; doci;...}</a:t>
-            </a:r>
-          </a:p>
-          <a:p>
-            <a:r>
-              <a:rPr lang="en-US" sz="2400" dirty="0" smtClean="0">
-                <a:latin typeface="Times New Roman" panose="02020603050405020304" pitchFamily="18" charset="0"/>
-                <a:cs typeface="Times New Roman" panose="02020603050405020304" pitchFamily="18" charset="0"/>
-              </a:rPr>
-              <a:t>2. Từ: {tài liệu 1: 3 lần;  tài liệu 3: 1 lần; tài liệu i: 2 lần;...}</a:t>
-            </a:r>
-          </a:p>
-          <a:p>
-            <a:pPr marL="3657600" lvl="8" indent="0">
-              <a:buNone/>
-            </a:pPr>
-            <a:r>
-              <a:rPr lang="en-US" sz="1400" dirty="0">
-                <a:latin typeface="Times New Roman" panose="02020603050405020304" pitchFamily="18" charset="0"/>
-                <a:cs typeface="Times New Roman" panose="02020603050405020304" pitchFamily="18" charset="0"/>
-              </a:rPr>
-              <a:t>	</a:t>
-            </a:r>
-            <a:r>
-              <a:rPr lang="en-US" sz="1400" dirty="0" smtClean="0">
-                <a:latin typeface="Times New Roman" panose="02020603050405020304" pitchFamily="18" charset="0"/>
-                <a:cs typeface="Times New Roman" panose="02020603050405020304" pitchFamily="18" charset="0"/>
-              </a:rPr>
-              <a:t>	</a:t>
-            </a:r>
-            <a:r>
-              <a:rPr lang="en-US" sz="2400" dirty="0" smtClean="0">
-                <a:latin typeface="Times New Roman" panose="02020603050405020304" pitchFamily="18" charset="0"/>
-                <a:cs typeface="Times New Roman" panose="02020603050405020304" pitchFamily="18" charset="0"/>
-              </a:rPr>
-              <a:t>word: {doc1:3; doc3:1; doci:2;...}</a:t>
-            </a:r>
-          </a:p>
-          <a:p>
-            <a:pPr marL="3657600" lvl="8" indent="0">
-              <a:buNone/>
-            </a:pPr>
-            <a:r>
-              <a:rPr lang="en-US" sz="1400" dirty="0" smtClean="0">
+                <a:latin typeface="Times New Roman" panose="02020603050405020304" pitchFamily="18" charset="0"/>
+                <a:cs typeface="Times New Roman" panose="02020603050405020304" pitchFamily="18" charset="0"/>
+              </a:rPr>
+              <a:t>Những chức năng chính </a:t>
+            </a:r>
+            <a:br>
+              <a:rPr lang="en-US" sz="5500" b="1" dirty="0">
+                <a:solidFill>
+                  <a:schemeClr val="accent5">
+                    <a:lumMod val="75000"/>
+                  </a:schemeClr>
+                </a:solidFill>
+                <a:latin typeface="Times New Roman" panose="02020603050405020304" pitchFamily="18" charset="0"/>
+                <a:cs typeface="Times New Roman" panose="02020603050405020304" pitchFamily="18" charset="0"/>
+              </a:rPr>
+            </a:br>
+            <a:r>
+              <a:rPr lang="en-US" sz="5500" b="1" dirty="0">
+                <a:solidFill>
+                  <a:schemeClr val="accent5">
+                    <a:lumMod val="75000"/>
+                  </a:schemeClr>
+                </a:solidFill>
+                <a:latin typeface="Times New Roman" panose="02020603050405020304" pitchFamily="18" charset="0"/>
+                <a:cs typeface="Times New Roman" panose="02020603050405020304" pitchFamily="18" charset="0"/>
+              </a:rPr>
+              <a:t>trong </a:t>
+            </a:r>
+            <a:r>
+              <a:rPr lang="en-US" sz="5500" b="1" dirty="0" smtClean="0">
+                <a:solidFill>
+                  <a:schemeClr val="accent5">
+                    <a:lumMod val="75000"/>
+                  </a:schemeClr>
+                </a:solidFill>
                 <a:latin typeface="Times New Roman" panose="02020603050405020304" pitchFamily="18" charset="0"/>
                 <a:cs typeface="Times New Roman" panose="02020603050405020304" pitchFamily="18" charset="0"/>
               </a:rPr>
               <a:t/>
             </a:r>
             <a:br>
-              <a:rPr lang="en-US" sz="1400" dirty="0" smtClean="0">
+              <a:rPr lang="en-US" sz="5500" b="1" dirty="0" smtClean="0">
+                <a:solidFill>
+                  <a:schemeClr val="accent5">
+                    <a:lumMod val="75000"/>
+                  </a:schemeClr>
+                </a:solidFill>
                 <a:latin typeface="Times New Roman" panose="02020603050405020304" pitchFamily="18" charset="0"/>
                 <a:cs typeface="Times New Roman" panose="02020603050405020304" pitchFamily="18" charset="0"/>
               </a:rPr>
             </a:br>
-            <a:endParaRPr lang="en-US" sz="1400" dirty="0" smtClean="0">
+            <a:r>
+              <a:rPr lang="en-US" sz="5500" b="1" dirty="0" smtClean="0">
+                <a:solidFill>
+                  <a:schemeClr val="accent5">
+                    <a:lumMod val="75000"/>
+                  </a:schemeClr>
+                </a:solidFill>
+                <a:latin typeface="Times New Roman" panose="02020603050405020304" pitchFamily="18" charset="0"/>
+                <a:cs typeface="Times New Roman" panose="02020603050405020304" pitchFamily="18" charset="0"/>
+              </a:rPr>
+              <a:t>các </a:t>
+            </a:r>
+            <a:r>
+              <a:rPr lang="en-US" sz="5500" b="1" dirty="0">
+                <a:solidFill>
+                  <a:schemeClr val="accent5">
+                    <a:lumMod val="75000"/>
+                  </a:schemeClr>
+                </a:solidFill>
+                <a:latin typeface="Times New Roman" panose="02020603050405020304" pitchFamily="18" charset="0"/>
+                <a:cs typeface="Times New Roman" panose="02020603050405020304" pitchFamily="18" charset="0"/>
+              </a:rPr>
+              <a:t>hệ thống truy xuất thông tin.</a:t>
+            </a:r>
+            <a:endParaRPr lang="en-US" sz="5500" b="1" dirty="0">
               <a:latin typeface="Times New Roman" panose="02020603050405020304" pitchFamily="18" charset="0"/>
               <a:cs typeface="Times New Roman" panose="02020603050405020304" pitchFamily="18" charset="0"/>
             </a:endParaRPr>
           </a:p>
         </p:txBody>
       </p:sp>
-      <p:sp>
-        <p:nvSpPr>
-          <p:cNvPr id="4" name="Content Placeholder 2"/>
-          <p:cNvSpPr txBox="1">
-            <a:spLocks/>
-          </p:cNvSpPr>
-          <p:nvPr/>
-        </p:nvSpPr>
-        <p:spPr>
-          <a:xfrm>
-            <a:off x="597127" y="2997682"/>
-            <a:ext cx="10914516" cy="2574061"/>
-          </a:xfrm>
-          <a:prstGeom prst="rect">
-            <a:avLst/>
-          </a:prstGeom>
-        </p:spPr>
-        <p:txBody>
-          <a:bodyPr vert="horz" lIns="91440" tIns="45720" rIns="91440" bIns="45720" rtlCol="0">
-            <a:noAutofit/>
-          </a:bodyPr>
-          <a:lstStyle>
-            <a:lvl1pPr marL="228600" indent="-228600" algn="l" defTabSz="914400" rtl="0" eaLnBrk="1" latinLnBrk="0" hangingPunct="1">
-              <a:lnSpc>
-                <a:spcPct val="90000"/>
-              </a:lnSpc>
-              <a:spcBef>
-                <a:spcPts val="1000"/>
-              </a:spcBef>
-              <a:buFont typeface="Arial" panose="020B0604020202020204" pitchFamily="34" charset="0"/>
-              <a:buChar char="•"/>
-              <a:defRPr sz="2800" kern="1200">
-                <a:solidFill>
-                  <a:schemeClr val="tx1"/>
-                </a:solidFill>
-                <a:latin typeface="+mn-lt"/>
-                <a:ea typeface="+mn-ea"/>
-                <a:cs typeface="+mn-cs"/>
-              </a:defRPr>
-            </a:lvl1pPr>
-            <a:lvl2pPr marL="685800" indent="-228600" algn="l" defTabSz="914400" rtl="0" eaLnBrk="1" latinLnBrk="0" hangingPunct="1">
-              <a:lnSpc>
-                <a:spcPct val="90000"/>
-              </a:lnSpc>
-              <a:spcBef>
-                <a:spcPts val="500"/>
-              </a:spcBef>
-              <a:buFont typeface="Arial" panose="020B0604020202020204" pitchFamily="34" charset="0"/>
-              <a:buChar char="•"/>
-              <a:defRPr sz="2400" kern="1200">
-                <a:solidFill>
-                  <a:schemeClr val="tx1"/>
-                </a:solidFill>
-                <a:latin typeface="+mn-lt"/>
-                <a:ea typeface="+mn-ea"/>
-                <a:cs typeface="+mn-cs"/>
-              </a:defRPr>
-            </a:lvl2pPr>
-            <a:lvl3pPr marL="1143000" indent="-228600" algn="l" defTabSz="914400" rtl="0" eaLnBrk="1" latinLnBrk="0" hangingPunct="1">
-              <a:lnSpc>
-                <a:spcPct val="90000"/>
-              </a:lnSpc>
-              <a:spcBef>
-                <a:spcPts val="500"/>
-              </a:spcBef>
-              <a:buFont typeface="Arial" panose="020B0604020202020204" pitchFamily="34" charset="0"/>
-              <a:buChar char="•"/>
-              <a:defRPr sz="2000" kern="1200">
-                <a:solidFill>
-                  <a:schemeClr val="tx1"/>
-                </a:solidFill>
-                <a:latin typeface="+mn-lt"/>
-                <a:ea typeface="+mn-ea"/>
-                <a:cs typeface="+mn-cs"/>
-              </a:defRPr>
-            </a:lvl3pPr>
-            <a:lvl4pPr marL="1600200" indent="-228600" algn="l" defTabSz="914400" rtl="0" eaLnBrk="1" latinLnBrk="0" hangingPunct="1">
-              <a:lnSpc>
-                <a:spcPct val="90000"/>
-              </a:lnSpc>
-              <a:spcBef>
-                <a:spcPts val="500"/>
-              </a:spcBef>
-              <a:buFont typeface="Arial" panose="020B0604020202020204" pitchFamily="34" charset="0"/>
-              <a:buChar char="•"/>
-              <a:defRPr sz="1800" kern="1200">
-                <a:solidFill>
-                  <a:schemeClr val="tx1"/>
-                </a:solidFill>
-                <a:latin typeface="+mn-lt"/>
-                <a:ea typeface="+mn-ea"/>
-                <a:cs typeface="+mn-cs"/>
-              </a:defRPr>
-            </a:lvl4pPr>
-            <a:lvl5pPr marL="2057400" indent="-228600" algn="l" defTabSz="914400" rtl="0" eaLnBrk="1" latinLnBrk="0" hangingPunct="1">
-              <a:lnSpc>
-                <a:spcPct val="90000"/>
-              </a:lnSpc>
-              <a:spcBef>
-                <a:spcPts val="500"/>
-              </a:spcBef>
-              <a:buFont typeface="Arial" panose="020B0604020202020204" pitchFamily="34" charset="0"/>
-              <a:buChar char="•"/>
-              <a:defRPr sz="1800" kern="1200">
-                <a:solidFill>
-                  <a:schemeClr val="tx1"/>
-                </a:solidFill>
-                <a:latin typeface="+mn-lt"/>
-                <a:ea typeface="+mn-ea"/>
-                <a:cs typeface="+mn-cs"/>
-              </a:defRPr>
-            </a:lvl5pPr>
-            <a:lvl6pPr marL="2514600" indent="-228600" algn="l" defTabSz="914400" rtl="0" eaLnBrk="1" latinLnBrk="0" hangingPunct="1">
-              <a:lnSpc>
-                <a:spcPct val="90000"/>
-              </a:lnSpc>
-              <a:spcBef>
-                <a:spcPts val="500"/>
-              </a:spcBef>
-              <a:buFont typeface="Arial" panose="020B0604020202020204" pitchFamily="34" charset="0"/>
-              <a:buChar char="•"/>
-              <a:defRPr sz="1800" kern="1200">
-                <a:solidFill>
-                  <a:schemeClr val="tx1"/>
-                </a:solidFill>
-                <a:latin typeface="+mn-lt"/>
-                <a:ea typeface="+mn-ea"/>
-                <a:cs typeface="+mn-cs"/>
-              </a:defRPr>
-            </a:lvl6pPr>
-            <a:lvl7pPr marL="2971800" indent="-228600" algn="l" defTabSz="914400" rtl="0" eaLnBrk="1" latinLnBrk="0" hangingPunct="1">
-              <a:lnSpc>
-                <a:spcPct val="90000"/>
-              </a:lnSpc>
-              <a:spcBef>
-                <a:spcPts val="500"/>
-              </a:spcBef>
-              <a:buFont typeface="Arial" panose="020B0604020202020204" pitchFamily="34" charset="0"/>
-              <a:buChar char="•"/>
-              <a:defRPr sz="1800" kern="1200">
-                <a:solidFill>
-                  <a:schemeClr val="tx1"/>
-                </a:solidFill>
-                <a:latin typeface="+mn-lt"/>
-                <a:ea typeface="+mn-ea"/>
-                <a:cs typeface="+mn-cs"/>
-              </a:defRPr>
-            </a:lvl7pPr>
-            <a:lvl8pPr marL="3429000" indent="-228600" algn="l" defTabSz="914400" rtl="0" eaLnBrk="1" latinLnBrk="0" hangingPunct="1">
-              <a:lnSpc>
-                <a:spcPct val="90000"/>
-              </a:lnSpc>
-              <a:spcBef>
-                <a:spcPts val="500"/>
-              </a:spcBef>
-              <a:buFont typeface="Arial" panose="020B0604020202020204" pitchFamily="34" charset="0"/>
-              <a:buChar char="•"/>
-              <a:defRPr sz="1800" kern="1200">
-                <a:solidFill>
-                  <a:schemeClr val="tx1"/>
-                </a:solidFill>
-                <a:latin typeface="+mn-lt"/>
-                <a:ea typeface="+mn-ea"/>
-                <a:cs typeface="+mn-cs"/>
-              </a:defRPr>
-            </a:lvl8pPr>
-            <a:lvl9pPr marL="3886200" indent="-228600" algn="l" defTabSz="914400" rtl="0" eaLnBrk="1" latinLnBrk="0" hangingPunct="1">
-              <a:lnSpc>
-                <a:spcPct val="90000"/>
-              </a:lnSpc>
-              <a:spcBef>
-                <a:spcPts val="500"/>
-              </a:spcBef>
-              <a:buFont typeface="Arial" panose="020B0604020202020204" pitchFamily="34" charset="0"/>
-              <a:buChar char="•"/>
-              <a:defRPr sz="1800" kern="1200">
-                <a:solidFill>
-                  <a:schemeClr val="tx1"/>
-                </a:solidFill>
-                <a:latin typeface="+mn-lt"/>
-                <a:ea typeface="+mn-ea"/>
-                <a:cs typeface="+mn-cs"/>
-              </a:defRPr>
-            </a:lvl9pPr>
-          </a:lstStyle>
-          <a:p>
-            <a:pPr algn="just"/>
-            <a:r>
-              <a:rPr lang="en-US" sz="2400" dirty="0" smtClean="0">
-                <a:latin typeface="Times New Roman" panose="02020603050405020304" pitchFamily="18" charset="0"/>
-                <a:cs typeface="Times New Roman" panose="02020603050405020304" pitchFamily="18" charset="0"/>
-              </a:rPr>
-              <a:t>Một chỉ số đảo ngược nâng cao, lưu vị trí xuất hiện của từ đó trong tài liệu. Từ đó cho phép ta tìm kiếm cụm từ (Phrases). </a:t>
-            </a:r>
-          </a:p>
-          <a:p>
-            <a:pPr algn="just"/>
-            <a:r>
-              <a:rPr lang="en-US" sz="2400" dirty="0" smtClean="0">
-                <a:latin typeface="Times New Roman" panose="02020603050405020304" pitchFamily="18" charset="0"/>
-                <a:cs typeface="Times New Roman" panose="02020603050405020304" pitchFamily="18" charset="0"/>
-              </a:rPr>
-              <a:t>VD: Để tìm car insurance, tạo 2 inverted index car, insurance. Đầu tiên, lấy phần giao của 2 inverted index. Sau đó, tìm thông tin vị trí insurance đứng liền sau vị trí car.</a:t>
-            </a:r>
-          </a:p>
-          <a:p>
-            <a:pPr algn="just"/>
-            <a:endParaRPr lang="en-US" sz="2400" dirty="0" smtClean="0">
-              <a:latin typeface="Times New Roman" panose="02020603050405020304" pitchFamily="18" charset="0"/>
-              <a:cs typeface="Times New Roman" panose="02020603050405020304" pitchFamily="18" charset="0"/>
-            </a:endParaRPr>
-          </a:p>
-          <a:p>
-            <a:pPr marL="3657600" lvl="8" indent="0" algn="just">
-              <a:buFont typeface="Arial" panose="020B0604020202020204" pitchFamily="34" charset="0"/>
-              <a:buNone/>
-            </a:pPr>
-            <a:r>
-              <a:rPr lang="en-US" sz="1400" dirty="0" smtClean="0">
-                <a:latin typeface="Times New Roman" panose="02020603050405020304" pitchFamily="18" charset="0"/>
-                <a:cs typeface="Times New Roman" panose="02020603050405020304" pitchFamily="18" charset="0"/>
-              </a:rPr>
-              <a:t/>
-            </a:r>
-            <a:br>
-              <a:rPr lang="en-US" sz="1400" dirty="0" smtClean="0">
-                <a:latin typeface="Times New Roman" panose="02020603050405020304" pitchFamily="18" charset="0"/>
-                <a:cs typeface="Times New Roman" panose="02020603050405020304" pitchFamily="18" charset="0"/>
-              </a:rPr>
-            </a:br>
-            <a:endParaRPr lang="en-US" sz="1400" dirty="0">
-              <a:latin typeface="Times New Roman" panose="02020603050405020304" pitchFamily="18" charset="0"/>
-              <a:cs typeface="Times New Roman" panose="02020603050405020304" pitchFamily="18" charset="0"/>
-            </a:endParaRPr>
-          </a:p>
-        </p:txBody>
-      </p:sp>
     </p:spTree>
     <p:extLst>
       <p:ext uri="{BB962C8B-B14F-4D97-AF65-F5344CB8AC3E}">
-        <p14:creationId xmlns:p14="http://schemas.microsoft.com/office/powerpoint/2010/main" val="1373296985"/>
+        <p14:creationId xmlns:p14="http://schemas.microsoft.com/office/powerpoint/2010/main" val="1531001453"/>
       </p:ext>
     </p:extLst>
   </p:cSld>
@@ -3576,6 +3310,2049 @@
 </file>
 
 <file path=ppt/slides/slide4.xml><?xml version="1.0" encoding="utf-8"?>
+<p:sld xmlns:a="http://schemas.openxmlformats.org/drawingml/2006/main" xmlns:r="http://schemas.openxmlformats.org/officeDocument/2006/relationships" xmlns:p="http://schemas.openxmlformats.org/presentationml/2006/main">
+  <p:cSld>
+    <p:spTree>
+      <p:nvGrpSpPr>
+        <p:cNvPr id="1" name=""/>
+        <p:cNvGrpSpPr/>
+        <p:nvPr/>
+      </p:nvGrpSpPr>
+      <p:grpSpPr>
+        <a:xfrm>
+          <a:off x="0" y="0"/>
+          <a:ext cx="0" cy="0"/>
+          <a:chOff x="0" y="0"/>
+          <a:chExt cx="0" cy="0"/>
+        </a:xfrm>
+      </p:grpSpPr>
+      <p:sp>
+        <p:nvSpPr>
+          <p:cNvPr id="2" name="Title 1"/>
+          <p:cNvSpPr>
+            <a:spLocks noGrp="1"/>
+          </p:cNvSpPr>
+          <p:nvPr>
+            <p:ph type="title"/>
+          </p:nvPr>
+        </p:nvSpPr>
+        <p:spPr>
+          <a:xfrm>
+            <a:off x="0" y="0"/>
+            <a:ext cx="12192000" cy="1400530"/>
+          </a:xfrm>
+        </p:spPr>
+        <p:txBody>
+          <a:bodyPr>
+            <a:normAutofit/>
+          </a:bodyPr>
+          <a:lstStyle/>
+          <a:p>
+            <a:r>
+              <a:rPr lang="en-US" sz="4000" dirty="0" smtClean="0">
+                <a:solidFill>
+                  <a:schemeClr val="accent5">
+                    <a:lumMod val="75000"/>
+                  </a:schemeClr>
+                </a:solidFill>
+              </a:rPr>
+              <a:t>Inverted index.</a:t>
+            </a:r>
+            <a:endParaRPr lang="en-US" sz="4000" dirty="0">
+              <a:solidFill>
+                <a:schemeClr val="accent5">
+                  <a:lumMod val="75000"/>
+                </a:schemeClr>
+              </a:solidFill>
+            </a:endParaRPr>
+          </a:p>
+        </p:txBody>
+      </p:sp>
+      <p:sp>
+        <p:nvSpPr>
+          <p:cNvPr id="3" name="Content Placeholder 2"/>
+          <p:cNvSpPr>
+            <a:spLocks noGrp="1"/>
+          </p:cNvSpPr>
+          <p:nvPr>
+            <p:ph idx="1"/>
+          </p:nvPr>
+        </p:nvSpPr>
+        <p:spPr>
+          <a:xfrm>
+            <a:off x="95364" y="1018773"/>
+            <a:ext cx="8007235" cy="2461027"/>
+          </a:xfrm>
+        </p:spPr>
+        <p:txBody>
+          <a:bodyPr>
+            <a:noAutofit/>
+          </a:bodyPr>
+          <a:lstStyle/>
+          <a:p>
+            <a:r>
+              <a:rPr lang="en-US" sz="2400" dirty="0" smtClean="0">
+                <a:latin typeface="Times New Roman" panose="02020603050405020304" pitchFamily="18" charset="0"/>
+                <a:cs typeface="Times New Roman" panose="02020603050405020304" pitchFamily="18" charset="0"/>
+              </a:rPr>
+              <a:t>Đánh c</a:t>
+            </a:r>
+            <a:r>
+              <a:rPr lang="en-US" sz="2400" dirty="0" smtClean="0">
+                <a:latin typeface="Times New Roman" panose="02020603050405020304" pitchFamily="18" charset="0"/>
+                <a:cs typeface="Times New Roman" panose="02020603050405020304" pitchFamily="18" charset="0"/>
+              </a:rPr>
+              <a:t>hỉ mục ngược.</a:t>
+            </a:r>
+          </a:p>
+          <a:p>
+            <a:r>
+              <a:rPr lang="en-US" sz="2400" dirty="0">
+                <a:solidFill>
+                  <a:schemeClr val="accent3">
+                    <a:lumMod val="60000"/>
+                    <a:lumOff val="40000"/>
+                  </a:schemeClr>
+                </a:solidFill>
+                <a:latin typeface="Times New Roman" panose="02020603050405020304" pitchFamily="18" charset="0"/>
+                <a:cs typeface="Times New Roman" panose="02020603050405020304" pitchFamily="18" charset="0"/>
+              </a:rPr>
+              <a:t> </a:t>
+            </a:r>
+            <a:r>
+              <a:rPr lang="en-US" sz="2400" dirty="0" smtClean="0">
+                <a:solidFill>
+                  <a:schemeClr val="accent3">
+                    <a:lumMod val="60000"/>
+                    <a:lumOff val="40000"/>
+                  </a:schemeClr>
+                </a:solidFill>
+                <a:latin typeface="Times New Roman" panose="02020603050405020304" pitchFamily="18" charset="0"/>
+                <a:cs typeface="Times New Roman" panose="02020603050405020304" pitchFamily="18" charset="0"/>
+              </a:rPr>
+              <a:t>          	1         2       3        4         5    6    7</a:t>
+            </a:r>
+            <a:endParaRPr lang="en-US" sz="2400" dirty="0" smtClean="0">
+              <a:solidFill>
+                <a:schemeClr val="accent3">
+                  <a:lumMod val="60000"/>
+                  <a:lumOff val="40000"/>
+                </a:schemeClr>
+              </a:solidFill>
+              <a:latin typeface="Times New Roman" panose="02020603050405020304" pitchFamily="18" charset="0"/>
+              <a:cs typeface="Times New Roman" panose="02020603050405020304" pitchFamily="18" charset="0"/>
+            </a:endParaRPr>
+          </a:p>
+          <a:p>
+            <a:r>
+              <a:rPr lang="en-US" sz="2400" dirty="0" smtClean="0">
+                <a:latin typeface="Times New Roman" panose="02020603050405020304" pitchFamily="18" charset="0"/>
+                <a:cs typeface="Times New Roman" panose="02020603050405020304" pitchFamily="18" charset="0"/>
+              </a:rPr>
+              <a:t>Doc1</a:t>
+            </a:r>
+            <a:r>
+              <a:rPr lang="en-US" sz="2400" dirty="0">
+                <a:latin typeface="Times New Roman" panose="02020603050405020304" pitchFamily="18" charset="0"/>
+                <a:cs typeface="Times New Roman" panose="02020603050405020304" pitchFamily="18" charset="0"/>
+              </a:rPr>
+              <a:t>: </a:t>
+            </a:r>
+            <a:r>
+              <a:rPr lang="en-US" sz="2400" dirty="0" smtClean="0">
+                <a:latin typeface="Times New Roman" panose="02020603050405020304" pitchFamily="18" charset="0"/>
+                <a:cs typeface="Times New Roman" panose="02020603050405020304" pitchFamily="18" charset="0"/>
+              </a:rPr>
+              <a:t>	a        blue </a:t>
+            </a:r>
+            <a:r>
+              <a:rPr lang="en-US" sz="2400" dirty="0">
+                <a:latin typeface="Times New Roman" panose="02020603050405020304" pitchFamily="18" charset="0"/>
+                <a:cs typeface="Times New Roman" panose="02020603050405020304" pitchFamily="18" charset="0"/>
+              </a:rPr>
+              <a:t>dog </a:t>
+            </a:r>
+            <a:r>
+              <a:rPr lang="en-US" sz="2400" dirty="0" smtClean="0">
+                <a:latin typeface="Times New Roman" panose="02020603050405020304" pitchFamily="18" charset="0"/>
+                <a:cs typeface="Times New Roman" panose="02020603050405020304" pitchFamily="18" charset="0"/>
+              </a:rPr>
+              <a:t> running on  the road</a:t>
+            </a:r>
+          </a:p>
+          <a:p>
+            <a:r>
+              <a:rPr lang="en-US" sz="2400" dirty="0" smtClean="0">
+                <a:latin typeface="Times New Roman" panose="02020603050405020304" pitchFamily="18" charset="0"/>
+                <a:cs typeface="Times New Roman" panose="02020603050405020304" pitchFamily="18" charset="0"/>
+              </a:rPr>
+              <a:t>Doc2</a:t>
+            </a:r>
+            <a:r>
+              <a:rPr lang="en-US" sz="2400" dirty="0">
+                <a:latin typeface="Times New Roman" panose="02020603050405020304" pitchFamily="18" charset="0"/>
+                <a:cs typeface="Times New Roman" panose="02020603050405020304" pitchFamily="18" charset="0"/>
+              </a:rPr>
+              <a:t>: </a:t>
+            </a:r>
+            <a:r>
+              <a:rPr lang="en-US" sz="2400" dirty="0" smtClean="0">
+                <a:latin typeface="Times New Roman" panose="02020603050405020304" pitchFamily="18" charset="0"/>
+                <a:cs typeface="Times New Roman" panose="02020603050405020304" pitchFamily="18" charset="0"/>
+              </a:rPr>
+              <a:t>	a        blue </a:t>
+            </a:r>
+            <a:r>
+              <a:rPr lang="en-US" sz="2400" dirty="0">
+                <a:latin typeface="Times New Roman" panose="02020603050405020304" pitchFamily="18" charset="0"/>
+                <a:cs typeface="Times New Roman" panose="02020603050405020304" pitchFamily="18" charset="0"/>
+              </a:rPr>
+              <a:t>bird </a:t>
+            </a:r>
+            <a:r>
+              <a:rPr lang="en-US" sz="2400" dirty="0" smtClean="0">
+                <a:latin typeface="Times New Roman" panose="02020603050405020304" pitchFamily="18" charset="0"/>
+                <a:cs typeface="Times New Roman" panose="02020603050405020304" pitchFamily="18" charset="0"/>
+              </a:rPr>
+              <a:t> flying    in  the sky</a:t>
+            </a:r>
+          </a:p>
+          <a:p>
+            <a:r>
+              <a:rPr lang="en-US" sz="2400" dirty="0" smtClean="0">
+                <a:latin typeface="Times New Roman" panose="02020603050405020304" pitchFamily="18" charset="0"/>
+                <a:cs typeface="Times New Roman" panose="02020603050405020304" pitchFamily="18" charset="0"/>
+              </a:rPr>
+              <a:t>Doc3: 	under the   blue  sky</a:t>
+            </a:r>
+          </a:p>
+          <a:p>
+            <a:endParaRPr lang="en-US" sz="2400" dirty="0" smtClean="0">
+              <a:latin typeface="Times New Roman" panose="02020603050405020304" pitchFamily="18" charset="0"/>
+              <a:cs typeface="Times New Roman" panose="02020603050405020304" pitchFamily="18" charset="0"/>
+            </a:endParaRPr>
+          </a:p>
+        </p:txBody>
+      </p:sp>
+      <p:sp>
+        <p:nvSpPr>
+          <p:cNvPr id="4" name="Content Placeholder 2"/>
+          <p:cNvSpPr txBox="1">
+            <a:spLocks/>
+          </p:cNvSpPr>
+          <p:nvPr/>
+        </p:nvSpPr>
+        <p:spPr>
+          <a:xfrm>
+            <a:off x="298565" y="3543782"/>
+            <a:ext cx="2660536" cy="2574061"/>
+          </a:xfrm>
+          <a:prstGeom prst="rect">
+            <a:avLst/>
+          </a:prstGeom>
+        </p:spPr>
+        <p:txBody>
+          <a:bodyPr vert="horz" lIns="91440" tIns="45720" rIns="91440" bIns="45720" rtlCol="0">
+            <a:noAutofit/>
+          </a:bodyPr>
+          <a:lstStyle>
+            <a:lvl1pPr marL="228600" indent="-228600" algn="l" defTabSz="914400" rtl="0" eaLnBrk="1" latinLnBrk="0" hangingPunct="1">
+              <a:lnSpc>
+                <a:spcPct val="90000"/>
+              </a:lnSpc>
+              <a:spcBef>
+                <a:spcPts val="1000"/>
+              </a:spcBef>
+              <a:buFont typeface="Arial" panose="020B0604020202020204" pitchFamily="34" charset="0"/>
+              <a:buChar char="•"/>
+              <a:defRPr sz="2800" kern="1200">
+                <a:solidFill>
+                  <a:schemeClr val="tx1"/>
+                </a:solidFill>
+                <a:latin typeface="+mn-lt"/>
+                <a:ea typeface="+mn-ea"/>
+                <a:cs typeface="+mn-cs"/>
+              </a:defRPr>
+            </a:lvl1pPr>
+            <a:lvl2pPr marL="685800" indent="-228600" algn="l" defTabSz="914400" rtl="0" eaLnBrk="1" latinLnBrk="0" hangingPunct="1">
+              <a:lnSpc>
+                <a:spcPct val="90000"/>
+              </a:lnSpc>
+              <a:spcBef>
+                <a:spcPts val="500"/>
+              </a:spcBef>
+              <a:buFont typeface="Arial" panose="020B0604020202020204" pitchFamily="34" charset="0"/>
+              <a:buChar char="•"/>
+              <a:defRPr sz="2400" kern="1200">
+                <a:solidFill>
+                  <a:schemeClr val="tx1"/>
+                </a:solidFill>
+                <a:latin typeface="+mn-lt"/>
+                <a:ea typeface="+mn-ea"/>
+                <a:cs typeface="+mn-cs"/>
+              </a:defRPr>
+            </a:lvl2pPr>
+            <a:lvl3pPr marL="1143000" indent="-228600" algn="l" defTabSz="914400" rtl="0" eaLnBrk="1" latinLnBrk="0" hangingPunct="1">
+              <a:lnSpc>
+                <a:spcPct val="90000"/>
+              </a:lnSpc>
+              <a:spcBef>
+                <a:spcPts val="500"/>
+              </a:spcBef>
+              <a:buFont typeface="Arial" panose="020B0604020202020204" pitchFamily="34" charset="0"/>
+              <a:buChar char="•"/>
+              <a:defRPr sz="2000" kern="1200">
+                <a:solidFill>
+                  <a:schemeClr val="tx1"/>
+                </a:solidFill>
+                <a:latin typeface="+mn-lt"/>
+                <a:ea typeface="+mn-ea"/>
+                <a:cs typeface="+mn-cs"/>
+              </a:defRPr>
+            </a:lvl3pPr>
+            <a:lvl4pPr marL="1600200" indent="-228600" algn="l" defTabSz="914400" rtl="0" eaLnBrk="1" latinLnBrk="0" hangingPunct="1">
+              <a:lnSpc>
+                <a:spcPct val="90000"/>
+              </a:lnSpc>
+              <a:spcBef>
+                <a:spcPts val="500"/>
+              </a:spcBef>
+              <a:buFont typeface="Arial" panose="020B0604020202020204" pitchFamily="34" charset="0"/>
+              <a:buChar char="•"/>
+              <a:defRPr sz="1800" kern="1200">
+                <a:solidFill>
+                  <a:schemeClr val="tx1"/>
+                </a:solidFill>
+                <a:latin typeface="+mn-lt"/>
+                <a:ea typeface="+mn-ea"/>
+                <a:cs typeface="+mn-cs"/>
+              </a:defRPr>
+            </a:lvl4pPr>
+            <a:lvl5pPr marL="2057400" indent="-228600" algn="l" defTabSz="914400" rtl="0" eaLnBrk="1" latinLnBrk="0" hangingPunct="1">
+              <a:lnSpc>
+                <a:spcPct val="90000"/>
+              </a:lnSpc>
+              <a:spcBef>
+                <a:spcPts val="500"/>
+              </a:spcBef>
+              <a:buFont typeface="Arial" panose="020B0604020202020204" pitchFamily="34" charset="0"/>
+              <a:buChar char="•"/>
+              <a:defRPr sz="1800" kern="1200">
+                <a:solidFill>
+                  <a:schemeClr val="tx1"/>
+                </a:solidFill>
+                <a:latin typeface="+mn-lt"/>
+                <a:ea typeface="+mn-ea"/>
+                <a:cs typeface="+mn-cs"/>
+              </a:defRPr>
+            </a:lvl5pPr>
+            <a:lvl6pPr marL="2514600" indent="-228600" algn="l" defTabSz="914400" rtl="0" eaLnBrk="1" latinLnBrk="0" hangingPunct="1">
+              <a:lnSpc>
+                <a:spcPct val="90000"/>
+              </a:lnSpc>
+              <a:spcBef>
+                <a:spcPts val="500"/>
+              </a:spcBef>
+              <a:buFont typeface="Arial" panose="020B0604020202020204" pitchFamily="34" charset="0"/>
+              <a:buChar char="•"/>
+              <a:defRPr sz="1800" kern="1200">
+                <a:solidFill>
+                  <a:schemeClr val="tx1"/>
+                </a:solidFill>
+                <a:latin typeface="+mn-lt"/>
+                <a:ea typeface="+mn-ea"/>
+                <a:cs typeface="+mn-cs"/>
+              </a:defRPr>
+            </a:lvl6pPr>
+            <a:lvl7pPr marL="2971800" indent="-228600" algn="l" defTabSz="914400" rtl="0" eaLnBrk="1" latinLnBrk="0" hangingPunct="1">
+              <a:lnSpc>
+                <a:spcPct val="90000"/>
+              </a:lnSpc>
+              <a:spcBef>
+                <a:spcPts val="500"/>
+              </a:spcBef>
+              <a:buFont typeface="Arial" panose="020B0604020202020204" pitchFamily="34" charset="0"/>
+              <a:buChar char="•"/>
+              <a:defRPr sz="1800" kern="1200">
+                <a:solidFill>
+                  <a:schemeClr val="tx1"/>
+                </a:solidFill>
+                <a:latin typeface="+mn-lt"/>
+                <a:ea typeface="+mn-ea"/>
+                <a:cs typeface="+mn-cs"/>
+              </a:defRPr>
+            </a:lvl7pPr>
+            <a:lvl8pPr marL="3429000" indent="-228600" algn="l" defTabSz="914400" rtl="0" eaLnBrk="1" latinLnBrk="0" hangingPunct="1">
+              <a:lnSpc>
+                <a:spcPct val="90000"/>
+              </a:lnSpc>
+              <a:spcBef>
+                <a:spcPts val="500"/>
+              </a:spcBef>
+              <a:buFont typeface="Arial" panose="020B0604020202020204" pitchFamily="34" charset="0"/>
+              <a:buChar char="•"/>
+              <a:defRPr sz="1800" kern="1200">
+                <a:solidFill>
+                  <a:schemeClr val="tx1"/>
+                </a:solidFill>
+                <a:latin typeface="+mn-lt"/>
+                <a:ea typeface="+mn-ea"/>
+                <a:cs typeface="+mn-cs"/>
+              </a:defRPr>
+            </a:lvl8pPr>
+            <a:lvl9pPr marL="3886200" indent="-228600" algn="l" defTabSz="914400" rtl="0" eaLnBrk="1" latinLnBrk="0" hangingPunct="1">
+              <a:lnSpc>
+                <a:spcPct val="90000"/>
+              </a:lnSpc>
+              <a:spcBef>
+                <a:spcPts val="500"/>
+              </a:spcBef>
+              <a:buFont typeface="Arial" panose="020B0604020202020204" pitchFamily="34" charset="0"/>
+              <a:buChar char="•"/>
+              <a:defRPr sz="1800" kern="1200">
+                <a:solidFill>
+                  <a:schemeClr val="tx1"/>
+                </a:solidFill>
+                <a:latin typeface="+mn-lt"/>
+                <a:ea typeface="+mn-ea"/>
+                <a:cs typeface="+mn-cs"/>
+              </a:defRPr>
+            </a:lvl9pPr>
+          </a:lstStyle>
+          <a:p>
+            <a:pPr marL="0" lvl="8" indent="0" algn="just">
+              <a:buFont typeface="Arial" panose="020B0604020202020204" pitchFamily="34" charset="0"/>
+              <a:buNone/>
+            </a:pPr>
+            <a:r>
+              <a:rPr lang="en-US" sz="2400" dirty="0" smtClean="0">
+                <a:latin typeface="Times New Roman" panose="02020603050405020304" pitchFamily="18" charset="0"/>
+                <a:cs typeface="Times New Roman" panose="02020603050405020304" pitchFamily="18" charset="0"/>
+              </a:rPr>
+              <a:t>the blue sky</a:t>
+            </a:r>
+          </a:p>
+          <a:p>
+            <a:pPr marL="0" lvl="8" indent="0" algn="just">
+              <a:buFont typeface="Arial" panose="020B0604020202020204" pitchFamily="34" charset="0"/>
+              <a:buNone/>
+            </a:pPr>
+            <a:endParaRPr lang="en-US" sz="2400" dirty="0" smtClean="0">
+              <a:latin typeface="Times New Roman" panose="02020603050405020304" pitchFamily="18" charset="0"/>
+              <a:cs typeface="Times New Roman" panose="02020603050405020304" pitchFamily="18" charset="0"/>
+            </a:endParaRPr>
+          </a:p>
+          <a:p>
+            <a:pPr marL="0" lvl="8" indent="0" algn="just">
+              <a:buNone/>
+            </a:pPr>
+            <a:r>
+              <a:rPr lang="en-US" sz="2400" dirty="0" smtClean="0">
+                <a:latin typeface="Times New Roman" panose="02020603050405020304" pitchFamily="18" charset="0"/>
+                <a:cs typeface="Times New Roman" panose="02020603050405020304" pitchFamily="18" charset="0"/>
+              </a:rPr>
+              <a:t>the:  {</a:t>
+            </a:r>
+            <a:r>
+              <a:rPr lang="en-US" sz="2400" dirty="0">
+                <a:latin typeface="Times New Roman" panose="02020603050405020304" pitchFamily="18" charset="0"/>
+                <a:cs typeface="Times New Roman" panose="02020603050405020304" pitchFamily="18" charset="0"/>
+              </a:rPr>
+              <a:t>1:6; 2:6; 3:2</a:t>
+            </a:r>
+            <a:r>
+              <a:rPr lang="en-US" sz="2400" dirty="0" smtClean="0">
+                <a:latin typeface="Times New Roman" panose="02020603050405020304" pitchFamily="18" charset="0"/>
+                <a:cs typeface="Times New Roman" panose="02020603050405020304" pitchFamily="18" charset="0"/>
+              </a:rPr>
+              <a:t>}</a:t>
+            </a:r>
+          </a:p>
+          <a:p>
+            <a:pPr marL="0" lvl="8" indent="0" algn="just">
+              <a:buNone/>
+            </a:pPr>
+            <a:r>
+              <a:rPr lang="en-US" sz="2400" dirty="0" smtClean="0">
+                <a:latin typeface="Times New Roman" panose="02020603050405020304" pitchFamily="18" charset="0"/>
+                <a:cs typeface="Times New Roman" panose="02020603050405020304" pitchFamily="18" charset="0"/>
+              </a:rPr>
+              <a:t>blue</a:t>
+            </a:r>
+            <a:r>
+              <a:rPr lang="en-US" sz="2400" dirty="0">
+                <a:latin typeface="Times New Roman" panose="02020603050405020304" pitchFamily="18" charset="0"/>
+                <a:cs typeface="Times New Roman" panose="02020603050405020304" pitchFamily="18" charset="0"/>
+              </a:rPr>
+              <a:t>: </a:t>
+            </a:r>
+            <a:r>
+              <a:rPr lang="en-US" sz="2400" dirty="0" smtClean="0">
+                <a:latin typeface="Times New Roman" panose="02020603050405020304" pitchFamily="18" charset="0"/>
+                <a:cs typeface="Times New Roman" panose="02020603050405020304" pitchFamily="18" charset="0"/>
+              </a:rPr>
+              <a:t>{</a:t>
+            </a:r>
+            <a:r>
+              <a:rPr lang="en-US" sz="2400" dirty="0">
+                <a:latin typeface="Times New Roman" panose="02020603050405020304" pitchFamily="18" charset="0"/>
+                <a:cs typeface="Times New Roman" panose="02020603050405020304" pitchFamily="18" charset="0"/>
+              </a:rPr>
+              <a:t>1:2; 2:2; 3:3</a:t>
+            </a:r>
+            <a:r>
+              <a:rPr lang="en-US" sz="2400" dirty="0" smtClean="0">
+                <a:latin typeface="Times New Roman" panose="02020603050405020304" pitchFamily="18" charset="0"/>
+                <a:cs typeface="Times New Roman" panose="02020603050405020304" pitchFamily="18" charset="0"/>
+              </a:rPr>
+              <a:t>}</a:t>
+            </a:r>
+          </a:p>
+          <a:p>
+            <a:pPr marL="0" lvl="8" indent="0" algn="just">
+              <a:buNone/>
+            </a:pPr>
+            <a:r>
+              <a:rPr lang="en-US" sz="2400" dirty="0" smtClean="0">
+                <a:latin typeface="Times New Roman" panose="02020603050405020304" pitchFamily="18" charset="0"/>
+                <a:cs typeface="Times New Roman" panose="02020603050405020304" pitchFamily="18" charset="0"/>
+              </a:rPr>
+              <a:t>sky</a:t>
+            </a:r>
+            <a:r>
+              <a:rPr lang="en-US" sz="2400" dirty="0">
+                <a:latin typeface="Times New Roman" panose="02020603050405020304" pitchFamily="18" charset="0"/>
+                <a:cs typeface="Times New Roman" panose="02020603050405020304" pitchFamily="18" charset="0"/>
+              </a:rPr>
+              <a:t>: </a:t>
+            </a:r>
+            <a:r>
+              <a:rPr lang="en-US" sz="2400" dirty="0" smtClean="0">
+                <a:latin typeface="Times New Roman" panose="02020603050405020304" pitchFamily="18" charset="0"/>
+                <a:cs typeface="Times New Roman" panose="02020603050405020304" pitchFamily="18" charset="0"/>
+              </a:rPr>
+              <a:t> {</a:t>
+            </a:r>
+            <a:r>
+              <a:rPr lang="en-US" sz="2400" dirty="0">
+                <a:latin typeface="Times New Roman" panose="02020603050405020304" pitchFamily="18" charset="0"/>
+                <a:cs typeface="Times New Roman" panose="02020603050405020304" pitchFamily="18" charset="0"/>
+              </a:rPr>
+              <a:t>2:7; 3:4}</a:t>
+            </a:r>
+            <a:endParaRPr lang="en-US" sz="2400" dirty="0">
+              <a:latin typeface="Times New Roman" panose="02020603050405020304" pitchFamily="18" charset="0"/>
+              <a:cs typeface="Times New Roman" panose="02020603050405020304" pitchFamily="18" charset="0"/>
+            </a:endParaRPr>
+          </a:p>
+        </p:txBody>
+      </p:sp>
+      <p:sp>
+        <p:nvSpPr>
+          <p:cNvPr id="5" name="Content Placeholder 2"/>
+          <p:cNvSpPr txBox="1">
+            <a:spLocks/>
+          </p:cNvSpPr>
+          <p:nvPr/>
+        </p:nvSpPr>
+        <p:spPr>
+          <a:xfrm>
+            <a:off x="8102599" y="1018773"/>
+            <a:ext cx="3949473" cy="5435600"/>
+          </a:xfrm>
+          <a:prstGeom prst="rect">
+            <a:avLst/>
+          </a:prstGeom>
+        </p:spPr>
+        <p:txBody>
+          <a:bodyPr vert="horz" lIns="91440" tIns="45720" rIns="91440" bIns="45720" rtlCol="0">
+            <a:noAutofit/>
+          </a:bodyPr>
+          <a:lstStyle>
+            <a:lvl1pPr marL="228600" indent="-228600" algn="l" defTabSz="914400" rtl="0" eaLnBrk="1" latinLnBrk="0" hangingPunct="1">
+              <a:lnSpc>
+                <a:spcPct val="90000"/>
+              </a:lnSpc>
+              <a:spcBef>
+                <a:spcPts val="1000"/>
+              </a:spcBef>
+              <a:buFont typeface="Arial" panose="020B0604020202020204" pitchFamily="34" charset="0"/>
+              <a:buChar char="•"/>
+              <a:defRPr sz="2800" kern="1200">
+                <a:solidFill>
+                  <a:schemeClr val="tx1"/>
+                </a:solidFill>
+                <a:latin typeface="+mn-lt"/>
+                <a:ea typeface="+mn-ea"/>
+                <a:cs typeface="+mn-cs"/>
+              </a:defRPr>
+            </a:lvl1pPr>
+            <a:lvl2pPr marL="685800" indent="-228600" algn="l" defTabSz="914400" rtl="0" eaLnBrk="1" latinLnBrk="0" hangingPunct="1">
+              <a:lnSpc>
+                <a:spcPct val="90000"/>
+              </a:lnSpc>
+              <a:spcBef>
+                <a:spcPts val="500"/>
+              </a:spcBef>
+              <a:buFont typeface="Arial" panose="020B0604020202020204" pitchFamily="34" charset="0"/>
+              <a:buChar char="•"/>
+              <a:defRPr sz="2400" kern="1200">
+                <a:solidFill>
+                  <a:schemeClr val="tx1"/>
+                </a:solidFill>
+                <a:latin typeface="+mn-lt"/>
+                <a:ea typeface="+mn-ea"/>
+                <a:cs typeface="+mn-cs"/>
+              </a:defRPr>
+            </a:lvl2pPr>
+            <a:lvl3pPr marL="1143000" indent="-228600" algn="l" defTabSz="914400" rtl="0" eaLnBrk="1" latinLnBrk="0" hangingPunct="1">
+              <a:lnSpc>
+                <a:spcPct val="90000"/>
+              </a:lnSpc>
+              <a:spcBef>
+                <a:spcPts val="500"/>
+              </a:spcBef>
+              <a:buFont typeface="Arial" panose="020B0604020202020204" pitchFamily="34" charset="0"/>
+              <a:buChar char="•"/>
+              <a:defRPr sz="2000" kern="1200">
+                <a:solidFill>
+                  <a:schemeClr val="tx1"/>
+                </a:solidFill>
+                <a:latin typeface="+mn-lt"/>
+                <a:ea typeface="+mn-ea"/>
+                <a:cs typeface="+mn-cs"/>
+              </a:defRPr>
+            </a:lvl3pPr>
+            <a:lvl4pPr marL="1600200" indent="-228600" algn="l" defTabSz="914400" rtl="0" eaLnBrk="1" latinLnBrk="0" hangingPunct="1">
+              <a:lnSpc>
+                <a:spcPct val="90000"/>
+              </a:lnSpc>
+              <a:spcBef>
+                <a:spcPts val="500"/>
+              </a:spcBef>
+              <a:buFont typeface="Arial" panose="020B0604020202020204" pitchFamily="34" charset="0"/>
+              <a:buChar char="•"/>
+              <a:defRPr sz="1800" kern="1200">
+                <a:solidFill>
+                  <a:schemeClr val="tx1"/>
+                </a:solidFill>
+                <a:latin typeface="+mn-lt"/>
+                <a:ea typeface="+mn-ea"/>
+                <a:cs typeface="+mn-cs"/>
+              </a:defRPr>
+            </a:lvl4pPr>
+            <a:lvl5pPr marL="2057400" indent="-228600" algn="l" defTabSz="914400" rtl="0" eaLnBrk="1" latinLnBrk="0" hangingPunct="1">
+              <a:lnSpc>
+                <a:spcPct val="90000"/>
+              </a:lnSpc>
+              <a:spcBef>
+                <a:spcPts val="500"/>
+              </a:spcBef>
+              <a:buFont typeface="Arial" panose="020B0604020202020204" pitchFamily="34" charset="0"/>
+              <a:buChar char="•"/>
+              <a:defRPr sz="1800" kern="1200">
+                <a:solidFill>
+                  <a:schemeClr val="tx1"/>
+                </a:solidFill>
+                <a:latin typeface="+mn-lt"/>
+                <a:ea typeface="+mn-ea"/>
+                <a:cs typeface="+mn-cs"/>
+              </a:defRPr>
+            </a:lvl5pPr>
+            <a:lvl6pPr marL="2514600" indent="-228600" algn="l" defTabSz="914400" rtl="0" eaLnBrk="1" latinLnBrk="0" hangingPunct="1">
+              <a:lnSpc>
+                <a:spcPct val="90000"/>
+              </a:lnSpc>
+              <a:spcBef>
+                <a:spcPts val="500"/>
+              </a:spcBef>
+              <a:buFont typeface="Arial" panose="020B0604020202020204" pitchFamily="34" charset="0"/>
+              <a:buChar char="•"/>
+              <a:defRPr sz="1800" kern="1200">
+                <a:solidFill>
+                  <a:schemeClr val="tx1"/>
+                </a:solidFill>
+                <a:latin typeface="+mn-lt"/>
+                <a:ea typeface="+mn-ea"/>
+                <a:cs typeface="+mn-cs"/>
+              </a:defRPr>
+            </a:lvl6pPr>
+            <a:lvl7pPr marL="2971800" indent="-228600" algn="l" defTabSz="914400" rtl="0" eaLnBrk="1" latinLnBrk="0" hangingPunct="1">
+              <a:lnSpc>
+                <a:spcPct val="90000"/>
+              </a:lnSpc>
+              <a:spcBef>
+                <a:spcPts val="500"/>
+              </a:spcBef>
+              <a:buFont typeface="Arial" panose="020B0604020202020204" pitchFamily="34" charset="0"/>
+              <a:buChar char="•"/>
+              <a:defRPr sz="1800" kern="1200">
+                <a:solidFill>
+                  <a:schemeClr val="tx1"/>
+                </a:solidFill>
+                <a:latin typeface="+mn-lt"/>
+                <a:ea typeface="+mn-ea"/>
+                <a:cs typeface="+mn-cs"/>
+              </a:defRPr>
+            </a:lvl7pPr>
+            <a:lvl8pPr marL="3429000" indent="-228600" algn="l" defTabSz="914400" rtl="0" eaLnBrk="1" latinLnBrk="0" hangingPunct="1">
+              <a:lnSpc>
+                <a:spcPct val="90000"/>
+              </a:lnSpc>
+              <a:spcBef>
+                <a:spcPts val="500"/>
+              </a:spcBef>
+              <a:buFont typeface="Arial" panose="020B0604020202020204" pitchFamily="34" charset="0"/>
+              <a:buChar char="•"/>
+              <a:defRPr sz="1800" kern="1200">
+                <a:solidFill>
+                  <a:schemeClr val="tx1"/>
+                </a:solidFill>
+                <a:latin typeface="+mn-lt"/>
+                <a:ea typeface="+mn-ea"/>
+                <a:cs typeface="+mn-cs"/>
+              </a:defRPr>
+            </a:lvl8pPr>
+            <a:lvl9pPr marL="3886200" indent="-228600" algn="l" defTabSz="914400" rtl="0" eaLnBrk="1" latinLnBrk="0" hangingPunct="1">
+              <a:lnSpc>
+                <a:spcPct val="90000"/>
+              </a:lnSpc>
+              <a:spcBef>
+                <a:spcPts val="500"/>
+              </a:spcBef>
+              <a:buFont typeface="Arial" panose="020B0604020202020204" pitchFamily="34" charset="0"/>
+              <a:buChar char="•"/>
+              <a:defRPr sz="1800" kern="1200">
+                <a:solidFill>
+                  <a:schemeClr val="tx1"/>
+                </a:solidFill>
+                <a:latin typeface="+mn-lt"/>
+                <a:ea typeface="+mn-ea"/>
+                <a:cs typeface="+mn-cs"/>
+              </a:defRPr>
+            </a:lvl9pPr>
+          </a:lstStyle>
+          <a:p>
+            <a:pPr marL="457200" indent="-457200">
+              <a:buFont typeface="+mj-lt"/>
+              <a:buAutoNum type="arabicPeriod"/>
+            </a:pPr>
+            <a:r>
+              <a:rPr lang="en-US" sz="2400" dirty="0" smtClean="0">
+                <a:latin typeface="Times New Roman" panose="02020603050405020304" pitchFamily="18" charset="0"/>
+                <a:cs typeface="Times New Roman" panose="02020603050405020304" pitchFamily="18" charset="0"/>
+              </a:rPr>
+              <a:t>a:            {1:1; 2:1}</a:t>
+            </a:r>
+          </a:p>
+          <a:p>
+            <a:pPr marL="457200" indent="-457200">
+              <a:buFont typeface="+mj-lt"/>
+              <a:buAutoNum type="arabicPeriod"/>
+            </a:pPr>
+            <a:r>
+              <a:rPr lang="en-US" sz="2400" dirty="0">
+                <a:solidFill>
+                  <a:srgbClr val="FF0000"/>
+                </a:solidFill>
+                <a:latin typeface="Times New Roman" panose="02020603050405020304" pitchFamily="18" charset="0"/>
+                <a:cs typeface="Times New Roman" panose="02020603050405020304" pitchFamily="18" charset="0"/>
+              </a:rPr>
+              <a:t>bird:       {2:3}</a:t>
+            </a:r>
+            <a:endParaRPr lang="en-US" sz="2400" dirty="0" smtClean="0">
+              <a:solidFill>
+                <a:srgbClr val="FF0000"/>
+              </a:solidFill>
+              <a:latin typeface="Times New Roman" panose="02020603050405020304" pitchFamily="18" charset="0"/>
+              <a:cs typeface="Times New Roman" panose="02020603050405020304" pitchFamily="18" charset="0"/>
+            </a:endParaRPr>
+          </a:p>
+          <a:p>
+            <a:pPr marL="457200" indent="-457200">
+              <a:buFont typeface="+mj-lt"/>
+              <a:buAutoNum type="arabicPeriod"/>
+            </a:pPr>
+            <a:r>
+              <a:rPr lang="en-US" sz="2400" dirty="0" smtClean="0">
+                <a:solidFill>
+                  <a:srgbClr val="FF0000"/>
+                </a:solidFill>
+                <a:latin typeface="Times New Roman" panose="02020603050405020304" pitchFamily="18" charset="0"/>
+                <a:cs typeface="Times New Roman" panose="02020603050405020304" pitchFamily="18" charset="0"/>
+              </a:rPr>
+              <a:t>blue:       {1:2; 2:2; 3:3}</a:t>
+            </a:r>
+          </a:p>
+          <a:p>
+            <a:pPr marL="457200" indent="-457200">
+              <a:buFont typeface="+mj-lt"/>
+              <a:buAutoNum type="arabicPeriod"/>
+            </a:pPr>
+            <a:r>
+              <a:rPr lang="en-US" sz="2400" dirty="0" smtClean="0">
+                <a:solidFill>
+                  <a:srgbClr val="FF0000"/>
+                </a:solidFill>
+                <a:latin typeface="Times New Roman" panose="02020603050405020304" pitchFamily="18" charset="0"/>
+                <a:cs typeface="Times New Roman" panose="02020603050405020304" pitchFamily="18" charset="0"/>
+              </a:rPr>
+              <a:t>dog:        {1:3}</a:t>
+            </a:r>
+          </a:p>
+          <a:p>
+            <a:pPr marL="457200" indent="-457200">
+              <a:buFont typeface="+mj-lt"/>
+              <a:buAutoNum type="arabicPeriod"/>
+            </a:pPr>
+            <a:r>
+              <a:rPr lang="en-US" sz="2400" dirty="0" smtClean="0">
+                <a:solidFill>
+                  <a:srgbClr val="FF0000"/>
+                </a:solidFill>
+                <a:latin typeface="Times New Roman" panose="02020603050405020304" pitchFamily="18" charset="0"/>
+                <a:cs typeface="Times New Roman" panose="02020603050405020304" pitchFamily="18" charset="0"/>
+              </a:rPr>
+              <a:t>flying:     {2:4}</a:t>
+            </a:r>
+          </a:p>
+          <a:p>
+            <a:pPr marL="457200" indent="-457200">
+              <a:buFont typeface="+mj-lt"/>
+              <a:buAutoNum type="arabicPeriod"/>
+            </a:pPr>
+            <a:r>
+              <a:rPr lang="en-US" sz="2400" dirty="0" smtClean="0">
+                <a:latin typeface="Times New Roman" panose="02020603050405020304" pitchFamily="18" charset="0"/>
+                <a:cs typeface="Times New Roman" panose="02020603050405020304" pitchFamily="18" charset="0"/>
+              </a:rPr>
+              <a:t>in:            {2:5}</a:t>
+            </a:r>
+          </a:p>
+          <a:p>
+            <a:pPr marL="457200" indent="-457200">
+              <a:buFont typeface="+mj-lt"/>
+              <a:buAutoNum type="arabicPeriod"/>
+            </a:pPr>
+            <a:r>
+              <a:rPr lang="en-US" sz="2400" dirty="0" smtClean="0">
+                <a:latin typeface="Times New Roman" panose="02020603050405020304" pitchFamily="18" charset="0"/>
+                <a:cs typeface="Times New Roman" panose="02020603050405020304" pitchFamily="18" charset="0"/>
+              </a:rPr>
+              <a:t>on:          {1:5}</a:t>
+            </a:r>
+          </a:p>
+          <a:p>
+            <a:pPr marL="457200" indent="-457200">
+              <a:buFont typeface="+mj-lt"/>
+              <a:buAutoNum type="arabicPeriod"/>
+            </a:pPr>
+            <a:r>
+              <a:rPr lang="en-US" sz="2400" dirty="0" smtClean="0">
+                <a:solidFill>
+                  <a:srgbClr val="FF0000"/>
+                </a:solidFill>
+                <a:latin typeface="Times New Roman" panose="02020603050405020304" pitchFamily="18" charset="0"/>
+                <a:cs typeface="Times New Roman" panose="02020603050405020304" pitchFamily="18" charset="0"/>
+              </a:rPr>
+              <a:t>road:       {1:7}</a:t>
+            </a:r>
+          </a:p>
+          <a:p>
+            <a:pPr marL="457200" indent="-457200">
+              <a:buFont typeface="+mj-lt"/>
+              <a:buAutoNum type="arabicPeriod"/>
+            </a:pPr>
+            <a:r>
+              <a:rPr lang="en-US" sz="2400" dirty="0" smtClean="0">
+                <a:solidFill>
+                  <a:srgbClr val="FF0000"/>
+                </a:solidFill>
+                <a:latin typeface="Times New Roman" panose="02020603050405020304" pitchFamily="18" charset="0"/>
+                <a:cs typeface="Times New Roman" panose="02020603050405020304" pitchFamily="18" charset="0"/>
+              </a:rPr>
+              <a:t>running:  {1:4}</a:t>
+            </a:r>
+          </a:p>
+          <a:p>
+            <a:pPr marL="457200" indent="-457200">
+              <a:buFont typeface="+mj-lt"/>
+              <a:buAutoNum type="arabicPeriod"/>
+            </a:pPr>
+            <a:r>
+              <a:rPr lang="en-US" sz="2400" dirty="0" smtClean="0">
+                <a:solidFill>
+                  <a:srgbClr val="FF0000"/>
+                </a:solidFill>
+                <a:latin typeface="Times New Roman" panose="02020603050405020304" pitchFamily="18" charset="0"/>
+                <a:cs typeface="Times New Roman" panose="02020603050405020304" pitchFamily="18" charset="0"/>
+              </a:rPr>
+              <a:t>sky:         {2:7; 3:4}</a:t>
+            </a:r>
+          </a:p>
+          <a:p>
+            <a:pPr marL="457200" indent="-457200">
+              <a:buFont typeface="+mj-lt"/>
+              <a:buAutoNum type="arabicPeriod"/>
+            </a:pPr>
+            <a:r>
+              <a:rPr lang="en-US" sz="2400" dirty="0" smtClean="0">
+                <a:latin typeface="Times New Roman" panose="02020603050405020304" pitchFamily="18" charset="0"/>
+                <a:cs typeface="Times New Roman" panose="02020603050405020304" pitchFamily="18" charset="0"/>
+              </a:rPr>
+              <a:t>the:        {1:6; 2:6; 3:2}</a:t>
+            </a:r>
+          </a:p>
+          <a:p>
+            <a:pPr marL="457200" indent="-457200">
+              <a:buFont typeface="+mj-lt"/>
+              <a:buAutoNum type="arabicPeriod"/>
+            </a:pPr>
+            <a:r>
+              <a:rPr lang="en-US" sz="2400" dirty="0" smtClean="0">
+                <a:solidFill>
+                  <a:srgbClr val="FF0000"/>
+                </a:solidFill>
+                <a:latin typeface="Times New Roman" panose="02020603050405020304" pitchFamily="18" charset="0"/>
+                <a:cs typeface="Times New Roman" panose="02020603050405020304" pitchFamily="18" charset="0"/>
+              </a:rPr>
+              <a:t>under:    {3:1}</a:t>
+            </a:r>
+            <a:endParaRPr lang="en-US" sz="2400" dirty="0" smtClean="0">
+              <a:solidFill>
+                <a:srgbClr val="FF0000"/>
+              </a:solidFill>
+              <a:latin typeface="Times New Roman" panose="02020603050405020304" pitchFamily="18" charset="0"/>
+              <a:cs typeface="Times New Roman" panose="02020603050405020304" pitchFamily="18" charset="0"/>
+            </a:endParaRPr>
+          </a:p>
+        </p:txBody>
+      </p:sp>
+      <p:sp>
+        <p:nvSpPr>
+          <p:cNvPr id="6" name="Content Placeholder 2"/>
+          <p:cNvSpPr txBox="1">
+            <a:spLocks/>
+          </p:cNvSpPr>
+          <p:nvPr/>
+        </p:nvSpPr>
+        <p:spPr>
+          <a:xfrm>
+            <a:off x="2870314" y="3912082"/>
+            <a:ext cx="2660536" cy="2574061"/>
+          </a:xfrm>
+          <a:prstGeom prst="rect">
+            <a:avLst/>
+          </a:prstGeom>
+        </p:spPr>
+        <p:txBody>
+          <a:bodyPr vert="horz" lIns="91440" tIns="45720" rIns="91440" bIns="45720" rtlCol="0">
+            <a:noAutofit/>
+          </a:bodyPr>
+          <a:lstStyle>
+            <a:lvl1pPr marL="228600" indent="-228600" algn="l" defTabSz="914400" rtl="0" eaLnBrk="1" latinLnBrk="0" hangingPunct="1">
+              <a:lnSpc>
+                <a:spcPct val="90000"/>
+              </a:lnSpc>
+              <a:spcBef>
+                <a:spcPts val="1000"/>
+              </a:spcBef>
+              <a:buFont typeface="Arial" panose="020B0604020202020204" pitchFamily="34" charset="0"/>
+              <a:buChar char="•"/>
+              <a:defRPr sz="2800" kern="1200">
+                <a:solidFill>
+                  <a:schemeClr val="tx1"/>
+                </a:solidFill>
+                <a:latin typeface="+mn-lt"/>
+                <a:ea typeface="+mn-ea"/>
+                <a:cs typeface="+mn-cs"/>
+              </a:defRPr>
+            </a:lvl1pPr>
+            <a:lvl2pPr marL="685800" indent="-228600" algn="l" defTabSz="914400" rtl="0" eaLnBrk="1" latinLnBrk="0" hangingPunct="1">
+              <a:lnSpc>
+                <a:spcPct val="90000"/>
+              </a:lnSpc>
+              <a:spcBef>
+                <a:spcPts val="500"/>
+              </a:spcBef>
+              <a:buFont typeface="Arial" panose="020B0604020202020204" pitchFamily="34" charset="0"/>
+              <a:buChar char="•"/>
+              <a:defRPr sz="2400" kern="1200">
+                <a:solidFill>
+                  <a:schemeClr val="tx1"/>
+                </a:solidFill>
+                <a:latin typeface="+mn-lt"/>
+                <a:ea typeface="+mn-ea"/>
+                <a:cs typeface="+mn-cs"/>
+              </a:defRPr>
+            </a:lvl2pPr>
+            <a:lvl3pPr marL="1143000" indent="-228600" algn="l" defTabSz="914400" rtl="0" eaLnBrk="1" latinLnBrk="0" hangingPunct="1">
+              <a:lnSpc>
+                <a:spcPct val="90000"/>
+              </a:lnSpc>
+              <a:spcBef>
+                <a:spcPts val="500"/>
+              </a:spcBef>
+              <a:buFont typeface="Arial" panose="020B0604020202020204" pitchFamily="34" charset="0"/>
+              <a:buChar char="•"/>
+              <a:defRPr sz="2000" kern="1200">
+                <a:solidFill>
+                  <a:schemeClr val="tx1"/>
+                </a:solidFill>
+                <a:latin typeface="+mn-lt"/>
+                <a:ea typeface="+mn-ea"/>
+                <a:cs typeface="+mn-cs"/>
+              </a:defRPr>
+            </a:lvl3pPr>
+            <a:lvl4pPr marL="1600200" indent="-228600" algn="l" defTabSz="914400" rtl="0" eaLnBrk="1" latinLnBrk="0" hangingPunct="1">
+              <a:lnSpc>
+                <a:spcPct val="90000"/>
+              </a:lnSpc>
+              <a:spcBef>
+                <a:spcPts val="500"/>
+              </a:spcBef>
+              <a:buFont typeface="Arial" panose="020B0604020202020204" pitchFamily="34" charset="0"/>
+              <a:buChar char="•"/>
+              <a:defRPr sz="1800" kern="1200">
+                <a:solidFill>
+                  <a:schemeClr val="tx1"/>
+                </a:solidFill>
+                <a:latin typeface="+mn-lt"/>
+                <a:ea typeface="+mn-ea"/>
+                <a:cs typeface="+mn-cs"/>
+              </a:defRPr>
+            </a:lvl4pPr>
+            <a:lvl5pPr marL="2057400" indent="-228600" algn="l" defTabSz="914400" rtl="0" eaLnBrk="1" latinLnBrk="0" hangingPunct="1">
+              <a:lnSpc>
+                <a:spcPct val="90000"/>
+              </a:lnSpc>
+              <a:spcBef>
+                <a:spcPts val="500"/>
+              </a:spcBef>
+              <a:buFont typeface="Arial" panose="020B0604020202020204" pitchFamily="34" charset="0"/>
+              <a:buChar char="•"/>
+              <a:defRPr sz="1800" kern="1200">
+                <a:solidFill>
+                  <a:schemeClr val="tx1"/>
+                </a:solidFill>
+                <a:latin typeface="+mn-lt"/>
+                <a:ea typeface="+mn-ea"/>
+                <a:cs typeface="+mn-cs"/>
+              </a:defRPr>
+            </a:lvl5pPr>
+            <a:lvl6pPr marL="2514600" indent="-228600" algn="l" defTabSz="914400" rtl="0" eaLnBrk="1" latinLnBrk="0" hangingPunct="1">
+              <a:lnSpc>
+                <a:spcPct val="90000"/>
+              </a:lnSpc>
+              <a:spcBef>
+                <a:spcPts val="500"/>
+              </a:spcBef>
+              <a:buFont typeface="Arial" panose="020B0604020202020204" pitchFamily="34" charset="0"/>
+              <a:buChar char="•"/>
+              <a:defRPr sz="1800" kern="1200">
+                <a:solidFill>
+                  <a:schemeClr val="tx1"/>
+                </a:solidFill>
+                <a:latin typeface="+mn-lt"/>
+                <a:ea typeface="+mn-ea"/>
+                <a:cs typeface="+mn-cs"/>
+              </a:defRPr>
+            </a:lvl6pPr>
+            <a:lvl7pPr marL="2971800" indent="-228600" algn="l" defTabSz="914400" rtl="0" eaLnBrk="1" latinLnBrk="0" hangingPunct="1">
+              <a:lnSpc>
+                <a:spcPct val="90000"/>
+              </a:lnSpc>
+              <a:spcBef>
+                <a:spcPts val="500"/>
+              </a:spcBef>
+              <a:buFont typeface="Arial" panose="020B0604020202020204" pitchFamily="34" charset="0"/>
+              <a:buChar char="•"/>
+              <a:defRPr sz="1800" kern="1200">
+                <a:solidFill>
+                  <a:schemeClr val="tx1"/>
+                </a:solidFill>
+                <a:latin typeface="+mn-lt"/>
+                <a:ea typeface="+mn-ea"/>
+                <a:cs typeface="+mn-cs"/>
+              </a:defRPr>
+            </a:lvl7pPr>
+            <a:lvl8pPr marL="3429000" indent="-228600" algn="l" defTabSz="914400" rtl="0" eaLnBrk="1" latinLnBrk="0" hangingPunct="1">
+              <a:lnSpc>
+                <a:spcPct val="90000"/>
+              </a:lnSpc>
+              <a:spcBef>
+                <a:spcPts val="500"/>
+              </a:spcBef>
+              <a:buFont typeface="Arial" panose="020B0604020202020204" pitchFamily="34" charset="0"/>
+              <a:buChar char="•"/>
+              <a:defRPr sz="1800" kern="1200">
+                <a:solidFill>
+                  <a:schemeClr val="tx1"/>
+                </a:solidFill>
+                <a:latin typeface="+mn-lt"/>
+                <a:ea typeface="+mn-ea"/>
+                <a:cs typeface="+mn-cs"/>
+              </a:defRPr>
+            </a:lvl8pPr>
+            <a:lvl9pPr marL="3886200" indent="-228600" algn="l" defTabSz="914400" rtl="0" eaLnBrk="1" latinLnBrk="0" hangingPunct="1">
+              <a:lnSpc>
+                <a:spcPct val="90000"/>
+              </a:lnSpc>
+              <a:spcBef>
+                <a:spcPts val="500"/>
+              </a:spcBef>
+              <a:buFont typeface="Arial" panose="020B0604020202020204" pitchFamily="34" charset="0"/>
+              <a:buChar char="•"/>
+              <a:defRPr sz="1800" kern="1200">
+                <a:solidFill>
+                  <a:schemeClr val="tx1"/>
+                </a:solidFill>
+                <a:latin typeface="+mn-lt"/>
+                <a:ea typeface="+mn-ea"/>
+                <a:cs typeface="+mn-cs"/>
+              </a:defRPr>
+            </a:lvl9pPr>
+          </a:lstStyle>
+          <a:p>
+            <a:pPr marL="0" lvl="8" indent="0" algn="just">
+              <a:buNone/>
+            </a:pPr>
+            <a:endParaRPr lang="en-US" sz="2400" dirty="0">
+              <a:latin typeface="Times New Roman" panose="02020603050405020304" pitchFamily="18" charset="0"/>
+              <a:cs typeface="Times New Roman" panose="02020603050405020304" pitchFamily="18" charset="0"/>
+            </a:endParaRPr>
+          </a:p>
+          <a:p>
+            <a:pPr marL="0" lvl="8" indent="0" algn="just">
+              <a:buNone/>
+            </a:pPr>
+            <a:r>
+              <a:rPr lang="en-US" sz="2400" dirty="0" smtClean="0">
+                <a:latin typeface="Times New Roman" panose="02020603050405020304" pitchFamily="18" charset="0"/>
+                <a:cs typeface="Times New Roman" panose="02020603050405020304" pitchFamily="18" charset="0"/>
+              </a:rPr>
+              <a:t>the:  {</a:t>
+            </a:r>
+            <a:r>
+              <a:rPr lang="en-US" sz="2400" strike="sngStrike" dirty="0">
+                <a:latin typeface="Times New Roman" panose="02020603050405020304" pitchFamily="18" charset="0"/>
+                <a:cs typeface="Times New Roman" panose="02020603050405020304" pitchFamily="18" charset="0"/>
+              </a:rPr>
+              <a:t>1:6</a:t>
+            </a:r>
+            <a:r>
+              <a:rPr lang="en-US" sz="2400" dirty="0">
+                <a:latin typeface="Times New Roman" panose="02020603050405020304" pitchFamily="18" charset="0"/>
+                <a:cs typeface="Times New Roman" panose="02020603050405020304" pitchFamily="18" charset="0"/>
+              </a:rPr>
+              <a:t>; 2:6; 3:2</a:t>
+            </a:r>
+            <a:r>
+              <a:rPr lang="en-US" sz="2400" dirty="0" smtClean="0">
+                <a:latin typeface="Times New Roman" panose="02020603050405020304" pitchFamily="18" charset="0"/>
+                <a:cs typeface="Times New Roman" panose="02020603050405020304" pitchFamily="18" charset="0"/>
+              </a:rPr>
+              <a:t>}</a:t>
+            </a:r>
+          </a:p>
+          <a:p>
+            <a:pPr marL="0" lvl="8" indent="0" algn="just">
+              <a:buNone/>
+            </a:pPr>
+            <a:r>
+              <a:rPr lang="en-US" sz="2400" dirty="0" smtClean="0">
+                <a:latin typeface="Times New Roman" panose="02020603050405020304" pitchFamily="18" charset="0"/>
+                <a:cs typeface="Times New Roman" panose="02020603050405020304" pitchFamily="18" charset="0"/>
+              </a:rPr>
+              <a:t>blue</a:t>
+            </a:r>
+            <a:r>
+              <a:rPr lang="en-US" sz="2400" dirty="0">
+                <a:latin typeface="Times New Roman" panose="02020603050405020304" pitchFamily="18" charset="0"/>
+                <a:cs typeface="Times New Roman" panose="02020603050405020304" pitchFamily="18" charset="0"/>
+              </a:rPr>
+              <a:t>: </a:t>
+            </a:r>
+            <a:r>
+              <a:rPr lang="en-US" sz="2400" dirty="0" smtClean="0">
+                <a:latin typeface="Times New Roman" panose="02020603050405020304" pitchFamily="18" charset="0"/>
+                <a:cs typeface="Times New Roman" panose="02020603050405020304" pitchFamily="18" charset="0"/>
+              </a:rPr>
+              <a:t>{</a:t>
+            </a:r>
+            <a:r>
+              <a:rPr lang="en-US" sz="2400" strike="sngStrike" dirty="0">
+                <a:latin typeface="Times New Roman" panose="02020603050405020304" pitchFamily="18" charset="0"/>
+                <a:cs typeface="Times New Roman" panose="02020603050405020304" pitchFamily="18" charset="0"/>
+              </a:rPr>
+              <a:t>1:2</a:t>
+            </a:r>
+            <a:r>
+              <a:rPr lang="en-US" sz="2400" dirty="0">
+                <a:latin typeface="Times New Roman" panose="02020603050405020304" pitchFamily="18" charset="0"/>
+                <a:cs typeface="Times New Roman" panose="02020603050405020304" pitchFamily="18" charset="0"/>
+              </a:rPr>
+              <a:t>; 2:2; 3:3</a:t>
+            </a:r>
+            <a:r>
+              <a:rPr lang="en-US" sz="2400" dirty="0" smtClean="0">
+                <a:latin typeface="Times New Roman" panose="02020603050405020304" pitchFamily="18" charset="0"/>
+                <a:cs typeface="Times New Roman" panose="02020603050405020304" pitchFamily="18" charset="0"/>
+              </a:rPr>
+              <a:t>}</a:t>
+            </a:r>
+          </a:p>
+          <a:p>
+            <a:pPr marL="0" lvl="8" indent="0" algn="just">
+              <a:buNone/>
+            </a:pPr>
+            <a:r>
+              <a:rPr lang="en-US" sz="2400" dirty="0" smtClean="0">
+                <a:latin typeface="Times New Roman" panose="02020603050405020304" pitchFamily="18" charset="0"/>
+                <a:cs typeface="Times New Roman" panose="02020603050405020304" pitchFamily="18" charset="0"/>
+              </a:rPr>
+              <a:t>sky</a:t>
+            </a:r>
+            <a:r>
+              <a:rPr lang="en-US" sz="2400" dirty="0">
+                <a:latin typeface="Times New Roman" panose="02020603050405020304" pitchFamily="18" charset="0"/>
+                <a:cs typeface="Times New Roman" panose="02020603050405020304" pitchFamily="18" charset="0"/>
+              </a:rPr>
+              <a:t>: </a:t>
+            </a:r>
+            <a:r>
+              <a:rPr lang="en-US" sz="2400" dirty="0" smtClean="0">
+                <a:latin typeface="Times New Roman" panose="02020603050405020304" pitchFamily="18" charset="0"/>
+                <a:cs typeface="Times New Roman" panose="02020603050405020304" pitchFamily="18" charset="0"/>
+              </a:rPr>
+              <a:t> {</a:t>
+            </a:r>
+            <a:r>
+              <a:rPr lang="en-US" sz="2400" dirty="0">
+                <a:latin typeface="Times New Roman" panose="02020603050405020304" pitchFamily="18" charset="0"/>
+                <a:cs typeface="Times New Roman" panose="02020603050405020304" pitchFamily="18" charset="0"/>
+              </a:rPr>
+              <a:t>2:7; 3:4}</a:t>
+            </a:r>
+            <a:endParaRPr lang="en-US" sz="2400" dirty="0">
+              <a:latin typeface="Times New Roman" panose="02020603050405020304" pitchFamily="18" charset="0"/>
+              <a:cs typeface="Times New Roman" panose="02020603050405020304" pitchFamily="18" charset="0"/>
+            </a:endParaRPr>
+          </a:p>
+        </p:txBody>
+      </p:sp>
+      <p:sp>
+        <p:nvSpPr>
+          <p:cNvPr id="7" name="Content Placeholder 2"/>
+          <p:cNvSpPr txBox="1">
+            <a:spLocks/>
+          </p:cNvSpPr>
+          <p:nvPr/>
+        </p:nvSpPr>
+        <p:spPr>
+          <a:xfrm>
+            <a:off x="5442063" y="3880312"/>
+            <a:ext cx="2660536" cy="2574061"/>
+          </a:xfrm>
+          <a:prstGeom prst="rect">
+            <a:avLst/>
+          </a:prstGeom>
+        </p:spPr>
+        <p:txBody>
+          <a:bodyPr vert="horz" lIns="91440" tIns="45720" rIns="91440" bIns="45720" rtlCol="0">
+            <a:noAutofit/>
+          </a:bodyPr>
+          <a:lstStyle>
+            <a:lvl1pPr marL="228600" indent="-228600" algn="l" defTabSz="914400" rtl="0" eaLnBrk="1" latinLnBrk="0" hangingPunct="1">
+              <a:lnSpc>
+                <a:spcPct val="90000"/>
+              </a:lnSpc>
+              <a:spcBef>
+                <a:spcPts val="1000"/>
+              </a:spcBef>
+              <a:buFont typeface="Arial" panose="020B0604020202020204" pitchFamily="34" charset="0"/>
+              <a:buChar char="•"/>
+              <a:defRPr sz="2800" kern="1200">
+                <a:solidFill>
+                  <a:schemeClr val="tx1"/>
+                </a:solidFill>
+                <a:latin typeface="+mn-lt"/>
+                <a:ea typeface="+mn-ea"/>
+                <a:cs typeface="+mn-cs"/>
+              </a:defRPr>
+            </a:lvl1pPr>
+            <a:lvl2pPr marL="685800" indent="-228600" algn="l" defTabSz="914400" rtl="0" eaLnBrk="1" latinLnBrk="0" hangingPunct="1">
+              <a:lnSpc>
+                <a:spcPct val="90000"/>
+              </a:lnSpc>
+              <a:spcBef>
+                <a:spcPts val="500"/>
+              </a:spcBef>
+              <a:buFont typeface="Arial" panose="020B0604020202020204" pitchFamily="34" charset="0"/>
+              <a:buChar char="•"/>
+              <a:defRPr sz="2400" kern="1200">
+                <a:solidFill>
+                  <a:schemeClr val="tx1"/>
+                </a:solidFill>
+                <a:latin typeface="+mn-lt"/>
+                <a:ea typeface="+mn-ea"/>
+                <a:cs typeface="+mn-cs"/>
+              </a:defRPr>
+            </a:lvl2pPr>
+            <a:lvl3pPr marL="1143000" indent="-228600" algn="l" defTabSz="914400" rtl="0" eaLnBrk="1" latinLnBrk="0" hangingPunct="1">
+              <a:lnSpc>
+                <a:spcPct val="90000"/>
+              </a:lnSpc>
+              <a:spcBef>
+                <a:spcPts val="500"/>
+              </a:spcBef>
+              <a:buFont typeface="Arial" panose="020B0604020202020204" pitchFamily="34" charset="0"/>
+              <a:buChar char="•"/>
+              <a:defRPr sz="2000" kern="1200">
+                <a:solidFill>
+                  <a:schemeClr val="tx1"/>
+                </a:solidFill>
+                <a:latin typeface="+mn-lt"/>
+                <a:ea typeface="+mn-ea"/>
+                <a:cs typeface="+mn-cs"/>
+              </a:defRPr>
+            </a:lvl3pPr>
+            <a:lvl4pPr marL="1600200" indent="-228600" algn="l" defTabSz="914400" rtl="0" eaLnBrk="1" latinLnBrk="0" hangingPunct="1">
+              <a:lnSpc>
+                <a:spcPct val="90000"/>
+              </a:lnSpc>
+              <a:spcBef>
+                <a:spcPts val="500"/>
+              </a:spcBef>
+              <a:buFont typeface="Arial" panose="020B0604020202020204" pitchFamily="34" charset="0"/>
+              <a:buChar char="•"/>
+              <a:defRPr sz="1800" kern="1200">
+                <a:solidFill>
+                  <a:schemeClr val="tx1"/>
+                </a:solidFill>
+                <a:latin typeface="+mn-lt"/>
+                <a:ea typeface="+mn-ea"/>
+                <a:cs typeface="+mn-cs"/>
+              </a:defRPr>
+            </a:lvl4pPr>
+            <a:lvl5pPr marL="2057400" indent="-228600" algn="l" defTabSz="914400" rtl="0" eaLnBrk="1" latinLnBrk="0" hangingPunct="1">
+              <a:lnSpc>
+                <a:spcPct val="90000"/>
+              </a:lnSpc>
+              <a:spcBef>
+                <a:spcPts val="500"/>
+              </a:spcBef>
+              <a:buFont typeface="Arial" panose="020B0604020202020204" pitchFamily="34" charset="0"/>
+              <a:buChar char="•"/>
+              <a:defRPr sz="1800" kern="1200">
+                <a:solidFill>
+                  <a:schemeClr val="tx1"/>
+                </a:solidFill>
+                <a:latin typeface="+mn-lt"/>
+                <a:ea typeface="+mn-ea"/>
+                <a:cs typeface="+mn-cs"/>
+              </a:defRPr>
+            </a:lvl5pPr>
+            <a:lvl6pPr marL="2514600" indent="-228600" algn="l" defTabSz="914400" rtl="0" eaLnBrk="1" latinLnBrk="0" hangingPunct="1">
+              <a:lnSpc>
+                <a:spcPct val="90000"/>
+              </a:lnSpc>
+              <a:spcBef>
+                <a:spcPts val="500"/>
+              </a:spcBef>
+              <a:buFont typeface="Arial" panose="020B0604020202020204" pitchFamily="34" charset="0"/>
+              <a:buChar char="•"/>
+              <a:defRPr sz="1800" kern="1200">
+                <a:solidFill>
+                  <a:schemeClr val="tx1"/>
+                </a:solidFill>
+                <a:latin typeface="+mn-lt"/>
+                <a:ea typeface="+mn-ea"/>
+                <a:cs typeface="+mn-cs"/>
+              </a:defRPr>
+            </a:lvl6pPr>
+            <a:lvl7pPr marL="2971800" indent="-228600" algn="l" defTabSz="914400" rtl="0" eaLnBrk="1" latinLnBrk="0" hangingPunct="1">
+              <a:lnSpc>
+                <a:spcPct val="90000"/>
+              </a:lnSpc>
+              <a:spcBef>
+                <a:spcPts val="500"/>
+              </a:spcBef>
+              <a:buFont typeface="Arial" panose="020B0604020202020204" pitchFamily="34" charset="0"/>
+              <a:buChar char="•"/>
+              <a:defRPr sz="1800" kern="1200">
+                <a:solidFill>
+                  <a:schemeClr val="tx1"/>
+                </a:solidFill>
+                <a:latin typeface="+mn-lt"/>
+                <a:ea typeface="+mn-ea"/>
+                <a:cs typeface="+mn-cs"/>
+              </a:defRPr>
+            </a:lvl7pPr>
+            <a:lvl8pPr marL="3429000" indent="-228600" algn="l" defTabSz="914400" rtl="0" eaLnBrk="1" latinLnBrk="0" hangingPunct="1">
+              <a:lnSpc>
+                <a:spcPct val="90000"/>
+              </a:lnSpc>
+              <a:spcBef>
+                <a:spcPts val="500"/>
+              </a:spcBef>
+              <a:buFont typeface="Arial" panose="020B0604020202020204" pitchFamily="34" charset="0"/>
+              <a:buChar char="•"/>
+              <a:defRPr sz="1800" kern="1200">
+                <a:solidFill>
+                  <a:schemeClr val="tx1"/>
+                </a:solidFill>
+                <a:latin typeface="+mn-lt"/>
+                <a:ea typeface="+mn-ea"/>
+                <a:cs typeface="+mn-cs"/>
+              </a:defRPr>
+            </a:lvl8pPr>
+            <a:lvl9pPr marL="3886200" indent="-228600" algn="l" defTabSz="914400" rtl="0" eaLnBrk="1" latinLnBrk="0" hangingPunct="1">
+              <a:lnSpc>
+                <a:spcPct val="90000"/>
+              </a:lnSpc>
+              <a:spcBef>
+                <a:spcPts val="500"/>
+              </a:spcBef>
+              <a:buFont typeface="Arial" panose="020B0604020202020204" pitchFamily="34" charset="0"/>
+              <a:buChar char="•"/>
+              <a:defRPr sz="1800" kern="1200">
+                <a:solidFill>
+                  <a:schemeClr val="tx1"/>
+                </a:solidFill>
+                <a:latin typeface="+mn-lt"/>
+                <a:ea typeface="+mn-ea"/>
+                <a:cs typeface="+mn-cs"/>
+              </a:defRPr>
+            </a:lvl9pPr>
+          </a:lstStyle>
+          <a:p>
+            <a:pPr marL="0" lvl="8" indent="0" algn="just">
+              <a:buNone/>
+            </a:pPr>
+            <a:endParaRPr lang="en-US" sz="2400" dirty="0">
+              <a:latin typeface="Times New Roman" panose="02020603050405020304" pitchFamily="18" charset="0"/>
+              <a:cs typeface="Times New Roman" panose="02020603050405020304" pitchFamily="18" charset="0"/>
+            </a:endParaRPr>
+          </a:p>
+          <a:p>
+            <a:pPr marL="0" lvl="8" indent="0" algn="just">
+              <a:buNone/>
+            </a:pPr>
+            <a:r>
+              <a:rPr lang="en-US" sz="2400" dirty="0" smtClean="0">
+                <a:latin typeface="Times New Roman" panose="02020603050405020304" pitchFamily="18" charset="0"/>
+                <a:cs typeface="Times New Roman" panose="02020603050405020304" pitchFamily="18" charset="0"/>
+              </a:rPr>
+              <a:t>the:  {2:6</a:t>
+            </a:r>
+            <a:r>
+              <a:rPr lang="en-US" sz="2400" dirty="0">
+                <a:latin typeface="Times New Roman" panose="02020603050405020304" pitchFamily="18" charset="0"/>
+                <a:cs typeface="Times New Roman" panose="02020603050405020304" pitchFamily="18" charset="0"/>
+              </a:rPr>
+              <a:t>; </a:t>
+            </a:r>
+            <a:r>
+              <a:rPr lang="en-US" sz="2400" dirty="0">
+                <a:solidFill>
+                  <a:srgbClr val="FF0000"/>
+                </a:solidFill>
+                <a:latin typeface="Times New Roman" panose="02020603050405020304" pitchFamily="18" charset="0"/>
+                <a:cs typeface="Times New Roman" panose="02020603050405020304" pitchFamily="18" charset="0"/>
+              </a:rPr>
+              <a:t>3:2</a:t>
+            </a:r>
+            <a:r>
+              <a:rPr lang="en-US" sz="2400" dirty="0" smtClean="0">
+                <a:latin typeface="Times New Roman" panose="02020603050405020304" pitchFamily="18" charset="0"/>
+                <a:cs typeface="Times New Roman" panose="02020603050405020304" pitchFamily="18" charset="0"/>
+              </a:rPr>
+              <a:t>}</a:t>
+            </a:r>
+          </a:p>
+          <a:p>
+            <a:pPr marL="0" lvl="8" indent="0" algn="just">
+              <a:buNone/>
+            </a:pPr>
+            <a:r>
+              <a:rPr lang="en-US" sz="2400" dirty="0" smtClean="0">
+                <a:latin typeface="Times New Roman" panose="02020603050405020304" pitchFamily="18" charset="0"/>
+                <a:cs typeface="Times New Roman" panose="02020603050405020304" pitchFamily="18" charset="0"/>
+              </a:rPr>
+              <a:t>blue</a:t>
+            </a:r>
+            <a:r>
+              <a:rPr lang="en-US" sz="2400" dirty="0">
+                <a:latin typeface="Times New Roman" panose="02020603050405020304" pitchFamily="18" charset="0"/>
+                <a:cs typeface="Times New Roman" panose="02020603050405020304" pitchFamily="18" charset="0"/>
+              </a:rPr>
+              <a:t>: </a:t>
+            </a:r>
+            <a:r>
+              <a:rPr lang="en-US" sz="2400" dirty="0" smtClean="0">
+                <a:latin typeface="Times New Roman" panose="02020603050405020304" pitchFamily="18" charset="0"/>
+                <a:cs typeface="Times New Roman" panose="02020603050405020304" pitchFamily="18" charset="0"/>
+              </a:rPr>
+              <a:t>{2:2</a:t>
+            </a:r>
+            <a:r>
+              <a:rPr lang="en-US" sz="2400" dirty="0">
+                <a:latin typeface="Times New Roman" panose="02020603050405020304" pitchFamily="18" charset="0"/>
+                <a:cs typeface="Times New Roman" panose="02020603050405020304" pitchFamily="18" charset="0"/>
+              </a:rPr>
+              <a:t>; </a:t>
+            </a:r>
+            <a:r>
+              <a:rPr lang="en-US" sz="2400" dirty="0">
+                <a:solidFill>
+                  <a:srgbClr val="FF0000"/>
+                </a:solidFill>
+                <a:latin typeface="Times New Roman" panose="02020603050405020304" pitchFamily="18" charset="0"/>
+                <a:cs typeface="Times New Roman" panose="02020603050405020304" pitchFamily="18" charset="0"/>
+              </a:rPr>
+              <a:t>3:3</a:t>
+            </a:r>
+            <a:r>
+              <a:rPr lang="en-US" sz="2400" dirty="0" smtClean="0">
+                <a:latin typeface="Times New Roman" panose="02020603050405020304" pitchFamily="18" charset="0"/>
+                <a:cs typeface="Times New Roman" panose="02020603050405020304" pitchFamily="18" charset="0"/>
+              </a:rPr>
+              <a:t>}</a:t>
+            </a:r>
+          </a:p>
+          <a:p>
+            <a:pPr marL="0" lvl="8" indent="0" algn="just">
+              <a:buNone/>
+            </a:pPr>
+            <a:r>
+              <a:rPr lang="en-US" sz="2400" dirty="0" smtClean="0">
+                <a:latin typeface="Times New Roman" panose="02020603050405020304" pitchFamily="18" charset="0"/>
+                <a:cs typeface="Times New Roman" panose="02020603050405020304" pitchFamily="18" charset="0"/>
+              </a:rPr>
+              <a:t>sky</a:t>
+            </a:r>
+            <a:r>
+              <a:rPr lang="en-US" sz="2400" dirty="0">
+                <a:latin typeface="Times New Roman" panose="02020603050405020304" pitchFamily="18" charset="0"/>
+                <a:cs typeface="Times New Roman" panose="02020603050405020304" pitchFamily="18" charset="0"/>
+              </a:rPr>
+              <a:t>: </a:t>
+            </a:r>
+            <a:r>
+              <a:rPr lang="en-US" sz="2400" dirty="0" smtClean="0">
+                <a:latin typeface="Times New Roman" panose="02020603050405020304" pitchFamily="18" charset="0"/>
+                <a:cs typeface="Times New Roman" panose="02020603050405020304" pitchFamily="18" charset="0"/>
+              </a:rPr>
+              <a:t> {</a:t>
+            </a:r>
+            <a:r>
+              <a:rPr lang="en-US" sz="2400" dirty="0">
+                <a:latin typeface="Times New Roman" panose="02020603050405020304" pitchFamily="18" charset="0"/>
+                <a:cs typeface="Times New Roman" panose="02020603050405020304" pitchFamily="18" charset="0"/>
+              </a:rPr>
+              <a:t>2:7; </a:t>
+            </a:r>
+            <a:r>
+              <a:rPr lang="en-US" sz="2400" dirty="0">
+                <a:solidFill>
+                  <a:srgbClr val="FF0000"/>
+                </a:solidFill>
+                <a:latin typeface="Times New Roman" panose="02020603050405020304" pitchFamily="18" charset="0"/>
+                <a:cs typeface="Times New Roman" panose="02020603050405020304" pitchFamily="18" charset="0"/>
+              </a:rPr>
+              <a:t>3:4</a:t>
+            </a:r>
+            <a:r>
+              <a:rPr lang="en-US" sz="2400" dirty="0">
+                <a:latin typeface="Times New Roman" panose="02020603050405020304" pitchFamily="18" charset="0"/>
+                <a:cs typeface="Times New Roman" panose="02020603050405020304" pitchFamily="18" charset="0"/>
+              </a:rPr>
+              <a:t>}</a:t>
+            </a:r>
+            <a:endParaRPr lang="en-US" sz="2400" dirty="0">
+              <a:latin typeface="Times New Roman" panose="02020603050405020304" pitchFamily="18" charset="0"/>
+              <a:cs typeface="Times New Roman" panose="02020603050405020304" pitchFamily="18" charset="0"/>
+            </a:endParaRPr>
+          </a:p>
+        </p:txBody>
+      </p:sp>
+    </p:spTree>
+    <p:extLst>
+      <p:ext uri="{BB962C8B-B14F-4D97-AF65-F5344CB8AC3E}">
+        <p14:creationId xmlns:p14="http://schemas.microsoft.com/office/powerpoint/2010/main" val="1373296985"/>
+      </p:ext>
+    </p:extLst>
+  </p:cSld>
+  <p:clrMapOvr>
+    <a:masterClrMapping/>
+  </p:clrMapOvr>
+  <p:timing>
+    <p:tnLst>
+      <p:par>
+        <p:cTn id="1" dur="indefinite" restart="never" nodeType="tmRoot">
+          <p:childTnLst>
+            <p:seq concurrent="1" nextAc="seek">
+              <p:cTn id="2" dur="indefinite" nodeType="mainSeq">
+                <p:childTnLst>
+                  <p:par>
+                    <p:cTn id="3" fill="hold">
+                      <p:stCondLst>
+                        <p:cond delay="indefinite"/>
+                      </p:stCondLst>
+                      <p:childTnLst>
+                        <p:par>
+                          <p:cTn id="4" fill="hold">
+                            <p:stCondLst>
+                              <p:cond delay="0"/>
+                            </p:stCondLst>
+                            <p:childTnLst>
+                              <p:par>
+                                <p:cTn id="5" presetID="1" presetClass="entr" presetSubtype="0" fill="hold" grpId="0" nodeType="clickEffect">
+                                  <p:stCondLst>
+                                    <p:cond delay="0"/>
+                                  </p:stCondLst>
+                                  <p:childTnLst>
+                                    <p:set>
+                                      <p:cBhvr>
+                                        <p:cTn id="6" dur="1" fill="hold">
+                                          <p:stCondLst>
+                                            <p:cond delay="0"/>
+                                          </p:stCondLst>
+                                        </p:cTn>
+                                        <p:tgtEl>
+                                          <p:spTgt spid="3">
+                                            <p:txEl>
+                                              <p:pRg st="0" end="0"/>
+                                            </p:txEl>
+                                          </p:spTgt>
+                                        </p:tgtEl>
+                                        <p:attrNameLst>
+                                          <p:attrName>style.visibility</p:attrName>
+                                        </p:attrNameLst>
+                                      </p:cBhvr>
+                                      <p:to>
+                                        <p:strVal val="visible"/>
+                                      </p:to>
+                                    </p:set>
+                                  </p:childTnLst>
+                                </p:cTn>
+                              </p:par>
+                            </p:childTnLst>
+                          </p:cTn>
+                        </p:par>
+                      </p:childTnLst>
+                    </p:cTn>
+                  </p:par>
+                  <p:par>
+                    <p:cTn id="7" fill="hold">
+                      <p:stCondLst>
+                        <p:cond delay="indefinite"/>
+                      </p:stCondLst>
+                      <p:childTnLst>
+                        <p:par>
+                          <p:cTn id="8" fill="hold">
+                            <p:stCondLst>
+                              <p:cond delay="0"/>
+                            </p:stCondLst>
+                            <p:childTnLst>
+                              <p:par>
+                                <p:cTn id="9" presetID="1" presetClass="entr" presetSubtype="0" fill="hold" grpId="0" nodeType="clickEffect">
+                                  <p:stCondLst>
+                                    <p:cond delay="0"/>
+                                  </p:stCondLst>
+                                  <p:childTnLst>
+                                    <p:set>
+                                      <p:cBhvr>
+                                        <p:cTn id="10" dur="1" fill="hold">
+                                          <p:stCondLst>
+                                            <p:cond delay="0"/>
+                                          </p:stCondLst>
+                                        </p:cTn>
+                                        <p:tgtEl>
+                                          <p:spTgt spid="3">
+                                            <p:txEl>
+                                              <p:pRg st="1" end="1"/>
+                                            </p:txEl>
+                                          </p:spTgt>
+                                        </p:tgtEl>
+                                        <p:attrNameLst>
+                                          <p:attrName>style.visibility</p:attrName>
+                                        </p:attrNameLst>
+                                      </p:cBhvr>
+                                      <p:to>
+                                        <p:strVal val="visible"/>
+                                      </p:to>
+                                    </p:set>
+                                  </p:childTnLst>
+                                </p:cTn>
+                              </p:par>
+                            </p:childTnLst>
+                          </p:cTn>
+                        </p:par>
+                      </p:childTnLst>
+                    </p:cTn>
+                  </p:par>
+                  <p:par>
+                    <p:cTn id="11" fill="hold">
+                      <p:stCondLst>
+                        <p:cond delay="indefinite"/>
+                      </p:stCondLst>
+                      <p:childTnLst>
+                        <p:par>
+                          <p:cTn id="12" fill="hold">
+                            <p:stCondLst>
+                              <p:cond delay="0"/>
+                            </p:stCondLst>
+                            <p:childTnLst>
+                              <p:par>
+                                <p:cTn id="13" presetID="1" presetClass="entr" presetSubtype="0" fill="hold" grpId="0" nodeType="clickEffect">
+                                  <p:stCondLst>
+                                    <p:cond delay="0"/>
+                                  </p:stCondLst>
+                                  <p:childTnLst>
+                                    <p:set>
+                                      <p:cBhvr>
+                                        <p:cTn id="14" dur="1" fill="hold">
+                                          <p:stCondLst>
+                                            <p:cond delay="0"/>
+                                          </p:stCondLst>
+                                        </p:cTn>
+                                        <p:tgtEl>
+                                          <p:spTgt spid="3">
+                                            <p:txEl>
+                                              <p:pRg st="2" end="2"/>
+                                            </p:txEl>
+                                          </p:spTgt>
+                                        </p:tgtEl>
+                                        <p:attrNameLst>
+                                          <p:attrName>style.visibility</p:attrName>
+                                        </p:attrNameLst>
+                                      </p:cBhvr>
+                                      <p:to>
+                                        <p:strVal val="visible"/>
+                                      </p:to>
+                                    </p:set>
+                                  </p:childTnLst>
+                                </p:cTn>
+                              </p:par>
+                            </p:childTnLst>
+                          </p:cTn>
+                        </p:par>
+                      </p:childTnLst>
+                    </p:cTn>
+                  </p:par>
+                  <p:par>
+                    <p:cTn id="15" fill="hold">
+                      <p:stCondLst>
+                        <p:cond delay="indefinite"/>
+                      </p:stCondLst>
+                      <p:childTnLst>
+                        <p:par>
+                          <p:cTn id="16" fill="hold">
+                            <p:stCondLst>
+                              <p:cond delay="0"/>
+                            </p:stCondLst>
+                            <p:childTnLst>
+                              <p:par>
+                                <p:cTn id="17" presetID="1" presetClass="entr" presetSubtype="0" fill="hold" grpId="0" nodeType="clickEffect">
+                                  <p:stCondLst>
+                                    <p:cond delay="0"/>
+                                  </p:stCondLst>
+                                  <p:childTnLst>
+                                    <p:set>
+                                      <p:cBhvr>
+                                        <p:cTn id="18" dur="1" fill="hold">
+                                          <p:stCondLst>
+                                            <p:cond delay="0"/>
+                                          </p:stCondLst>
+                                        </p:cTn>
+                                        <p:tgtEl>
+                                          <p:spTgt spid="3">
+                                            <p:txEl>
+                                              <p:pRg st="3" end="3"/>
+                                            </p:txEl>
+                                          </p:spTgt>
+                                        </p:tgtEl>
+                                        <p:attrNameLst>
+                                          <p:attrName>style.visibility</p:attrName>
+                                        </p:attrNameLst>
+                                      </p:cBhvr>
+                                      <p:to>
+                                        <p:strVal val="visible"/>
+                                      </p:to>
+                                    </p:set>
+                                  </p:childTnLst>
+                                </p:cTn>
+                              </p:par>
+                            </p:childTnLst>
+                          </p:cTn>
+                        </p:par>
+                      </p:childTnLst>
+                    </p:cTn>
+                  </p:par>
+                  <p:par>
+                    <p:cTn id="19" fill="hold">
+                      <p:stCondLst>
+                        <p:cond delay="indefinite"/>
+                      </p:stCondLst>
+                      <p:childTnLst>
+                        <p:par>
+                          <p:cTn id="20" fill="hold">
+                            <p:stCondLst>
+                              <p:cond delay="0"/>
+                            </p:stCondLst>
+                            <p:childTnLst>
+                              <p:par>
+                                <p:cTn id="21" presetID="1" presetClass="entr" presetSubtype="0" fill="hold" grpId="0" nodeType="clickEffect">
+                                  <p:stCondLst>
+                                    <p:cond delay="0"/>
+                                  </p:stCondLst>
+                                  <p:childTnLst>
+                                    <p:set>
+                                      <p:cBhvr>
+                                        <p:cTn id="22" dur="1" fill="hold">
+                                          <p:stCondLst>
+                                            <p:cond delay="0"/>
+                                          </p:stCondLst>
+                                        </p:cTn>
+                                        <p:tgtEl>
+                                          <p:spTgt spid="3">
+                                            <p:txEl>
+                                              <p:pRg st="4" end="4"/>
+                                            </p:txEl>
+                                          </p:spTgt>
+                                        </p:tgtEl>
+                                        <p:attrNameLst>
+                                          <p:attrName>style.visibility</p:attrName>
+                                        </p:attrNameLst>
+                                      </p:cBhvr>
+                                      <p:to>
+                                        <p:strVal val="visible"/>
+                                      </p:to>
+                                    </p:set>
+                                  </p:childTnLst>
+                                </p:cTn>
+                              </p:par>
+                            </p:childTnLst>
+                          </p:cTn>
+                        </p:par>
+                      </p:childTnLst>
+                    </p:cTn>
+                  </p:par>
+                  <p:par>
+                    <p:cTn id="23" fill="hold">
+                      <p:stCondLst>
+                        <p:cond delay="indefinite"/>
+                      </p:stCondLst>
+                      <p:childTnLst>
+                        <p:par>
+                          <p:cTn id="24" fill="hold">
+                            <p:stCondLst>
+                              <p:cond delay="0"/>
+                            </p:stCondLst>
+                            <p:childTnLst>
+                              <p:par>
+                                <p:cTn id="25" presetID="1" presetClass="entr" presetSubtype="0" fill="hold" grpId="0" nodeType="clickEffect">
+                                  <p:stCondLst>
+                                    <p:cond delay="0"/>
+                                  </p:stCondLst>
+                                  <p:childTnLst>
+                                    <p:set>
+                                      <p:cBhvr>
+                                        <p:cTn id="26" dur="1" fill="hold">
+                                          <p:stCondLst>
+                                            <p:cond delay="0"/>
+                                          </p:stCondLst>
+                                        </p:cTn>
+                                        <p:tgtEl>
+                                          <p:spTgt spid="5"/>
+                                        </p:tgtEl>
+                                        <p:attrNameLst>
+                                          <p:attrName>style.visibility</p:attrName>
+                                        </p:attrNameLst>
+                                      </p:cBhvr>
+                                      <p:to>
+                                        <p:strVal val="visible"/>
+                                      </p:to>
+                                    </p:set>
+                                  </p:childTnLst>
+                                </p:cTn>
+                              </p:par>
+                            </p:childTnLst>
+                          </p:cTn>
+                        </p:par>
+                      </p:childTnLst>
+                    </p:cTn>
+                  </p:par>
+                  <p:par>
+                    <p:cTn id="27" fill="hold">
+                      <p:stCondLst>
+                        <p:cond delay="indefinite"/>
+                      </p:stCondLst>
+                      <p:childTnLst>
+                        <p:par>
+                          <p:cTn id="28" fill="hold">
+                            <p:stCondLst>
+                              <p:cond delay="0"/>
+                            </p:stCondLst>
+                            <p:childTnLst>
+                              <p:par>
+                                <p:cTn id="29" presetID="1" presetClass="entr" presetSubtype="0" fill="hold" grpId="0" nodeType="clickEffect">
+                                  <p:stCondLst>
+                                    <p:cond delay="0"/>
+                                  </p:stCondLst>
+                                  <p:childTnLst>
+                                    <p:set>
+                                      <p:cBhvr>
+                                        <p:cTn id="30" dur="1" fill="hold">
+                                          <p:stCondLst>
+                                            <p:cond delay="0"/>
+                                          </p:stCondLst>
+                                        </p:cTn>
+                                        <p:tgtEl>
+                                          <p:spTgt spid="4"/>
+                                        </p:tgtEl>
+                                        <p:attrNameLst>
+                                          <p:attrName>style.visibility</p:attrName>
+                                        </p:attrNameLst>
+                                      </p:cBhvr>
+                                      <p:to>
+                                        <p:strVal val="visible"/>
+                                      </p:to>
+                                    </p:set>
+                                  </p:childTnLst>
+                                </p:cTn>
+                              </p:par>
+                            </p:childTnLst>
+                          </p:cTn>
+                        </p:par>
+                      </p:childTnLst>
+                    </p:cTn>
+                  </p:par>
+                  <p:par>
+                    <p:cTn id="31" fill="hold">
+                      <p:stCondLst>
+                        <p:cond delay="indefinite"/>
+                      </p:stCondLst>
+                      <p:childTnLst>
+                        <p:par>
+                          <p:cTn id="32" fill="hold">
+                            <p:stCondLst>
+                              <p:cond delay="0"/>
+                            </p:stCondLst>
+                            <p:childTnLst>
+                              <p:par>
+                                <p:cTn id="33" presetID="1" presetClass="entr" presetSubtype="0" fill="hold" grpId="0" nodeType="clickEffect">
+                                  <p:stCondLst>
+                                    <p:cond delay="0"/>
+                                  </p:stCondLst>
+                                  <p:childTnLst>
+                                    <p:set>
+                                      <p:cBhvr>
+                                        <p:cTn id="34" dur="1" fill="hold">
+                                          <p:stCondLst>
+                                            <p:cond delay="0"/>
+                                          </p:stCondLst>
+                                        </p:cTn>
+                                        <p:tgtEl>
+                                          <p:spTgt spid="6"/>
+                                        </p:tgtEl>
+                                        <p:attrNameLst>
+                                          <p:attrName>style.visibility</p:attrName>
+                                        </p:attrNameLst>
+                                      </p:cBhvr>
+                                      <p:to>
+                                        <p:strVal val="visible"/>
+                                      </p:to>
+                                    </p:set>
+                                  </p:childTnLst>
+                                </p:cTn>
+                              </p:par>
+                            </p:childTnLst>
+                          </p:cTn>
+                        </p:par>
+                      </p:childTnLst>
+                    </p:cTn>
+                  </p:par>
+                  <p:par>
+                    <p:cTn id="35" fill="hold">
+                      <p:stCondLst>
+                        <p:cond delay="indefinite"/>
+                      </p:stCondLst>
+                      <p:childTnLst>
+                        <p:par>
+                          <p:cTn id="36" fill="hold">
+                            <p:stCondLst>
+                              <p:cond delay="0"/>
+                            </p:stCondLst>
+                            <p:childTnLst>
+                              <p:par>
+                                <p:cTn id="37" presetID="1" presetClass="entr" presetSubtype="0" fill="hold" grpId="0" nodeType="clickEffect">
+                                  <p:stCondLst>
+                                    <p:cond delay="0"/>
+                                  </p:stCondLst>
+                                  <p:childTnLst>
+                                    <p:set>
+                                      <p:cBhvr>
+                                        <p:cTn id="38" dur="1" fill="hold">
+                                          <p:stCondLst>
+                                            <p:cond delay="0"/>
+                                          </p:stCondLst>
+                                        </p:cTn>
+                                        <p:tgtEl>
+                                          <p:spTgt spid="7"/>
+                                        </p:tgtEl>
+                                        <p:attrNameLst>
+                                          <p:attrName>style.visibility</p:attrName>
+                                        </p:attrNameLst>
+                                      </p:cBhvr>
+                                      <p:to>
+                                        <p:strVal val="visible"/>
+                                      </p:to>
+                                    </p:set>
+                                  </p:childTnLst>
+                                </p:cTn>
+                              </p:par>
+                            </p:childTnLst>
+                          </p:cTn>
+                        </p:par>
+                      </p:childTnLst>
+                    </p:cTn>
+                  </p:par>
+                </p:childTnLst>
+              </p:cTn>
+              <p:prevCondLst>
+                <p:cond evt="onPrev" delay="0">
+                  <p:tgtEl>
+                    <p:sldTgt/>
+                  </p:tgtEl>
+                </p:cond>
+              </p:prevCondLst>
+              <p:nextCondLst>
+                <p:cond evt="onNext" delay="0">
+                  <p:tgtEl>
+                    <p:sldTgt/>
+                  </p:tgtEl>
+                </p:cond>
+              </p:nextCondLst>
+            </p:seq>
+          </p:childTnLst>
+        </p:cTn>
+      </p:par>
+    </p:tnLst>
+    <p:bldLst>
+      <p:bldP spid="3" grpId="0" build="p"/>
+      <p:bldP spid="4" grpId="0"/>
+      <p:bldP spid="5" grpId="0"/>
+      <p:bldP spid="6" grpId="0"/>
+      <p:bldP spid="7" grpId="0"/>
+    </p:bldLst>
+  </p:timing>
+</p:sld>
+</file>
+
+<file path=ppt/slides/slide5.xml><?xml version="1.0" encoding="utf-8"?>
 <p:sld xmlns:a="http://schemas.openxmlformats.org/drawingml/2006/main" xmlns:r="http://schemas.openxmlformats.org/officeDocument/2006/relationships" xmlns:p="http://schemas.openxmlformats.org/presentationml/2006/main">
   <p:cSld>
     <p:spTree>
@@ -3744,7 +5521,7 @@
 </p:sld>
 </file>
 
-<file path=ppt/slides/slide5.xml><?xml version="1.0" encoding="utf-8"?>
+<file path=ppt/slides/slide6.xml><?xml version="1.0" encoding="utf-8"?>
 <p:sld xmlns:a="http://schemas.openxmlformats.org/drawingml/2006/main" xmlns:r="http://schemas.openxmlformats.org/officeDocument/2006/relationships" xmlns:p="http://schemas.openxmlformats.org/presentationml/2006/main">
   <p:cSld>
     <p:spTree>

--- a/IR/Presentation1.pptx
+++ b/IR/Presentation1.pptx
@@ -2,7 +2,7 @@
 <file path=ppt/presentation.xml><?xml version="1.0" encoding="utf-8"?>
 <p:presentation xmlns:a="http://schemas.openxmlformats.org/drawingml/2006/main" xmlns:r="http://schemas.openxmlformats.org/officeDocument/2006/relationships" xmlns:p="http://schemas.openxmlformats.org/presentationml/2006/main" saveSubsetFonts="1">
   <p:sldMasterIdLst>
-    <p:sldMasterId id="2147483648" r:id="rId1"/>
+    <p:sldMasterId id="2147483750" r:id="rId1"/>
   </p:sldMasterIdLst>
   <p:sldIdLst>
     <p:sldId id="256" r:id="rId2"/>
@@ -11,6 +11,8 @@
     <p:sldId id="257" r:id="rId5"/>
     <p:sldId id="259" r:id="rId6"/>
     <p:sldId id="260" r:id="rId7"/>
+    <p:sldId id="263" r:id="rId8"/>
+    <p:sldId id="262" r:id="rId9"/>
   </p:sldIdLst>
   <p:sldSz cx="12192000" cy="6858000"/>
   <p:notesSz cx="6858000" cy="9144000"/>
@@ -299,7 +301,7 @@
     </p:spTree>
     <p:extLst>
       <p:ext uri="{BB962C8B-B14F-4D97-AF65-F5344CB8AC3E}">
-        <p14:creationId xmlns:p14="http://schemas.microsoft.com/office/powerpoint/2010/main" val="1845030731"/>
+        <p14:creationId xmlns:p14="http://schemas.microsoft.com/office/powerpoint/2010/main" val="473689297"/>
       </p:ext>
     </p:extLst>
   </p:cSld>
@@ -469,7 +471,7 @@
     </p:spTree>
     <p:extLst>
       <p:ext uri="{BB962C8B-B14F-4D97-AF65-F5344CB8AC3E}">
-        <p14:creationId xmlns:p14="http://schemas.microsoft.com/office/powerpoint/2010/main" val="2201925490"/>
+        <p14:creationId xmlns:p14="http://schemas.microsoft.com/office/powerpoint/2010/main" val="63776066"/>
       </p:ext>
     </p:extLst>
   </p:cSld>
@@ -649,7 +651,7 @@
     </p:spTree>
     <p:extLst>
       <p:ext uri="{BB962C8B-B14F-4D97-AF65-F5344CB8AC3E}">
-        <p14:creationId xmlns:p14="http://schemas.microsoft.com/office/powerpoint/2010/main" val="1898433806"/>
+        <p14:creationId xmlns:p14="http://schemas.microsoft.com/office/powerpoint/2010/main" val="1837681563"/>
       </p:ext>
     </p:extLst>
   </p:cSld>
@@ -819,7 +821,7 @@
     </p:spTree>
     <p:extLst>
       <p:ext uri="{BB962C8B-B14F-4D97-AF65-F5344CB8AC3E}">
-        <p14:creationId xmlns:p14="http://schemas.microsoft.com/office/powerpoint/2010/main" val="1217092065"/>
+        <p14:creationId xmlns:p14="http://schemas.microsoft.com/office/powerpoint/2010/main" val="1056815717"/>
       </p:ext>
     </p:extLst>
   </p:cSld>
@@ -1065,7 +1067,7 @@
     </p:spTree>
     <p:extLst>
       <p:ext uri="{BB962C8B-B14F-4D97-AF65-F5344CB8AC3E}">
-        <p14:creationId xmlns:p14="http://schemas.microsoft.com/office/powerpoint/2010/main" val="3050334616"/>
+        <p14:creationId xmlns:p14="http://schemas.microsoft.com/office/powerpoint/2010/main" val="297802759"/>
       </p:ext>
     </p:extLst>
   </p:cSld>
@@ -1297,7 +1299,7 @@
     </p:spTree>
     <p:extLst>
       <p:ext uri="{BB962C8B-B14F-4D97-AF65-F5344CB8AC3E}">
-        <p14:creationId xmlns:p14="http://schemas.microsoft.com/office/powerpoint/2010/main" val="1825184862"/>
+        <p14:creationId xmlns:p14="http://schemas.microsoft.com/office/powerpoint/2010/main" val="3396081429"/>
       </p:ext>
     </p:extLst>
   </p:cSld>
@@ -1664,7 +1666,7 @@
     </p:spTree>
     <p:extLst>
       <p:ext uri="{BB962C8B-B14F-4D97-AF65-F5344CB8AC3E}">
-        <p14:creationId xmlns:p14="http://schemas.microsoft.com/office/powerpoint/2010/main" val="635604173"/>
+        <p14:creationId xmlns:p14="http://schemas.microsoft.com/office/powerpoint/2010/main" val="1966168750"/>
       </p:ext>
     </p:extLst>
   </p:cSld>
@@ -1782,7 +1784,7 @@
     </p:spTree>
     <p:extLst>
       <p:ext uri="{BB962C8B-B14F-4D97-AF65-F5344CB8AC3E}">
-        <p14:creationId xmlns:p14="http://schemas.microsoft.com/office/powerpoint/2010/main" val="755096373"/>
+        <p14:creationId xmlns:p14="http://schemas.microsoft.com/office/powerpoint/2010/main" val="3932535831"/>
       </p:ext>
     </p:extLst>
   </p:cSld>
@@ -1877,7 +1879,7 @@
     </p:spTree>
     <p:extLst>
       <p:ext uri="{BB962C8B-B14F-4D97-AF65-F5344CB8AC3E}">
-        <p14:creationId xmlns:p14="http://schemas.microsoft.com/office/powerpoint/2010/main" val="2244456494"/>
+        <p14:creationId xmlns:p14="http://schemas.microsoft.com/office/powerpoint/2010/main" val="1633504525"/>
       </p:ext>
     </p:extLst>
   </p:cSld>
@@ -2154,7 +2156,7 @@
     </p:spTree>
     <p:extLst>
       <p:ext uri="{BB962C8B-B14F-4D97-AF65-F5344CB8AC3E}">
-        <p14:creationId xmlns:p14="http://schemas.microsoft.com/office/powerpoint/2010/main" val="1280980930"/>
+        <p14:creationId xmlns:p14="http://schemas.microsoft.com/office/powerpoint/2010/main" val="2861683801"/>
       </p:ext>
     </p:extLst>
   </p:cSld>
@@ -2407,7 +2409,7 @@
     </p:spTree>
     <p:extLst>
       <p:ext uri="{BB962C8B-B14F-4D97-AF65-F5344CB8AC3E}">
-        <p14:creationId xmlns:p14="http://schemas.microsoft.com/office/powerpoint/2010/main" val="697393103"/>
+        <p14:creationId xmlns:p14="http://schemas.microsoft.com/office/powerpoint/2010/main" val="2110324536"/>
       </p:ext>
     </p:extLst>
   </p:cSld>
@@ -2656,23 +2658,23 @@
     </p:spTree>
     <p:extLst>
       <p:ext uri="{BB962C8B-B14F-4D97-AF65-F5344CB8AC3E}">
-        <p14:creationId xmlns:p14="http://schemas.microsoft.com/office/powerpoint/2010/main" val="1855238872"/>
+        <p14:creationId xmlns:p14="http://schemas.microsoft.com/office/powerpoint/2010/main" val="1360889844"/>
       </p:ext>
     </p:extLst>
   </p:cSld>
   <p:clrMap bg1="lt1" tx1="dk1" bg2="lt2" tx2="dk2" accent1="accent1" accent2="accent2" accent3="accent3" accent4="accent4" accent5="accent5" accent6="accent6" hlink="hlink" folHlink="folHlink"/>
   <p:sldLayoutIdLst>
-    <p:sldLayoutId id="2147483649" r:id="rId1"/>
-    <p:sldLayoutId id="2147483650" r:id="rId2"/>
-    <p:sldLayoutId id="2147483651" r:id="rId3"/>
-    <p:sldLayoutId id="2147483652" r:id="rId4"/>
-    <p:sldLayoutId id="2147483653" r:id="rId5"/>
-    <p:sldLayoutId id="2147483654" r:id="rId6"/>
-    <p:sldLayoutId id="2147483655" r:id="rId7"/>
-    <p:sldLayoutId id="2147483656" r:id="rId8"/>
-    <p:sldLayoutId id="2147483657" r:id="rId9"/>
-    <p:sldLayoutId id="2147483658" r:id="rId10"/>
-    <p:sldLayoutId id="2147483659" r:id="rId11"/>
+    <p:sldLayoutId id="2147483751" r:id="rId1"/>
+    <p:sldLayoutId id="2147483752" r:id="rId2"/>
+    <p:sldLayoutId id="2147483753" r:id="rId3"/>
+    <p:sldLayoutId id="2147483754" r:id="rId4"/>
+    <p:sldLayoutId id="2147483755" r:id="rId5"/>
+    <p:sldLayoutId id="2147483756" r:id="rId6"/>
+    <p:sldLayoutId id="2147483757" r:id="rId7"/>
+    <p:sldLayoutId id="2147483758" r:id="rId8"/>
+    <p:sldLayoutId id="2147483759" r:id="rId9"/>
+    <p:sldLayoutId id="2147483760" r:id="rId10"/>
+    <p:sldLayoutId id="2147483761" r:id="rId11"/>
   </p:sldLayoutIdLst>
   <p:txStyles>
     <p:titleStyle>
@@ -3022,6 +3024,13 @@
   <p:clrMapOvr>
     <a:masterClrMapping/>
   </p:clrMapOvr>
+  <p:timing>
+    <p:tnLst>
+      <p:par>
+        <p:cTn id="1" dur="indefinite" restart="never" nodeType="tmRoot"/>
+      </p:par>
+    </p:tnLst>
+  </p:timing>
 </p:sld>
 </file>
 
@@ -3055,7 +3064,7 @@
         <p:spPr>
           <a:xfrm>
             <a:off x="0" y="0"/>
-            <a:ext cx="9404723" cy="1400530"/>
+            <a:ext cx="10007600" cy="1400530"/>
           </a:xfrm>
         </p:spPr>
         <p:txBody>
@@ -3065,10 +3074,22 @@
           <a:lstStyle/>
           <a:p>
             <a:r>
-              <a:rPr lang="en-US" sz="4000" dirty="0" smtClean="0"/>
+              <a:rPr lang="en-US" sz="4000" b="1" dirty="0" smtClean="0">
+                <a:solidFill>
+                  <a:srgbClr val="7030A0"/>
+                </a:solidFill>
+                <a:latin typeface="Times New Roman" panose="02020603050405020304" pitchFamily="18" charset="0"/>
+                <a:cs typeface="Times New Roman" panose="02020603050405020304" pitchFamily="18" charset="0"/>
+              </a:rPr>
               <a:t>Information Retrieval (Truy xuất thông tin).</a:t>
             </a:r>
-            <a:endParaRPr lang="en-US" sz="4000" dirty="0"/>
+            <a:endParaRPr lang="en-US" sz="4000" b="1" dirty="0">
+              <a:solidFill>
+                <a:srgbClr val="7030A0"/>
+              </a:solidFill>
+              <a:latin typeface="Times New Roman" panose="02020603050405020304" pitchFamily="18" charset="0"/>
+              <a:cs typeface="Times New Roman" panose="02020603050405020304" pitchFamily="18" charset="0"/>
+            </a:endParaRPr>
           </a:p>
         </p:txBody>
       </p:sp>
@@ -3203,9 +3224,7 @@
             <a:r>
               <a:rPr lang="en-US" sz="5500" b="1" dirty="0">
                 <a:solidFill>
-                  <a:schemeClr val="accent5">
-                    <a:lumMod val="75000"/>
-                  </a:schemeClr>
+                  <a:srgbClr val="7030A0"/>
                 </a:solidFill>
                 <a:latin typeface="Times New Roman" panose="02020603050405020304" pitchFamily="18" charset="0"/>
                 <a:cs typeface="Times New Roman" panose="02020603050405020304" pitchFamily="18" charset="0"/>
@@ -3215,9 +3234,7 @@
             <a:br>
               <a:rPr lang="en-US" sz="5500" b="1" dirty="0">
                 <a:solidFill>
-                  <a:schemeClr val="accent5">
-                    <a:lumMod val="75000"/>
-                  </a:schemeClr>
+                  <a:srgbClr val="7030A0"/>
                 </a:solidFill>
                 <a:latin typeface="Times New Roman" panose="02020603050405020304" pitchFamily="18" charset="0"/>
                 <a:cs typeface="Times New Roman" panose="02020603050405020304" pitchFamily="18" charset="0"/>
@@ -3226,9 +3243,7 @@
             <a:r>
               <a:rPr lang="en-US" sz="5500" b="1" dirty="0">
                 <a:solidFill>
-                  <a:schemeClr val="accent5">
-                    <a:lumMod val="75000"/>
-                  </a:schemeClr>
+                  <a:srgbClr val="7030A0"/>
                 </a:solidFill>
                 <a:latin typeface="Times New Roman" panose="02020603050405020304" pitchFamily="18" charset="0"/>
                 <a:cs typeface="Times New Roman" panose="02020603050405020304" pitchFamily="18" charset="0"/>
@@ -3238,9 +3253,7 @@
             <a:r>
               <a:rPr lang="en-US" sz="5500" b="1" dirty="0" smtClean="0">
                 <a:solidFill>
-                  <a:schemeClr val="accent5">
-                    <a:lumMod val="75000"/>
-                  </a:schemeClr>
+                  <a:srgbClr val="7030A0"/>
                 </a:solidFill>
                 <a:latin typeface="Times New Roman" panose="02020603050405020304" pitchFamily="18" charset="0"/>
                 <a:cs typeface="Times New Roman" panose="02020603050405020304" pitchFamily="18" charset="0"/>
@@ -3250,9 +3263,7 @@
             <a:br>
               <a:rPr lang="en-US" sz="5500" b="1" dirty="0" smtClean="0">
                 <a:solidFill>
-                  <a:schemeClr val="accent5">
-                    <a:lumMod val="75000"/>
-                  </a:schemeClr>
+                  <a:srgbClr val="7030A0"/>
                 </a:solidFill>
                 <a:latin typeface="Times New Roman" panose="02020603050405020304" pitchFamily="18" charset="0"/>
                 <a:cs typeface="Times New Roman" panose="02020603050405020304" pitchFamily="18" charset="0"/>
@@ -3261,9 +3272,7 @@
             <a:r>
               <a:rPr lang="en-US" sz="5500" b="1" dirty="0" smtClean="0">
                 <a:solidFill>
-                  <a:schemeClr val="accent5">
-                    <a:lumMod val="75000"/>
-                  </a:schemeClr>
+                  <a:srgbClr val="7030A0"/>
                 </a:solidFill>
                 <a:latin typeface="Times New Roman" panose="02020603050405020304" pitchFamily="18" charset="0"/>
                 <a:cs typeface="Times New Roman" panose="02020603050405020304" pitchFamily="18" charset="0"/>
@@ -3273,19 +3282,13 @@
             <a:r>
               <a:rPr lang="en-US" sz="5500" b="1" dirty="0">
                 <a:solidFill>
-                  <a:schemeClr val="accent5">
-                    <a:lumMod val="75000"/>
-                  </a:schemeClr>
+                  <a:srgbClr val="7030A0"/>
                 </a:solidFill>
                 <a:latin typeface="Times New Roman" panose="02020603050405020304" pitchFamily="18" charset="0"/>
                 <a:cs typeface="Times New Roman" panose="02020603050405020304" pitchFamily="18" charset="0"/>
               </a:rPr>
               <a:t>hệ thống truy xuất thông tin.</a:t>
             </a:r>
-            <a:endParaRPr lang="en-US" sz="5500" b="1" dirty="0">
-              <a:latin typeface="Times New Roman" panose="02020603050405020304" pitchFamily="18" charset="0"/>
-              <a:cs typeface="Times New Roman" panose="02020603050405020304" pitchFamily="18" charset="0"/>
-            </a:endParaRPr>
           </a:p>
         </p:txBody>
       </p:sp>
@@ -3339,7 +3342,7 @@
         <p:spPr>
           <a:xfrm>
             <a:off x="0" y="0"/>
-            <a:ext cx="12192000" cy="1400530"/>
+            <a:ext cx="12192000" cy="1018773"/>
           </a:xfrm>
         </p:spPr>
         <p:txBody>
@@ -3349,21 +3352,21 @@
           <a:lstStyle/>
           <a:p>
             <a:r>
-              <a:rPr lang="en-US" sz="4000" dirty="0" smtClean="0">
-                <a:solidFill>
-                  <a:schemeClr val="accent5">
-                    <a:lumMod val="75000"/>
-                  </a:schemeClr>
-                </a:solidFill>
+              <a:rPr lang="en-US" sz="4000" b="1" dirty="0" smtClean="0">
+                <a:solidFill>
+                  <a:srgbClr val="7030A0"/>
+                </a:solidFill>
+                <a:latin typeface="Times New Roman" panose="02020603050405020304" pitchFamily="18" charset="0"/>
+                <a:cs typeface="Times New Roman" panose="02020603050405020304" pitchFamily="18" charset="0"/>
               </a:rPr>
               <a:t>Inverted index.</a:t>
             </a:r>
-            <a:endParaRPr lang="en-US" sz="4000" dirty="0">
+            <a:endParaRPr lang="en-US" sz="4000" b="1" dirty="0">
               <a:solidFill>
-                <a:schemeClr val="accent5">
-                  <a:lumMod val="75000"/>
-                </a:schemeClr>
+                <a:srgbClr val="7030A0"/>
               </a:solidFill>
+              <a:latin typeface="Times New Roman" panose="02020603050405020304" pitchFamily="18" charset="0"/>
+              <a:cs typeface="Times New Roman" panose="02020603050405020304" pitchFamily="18" charset="0"/>
             </a:endParaRPr>
           </a:p>
         </p:txBody>
@@ -3726,10 +3729,20 @@
             </a:pPr>
             <a:r>
               <a:rPr lang="en-US" sz="2400" dirty="0" smtClean="0">
-                <a:latin typeface="Times New Roman" panose="02020603050405020304" pitchFamily="18" charset="0"/>
-                <a:cs typeface="Times New Roman" panose="02020603050405020304" pitchFamily="18" charset="0"/>
-              </a:rPr>
-              <a:t>the blue sky</a:t>
+                <a:solidFill>
+                  <a:srgbClr val="FF0000"/>
+                </a:solidFill>
+                <a:latin typeface="Times New Roman" panose="02020603050405020304" pitchFamily="18" charset="0"/>
+                <a:cs typeface="Times New Roman" panose="02020603050405020304" pitchFamily="18" charset="0"/>
+              </a:rPr>
+              <a:t>Phrases</a:t>
+            </a:r>
+            <a:r>
+              <a:rPr lang="en-US" sz="2400" dirty="0" smtClean="0">
+                <a:latin typeface="Times New Roman" panose="02020603050405020304" pitchFamily="18" charset="0"/>
+                <a:cs typeface="Times New Roman" panose="02020603050405020304" pitchFamily="18" charset="0"/>
+              </a:rPr>
+              <a:t>: </a:t>
             </a:r>
           </a:p>
           <a:p>
@@ -3737,10 +3750,13 @@
               <a:buFont typeface="Arial" panose="020B0604020202020204" pitchFamily="34" charset="0"/>
               <a:buNone/>
             </a:pPr>
-            <a:endParaRPr lang="en-US" sz="2400" dirty="0" smtClean="0">
-              <a:latin typeface="Times New Roman" panose="02020603050405020304" pitchFamily="18" charset="0"/>
-              <a:cs typeface="Times New Roman" panose="02020603050405020304" pitchFamily="18" charset="0"/>
-            </a:endParaRPr>
+            <a:r>
+              <a:rPr lang="en-US" sz="2400" dirty="0" smtClean="0">
+                <a:latin typeface="Times New Roman" panose="02020603050405020304" pitchFamily="18" charset="0"/>
+                <a:cs typeface="Times New Roman" panose="02020603050405020304" pitchFamily="18" charset="0"/>
+              </a:rPr>
+              <a:t>the blue sky</a:t>
+            </a:r>
           </a:p>
           <a:p>
             <a:pPr marL="0" lvl="8" indent="0" algn="just">
@@ -3857,8 +3873,8 @@
         </p:nvSpPr>
         <p:spPr>
           <a:xfrm>
-            <a:off x="8102599" y="1018773"/>
-            <a:ext cx="3949473" cy="5435600"/>
+            <a:off x="8102599" y="596900"/>
+            <a:ext cx="3949473" cy="5857473"/>
           </a:xfrm>
           <a:prstGeom prst="rect">
             <a:avLst/>
@@ -4032,6 +4048,18 @@
               </a:defRPr>
             </a:lvl9pPr>
           </a:lstStyle>
+          <a:p>
+            <a:pPr marL="0" indent="0">
+              <a:buNone/>
+            </a:pPr>
+            <a:r>
+              <a:rPr lang="en-US" sz="2400" dirty="0" smtClean="0">
+                <a:latin typeface="Times New Roman" panose="02020603050405020304" pitchFamily="18" charset="0"/>
+                <a:cs typeface="Times New Roman" panose="02020603050405020304" pitchFamily="18" charset="0"/>
+              </a:rPr>
+              <a:t>                     the postings</a:t>
+            </a:r>
+          </a:p>
           <a:p>
             <a:pPr marL="457200" indent="-457200">
               <a:buFont typeface="+mj-lt"/>
@@ -5371,48 +5399,6 @@
       </p:grpSpPr>
       <p:sp>
         <p:nvSpPr>
-          <p:cNvPr id="2" name="Title 1"/>
-          <p:cNvSpPr>
-            <a:spLocks noGrp="1"/>
-          </p:cNvSpPr>
-          <p:nvPr>
-            <p:ph type="title"/>
-          </p:nvPr>
-        </p:nvSpPr>
-        <p:spPr>
-          <a:xfrm>
-            <a:off x="0" y="0"/>
-            <a:ext cx="9404723" cy="1400530"/>
-          </a:xfrm>
-        </p:spPr>
-        <p:txBody>
-          <a:bodyPr>
-            <a:normAutofit/>
-          </a:bodyPr>
-          <a:lstStyle/>
-          <a:p>
-            <a:r>
-              <a:rPr lang="en-US" sz="4000" dirty="0" smtClean="0">
-                <a:solidFill>
-                  <a:schemeClr val="accent5">
-                    <a:lumMod val="75000"/>
-                  </a:schemeClr>
-                </a:solidFill>
-              </a:rPr>
-              <a:t>Hệ thống truy xuất thông tin.</a:t>
-            </a:r>
-            <a:endParaRPr lang="en-US" sz="4000" dirty="0">
-              <a:solidFill>
-                <a:schemeClr val="accent5">
-                  <a:lumMod val="75000"/>
-                </a:schemeClr>
-              </a:solidFill>
-            </a:endParaRPr>
-          </a:p>
-        </p:txBody>
-      </p:sp>
-      <p:sp>
-        <p:nvSpPr>
           <p:cNvPr id="3" name="Content Placeholder 2"/>
           <p:cNvSpPr>
             <a:spLocks noGrp="1"/>
@@ -5438,8 +5424,12 @@
                 <a:latin typeface="Times New Roman" panose="02020603050405020304" pitchFamily="18" charset="0"/>
                 <a:cs typeface="Times New Roman" panose="02020603050405020304" pitchFamily="18" charset="0"/>
               </a:rPr>
-              <a:t>STOP LIST.</a:t>
-            </a:r>
+              <a:t>Small STOP LIST of English.</a:t>
+            </a:r>
+            <a:endParaRPr lang="en-US" sz="2400" dirty="0" smtClean="0">
+              <a:latin typeface="Times New Roman" panose="02020603050405020304" pitchFamily="18" charset="0"/>
+              <a:cs typeface="Times New Roman" panose="02020603050405020304" pitchFamily="18" charset="0"/>
+            </a:endParaRPr>
           </a:p>
           <a:p>
             <a:endParaRPr lang="en-US" sz="2400" dirty="0" smtClean="0">
@@ -5501,6 +5491,67 @@
           </a:prstGeom>
         </p:spPr>
       </p:pic>
+      <p:sp>
+        <p:nvSpPr>
+          <p:cNvPr id="6" name="Title 1"/>
+          <p:cNvSpPr txBox="1">
+            <a:spLocks/>
+          </p:cNvSpPr>
+          <p:nvPr/>
+        </p:nvSpPr>
+        <p:spPr>
+          <a:xfrm>
+            <a:off x="0" y="0"/>
+            <a:ext cx="12192000" cy="1018773"/>
+          </a:xfrm>
+          <a:prstGeom prst="rect">
+            <a:avLst/>
+          </a:prstGeom>
+        </p:spPr>
+        <p:txBody>
+          <a:bodyPr vert="horz" lIns="91440" tIns="45720" rIns="91440" bIns="45720" rtlCol="0" anchor="ctr">
+            <a:normAutofit/>
+          </a:bodyPr>
+          <a:lstStyle>
+            <a:lvl1pPr algn="l" defTabSz="914400" rtl="0" eaLnBrk="1" latinLnBrk="0" hangingPunct="1">
+              <a:lnSpc>
+                <a:spcPct val="90000"/>
+              </a:lnSpc>
+              <a:spcBef>
+                <a:spcPct val="0"/>
+              </a:spcBef>
+              <a:buNone/>
+              <a:defRPr sz="4400" kern="1200">
+                <a:solidFill>
+                  <a:schemeClr val="tx1"/>
+                </a:solidFill>
+                <a:latin typeface="+mj-lt"/>
+                <a:ea typeface="+mj-ea"/>
+                <a:cs typeface="+mj-cs"/>
+              </a:defRPr>
+            </a:lvl1pPr>
+          </a:lstStyle>
+          <a:p>
+            <a:r>
+              <a:rPr lang="en-US" sz="4000" b="1" dirty="0" smtClean="0">
+                <a:solidFill>
+                  <a:srgbClr val="7030A0"/>
+                </a:solidFill>
+                <a:latin typeface="Times New Roman" panose="02020603050405020304" pitchFamily="18" charset="0"/>
+                <a:cs typeface="Times New Roman" panose="02020603050405020304" pitchFamily="18" charset="0"/>
+              </a:rPr>
+              <a:t>Stop list.</a:t>
+            </a:r>
+            <a:endParaRPr lang="en-US" sz="4000" b="1" dirty="0">
+              <a:solidFill>
+                <a:srgbClr val="7030A0"/>
+              </a:solidFill>
+              <a:latin typeface="Times New Roman" panose="02020603050405020304" pitchFamily="18" charset="0"/>
+              <a:cs typeface="Times New Roman" panose="02020603050405020304" pitchFamily="18" charset="0"/>
+            </a:endParaRPr>
+          </a:p>
+        </p:txBody>
+      </p:sp>
     </p:spTree>
     <p:extLst>
       <p:ext uri="{BB962C8B-B14F-4D97-AF65-F5344CB8AC3E}">
@@ -5540,18 +5591,703 @@
       </p:grpSpPr>
       <p:sp>
         <p:nvSpPr>
-          <p:cNvPr id="2" name="Title 1"/>
-          <p:cNvSpPr>
-            <a:spLocks noGrp="1"/>
-          </p:cNvSpPr>
-          <p:nvPr>
-            <p:ph type="title"/>
-          </p:nvPr>
+          <p:cNvPr id="4" name="Content Placeholder 3"/>
+          <p:cNvSpPr>
+            <a:spLocks noGrp="1"/>
+          </p:cNvSpPr>
+          <p:nvPr>
+            <p:ph idx="1"/>
+          </p:nvPr>
+        </p:nvSpPr>
+        <p:spPr>
+          <a:xfrm>
+            <a:off x="787400" y="1018773"/>
+            <a:ext cx="11404600" cy="556028"/>
+          </a:xfrm>
+        </p:spPr>
+        <p:txBody>
+          <a:bodyPr/>
+          <a:lstStyle/>
+          <a:p>
+            <a:r>
+              <a:rPr lang="en-US" dirty="0"/>
+              <a:t>laughing, laughed, </a:t>
+            </a:r>
+            <a:r>
+              <a:rPr lang="en-US" dirty="0" smtClean="0"/>
+              <a:t>laughs =&gt; laugh-</a:t>
+            </a:r>
+            <a:endParaRPr lang="en-US" dirty="0"/>
+          </a:p>
+        </p:txBody>
+      </p:sp>
+      <p:sp>
+        <p:nvSpPr>
+          <p:cNvPr id="6" name="Title 1"/>
+          <p:cNvSpPr txBox="1">
+            <a:spLocks/>
+          </p:cNvSpPr>
+          <p:nvPr/>
         </p:nvSpPr>
         <p:spPr>
           <a:xfrm>
             <a:off x="0" y="0"/>
-            <a:ext cx="9404723" cy="1400530"/>
+            <a:ext cx="12192000" cy="1018773"/>
+          </a:xfrm>
+          <a:prstGeom prst="rect">
+            <a:avLst/>
+          </a:prstGeom>
+        </p:spPr>
+        <p:txBody>
+          <a:bodyPr vert="horz" lIns="91440" tIns="45720" rIns="91440" bIns="45720" rtlCol="0" anchor="ctr">
+            <a:normAutofit/>
+          </a:bodyPr>
+          <a:lstStyle>
+            <a:lvl1pPr algn="l" defTabSz="914400" rtl="0" eaLnBrk="1" latinLnBrk="0" hangingPunct="1">
+              <a:lnSpc>
+                <a:spcPct val="90000"/>
+              </a:lnSpc>
+              <a:spcBef>
+                <a:spcPct val="0"/>
+              </a:spcBef>
+              <a:buNone/>
+              <a:defRPr sz="4400" kern="1200">
+                <a:solidFill>
+                  <a:schemeClr val="tx1"/>
+                </a:solidFill>
+                <a:latin typeface="+mj-lt"/>
+                <a:ea typeface="+mj-ea"/>
+                <a:cs typeface="+mj-cs"/>
+              </a:defRPr>
+            </a:lvl1pPr>
+          </a:lstStyle>
+          <a:p>
+            <a:r>
+              <a:rPr lang="en-US" sz="4000" b="1" dirty="0" smtClean="0">
+                <a:solidFill>
+                  <a:srgbClr val="7030A0"/>
+                </a:solidFill>
+                <a:latin typeface="Times New Roman" panose="02020603050405020304" pitchFamily="18" charset="0"/>
+                <a:cs typeface="Times New Roman" panose="02020603050405020304" pitchFamily="18" charset="0"/>
+              </a:rPr>
+              <a:t>Stemming.</a:t>
+            </a:r>
+            <a:endParaRPr lang="en-US" sz="4000" b="1" dirty="0">
+              <a:solidFill>
+                <a:srgbClr val="7030A0"/>
+              </a:solidFill>
+              <a:latin typeface="Times New Roman" panose="02020603050405020304" pitchFamily="18" charset="0"/>
+              <a:cs typeface="Times New Roman" panose="02020603050405020304" pitchFamily="18" charset="0"/>
+            </a:endParaRPr>
+          </a:p>
+        </p:txBody>
+      </p:sp>
+      <p:sp>
+        <p:nvSpPr>
+          <p:cNvPr id="7" name="Content Placeholder 3"/>
+          <p:cNvSpPr txBox="1">
+            <a:spLocks/>
+          </p:cNvSpPr>
+          <p:nvPr/>
+        </p:nvSpPr>
+        <p:spPr>
+          <a:xfrm>
+            <a:off x="787400" y="1574801"/>
+            <a:ext cx="11404600" cy="556028"/>
+          </a:xfrm>
+          <a:prstGeom prst="rect">
+            <a:avLst/>
+          </a:prstGeom>
+        </p:spPr>
+        <p:txBody>
+          <a:bodyPr vert="horz" lIns="91440" tIns="45720" rIns="91440" bIns="45720" rtlCol="0">
+            <a:normAutofit/>
+          </a:bodyPr>
+          <a:lstStyle>
+            <a:lvl1pPr marL="228600" indent="-228600" algn="l" defTabSz="914400" rtl="0" eaLnBrk="1" latinLnBrk="0" hangingPunct="1">
+              <a:lnSpc>
+                <a:spcPct val="90000"/>
+              </a:lnSpc>
+              <a:spcBef>
+                <a:spcPts val="1000"/>
+              </a:spcBef>
+              <a:buFont typeface="Arial" panose="020B0604020202020204" pitchFamily="34" charset="0"/>
+              <a:buChar char="•"/>
+              <a:defRPr sz="2800" kern="1200">
+                <a:solidFill>
+                  <a:schemeClr val="tx1"/>
+                </a:solidFill>
+                <a:latin typeface="+mn-lt"/>
+                <a:ea typeface="+mn-ea"/>
+                <a:cs typeface="+mn-cs"/>
+              </a:defRPr>
+            </a:lvl1pPr>
+            <a:lvl2pPr marL="685800" indent="-228600" algn="l" defTabSz="914400" rtl="0" eaLnBrk="1" latinLnBrk="0" hangingPunct="1">
+              <a:lnSpc>
+                <a:spcPct val="90000"/>
+              </a:lnSpc>
+              <a:spcBef>
+                <a:spcPts val="500"/>
+              </a:spcBef>
+              <a:buFont typeface="Arial" panose="020B0604020202020204" pitchFamily="34" charset="0"/>
+              <a:buChar char="•"/>
+              <a:defRPr sz="2400" kern="1200">
+                <a:solidFill>
+                  <a:schemeClr val="tx1"/>
+                </a:solidFill>
+                <a:latin typeface="+mn-lt"/>
+                <a:ea typeface="+mn-ea"/>
+                <a:cs typeface="+mn-cs"/>
+              </a:defRPr>
+            </a:lvl2pPr>
+            <a:lvl3pPr marL="1143000" indent="-228600" algn="l" defTabSz="914400" rtl="0" eaLnBrk="1" latinLnBrk="0" hangingPunct="1">
+              <a:lnSpc>
+                <a:spcPct val="90000"/>
+              </a:lnSpc>
+              <a:spcBef>
+                <a:spcPts val="500"/>
+              </a:spcBef>
+              <a:buFont typeface="Arial" panose="020B0604020202020204" pitchFamily="34" charset="0"/>
+              <a:buChar char="•"/>
+              <a:defRPr sz="2000" kern="1200">
+                <a:solidFill>
+                  <a:schemeClr val="tx1"/>
+                </a:solidFill>
+                <a:latin typeface="+mn-lt"/>
+                <a:ea typeface="+mn-ea"/>
+                <a:cs typeface="+mn-cs"/>
+              </a:defRPr>
+            </a:lvl3pPr>
+            <a:lvl4pPr marL="1600200" indent="-228600" algn="l" defTabSz="914400" rtl="0" eaLnBrk="1" latinLnBrk="0" hangingPunct="1">
+              <a:lnSpc>
+                <a:spcPct val="90000"/>
+              </a:lnSpc>
+              <a:spcBef>
+                <a:spcPts val="500"/>
+              </a:spcBef>
+              <a:buFont typeface="Arial" panose="020B0604020202020204" pitchFamily="34" charset="0"/>
+              <a:buChar char="•"/>
+              <a:defRPr sz="1800" kern="1200">
+                <a:solidFill>
+                  <a:schemeClr val="tx1"/>
+                </a:solidFill>
+                <a:latin typeface="+mn-lt"/>
+                <a:ea typeface="+mn-ea"/>
+                <a:cs typeface="+mn-cs"/>
+              </a:defRPr>
+            </a:lvl4pPr>
+            <a:lvl5pPr marL="2057400" indent="-228600" algn="l" defTabSz="914400" rtl="0" eaLnBrk="1" latinLnBrk="0" hangingPunct="1">
+              <a:lnSpc>
+                <a:spcPct val="90000"/>
+              </a:lnSpc>
+              <a:spcBef>
+                <a:spcPts val="500"/>
+              </a:spcBef>
+              <a:buFont typeface="Arial" panose="020B0604020202020204" pitchFamily="34" charset="0"/>
+              <a:buChar char="•"/>
+              <a:defRPr sz="1800" kern="1200">
+                <a:solidFill>
+                  <a:schemeClr val="tx1"/>
+                </a:solidFill>
+                <a:latin typeface="+mn-lt"/>
+                <a:ea typeface="+mn-ea"/>
+                <a:cs typeface="+mn-cs"/>
+              </a:defRPr>
+            </a:lvl5pPr>
+            <a:lvl6pPr marL="2514600" indent="-228600" algn="l" defTabSz="914400" rtl="0" eaLnBrk="1" latinLnBrk="0" hangingPunct="1">
+              <a:lnSpc>
+                <a:spcPct val="90000"/>
+              </a:lnSpc>
+              <a:spcBef>
+                <a:spcPts val="500"/>
+              </a:spcBef>
+              <a:buFont typeface="Arial" panose="020B0604020202020204" pitchFamily="34" charset="0"/>
+              <a:buChar char="•"/>
+              <a:defRPr sz="1800" kern="1200">
+                <a:solidFill>
+                  <a:schemeClr val="tx1"/>
+                </a:solidFill>
+                <a:latin typeface="+mn-lt"/>
+                <a:ea typeface="+mn-ea"/>
+                <a:cs typeface="+mn-cs"/>
+              </a:defRPr>
+            </a:lvl6pPr>
+            <a:lvl7pPr marL="2971800" indent="-228600" algn="l" defTabSz="914400" rtl="0" eaLnBrk="1" latinLnBrk="0" hangingPunct="1">
+              <a:lnSpc>
+                <a:spcPct val="90000"/>
+              </a:lnSpc>
+              <a:spcBef>
+                <a:spcPts val="500"/>
+              </a:spcBef>
+              <a:buFont typeface="Arial" panose="020B0604020202020204" pitchFamily="34" charset="0"/>
+              <a:buChar char="•"/>
+              <a:defRPr sz="1800" kern="1200">
+                <a:solidFill>
+                  <a:schemeClr val="tx1"/>
+                </a:solidFill>
+                <a:latin typeface="+mn-lt"/>
+                <a:ea typeface="+mn-ea"/>
+                <a:cs typeface="+mn-cs"/>
+              </a:defRPr>
+            </a:lvl7pPr>
+            <a:lvl8pPr marL="3429000" indent="-228600" algn="l" defTabSz="914400" rtl="0" eaLnBrk="1" latinLnBrk="0" hangingPunct="1">
+              <a:lnSpc>
+                <a:spcPct val="90000"/>
+              </a:lnSpc>
+              <a:spcBef>
+                <a:spcPts val="500"/>
+              </a:spcBef>
+              <a:buFont typeface="Arial" panose="020B0604020202020204" pitchFamily="34" charset="0"/>
+              <a:buChar char="•"/>
+              <a:defRPr sz="1800" kern="1200">
+                <a:solidFill>
+                  <a:schemeClr val="tx1"/>
+                </a:solidFill>
+                <a:latin typeface="+mn-lt"/>
+                <a:ea typeface="+mn-ea"/>
+                <a:cs typeface="+mn-cs"/>
+              </a:defRPr>
+            </a:lvl8pPr>
+            <a:lvl9pPr marL="3886200" indent="-228600" algn="l" defTabSz="914400" rtl="0" eaLnBrk="1" latinLnBrk="0" hangingPunct="1">
+              <a:lnSpc>
+                <a:spcPct val="90000"/>
+              </a:lnSpc>
+              <a:spcBef>
+                <a:spcPts val="500"/>
+              </a:spcBef>
+              <a:buFont typeface="Arial" panose="020B0604020202020204" pitchFamily="34" charset="0"/>
+              <a:buChar char="•"/>
+              <a:defRPr sz="1800" kern="1200">
+                <a:solidFill>
+                  <a:schemeClr val="tx1"/>
+                </a:solidFill>
+                <a:latin typeface="+mn-lt"/>
+                <a:ea typeface="+mn-ea"/>
+                <a:cs typeface="+mn-cs"/>
+              </a:defRPr>
+            </a:lvl9pPr>
+          </a:lstStyle>
+          <a:p>
+            <a:r>
+              <a:rPr lang="en-US" dirty="0" smtClean="0"/>
+              <a:t>goes =&gt; goe	go =&gt; go</a:t>
+            </a:r>
+            <a:endParaRPr lang="en-US" dirty="0"/>
+          </a:p>
+        </p:txBody>
+      </p:sp>
+      <p:sp>
+        <p:nvSpPr>
+          <p:cNvPr id="8" name="Content Placeholder 3"/>
+          <p:cNvSpPr txBox="1">
+            <a:spLocks/>
+          </p:cNvSpPr>
+          <p:nvPr/>
+        </p:nvSpPr>
+        <p:spPr>
+          <a:xfrm>
+            <a:off x="787400" y="2130829"/>
+            <a:ext cx="11404600" cy="556028"/>
+          </a:xfrm>
+          <a:prstGeom prst="rect">
+            <a:avLst/>
+          </a:prstGeom>
+        </p:spPr>
+        <p:txBody>
+          <a:bodyPr vert="horz" lIns="91440" tIns="45720" rIns="91440" bIns="45720" rtlCol="0">
+            <a:normAutofit/>
+          </a:bodyPr>
+          <a:lstStyle>
+            <a:lvl1pPr marL="228600" indent="-228600" algn="l" defTabSz="914400" rtl="0" eaLnBrk="1" latinLnBrk="0" hangingPunct="1">
+              <a:lnSpc>
+                <a:spcPct val="90000"/>
+              </a:lnSpc>
+              <a:spcBef>
+                <a:spcPts val="1000"/>
+              </a:spcBef>
+              <a:buFont typeface="Arial" panose="020B0604020202020204" pitchFamily="34" charset="0"/>
+              <a:buChar char="•"/>
+              <a:defRPr sz="2800" kern="1200">
+                <a:solidFill>
+                  <a:schemeClr val="tx1"/>
+                </a:solidFill>
+                <a:latin typeface="+mn-lt"/>
+                <a:ea typeface="+mn-ea"/>
+                <a:cs typeface="+mn-cs"/>
+              </a:defRPr>
+            </a:lvl1pPr>
+            <a:lvl2pPr marL="685800" indent="-228600" algn="l" defTabSz="914400" rtl="0" eaLnBrk="1" latinLnBrk="0" hangingPunct="1">
+              <a:lnSpc>
+                <a:spcPct val="90000"/>
+              </a:lnSpc>
+              <a:spcBef>
+                <a:spcPts val="500"/>
+              </a:spcBef>
+              <a:buFont typeface="Arial" panose="020B0604020202020204" pitchFamily="34" charset="0"/>
+              <a:buChar char="•"/>
+              <a:defRPr sz="2400" kern="1200">
+                <a:solidFill>
+                  <a:schemeClr val="tx1"/>
+                </a:solidFill>
+                <a:latin typeface="+mn-lt"/>
+                <a:ea typeface="+mn-ea"/>
+                <a:cs typeface="+mn-cs"/>
+              </a:defRPr>
+            </a:lvl2pPr>
+            <a:lvl3pPr marL="1143000" indent="-228600" algn="l" defTabSz="914400" rtl="0" eaLnBrk="1" latinLnBrk="0" hangingPunct="1">
+              <a:lnSpc>
+                <a:spcPct val="90000"/>
+              </a:lnSpc>
+              <a:spcBef>
+                <a:spcPts val="500"/>
+              </a:spcBef>
+              <a:buFont typeface="Arial" panose="020B0604020202020204" pitchFamily="34" charset="0"/>
+              <a:buChar char="•"/>
+              <a:defRPr sz="2000" kern="1200">
+                <a:solidFill>
+                  <a:schemeClr val="tx1"/>
+                </a:solidFill>
+                <a:latin typeface="+mn-lt"/>
+                <a:ea typeface="+mn-ea"/>
+                <a:cs typeface="+mn-cs"/>
+              </a:defRPr>
+            </a:lvl3pPr>
+            <a:lvl4pPr marL="1600200" indent="-228600" algn="l" defTabSz="914400" rtl="0" eaLnBrk="1" latinLnBrk="0" hangingPunct="1">
+              <a:lnSpc>
+                <a:spcPct val="90000"/>
+              </a:lnSpc>
+              <a:spcBef>
+                <a:spcPts val="500"/>
+              </a:spcBef>
+              <a:buFont typeface="Arial" panose="020B0604020202020204" pitchFamily="34" charset="0"/>
+              <a:buChar char="•"/>
+              <a:defRPr sz="1800" kern="1200">
+                <a:solidFill>
+                  <a:schemeClr val="tx1"/>
+                </a:solidFill>
+                <a:latin typeface="+mn-lt"/>
+                <a:ea typeface="+mn-ea"/>
+                <a:cs typeface="+mn-cs"/>
+              </a:defRPr>
+            </a:lvl4pPr>
+            <a:lvl5pPr marL="2057400" indent="-228600" algn="l" defTabSz="914400" rtl="0" eaLnBrk="1" latinLnBrk="0" hangingPunct="1">
+              <a:lnSpc>
+                <a:spcPct val="90000"/>
+              </a:lnSpc>
+              <a:spcBef>
+                <a:spcPts val="500"/>
+              </a:spcBef>
+              <a:buFont typeface="Arial" panose="020B0604020202020204" pitchFamily="34" charset="0"/>
+              <a:buChar char="•"/>
+              <a:defRPr sz="1800" kern="1200">
+                <a:solidFill>
+                  <a:schemeClr val="tx1"/>
+                </a:solidFill>
+                <a:latin typeface="+mn-lt"/>
+                <a:ea typeface="+mn-ea"/>
+                <a:cs typeface="+mn-cs"/>
+              </a:defRPr>
+            </a:lvl5pPr>
+            <a:lvl6pPr marL="2514600" indent="-228600" algn="l" defTabSz="914400" rtl="0" eaLnBrk="1" latinLnBrk="0" hangingPunct="1">
+              <a:lnSpc>
+                <a:spcPct val="90000"/>
+              </a:lnSpc>
+              <a:spcBef>
+                <a:spcPts val="500"/>
+              </a:spcBef>
+              <a:buFont typeface="Arial" panose="020B0604020202020204" pitchFamily="34" charset="0"/>
+              <a:buChar char="•"/>
+              <a:defRPr sz="1800" kern="1200">
+                <a:solidFill>
+                  <a:schemeClr val="tx1"/>
+                </a:solidFill>
+                <a:latin typeface="+mn-lt"/>
+                <a:ea typeface="+mn-ea"/>
+                <a:cs typeface="+mn-cs"/>
+              </a:defRPr>
+            </a:lvl6pPr>
+            <a:lvl7pPr marL="2971800" indent="-228600" algn="l" defTabSz="914400" rtl="0" eaLnBrk="1" latinLnBrk="0" hangingPunct="1">
+              <a:lnSpc>
+                <a:spcPct val="90000"/>
+              </a:lnSpc>
+              <a:spcBef>
+                <a:spcPts val="500"/>
+              </a:spcBef>
+              <a:buFont typeface="Arial" panose="020B0604020202020204" pitchFamily="34" charset="0"/>
+              <a:buChar char="•"/>
+              <a:defRPr sz="1800" kern="1200">
+                <a:solidFill>
+                  <a:schemeClr val="tx1"/>
+                </a:solidFill>
+                <a:latin typeface="+mn-lt"/>
+                <a:ea typeface="+mn-ea"/>
+                <a:cs typeface="+mn-cs"/>
+              </a:defRPr>
+            </a:lvl7pPr>
+            <a:lvl8pPr marL="3429000" indent="-228600" algn="l" defTabSz="914400" rtl="0" eaLnBrk="1" latinLnBrk="0" hangingPunct="1">
+              <a:lnSpc>
+                <a:spcPct val="90000"/>
+              </a:lnSpc>
+              <a:spcBef>
+                <a:spcPts val="500"/>
+              </a:spcBef>
+              <a:buFont typeface="Arial" panose="020B0604020202020204" pitchFamily="34" charset="0"/>
+              <a:buChar char="•"/>
+              <a:defRPr sz="1800" kern="1200">
+                <a:solidFill>
+                  <a:schemeClr val="tx1"/>
+                </a:solidFill>
+                <a:latin typeface="+mn-lt"/>
+                <a:ea typeface="+mn-ea"/>
+                <a:cs typeface="+mn-cs"/>
+              </a:defRPr>
+            </a:lvl8pPr>
+            <a:lvl9pPr marL="3886200" indent="-228600" algn="l" defTabSz="914400" rtl="0" eaLnBrk="1" latinLnBrk="0" hangingPunct="1">
+              <a:lnSpc>
+                <a:spcPct val="90000"/>
+              </a:lnSpc>
+              <a:spcBef>
+                <a:spcPts val="500"/>
+              </a:spcBef>
+              <a:buFont typeface="Arial" panose="020B0604020202020204" pitchFamily="34" charset="0"/>
+              <a:buChar char="•"/>
+              <a:defRPr sz="1800" kern="1200">
+                <a:solidFill>
+                  <a:schemeClr val="tx1"/>
+                </a:solidFill>
+                <a:latin typeface="+mn-lt"/>
+                <a:ea typeface="+mn-ea"/>
+                <a:cs typeface="+mn-cs"/>
+              </a:defRPr>
+            </a:lvl9pPr>
+          </a:lstStyle>
+          <a:p>
+            <a:r>
+              <a:rPr lang="en-US" dirty="0" smtClean="0"/>
+              <a:t>Go, went, gone;	speak, spoke, spoken, ...</a:t>
+            </a:r>
+            <a:endParaRPr lang="en-US" dirty="0"/>
+          </a:p>
+        </p:txBody>
+      </p:sp>
+    </p:spTree>
+    <p:extLst>
+      <p:ext uri="{BB962C8B-B14F-4D97-AF65-F5344CB8AC3E}">
+        <p14:creationId xmlns:p14="http://schemas.microsoft.com/office/powerpoint/2010/main" val="3633316152"/>
+      </p:ext>
+    </p:extLst>
+  </p:cSld>
+  <p:clrMapOvr>
+    <a:masterClrMapping/>
+  </p:clrMapOvr>
+  <p:timing>
+    <p:tnLst>
+      <p:par>
+        <p:cTn id="1" dur="indefinite" restart="never" nodeType="tmRoot">
+          <p:childTnLst>
+            <p:seq concurrent="1" nextAc="seek">
+              <p:cTn id="2" dur="indefinite" nodeType="mainSeq">
+                <p:childTnLst>
+                  <p:par>
+                    <p:cTn id="3" fill="hold">
+                      <p:stCondLst>
+                        <p:cond delay="indefinite"/>
+                      </p:stCondLst>
+                      <p:childTnLst>
+                        <p:par>
+                          <p:cTn id="4" fill="hold">
+                            <p:stCondLst>
+                              <p:cond delay="0"/>
+                            </p:stCondLst>
+                            <p:childTnLst>
+                              <p:par>
+                                <p:cTn id="5" presetID="1" presetClass="entr" presetSubtype="0" fill="hold" grpId="0" nodeType="clickEffect">
+                                  <p:stCondLst>
+                                    <p:cond delay="0"/>
+                                  </p:stCondLst>
+                                  <p:childTnLst>
+                                    <p:set>
+                                      <p:cBhvr>
+                                        <p:cTn id="6" dur="1" fill="hold">
+                                          <p:stCondLst>
+                                            <p:cond delay="0"/>
+                                          </p:stCondLst>
+                                        </p:cTn>
+                                        <p:tgtEl>
+                                          <p:spTgt spid="4">
+                                            <p:txEl>
+                                              <p:pRg st="0" end="0"/>
+                                            </p:txEl>
+                                          </p:spTgt>
+                                        </p:tgtEl>
+                                        <p:attrNameLst>
+                                          <p:attrName>style.visibility</p:attrName>
+                                        </p:attrNameLst>
+                                      </p:cBhvr>
+                                      <p:to>
+                                        <p:strVal val="visible"/>
+                                      </p:to>
+                                    </p:set>
+                                  </p:childTnLst>
+                                </p:cTn>
+                              </p:par>
+                            </p:childTnLst>
+                          </p:cTn>
+                        </p:par>
+                      </p:childTnLst>
+                    </p:cTn>
+                  </p:par>
+                  <p:par>
+                    <p:cTn id="7" fill="hold">
+                      <p:stCondLst>
+                        <p:cond delay="indefinite"/>
+                      </p:stCondLst>
+                      <p:childTnLst>
+                        <p:par>
+                          <p:cTn id="8" fill="hold">
+                            <p:stCondLst>
+                              <p:cond delay="0"/>
+                            </p:stCondLst>
+                            <p:childTnLst>
+                              <p:par>
+                                <p:cTn id="9" presetID="1" presetClass="entr" presetSubtype="0" fill="hold" grpId="0" nodeType="clickEffect">
+                                  <p:stCondLst>
+                                    <p:cond delay="0"/>
+                                  </p:stCondLst>
+                                  <p:childTnLst>
+                                    <p:set>
+                                      <p:cBhvr>
+                                        <p:cTn id="10" dur="1" fill="hold">
+                                          <p:stCondLst>
+                                            <p:cond delay="0"/>
+                                          </p:stCondLst>
+                                        </p:cTn>
+                                        <p:tgtEl>
+                                          <p:spTgt spid="7"/>
+                                        </p:tgtEl>
+                                        <p:attrNameLst>
+                                          <p:attrName>style.visibility</p:attrName>
+                                        </p:attrNameLst>
+                                      </p:cBhvr>
+                                      <p:to>
+                                        <p:strVal val="visible"/>
+                                      </p:to>
+                                    </p:set>
+                                  </p:childTnLst>
+                                </p:cTn>
+                              </p:par>
+                            </p:childTnLst>
+                          </p:cTn>
+                        </p:par>
+                      </p:childTnLst>
+                    </p:cTn>
+                  </p:par>
+                  <p:par>
+                    <p:cTn id="11" fill="hold">
+                      <p:stCondLst>
+                        <p:cond delay="indefinite"/>
+                      </p:stCondLst>
+                      <p:childTnLst>
+                        <p:par>
+                          <p:cTn id="12" fill="hold">
+                            <p:stCondLst>
+                              <p:cond delay="0"/>
+                            </p:stCondLst>
+                            <p:childTnLst>
+                              <p:par>
+                                <p:cTn id="13" presetID="1" presetClass="entr" presetSubtype="0" fill="hold" grpId="0" nodeType="clickEffect">
+                                  <p:stCondLst>
+                                    <p:cond delay="0"/>
+                                  </p:stCondLst>
+                                  <p:childTnLst>
+                                    <p:set>
+                                      <p:cBhvr>
+                                        <p:cTn id="14" dur="1" fill="hold">
+                                          <p:stCondLst>
+                                            <p:cond delay="0"/>
+                                          </p:stCondLst>
+                                        </p:cTn>
+                                        <p:tgtEl>
+                                          <p:spTgt spid="8"/>
+                                        </p:tgtEl>
+                                        <p:attrNameLst>
+                                          <p:attrName>style.visibility</p:attrName>
+                                        </p:attrNameLst>
+                                      </p:cBhvr>
+                                      <p:to>
+                                        <p:strVal val="visible"/>
+                                      </p:to>
+                                    </p:set>
+                                  </p:childTnLst>
+                                </p:cTn>
+                              </p:par>
+                            </p:childTnLst>
+                          </p:cTn>
+                        </p:par>
+                      </p:childTnLst>
+                    </p:cTn>
+                  </p:par>
+                </p:childTnLst>
+              </p:cTn>
+              <p:prevCondLst>
+                <p:cond evt="onPrev" delay="0">
+                  <p:tgtEl>
+                    <p:sldTgt/>
+                  </p:tgtEl>
+                </p:cond>
+              </p:prevCondLst>
+              <p:nextCondLst>
+                <p:cond evt="onNext" delay="0">
+                  <p:tgtEl>
+                    <p:sldTgt/>
+                  </p:tgtEl>
+                </p:cond>
+              </p:nextCondLst>
+            </p:seq>
+          </p:childTnLst>
+        </p:cTn>
+      </p:par>
+    </p:tnLst>
+    <p:bldLst>
+      <p:bldP spid="4" grpId="0" build="p"/>
+      <p:bldP spid="7" grpId="0"/>
+      <p:bldP spid="8" grpId="0"/>
+    </p:bldLst>
+  </p:timing>
+</p:sld>
+</file>
+
+<file path=ppt/slides/slide7.xml><?xml version="1.0" encoding="utf-8"?>
+<p:sld xmlns:a="http://schemas.openxmlformats.org/drawingml/2006/main" xmlns:r="http://schemas.openxmlformats.org/officeDocument/2006/relationships" xmlns:p="http://schemas.openxmlformats.org/presentationml/2006/main">
+  <p:cSld>
+    <p:spTree>
+      <p:nvGrpSpPr>
+        <p:cNvPr id="1" name=""/>
+        <p:cNvGrpSpPr/>
+        <p:nvPr/>
+      </p:nvGrpSpPr>
+      <p:grpSpPr>
+        <a:xfrm>
+          <a:off x="0" y="0"/>
+          <a:ext cx="0" cy="0"/>
+          <a:chOff x="0" y="0"/>
+          <a:chExt cx="0" cy="0"/>
+        </a:xfrm>
+      </p:grpSpPr>
+      <p:sp>
+        <p:nvSpPr>
+          <p:cNvPr id="2" name="Title 1"/>
+          <p:cNvSpPr>
+            <a:spLocks noGrp="1"/>
+          </p:cNvSpPr>
+          <p:nvPr>
+            <p:ph type="title"/>
+          </p:nvPr>
+        </p:nvSpPr>
+        <p:spPr>
+          <a:xfrm>
+            <a:off x="838200" y="365125"/>
+            <a:ext cx="10515600" cy="5997575"/>
           </a:xfrm>
         </p:spPr>
         <p:txBody>
@@ -5560,117 +6296,21 @@
           </a:bodyPr>
           <a:lstStyle/>
           <a:p>
-            <a:r>
-              <a:rPr lang="en-US" sz="4000" dirty="0" smtClean="0">
-                <a:solidFill>
-                  <a:schemeClr val="accent5">
-                    <a:lumMod val="75000"/>
-                  </a:schemeClr>
-                </a:solidFill>
-              </a:rPr>
-              <a:t>Hệ thống truy xuất thông tin.</a:t>
-            </a:r>
-            <a:endParaRPr lang="en-US" sz="4000" dirty="0">
+            <a:pPr algn="ctr"/>
+            <a:r>
+              <a:rPr lang="en-US" sz="5500" b="1" dirty="0" smtClean="0">
+                <a:solidFill>
+                  <a:srgbClr val="7030A0"/>
+                </a:solidFill>
+                <a:latin typeface="Times New Roman" panose="02020603050405020304" pitchFamily="18" charset="0"/>
+                <a:cs typeface="Times New Roman" panose="02020603050405020304" pitchFamily="18" charset="0"/>
+              </a:rPr>
+              <a:t>Các biện pháp đánh giá.</a:t>
+            </a:r>
+            <a:endParaRPr lang="en-US" sz="5500" b="1" dirty="0">
               <a:solidFill>
-                <a:schemeClr val="accent5">
-                  <a:lumMod val="75000"/>
-                </a:schemeClr>
+                <a:srgbClr val="7030A0"/>
               </a:solidFill>
-            </a:endParaRPr>
-          </a:p>
-        </p:txBody>
-      </p:sp>
-      <p:sp>
-        <p:nvSpPr>
-          <p:cNvPr id="3" name="Content Placeholder 2"/>
-          <p:cNvSpPr>
-            <a:spLocks noGrp="1"/>
-          </p:cNvSpPr>
-          <p:nvPr>
-            <p:ph idx="1"/>
-          </p:nvPr>
-        </p:nvSpPr>
-        <p:spPr>
-          <a:xfrm>
-            <a:off x="597127" y="1171175"/>
-            <a:ext cx="10914516" cy="1779290"/>
-          </a:xfrm>
-        </p:spPr>
-        <p:txBody>
-          <a:bodyPr>
-            <a:noAutofit/>
-          </a:bodyPr>
-          <a:lstStyle/>
-          <a:p>
-            <a:r>
-              <a:rPr lang="en-US" sz="2400" dirty="0" smtClean="0">
-                <a:latin typeface="Times New Roman" panose="02020603050405020304" pitchFamily="18" charset="0"/>
-                <a:cs typeface="Times New Roman" panose="02020603050405020304" pitchFamily="18" charset="0"/>
-              </a:rPr>
-              <a:t>STOP LIST.</a:t>
-            </a:r>
-          </a:p>
-          <a:p>
-            <a:r>
-              <a:rPr lang="en-US" sz="2400" dirty="0" smtClean="0">
-                <a:latin typeface="Times New Roman" panose="02020603050405020304" pitchFamily="18" charset="0"/>
-                <a:cs typeface="Times New Roman" panose="02020603050405020304" pitchFamily="18" charset="0"/>
-              </a:rPr>
-              <a:t>Những từ không hữu ích trong tìm kiếm, không cần lưu vào chỉ mục đảo ngược.</a:t>
-            </a:r>
-          </a:p>
-          <a:p>
-            <a:r>
-              <a:rPr lang="en-US" sz="2400" dirty="0" smtClean="0">
-                <a:latin typeface="Times New Roman" panose="02020603050405020304" pitchFamily="18" charset="0"/>
-                <a:cs typeface="Times New Roman" panose="02020603050405020304" pitchFamily="18" charset="0"/>
-              </a:rPr>
-              <a:t>Mục đích để giảm bớt số inverted index phát sinh.</a:t>
-            </a:r>
-          </a:p>
-          <a:p>
-            <a:r>
-              <a:rPr lang="en-US" sz="2400" dirty="0" smtClean="0">
-                <a:latin typeface="Times New Roman" panose="02020603050405020304" pitchFamily="18" charset="0"/>
-                <a:cs typeface="Times New Roman" panose="02020603050405020304" pitchFamily="18" charset="0"/>
-              </a:rPr>
-              <a:t>STEMMING.</a:t>
-            </a:r>
-          </a:p>
-          <a:p>
-            <a:r>
-              <a:rPr lang="en-US" sz="2400" smtClean="0">
-                <a:latin typeface="Times New Roman" panose="02020603050405020304" pitchFamily="18" charset="0"/>
-                <a:cs typeface="Times New Roman" panose="02020603050405020304" pitchFamily="18" charset="0"/>
-              </a:rPr>
-              <a:t>Lấy </a:t>
-            </a:r>
-            <a:r>
-              <a:rPr lang="en-US" sz="2400" dirty="0" smtClean="0">
-                <a:latin typeface="Times New Roman" panose="02020603050405020304" pitchFamily="18" charset="0"/>
-                <a:cs typeface="Times New Roman" panose="02020603050405020304" pitchFamily="18" charset="0"/>
-              </a:rPr>
-              <a:t>gốc của từ, ví dụ: laugh có các hình thái laughing, laughed, laughs.</a:t>
-            </a:r>
-          </a:p>
-          <a:p>
-            <a:pPr marL="3657600" lvl="8" indent="0">
-              <a:buNone/>
-            </a:pPr>
-            <a:r>
-              <a:rPr lang="en-US" sz="1400" dirty="0" smtClean="0">
-                <a:latin typeface="Times New Roman" panose="02020603050405020304" pitchFamily="18" charset="0"/>
-                <a:cs typeface="Times New Roman" panose="02020603050405020304" pitchFamily="18" charset="0"/>
-              </a:rPr>
-              <a:t/>
-            </a:r>
-            <a:br>
-              <a:rPr lang="en-US" sz="1400" dirty="0" smtClean="0">
-                <a:latin typeface="Times New Roman" panose="02020603050405020304" pitchFamily="18" charset="0"/>
-                <a:cs typeface="Times New Roman" panose="02020603050405020304" pitchFamily="18" charset="0"/>
-              </a:rPr>
-            </a:br>
-            <a:endParaRPr lang="en-US" sz="1400" dirty="0" smtClean="0">
               <a:latin typeface="Times New Roman" panose="02020603050405020304" pitchFamily="18" charset="0"/>
               <a:cs typeface="Times New Roman" panose="02020603050405020304" pitchFamily="18" charset="0"/>
             </a:endParaRPr>
@@ -5680,7 +6320,82 @@
     </p:spTree>
     <p:extLst>
       <p:ext uri="{BB962C8B-B14F-4D97-AF65-F5344CB8AC3E}">
-        <p14:creationId xmlns:p14="http://schemas.microsoft.com/office/powerpoint/2010/main" val="3633316152"/>
+        <p14:creationId xmlns:p14="http://schemas.microsoft.com/office/powerpoint/2010/main" val="2944288910"/>
+      </p:ext>
+    </p:extLst>
+  </p:cSld>
+  <p:clrMapOvr>
+    <a:masterClrMapping/>
+  </p:clrMapOvr>
+  <p:timing>
+    <p:tnLst>
+      <p:par>
+        <p:cTn id="1" dur="indefinite" restart="never" nodeType="tmRoot"/>
+      </p:par>
+    </p:tnLst>
+  </p:timing>
+</p:sld>
+</file>
+
+<file path=ppt/slides/slide8.xml><?xml version="1.0" encoding="utf-8"?>
+<p:sld xmlns:a="http://schemas.openxmlformats.org/drawingml/2006/main" xmlns:r="http://schemas.openxmlformats.org/officeDocument/2006/relationships" xmlns:p="http://schemas.openxmlformats.org/presentationml/2006/main">
+  <p:cSld>
+    <p:spTree>
+      <p:nvGrpSpPr>
+        <p:cNvPr id="1" name=""/>
+        <p:cNvGrpSpPr/>
+        <p:nvPr/>
+      </p:nvGrpSpPr>
+      <p:grpSpPr>
+        <a:xfrm>
+          <a:off x="0" y="0"/>
+          <a:ext cx="0" cy="0"/>
+          <a:chOff x="0" y="0"/>
+          <a:chExt cx="0" cy="0"/>
+        </a:xfrm>
+      </p:grpSpPr>
+      <p:sp>
+        <p:nvSpPr>
+          <p:cNvPr id="2" name="Title 1"/>
+          <p:cNvSpPr>
+            <a:spLocks noGrp="1"/>
+          </p:cNvSpPr>
+          <p:nvPr>
+            <p:ph type="title"/>
+          </p:nvPr>
+        </p:nvSpPr>
+        <p:spPr/>
+        <p:txBody>
+          <a:bodyPr/>
+          <a:lstStyle/>
+          <a:p>
+            <a:endParaRPr lang="en-US"/>
+          </a:p>
+        </p:txBody>
+      </p:sp>
+      <p:sp>
+        <p:nvSpPr>
+          <p:cNvPr id="3" name="Content Placeholder 2"/>
+          <p:cNvSpPr>
+            <a:spLocks noGrp="1"/>
+          </p:cNvSpPr>
+          <p:nvPr>
+            <p:ph idx="1"/>
+          </p:nvPr>
+        </p:nvSpPr>
+        <p:spPr/>
+        <p:txBody>
+          <a:bodyPr/>
+          <a:lstStyle/>
+          <a:p>
+            <a:endParaRPr lang="en-US"/>
+          </a:p>
+        </p:txBody>
+      </p:sp>
+    </p:spTree>
+    <p:extLst>
+      <p:ext uri="{BB962C8B-B14F-4D97-AF65-F5344CB8AC3E}">
+        <p14:creationId xmlns:p14="http://schemas.microsoft.com/office/powerpoint/2010/main" val="2502219975"/>
       </p:ext>
     </p:extLst>
   </p:cSld>

--- a/IR/Presentation1.pptx
+++ b/IR/Presentation1.pptx
@@ -250,7 +250,7 @@
           <a:p>
             <a:fld id="{27F2142A-344C-4C4D-B170-0C798B2E94BC}" type="datetimeFigureOut">
               <a:rPr lang="en-US" smtClean="0"/>
-              <a:t>11/20/2018</a:t>
+              <a:t>11/21/2018</a:t>
             </a:fld>
             <a:endParaRPr lang="en-US"/>
           </a:p>
@@ -420,7 +420,7 @@
           <a:p>
             <a:fld id="{27F2142A-344C-4C4D-B170-0C798B2E94BC}" type="datetimeFigureOut">
               <a:rPr lang="en-US" smtClean="0"/>
-              <a:t>11/20/2018</a:t>
+              <a:t>11/21/2018</a:t>
             </a:fld>
             <a:endParaRPr lang="en-US"/>
           </a:p>
@@ -600,7 +600,7 @@
           <a:p>
             <a:fld id="{27F2142A-344C-4C4D-B170-0C798B2E94BC}" type="datetimeFigureOut">
               <a:rPr lang="en-US" smtClean="0"/>
-              <a:t>11/20/2018</a:t>
+              <a:t>11/21/2018</a:t>
             </a:fld>
             <a:endParaRPr lang="en-US"/>
           </a:p>
@@ -770,7 +770,7 @@
           <a:p>
             <a:fld id="{27F2142A-344C-4C4D-B170-0C798B2E94BC}" type="datetimeFigureOut">
               <a:rPr lang="en-US" smtClean="0"/>
-              <a:t>11/20/2018</a:t>
+              <a:t>11/21/2018</a:t>
             </a:fld>
             <a:endParaRPr lang="en-US"/>
           </a:p>
@@ -1016,7 +1016,7 @@
           <a:p>
             <a:fld id="{27F2142A-344C-4C4D-B170-0C798B2E94BC}" type="datetimeFigureOut">
               <a:rPr lang="en-US" smtClean="0"/>
-              <a:t>11/20/2018</a:t>
+              <a:t>11/21/2018</a:t>
             </a:fld>
             <a:endParaRPr lang="en-US"/>
           </a:p>
@@ -1248,7 +1248,7 @@
           <a:p>
             <a:fld id="{27F2142A-344C-4C4D-B170-0C798B2E94BC}" type="datetimeFigureOut">
               <a:rPr lang="en-US" smtClean="0"/>
-              <a:t>11/20/2018</a:t>
+              <a:t>11/21/2018</a:t>
             </a:fld>
             <a:endParaRPr lang="en-US"/>
           </a:p>
@@ -1615,7 +1615,7 @@
           <a:p>
             <a:fld id="{27F2142A-344C-4C4D-B170-0C798B2E94BC}" type="datetimeFigureOut">
               <a:rPr lang="en-US" smtClean="0"/>
-              <a:t>11/20/2018</a:t>
+              <a:t>11/21/2018</a:t>
             </a:fld>
             <a:endParaRPr lang="en-US"/>
           </a:p>
@@ -1733,7 +1733,7 @@
           <a:p>
             <a:fld id="{27F2142A-344C-4C4D-B170-0C798B2E94BC}" type="datetimeFigureOut">
               <a:rPr lang="en-US" smtClean="0"/>
-              <a:t>11/20/2018</a:t>
+              <a:t>11/21/2018</a:t>
             </a:fld>
             <a:endParaRPr lang="en-US"/>
           </a:p>
@@ -1828,7 +1828,7 @@
           <a:p>
             <a:fld id="{27F2142A-344C-4C4D-B170-0C798B2E94BC}" type="datetimeFigureOut">
               <a:rPr lang="en-US" smtClean="0"/>
-              <a:t>11/20/2018</a:t>
+              <a:t>11/21/2018</a:t>
             </a:fld>
             <a:endParaRPr lang="en-US"/>
           </a:p>
@@ -2105,7 +2105,7 @@
           <a:p>
             <a:fld id="{27F2142A-344C-4C4D-B170-0C798B2E94BC}" type="datetimeFigureOut">
               <a:rPr lang="en-US" smtClean="0"/>
-              <a:t>11/20/2018</a:t>
+              <a:t>11/21/2018</a:t>
             </a:fld>
             <a:endParaRPr lang="en-US"/>
           </a:p>
@@ -2358,7 +2358,7 @@
           <a:p>
             <a:fld id="{27F2142A-344C-4C4D-B170-0C798B2E94BC}" type="datetimeFigureOut">
               <a:rPr lang="en-US" smtClean="0"/>
-              <a:t>11/20/2018</a:t>
+              <a:t>11/21/2018</a:t>
             </a:fld>
             <a:endParaRPr lang="en-US"/>
           </a:p>
@@ -2571,7 +2571,7 @@
           <a:p>
             <a:fld id="{27F2142A-344C-4C4D-B170-0C798B2E94BC}" type="datetimeFigureOut">
               <a:rPr lang="en-US" smtClean="0"/>
-              <a:t>11/20/2018</a:t>
+              <a:t>11/21/2018</a:t>
             </a:fld>
             <a:endParaRPr lang="en-US"/>
           </a:p>
@@ -3398,14 +3398,7 @@
                 <a:latin typeface="Times New Roman" panose="02020603050405020304" pitchFamily="18" charset="0"/>
                 <a:cs typeface="Times New Roman" panose="02020603050405020304" pitchFamily="18" charset="0"/>
               </a:rPr>
-              <a:t>Đánh c</a:t>
-            </a:r>
-            <a:r>
-              <a:rPr lang="en-US" sz="2400" dirty="0" smtClean="0">
-                <a:latin typeface="Times New Roman" panose="02020603050405020304" pitchFamily="18" charset="0"/>
-                <a:cs typeface="Times New Roman" panose="02020603050405020304" pitchFamily="18" charset="0"/>
-              </a:rPr>
-              <a:t>hỉ mục ngược.</a:t>
+              <a:t>Đánh chỉ mục ngược.</a:t>
             </a:r>
           </a:p>
           <a:p>
@@ -3435,16 +3428,6 @@
               </a:rPr>
               <a:t>          	1         2       3        4         5    6    7</a:t>
             </a:r>
-            <a:endParaRPr lang="en-US" sz="2400" dirty="0" smtClean="0">
-              <a:solidFill>
-                <a:schemeClr val="accent3">
-                  <a:lumMod val="60000"/>
-                  <a:lumOff val="40000"/>
-                </a:schemeClr>
-              </a:solidFill>
-              <a:latin typeface="Times New Roman" panose="02020603050405020304" pitchFamily="18" charset="0"/>
-              <a:cs typeface="Times New Roman" panose="02020603050405020304" pitchFamily="18" charset="0"/>
-            </a:endParaRPr>
           </a:p>
           <a:p>
             <a:r>
@@ -3856,10 +3839,6 @@
               </a:rPr>
               <a:t>2:7; 3:4}</a:t>
             </a:r>
-            <a:endParaRPr lang="en-US" sz="2400" dirty="0">
-              <a:latin typeface="Times New Roman" panose="02020603050405020304" pitchFamily="18" charset="0"/>
-              <a:cs typeface="Times New Roman" panose="02020603050405020304" pitchFamily="18" charset="0"/>
-            </a:endParaRPr>
           </a:p>
         </p:txBody>
       </p:sp>
@@ -4246,13 +4225,6 @@
               </a:rPr>
               <a:t>under:    {3:1}</a:t>
             </a:r>
-            <a:endParaRPr lang="en-US" sz="2400" dirty="0" smtClean="0">
-              <a:solidFill>
-                <a:srgbClr val="FF0000"/>
-              </a:solidFill>
-              <a:latin typeface="Times New Roman" panose="02020603050405020304" pitchFamily="18" charset="0"/>
-              <a:cs typeface="Times New Roman" panose="02020603050405020304" pitchFamily="18" charset="0"/>
-            </a:endParaRPr>
           </a:p>
         </p:txBody>
       </p:sp>
@@ -4562,10 +4534,6 @@
               </a:rPr>
               <a:t>2:7; 3:4}</a:t>
             </a:r>
-            <a:endParaRPr lang="en-US" sz="2400" dirty="0">
-              <a:latin typeface="Times New Roman" panose="02020603050405020304" pitchFamily="18" charset="0"/>
-              <a:cs typeface="Times New Roman" panose="02020603050405020304" pitchFamily="18" charset="0"/>
-            </a:endParaRPr>
           </a:p>
         </p:txBody>
       </p:sp>
@@ -4898,10 +4866,6 @@
               </a:rPr>
               <a:t>}</a:t>
             </a:r>
-            <a:endParaRPr lang="en-US" sz="2400" dirty="0">
-              <a:latin typeface="Times New Roman" panose="02020603050405020304" pitchFamily="18" charset="0"/>
-              <a:cs typeface="Times New Roman" panose="02020603050405020304" pitchFamily="18" charset="0"/>
-            </a:endParaRPr>
           </a:p>
         </p:txBody>
       </p:sp>
@@ -5426,10 +5390,6 @@
               </a:rPr>
               <a:t>Small STOP LIST of English.</a:t>
             </a:r>
-            <a:endParaRPr lang="en-US" sz="2400" dirty="0" smtClean="0">
-              <a:latin typeface="Times New Roman" panose="02020603050405020304" pitchFamily="18" charset="0"/>
-              <a:cs typeface="Times New Roman" panose="02020603050405020304" pitchFamily="18" charset="0"/>
-            </a:endParaRPr>
           </a:p>
           <a:p>
             <a:endParaRPr lang="en-US" sz="2400" dirty="0" smtClean="0">
@@ -6356,42 +6316,639 @@
       </p:grpSpPr>
       <p:sp>
         <p:nvSpPr>
-          <p:cNvPr id="2" name="Title 1"/>
-          <p:cNvSpPr>
-            <a:spLocks noGrp="1"/>
-          </p:cNvSpPr>
+          <p:cNvPr id="4" name="Title 1"/>
+          <p:cNvSpPr txBox="1">
+            <a:spLocks/>
+          </p:cNvSpPr>
+          <p:nvPr/>
+        </p:nvSpPr>
+        <p:spPr>
+          <a:xfrm>
+            <a:off x="0" y="0"/>
+            <a:ext cx="12192000" cy="1018773"/>
+          </a:xfrm>
+          <a:prstGeom prst="rect">
+            <a:avLst/>
+          </a:prstGeom>
+        </p:spPr>
+        <p:txBody>
+          <a:bodyPr vert="horz" lIns="91440" tIns="45720" rIns="91440" bIns="45720" rtlCol="0" anchor="ctr">
+            <a:normAutofit/>
+          </a:bodyPr>
+          <a:lstStyle>
+            <a:lvl1pPr algn="l" defTabSz="914400" rtl="0" eaLnBrk="1" latinLnBrk="0" hangingPunct="1">
+              <a:lnSpc>
+                <a:spcPct val="90000"/>
+              </a:lnSpc>
+              <a:spcBef>
+                <a:spcPct val="0"/>
+              </a:spcBef>
+              <a:buNone/>
+              <a:defRPr sz="4400" kern="1200">
+                <a:solidFill>
+                  <a:schemeClr val="tx1"/>
+                </a:solidFill>
+                <a:latin typeface="+mj-lt"/>
+                <a:ea typeface="+mj-ea"/>
+                <a:cs typeface="+mj-cs"/>
+              </a:defRPr>
+            </a:lvl1pPr>
+          </a:lstStyle>
+          <a:p>
+            <a:r>
+              <a:rPr lang="en-US" sz="4000" b="1" dirty="0" smtClean="0">
+                <a:solidFill>
+                  <a:srgbClr val="7030A0"/>
+                </a:solidFill>
+                <a:latin typeface="Times New Roman" panose="02020603050405020304" pitchFamily="18" charset="0"/>
+                <a:cs typeface="Times New Roman" panose="02020603050405020304" pitchFamily="18" charset="0"/>
+              </a:rPr>
+              <a:t>Precision and Recall</a:t>
+            </a:r>
+            <a:r>
+              <a:rPr lang="en-US" sz="4000" b="1" dirty="0" smtClean="0">
+                <a:solidFill>
+                  <a:srgbClr val="7030A0"/>
+                </a:solidFill>
+                <a:latin typeface="Times New Roman" panose="02020603050405020304" pitchFamily="18" charset="0"/>
+                <a:cs typeface="Times New Roman" panose="02020603050405020304" pitchFamily="18" charset="0"/>
+              </a:rPr>
+              <a:t>.</a:t>
+            </a:r>
+            <a:endParaRPr lang="en-US" sz="4000" b="1" dirty="0">
+              <a:solidFill>
+                <a:srgbClr val="7030A0"/>
+              </a:solidFill>
+              <a:latin typeface="Times New Roman" panose="02020603050405020304" pitchFamily="18" charset="0"/>
+              <a:cs typeface="Times New Roman" panose="02020603050405020304" pitchFamily="18" charset="0"/>
+            </a:endParaRPr>
+          </a:p>
+        </p:txBody>
+      </p:sp>
+      <p:graphicFrame>
+        <p:nvGraphicFramePr>
+          <p:cNvPr id="5" name="Table 4"/>
+          <p:cNvGraphicFramePr>
+            <a:graphicFrameLocks noGrp="1"/>
+          </p:cNvGraphicFramePr>
           <p:nvPr>
-            <p:ph type="title"/>
+            <p:extLst>
+              <p:ext uri="{D42A27DB-BD31-4B8C-83A1-F6EECF244321}">
+                <p14:modId xmlns:p14="http://schemas.microsoft.com/office/powerpoint/2010/main" val="3034283260"/>
+              </p:ext>
+            </p:extLst>
           </p:nvPr>
-        </p:nvSpPr>
-        <p:spPr/>
-        <p:txBody>
-          <a:bodyPr/>
-          <a:lstStyle/>
-          <a:p>
-            <a:endParaRPr lang="en-US"/>
-          </a:p>
-        </p:txBody>
-      </p:sp>
-      <p:sp>
-        <p:nvSpPr>
-          <p:cNvPr id="3" name="Content Placeholder 2"/>
-          <p:cNvSpPr>
-            <a:spLocks noGrp="1"/>
-          </p:cNvSpPr>
-          <p:nvPr>
-            <p:ph idx="1"/>
-          </p:nvPr>
-        </p:nvSpPr>
-        <p:spPr/>
-        <p:txBody>
-          <a:bodyPr/>
-          <a:lstStyle/>
-          <a:p>
-            <a:endParaRPr lang="en-US"/>
-          </a:p>
-        </p:txBody>
-      </p:sp>
+        </p:nvGraphicFramePr>
+        <p:xfrm>
+          <a:off x="4890631" y="1018773"/>
+          <a:ext cx="7098168" cy="2341724"/>
+        </p:xfrm>
+        <a:graphic>
+          <a:graphicData uri="http://schemas.openxmlformats.org/drawingml/2006/table">
+            <a:tbl>
+              <a:tblPr firstRow="1" bandRow="1">
+                <a:tableStyleId>{073A0DAA-6AF3-43AB-8588-CEC1D06C72B9}</a:tableStyleId>
+              </a:tblPr>
+              <a:tblGrid>
+                <a:gridCol w="2366056">
+                  <a:extLst>
+                    <a:ext uri="{9D8B030D-6E8A-4147-A177-3AD203B41FA5}">
+                      <a16:colId xmlns:a16="http://schemas.microsoft.com/office/drawing/2014/main" val="1267087011"/>
+                    </a:ext>
+                  </a:extLst>
+                </a:gridCol>
+                <a:gridCol w="2366056">
+                  <a:extLst>
+                    <a:ext uri="{9D8B030D-6E8A-4147-A177-3AD203B41FA5}">
+                      <a16:colId xmlns:a16="http://schemas.microsoft.com/office/drawing/2014/main" val="820280604"/>
+                    </a:ext>
+                  </a:extLst>
+                </a:gridCol>
+                <a:gridCol w="2366056">
+                  <a:extLst>
+                    <a:ext uri="{9D8B030D-6E8A-4147-A177-3AD203B41FA5}">
+                      <a16:colId xmlns:a16="http://schemas.microsoft.com/office/drawing/2014/main" val="4230696312"/>
+                    </a:ext>
+                  </a:extLst>
+                </a:gridCol>
+              </a:tblGrid>
+              <a:tr h="744142">
+                <a:tc>
+                  <a:txBody>
+                    <a:bodyPr/>
+                    <a:lstStyle/>
+                    <a:p>
+                      <a:pPr algn="ctr"/>
+                      <a:endParaRPr lang="en-US" sz="2500" dirty="0">
+                        <a:latin typeface="Times New Roman" panose="02020603050405020304" pitchFamily="18" charset="0"/>
+                        <a:cs typeface="Times New Roman" panose="02020603050405020304" pitchFamily="18" charset="0"/>
+                      </a:endParaRPr>
+                    </a:p>
+                  </a:txBody>
+                  <a:tcPr/>
+                </a:tc>
+                <a:tc>
+                  <a:txBody>
+                    <a:bodyPr/>
+                    <a:lstStyle/>
+                    <a:p>
+                      <a:pPr algn="ctr"/>
+                      <a:r>
+                        <a:rPr lang="en-US" sz="2500" dirty="0" smtClean="0">
+                          <a:latin typeface="Times New Roman" panose="02020603050405020304" pitchFamily="18" charset="0"/>
+                          <a:cs typeface="Times New Roman" panose="02020603050405020304" pitchFamily="18" charset="0"/>
+                        </a:rPr>
+                        <a:t>Liên</a:t>
+                      </a:r>
+                      <a:r>
+                        <a:rPr lang="en-US" sz="2500" baseline="0" dirty="0" smtClean="0">
+                          <a:latin typeface="Times New Roman" panose="02020603050405020304" pitchFamily="18" charset="0"/>
+                          <a:cs typeface="Times New Roman" panose="02020603050405020304" pitchFamily="18" charset="0"/>
+                        </a:rPr>
+                        <a:t> quan</a:t>
+                      </a:r>
+                      <a:endParaRPr lang="en-US" sz="2500" dirty="0">
+                        <a:latin typeface="Times New Roman" panose="02020603050405020304" pitchFamily="18" charset="0"/>
+                        <a:cs typeface="Times New Roman" panose="02020603050405020304" pitchFamily="18" charset="0"/>
+                      </a:endParaRPr>
+                    </a:p>
+                  </a:txBody>
+                  <a:tcPr/>
+                </a:tc>
+                <a:tc>
+                  <a:txBody>
+                    <a:bodyPr/>
+                    <a:lstStyle/>
+                    <a:p>
+                      <a:pPr algn="ctr"/>
+                      <a:r>
+                        <a:rPr lang="en-US" sz="2500" dirty="0" smtClean="0">
+                          <a:latin typeface="Times New Roman" panose="02020603050405020304" pitchFamily="18" charset="0"/>
+                          <a:cs typeface="Times New Roman" panose="02020603050405020304" pitchFamily="18" charset="0"/>
+                        </a:rPr>
+                        <a:t>Không</a:t>
+                      </a:r>
+                      <a:r>
+                        <a:rPr lang="en-US" sz="2500" baseline="0" dirty="0" smtClean="0">
+                          <a:latin typeface="Times New Roman" panose="02020603050405020304" pitchFamily="18" charset="0"/>
+                          <a:cs typeface="Times New Roman" panose="02020603050405020304" pitchFamily="18" charset="0"/>
+                        </a:rPr>
+                        <a:t> liên quan</a:t>
+                      </a:r>
+                      <a:endParaRPr lang="en-US" sz="2500" dirty="0">
+                        <a:latin typeface="Times New Roman" panose="02020603050405020304" pitchFamily="18" charset="0"/>
+                        <a:cs typeface="Times New Roman" panose="02020603050405020304" pitchFamily="18" charset="0"/>
+                      </a:endParaRPr>
+                    </a:p>
+                  </a:txBody>
+                  <a:tcPr/>
+                </a:tc>
+                <a:extLst>
+                  <a:ext uri="{0D108BD9-81ED-4DB2-BD59-A6C34878D82A}">
+                    <a16:rowId xmlns:a16="http://schemas.microsoft.com/office/drawing/2014/main" val="1407008443"/>
+                  </a:ext>
+                </a:extLst>
+              </a:tr>
+              <a:tr h="744142">
+                <a:tc>
+                  <a:txBody>
+                    <a:bodyPr/>
+                    <a:lstStyle/>
+                    <a:p>
+                      <a:pPr algn="ctr"/>
+                      <a:r>
+                        <a:rPr lang="en-US" sz="2500" dirty="0" smtClean="0">
+                          <a:latin typeface="Times New Roman" panose="02020603050405020304" pitchFamily="18" charset="0"/>
+                          <a:cs typeface="Times New Roman" panose="02020603050405020304" pitchFamily="18" charset="0"/>
+                        </a:rPr>
+                        <a:t>Chọn</a:t>
+                      </a:r>
+                      <a:endParaRPr lang="en-US" sz="2500" dirty="0">
+                        <a:latin typeface="Times New Roman" panose="02020603050405020304" pitchFamily="18" charset="0"/>
+                        <a:cs typeface="Times New Roman" panose="02020603050405020304" pitchFamily="18" charset="0"/>
+                      </a:endParaRPr>
+                    </a:p>
+                  </a:txBody>
+                  <a:tcPr/>
+                </a:tc>
+                <a:tc>
+                  <a:txBody>
+                    <a:bodyPr/>
+                    <a:lstStyle/>
+                    <a:p>
+                      <a:pPr algn="ctr"/>
+                      <a:r>
+                        <a:rPr lang="en-US" sz="2500" dirty="0" smtClean="0">
+                          <a:latin typeface="Times New Roman" panose="02020603050405020304" pitchFamily="18" charset="0"/>
+                          <a:cs typeface="Times New Roman" panose="02020603050405020304" pitchFamily="18" charset="0"/>
+                        </a:rPr>
+                        <a:t>True</a:t>
+                      </a:r>
+                      <a:r>
+                        <a:rPr lang="en-US" sz="2500" baseline="0" dirty="0" smtClean="0">
+                          <a:latin typeface="Times New Roman" panose="02020603050405020304" pitchFamily="18" charset="0"/>
+                          <a:cs typeface="Times New Roman" panose="02020603050405020304" pitchFamily="18" charset="0"/>
+                        </a:rPr>
+                        <a:t> </a:t>
+                      </a:r>
+                      <a:r>
+                        <a:rPr lang="en-US" sz="2500" dirty="0" smtClean="0">
+                          <a:latin typeface="Times New Roman" panose="02020603050405020304" pitchFamily="18" charset="0"/>
+                          <a:cs typeface="Times New Roman" panose="02020603050405020304" pitchFamily="18" charset="0"/>
+                        </a:rPr>
+                        <a:t>positive</a:t>
+                      </a:r>
+                      <a:endParaRPr lang="en-US" sz="2500" dirty="0">
+                        <a:latin typeface="Times New Roman" panose="02020603050405020304" pitchFamily="18" charset="0"/>
+                        <a:cs typeface="Times New Roman" panose="02020603050405020304" pitchFamily="18" charset="0"/>
+                      </a:endParaRPr>
+                    </a:p>
+                  </a:txBody>
+                  <a:tcPr/>
+                </a:tc>
+                <a:tc>
+                  <a:txBody>
+                    <a:bodyPr/>
+                    <a:lstStyle/>
+                    <a:p>
+                      <a:pPr algn="ctr"/>
+                      <a:r>
+                        <a:rPr lang="en-US" sz="2500" dirty="0" smtClean="0">
+                          <a:latin typeface="Times New Roman" panose="02020603050405020304" pitchFamily="18" charset="0"/>
+                          <a:cs typeface="Times New Roman" panose="02020603050405020304" pitchFamily="18" charset="0"/>
+                        </a:rPr>
+                        <a:t>False positive</a:t>
+                      </a:r>
+                      <a:endParaRPr lang="en-US" sz="2500" dirty="0">
+                        <a:latin typeface="Times New Roman" panose="02020603050405020304" pitchFamily="18" charset="0"/>
+                        <a:cs typeface="Times New Roman" panose="02020603050405020304" pitchFamily="18" charset="0"/>
+                      </a:endParaRPr>
+                    </a:p>
+                  </a:txBody>
+                  <a:tcPr/>
+                </a:tc>
+                <a:extLst>
+                  <a:ext uri="{0D108BD9-81ED-4DB2-BD59-A6C34878D82A}">
+                    <a16:rowId xmlns:a16="http://schemas.microsoft.com/office/drawing/2014/main" val="1786070133"/>
+                  </a:ext>
+                </a:extLst>
+              </a:tr>
+              <a:tr h="744142">
+                <a:tc>
+                  <a:txBody>
+                    <a:bodyPr/>
+                    <a:lstStyle/>
+                    <a:p>
+                      <a:pPr algn="ctr"/>
+                      <a:r>
+                        <a:rPr lang="en-US" sz="2500" dirty="0" smtClean="0">
+                          <a:latin typeface="Times New Roman" panose="02020603050405020304" pitchFamily="18" charset="0"/>
+                          <a:cs typeface="Times New Roman" panose="02020603050405020304" pitchFamily="18" charset="0"/>
+                        </a:rPr>
+                        <a:t>Không</a:t>
+                      </a:r>
+                      <a:r>
+                        <a:rPr lang="en-US" sz="2500" baseline="0" dirty="0" smtClean="0">
+                          <a:latin typeface="Times New Roman" panose="02020603050405020304" pitchFamily="18" charset="0"/>
+                          <a:cs typeface="Times New Roman" panose="02020603050405020304" pitchFamily="18" charset="0"/>
+                        </a:rPr>
+                        <a:t> chọn</a:t>
+                      </a:r>
+                      <a:endParaRPr lang="en-US" sz="2500" dirty="0">
+                        <a:latin typeface="Times New Roman" panose="02020603050405020304" pitchFamily="18" charset="0"/>
+                        <a:cs typeface="Times New Roman" panose="02020603050405020304" pitchFamily="18" charset="0"/>
+                      </a:endParaRPr>
+                    </a:p>
+                  </a:txBody>
+                  <a:tcPr/>
+                </a:tc>
+                <a:tc>
+                  <a:txBody>
+                    <a:bodyPr/>
+                    <a:lstStyle/>
+                    <a:p>
+                      <a:pPr algn="ctr"/>
+                      <a:r>
+                        <a:rPr lang="en-US" sz="2500" dirty="0" smtClean="0">
+                          <a:latin typeface="Times New Roman" panose="02020603050405020304" pitchFamily="18" charset="0"/>
+                          <a:cs typeface="Times New Roman" panose="02020603050405020304" pitchFamily="18" charset="0"/>
+                        </a:rPr>
+                        <a:t>False</a:t>
+                      </a:r>
+                      <a:r>
+                        <a:rPr lang="en-US" sz="2500" baseline="0" dirty="0" smtClean="0">
+                          <a:latin typeface="Times New Roman" panose="02020603050405020304" pitchFamily="18" charset="0"/>
+                          <a:cs typeface="Times New Roman" panose="02020603050405020304" pitchFamily="18" charset="0"/>
+                        </a:rPr>
+                        <a:t> </a:t>
+                      </a:r>
+                      <a:r>
+                        <a:rPr lang="en-US" sz="2500" dirty="0" smtClean="0">
+                          <a:latin typeface="Times New Roman" panose="02020603050405020304" pitchFamily="18" charset="0"/>
+                          <a:cs typeface="Times New Roman" panose="02020603050405020304" pitchFamily="18" charset="0"/>
+                        </a:rPr>
+                        <a:t>negative</a:t>
+                      </a:r>
+                      <a:endParaRPr lang="en-US" sz="2500" dirty="0">
+                        <a:latin typeface="Times New Roman" panose="02020603050405020304" pitchFamily="18" charset="0"/>
+                        <a:cs typeface="Times New Roman" panose="02020603050405020304" pitchFamily="18" charset="0"/>
+                      </a:endParaRPr>
+                    </a:p>
+                  </a:txBody>
+                  <a:tcPr/>
+                </a:tc>
+                <a:tc>
+                  <a:txBody>
+                    <a:bodyPr/>
+                    <a:lstStyle/>
+                    <a:p>
+                      <a:pPr algn="ctr"/>
+                      <a:r>
+                        <a:rPr lang="en-US" sz="2500" dirty="0" smtClean="0">
+                          <a:latin typeface="Times New Roman" panose="02020603050405020304" pitchFamily="18" charset="0"/>
+                          <a:cs typeface="Times New Roman" panose="02020603050405020304" pitchFamily="18" charset="0"/>
+                        </a:rPr>
+                        <a:t>True</a:t>
+                      </a:r>
+                      <a:r>
+                        <a:rPr lang="en-US" sz="2500" baseline="0" dirty="0" smtClean="0">
+                          <a:latin typeface="Times New Roman" panose="02020603050405020304" pitchFamily="18" charset="0"/>
+                          <a:cs typeface="Times New Roman" panose="02020603050405020304" pitchFamily="18" charset="0"/>
+                        </a:rPr>
+                        <a:t> </a:t>
+                      </a:r>
+                      <a:r>
+                        <a:rPr lang="en-US" sz="2500" dirty="0" smtClean="0">
+                          <a:latin typeface="Times New Roman" panose="02020603050405020304" pitchFamily="18" charset="0"/>
+                          <a:cs typeface="Times New Roman" panose="02020603050405020304" pitchFamily="18" charset="0"/>
+                        </a:rPr>
+                        <a:t>negative</a:t>
+                      </a:r>
+                      <a:endParaRPr lang="en-US" sz="2500" dirty="0">
+                        <a:latin typeface="Times New Roman" panose="02020603050405020304" pitchFamily="18" charset="0"/>
+                        <a:cs typeface="Times New Roman" panose="02020603050405020304" pitchFamily="18" charset="0"/>
+                      </a:endParaRPr>
+                    </a:p>
+                  </a:txBody>
+                  <a:tcPr/>
+                </a:tc>
+                <a:extLst>
+                  <a:ext uri="{0D108BD9-81ED-4DB2-BD59-A6C34878D82A}">
+                    <a16:rowId xmlns:a16="http://schemas.microsoft.com/office/drawing/2014/main" val="489105587"/>
+                  </a:ext>
+                </a:extLst>
+              </a:tr>
+            </a:tbl>
+          </a:graphicData>
+        </a:graphic>
+      </p:graphicFrame>
+      <mc:AlternateContent xmlns:mc="http://schemas.openxmlformats.org/markup-compatibility/2006">
+        <mc:Choice xmlns:a14="http://schemas.microsoft.com/office/drawing/2010/main" Requires="a14">
+          <p:sp>
+            <p:nvSpPr>
+              <p:cNvPr id="6" name="Content Placeholder 2"/>
+              <p:cNvSpPr>
+                <a:spLocks noGrp="1"/>
+              </p:cNvSpPr>
+              <p:nvPr>
+                <p:ph idx="1"/>
+              </p:nvPr>
+            </p:nvSpPr>
+            <p:spPr>
+              <a:xfrm>
+                <a:off x="5620880" y="3609570"/>
+                <a:ext cx="5637669" cy="1779290"/>
+              </a:xfrm>
+            </p:spPr>
+            <p:txBody>
+              <a:bodyPr>
+                <a:noAutofit/>
+              </a:bodyPr>
+              <a:lstStyle/>
+              <a:p>
+                <a:r>
+                  <a:rPr lang="en-US" sz="4500" dirty="0" smtClean="0">
+                    <a:latin typeface="Times New Roman" panose="02020603050405020304" pitchFamily="18" charset="0"/>
+                    <a:cs typeface="Times New Roman" panose="02020603050405020304" pitchFamily="18" charset="0"/>
+                  </a:rPr>
+                  <a:t>Precision    = </a:t>
+                </a:r>
+                <a14:m>
+                  <m:oMath xmlns:m="http://schemas.openxmlformats.org/officeDocument/2006/math">
+                    <m:f>
+                      <m:fPr>
+                        <m:ctrlPr>
+                          <a:rPr lang="en-US" sz="4500" i="1" smtClean="0">
+                            <a:latin typeface="Cambria Math" panose="02040503050406030204" pitchFamily="18" charset="0"/>
+                            <a:cs typeface="Times New Roman" panose="02020603050405020304" pitchFamily="18" charset="0"/>
+                          </a:rPr>
+                        </m:ctrlPr>
+                      </m:fPr>
+                      <m:num>
+                        <m:r>
+                          <a:rPr lang="en-US" sz="4500" b="0" i="1" smtClean="0">
+                            <a:latin typeface="Cambria Math" panose="02040503050406030204" pitchFamily="18" charset="0"/>
+                            <a:cs typeface="Times New Roman" panose="02020603050405020304" pitchFamily="18" charset="0"/>
+                          </a:rPr>
+                          <m:t>𝑇𝑃</m:t>
+                        </m:r>
+                      </m:num>
+                      <m:den>
+                        <m:r>
+                          <a:rPr lang="en-US" sz="4500" b="0" i="1" smtClean="0">
+                            <a:latin typeface="Cambria Math" panose="02040503050406030204" pitchFamily="18" charset="0"/>
+                            <a:cs typeface="Times New Roman" panose="02020603050405020304" pitchFamily="18" charset="0"/>
+                          </a:rPr>
+                          <m:t>𝑇𝑃</m:t>
+                        </m:r>
+                        <m:r>
+                          <a:rPr lang="en-US" sz="4500" b="0" i="1" smtClean="0">
+                            <a:latin typeface="Cambria Math" panose="02040503050406030204" pitchFamily="18" charset="0"/>
+                            <a:cs typeface="Times New Roman" panose="02020603050405020304" pitchFamily="18" charset="0"/>
+                          </a:rPr>
+                          <m:t>+</m:t>
+                        </m:r>
+                        <m:r>
+                          <a:rPr lang="en-US" sz="4500" b="0" i="1" smtClean="0">
+                            <a:latin typeface="Cambria Math" panose="02040503050406030204" pitchFamily="18" charset="0"/>
+                            <a:cs typeface="Times New Roman" panose="02020603050405020304" pitchFamily="18" charset="0"/>
+                          </a:rPr>
+                          <m:t>𝐹𝑃</m:t>
+                        </m:r>
+                      </m:den>
+                    </m:f>
+                    <m:r>
+                      <a:rPr lang="en-US" sz="4500" b="0" i="1" smtClean="0">
+                        <a:latin typeface="Cambria Math" panose="02040503050406030204" pitchFamily="18" charset="0"/>
+                        <a:cs typeface="Times New Roman" panose="02020603050405020304" pitchFamily="18" charset="0"/>
+                      </a:rPr>
+                      <m:t> </m:t>
+                    </m:r>
+                  </m:oMath>
+                </a14:m>
+                <a:endParaRPr lang="en-US" sz="4500" b="0" dirty="0" smtClean="0">
+                  <a:latin typeface="Times New Roman" panose="02020603050405020304" pitchFamily="18" charset="0"/>
+                  <a:cs typeface="Times New Roman" panose="02020603050405020304" pitchFamily="18" charset="0"/>
+                </a:endParaRPr>
+              </a:p>
+              <a:p>
+                <a:endParaRPr lang="en-US" sz="4500" b="0" dirty="0" smtClean="0">
+                  <a:latin typeface="Times New Roman" panose="02020603050405020304" pitchFamily="18" charset="0"/>
+                  <a:cs typeface="Times New Roman" panose="02020603050405020304" pitchFamily="18" charset="0"/>
+                </a:endParaRPr>
+              </a:p>
+              <a:p>
+                <a:r>
+                  <a:rPr lang="en-US" sz="4500" dirty="0" smtClean="0">
+                    <a:latin typeface="Times New Roman" panose="02020603050405020304" pitchFamily="18" charset="0"/>
+                    <a:cs typeface="Times New Roman" panose="02020603050405020304" pitchFamily="18" charset="0"/>
+                  </a:rPr>
+                  <a:t>Recall        = </a:t>
+                </a:r>
+                <a14:m>
+                  <m:oMath xmlns:m="http://schemas.openxmlformats.org/officeDocument/2006/math">
+                    <m:f>
+                      <m:fPr>
+                        <m:ctrlPr>
+                          <a:rPr lang="en-US" sz="4500" i="1" smtClean="0">
+                            <a:latin typeface="Cambria Math" panose="02040503050406030204" pitchFamily="18" charset="0"/>
+                            <a:cs typeface="Times New Roman" panose="02020603050405020304" pitchFamily="18" charset="0"/>
+                          </a:rPr>
+                        </m:ctrlPr>
+                      </m:fPr>
+                      <m:num>
+                        <m:r>
+                          <a:rPr lang="en-US" sz="4500" b="0" i="1" smtClean="0">
+                            <a:latin typeface="Cambria Math" panose="02040503050406030204" pitchFamily="18" charset="0"/>
+                            <a:cs typeface="Times New Roman" panose="02020603050405020304" pitchFamily="18" charset="0"/>
+                          </a:rPr>
+                          <m:t>𝑇𝑃</m:t>
+                        </m:r>
+                      </m:num>
+                      <m:den>
+                        <m:r>
+                          <a:rPr lang="en-US" sz="4500" b="0" i="1" smtClean="0">
+                            <a:latin typeface="Cambria Math" panose="02040503050406030204" pitchFamily="18" charset="0"/>
+                            <a:cs typeface="Times New Roman" panose="02020603050405020304" pitchFamily="18" charset="0"/>
+                          </a:rPr>
+                          <m:t>𝑇𝑃</m:t>
+                        </m:r>
+                        <m:r>
+                          <a:rPr lang="en-US" sz="4500" b="0" i="1" smtClean="0">
+                            <a:latin typeface="Cambria Math" panose="02040503050406030204" pitchFamily="18" charset="0"/>
+                            <a:cs typeface="Times New Roman" panose="02020603050405020304" pitchFamily="18" charset="0"/>
+                          </a:rPr>
+                          <m:t>+</m:t>
+                        </m:r>
+                        <m:r>
+                          <a:rPr lang="en-US" sz="4500" b="0" i="1" smtClean="0">
+                            <a:latin typeface="Cambria Math" panose="02040503050406030204" pitchFamily="18" charset="0"/>
+                            <a:cs typeface="Times New Roman" panose="02020603050405020304" pitchFamily="18" charset="0"/>
+                          </a:rPr>
+                          <m:t>𝐹𝑁</m:t>
+                        </m:r>
+                      </m:den>
+                    </m:f>
+                  </m:oMath>
+                </a14:m>
+                <a:endParaRPr lang="en-US" sz="4500" dirty="0" smtClean="0">
+                  <a:latin typeface="Times New Roman" panose="02020603050405020304" pitchFamily="18" charset="0"/>
+                  <a:cs typeface="Times New Roman" panose="02020603050405020304" pitchFamily="18" charset="0"/>
+                </a:endParaRPr>
+              </a:p>
+              <a:p>
+                <a:pPr marL="3657600" lvl="8" indent="0">
+                  <a:buNone/>
+                </a:pPr>
+                <a:r>
+                  <a:rPr lang="en-US" sz="3000" dirty="0" smtClean="0">
+                    <a:latin typeface="Times New Roman" panose="02020603050405020304" pitchFamily="18" charset="0"/>
+                    <a:cs typeface="Times New Roman" panose="02020603050405020304" pitchFamily="18" charset="0"/>
+                  </a:rPr>
+                  <a:t/>
+                </a:r>
+                <a:br>
+                  <a:rPr lang="en-US" sz="3000" dirty="0" smtClean="0">
+                    <a:latin typeface="Times New Roman" panose="02020603050405020304" pitchFamily="18" charset="0"/>
+                    <a:cs typeface="Times New Roman" panose="02020603050405020304" pitchFamily="18" charset="0"/>
+                  </a:rPr>
+                </a:br>
+                <a:endParaRPr lang="en-US" sz="3000" dirty="0" smtClean="0">
+                  <a:latin typeface="Times New Roman" panose="02020603050405020304" pitchFamily="18" charset="0"/>
+                  <a:cs typeface="Times New Roman" panose="02020603050405020304" pitchFamily="18" charset="0"/>
+                </a:endParaRPr>
+              </a:p>
+            </p:txBody>
+          </p:sp>
+        </mc:Choice>
+        <mc:Fallback>
+          <p:sp>
+            <p:nvSpPr>
+              <p:cNvPr id="6" name="Content Placeholder 2"/>
+              <p:cNvSpPr>
+                <a:spLocks noGrp="1" noRot="1" noChangeAspect="1" noMove="1" noResize="1" noEditPoints="1" noAdjustHandles="1" noChangeArrowheads="1" noChangeShapeType="1" noTextEdit="1"/>
+              </p:cNvSpPr>
+              <p:nvPr>
+                <p:ph idx="1"/>
+              </p:nvPr>
+            </p:nvSpPr>
+            <p:spPr>
+              <a:xfrm>
+                <a:off x="5620880" y="3609570"/>
+                <a:ext cx="5637669" cy="1779290"/>
+              </a:xfrm>
+              <a:blipFill>
+                <a:blip r:embed="rId2"/>
+                <a:stretch>
+                  <a:fillRect l="-4108" t="-4110" b="-62329"/>
+                </a:stretch>
+              </a:blipFill>
+            </p:spPr>
+            <p:txBody>
+              <a:bodyPr/>
+              <a:lstStyle/>
+              <a:p>
+                <a:r>
+                  <a:rPr lang="en-US">
+                    <a:noFill/>
+                  </a:rPr>
+                  <a:t> </a:t>
+                </a:r>
+              </a:p>
+            </p:txBody>
+          </p:sp>
+        </mc:Fallback>
+      </mc:AlternateContent>
+      <p:pic>
+        <p:nvPicPr>
+          <p:cNvPr id="10" name="Picture 9"/>
+          <p:cNvPicPr>
+            <a:picLocks noChangeAspect="1"/>
+          </p:cNvPicPr>
+          <p:nvPr/>
+        </p:nvPicPr>
+        <p:blipFill>
+          <a:blip r:embed="rId3">
+            <a:extLst>
+              <a:ext uri="{28A0092B-C50C-407E-A947-70E740481C1C}">
+                <a14:useLocalDpi xmlns:a14="http://schemas.microsoft.com/office/drawing/2010/main" val="0"/>
+              </a:ext>
+            </a:extLst>
+          </a:blip>
+          <a:stretch>
+            <a:fillRect/>
+          </a:stretch>
+        </p:blipFill>
+        <p:spPr>
+          <a:xfrm>
+            <a:off x="321241" y="1018772"/>
+            <a:ext cx="4248150" cy="5394727"/>
+          </a:xfrm>
+          <a:prstGeom prst="rect">
+            <a:avLst/>
+          </a:prstGeom>
+        </p:spPr>
+      </p:pic>
     </p:spTree>
     <p:extLst>
       <p:ext uri="{BB962C8B-B14F-4D97-AF65-F5344CB8AC3E}">
@@ -6405,9 +6962,212 @@
   <p:timing>
     <p:tnLst>
       <p:par>
-        <p:cTn id="1" dur="indefinite" restart="never" nodeType="tmRoot"/>
+        <p:cTn id="1" dur="indefinite" restart="never" nodeType="tmRoot">
+          <p:childTnLst>
+            <p:seq concurrent="1" nextAc="seek">
+              <p:cTn id="2" dur="indefinite" nodeType="mainSeq">
+                <p:childTnLst>
+                  <p:par>
+                    <p:cTn id="3" fill="hold">
+                      <p:stCondLst>
+                        <p:cond delay="indefinite"/>
+                        <p:cond evt="onBegin" delay="0">
+                          <p:tn val="2"/>
+                        </p:cond>
+                      </p:stCondLst>
+                      <p:childTnLst>
+                        <p:par>
+                          <p:cTn id="4" fill="hold">
+                            <p:stCondLst>
+                              <p:cond delay="0"/>
+                            </p:stCondLst>
+                            <p:childTnLst>
+                              <p:par>
+                                <p:cTn id="5" presetID="1" presetClass="entr" presetSubtype="0" fill="hold" nodeType="withEffect">
+                                  <p:stCondLst>
+                                    <p:cond delay="0"/>
+                                  </p:stCondLst>
+                                  <p:childTnLst>
+                                    <p:set>
+                                      <p:cBhvr>
+                                        <p:cTn id="6" dur="1" fill="hold">
+                                          <p:stCondLst>
+                                            <p:cond delay="0"/>
+                                          </p:stCondLst>
+                                        </p:cTn>
+                                        <p:tgtEl>
+                                          <p:spTgt spid="5"/>
+                                        </p:tgtEl>
+                                        <p:attrNameLst>
+                                          <p:attrName>style.visibility</p:attrName>
+                                        </p:attrNameLst>
+                                      </p:cBhvr>
+                                      <p:to>
+                                        <p:strVal val="visible"/>
+                                      </p:to>
+                                    </p:set>
+                                  </p:childTnLst>
+                                </p:cTn>
+                              </p:par>
+                            </p:childTnLst>
+                          </p:cTn>
+                        </p:par>
+                      </p:childTnLst>
+                    </p:cTn>
+                  </p:par>
+                  <p:par>
+                    <p:cTn id="7" fill="hold">
+                      <p:stCondLst>
+                        <p:cond delay="indefinite"/>
+                      </p:stCondLst>
+                      <p:childTnLst>
+                        <p:par>
+                          <p:cTn id="8" fill="hold">
+                            <p:stCondLst>
+                              <p:cond delay="0"/>
+                            </p:stCondLst>
+                            <p:childTnLst>
+                              <p:par>
+                                <p:cTn id="9" presetID="1" presetClass="entr" presetSubtype="0" fill="hold" grpId="0" nodeType="clickEffect">
+                                  <p:stCondLst>
+                                    <p:cond delay="0"/>
+                                  </p:stCondLst>
+                                  <p:childTnLst>
+                                    <p:set>
+                                      <p:cBhvr>
+                                        <p:cTn id="10" dur="1" fill="hold">
+                                          <p:stCondLst>
+                                            <p:cond delay="0"/>
+                                          </p:stCondLst>
+                                        </p:cTn>
+                                        <p:tgtEl>
+                                          <p:spTgt spid="6">
+                                            <p:txEl>
+                                              <p:pRg st="0" end="0"/>
+                                            </p:txEl>
+                                          </p:spTgt>
+                                        </p:tgtEl>
+                                        <p:attrNameLst>
+                                          <p:attrName>style.visibility</p:attrName>
+                                        </p:attrNameLst>
+                                      </p:cBhvr>
+                                      <p:to>
+                                        <p:strVal val="visible"/>
+                                      </p:to>
+                                    </p:set>
+                                  </p:childTnLst>
+                                </p:cTn>
+                              </p:par>
+                            </p:childTnLst>
+                          </p:cTn>
+                        </p:par>
+                      </p:childTnLst>
+                    </p:cTn>
+                  </p:par>
+                  <p:par>
+                    <p:cTn id="11" fill="hold">
+                      <p:stCondLst>
+                        <p:cond delay="indefinite"/>
+                      </p:stCondLst>
+                      <p:childTnLst>
+                        <p:par>
+                          <p:cTn id="12" fill="hold">
+                            <p:stCondLst>
+                              <p:cond delay="0"/>
+                            </p:stCondLst>
+                            <p:childTnLst>
+                              <p:par>
+                                <p:cTn id="13" presetID="1" presetClass="entr" presetSubtype="0" fill="hold" grpId="0" nodeType="clickEffect">
+                                  <p:stCondLst>
+                                    <p:cond delay="0"/>
+                                  </p:stCondLst>
+                                  <p:childTnLst>
+                                    <p:set>
+                                      <p:cBhvr>
+                                        <p:cTn id="14" dur="1" fill="hold">
+                                          <p:stCondLst>
+                                            <p:cond delay="0"/>
+                                          </p:stCondLst>
+                                        </p:cTn>
+                                        <p:tgtEl>
+                                          <p:spTgt spid="6">
+                                            <p:txEl>
+                                              <p:pRg st="2" end="2"/>
+                                            </p:txEl>
+                                          </p:spTgt>
+                                        </p:tgtEl>
+                                        <p:attrNameLst>
+                                          <p:attrName>style.visibility</p:attrName>
+                                        </p:attrNameLst>
+                                      </p:cBhvr>
+                                      <p:to>
+                                        <p:strVal val="visible"/>
+                                      </p:to>
+                                    </p:set>
+                                  </p:childTnLst>
+                                </p:cTn>
+                              </p:par>
+                              <p:par>
+                                <p:cTn id="15" presetID="1" presetClass="entr" presetSubtype="0" fill="hold" grpId="0" nodeType="withEffect">
+                                  <p:stCondLst>
+                                    <p:cond delay="0"/>
+                                  </p:stCondLst>
+                                  <p:childTnLst>
+                                    <p:set>
+                                      <p:cBhvr>
+                                        <p:cTn id="16" dur="1" fill="hold">
+                                          <p:stCondLst>
+                                            <p:cond delay="0"/>
+                                          </p:stCondLst>
+                                        </p:cTn>
+                                        <p:tgtEl>
+                                          <p:spTgt spid="6">
+                                            <p:txEl>
+                                              <p:pRg st="3" end="3"/>
+                                            </p:txEl>
+                                          </p:spTgt>
+                                        </p:tgtEl>
+                                        <p:attrNameLst>
+                                          <p:attrName>style.visibility</p:attrName>
+                                        </p:attrNameLst>
+                                      </p:cBhvr>
+                                      <p:to>
+                                        <p:strVal val="visible"/>
+                                      </p:to>
+                                    </p:set>
+                                  </p:childTnLst>
+                                </p:cTn>
+                              </p:par>
+                            </p:childTnLst>
+                          </p:cTn>
+                        </p:par>
+                      </p:childTnLst>
+                    </p:cTn>
+                  </p:par>
+                </p:childTnLst>
+              </p:cTn>
+              <p:prevCondLst>
+                <p:cond evt="onPrev" delay="0">
+                  <p:tgtEl>
+                    <p:sldTgt/>
+                  </p:tgtEl>
+                </p:cond>
+              </p:prevCondLst>
+              <p:nextCondLst>
+                <p:cond evt="onNext" delay="0">
+                  <p:tgtEl>
+                    <p:sldTgt/>
+                  </p:tgtEl>
+                </p:cond>
+              </p:nextCondLst>
+            </p:seq>
+          </p:childTnLst>
+        </p:cTn>
       </p:par>
     </p:tnLst>
+    <p:bldLst>
+      <p:bldP spid="6" grpId="0" build="p"/>
+    </p:bldLst>
   </p:timing>
 </p:sld>
 </file>

--- a/IR/Presentation1.pptx
+++ b/IR/Presentation1.pptx
@@ -13,6 +13,20 @@
     <p:sldId id="260" r:id="rId7"/>
     <p:sldId id="263" r:id="rId8"/>
     <p:sldId id="262" r:id="rId9"/>
+    <p:sldId id="264" r:id="rId10"/>
+    <p:sldId id="265" r:id="rId11"/>
+    <p:sldId id="270" r:id="rId12"/>
+    <p:sldId id="267" r:id="rId13"/>
+    <p:sldId id="269" r:id="rId14"/>
+    <p:sldId id="271" r:id="rId15"/>
+    <p:sldId id="273" r:id="rId16"/>
+    <p:sldId id="274" r:id="rId17"/>
+    <p:sldId id="275" r:id="rId18"/>
+    <p:sldId id="272" r:id="rId19"/>
+    <p:sldId id="277" r:id="rId20"/>
+    <p:sldId id="278" r:id="rId21"/>
+    <p:sldId id="280" r:id="rId22"/>
+    <p:sldId id="279" r:id="rId23"/>
   </p:sldIdLst>
   <p:sldSz cx="12192000" cy="6858000"/>
   <p:notesSz cx="6858000" cy="9144000"/>
@@ -3034,6 +3048,2387 @@
 </p:sld>
 </file>
 
+<file path=ppt/slides/slide10.xml><?xml version="1.0" encoding="utf-8"?>
+<p:sld xmlns:a="http://schemas.openxmlformats.org/drawingml/2006/main" xmlns:r="http://schemas.openxmlformats.org/officeDocument/2006/relationships" xmlns:p="http://schemas.openxmlformats.org/presentationml/2006/main">
+  <p:cSld>
+    <p:spTree>
+      <p:nvGrpSpPr>
+        <p:cNvPr id="1" name=""/>
+        <p:cNvGrpSpPr/>
+        <p:nvPr/>
+      </p:nvGrpSpPr>
+      <p:grpSpPr>
+        <a:xfrm>
+          <a:off x="0" y="0"/>
+          <a:ext cx="0" cy="0"/>
+          <a:chOff x="0" y="0"/>
+          <a:chExt cx="0" cy="0"/>
+        </a:xfrm>
+      </p:grpSpPr>
+      <p:sp>
+        <p:nvSpPr>
+          <p:cNvPr id="4" name="Title 1"/>
+          <p:cNvSpPr txBox="1">
+            <a:spLocks/>
+          </p:cNvSpPr>
+          <p:nvPr/>
+        </p:nvSpPr>
+        <p:spPr>
+          <a:xfrm>
+            <a:off x="0" y="0"/>
+            <a:ext cx="12192000" cy="1018773"/>
+          </a:xfrm>
+          <a:prstGeom prst="rect">
+            <a:avLst/>
+          </a:prstGeom>
+        </p:spPr>
+        <p:txBody>
+          <a:bodyPr vert="horz" lIns="91440" tIns="45720" rIns="91440" bIns="45720" rtlCol="0" anchor="ctr">
+            <a:normAutofit/>
+          </a:bodyPr>
+          <a:lstStyle>
+            <a:lvl1pPr algn="l" defTabSz="914400" rtl="0" eaLnBrk="1" latinLnBrk="0" hangingPunct="1">
+              <a:lnSpc>
+                <a:spcPct val="90000"/>
+              </a:lnSpc>
+              <a:spcBef>
+                <a:spcPct val="0"/>
+              </a:spcBef>
+              <a:buNone/>
+              <a:defRPr sz="4400" kern="1200">
+                <a:solidFill>
+                  <a:schemeClr val="tx1"/>
+                </a:solidFill>
+                <a:latin typeface="+mj-lt"/>
+                <a:ea typeface="+mj-ea"/>
+                <a:cs typeface="+mj-cs"/>
+              </a:defRPr>
+            </a:lvl1pPr>
+          </a:lstStyle>
+          <a:p>
+            <a:r>
+              <a:rPr lang="en-US" sz="4000" b="1" dirty="0" smtClean="0">
+                <a:solidFill>
+                  <a:srgbClr val="7030A0"/>
+                </a:solidFill>
+                <a:latin typeface="Times New Roman" panose="02020603050405020304" pitchFamily="18" charset="0"/>
+                <a:cs typeface="Times New Roman" panose="02020603050405020304" pitchFamily="18" charset="0"/>
+              </a:rPr>
+              <a:t>Precision and Recall combine Ranking</a:t>
+            </a:r>
+            <a:r>
+              <a:rPr lang="en-US" sz="4000" b="1" dirty="0" smtClean="0">
+                <a:solidFill>
+                  <a:srgbClr val="7030A0"/>
+                </a:solidFill>
+                <a:latin typeface="Times New Roman" panose="02020603050405020304" pitchFamily="18" charset="0"/>
+                <a:cs typeface="Times New Roman" panose="02020603050405020304" pitchFamily="18" charset="0"/>
+              </a:rPr>
+              <a:t>.</a:t>
+            </a:r>
+            <a:endParaRPr lang="en-US" sz="4000" b="1" dirty="0">
+              <a:solidFill>
+                <a:srgbClr val="7030A0"/>
+              </a:solidFill>
+              <a:latin typeface="Times New Roman" panose="02020603050405020304" pitchFamily="18" charset="0"/>
+              <a:cs typeface="Times New Roman" panose="02020603050405020304" pitchFamily="18" charset="0"/>
+            </a:endParaRPr>
+          </a:p>
+        </p:txBody>
+      </p:sp>
+      <p:pic>
+        <p:nvPicPr>
+          <p:cNvPr id="5" name="Picture 4"/>
+          <p:cNvPicPr>
+            <a:picLocks noChangeAspect="1"/>
+          </p:cNvPicPr>
+          <p:nvPr/>
+        </p:nvPicPr>
+        <p:blipFill>
+          <a:blip r:embed="rId2">
+            <a:extLst>
+              <a:ext uri="{28A0092B-C50C-407E-A947-70E740481C1C}">
+                <a14:useLocalDpi xmlns:a14="http://schemas.microsoft.com/office/drawing/2010/main" val="0"/>
+              </a:ext>
+            </a:extLst>
+          </a:blip>
+          <a:stretch>
+            <a:fillRect/>
+          </a:stretch>
+        </p:blipFill>
+        <p:spPr>
+          <a:xfrm>
+            <a:off x="6105525" y="1018773"/>
+            <a:ext cx="5210175" cy="4248150"/>
+          </a:xfrm>
+          <a:prstGeom prst="rect">
+            <a:avLst/>
+          </a:prstGeom>
+        </p:spPr>
+      </p:pic>
+      <p:pic>
+        <p:nvPicPr>
+          <p:cNvPr id="6" name="Picture 5"/>
+          <p:cNvPicPr>
+            <a:picLocks noChangeAspect="1"/>
+          </p:cNvPicPr>
+          <p:nvPr/>
+        </p:nvPicPr>
+        <p:blipFill>
+          <a:blip r:embed="rId3">
+            <a:extLst>
+              <a:ext uri="{28A0092B-C50C-407E-A947-70E740481C1C}">
+                <a14:useLocalDpi xmlns:a14="http://schemas.microsoft.com/office/drawing/2010/main" val="0"/>
+              </a:ext>
+            </a:extLst>
+          </a:blip>
+          <a:stretch>
+            <a:fillRect/>
+          </a:stretch>
+        </p:blipFill>
+        <p:spPr>
+          <a:xfrm>
+            <a:off x="0" y="1018773"/>
+            <a:ext cx="5229225" cy="4257675"/>
+          </a:xfrm>
+          <a:prstGeom prst="rect">
+            <a:avLst/>
+          </a:prstGeom>
+        </p:spPr>
+      </p:pic>
+    </p:spTree>
+    <p:extLst>
+      <p:ext uri="{BB962C8B-B14F-4D97-AF65-F5344CB8AC3E}">
+        <p14:creationId xmlns:p14="http://schemas.microsoft.com/office/powerpoint/2010/main" val="2371644466"/>
+      </p:ext>
+    </p:extLst>
+  </p:cSld>
+  <p:clrMapOvr>
+    <a:masterClrMapping/>
+  </p:clrMapOvr>
+  <p:timing>
+    <p:tnLst>
+      <p:par>
+        <p:cTn id="1" dur="indefinite" restart="never" nodeType="tmRoot"/>
+      </p:par>
+    </p:tnLst>
+  </p:timing>
+</p:sld>
+</file>
+
+<file path=ppt/slides/slide11.xml><?xml version="1.0" encoding="utf-8"?>
+<p:sld xmlns:a="http://schemas.openxmlformats.org/drawingml/2006/main" xmlns:r="http://schemas.openxmlformats.org/officeDocument/2006/relationships" xmlns:p="http://schemas.openxmlformats.org/presentationml/2006/main">
+  <p:cSld>
+    <p:spTree>
+      <p:nvGrpSpPr>
+        <p:cNvPr id="1" name=""/>
+        <p:cNvGrpSpPr/>
+        <p:nvPr/>
+      </p:nvGrpSpPr>
+      <p:grpSpPr>
+        <a:xfrm>
+          <a:off x="0" y="0"/>
+          <a:ext cx="0" cy="0"/>
+          <a:chOff x="0" y="0"/>
+          <a:chExt cx="0" cy="0"/>
+        </a:xfrm>
+      </p:grpSpPr>
+      <p:sp>
+        <p:nvSpPr>
+          <p:cNvPr id="4" name="Title 1"/>
+          <p:cNvSpPr txBox="1">
+            <a:spLocks/>
+          </p:cNvSpPr>
+          <p:nvPr/>
+        </p:nvSpPr>
+        <p:spPr>
+          <a:xfrm>
+            <a:off x="0" y="0"/>
+            <a:ext cx="12192000" cy="1018773"/>
+          </a:xfrm>
+          <a:prstGeom prst="rect">
+            <a:avLst/>
+          </a:prstGeom>
+        </p:spPr>
+        <p:txBody>
+          <a:bodyPr vert="horz" lIns="91440" tIns="45720" rIns="91440" bIns="45720" rtlCol="0" anchor="ctr">
+            <a:normAutofit/>
+          </a:bodyPr>
+          <a:lstStyle>
+            <a:lvl1pPr algn="l" defTabSz="914400" rtl="0" eaLnBrk="1" latinLnBrk="0" hangingPunct="1">
+              <a:lnSpc>
+                <a:spcPct val="90000"/>
+              </a:lnSpc>
+              <a:spcBef>
+                <a:spcPct val="0"/>
+              </a:spcBef>
+              <a:buNone/>
+              <a:defRPr sz="4400" kern="1200">
+                <a:solidFill>
+                  <a:schemeClr val="tx1"/>
+                </a:solidFill>
+                <a:latin typeface="+mj-lt"/>
+                <a:ea typeface="+mj-ea"/>
+                <a:cs typeface="+mj-cs"/>
+              </a:defRPr>
+            </a:lvl1pPr>
+          </a:lstStyle>
+          <a:p>
+            <a:r>
+              <a:rPr lang="en-US" sz="4000" b="1" dirty="0">
+                <a:solidFill>
+                  <a:srgbClr val="7030A0"/>
+                </a:solidFill>
+                <a:latin typeface="Times New Roman" panose="02020603050405020304" pitchFamily="18" charset="0"/>
+                <a:cs typeface="Times New Roman" panose="02020603050405020304" pitchFamily="18" charset="0"/>
+              </a:rPr>
+              <a:t>The probability ranking </a:t>
+            </a:r>
+            <a:r>
+              <a:rPr lang="en-US" sz="4000" b="1" dirty="0" smtClean="0">
+                <a:solidFill>
+                  <a:srgbClr val="7030A0"/>
+                </a:solidFill>
+                <a:latin typeface="Times New Roman" panose="02020603050405020304" pitchFamily="18" charset="0"/>
+                <a:cs typeface="Times New Roman" panose="02020603050405020304" pitchFamily="18" charset="0"/>
+              </a:rPr>
+              <a:t>principle.</a:t>
+            </a:r>
+            <a:endParaRPr lang="en-US" sz="4000" b="1" dirty="0">
+              <a:solidFill>
+                <a:srgbClr val="7030A0"/>
+              </a:solidFill>
+              <a:latin typeface="Times New Roman" panose="02020603050405020304" pitchFamily="18" charset="0"/>
+              <a:cs typeface="Times New Roman" panose="02020603050405020304" pitchFamily="18" charset="0"/>
+            </a:endParaRPr>
+          </a:p>
+        </p:txBody>
+      </p:sp>
+    </p:spTree>
+    <p:extLst>
+      <p:ext uri="{BB962C8B-B14F-4D97-AF65-F5344CB8AC3E}">
+        <p14:creationId xmlns:p14="http://schemas.microsoft.com/office/powerpoint/2010/main" val="1279894501"/>
+      </p:ext>
+    </p:extLst>
+  </p:cSld>
+  <p:clrMapOvr>
+    <a:masterClrMapping/>
+  </p:clrMapOvr>
+  <p:timing>
+    <p:tnLst>
+      <p:par>
+        <p:cTn id="1" dur="indefinite" restart="never" nodeType="tmRoot"/>
+      </p:par>
+    </p:tnLst>
+  </p:timing>
+</p:sld>
+</file>
+
+<file path=ppt/slides/slide12.xml><?xml version="1.0" encoding="utf-8"?>
+<p:sld xmlns:a="http://schemas.openxmlformats.org/drawingml/2006/main" xmlns:r="http://schemas.openxmlformats.org/officeDocument/2006/relationships" xmlns:p="http://schemas.openxmlformats.org/presentationml/2006/main">
+  <p:cSld>
+    <p:spTree>
+      <p:nvGrpSpPr>
+        <p:cNvPr id="1" name=""/>
+        <p:cNvGrpSpPr/>
+        <p:nvPr/>
+      </p:nvGrpSpPr>
+      <p:grpSpPr>
+        <a:xfrm>
+          <a:off x="0" y="0"/>
+          <a:ext cx="0" cy="0"/>
+          <a:chOff x="0" y="0"/>
+          <a:chExt cx="0" cy="0"/>
+        </a:xfrm>
+      </p:grpSpPr>
+      <p:sp>
+        <p:nvSpPr>
+          <p:cNvPr id="4" name="Title 1"/>
+          <p:cNvSpPr>
+            <a:spLocks noGrp="1"/>
+          </p:cNvSpPr>
+          <p:nvPr>
+            <p:ph type="title"/>
+          </p:nvPr>
+        </p:nvSpPr>
+        <p:spPr>
+          <a:xfrm>
+            <a:off x="838200" y="365125"/>
+            <a:ext cx="10515600" cy="5997575"/>
+          </a:xfrm>
+        </p:spPr>
+        <p:txBody>
+          <a:bodyPr>
+            <a:normAutofit/>
+          </a:bodyPr>
+          <a:lstStyle/>
+          <a:p>
+            <a:pPr algn="ctr"/>
+            <a:r>
+              <a:rPr lang="en-US" sz="5500" b="1" dirty="0" smtClean="0">
+                <a:solidFill>
+                  <a:srgbClr val="7030A0"/>
+                </a:solidFill>
+                <a:latin typeface="Times New Roman" panose="02020603050405020304" pitchFamily="18" charset="0"/>
+                <a:cs typeface="Times New Roman" panose="02020603050405020304" pitchFamily="18" charset="0"/>
+              </a:rPr>
+              <a:t>Mô hình không gian vector.</a:t>
+            </a:r>
+            <a:br>
+              <a:rPr lang="en-US" sz="5500" b="1" dirty="0" smtClean="0">
+                <a:solidFill>
+                  <a:srgbClr val="7030A0"/>
+                </a:solidFill>
+                <a:latin typeface="Times New Roman" panose="02020603050405020304" pitchFamily="18" charset="0"/>
+                <a:cs typeface="Times New Roman" panose="02020603050405020304" pitchFamily="18" charset="0"/>
+              </a:rPr>
+            </a:br>
+            <a:r>
+              <a:rPr lang="en-US" sz="5500" b="1" dirty="0" smtClean="0">
+                <a:solidFill>
+                  <a:srgbClr val="7030A0"/>
+                </a:solidFill>
+                <a:latin typeface="Times New Roman" panose="02020603050405020304" pitchFamily="18" charset="0"/>
+                <a:cs typeface="Times New Roman" panose="02020603050405020304" pitchFamily="18" charset="0"/>
+              </a:rPr>
+              <a:t>(The vector space model)</a:t>
+            </a:r>
+            <a:endParaRPr lang="en-US" sz="5500" b="1" dirty="0">
+              <a:solidFill>
+                <a:srgbClr val="7030A0"/>
+              </a:solidFill>
+              <a:latin typeface="Times New Roman" panose="02020603050405020304" pitchFamily="18" charset="0"/>
+              <a:cs typeface="Times New Roman" panose="02020603050405020304" pitchFamily="18" charset="0"/>
+            </a:endParaRPr>
+          </a:p>
+        </p:txBody>
+      </p:sp>
+    </p:spTree>
+    <p:extLst>
+      <p:ext uri="{BB962C8B-B14F-4D97-AF65-F5344CB8AC3E}">
+        <p14:creationId xmlns:p14="http://schemas.microsoft.com/office/powerpoint/2010/main" val="1814787889"/>
+      </p:ext>
+    </p:extLst>
+  </p:cSld>
+  <p:clrMapOvr>
+    <a:masterClrMapping/>
+  </p:clrMapOvr>
+  <p:timing>
+    <p:tnLst>
+      <p:par>
+        <p:cTn id="1" dur="indefinite" restart="never" nodeType="tmRoot"/>
+      </p:par>
+    </p:tnLst>
+  </p:timing>
+</p:sld>
+</file>
+
+<file path=ppt/slides/slide13.xml><?xml version="1.0" encoding="utf-8"?>
+<p:sld xmlns:a="http://schemas.openxmlformats.org/drawingml/2006/main" xmlns:r="http://schemas.openxmlformats.org/officeDocument/2006/relationships" xmlns:p="http://schemas.openxmlformats.org/presentationml/2006/main">
+  <p:cSld>
+    <p:spTree>
+      <p:nvGrpSpPr>
+        <p:cNvPr id="1" name=""/>
+        <p:cNvGrpSpPr/>
+        <p:nvPr/>
+      </p:nvGrpSpPr>
+      <p:grpSpPr>
+        <a:xfrm>
+          <a:off x="0" y="0"/>
+          <a:ext cx="0" cy="0"/>
+          <a:chOff x="0" y="0"/>
+          <a:chExt cx="0" cy="0"/>
+        </a:xfrm>
+      </p:grpSpPr>
+      <p:sp>
+        <p:nvSpPr>
+          <p:cNvPr id="4" name="Title 1"/>
+          <p:cNvSpPr txBox="1">
+            <a:spLocks/>
+          </p:cNvSpPr>
+          <p:nvPr/>
+        </p:nvSpPr>
+        <p:spPr>
+          <a:xfrm>
+            <a:off x="0" y="0"/>
+            <a:ext cx="12192000" cy="1018773"/>
+          </a:xfrm>
+          <a:prstGeom prst="rect">
+            <a:avLst/>
+          </a:prstGeom>
+        </p:spPr>
+        <p:txBody>
+          <a:bodyPr vert="horz" lIns="91440" tIns="45720" rIns="91440" bIns="45720" rtlCol="0" anchor="ctr">
+            <a:normAutofit/>
+          </a:bodyPr>
+          <a:lstStyle>
+            <a:lvl1pPr algn="l" defTabSz="914400" rtl="0" eaLnBrk="1" latinLnBrk="0" hangingPunct="1">
+              <a:lnSpc>
+                <a:spcPct val="90000"/>
+              </a:lnSpc>
+              <a:spcBef>
+                <a:spcPct val="0"/>
+              </a:spcBef>
+              <a:buNone/>
+              <a:defRPr sz="4400" kern="1200">
+                <a:solidFill>
+                  <a:schemeClr val="tx1"/>
+                </a:solidFill>
+                <a:latin typeface="+mj-lt"/>
+                <a:ea typeface="+mj-ea"/>
+                <a:cs typeface="+mj-cs"/>
+              </a:defRPr>
+            </a:lvl1pPr>
+          </a:lstStyle>
+          <a:p>
+            <a:r>
+              <a:rPr lang="en-US" sz="4000" b="1" dirty="0" smtClean="0">
+                <a:solidFill>
+                  <a:srgbClr val="7030A0"/>
+                </a:solidFill>
+                <a:latin typeface="Times New Roman" panose="02020603050405020304" pitchFamily="18" charset="0"/>
+                <a:cs typeface="Times New Roman" panose="02020603050405020304" pitchFamily="18" charset="0"/>
+              </a:rPr>
+              <a:t>The vector space</a:t>
+            </a:r>
+            <a:r>
+              <a:rPr lang="en-US" sz="4000" b="1" dirty="0" smtClean="0">
+                <a:solidFill>
+                  <a:srgbClr val="7030A0"/>
+                </a:solidFill>
+                <a:latin typeface="Times New Roman" panose="02020603050405020304" pitchFamily="18" charset="0"/>
+                <a:cs typeface="Times New Roman" panose="02020603050405020304" pitchFamily="18" charset="0"/>
+              </a:rPr>
+              <a:t>.</a:t>
+            </a:r>
+            <a:endParaRPr lang="en-US" sz="4000" b="1" dirty="0">
+              <a:solidFill>
+                <a:srgbClr val="7030A0"/>
+              </a:solidFill>
+              <a:latin typeface="Times New Roman" panose="02020603050405020304" pitchFamily="18" charset="0"/>
+              <a:cs typeface="Times New Roman" panose="02020603050405020304" pitchFamily="18" charset="0"/>
+            </a:endParaRPr>
+          </a:p>
+        </p:txBody>
+      </p:sp>
+      <p:pic>
+        <p:nvPicPr>
+          <p:cNvPr id="7" name="Picture 6"/>
+          <p:cNvPicPr>
+            <a:picLocks noChangeAspect="1"/>
+          </p:cNvPicPr>
+          <p:nvPr/>
+        </p:nvPicPr>
+        <p:blipFill>
+          <a:blip r:embed="rId2">
+            <a:extLst>
+              <a:ext uri="{28A0092B-C50C-407E-A947-70E740481C1C}">
+                <a14:useLocalDpi xmlns:a14="http://schemas.microsoft.com/office/drawing/2010/main" val="0"/>
+              </a:ext>
+            </a:extLst>
+          </a:blip>
+          <a:stretch>
+            <a:fillRect/>
+          </a:stretch>
+        </p:blipFill>
+        <p:spPr>
+          <a:xfrm>
+            <a:off x="501896" y="746709"/>
+            <a:ext cx="6953004" cy="5654091"/>
+          </a:xfrm>
+          <a:prstGeom prst="rect">
+            <a:avLst/>
+          </a:prstGeom>
+        </p:spPr>
+      </p:pic>
+      <p:sp>
+        <p:nvSpPr>
+          <p:cNvPr id="8" name="TextBox 7"/>
+          <p:cNvSpPr txBox="1"/>
+          <p:nvPr/>
+        </p:nvSpPr>
+        <p:spPr>
+          <a:xfrm>
+            <a:off x="7454901" y="1018773"/>
+            <a:ext cx="3850084" cy="3862596"/>
+          </a:xfrm>
+          <a:prstGeom prst="rect">
+            <a:avLst/>
+          </a:prstGeom>
+          <a:noFill/>
+        </p:spPr>
+        <p:txBody>
+          <a:bodyPr wrap="square" rtlCol="0">
+            <a:spAutoFit/>
+          </a:bodyPr>
+          <a:lstStyle/>
+          <a:p>
+            <a:r>
+              <a:rPr lang="en-US" sz="3500" dirty="0" smtClean="0">
+                <a:latin typeface="Times New Roman" panose="02020603050405020304" pitchFamily="18" charset="0"/>
+                <a:cs typeface="Times New Roman" panose="02020603050405020304" pitchFamily="18" charset="0"/>
+              </a:rPr>
+              <a:t>q(0.71; 0.71)</a:t>
+            </a:r>
+          </a:p>
+          <a:p>
+            <a:endParaRPr lang="en-US" sz="3500" dirty="0" smtClean="0">
+              <a:latin typeface="Times New Roman" panose="02020603050405020304" pitchFamily="18" charset="0"/>
+              <a:cs typeface="Times New Roman" panose="02020603050405020304" pitchFamily="18" charset="0"/>
+            </a:endParaRPr>
+          </a:p>
+          <a:p>
+            <a:r>
+              <a:rPr lang="en-US" sz="3500" dirty="0" smtClean="0">
+                <a:latin typeface="Times New Roman" panose="02020603050405020304" pitchFamily="18" charset="0"/>
+                <a:cs typeface="Times New Roman" panose="02020603050405020304" pitchFamily="18" charset="0"/>
+              </a:rPr>
+              <a:t>d1(0.13; 0.99)</a:t>
+            </a:r>
+          </a:p>
+          <a:p>
+            <a:endParaRPr lang="en-US" sz="3500" dirty="0" smtClean="0">
+              <a:latin typeface="Times New Roman" panose="02020603050405020304" pitchFamily="18" charset="0"/>
+              <a:cs typeface="Times New Roman" panose="02020603050405020304" pitchFamily="18" charset="0"/>
+            </a:endParaRPr>
+          </a:p>
+          <a:p>
+            <a:r>
+              <a:rPr lang="en-US" sz="3500" dirty="0">
+                <a:latin typeface="Times New Roman" panose="02020603050405020304" pitchFamily="18" charset="0"/>
+                <a:cs typeface="Times New Roman" panose="02020603050405020304" pitchFamily="18" charset="0"/>
+              </a:rPr>
+              <a:t>d</a:t>
+            </a:r>
+            <a:r>
+              <a:rPr lang="en-US" sz="3500" dirty="0" smtClean="0">
+                <a:latin typeface="Times New Roman" panose="02020603050405020304" pitchFamily="18" charset="0"/>
+                <a:cs typeface="Times New Roman" panose="02020603050405020304" pitchFamily="18" charset="0"/>
+              </a:rPr>
+              <a:t>2(0.8; 0.6)</a:t>
+            </a:r>
+          </a:p>
+          <a:p>
+            <a:endParaRPr lang="en-US" sz="3500" dirty="0" smtClean="0">
+              <a:latin typeface="Times New Roman" panose="02020603050405020304" pitchFamily="18" charset="0"/>
+              <a:cs typeface="Times New Roman" panose="02020603050405020304" pitchFamily="18" charset="0"/>
+            </a:endParaRPr>
+          </a:p>
+          <a:p>
+            <a:r>
+              <a:rPr lang="en-US" sz="3500" dirty="0" smtClean="0">
+                <a:latin typeface="Times New Roman" panose="02020603050405020304" pitchFamily="18" charset="0"/>
+                <a:cs typeface="Times New Roman" panose="02020603050405020304" pitchFamily="18" charset="0"/>
+              </a:rPr>
+              <a:t>d3(0.99; 0.13)</a:t>
+            </a:r>
+            <a:endParaRPr lang="en-US" sz="3500" dirty="0">
+              <a:latin typeface="Times New Roman" panose="02020603050405020304" pitchFamily="18" charset="0"/>
+              <a:cs typeface="Times New Roman" panose="02020603050405020304" pitchFamily="18" charset="0"/>
+            </a:endParaRPr>
+          </a:p>
+        </p:txBody>
+      </p:sp>
+    </p:spTree>
+    <p:extLst>
+      <p:ext uri="{BB962C8B-B14F-4D97-AF65-F5344CB8AC3E}">
+        <p14:creationId xmlns:p14="http://schemas.microsoft.com/office/powerpoint/2010/main" val="896005255"/>
+      </p:ext>
+    </p:extLst>
+  </p:cSld>
+  <p:clrMapOvr>
+    <a:masterClrMapping/>
+  </p:clrMapOvr>
+  <p:timing>
+    <p:tnLst>
+      <p:par>
+        <p:cTn id="1" dur="indefinite" restart="never" nodeType="tmRoot">
+          <p:childTnLst>
+            <p:seq concurrent="1" nextAc="seek">
+              <p:cTn id="2" dur="indefinite" nodeType="mainSeq">
+                <p:childTnLst>
+                  <p:par>
+                    <p:cTn id="3" fill="hold">
+                      <p:stCondLst>
+                        <p:cond delay="indefinite"/>
+                      </p:stCondLst>
+                      <p:childTnLst>
+                        <p:par>
+                          <p:cTn id="4" fill="hold">
+                            <p:stCondLst>
+                              <p:cond delay="0"/>
+                            </p:stCondLst>
+                            <p:childTnLst>
+                              <p:par>
+                                <p:cTn id="5" presetID="10" presetClass="entr" presetSubtype="0" fill="hold" nodeType="clickEffect">
+                                  <p:stCondLst>
+                                    <p:cond delay="0"/>
+                                  </p:stCondLst>
+                                  <p:childTnLst>
+                                    <p:set>
+                                      <p:cBhvr>
+                                        <p:cTn id="6" dur="1" fill="hold">
+                                          <p:stCondLst>
+                                            <p:cond delay="0"/>
+                                          </p:stCondLst>
+                                        </p:cTn>
+                                        <p:tgtEl>
+                                          <p:spTgt spid="7"/>
+                                        </p:tgtEl>
+                                        <p:attrNameLst>
+                                          <p:attrName>style.visibility</p:attrName>
+                                        </p:attrNameLst>
+                                      </p:cBhvr>
+                                      <p:to>
+                                        <p:strVal val="visible"/>
+                                      </p:to>
+                                    </p:set>
+                                    <p:animEffect transition="in" filter="fade">
+                                      <p:cBhvr>
+                                        <p:cTn id="7" dur="500"/>
+                                        <p:tgtEl>
+                                          <p:spTgt spid="7"/>
+                                        </p:tgtEl>
+                                      </p:cBhvr>
+                                    </p:animEffect>
+                                  </p:childTnLst>
+                                </p:cTn>
+                              </p:par>
+                            </p:childTnLst>
+                          </p:cTn>
+                        </p:par>
+                      </p:childTnLst>
+                    </p:cTn>
+                  </p:par>
+                  <p:par>
+                    <p:cTn id="8" fill="hold">
+                      <p:stCondLst>
+                        <p:cond delay="indefinite"/>
+                      </p:stCondLst>
+                      <p:childTnLst>
+                        <p:par>
+                          <p:cTn id="9" fill="hold">
+                            <p:stCondLst>
+                              <p:cond delay="0"/>
+                            </p:stCondLst>
+                            <p:childTnLst>
+                              <p:par>
+                                <p:cTn id="10" presetID="1" presetClass="entr" presetSubtype="0" fill="hold" grpId="0" nodeType="clickEffect">
+                                  <p:stCondLst>
+                                    <p:cond delay="0"/>
+                                  </p:stCondLst>
+                                  <p:childTnLst>
+                                    <p:set>
+                                      <p:cBhvr>
+                                        <p:cTn id="11" dur="1" fill="hold">
+                                          <p:stCondLst>
+                                            <p:cond delay="0"/>
+                                          </p:stCondLst>
+                                        </p:cTn>
+                                        <p:tgtEl>
+                                          <p:spTgt spid="8"/>
+                                        </p:tgtEl>
+                                        <p:attrNameLst>
+                                          <p:attrName>style.visibility</p:attrName>
+                                        </p:attrNameLst>
+                                      </p:cBhvr>
+                                      <p:to>
+                                        <p:strVal val="visible"/>
+                                      </p:to>
+                                    </p:set>
+                                  </p:childTnLst>
+                                </p:cTn>
+                              </p:par>
+                            </p:childTnLst>
+                          </p:cTn>
+                        </p:par>
+                      </p:childTnLst>
+                    </p:cTn>
+                  </p:par>
+                </p:childTnLst>
+              </p:cTn>
+              <p:prevCondLst>
+                <p:cond evt="onPrev" delay="0">
+                  <p:tgtEl>
+                    <p:sldTgt/>
+                  </p:tgtEl>
+                </p:cond>
+              </p:prevCondLst>
+              <p:nextCondLst>
+                <p:cond evt="onNext" delay="0">
+                  <p:tgtEl>
+                    <p:sldTgt/>
+                  </p:tgtEl>
+                </p:cond>
+              </p:nextCondLst>
+            </p:seq>
+          </p:childTnLst>
+        </p:cTn>
+      </p:par>
+    </p:tnLst>
+    <p:bldLst>
+      <p:bldP spid="8" grpId="0"/>
+    </p:bldLst>
+  </p:timing>
+</p:sld>
+</file>
+
+<file path=ppt/slides/slide14.xml><?xml version="1.0" encoding="utf-8"?>
+<p:sld xmlns:a="http://schemas.openxmlformats.org/drawingml/2006/main" xmlns:r="http://schemas.openxmlformats.org/officeDocument/2006/relationships" xmlns:p="http://schemas.openxmlformats.org/presentationml/2006/main">
+  <p:cSld>
+    <p:spTree>
+      <p:nvGrpSpPr>
+        <p:cNvPr id="1" name=""/>
+        <p:cNvGrpSpPr/>
+        <p:nvPr/>
+      </p:nvGrpSpPr>
+      <p:grpSpPr>
+        <a:xfrm>
+          <a:off x="0" y="0"/>
+          <a:ext cx="0" cy="0"/>
+          <a:chOff x="0" y="0"/>
+          <a:chExt cx="0" cy="0"/>
+        </a:xfrm>
+      </p:grpSpPr>
+      <p:sp>
+        <p:nvSpPr>
+          <p:cNvPr id="4" name="Title 1"/>
+          <p:cNvSpPr txBox="1">
+            <a:spLocks/>
+          </p:cNvSpPr>
+          <p:nvPr/>
+        </p:nvSpPr>
+        <p:spPr>
+          <a:xfrm>
+            <a:off x="0" y="0"/>
+            <a:ext cx="12192000" cy="1018773"/>
+          </a:xfrm>
+          <a:prstGeom prst="rect">
+            <a:avLst/>
+          </a:prstGeom>
+        </p:spPr>
+        <p:txBody>
+          <a:bodyPr vert="horz" lIns="91440" tIns="45720" rIns="91440" bIns="45720" rtlCol="0" anchor="ctr">
+            <a:normAutofit/>
+          </a:bodyPr>
+          <a:lstStyle>
+            <a:lvl1pPr algn="l" defTabSz="914400" rtl="0" eaLnBrk="1" latinLnBrk="0" hangingPunct="1">
+              <a:lnSpc>
+                <a:spcPct val="90000"/>
+              </a:lnSpc>
+              <a:spcBef>
+                <a:spcPct val="0"/>
+              </a:spcBef>
+              <a:buNone/>
+              <a:defRPr sz="4400" kern="1200">
+                <a:solidFill>
+                  <a:schemeClr val="tx1"/>
+                </a:solidFill>
+                <a:latin typeface="+mj-lt"/>
+                <a:ea typeface="+mj-ea"/>
+                <a:cs typeface="+mj-cs"/>
+              </a:defRPr>
+            </a:lvl1pPr>
+          </a:lstStyle>
+          <a:p>
+            <a:r>
+              <a:rPr lang="en-US" sz="4000" b="1" dirty="0" smtClean="0">
+                <a:solidFill>
+                  <a:srgbClr val="7030A0"/>
+                </a:solidFill>
+                <a:latin typeface="Times New Roman" panose="02020603050405020304" pitchFamily="18" charset="0"/>
+                <a:cs typeface="Times New Roman" panose="02020603050405020304" pitchFamily="18" charset="0"/>
+              </a:rPr>
+              <a:t>Cosine similarity</a:t>
+            </a:r>
+            <a:r>
+              <a:rPr lang="en-US" sz="4000" b="1" dirty="0" smtClean="0">
+                <a:solidFill>
+                  <a:srgbClr val="7030A0"/>
+                </a:solidFill>
+                <a:latin typeface="Times New Roman" panose="02020603050405020304" pitchFamily="18" charset="0"/>
+                <a:cs typeface="Times New Roman" panose="02020603050405020304" pitchFamily="18" charset="0"/>
+              </a:rPr>
+              <a:t>.</a:t>
+            </a:r>
+          </a:p>
+        </p:txBody>
+      </p:sp>
+      <p:sp>
+        <p:nvSpPr>
+          <p:cNvPr id="5" name="TextBox 4"/>
+          <p:cNvSpPr txBox="1"/>
+          <p:nvPr/>
+        </p:nvSpPr>
+        <p:spPr>
+          <a:xfrm>
+            <a:off x="0" y="1018773"/>
+            <a:ext cx="3850084" cy="630942"/>
+          </a:xfrm>
+          <a:prstGeom prst="rect">
+            <a:avLst/>
+          </a:prstGeom>
+          <a:noFill/>
+        </p:spPr>
+        <p:txBody>
+          <a:bodyPr wrap="square" rtlCol="0">
+            <a:spAutoFit/>
+          </a:bodyPr>
+          <a:lstStyle/>
+          <a:p>
+            <a:endParaRPr lang="en-US" sz="3500" dirty="0">
+              <a:latin typeface="Times New Roman" panose="02020603050405020304" pitchFamily="18" charset="0"/>
+              <a:cs typeface="Times New Roman" panose="02020603050405020304" pitchFamily="18" charset="0"/>
+            </a:endParaRPr>
+          </a:p>
+        </p:txBody>
+      </p:sp>
+      <p:pic>
+        <p:nvPicPr>
+          <p:cNvPr id="7" name="Picture 6"/>
+          <p:cNvPicPr>
+            <a:picLocks noChangeAspect="1"/>
+          </p:cNvPicPr>
+          <p:nvPr/>
+        </p:nvPicPr>
+        <p:blipFill>
+          <a:blip r:embed="rId2">
+            <a:extLst>
+              <a:ext uri="{28A0092B-C50C-407E-A947-70E740481C1C}">
+                <a14:useLocalDpi xmlns:a14="http://schemas.microsoft.com/office/drawing/2010/main" val="0"/>
+              </a:ext>
+            </a:extLst>
+          </a:blip>
+          <a:stretch>
+            <a:fillRect/>
+          </a:stretch>
+        </p:blipFill>
+        <p:spPr>
+          <a:xfrm>
+            <a:off x="291504" y="1018772"/>
+            <a:ext cx="5894294" cy="1649715"/>
+          </a:xfrm>
+          <a:prstGeom prst="rect">
+            <a:avLst/>
+          </a:prstGeom>
+        </p:spPr>
+      </p:pic>
+      <p:pic>
+        <p:nvPicPr>
+          <p:cNvPr id="8" name="Picture 7"/>
+          <p:cNvPicPr>
+            <a:picLocks noChangeAspect="1"/>
+          </p:cNvPicPr>
+          <p:nvPr/>
+        </p:nvPicPr>
+        <p:blipFill>
+          <a:blip r:embed="rId3">
+            <a:extLst>
+              <a:ext uri="{28A0092B-C50C-407E-A947-70E740481C1C}">
+                <a14:useLocalDpi xmlns:a14="http://schemas.microsoft.com/office/drawing/2010/main" val="0"/>
+              </a:ext>
+            </a:extLst>
+          </a:blip>
+          <a:stretch>
+            <a:fillRect/>
+          </a:stretch>
+        </p:blipFill>
+        <p:spPr>
+          <a:xfrm>
+            <a:off x="291504" y="2668487"/>
+            <a:ext cx="5588596" cy="4128986"/>
+          </a:xfrm>
+          <a:prstGeom prst="rect">
+            <a:avLst/>
+          </a:prstGeom>
+        </p:spPr>
+      </p:pic>
+      <p:pic>
+        <p:nvPicPr>
+          <p:cNvPr id="9" name="Picture 8"/>
+          <p:cNvPicPr>
+            <a:picLocks noChangeAspect="1"/>
+          </p:cNvPicPr>
+          <p:nvPr/>
+        </p:nvPicPr>
+        <p:blipFill>
+          <a:blip r:embed="rId4">
+            <a:extLst>
+              <a:ext uri="{28A0092B-C50C-407E-A947-70E740481C1C}">
+                <a14:useLocalDpi xmlns:a14="http://schemas.microsoft.com/office/drawing/2010/main" val="0"/>
+              </a:ext>
+            </a:extLst>
+          </a:blip>
+          <a:stretch>
+            <a:fillRect/>
+          </a:stretch>
+        </p:blipFill>
+        <p:spPr>
+          <a:xfrm>
+            <a:off x="6185799" y="3088872"/>
+            <a:ext cx="6006202" cy="746528"/>
+          </a:xfrm>
+          <a:prstGeom prst="rect">
+            <a:avLst/>
+          </a:prstGeom>
+        </p:spPr>
+      </p:pic>
+    </p:spTree>
+    <p:extLst>
+      <p:ext uri="{BB962C8B-B14F-4D97-AF65-F5344CB8AC3E}">
+        <p14:creationId xmlns:p14="http://schemas.microsoft.com/office/powerpoint/2010/main" val="3183020895"/>
+      </p:ext>
+    </p:extLst>
+  </p:cSld>
+  <p:clrMapOvr>
+    <a:masterClrMapping/>
+  </p:clrMapOvr>
+  <p:timing>
+    <p:tnLst>
+      <p:par>
+        <p:cTn id="1" dur="indefinite" restart="never" nodeType="tmRoot">
+          <p:childTnLst>
+            <p:seq concurrent="1" nextAc="seek">
+              <p:cTn id="2" dur="indefinite" nodeType="mainSeq">
+                <p:childTnLst>
+                  <p:par>
+                    <p:cTn id="3" fill="hold">
+                      <p:stCondLst>
+                        <p:cond delay="indefinite"/>
+                      </p:stCondLst>
+                      <p:childTnLst>
+                        <p:par>
+                          <p:cTn id="4" fill="hold">
+                            <p:stCondLst>
+                              <p:cond delay="0"/>
+                            </p:stCondLst>
+                            <p:childTnLst>
+                              <p:par>
+                                <p:cTn id="5" presetID="1" presetClass="entr" presetSubtype="0" fill="hold" grpId="0" nodeType="clickEffect" nodePh="1">
+                                  <p:stCondLst>
+                                    <p:cond delay="0"/>
+                                  </p:stCondLst>
+                                  <p:endCondLst>
+                                    <p:cond evt="begin" delay="0">
+                                      <p:tn val="5"/>
+                                    </p:cond>
+                                  </p:endCondLst>
+                                  <p:childTnLst>
+                                    <p:set>
+                                      <p:cBhvr>
+                                        <p:cTn id="6" dur="1" fill="hold">
+                                          <p:stCondLst>
+                                            <p:cond delay="0"/>
+                                          </p:stCondLst>
+                                        </p:cTn>
+                                        <p:tgtEl>
+                                          <p:spTgt spid="5"/>
+                                        </p:tgtEl>
+                                        <p:attrNameLst>
+                                          <p:attrName>style.visibility</p:attrName>
+                                        </p:attrNameLst>
+                                      </p:cBhvr>
+                                      <p:to>
+                                        <p:strVal val="visible"/>
+                                      </p:to>
+                                    </p:set>
+                                  </p:childTnLst>
+                                </p:cTn>
+                              </p:par>
+                            </p:childTnLst>
+                          </p:cTn>
+                        </p:par>
+                      </p:childTnLst>
+                    </p:cTn>
+                  </p:par>
+                </p:childTnLst>
+              </p:cTn>
+              <p:prevCondLst>
+                <p:cond evt="onPrev" delay="0">
+                  <p:tgtEl>
+                    <p:sldTgt/>
+                  </p:tgtEl>
+                </p:cond>
+              </p:prevCondLst>
+              <p:nextCondLst>
+                <p:cond evt="onNext" delay="0">
+                  <p:tgtEl>
+                    <p:sldTgt/>
+                  </p:tgtEl>
+                </p:cond>
+              </p:nextCondLst>
+            </p:seq>
+          </p:childTnLst>
+        </p:cTn>
+      </p:par>
+    </p:tnLst>
+    <p:bldLst>
+      <p:bldP spid="5" grpId="0"/>
+    </p:bldLst>
+  </p:timing>
+</p:sld>
+</file>
+
+<file path=ppt/slides/slide15.xml><?xml version="1.0" encoding="utf-8"?>
+<p:sld xmlns:a="http://schemas.openxmlformats.org/drawingml/2006/main" xmlns:r="http://schemas.openxmlformats.org/officeDocument/2006/relationships" xmlns:p="http://schemas.openxmlformats.org/presentationml/2006/main">
+  <p:cSld>
+    <p:spTree>
+      <p:nvGrpSpPr>
+        <p:cNvPr id="1" name=""/>
+        <p:cNvGrpSpPr/>
+        <p:nvPr/>
+      </p:nvGrpSpPr>
+      <p:grpSpPr>
+        <a:xfrm>
+          <a:off x="0" y="0"/>
+          <a:ext cx="0" cy="0"/>
+          <a:chOff x="0" y="0"/>
+          <a:chExt cx="0" cy="0"/>
+        </a:xfrm>
+      </p:grpSpPr>
+      <p:sp>
+        <p:nvSpPr>
+          <p:cNvPr id="4" name="Title 1"/>
+          <p:cNvSpPr txBox="1">
+            <a:spLocks/>
+          </p:cNvSpPr>
+          <p:nvPr/>
+        </p:nvSpPr>
+        <p:spPr>
+          <a:xfrm>
+            <a:off x="0" y="0"/>
+            <a:ext cx="12192000" cy="1018773"/>
+          </a:xfrm>
+          <a:prstGeom prst="rect">
+            <a:avLst/>
+          </a:prstGeom>
+        </p:spPr>
+        <p:txBody>
+          <a:bodyPr vert="horz" lIns="91440" tIns="45720" rIns="91440" bIns="45720" rtlCol="0" anchor="ctr">
+            <a:normAutofit/>
+          </a:bodyPr>
+          <a:lstStyle>
+            <a:lvl1pPr algn="l" defTabSz="914400" rtl="0" eaLnBrk="1" latinLnBrk="0" hangingPunct="1">
+              <a:lnSpc>
+                <a:spcPct val="90000"/>
+              </a:lnSpc>
+              <a:spcBef>
+                <a:spcPct val="0"/>
+              </a:spcBef>
+              <a:buNone/>
+              <a:defRPr sz="4400" kern="1200">
+                <a:solidFill>
+                  <a:schemeClr val="tx1"/>
+                </a:solidFill>
+                <a:latin typeface="+mj-lt"/>
+                <a:ea typeface="+mj-ea"/>
+                <a:cs typeface="+mj-cs"/>
+              </a:defRPr>
+            </a:lvl1pPr>
+          </a:lstStyle>
+          <a:p>
+            <a:r>
+              <a:rPr lang="en-US" sz="4000" b="1" dirty="0" smtClean="0">
+                <a:solidFill>
+                  <a:srgbClr val="7030A0"/>
+                </a:solidFill>
+                <a:latin typeface="Times New Roman" panose="02020603050405020304" pitchFamily="18" charset="0"/>
+                <a:cs typeface="Times New Roman" panose="02020603050405020304" pitchFamily="18" charset="0"/>
+              </a:rPr>
+              <a:t>Term weighting</a:t>
+            </a:r>
+            <a:r>
+              <a:rPr lang="en-US" sz="4000" b="1" dirty="0" smtClean="0">
+                <a:solidFill>
+                  <a:srgbClr val="7030A0"/>
+                </a:solidFill>
+                <a:latin typeface="Times New Roman" panose="02020603050405020304" pitchFamily="18" charset="0"/>
+                <a:cs typeface="Times New Roman" panose="02020603050405020304" pitchFamily="18" charset="0"/>
+              </a:rPr>
+              <a:t>.</a:t>
+            </a:r>
+          </a:p>
+        </p:txBody>
+      </p:sp>
+      <p:sp>
+        <p:nvSpPr>
+          <p:cNvPr id="5" name="TextBox 4"/>
+          <p:cNvSpPr txBox="1"/>
+          <p:nvPr/>
+        </p:nvSpPr>
+        <p:spPr>
+          <a:xfrm>
+            <a:off x="0" y="1018773"/>
+            <a:ext cx="3850084" cy="630942"/>
+          </a:xfrm>
+          <a:prstGeom prst="rect">
+            <a:avLst/>
+          </a:prstGeom>
+          <a:noFill/>
+        </p:spPr>
+        <p:txBody>
+          <a:bodyPr wrap="square" rtlCol="0">
+            <a:spAutoFit/>
+          </a:bodyPr>
+          <a:lstStyle/>
+          <a:p>
+            <a:endParaRPr lang="en-US" sz="3500" dirty="0">
+              <a:latin typeface="Times New Roman" panose="02020603050405020304" pitchFamily="18" charset="0"/>
+              <a:cs typeface="Times New Roman" panose="02020603050405020304" pitchFamily="18" charset="0"/>
+            </a:endParaRPr>
+          </a:p>
+        </p:txBody>
+      </p:sp>
+      <p:pic>
+        <p:nvPicPr>
+          <p:cNvPr id="3" name="Picture 2"/>
+          <p:cNvPicPr>
+            <a:picLocks noChangeAspect="1"/>
+          </p:cNvPicPr>
+          <p:nvPr/>
+        </p:nvPicPr>
+        <p:blipFill>
+          <a:blip r:embed="rId2">
+            <a:extLst>
+              <a:ext uri="{28A0092B-C50C-407E-A947-70E740481C1C}">
+                <a14:useLocalDpi xmlns:a14="http://schemas.microsoft.com/office/drawing/2010/main" val="0"/>
+              </a:ext>
+            </a:extLst>
+          </a:blip>
+          <a:stretch>
+            <a:fillRect/>
+          </a:stretch>
+        </p:blipFill>
+        <p:spPr>
+          <a:xfrm>
+            <a:off x="346075" y="1018773"/>
+            <a:ext cx="11608138" cy="2245127"/>
+          </a:xfrm>
+          <a:prstGeom prst="rect">
+            <a:avLst/>
+          </a:prstGeom>
+        </p:spPr>
+      </p:pic>
+      <p:pic>
+        <p:nvPicPr>
+          <p:cNvPr id="6" name="Picture 5"/>
+          <p:cNvPicPr>
+            <a:picLocks noChangeAspect="1"/>
+          </p:cNvPicPr>
+          <p:nvPr/>
+        </p:nvPicPr>
+        <p:blipFill>
+          <a:blip r:embed="rId3">
+            <a:extLst>
+              <a:ext uri="{28A0092B-C50C-407E-A947-70E740481C1C}">
+                <a14:useLocalDpi xmlns:a14="http://schemas.microsoft.com/office/drawing/2010/main" val="0"/>
+              </a:ext>
+            </a:extLst>
+          </a:blip>
+          <a:stretch>
+            <a:fillRect/>
+          </a:stretch>
+        </p:blipFill>
+        <p:spPr>
+          <a:xfrm>
+            <a:off x="1120775" y="4344382"/>
+            <a:ext cx="1752162" cy="663977"/>
+          </a:xfrm>
+          <a:prstGeom prst="rect">
+            <a:avLst/>
+          </a:prstGeom>
+        </p:spPr>
+      </p:pic>
+      <p:pic>
+        <p:nvPicPr>
+          <p:cNvPr id="10" name="Picture 9"/>
+          <p:cNvPicPr>
+            <a:picLocks noChangeAspect="1"/>
+          </p:cNvPicPr>
+          <p:nvPr/>
+        </p:nvPicPr>
+        <p:blipFill>
+          <a:blip r:embed="rId4">
+            <a:extLst>
+              <a:ext uri="{28A0092B-C50C-407E-A947-70E740481C1C}">
+                <a14:useLocalDpi xmlns:a14="http://schemas.microsoft.com/office/drawing/2010/main" val="0"/>
+              </a:ext>
+            </a:extLst>
+          </a:blip>
+          <a:stretch>
+            <a:fillRect/>
+          </a:stretch>
+        </p:blipFill>
+        <p:spPr>
+          <a:xfrm>
+            <a:off x="1120775" y="5008359"/>
+            <a:ext cx="2619020" cy="663977"/>
+          </a:xfrm>
+          <a:prstGeom prst="rect">
+            <a:avLst/>
+          </a:prstGeom>
+        </p:spPr>
+      </p:pic>
+      <p:pic>
+        <p:nvPicPr>
+          <p:cNvPr id="11" name="Picture 10"/>
+          <p:cNvPicPr>
+            <a:picLocks noChangeAspect="1"/>
+          </p:cNvPicPr>
+          <p:nvPr/>
+        </p:nvPicPr>
+        <p:blipFill>
+          <a:blip r:embed="rId5">
+            <a:extLst>
+              <a:ext uri="{28A0092B-C50C-407E-A947-70E740481C1C}">
+                <a14:useLocalDpi xmlns:a14="http://schemas.microsoft.com/office/drawing/2010/main" val="0"/>
+              </a:ext>
+            </a:extLst>
+          </a:blip>
+          <a:stretch>
+            <a:fillRect/>
+          </a:stretch>
+        </p:blipFill>
+        <p:spPr>
+          <a:xfrm>
+            <a:off x="5172544" y="3263900"/>
+            <a:ext cx="6781670" cy="3492500"/>
+          </a:xfrm>
+          <a:prstGeom prst="rect">
+            <a:avLst/>
+          </a:prstGeom>
+        </p:spPr>
+      </p:pic>
+      <p:sp>
+        <p:nvSpPr>
+          <p:cNvPr id="12" name="TextBox 11"/>
+          <p:cNvSpPr txBox="1"/>
+          <p:nvPr/>
+        </p:nvSpPr>
+        <p:spPr>
+          <a:xfrm>
+            <a:off x="1120775" y="5816600"/>
+            <a:ext cx="2619020" cy="477054"/>
+          </a:xfrm>
+          <a:prstGeom prst="rect">
+            <a:avLst/>
+          </a:prstGeom>
+          <a:noFill/>
+        </p:spPr>
+        <p:txBody>
+          <a:bodyPr wrap="square" rtlCol="0">
+            <a:spAutoFit/>
+          </a:bodyPr>
+          <a:lstStyle/>
+          <a:p>
+            <a:r>
+              <a:rPr lang="en-US" sz="2500" dirty="0" smtClean="0">
+                <a:latin typeface="Times New Roman" panose="02020603050405020304" pitchFamily="18" charset="0"/>
+                <a:cs typeface="Times New Roman" panose="02020603050405020304" pitchFamily="18" charset="0"/>
+              </a:rPr>
+              <a:t>Only 1 collection.</a:t>
+            </a:r>
+            <a:endParaRPr lang="en-US" sz="2500" dirty="0">
+              <a:latin typeface="Times New Roman" panose="02020603050405020304" pitchFamily="18" charset="0"/>
+              <a:cs typeface="Times New Roman" panose="02020603050405020304" pitchFamily="18" charset="0"/>
+            </a:endParaRPr>
+          </a:p>
+        </p:txBody>
+      </p:sp>
+    </p:spTree>
+    <p:extLst>
+      <p:ext uri="{BB962C8B-B14F-4D97-AF65-F5344CB8AC3E}">
+        <p14:creationId xmlns:p14="http://schemas.microsoft.com/office/powerpoint/2010/main" val="2397445598"/>
+      </p:ext>
+    </p:extLst>
+  </p:cSld>
+  <p:clrMapOvr>
+    <a:masterClrMapping/>
+  </p:clrMapOvr>
+  <p:timing>
+    <p:tnLst>
+      <p:par>
+        <p:cTn id="1" dur="indefinite" restart="never" nodeType="tmRoot">
+          <p:childTnLst>
+            <p:seq concurrent="1" nextAc="seek">
+              <p:cTn id="2" dur="indefinite" nodeType="mainSeq">
+                <p:childTnLst>
+                  <p:par>
+                    <p:cTn id="3" fill="hold">
+                      <p:stCondLst>
+                        <p:cond delay="indefinite"/>
+                      </p:stCondLst>
+                      <p:childTnLst>
+                        <p:par>
+                          <p:cTn id="4" fill="hold">
+                            <p:stCondLst>
+                              <p:cond delay="0"/>
+                            </p:stCondLst>
+                            <p:childTnLst>
+                              <p:par>
+                                <p:cTn id="5" presetID="1" presetClass="entr" presetSubtype="0" fill="hold" grpId="0" nodeType="clickEffect" nodePh="1">
+                                  <p:stCondLst>
+                                    <p:cond delay="0"/>
+                                  </p:stCondLst>
+                                  <p:endCondLst>
+                                    <p:cond evt="begin" delay="0">
+                                      <p:tn val="5"/>
+                                    </p:cond>
+                                  </p:endCondLst>
+                                  <p:childTnLst>
+                                    <p:set>
+                                      <p:cBhvr>
+                                        <p:cTn id="6" dur="1" fill="hold">
+                                          <p:stCondLst>
+                                            <p:cond delay="0"/>
+                                          </p:stCondLst>
+                                        </p:cTn>
+                                        <p:tgtEl>
+                                          <p:spTgt spid="5"/>
+                                        </p:tgtEl>
+                                        <p:attrNameLst>
+                                          <p:attrName>style.visibility</p:attrName>
+                                        </p:attrNameLst>
+                                      </p:cBhvr>
+                                      <p:to>
+                                        <p:strVal val="visible"/>
+                                      </p:to>
+                                    </p:set>
+                                  </p:childTnLst>
+                                </p:cTn>
+                              </p:par>
+                            </p:childTnLst>
+                          </p:cTn>
+                        </p:par>
+                      </p:childTnLst>
+                    </p:cTn>
+                  </p:par>
+                  <p:par>
+                    <p:cTn id="7" fill="hold">
+                      <p:stCondLst>
+                        <p:cond delay="indefinite"/>
+                      </p:stCondLst>
+                      <p:childTnLst>
+                        <p:par>
+                          <p:cTn id="8" fill="hold">
+                            <p:stCondLst>
+                              <p:cond delay="0"/>
+                            </p:stCondLst>
+                            <p:childTnLst>
+                              <p:par>
+                                <p:cTn id="9" presetID="1" presetClass="entr" presetSubtype="0" fill="hold" nodeType="clickEffect">
+                                  <p:stCondLst>
+                                    <p:cond delay="0"/>
+                                  </p:stCondLst>
+                                  <p:childTnLst>
+                                    <p:set>
+                                      <p:cBhvr>
+                                        <p:cTn id="10" dur="1" fill="hold">
+                                          <p:stCondLst>
+                                            <p:cond delay="0"/>
+                                          </p:stCondLst>
+                                        </p:cTn>
+                                        <p:tgtEl>
+                                          <p:spTgt spid="3"/>
+                                        </p:tgtEl>
+                                        <p:attrNameLst>
+                                          <p:attrName>style.visibility</p:attrName>
+                                        </p:attrNameLst>
+                                      </p:cBhvr>
+                                      <p:to>
+                                        <p:strVal val="visible"/>
+                                      </p:to>
+                                    </p:set>
+                                  </p:childTnLst>
+                                </p:cTn>
+                              </p:par>
+                            </p:childTnLst>
+                          </p:cTn>
+                        </p:par>
+                      </p:childTnLst>
+                    </p:cTn>
+                  </p:par>
+                  <p:par>
+                    <p:cTn id="11" fill="hold">
+                      <p:stCondLst>
+                        <p:cond delay="indefinite"/>
+                      </p:stCondLst>
+                      <p:childTnLst>
+                        <p:par>
+                          <p:cTn id="12" fill="hold">
+                            <p:stCondLst>
+                              <p:cond delay="0"/>
+                            </p:stCondLst>
+                            <p:childTnLst>
+                              <p:par>
+                                <p:cTn id="13" presetID="1" presetClass="entr" presetSubtype="0" fill="hold" nodeType="clickEffect">
+                                  <p:stCondLst>
+                                    <p:cond delay="0"/>
+                                  </p:stCondLst>
+                                  <p:childTnLst>
+                                    <p:set>
+                                      <p:cBhvr>
+                                        <p:cTn id="14" dur="1" fill="hold">
+                                          <p:stCondLst>
+                                            <p:cond delay="0"/>
+                                          </p:stCondLst>
+                                        </p:cTn>
+                                        <p:tgtEl>
+                                          <p:spTgt spid="11"/>
+                                        </p:tgtEl>
+                                        <p:attrNameLst>
+                                          <p:attrName>style.visibility</p:attrName>
+                                        </p:attrNameLst>
+                                      </p:cBhvr>
+                                      <p:to>
+                                        <p:strVal val="visible"/>
+                                      </p:to>
+                                    </p:set>
+                                  </p:childTnLst>
+                                </p:cTn>
+                              </p:par>
+                            </p:childTnLst>
+                          </p:cTn>
+                        </p:par>
+                      </p:childTnLst>
+                    </p:cTn>
+                  </p:par>
+                  <p:par>
+                    <p:cTn id="15" fill="hold">
+                      <p:stCondLst>
+                        <p:cond delay="indefinite"/>
+                      </p:stCondLst>
+                      <p:childTnLst>
+                        <p:par>
+                          <p:cTn id="16" fill="hold">
+                            <p:stCondLst>
+                              <p:cond delay="0"/>
+                            </p:stCondLst>
+                            <p:childTnLst>
+                              <p:par>
+                                <p:cTn id="17" presetID="1" presetClass="entr" presetSubtype="0" fill="hold" nodeType="clickEffect">
+                                  <p:stCondLst>
+                                    <p:cond delay="0"/>
+                                  </p:stCondLst>
+                                  <p:childTnLst>
+                                    <p:set>
+                                      <p:cBhvr>
+                                        <p:cTn id="18" dur="1" fill="hold">
+                                          <p:stCondLst>
+                                            <p:cond delay="0"/>
+                                          </p:stCondLst>
+                                        </p:cTn>
+                                        <p:tgtEl>
+                                          <p:spTgt spid="6"/>
+                                        </p:tgtEl>
+                                        <p:attrNameLst>
+                                          <p:attrName>style.visibility</p:attrName>
+                                        </p:attrNameLst>
+                                      </p:cBhvr>
+                                      <p:to>
+                                        <p:strVal val="visible"/>
+                                      </p:to>
+                                    </p:set>
+                                  </p:childTnLst>
+                                </p:cTn>
+                              </p:par>
+                            </p:childTnLst>
+                          </p:cTn>
+                        </p:par>
+                      </p:childTnLst>
+                    </p:cTn>
+                  </p:par>
+                  <p:par>
+                    <p:cTn id="19" fill="hold">
+                      <p:stCondLst>
+                        <p:cond delay="indefinite"/>
+                      </p:stCondLst>
+                      <p:childTnLst>
+                        <p:par>
+                          <p:cTn id="20" fill="hold">
+                            <p:stCondLst>
+                              <p:cond delay="0"/>
+                            </p:stCondLst>
+                            <p:childTnLst>
+                              <p:par>
+                                <p:cTn id="21" presetID="1" presetClass="entr" presetSubtype="0" fill="hold" nodeType="clickEffect">
+                                  <p:stCondLst>
+                                    <p:cond delay="0"/>
+                                  </p:stCondLst>
+                                  <p:childTnLst>
+                                    <p:set>
+                                      <p:cBhvr>
+                                        <p:cTn id="22" dur="1" fill="hold">
+                                          <p:stCondLst>
+                                            <p:cond delay="0"/>
+                                          </p:stCondLst>
+                                        </p:cTn>
+                                        <p:tgtEl>
+                                          <p:spTgt spid="10"/>
+                                        </p:tgtEl>
+                                        <p:attrNameLst>
+                                          <p:attrName>style.visibility</p:attrName>
+                                        </p:attrNameLst>
+                                      </p:cBhvr>
+                                      <p:to>
+                                        <p:strVal val="visible"/>
+                                      </p:to>
+                                    </p:set>
+                                  </p:childTnLst>
+                                </p:cTn>
+                              </p:par>
+                            </p:childTnLst>
+                          </p:cTn>
+                        </p:par>
+                      </p:childTnLst>
+                    </p:cTn>
+                  </p:par>
+                  <p:par>
+                    <p:cTn id="23" fill="hold">
+                      <p:stCondLst>
+                        <p:cond delay="indefinite"/>
+                      </p:stCondLst>
+                      <p:childTnLst>
+                        <p:par>
+                          <p:cTn id="24" fill="hold">
+                            <p:stCondLst>
+                              <p:cond delay="0"/>
+                            </p:stCondLst>
+                            <p:childTnLst>
+                              <p:par>
+                                <p:cTn id="25" presetID="1" presetClass="entr" presetSubtype="0" fill="hold" grpId="0" nodeType="clickEffect">
+                                  <p:stCondLst>
+                                    <p:cond delay="0"/>
+                                  </p:stCondLst>
+                                  <p:childTnLst>
+                                    <p:set>
+                                      <p:cBhvr>
+                                        <p:cTn id="26" dur="1" fill="hold">
+                                          <p:stCondLst>
+                                            <p:cond delay="0"/>
+                                          </p:stCondLst>
+                                        </p:cTn>
+                                        <p:tgtEl>
+                                          <p:spTgt spid="12"/>
+                                        </p:tgtEl>
+                                        <p:attrNameLst>
+                                          <p:attrName>style.visibility</p:attrName>
+                                        </p:attrNameLst>
+                                      </p:cBhvr>
+                                      <p:to>
+                                        <p:strVal val="visible"/>
+                                      </p:to>
+                                    </p:set>
+                                  </p:childTnLst>
+                                </p:cTn>
+                              </p:par>
+                            </p:childTnLst>
+                          </p:cTn>
+                        </p:par>
+                      </p:childTnLst>
+                    </p:cTn>
+                  </p:par>
+                </p:childTnLst>
+              </p:cTn>
+              <p:prevCondLst>
+                <p:cond evt="onPrev" delay="0">
+                  <p:tgtEl>
+                    <p:sldTgt/>
+                  </p:tgtEl>
+                </p:cond>
+              </p:prevCondLst>
+              <p:nextCondLst>
+                <p:cond evt="onNext" delay="0">
+                  <p:tgtEl>
+                    <p:sldTgt/>
+                  </p:tgtEl>
+                </p:cond>
+              </p:nextCondLst>
+            </p:seq>
+          </p:childTnLst>
+        </p:cTn>
+      </p:par>
+    </p:tnLst>
+    <p:bldLst>
+      <p:bldP spid="5" grpId="0"/>
+      <p:bldP spid="12" grpId="0"/>
+    </p:bldLst>
+  </p:timing>
+</p:sld>
+</file>
+
+<file path=ppt/slides/slide16.xml><?xml version="1.0" encoding="utf-8"?>
+<p:sld xmlns:a="http://schemas.openxmlformats.org/drawingml/2006/main" xmlns:r="http://schemas.openxmlformats.org/officeDocument/2006/relationships" xmlns:p="http://schemas.openxmlformats.org/presentationml/2006/main">
+  <p:cSld>
+    <p:spTree>
+      <p:nvGrpSpPr>
+        <p:cNvPr id="1" name=""/>
+        <p:cNvGrpSpPr/>
+        <p:nvPr/>
+      </p:nvGrpSpPr>
+      <p:grpSpPr>
+        <a:xfrm>
+          <a:off x="0" y="0"/>
+          <a:ext cx="0" cy="0"/>
+          <a:chOff x="0" y="0"/>
+          <a:chExt cx="0" cy="0"/>
+        </a:xfrm>
+      </p:grpSpPr>
+      <p:sp>
+        <p:nvSpPr>
+          <p:cNvPr id="4" name="Title 1"/>
+          <p:cNvSpPr txBox="1">
+            <a:spLocks/>
+          </p:cNvSpPr>
+          <p:nvPr/>
+        </p:nvSpPr>
+        <p:spPr>
+          <a:xfrm>
+            <a:off x="0" y="0"/>
+            <a:ext cx="12192000" cy="1018773"/>
+          </a:xfrm>
+          <a:prstGeom prst="rect">
+            <a:avLst/>
+          </a:prstGeom>
+        </p:spPr>
+        <p:txBody>
+          <a:bodyPr vert="horz" lIns="91440" tIns="45720" rIns="91440" bIns="45720" rtlCol="0" anchor="ctr">
+            <a:normAutofit/>
+          </a:bodyPr>
+          <a:lstStyle>
+            <a:lvl1pPr algn="l" defTabSz="914400" rtl="0" eaLnBrk="1" latinLnBrk="0" hangingPunct="1">
+              <a:lnSpc>
+                <a:spcPct val="90000"/>
+              </a:lnSpc>
+              <a:spcBef>
+                <a:spcPct val="0"/>
+              </a:spcBef>
+              <a:buNone/>
+              <a:defRPr sz="4400" kern="1200">
+                <a:solidFill>
+                  <a:schemeClr val="tx1"/>
+                </a:solidFill>
+                <a:latin typeface="+mj-lt"/>
+                <a:ea typeface="+mj-ea"/>
+                <a:cs typeface="+mj-cs"/>
+              </a:defRPr>
+            </a:lvl1pPr>
+          </a:lstStyle>
+          <a:p>
+            <a:r>
+              <a:rPr lang="en-US" sz="4000" b="1" dirty="0" smtClean="0">
+                <a:solidFill>
+                  <a:srgbClr val="7030A0"/>
+                </a:solidFill>
+                <a:latin typeface="Times New Roman" panose="02020603050405020304" pitchFamily="18" charset="0"/>
+                <a:cs typeface="Times New Roman" panose="02020603050405020304" pitchFamily="18" charset="0"/>
+              </a:rPr>
+              <a:t>Term weighting</a:t>
+            </a:r>
+            <a:r>
+              <a:rPr lang="en-US" sz="4000" b="1" dirty="0" smtClean="0">
+                <a:solidFill>
+                  <a:srgbClr val="7030A0"/>
+                </a:solidFill>
+                <a:latin typeface="Times New Roman" panose="02020603050405020304" pitchFamily="18" charset="0"/>
+                <a:cs typeface="Times New Roman" panose="02020603050405020304" pitchFamily="18" charset="0"/>
+              </a:rPr>
+              <a:t>. </a:t>
+            </a:r>
+            <a:r>
+              <a:rPr lang="en-US" sz="4000" b="1" dirty="0" smtClean="0">
+                <a:solidFill>
+                  <a:srgbClr val="7030A0"/>
+                </a:solidFill>
+                <a:latin typeface="Times New Roman" panose="02020603050405020304" pitchFamily="18" charset="0"/>
+                <a:cs typeface="Times New Roman" panose="02020603050405020304" pitchFamily="18" charset="0"/>
+              </a:rPr>
+              <a:t>Term Frequency.</a:t>
+            </a:r>
+            <a:endParaRPr lang="en-US" sz="4000" b="1" dirty="0" smtClean="0">
+              <a:solidFill>
+                <a:srgbClr val="7030A0"/>
+              </a:solidFill>
+              <a:latin typeface="Times New Roman" panose="02020603050405020304" pitchFamily="18" charset="0"/>
+              <a:cs typeface="Times New Roman" panose="02020603050405020304" pitchFamily="18" charset="0"/>
+            </a:endParaRPr>
+          </a:p>
+        </p:txBody>
+      </p:sp>
+      <p:pic>
+        <p:nvPicPr>
+          <p:cNvPr id="2" name="Picture 1"/>
+          <p:cNvPicPr>
+            <a:picLocks noChangeAspect="1"/>
+          </p:cNvPicPr>
+          <p:nvPr/>
+        </p:nvPicPr>
+        <p:blipFill>
+          <a:blip r:embed="rId2">
+            <a:extLst>
+              <a:ext uri="{28A0092B-C50C-407E-A947-70E740481C1C}">
+                <a14:useLocalDpi xmlns:a14="http://schemas.microsoft.com/office/drawing/2010/main" val="0"/>
+              </a:ext>
+            </a:extLst>
+          </a:blip>
+          <a:stretch>
+            <a:fillRect/>
+          </a:stretch>
+        </p:blipFill>
+        <p:spPr>
+          <a:xfrm>
+            <a:off x="382587" y="1412473"/>
+            <a:ext cx="11186555" cy="1089427"/>
+          </a:xfrm>
+          <a:prstGeom prst="rect">
+            <a:avLst/>
+          </a:prstGeom>
+        </p:spPr>
+      </p:pic>
+    </p:spTree>
+    <p:extLst>
+      <p:ext uri="{BB962C8B-B14F-4D97-AF65-F5344CB8AC3E}">
+        <p14:creationId xmlns:p14="http://schemas.microsoft.com/office/powerpoint/2010/main" val="226524665"/>
+      </p:ext>
+    </p:extLst>
+  </p:cSld>
+  <p:clrMapOvr>
+    <a:masterClrMapping/>
+  </p:clrMapOvr>
+  <p:timing>
+    <p:tnLst>
+      <p:par>
+        <p:cTn id="1" dur="indefinite" restart="never" nodeType="tmRoot"/>
+      </p:par>
+    </p:tnLst>
+  </p:timing>
+</p:sld>
+</file>
+
+<file path=ppt/slides/slide17.xml><?xml version="1.0" encoding="utf-8"?>
+<p:sld xmlns:a="http://schemas.openxmlformats.org/drawingml/2006/main" xmlns:r="http://schemas.openxmlformats.org/officeDocument/2006/relationships" xmlns:p="http://schemas.openxmlformats.org/presentationml/2006/main">
+  <p:cSld>
+    <p:spTree>
+      <p:nvGrpSpPr>
+        <p:cNvPr id="1" name=""/>
+        <p:cNvGrpSpPr/>
+        <p:nvPr/>
+      </p:nvGrpSpPr>
+      <p:grpSpPr>
+        <a:xfrm>
+          <a:off x="0" y="0"/>
+          <a:ext cx="0" cy="0"/>
+          <a:chOff x="0" y="0"/>
+          <a:chExt cx="0" cy="0"/>
+        </a:xfrm>
+      </p:grpSpPr>
+      <p:sp>
+        <p:nvSpPr>
+          <p:cNvPr id="4" name="Title 1"/>
+          <p:cNvSpPr txBox="1">
+            <a:spLocks/>
+          </p:cNvSpPr>
+          <p:nvPr/>
+        </p:nvSpPr>
+        <p:spPr>
+          <a:xfrm>
+            <a:off x="0" y="0"/>
+            <a:ext cx="12192000" cy="1018773"/>
+          </a:xfrm>
+          <a:prstGeom prst="rect">
+            <a:avLst/>
+          </a:prstGeom>
+        </p:spPr>
+        <p:txBody>
+          <a:bodyPr vert="horz" lIns="91440" tIns="45720" rIns="91440" bIns="45720" rtlCol="0" anchor="ctr">
+            <a:normAutofit/>
+          </a:bodyPr>
+          <a:lstStyle>
+            <a:lvl1pPr algn="l" defTabSz="914400" rtl="0" eaLnBrk="1" latinLnBrk="0" hangingPunct="1">
+              <a:lnSpc>
+                <a:spcPct val="90000"/>
+              </a:lnSpc>
+              <a:spcBef>
+                <a:spcPct val="0"/>
+              </a:spcBef>
+              <a:buNone/>
+              <a:defRPr sz="4400" kern="1200">
+                <a:solidFill>
+                  <a:schemeClr val="tx1"/>
+                </a:solidFill>
+                <a:latin typeface="+mj-lt"/>
+                <a:ea typeface="+mj-ea"/>
+                <a:cs typeface="+mj-cs"/>
+              </a:defRPr>
+            </a:lvl1pPr>
+          </a:lstStyle>
+          <a:p>
+            <a:r>
+              <a:rPr lang="en-US" sz="4000" b="1" dirty="0" smtClean="0">
+                <a:solidFill>
+                  <a:srgbClr val="7030A0"/>
+                </a:solidFill>
+                <a:latin typeface="Times New Roman" panose="02020603050405020304" pitchFamily="18" charset="0"/>
+                <a:cs typeface="Times New Roman" panose="02020603050405020304" pitchFamily="18" charset="0"/>
+              </a:rPr>
+              <a:t>Term weighting</a:t>
+            </a:r>
+            <a:r>
+              <a:rPr lang="en-US" sz="4000" b="1" dirty="0" smtClean="0">
+                <a:solidFill>
+                  <a:srgbClr val="7030A0"/>
+                </a:solidFill>
+                <a:latin typeface="Times New Roman" panose="02020603050405020304" pitchFamily="18" charset="0"/>
+                <a:cs typeface="Times New Roman" panose="02020603050405020304" pitchFamily="18" charset="0"/>
+              </a:rPr>
+              <a:t>. </a:t>
+            </a:r>
+            <a:r>
+              <a:rPr lang="en-US" sz="4000" b="1" dirty="0" smtClean="0">
+                <a:solidFill>
+                  <a:srgbClr val="7030A0"/>
+                </a:solidFill>
+                <a:latin typeface="Times New Roman" panose="02020603050405020304" pitchFamily="18" charset="0"/>
+                <a:cs typeface="Times New Roman" panose="02020603050405020304" pitchFamily="18" charset="0"/>
+              </a:rPr>
+              <a:t>Document Frequency.</a:t>
+            </a:r>
+            <a:endParaRPr lang="en-US" sz="4000" b="1" dirty="0" smtClean="0">
+              <a:solidFill>
+                <a:srgbClr val="7030A0"/>
+              </a:solidFill>
+              <a:latin typeface="Times New Roman" panose="02020603050405020304" pitchFamily="18" charset="0"/>
+              <a:cs typeface="Times New Roman" panose="02020603050405020304" pitchFamily="18" charset="0"/>
+            </a:endParaRPr>
+          </a:p>
+        </p:txBody>
+      </p:sp>
+      <p:pic>
+        <p:nvPicPr>
+          <p:cNvPr id="3" name="Picture 2"/>
+          <p:cNvPicPr>
+            <a:picLocks noChangeAspect="1"/>
+          </p:cNvPicPr>
+          <p:nvPr/>
+        </p:nvPicPr>
+        <p:blipFill>
+          <a:blip r:embed="rId2">
+            <a:extLst>
+              <a:ext uri="{28A0092B-C50C-407E-A947-70E740481C1C}">
+                <a14:useLocalDpi xmlns:a14="http://schemas.microsoft.com/office/drawing/2010/main" val="0"/>
+              </a:ext>
+            </a:extLst>
+          </a:blip>
+          <a:stretch>
+            <a:fillRect/>
+          </a:stretch>
+        </p:blipFill>
+        <p:spPr>
+          <a:xfrm>
+            <a:off x="0" y="1018772"/>
+            <a:ext cx="11815802" cy="2105427"/>
+          </a:xfrm>
+          <a:prstGeom prst="rect">
+            <a:avLst/>
+          </a:prstGeom>
+        </p:spPr>
+      </p:pic>
+    </p:spTree>
+    <p:extLst>
+      <p:ext uri="{BB962C8B-B14F-4D97-AF65-F5344CB8AC3E}">
+        <p14:creationId xmlns:p14="http://schemas.microsoft.com/office/powerpoint/2010/main" val="2069092889"/>
+      </p:ext>
+    </p:extLst>
+  </p:cSld>
+  <p:clrMapOvr>
+    <a:masterClrMapping/>
+  </p:clrMapOvr>
+  <p:timing>
+    <p:tnLst>
+      <p:par>
+        <p:cTn id="1" dur="indefinite" restart="never" nodeType="tmRoot">
+          <p:childTnLst>
+            <p:seq concurrent="1" nextAc="seek">
+              <p:cTn id="2" dur="indefinite" nodeType="mainSeq">
+                <p:childTnLst>
+                  <p:par>
+                    <p:cTn id="3" fill="hold">
+                      <p:stCondLst>
+                        <p:cond delay="indefinite"/>
+                      </p:stCondLst>
+                      <p:childTnLst>
+                        <p:par>
+                          <p:cTn id="4" fill="hold">
+                            <p:stCondLst>
+                              <p:cond delay="0"/>
+                            </p:stCondLst>
+                            <p:childTnLst>
+                              <p:par>
+                                <p:cTn id="5" presetID="1" presetClass="entr" presetSubtype="0" fill="hold" nodeType="clickEffect">
+                                  <p:stCondLst>
+                                    <p:cond delay="0"/>
+                                  </p:stCondLst>
+                                  <p:childTnLst>
+                                    <p:set>
+                                      <p:cBhvr>
+                                        <p:cTn id="6" dur="1" fill="hold">
+                                          <p:stCondLst>
+                                            <p:cond delay="0"/>
+                                          </p:stCondLst>
+                                        </p:cTn>
+                                        <p:tgtEl>
+                                          <p:spTgt spid="3"/>
+                                        </p:tgtEl>
+                                        <p:attrNameLst>
+                                          <p:attrName>style.visibility</p:attrName>
+                                        </p:attrNameLst>
+                                      </p:cBhvr>
+                                      <p:to>
+                                        <p:strVal val="visible"/>
+                                      </p:to>
+                                    </p:set>
+                                  </p:childTnLst>
+                                </p:cTn>
+                              </p:par>
+                            </p:childTnLst>
+                          </p:cTn>
+                        </p:par>
+                      </p:childTnLst>
+                    </p:cTn>
+                  </p:par>
+                </p:childTnLst>
+              </p:cTn>
+              <p:prevCondLst>
+                <p:cond evt="onPrev" delay="0">
+                  <p:tgtEl>
+                    <p:sldTgt/>
+                  </p:tgtEl>
+                </p:cond>
+              </p:prevCondLst>
+              <p:nextCondLst>
+                <p:cond evt="onNext" delay="0">
+                  <p:tgtEl>
+                    <p:sldTgt/>
+                  </p:tgtEl>
+                </p:cond>
+              </p:nextCondLst>
+            </p:seq>
+          </p:childTnLst>
+        </p:cTn>
+      </p:par>
+    </p:tnLst>
+  </p:timing>
+</p:sld>
+</file>
+
+<file path=ppt/slides/slide18.xml><?xml version="1.0" encoding="utf-8"?>
+<p:sld xmlns:a="http://schemas.openxmlformats.org/drawingml/2006/main" xmlns:r="http://schemas.openxmlformats.org/officeDocument/2006/relationships" xmlns:p="http://schemas.openxmlformats.org/presentationml/2006/main">
+  <p:cSld>
+    <p:spTree>
+      <p:nvGrpSpPr>
+        <p:cNvPr id="1" name=""/>
+        <p:cNvGrpSpPr/>
+        <p:nvPr/>
+      </p:nvGrpSpPr>
+      <p:grpSpPr>
+        <a:xfrm>
+          <a:off x="0" y="0"/>
+          <a:ext cx="0" cy="0"/>
+          <a:chOff x="0" y="0"/>
+          <a:chExt cx="0" cy="0"/>
+        </a:xfrm>
+      </p:grpSpPr>
+      <p:pic>
+        <p:nvPicPr>
+          <p:cNvPr id="4" name="Picture 3"/>
+          <p:cNvPicPr>
+            <a:picLocks noChangeAspect="1"/>
+          </p:cNvPicPr>
+          <p:nvPr/>
+        </p:nvPicPr>
+        <p:blipFill>
+          <a:blip r:embed="rId2">
+            <a:extLst>
+              <a:ext uri="{28A0092B-C50C-407E-A947-70E740481C1C}">
+                <a14:useLocalDpi xmlns:a14="http://schemas.microsoft.com/office/drawing/2010/main" val="0"/>
+              </a:ext>
+            </a:extLst>
+          </a:blip>
+          <a:stretch>
+            <a:fillRect/>
+          </a:stretch>
+        </p:blipFill>
+        <p:spPr>
+          <a:xfrm>
+            <a:off x="409219" y="1142999"/>
+            <a:ext cx="11373562" cy="1651001"/>
+          </a:xfrm>
+          <a:prstGeom prst="rect">
+            <a:avLst/>
+          </a:prstGeom>
+        </p:spPr>
+      </p:pic>
+      <p:sp>
+        <p:nvSpPr>
+          <p:cNvPr id="5" name="TextBox 4"/>
+          <p:cNvSpPr txBox="1"/>
+          <p:nvPr/>
+        </p:nvSpPr>
+        <p:spPr>
+          <a:xfrm>
+            <a:off x="8995487" y="2918226"/>
+            <a:ext cx="3352800" cy="461665"/>
+          </a:xfrm>
+          <a:prstGeom prst="rect">
+            <a:avLst/>
+          </a:prstGeom>
+          <a:noFill/>
+        </p:spPr>
+        <p:txBody>
+          <a:bodyPr wrap="square" rtlCol="0">
+            <a:spAutoFit/>
+          </a:bodyPr>
+          <a:lstStyle/>
+          <a:p>
+            <a:r>
+              <a:rPr lang="en-US" sz="2400" dirty="0" smtClean="0">
+                <a:latin typeface="Times New Roman" panose="02020603050405020304" pitchFamily="18" charset="0"/>
+                <a:cs typeface="Times New Roman" panose="02020603050405020304" pitchFamily="18" charset="0"/>
+              </a:rPr>
+              <a:t>N: tổng số documents</a:t>
+            </a:r>
+            <a:endParaRPr lang="en-US" sz="2400" dirty="0">
+              <a:latin typeface="Times New Roman" panose="02020603050405020304" pitchFamily="18" charset="0"/>
+              <a:cs typeface="Times New Roman" panose="02020603050405020304" pitchFamily="18" charset="0"/>
+            </a:endParaRPr>
+          </a:p>
+        </p:txBody>
+      </p:sp>
+      <p:sp>
+        <p:nvSpPr>
+          <p:cNvPr id="6" name="Title 1"/>
+          <p:cNvSpPr txBox="1">
+            <a:spLocks/>
+          </p:cNvSpPr>
+          <p:nvPr/>
+        </p:nvSpPr>
+        <p:spPr>
+          <a:xfrm>
+            <a:off x="0" y="0"/>
+            <a:ext cx="12192000" cy="1018773"/>
+          </a:xfrm>
+          <a:prstGeom prst="rect">
+            <a:avLst/>
+          </a:prstGeom>
+        </p:spPr>
+        <p:txBody>
+          <a:bodyPr vert="horz" lIns="91440" tIns="45720" rIns="91440" bIns="45720" rtlCol="0" anchor="ctr">
+            <a:normAutofit/>
+          </a:bodyPr>
+          <a:lstStyle>
+            <a:lvl1pPr algn="l" defTabSz="914400" rtl="0" eaLnBrk="1" latinLnBrk="0" hangingPunct="1">
+              <a:lnSpc>
+                <a:spcPct val="90000"/>
+              </a:lnSpc>
+              <a:spcBef>
+                <a:spcPct val="0"/>
+              </a:spcBef>
+              <a:buNone/>
+              <a:defRPr sz="4400" kern="1200">
+                <a:solidFill>
+                  <a:schemeClr val="tx1"/>
+                </a:solidFill>
+                <a:latin typeface="+mj-lt"/>
+                <a:ea typeface="+mj-ea"/>
+                <a:cs typeface="+mj-cs"/>
+              </a:defRPr>
+            </a:lvl1pPr>
+          </a:lstStyle>
+          <a:p>
+            <a:r>
+              <a:rPr lang="en-US" sz="4000" b="1" dirty="0" smtClean="0">
+                <a:solidFill>
+                  <a:srgbClr val="7030A0"/>
+                </a:solidFill>
+                <a:latin typeface="Times New Roman" panose="02020603050405020304" pitchFamily="18" charset="0"/>
+                <a:cs typeface="Times New Roman" panose="02020603050405020304" pitchFamily="18" charset="0"/>
+              </a:rPr>
+              <a:t>Inverse </a:t>
+            </a:r>
+            <a:r>
+              <a:rPr lang="en-US" sz="4000" b="1" dirty="0" smtClean="0">
+                <a:solidFill>
+                  <a:srgbClr val="7030A0"/>
+                </a:solidFill>
+                <a:latin typeface="Times New Roman" panose="02020603050405020304" pitchFamily="18" charset="0"/>
+                <a:cs typeface="Times New Roman" panose="02020603050405020304" pitchFamily="18" charset="0"/>
+              </a:rPr>
+              <a:t>Document Frequency.</a:t>
+            </a:r>
+            <a:endParaRPr lang="en-US" sz="4000" b="1" dirty="0" smtClean="0">
+              <a:solidFill>
+                <a:srgbClr val="7030A0"/>
+              </a:solidFill>
+              <a:latin typeface="Times New Roman" panose="02020603050405020304" pitchFamily="18" charset="0"/>
+              <a:cs typeface="Times New Roman" panose="02020603050405020304" pitchFamily="18" charset="0"/>
+            </a:endParaRPr>
+          </a:p>
+        </p:txBody>
+      </p:sp>
+    </p:spTree>
+    <p:extLst>
+      <p:ext uri="{BB962C8B-B14F-4D97-AF65-F5344CB8AC3E}">
+        <p14:creationId xmlns:p14="http://schemas.microsoft.com/office/powerpoint/2010/main" val="1459940035"/>
+      </p:ext>
+    </p:extLst>
+  </p:cSld>
+  <p:clrMapOvr>
+    <a:masterClrMapping/>
+  </p:clrMapOvr>
+  <p:timing>
+    <p:tnLst>
+      <p:par>
+        <p:cTn id="1" dur="indefinite" restart="never" nodeType="tmRoot">
+          <p:childTnLst>
+            <p:seq concurrent="1" nextAc="seek">
+              <p:cTn id="2" dur="indefinite" nodeType="mainSeq">
+                <p:childTnLst>
+                  <p:par>
+                    <p:cTn id="3" fill="hold">
+                      <p:stCondLst>
+                        <p:cond delay="indefinite"/>
+                      </p:stCondLst>
+                      <p:childTnLst>
+                        <p:par>
+                          <p:cTn id="4" fill="hold">
+                            <p:stCondLst>
+                              <p:cond delay="0"/>
+                            </p:stCondLst>
+                            <p:childTnLst>
+                              <p:par>
+                                <p:cTn id="5" presetID="1" presetClass="entr" presetSubtype="0" fill="hold" nodeType="clickEffect">
+                                  <p:stCondLst>
+                                    <p:cond delay="0"/>
+                                  </p:stCondLst>
+                                  <p:childTnLst>
+                                    <p:set>
+                                      <p:cBhvr>
+                                        <p:cTn id="6" dur="1" fill="hold">
+                                          <p:stCondLst>
+                                            <p:cond delay="0"/>
+                                          </p:stCondLst>
+                                        </p:cTn>
+                                        <p:tgtEl>
+                                          <p:spTgt spid="4"/>
+                                        </p:tgtEl>
+                                        <p:attrNameLst>
+                                          <p:attrName>style.visibility</p:attrName>
+                                        </p:attrNameLst>
+                                      </p:cBhvr>
+                                      <p:to>
+                                        <p:strVal val="visible"/>
+                                      </p:to>
+                                    </p:set>
+                                  </p:childTnLst>
+                                </p:cTn>
+                              </p:par>
+                            </p:childTnLst>
+                          </p:cTn>
+                        </p:par>
+                      </p:childTnLst>
+                    </p:cTn>
+                  </p:par>
+                  <p:par>
+                    <p:cTn id="7" fill="hold">
+                      <p:stCondLst>
+                        <p:cond delay="indefinite"/>
+                      </p:stCondLst>
+                      <p:childTnLst>
+                        <p:par>
+                          <p:cTn id="8" fill="hold">
+                            <p:stCondLst>
+                              <p:cond delay="0"/>
+                            </p:stCondLst>
+                            <p:childTnLst>
+                              <p:par>
+                                <p:cTn id="9" presetID="1" presetClass="entr" presetSubtype="0" fill="hold" grpId="0" nodeType="clickEffect">
+                                  <p:stCondLst>
+                                    <p:cond delay="0"/>
+                                  </p:stCondLst>
+                                  <p:childTnLst>
+                                    <p:set>
+                                      <p:cBhvr>
+                                        <p:cTn id="10" dur="1" fill="hold">
+                                          <p:stCondLst>
+                                            <p:cond delay="0"/>
+                                          </p:stCondLst>
+                                        </p:cTn>
+                                        <p:tgtEl>
+                                          <p:spTgt spid="5"/>
+                                        </p:tgtEl>
+                                        <p:attrNameLst>
+                                          <p:attrName>style.visibility</p:attrName>
+                                        </p:attrNameLst>
+                                      </p:cBhvr>
+                                      <p:to>
+                                        <p:strVal val="visible"/>
+                                      </p:to>
+                                    </p:set>
+                                  </p:childTnLst>
+                                </p:cTn>
+                              </p:par>
+                            </p:childTnLst>
+                          </p:cTn>
+                        </p:par>
+                      </p:childTnLst>
+                    </p:cTn>
+                  </p:par>
+                </p:childTnLst>
+              </p:cTn>
+              <p:prevCondLst>
+                <p:cond evt="onPrev" delay="0">
+                  <p:tgtEl>
+                    <p:sldTgt/>
+                  </p:tgtEl>
+                </p:cond>
+              </p:prevCondLst>
+              <p:nextCondLst>
+                <p:cond evt="onNext" delay="0">
+                  <p:tgtEl>
+                    <p:sldTgt/>
+                  </p:tgtEl>
+                </p:cond>
+              </p:nextCondLst>
+            </p:seq>
+          </p:childTnLst>
+        </p:cTn>
+      </p:par>
+    </p:tnLst>
+    <p:bldLst>
+      <p:bldP spid="5" grpId="0"/>
+    </p:bldLst>
+  </p:timing>
+</p:sld>
+</file>
+
+<file path=ppt/slides/slide19.xml><?xml version="1.0" encoding="utf-8"?>
+<p:sld xmlns:a="http://schemas.openxmlformats.org/drawingml/2006/main" xmlns:r="http://schemas.openxmlformats.org/officeDocument/2006/relationships" xmlns:p="http://schemas.openxmlformats.org/presentationml/2006/main">
+  <p:cSld>
+    <p:spTree>
+      <p:nvGrpSpPr>
+        <p:cNvPr id="1" name=""/>
+        <p:cNvGrpSpPr/>
+        <p:nvPr/>
+      </p:nvGrpSpPr>
+      <p:grpSpPr>
+        <a:xfrm>
+          <a:off x="0" y="0"/>
+          <a:ext cx="0" cy="0"/>
+          <a:chOff x="0" y="0"/>
+          <a:chExt cx="0" cy="0"/>
+        </a:xfrm>
+      </p:grpSpPr>
+      <p:sp>
+        <p:nvSpPr>
+          <p:cNvPr id="6" name="Title 1"/>
+          <p:cNvSpPr txBox="1">
+            <a:spLocks/>
+          </p:cNvSpPr>
+          <p:nvPr/>
+        </p:nvSpPr>
+        <p:spPr>
+          <a:xfrm>
+            <a:off x="0" y="0"/>
+            <a:ext cx="12192000" cy="1018773"/>
+          </a:xfrm>
+          <a:prstGeom prst="rect">
+            <a:avLst/>
+          </a:prstGeom>
+        </p:spPr>
+        <p:txBody>
+          <a:bodyPr vert="horz" lIns="91440" tIns="45720" rIns="91440" bIns="45720" rtlCol="0" anchor="ctr">
+            <a:normAutofit/>
+          </a:bodyPr>
+          <a:lstStyle>
+            <a:lvl1pPr algn="l" defTabSz="914400" rtl="0" eaLnBrk="1" latinLnBrk="0" hangingPunct="1">
+              <a:lnSpc>
+                <a:spcPct val="90000"/>
+              </a:lnSpc>
+              <a:spcBef>
+                <a:spcPct val="0"/>
+              </a:spcBef>
+              <a:buNone/>
+              <a:defRPr sz="4400" kern="1200">
+                <a:solidFill>
+                  <a:schemeClr val="tx1"/>
+                </a:solidFill>
+                <a:latin typeface="+mj-lt"/>
+                <a:ea typeface="+mj-ea"/>
+                <a:cs typeface="+mj-cs"/>
+              </a:defRPr>
+            </a:lvl1pPr>
+          </a:lstStyle>
+          <a:p>
+            <a:r>
+              <a:rPr lang="en-US" sz="4000" b="1" dirty="0" smtClean="0">
+                <a:solidFill>
+                  <a:srgbClr val="7030A0"/>
+                </a:solidFill>
+                <a:latin typeface="Times New Roman" panose="02020603050405020304" pitchFamily="18" charset="0"/>
+                <a:cs typeface="Times New Roman" panose="02020603050405020304" pitchFamily="18" charset="0"/>
+              </a:rPr>
+              <a:t>Term weighting</a:t>
+            </a:r>
+            <a:r>
+              <a:rPr lang="en-US" sz="4000" b="1" dirty="0" smtClean="0">
+                <a:solidFill>
+                  <a:srgbClr val="7030A0"/>
+                </a:solidFill>
+                <a:latin typeface="Times New Roman" panose="02020603050405020304" pitchFamily="18" charset="0"/>
+                <a:cs typeface="Times New Roman" panose="02020603050405020304" pitchFamily="18" charset="0"/>
+              </a:rPr>
+              <a:t>. Inverse </a:t>
+            </a:r>
+            <a:r>
+              <a:rPr lang="en-US" sz="4000" b="1" dirty="0" smtClean="0">
+                <a:solidFill>
+                  <a:srgbClr val="7030A0"/>
+                </a:solidFill>
+                <a:latin typeface="Times New Roman" panose="02020603050405020304" pitchFamily="18" charset="0"/>
+                <a:cs typeface="Times New Roman" panose="02020603050405020304" pitchFamily="18" charset="0"/>
+              </a:rPr>
+              <a:t>Document Frequency.</a:t>
+            </a:r>
+            <a:endParaRPr lang="en-US" sz="4000" b="1" dirty="0" smtClean="0">
+              <a:solidFill>
+                <a:srgbClr val="7030A0"/>
+              </a:solidFill>
+              <a:latin typeface="Times New Roman" panose="02020603050405020304" pitchFamily="18" charset="0"/>
+              <a:cs typeface="Times New Roman" panose="02020603050405020304" pitchFamily="18" charset="0"/>
+            </a:endParaRPr>
+          </a:p>
+        </p:txBody>
+      </p:sp>
+    </p:spTree>
+    <p:extLst>
+      <p:ext uri="{BB962C8B-B14F-4D97-AF65-F5344CB8AC3E}">
+        <p14:creationId xmlns:p14="http://schemas.microsoft.com/office/powerpoint/2010/main" val="3512019681"/>
+      </p:ext>
+    </p:extLst>
+  </p:cSld>
+  <p:clrMapOvr>
+    <a:masterClrMapping/>
+  </p:clrMapOvr>
+  <p:timing>
+    <p:tnLst>
+      <p:par>
+        <p:cTn id="1" dur="indefinite" restart="never" nodeType="tmRoot"/>
+      </p:par>
+    </p:tnLst>
+  </p:timing>
+</p:sld>
+</file>
+
 <file path=ppt/slides/slide2.xml><?xml version="1.0" encoding="utf-8"?>
 <p:sld xmlns:a="http://schemas.openxmlformats.org/drawingml/2006/main" xmlns:r="http://schemas.openxmlformats.org/officeDocument/2006/relationships" xmlns:p="http://schemas.openxmlformats.org/presentationml/2006/main">
   <p:cSld>
@@ -3165,6 +5560,707 @@
     <p:extLst>
       <p:ext uri="{BB962C8B-B14F-4D97-AF65-F5344CB8AC3E}">
         <p14:creationId xmlns:p14="http://schemas.microsoft.com/office/powerpoint/2010/main" val="2282061545"/>
+      </p:ext>
+    </p:extLst>
+  </p:cSld>
+  <p:clrMapOvr>
+    <a:masterClrMapping/>
+  </p:clrMapOvr>
+  <p:timing>
+    <p:tnLst>
+      <p:par>
+        <p:cTn id="1" dur="indefinite" restart="never" nodeType="tmRoot"/>
+      </p:par>
+    </p:tnLst>
+  </p:timing>
+</p:sld>
+</file>
+
+<file path=ppt/slides/slide20.xml><?xml version="1.0" encoding="utf-8"?>
+<p:sld xmlns:a="http://schemas.openxmlformats.org/drawingml/2006/main" xmlns:r="http://schemas.openxmlformats.org/officeDocument/2006/relationships" xmlns:p="http://schemas.openxmlformats.org/presentationml/2006/main">
+  <p:cSld>
+    <p:spTree>
+      <p:nvGrpSpPr>
+        <p:cNvPr id="1" name=""/>
+        <p:cNvGrpSpPr/>
+        <p:nvPr/>
+      </p:nvGrpSpPr>
+      <p:grpSpPr>
+        <a:xfrm>
+          <a:off x="0" y="0"/>
+          <a:ext cx="0" cy="0"/>
+          <a:chOff x="0" y="0"/>
+          <a:chExt cx="0" cy="0"/>
+        </a:xfrm>
+      </p:grpSpPr>
+      <p:sp>
+        <p:nvSpPr>
+          <p:cNvPr id="4" name="Title 1"/>
+          <p:cNvSpPr>
+            <a:spLocks noGrp="1"/>
+          </p:cNvSpPr>
+          <p:nvPr>
+            <p:ph type="title"/>
+          </p:nvPr>
+        </p:nvSpPr>
+        <p:spPr>
+          <a:xfrm>
+            <a:off x="838200" y="365125"/>
+            <a:ext cx="10515600" cy="5997575"/>
+          </a:xfrm>
+        </p:spPr>
+        <p:txBody>
+          <a:bodyPr>
+            <a:normAutofit/>
+          </a:bodyPr>
+          <a:lstStyle/>
+          <a:p>
+            <a:pPr algn="ctr"/>
+            <a:r>
+              <a:rPr lang="en-US" sz="5500" b="1" dirty="0" smtClean="0">
+                <a:solidFill>
+                  <a:srgbClr val="7030A0"/>
+                </a:solidFill>
+                <a:latin typeface="Times New Roman" panose="02020603050405020304" pitchFamily="18" charset="0"/>
+                <a:cs typeface="Times New Roman" panose="02020603050405020304" pitchFamily="18" charset="0"/>
+              </a:rPr>
+              <a:t>Mô hình phân phối term.</a:t>
+            </a:r>
+            <a:br>
+              <a:rPr lang="en-US" sz="5500" b="1" dirty="0" smtClean="0">
+                <a:solidFill>
+                  <a:srgbClr val="7030A0"/>
+                </a:solidFill>
+                <a:latin typeface="Times New Roman" panose="02020603050405020304" pitchFamily="18" charset="0"/>
+                <a:cs typeface="Times New Roman" panose="02020603050405020304" pitchFamily="18" charset="0"/>
+              </a:rPr>
+            </a:br>
+            <a:r>
+              <a:rPr lang="en-US" sz="5500" b="1" dirty="0" smtClean="0">
+                <a:solidFill>
+                  <a:srgbClr val="7030A0"/>
+                </a:solidFill>
+                <a:latin typeface="Times New Roman" panose="02020603050405020304" pitchFamily="18" charset="0"/>
+                <a:cs typeface="Times New Roman" panose="02020603050405020304" pitchFamily="18" charset="0"/>
+              </a:rPr>
+              <a:t>(Term distribution model)</a:t>
+            </a:r>
+            <a:endParaRPr lang="en-US" sz="5500" b="1" dirty="0">
+              <a:solidFill>
+                <a:srgbClr val="7030A0"/>
+              </a:solidFill>
+              <a:latin typeface="Times New Roman" panose="02020603050405020304" pitchFamily="18" charset="0"/>
+              <a:cs typeface="Times New Roman" panose="02020603050405020304" pitchFamily="18" charset="0"/>
+            </a:endParaRPr>
+          </a:p>
+        </p:txBody>
+      </p:sp>
+    </p:spTree>
+    <p:extLst>
+      <p:ext uri="{BB962C8B-B14F-4D97-AF65-F5344CB8AC3E}">
+        <p14:creationId xmlns:p14="http://schemas.microsoft.com/office/powerpoint/2010/main" val="268541825"/>
+      </p:ext>
+    </p:extLst>
+  </p:cSld>
+  <p:clrMapOvr>
+    <a:masterClrMapping/>
+  </p:clrMapOvr>
+  <p:timing>
+    <p:tnLst>
+      <p:par>
+        <p:cTn id="1" dur="indefinite" restart="never" nodeType="tmRoot"/>
+      </p:par>
+    </p:tnLst>
+  </p:timing>
+</p:sld>
+</file>
+
+<file path=ppt/slides/slide21.xml><?xml version="1.0" encoding="utf-8"?>
+<p:sld xmlns:a="http://schemas.openxmlformats.org/drawingml/2006/main" xmlns:r="http://schemas.openxmlformats.org/officeDocument/2006/relationships" xmlns:p="http://schemas.openxmlformats.org/presentationml/2006/main">
+  <p:cSld>
+    <p:spTree>
+      <p:nvGrpSpPr>
+        <p:cNvPr id="1" name=""/>
+        <p:cNvGrpSpPr/>
+        <p:nvPr/>
+      </p:nvGrpSpPr>
+      <p:grpSpPr>
+        <a:xfrm>
+          <a:off x="0" y="0"/>
+          <a:ext cx="0" cy="0"/>
+          <a:chOff x="0" y="0"/>
+          <a:chExt cx="0" cy="0"/>
+        </a:xfrm>
+      </p:grpSpPr>
+      <p:sp>
+        <p:nvSpPr>
+          <p:cNvPr id="6" name="Title 1"/>
+          <p:cNvSpPr txBox="1">
+            <a:spLocks/>
+          </p:cNvSpPr>
+          <p:nvPr/>
+        </p:nvSpPr>
+        <p:spPr>
+          <a:xfrm>
+            <a:off x="0" y="0"/>
+            <a:ext cx="12192000" cy="1018773"/>
+          </a:xfrm>
+          <a:prstGeom prst="rect">
+            <a:avLst/>
+          </a:prstGeom>
+        </p:spPr>
+        <p:txBody>
+          <a:bodyPr vert="horz" lIns="91440" tIns="45720" rIns="91440" bIns="45720" rtlCol="0" anchor="ctr">
+            <a:normAutofit/>
+          </a:bodyPr>
+          <a:lstStyle>
+            <a:lvl1pPr algn="l" defTabSz="914400" rtl="0" eaLnBrk="1" latinLnBrk="0" hangingPunct="1">
+              <a:lnSpc>
+                <a:spcPct val="90000"/>
+              </a:lnSpc>
+              <a:spcBef>
+                <a:spcPct val="0"/>
+              </a:spcBef>
+              <a:buNone/>
+              <a:defRPr sz="4400" kern="1200">
+                <a:solidFill>
+                  <a:schemeClr val="tx1"/>
+                </a:solidFill>
+                <a:latin typeface="+mj-lt"/>
+                <a:ea typeface="+mj-ea"/>
+                <a:cs typeface="+mj-cs"/>
+              </a:defRPr>
+            </a:lvl1pPr>
+          </a:lstStyle>
+          <a:p>
+            <a:r>
+              <a:rPr lang="en-US" sz="4000" b="1" dirty="0" smtClean="0">
+                <a:solidFill>
+                  <a:srgbClr val="7030A0"/>
+                </a:solidFill>
+                <a:latin typeface="Times New Roman" panose="02020603050405020304" pitchFamily="18" charset="0"/>
+                <a:cs typeface="Times New Roman" panose="02020603050405020304" pitchFamily="18" charset="0"/>
+              </a:rPr>
+              <a:t>The Poisson distribution.</a:t>
+            </a:r>
+            <a:endParaRPr lang="en-US" sz="4000" b="1" dirty="0" smtClean="0">
+              <a:solidFill>
+                <a:srgbClr val="7030A0"/>
+              </a:solidFill>
+              <a:latin typeface="Times New Roman" panose="02020603050405020304" pitchFamily="18" charset="0"/>
+              <a:cs typeface="Times New Roman" panose="02020603050405020304" pitchFamily="18" charset="0"/>
+            </a:endParaRPr>
+          </a:p>
+        </p:txBody>
+      </p:sp>
+      <p:pic>
+        <p:nvPicPr>
+          <p:cNvPr id="2" name="Picture 1"/>
+          <p:cNvPicPr>
+            <a:picLocks noChangeAspect="1"/>
+          </p:cNvPicPr>
+          <p:nvPr/>
+        </p:nvPicPr>
+        <p:blipFill>
+          <a:blip r:embed="rId2">
+            <a:extLst>
+              <a:ext uri="{28A0092B-C50C-407E-A947-70E740481C1C}">
+                <a14:useLocalDpi xmlns:a14="http://schemas.microsoft.com/office/drawing/2010/main" val="0"/>
+              </a:ext>
+            </a:extLst>
+          </a:blip>
+          <a:stretch>
+            <a:fillRect/>
+          </a:stretch>
+        </p:blipFill>
+        <p:spPr>
+          <a:xfrm>
+            <a:off x="0" y="1018773"/>
+            <a:ext cx="11783270" cy="1178327"/>
+          </a:xfrm>
+          <a:prstGeom prst="rect">
+            <a:avLst/>
+          </a:prstGeom>
+        </p:spPr>
+      </p:pic>
+      <p:sp>
+        <p:nvSpPr>
+          <p:cNvPr id="4" name="Content Placeholder 2"/>
+          <p:cNvSpPr>
+            <a:spLocks noGrp="1"/>
+          </p:cNvSpPr>
+          <p:nvPr>
+            <p:ph idx="1"/>
+          </p:nvPr>
+        </p:nvSpPr>
+        <p:spPr>
+          <a:xfrm>
+            <a:off x="1866900" y="2197101"/>
+            <a:ext cx="9916370" cy="742146"/>
+          </a:xfrm>
+        </p:spPr>
+        <p:txBody>
+          <a:bodyPr>
+            <a:noAutofit/>
+          </a:bodyPr>
+          <a:lstStyle/>
+          <a:p>
+            <a:pPr marL="0" indent="0">
+              <a:buNone/>
+            </a:pPr>
+            <a:r>
+              <a:rPr lang="en-US" dirty="0" smtClean="0"/>
+              <a:t> </a:t>
+            </a:r>
+            <a:r>
+              <a:rPr lang="en-US" dirty="0"/>
+              <a:t>là trung bình số các w_i xuất hiện trên 1 document.</a:t>
+            </a:r>
+          </a:p>
+          <a:p>
+            <a:pPr marL="0" indent="0">
+              <a:buNone/>
+            </a:pPr>
+            <a:endParaRPr lang="en-US" sz="2400" dirty="0" smtClean="0">
+              <a:latin typeface="Times New Roman" panose="02020603050405020304" pitchFamily="18" charset="0"/>
+              <a:cs typeface="Times New Roman" panose="02020603050405020304" pitchFamily="18" charset="0"/>
+            </a:endParaRPr>
+          </a:p>
+        </p:txBody>
+      </p:sp>
+      <p:pic>
+        <p:nvPicPr>
+          <p:cNvPr id="3" name="Picture 2"/>
+          <p:cNvPicPr>
+            <a:picLocks noChangeAspect="1"/>
+          </p:cNvPicPr>
+          <p:nvPr/>
+        </p:nvPicPr>
+        <p:blipFill>
+          <a:blip r:embed="rId3">
+            <a:extLst>
+              <a:ext uri="{28A0092B-C50C-407E-A947-70E740481C1C}">
+                <a14:useLocalDpi xmlns:a14="http://schemas.microsoft.com/office/drawing/2010/main" val="0"/>
+              </a:ext>
+            </a:extLst>
+          </a:blip>
+          <a:stretch>
+            <a:fillRect/>
+          </a:stretch>
+        </p:blipFill>
+        <p:spPr>
+          <a:xfrm>
+            <a:off x="165100" y="2037546"/>
+            <a:ext cx="1803400" cy="901700"/>
+          </a:xfrm>
+          <a:prstGeom prst="rect">
+            <a:avLst/>
+          </a:prstGeom>
+        </p:spPr>
+      </p:pic>
+      <p:pic>
+        <p:nvPicPr>
+          <p:cNvPr id="7" name="Picture 6"/>
+          <p:cNvPicPr>
+            <a:picLocks noChangeAspect="1"/>
+          </p:cNvPicPr>
+          <p:nvPr/>
+        </p:nvPicPr>
+        <p:blipFill>
+          <a:blip r:embed="rId4">
+            <a:extLst>
+              <a:ext uri="{28A0092B-C50C-407E-A947-70E740481C1C}">
+                <a14:useLocalDpi xmlns:a14="http://schemas.microsoft.com/office/drawing/2010/main" val="0"/>
+              </a:ext>
+            </a:extLst>
+          </a:blip>
+          <a:stretch>
+            <a:fillRect/>
+          </a:stretch>
+        </p:blipFill>
+        <p:spPr>
+          <a:xfrm>
+            <a:off x="165100" y="2939246"/>
+            <a:ext cx="4164476" cy="870754"/>
+          </a:xfrm>
+          <a:prstGeom prst="rect">
+            <a:avLst/>
+          </a:prstGeom>
+        </p:spPr>
+      </p:pic>
+      <p:sp>
+        <p:nvSpPr>
+          <p:cNvPr id="8" name="Content Placeholder 2"/>
+          <p:cNvSpPr txBox="1">
+            <a:spLocks/>
+          </p:cNvSpPr>
+          <p:nvPr/>
+        </p:nvSpPr>
+        <p:spPr>
+          <a:xfrm>
+            <a:off x="4329576" y="3067854"/>
+            <a:ext cx="7453694" cy="742146"/>
+          </a:xfrm>
+          <a:prstGeom prst="rect">
+            <a:avLst/>
+          </a:prstGeom>
+        </p:spPr>
+        <p:txBody>
+          <a:bodyPr vert="horz" lIns="91440" tIns="45720" rIns="91440" bIns="45720" rtlCol="0">
+            <a:noAutofit/>
+          </a:bodyPr>
+          <a:lstStyle>
+            <a:lvl1pPr marL="228600" indent="-228600" algn="l" defTabSz="914400" rtl="0" eaLnBrk="1" latinLnBrk="0" hangingPunct="1">
+              <a:lnSpc>
+                <a:spcPct val="90000"/>
+              </a:lnSpc>
+              <a:spcBef>
+                <a:spcPts val="1000"/>
+              </a:spcBef>
+              <a:buFont typeface="Arial" panose="020B0604020202020204" pitchFamily="34" charset="0"/>
+              <a:buChar char="•"/>
+              <a:defRPr sz="2800" kern="1200">
+                <a:solidFill>
+                  <a:schemeClr val="tx1"/>
+                </a:solidFill>
+                <a:latin typeface="+mn-lt"/>
+                <a:ea typeface="+mn-ea"/>
+                <a:cs typeface="+mn-cs"/>
+              </a:defRPr>
+            </a:lvl1pPr>
+            <a:lvl2pPr marL="685800" indent="-228600" algn="l" defTabSz="914400" rtl="0" eaLnBrk="1" latinLnBrk="0" hangingPunct="1">
+              <a:lnSpc>
+                <a:spcPct val="90000"/>
+              </a:lnSpc>
+              <a:spcBef>
+                <a:spcPts val="500"/>
+              </a:spcBef>
+              <a:buFont typeface="Arial" panose="020B0604020202020204" pitchFamily="34" charset="0"/>
+              <a:buChar char="•"/>
+              <a:defRPr sz="2400" kern="1200">
+                <a:solidFill>
+                  <a:schemeClr val="tx1"/>
+                </a:solidFill>
+                <a:latin typeface="+mn-lt"/>
+                <a:ea typeface="+mn-ea"/>
+                <a:cs typeface="+mn-cs"/>
+              </a:defRPr>
+            </a:lvl2pPr>
+            <a:lvl3pPr marL="1143000" indent="-228600" algn="l" defTabSz="914400" rtl="0" eaLnBrk="1" latinLnBrk="0" hangingPunct="1">
+              <a:lnSpc>
+                <a:spcPct val="90000"/>
+              </a:lnSpc>
+              <a:spcBef>
+                <a:spcPts val="500"/>
+              </a:spcBef>
+              <a:buFont typeface="Arial" panose="020B0604020202020204" pitchFamily="34" charset="0"/>
+              <a:buChar char="•"/>
+              <a:defRPr sz="2000" kern="1200">
+                <a:solidFill>
+                  <a:schemeClr val="tx1"/>
+                </a:solidFill>
+                <a:latin typeface="+mn-lt"/>
+                <a:ea typeface="+mn-ea"/>
+                <a:cs typeface="+mn-cs"/>
+              </a:defRPr>
+            </a:lvl3pPr>
+            <a:lvl4pPr marL="1600200" indent="-228600" algn="l" defTabSz="914400" rtl="0" eaLnBrk="1" latinLnBrk="0" hangingPunct="1">
+              <a:lnSpc>
+                <a:spcPct val="90000"/>
+              </a:lnSpc>
+              <a:spcBef>
+                <a:spcPts val="500"/>
+              </a:spcBef>
+              <a:buFont typeface="Arial" panose="020B0604020202020204" pitchFamily="34" charset="0"/>
+              <a:buChar char="•"/>
+              <a:defRPr sz="1800" kern="1200">
+                <a:solidFill>
+                  <a:schemeClr val="tx1"/>
+                </a:solidFill>
+                <a:latin typeface="+mn-lt"/>
+                <a:ea typeface="+mn-ea"/>
+                <a:cs typeface="+mn-cs"/>
+              </a:defRPr>
+            </a:lvl4pPr>
+            <a:lvl5pPr marL="2057400" indent="-228600" algn="l" defTabSz="914400" rtl="0" eaLnBrk="1" latinLnBrk="0" hangingPunct="1">
+              <a:lnSpc>
+                <a:spcPct val="90000"/>
+              </a:lnSpc>
+              <a:spcBef>
+                <a:spcPts val="500"/>
+              </a:spcBef>
+              <a:buFont typeface="Arial" panose="020B0604020202020204" pitchFamily="34" charset="0"/>
+              <a:buChar char="•"/>
+              <a:defRPr sz="1800" kern="1200">
+                <a:solidFill>
+                  <a:schemeClr val="tx1"/>
+                </a:solidFill>
+                <a:latin typeface="+mn-lt"/>
+                <a:ea typeface="+mn-ea"/>
+                <a:cs typeface="+mn-cs"/>
+              </a:defRPr>
+            </a:lvl5pPr>
+            <a:lvl6pPr marL="2514600" indent="-228600" algn="l" defTabSz="914400" rtl="0" eaLnBrk="1" latinLnBrk="0" hangingPunct="1">
+              <a:lnSpc>
+                <a:spcPct val="90000"/>
+              </a:lnSpc>
+              <a:spcBef>
+                <a:spcPts val="500"/>
+              </a:spcBef>
+              <a:buFont typeface="Arial" panose="020B0604020202020204" pitchFamily="34" charset="0"/>
+              <a:buChar char="•"/>
+              <a:defRPr sz="1800" kern="1200">
+                <a:solidFill>
+                  <a:schemeClr val="tx1"/>
+                </a:solidFill>
+                <a:latin typeface="+mn-lt"/>
+                <a:ea typeface="+mn-ea"/>
+                <a:cs typeface="+mn-cs"/>
+              </a:defRPr>
+            </a:lvl6pPr>
+            <a:lvl7pPr marL="2971800" indent="-228600" algn="l" defTabSz="914400" rtl="0" eaLnBrk="1" latinLnBrk="0" hangingPunct="1">
+              <a:lnSpc>
+                <a:spcPct val="90000"/>
+              </a:lnSpc>
+              <a:spcBef>
+                <a:spcPts val="500"/>
+              </a:spcBef>
+              <a:buFont typeface="Arial" panose="020B0604020202020204" pitchFamily="34" charset="0"/>
+              <a:buChar char="•"/>
+              <a:defRPr sz="1800" kern="1200">
+                <a:solidFill>
+                  <a:schemeClr val="tx1"/>
+                </a:solidFill>
+                <a:latin typeface="+mn-lt"/>
+                <a:ea typeface="+mn-ea"/>
+                <a:cs typeface="+mn-cs"/>
+              </a:defRPr>
+            </a:lvl7pPr>
+            <a:lvl8pPr marL="3429000" indent="-228600" algn="l" defTabSz="914400" rtl="0" eaLnBrk="1" latinLnBrk="0" hangingPunct="1">
+              <a:lnSpc>
+                <a:spcPct val="90000"/>
+              </a:lnSpc>
+              <a:spcBef>
+                <a:spcPts val="500"/>
+              </a:spcBef>
+              <a:buFont typeface="Arial" panose="020B0604020202020204" pitchFamily="34" charset="0"/>
+              <a:buChar char="•"/>
+              <a:defRPr sz="1800" kern="1200">
+                <a:solidFill>
+                  <a:schemeClr val="tx1"/>
+                </a:solidFill>
+                <a:latin typeface="+mn-lt"/>
+                <a:ea typeface="+mn-ea"/>
+                <a:cs typeface="+mn-cs"/>
+              </a:defRPr>
+            </a:lvl8pPr>
+            <a:lvl9pPr marL="3886200" indent="-228600" algn="l" defTabSz="914400" rtl="0" eaLnBrk="1" latinLnBrk="0" hangingPunct="1">
+              <a:lnSpc>
+                <a:spcPct val="90000"/>
+              </a:lnSpc>
+              <a:spcBef>
+                <a:spcPts val="500"/>
+              </a:spcBef>
+              <a:buFont typeface="Arial" panose="020B0604020202020204" pitchFamily="34" charset="0"/>
+              <a:buChar char="•"/>
+              <a:defRPr sz="1800" kern="1200">
+                <a:solidFill>
+                  <a:schemeClr val="tx1"/>
+                </a:solidFill>
+                <a:latin typeface="+mn-lt"/>
+                <a:ea typeface="+mn-ea"/>
+                <a:cs typeface="+mn-cs"/>
+              </a:defRPr>
+            </a:lvl9pPr>
+          </a:lstStyle>
+          <a:p>
+            <a:pPr marL="0" indent="0">
+              <a:buFont typeface="Arial" panose="020B0604020202020204" pitchFamily="34" charset="0"/>
+              <a:buNone/>
+            </a:pPr>
+            <a:r>
+              <a:rPr lang="en-US" dirty="0" smtClean="0"/>
+              <a:t> Trung bình = phương sai = lamda</a:t>
+            </a:r>
+          </a:p>
+          <a:p>
+            <a:pPr marL="0" indent="0">
+              <a:buFont typeface="Arial" panose="020B0604020202020204" pitchFamily="34" charset="0"/>
+              <a:buNone/>
+            </a:pPr>
+            <a:endParaRPr lang="en-US" sz="2400" dirty="0" smtClean="0">
+              <a:latin typeface="Times New Roman" panose="02020603050405020304" pitchFamily="18" charset="0"/>
+              <a:cs typeface="Times New Roman" panose="02020603050405020304" pitchFamily="18" charset="0"/>
+            </a:endParaRPr>
+          </a:p>
+        </p:txBody>
+      </p:sp>
+    </p:spTree>
+    <p:extLst>
+      <p:ext uri="{BB962C8B-B14F-4D97-AF65-F5344CB8AC3E}">
+        <p14:creationId xmlns:p14="http://schemas.microsoft.com/office/powerpoint/2010/main" val="3325723251"/>
+      </p:ext>
+    </p:extLst>
+  </p:cSld>
+  <p:clrMapOvr>
+    <a:masterClrMapping/>
+  </p:clrMapOvr>
+  <p:timing>
+    <p:tnLst>
+      <p:par>
+        <p:cTn id="1" dur="indefinite" restart="never" nodeType="tmRoot">
+          <p:childTnLst>
+            <p:seq concurrent="1" nextAc="seek">
+              <p:cTn id="2" dur="indefinite" nodeType="mainSeq">
+                <p:childTnLst>
+                  <p:par>
+                    <p:cTn id="3" fill="hold">
+                      <p:stCondLst>
+                        <p:cond delay="indefinite"/>
+                      </p:stCondLst>
+                      <p:childTnLst>
+                        <p:par>
+                          <p:cTn id="4" fill="hold">
+                            <p:stCondLst>
+                              <p:cond delay="0"/>
+                            </p:stCondLst>
+                            <p:childTnLst>
+                              <p:par>
+                                <p:cTn id="5" presetID="1" presetClass="entr" presetSubtype="0" fill="hold" grpId="0" nodeType="clickEffect">
+                                  <p:stCondLst>
+                                    <p:cond delay="0"/>
+                                  </p:stCondLst>
+                                  <p:childTnLst>
+                                    <p:set>
+                                      <p:cBhvr>
+                                        <p:cTn id="6" dur="1" fill="hold">
+                                          <p:stCondLst>
+                                            <p:cond delay="0"/>
+                                          </p:stCondLst>
+                                        </p:cTn>
+                                        <p:tgtEl>
+                                          <p:spTgt spid="4">
+                                            <p:txEl>
+                                              <p:pRg st="0" end="0"/>
+                                            </p:txEl>
+                                          </p:spTgt>
+                                        </p:tgtEl>
+                                        <p:attrNameLst>
+                                          <p:attrName>style.visibility</p:attrName>
+                                        </p:attrNameLst>
+                                      </p:cBhvr>
+                                      <p:to>
+                                        <p:strVal val="visible"/>
+                                      </p:to>
+                                    </p:set>
+                                  </p:childTnLst>
+                                </p:cTn>
+                              </p:par>
+                            </p:childTnLst>
+                          </p:cTn>
+                        </p:par>
+                      </p:childTnLst>
+                    </p:cTn>
+                  </p:par>
+                  <p:par>
+                    <p:cTn id="7" fill="hold">
+                      <p:stCondLst>
+                        <p:cond delay="indefinite"/>
+                      </p:stCondLst>
+                      <p:childTnLst>
+                        <p:par>
+                          <p:cTn id="8" fill="hold">
+                            <p:stCondLst>
+                              <p:cond delay="0"/>
+                            </p:stCondLst>
+                            <p:childTnLst>
+                              <p:par>
+                                <p:cTn id="9" presetID="1" presetClass="entr" presetSubtype="0" fill="hold" grpId="0" nodeType="clickEffect">
+                                  <p:stCondLst>
+                                    <p:cond delay="0"/>
+                                  </p:stCondLst>
+                                  <p:childTnLst>
+                                    <p:set>
+                                      <p:cBhvr>
+                                        <p:cTn id="10" dur="1" fill="hold">
+                                          <p:stCondLst>
+                                            <p:cond delay="0"/>
+                                          </p:stCondLst>
+                                        </p:cTn>
+                                        <p:tgtEl>
+                                          <p:spTgt spid="8">
+                                            <p:txEl>
+                                              <p:pRg st="0" end="0"/>
+                                            </p:txEl>
+                                          </p:spTgt>
+                                        </p:tgtEl>
+                                        <p:attrNameLst>
+                                          <p:attrName>style.visibility</p:attrName>
+                                        </p:attrNameLst>
+                                      </p:cBhvr>
+                                      <p:to>
+                                        <p:strVal val="visible"/>
+                                      </p:to>
+                                    </p:set>
+                                  </p:childTnLst>
+                                </p:cTn>
+                              </p:par>
+                            </p:childTnLst>
+                          </p:cTn>
+                        </p:par>
+                      </p:childTnLst>
+                    </p:cTn>
+                  </p:par>
+                </p:childTnLst>
+              </p:cTn>
+              <p:prevCondLst>
+                <p:cond evt="onPrev" delay="0">
+                  <p:tgtEl>
+                    <p:sldTgt/>
+                  </p:tgtEl>
+                </p:cond>
+              </p:prevCondLst>
+              <p:nextCondLst>
+                <p:cond evt="onNext" delay="0">
+                  <p:tgtEl>
+                    <p:sldTgt/>
+                  </p:tgtEl>
+                </p:cond>
+              </p:nextCondLst>
+            </p:seq>
+          </p:childTnLst>
+        </p:cTn>
+      </p:par>
+    </p:tnLst>
+    <p:bldLst>
+      <p:bldP spid="4" grpId="0" build="p"/>
+      <p:bldP spid="8" grpId="0" build="p"/>
+    </p:bldLst>
+  </p:timing>
+</p:sld>
+</file>
+
+<file path=ppt/slides/slide22.xml><?xml version="1.0" encoding="utf-8"?>
+<p:sld xmlns:a="http://schemas.openxmlformats.org/drawingml/2006/main" xmlns:r="http://schemas.openxmlformats.org/officeDocument/2006/relationships" xmlns:p="http://schemas.openxmlformats.org/presentationml/2006/main">
+  <p:cSld>
+    <p:spTree>
+      <p:nvGrpSpPr>
+        <p:cNvPr id="1" name=""/>
+        <p:cNvGrpSpPr/>
+        <p:nvPr/>
+      </p:nvGrpSpPr>
+      <p:grpSpPr>
+        <a:xfrm>
+          <a:off x="0" y="0"/>
+          <a:ext cx="0" cy="0"/>
+          <a:chOff x="0" y="0"/>
+          <a:chExt cx="0" cy="0"/>
+        </a:xfrm>
+      </p:grpSpPr>
+    </p:spTree>
+    <p:extLst>
+      <p:ext uri="{BB962C8B-B14F-4D97-AF65-F5344CB8AC3E}">
+        <p14:creationId xmlns:p14="http://schemas.microsoft.com/office/powerpoint/2010/main" val="358163739"/>
       </p:ext>
     </p:extLst>
   </p:cSld>
@@ -4059,18 +7155,12 @@
             </a:pPr>
             <a:r>
               <a:rPr lang="en-US" sz="2400" dirty="0">
-                <a:solidFill>
-                  <a:srgbClr val="FF0000"/>
-                </a:solidFill>
                 <a:latin typeface="Times New Roman" panose="02020603050405020304" pitchFamily="18" charset="0"/>
                 <a:cs typeface="Times New Roman" panose="02020603050405020304" pitchFamily="18" charset="0"/>
               </a:rPr>
               <a:t>bird:       {2:3}</a:t>
             </a:r>
             <a:endParaRPr lang="en-US" sz="2400" dirty="0" smtClean="0">
-              <a:solidFill>
-                <a:srgbClr val="FF0000"/>
-              </a:solidFill>
               <a:latin typeface="Times New Roman" panose="02020603050405020304" pitchFamily="18" charset="0"/>
               <a:cs typeface="Times New Roman" panose="02020603050405020304" pitchFamily="18" charset="0"/>
             </a:endParaRPr>
@@ -4082,9 +7172,6 @@
             </a:pPr>
             <a:r>
               <a:rPr lang="en-US" sz="2400" dirty="0" smtClean="0">
-                <a:solidFill>
-                  <a:srgbClr val="FF0000"/>
-                </a:solidFill>
                 <a:latin typeface="Times New Roman" panose="02020603050405020304" pitchFamily="18" charset="0"/>
                 <a:cs typeface="Times New Roman" panose="02020603050405020304" pitchFamily="18" charset="0"/>
               </a:rPr>
@@ -4098,9 +7185,6 @@
             </a:pPr>
             <a:r>
               <a:rPr lang="en-US" sz="2400" dirty="0" smtClean="0">
-                <a:solidFill>
-                  <a:srgbClr val="FF0000"/>
-                </a:solidFill>
                 <a:latin typeface="Times New Roman" panose="02020603050405020304" pitchFamily="18" charset="0"/>
                 <a:cs typeface="Times New Roman" panose="02020603050405020304" pitchFamily="18" charset="0"/>
               </a:rPr>
@@ -4114,9 +7198,6 @@
             </a:pPr>
             <a:r>
               <a:rPr lang="en-US" sz="2400" dirty="0" smtClean="0">
-                <a:solidFill>
-                  <a:srgbClr val="FF0000"/>
-                </a:solidFill>
                 <a:latin typeface="Times New Roman" panose="02020603050405020304" pitchFamily="18" charset="0"/>
                 <a:cs typeface="Times New Roman" panose="02020603050405020304" pitchFamily="18" charset="0"/>
               </a:rPr>
@@ -4156,9 +7237,6 @@
             </a:pPr>
             <a:r>
               <a:rPr lang="en-US" sz="2400" dirty="0" smtClean="0">
-                <a:solidFill>
-                  <a:srgbClr val="FF0000"/>
-                </a:solidFill>
                 <a:latin typeface="Times New Roman" panose="02020603050405020304" pitchFamily="18" charset="0"/>
                 <a:cs typeface="Times New Roman" panose="02020603050405020304" pitchFamily="18" charset="0"/>
               </a:rPr>
@@ -4172,9 +7250,6 @@
             </a:pPr>
             <a:r>
               <a:rPr lang="en-US" sz="2400" dirty="0" smtClean="0">
-                <a:solidFill>
-                  <a:srgbClr val="FF0000"/>
-                </a:solidFill>
                 <a:latin typeface="Times New Roman" panose="02020603050405020304" pitchFamily="18" charset="0"/>
                 <a:cs typeface="Times New Roman" panose="02020603050405020304" pitchFamily="18" charset="0"/>
               </a:rPr>
@@ -4188,9 +7263,6 @@
             </a:pPr>
             <a:r>
               <a:rPr lang="en-US" sz="2400" dirty="0" smtClean="0">
-                <a:solidFill>
-                  <a:srgbClr val="FF0000"/>
-                </a:solidFill>
                 <a:latin typeface="Times New Roman" panose="02020603050405020304" pitchFamily="18" charset="0"/>
                 <a:cs typeface="Times New Roman" panose="02020603050405020304" pitchFamily="18" charset="0"/>
               </a:rPr>
@@ -4217,9 +7289,6 @@
             </a:pPr>
             <a:r>
               <a:rPr lang="en-US" sz="2400" dirty="0" smtClean="0">
-                <a:solidFill>
-                  <a:srgbClr val="FF0000"/>
-                </a:solidFill>
                 <a:latin typeface="Times New Roman" panose="02020603050405020304" pitchFamily="18" charset="0"/>
                 <a:cs typeface="Times New Roman" panose="02020603050405020304" pitchFamily="18" charset="0"/>
               </a:rPr>
@@ -4865,6 +7934,392 @@
                 <a:cs typeface="Times New Roman" panose="02020603050405020304" pitchFamily="18" charset="0"/>
               </a:rPr>
               <a:t>}</a:t>
+            </a:r>
+          </a:p>
+        </p:txBody>
+      </p:sp>
+      <p:sp>
+        <p:nvSpPr>
+          <p:cNvPr id="8" name="Content Placeholder 2"/>
+          <p:cNvSpPr txBox="1">
+            <a:spLocks/>
+          </p:cNvSpPr>
+          <p:nvPr/>
+        </p:nvSpPr>
+        <p:spPr>
+          <a:xfrm>
+            <a:off x="8102599" y="600085"/>
+            <a:ext cx="3949473" cy="5857473"/>
+          </a:xfrm>
+          <a:prstGeom prst="rect">
+            <a:avLst/>
+          </a:prstGeom>
+        </p:spPr>
+        <p:txBody>
+          <a:bodyPr vert="horz" lIns="91440" tIns="45720" rIns="91440" bIns="45720" rtlCol="0">
+            <a:noAutofit/>
+          </a:bodyPr>
+          <a:lstStyle>
+            <a:lvl1pPr marL="228600" indent="-228600" algn="l" defTabSz="914400" rtl="0" eaLnBrk="1" latinLnBrk="0" hangingPunct="1">
+              <a:lnSpc>
+                <a:spcPct val="90000"/>
+              </a:lnSpc>
+              <a:spcBef>
+                <a:spcPts val="1000"/>
+              </a:spcBef>
+              <a:buFont typeface="Arial" panose="020B0604020202020204" pitchFamily="34" charset="0"/>
+              <a:buChar char="•"/>
+              <a:defRPr sz="2800" kern="1200">
+                <a:solidFill>
+                  <a:schemeClr val="tx1"/>
+                </a:solidFill>
+                <a:latin typeface="+mn-lt"/>
+                <a:ea typeface="+mn-ea"/>
+                <a:cs typeface="+mn-cs"/>
+              </a:defRPr>
+            </a:lvl1pPr>
+            <a:lvl2pPr marL="685800" indent="-228600" algn="l" defTabSz="914400" rtl="0" eaLnBrk="1" latinLnBrk="0" hangingPunct="1">
+              <a:lnSpc>
+                <a:spcPct val="90000"/>
+              </a:lnSpc>
+              <a:spcBef>
+                <a:spcPts val="500"/>
+              </a:spcBef>
+              <a:buFont typeface="Arial" panose="020B0604020202020204" pitchFamily="34" charset="0"/>
+              <a:buChar char="•"/>
+              <a:defRPr sz="2400" kern="1200">
+                <a:solidFill>
+                  <a:schemeClr val="tx1"/>
+                </a:solidFill>
+                <a:latin typeface="+mn-lt"/>
+                <a:ea typeface="+mn-ea"/>
+                <a:cs typeface="+mn-cs"/>
+              </a:defRPr>
+            </a:lvl2pPr>
+            <a:lvl3pPr marL="1143000" indent="-228600" algn="l" defTabSz="914400" rtl="0" eaLnBrk="1" latinLnBrk="0" hangingPunct="1">
+              <a:lnSpc>
+                <a:spcPct val="90000"/>
+              </a:lnSpc>
+              <a:spcBef>
+                <a:spcPts val="500"/>
+              </a:spcBef>
+              <a:buFont typeface="Arial" panose="020B0604020202020204" pitchFamily="34" charset="0"/>
+              <a:buChar char="•"/>
+              <a:defRPr sz="2000" kern="1200">
+                <a:solidFill>
+                  <a:schemeClr val="tx1"/>
+                </a:solidFill>
+                <a:latin typeface="+mn-lt"/>
+                <a:ea typeface="+mn-ea"/>
+                <a:cs typeface="+mn-cs"/>
+              </a:defRPr>
+            </a:lvl3pPr>
+            <a:lvl4pPr marL="1600200" indent="-228600" algn="l" defTabSz="914400" rtl="0" eaLnBrk="1" latinLnBrk="0" hangingPunct="1">
+              <a:lnSpc>
+                <a:spcPct val="90000"/>
+              </a:lnSpc>
+              <a:spcBef>
+                <a:spcPts val="500"/>
+              </a:spcBef>
+              <a:buFont typeface="Arial" panose="020B0604020202020204" pitchFamily="34" charset="0"/>
+              <a:buChar char="•"/>
+              <a:defRPr sz="1800" kern="1200">
+                <a:solidFill>
+                  <a:schemeClr val="tx1"/>
+                </a:solidFill>
+                <a:latin typeface="+mn-lt"/>
+                <a:ea typeface="+mn-ea"/>
+                <a:cs typeface="+mn-cs"/>
+              </a:defRPr>
+            </a:lvl4pPr>
+            <a:lvl5pPr marL="2057400" indent="-228600" algn="l" defTabSz="914400" rtl="0" eaLnBrk="1" latinLnBrk="0" hangingPunct="1">
+              <a:lnSpc>
+                <a:spcPct val="90000"/>
+              </a:lnSpc>
+              <a:spcBef>
+                <a:spcPts val="500"/>
+              </a:spcBef>
+              <a:buFont typeface="Arial" panose="020B0604020202020204" pitchFamily="34" charset="0"/>
+              <a:buChar char="•"/>
+              <a:defRPr sz="1800" kern="1200">
+                <a:solidFill>
+                  <a:schemeClr val="tx1"/>
+                </a:solidFill>
+                <a:latin typeface="+mn-lt"/>
+                <a:ea typeface="+mn-ea"/>
+                <a:cs typeface="+mn-cs"/>
+              </a:defRPr>
+            </a:lvl5pPr>
+            <a:lvl6pPr marL="2514600" indent="-228600" algn="l" defTabSz="914400" rtl="0" eaLnBrk="1" latinLnBrk="0" hangingPunct="1">
+              <a:lnSpc>
+                <a:spcPct val="90000"/>
+              </a:lnSpc>
+              <a:spcBef>
+                <a:spcPts val="500"/>
+              </a:spcBef>
+              <a:buFont typeface="Arial" panose="020B0604020202020204" pitchFamily="34" charset="0"/>
+              <a:buChar char="•"/>
+              <a:defRPr sz="1800" kern="1200">
+                <a:solidFill>
+                  <a:schemeClr val="tx1"/>
+                </a:solidFill>
+                <a:latin typeface="+mn-lt"/>
+                <a:ea typeface="+mn-ea"/>
+                <a:cs typeface="+mn-cs"/>
+              </a:defRPr>
+            </a:lvl6pPr>
+            <a:lvl7pPr marL="2971800" indent="-228600" algn="l" defTabSz="914400" rtl="0" eaLnBrk="1" latinLnBrk="0" hangingPunct="1">
+              <a:lnSpc>
+                <a:spcPct val="90000"/>
+              </a:lnSpc>
+              <a:spcBef>
+                <a:spcPts val="500"/>
+              </a:spcBef>
+              <a:buFont typeface="Arial" panose="020B0604020202020204" pitchFamily="34" charset="0"/>
+              <a:buChar char="•"/>
+              <a:defRPr sz="1800" kern="1200">
+                <a:solidFill>
+                  <a:schemeClr val="tx1"/>
+                </a:solidFill>
+                <a:latin typeface="+mn-lt"/>
+                <a:ea typeface="+mn-ea"/>
+                <a:cs typeface="+mn-cs"/>
+              </a:defRPr>
+            </a:lvl7pPr>
+            <a:lvl8pPr marL="3429000" indent="-228600" algn="l" defTabSz="914400" rtl="0" eaLnBrk="1" latinLnBrk="0" hangingPunct="1">
+              <a:lnSpc>
+                <a:spcPct val="90000"/>
+              </a:lnSpc>
+              <a:spcBef>
+                <a:spcPts val="500"/>
+              </a:spcBef>
+              <a:buFont typeface="Arial" panose="020B0604020202020204" pitchFamily="34" charset="0"/>
+              <a:buChar char="•"/>
+              <a:defRPr sz="1800" kern="1200">
+                <a:solidFill>
+                  <a:schemeClr val="tx1"/>
+                </a:solidFill>
+                <a:latin typeface="+mn-lt"/>
+                <a:ea typeface="+mn-ea"/>
+                <a:cs typeface="+mn-cs"/>
+              </a:defRPr>
+            </a:lvl8pPr>
+            <a:lvl9pPr marL="3886200" indent="-228600" algn="l" defTabSz="914400" rtl="0" eaLnBrk="1" latinLnBrk="0" hangingPunct="1">
+              <a:lnSpc>
+                <a:spcPct val="90000"/>
+              </a:lnSpc>
+              <a:spcBef>
+                <a:spcPts val="500"/>
+              </a:spcBef>
+              <a:buFont typeface="Arial" panose="020B0604020202020204" pitchFamily="34" charset="0"/>
+              <a:buChar char="•"/>
+              <a:defRPr sz="1800" kern="1200">
+                <a:solidFill>
+                  <a:schemeClr val="tx1"/>
+                </a:solidFill>
+                <a:latin typeface="+mn-lt"/>
+                <a:ea typeface="+mn-ea"/>
+                <a:cs typeface="+mn-cs"/>
+              </a:defRPr>
+            </a:lvl9pPr>
+          </a:lstStyle>
+          <a:p>
+            <a:pPr marL="0" indent="0">
+              <a:buNone/>
+            </a:pPr>
+            <a:r>
+              <a:rPr lang="en-US" sz="2400" dirty="0" smtClean="0">
+                <a:latin typeface="Times New Roman" panose="02020603050405020304" pitchFamily="18" charset="0"/>
+                <a:cs typeface="Times New Roman" panose="02020603050405020304" pitchFamily="18" charset="0"/>
+              </a:rPr>
+              <a:t>                     the postings</a:t>
+            </a:r>
+          </a:p>
+          <a:p>
+            <a:pPr marL="457200" indent="-457200">
+              <a:buFont typeface="+mj-lt"/>
+              <a:buAutoNum type="arabicPeriod"/>
+            </a:pPr>
+            <a:r>
+              <a:rPr lang="en-US" sz="2400" dirty="0" smtClean="0">
+                <a:latin typeface="Times New Roman" panose="02020603050405020304" pitchFamily="18" charset="0"/>
+                <a:cs typeface="Times New Roman" panose="02020603050405020304" pitchFamily="18" charset="0"/>
+              </a:rPr>
+              <a:t>a:            {1:1; 2:1}</a:t>
+            </a:r>
+          </a:p>
+          <a:p>
+            <a:pPr marL="457200" indent="-457200">
+              <a:buFont typeface="+mj-lt"/>
+              <a:buAutoNum type="arabicPeriod"/>
+            </a:pPr>
+            <a:r>
+              <a:rPr lang="en-US" sz="2400" dirty="0">
+                <a:solidFill>
+                  <a:srgbClr val="FF0000"/>
+                </a:solidFill>
+                <a:latin typeface="Times New Roman" panose="02020603050405020304" pitchFamily="18" charset="0"/>
+                <a:cs typeface="Times New Roman" panose="02020603050405020304" pitchFamily="18" charset="0"/>
+              </a:rPr>
+              <a:t>bird:       {2:3}</a:t>
+            </a:r>
+            <a:endParaRPr lang="en-US" sz="2400" dirty="0" smtClean="0">
+              <a:solidFill>
+                <a:srgbClr val="FF0000"/>
+              </a:solidFill>
+              <a:latin typeface="Times New Roman" panose="02020603050405020304" pitchFamily="18" charset="0"/>
+              <a:cs typeface="Times New Roman" panose="02020603050405020304" pitchFamily="18" charset="0"/>
+            </a:endParaRPr>
+          </a:p>
+          <a:p>
+            <a:pPr marL="457200" indent="-457200">
+              <a:buFont typeface="+mj-lt"/>
+              <a:buAutoNum type="arabicPeriod"/>
+            </a:pPr>
+            <a:r>
+              <a:rPr lang="en-US" sz="2400" dirty="0" smtClean="0">
+                <a:solidFill>
+                  <a:srgbClr val="FF0000"/>
+                </a:solidFill>
+                <a:latin typeface="Times New Roman" panose="02020603050405020304" pitchFamily="18" charset="0"/>
+                <a:cs typeface="Times New Roman" panose="02020603050405020304" pitchFamily="18" charset="0"/>
+              </a:rPr>
+              <a:t>blue:       {1:2; 2:2; 3:3}</a:t>
+            </a:r>
+          </a:p>
+          <a:p>
+            <a:pPr marL="457200" indent="-457200">
+              <a:buFont typeface="+mj-lt"/>
+              <a:buAutoNum type="arabicPeriod"/>
+            </a:pPr>
+            <a:r>
+              <a:rPr lang="en-US" sz="2400" dirty="0" smtClean="0">
+                <a:solidFill>
+                  <a:srgbClr val="FF0000"/>
+                </a:solidFill>
+                <a:latin typeface="Times New Roman" panose="02020603050405020304" pitchFamily="18" charset="0"/>
+                <a:cs typeface="Times New Roman" panose="02020603050405020304" pitchFamily="18" charset="0"/>
+              </a:rPr>
+              <a:t>dog:        {1:3}</a:t>
+            </a:r>
+          </a:p>
+          <a:p>
+            <a:pPr marL="457200" indent="-457200">
+              <a:buFont typeface="+mj-lt"/>
+              <a:buAutoNum type="arabicPeriod"/>
+            </a:pPr>
+            <a:r>
+              <a:rPr lang="en-US" sz="2400" dirty="0" smtClean="0">
+                <a:solidFill>
+                  <a:srgbClr val="FF0000"/>
+                </a:solidFill>
+                <a:latin typeface="Times New Roman" panose="02020603050405020304" pitchFamily="18" charset="0"/>
+                <a:cs typeface="Times New Roman" panose="02020603050405020304" pitchFamily="18" charset="0"/>
+              </a:rPr>
+              <a:t>flying:     {2:4}</a:t>
+            </a:r>
+          </a:p>
+          <a:p>
+            <a:pPr marL="457200" indent="-457200">
+              <a:buFont typeface="+mj-lt"/>
+              <a:buAutoNum type="arabicPeriod"/>
+            </a:pPr>
+            <a:r>
+              <a:rPr lang="en-US" sz="2400" dirty="0" smtClean="0">
+                <a:latin typeface="Times New Roman" panose="02020603050405020304" pitchFamily="18" charset="0"/>
+                <a:cs typeface="Times New Roman" panose="02020603050405020304" pitchFamily="18" charset="0"/>
+              </a:rPr>
+              <a:t>in:            {2:5}</a:t>
+            </a:r>
+          </a:p>
+          <a:p>
+            <a:pPr marL="457200" indent="-457200">
+              <a:buFont typeface="+mj-lt"/>
+              <a:buAutoNum type="arabicPeriod"/>
+            </a:pPr>
+            <a:r>
+              <a:rPr lang="en-US" sz="2400" dirty="0" smtClean="0">
+                <a:latin typeface="Times New Roman" panose="02020603050405020304" pitchFamily="18" charset="0"/>
+                <a:cs typeface="Times New Roman" panose="02020603050405020304" pitchFamily="18" charset="0"/>
+              </a:rPr>
+              <a:t>on:          {1:5}</a:t>
+            </a:r>
+          </a:p>
+          <a:p>
+            <a:pPr marL="457200" indent="-457200">
+              <a:buFont typeface="+mj-lt"/>
+              <a:buAutoNum type="arabicPeriod"/>
+            </a:pPr>
+            <a:r>
+              <a:rPr lang="en-US" sz="2400" dirty="0" smtClean="0">
+                <a:solidFill>
+                  <a:srgbClr val="FF0000"/>
+                </a:solidFill>
+                <a:latin typeface="Times New Roman" panose="02020603050405020304" pitchFamily="18" charset="0"/>
+                <a:cs typeface="Times New Roman" panose="02020603050405020304" pitchFamily="18" charset="0"/>
+              </a:rPr>
+              <a:t>road:       {1:7}</a:t>
+            </a:r>
+          </a:p>
+          <a:p>
+            <a:pPr marL="457200" indent="-457200">
+              <a:buFont typeface="+mj-lt"/>
+              <a:buAutoNum type="arabicPeriod"/>
+            </a:pPr>
+            <a:r>
+              <a:rPr lang="en-US" sz="2400" dirty="0" smtClean="0">
+                <a:solidFill>
+                  <a:srgbClr val="FF0000"/>
+                </a:solidFill>
+                <a:latin typeface="Times New Roman" panose="02020603050405020304" pitchFamily="18" charset="0"/>
+                <a:cs typeface="Times New Roman" panose="02020603050405020304" pitchFamily="18" charset="0"/>
+              </a:rPr>
+              <a:t>running:  {1:4}</a:t>
+            </a:r>
+          </a:p>
+          <a:p>
+            <a:pPr marL="457200" indent="-457200">
+              <a:buFont typeface="+mj-lt"/>
+              <a:buAutoNum type="arabicPeriod"/>
+            </a:pPr>
+            <a:r>
+              <a:rPr lang="en-US" sz="2400" dirty="0" smtClean="0">
+                <a:solidFill>
+                  <a:srgbClr val="FF0000"/>
+                </a:solidFill>
+                <a:latin typeface="Times New Roman" panose="02020603050405020304" pitchFamily="18" charset="0"/>
+                <a:cs typeface="Times New Roman" panose="02020603050405020304" pitchFamily="18" charset="0"/>
+              </a:rPr>
+              <a:t>sky:         {2:7; 3:4}</a:t>
+            </a:r>
+          </a:p>
+          <a:p>
+            <a:pPr marL="457200" indent="-457200">
+              <a:buFont typeface="+mj-lt"/>
+              <a:buAutoNum type="arabicPeriod"/>
+            </a:pPr>
+            <a:r>
+              <a:rPr lang="en-US" sz="2400" dirty="0" smtClean="0">
+                <a:latin typeface="Times New Roman" panose="02020603050405020304" pitchFamily="18" charset="0"/>
+                <a:cs typeface="Times New Roman" panose="02020603050405020304" pitchFamily="18" charset="0"/>
+              </a:rPr>
+              <a:t>the:        {1:6; 2:6; 3:2}</a:t>
+            </a:r>
+          </a:p>
+          <a:p>
+            <a:pPr marL="457200" indent="-457200">
+              <a:buFont typeface="+mj-lt"/>
+              <a:buAutoNum type="arabicPeriod"/>
+            </a:pPr>
+            <a:r>
+              <a:rPr lang="en-US" sz="2400" dirty="0" smtClean="0">
+                <a:solidFill>
+                  <a:srgbClr val="FF0000"/>
+                </a:solidFill>
+                <a:latin typeface="Times New Roman" panose="02020603050405020304" pitchFamily="18" charset="0"/>
+                <a:cs typeface="Times New Roman" panose="02020603050405020304" pitchFamily="18" charset="0"/>
+              </a:rPr>
+              <a:t>under:    {3:1}</a:t>
             </a:r>
           </a:p>
         </p:txBody>
@@ -5312,6 +8767,51 @@
                       </p:childTnLst>
                     </p:cTn>
                   </p:par>
+                  <p:par>
+                    <p:cTn id="39" fill="hold">
+                      <p:stCondLst>
+                        <p:cond delay="indefinite"/>
+                      </p:stCondLst>
+                      <p:childTnLst>
+                        <p:par>
+                          <p:cTn id="40" fill="hold">
+                            <p:stCondLst>
+                              <p:cond delay="0"/>
+                            </p:stCondLst>
+                            <p:childTnLst>
+                              <p:par>
+                                <p:cTn id="41" presetID="1" presetClass="entr" presetSubtype="0" fill="hold" grpId="0" nodeType="clickEffect">
+                                  <p:stCondLst>
+                                    <p:cond delay="0"/>
+                                  </p:stCondLst>
+                                  <p:childTnLst>
+                                    <p:set>
+                                      <p:cBhvr>
+                                        <p:cTn id="42" dur="1" fill="hold">
+                                          <p:stCondLst>
+                                            <p:cond delay="0"/>
+                                          </p:stCondLst>
+                                        </p:cTn>
+                                        <p:tgtEl>
+                                          <p:spTgt spid="8"/>
+                                        </p:tgtEl>
+                                        <p:attrNameLst>
+                                          <p:attrName>style.visibility</p:attrName>
+                                        </p:attrNameLst>
+                                      </p:cBhvr>
+                                      <p:to>
+                                        <p:strVal val="visible"/>
+                                      </p:to>
+                                    </p:set>
+                                  </p:childTnLst>
+                                </p:cTn>
+                              </p:par>
+                            </p:childTnLst>
+                          </p:cTn>
+                        </p:par>
+                      </p:childTnLst>
+                    </p:cTn>
+                  </p:par>
                 </p:childTnLst>
               </p:cTn>
               <p:prevCondLst>
@@ -5339,6 +8839,7 @@
       <p:bldP spid="5" grpId="0"/>
       <p:bldP spid="6" grpId="0"/>
       <p:bldP spid="7" grpId="0"/>
+      <p:bldP spid="8" grpId="0"/>
     </p:bldLst>
   </p:timing>
 </p:sld>
@@ -7172,6 +10673,415 @@
 </p:sld>
 </file>
 
+<file path=ppt/slides/slide9.xml><?xml version="1.0" encoding="utf-8"?>
+<p:sld xmlns:a="http://schemas.openxmlformats.org/drawingml/2006/main" xmlns:r="http://schemas.openxmlformats.org/officeDocument/2006/relationships" xmlns:p="http://schemas.openxmlformats.org/presentationml/2006/main">
+  <p:cSld>
+    <p:spTree>
+      <p:nvGrpSpPr>
+        <p:cNvPr id="1" name=""/>
+        <p:cNvGrpSpPr/>
+        <p:nvPr/>
+      </p:nvGrpSpPr>
+      <p:grpSpPr>
+        <a:xfrm>
+          <a:off x="0" y="0"/>
+          <a:ext cx="0" cy="0"/>
+          <a:chOff x="0" y="0"/>
+          <a:chExt cx="0" cy="0"/>
+        </a:xfrm>
+      </p:grpSpPr>
+      <p:sp>
+        <p:nvSpPr>
+          <p:cNvPr id="4" name="Title 1"/>
+          <p:cNvSpPr txBox="1">
+            <a:spLocks/>
+          </p:cNvSpPr>
+          <p:nvPr/>
+        </p:nvSpPr>
+        <p:spPr>
+          <a:xfrm>
+            <a:off x="0" y="0"/>
+            <a:ext cx="12192000" cy="1018773"/>
+          </a:xfrm>
+          <a:prstGeom prst="rect">
+            <a:avLst/>
+          </a:prstGeom>
+        </p:spPr>
+        <p:txBody>
+          <a:bodyPr vert="horz" lIns="91440" tIns="45720" rIns="91440" bIns="45720" rtlCol="0" anchor="ctr">
+            <a:normAutofit/>
+          </a:bodyPr>
+          <a:lstStyle>
+            <a:lvl1pPr algn="l" defTabSz="914400" rtl="0" eaLnBrk="1" latinLnBrk="0" hangingPunct="1">
+              <a:lnSpc>
+                <a:spcPct val="90000"/>
+              </a:lnSpc>
+              <a:spcBef>
+                <a:spcPct val="0"/>
+              </a:spcBef>
+              <a:buNone/>
+              <a:defRPr sz="4400" kern="1200">
+                <a:solidFill>
+                  <a:schemeClr val="tx1"/>
+                </a:solidFill>
+                <a:latin typeface="+mj-lt"/>
+                <a:ea typeface="+mj-ea"/>
+                <a:cs typeface="+mj-cs"/>
+              </a:defRPr>
+            </a:lvl1pPr>
+          </a:lstStyle>
+          <a:p>
+            <a:r>
+              <a:rPr lang="en-US" sz="4000" b="1" dirty="0" smtClean="0">
+                <a:solidFill>
+                  <a:srgbClr val="7030A0"/>
+                </a:solidFill>
+                <a:latin typeface="Times New Roman" panose="02020603050405020304" pitchFamily="18" charset="0"/>
+                <a:cs typeface="Times New Roman" panose="02020603050405020304" pitchFamily="18" charset="0"/>
+              </a:rPr>
+              <a:t>Precision and Recall combine Ranking</a:t>
+            </a:r>
+            <a:r>
+              <a:rPr lang="en-US" sz="4000" b="1" dirty="0" smtClean="0">
+                <a:solidFill>
+                  <a:srgbClr val="7030A0"/>
+                </a:solidFill>
+                <a:latin typeface="Times New Roman" panose="02020603050405020304" pitchFamily="18" charset="0"/>
+                <a:cs typeface="Times New Roman" panose="02020603050405020304" pitchFamily="18" charset="0"/>
+              </a:rPr>
+              <a:t>.</a:t>
+            </a:r>
+            <a:endParaRPr lang="en-US" sz="4000" b="1" dirty="0">
+              <a:solidFill>
+                <a:srgbClr val="7030A0"/>
+              </a:solidFill>
+              <a:latin typeface="Times New Roman" panose="02020603050405020304" pitchFamily="18" charset="0"/>
+              <a:cs typeface="Times New Roman" panose="02020603050405020304" pitchFamily="18" charset="0"/>
+            </a:endParaRPr>
+          </a:p>
+        </p:txBody>
+      </p:sp>
+      <p:pic>
+        <p:nvPicPr>
+          <p:cNvPr id="5" name="Picture 4"/>
+          <p:cNvPicPr>
+            <a:picLocks noChangeAspect="1"/>
+          </p:cNvPicPr>
+          <p:nvPr/>
+        </p:nvPicPr>
+        <p:blipFill>
+          <a:blip r:embed="rId2">
+            <a:extLst>
+              <a:ext uri="{28A0092B-C50C-407E-A947-70E740481C1C}">
+                <a14:useLocalDpi xmlns:a14="http://schemas.microsoft.com/office/drawing/2010/main" val="0"/>
+              </a:ext>
+            </a:extLst>
+          </a:blip>
+          <a:stretch>
+            <a:fillRect/>
+          </a:stretch>
+        </p:blipFill>
+        <p:spPr>
+          <a:xfrm>
+            <a:off x="1543050" y="772172"/>
+            <a:ext cx="9105900" cy="5656344"/>
+          </a:xfrm>
+          <a:prstGeom prst="rect">
+            <a:avLst/>
+          </a:prstGeom>
+        </p:spPr>
+      </p:pic>
+      <p:sp>
+        <p:nvSpPr>
+          <p:cNvPr id="6" name="TextBox 5"/>
+          <p:cNvSpPr txBox="1"/>
+          <p:nvPr/>
+        </p:nvSpPr>
+        <p:spPr>
+          <a:xfrm>
+            <a:off x="234950" y="1637513"/>
+            <a:ext cx="4337050" cy="830997"/>
+          </a:xfrm>
+          <a:prstGeom prst="rect">
+            <a:avLst/>
+          </a:prstGeom>
+          <a:noFill/>
+        </p:spPr>
+        <p:txBody>
+          <a:bodyPr wrap="square" rtlCol="0">
+            <a:spAutoFit/>
+          </a:bodyPr>
+          <a:lstStyle/>
+          <a:p>
+            <a:r>
+              <a:rPr lang="en-US" sz="2400" dirty="0" smtClean="0"/>
+              <a:t>(1/6 + 2/7 + 3/8 + 4/9 + 5/10) / 5 = 0.3544</a:t>
+            </a:r>
+            <a:endParaRPr lang="en-US" sz="2400" dirty="0"/>
+          </a:p>
+        </p:txBody>
+      </p:sp>
+      <p:sp>
+        <p:nvSpPr>
+          <p:cNvPr id="7" name="TextBox 6"/>
+          <p:cNvSpPr txBox="1"/>
+          <p:nvPr/>
+        </p:nvSpPr>
+        <p:spPr>
+          <a:xfrm>
+            <a:off x="234950" y="2583277"/>
+            <a:ext cx="4229100" cy="830997"/>
+          </a:xfrm>
+          <a:prstGeom prst="rect">
+            <a:avLst/>
+          </a:prstGeom>
+          <a:noFill/>
+        </p:spPr>
+        <p:txBody>
+          <a:bodyPr wrap="square" rtlCol="0">
+            <a:spAutoFit/>
+          </a:bodyPr>
+          <a:lstStyle/>
+          <a:p>
+            <a:r>
+              <a:rPr lang="en-US" sz="2400" dirty="0" smtClean="0"/>
+              <a:t>(1/2 + 2/3 + 3/6 + 4/7 + 5/8)  / 5 = 0.5726</a:t>
+            </a:r>
+            <a:endParaRPr lang="en-US" sz="2400" dirty="0"/>
+          </a:p>
+        </p:txBody>
+      </p:sp>
+      <p:sp>
+        <p:nvSpPr>
+          <p:cNvPr id="8" name="Content Placeholder 3"/>
+          <p:cNvSpPr>
+            <a:spLocks noGrp="1"/>
+          </p:cNvSpPr>
+          <p:nvPr>
+            <p:ph idx="1"/>
+          </p:nvPr>
+        </p:nvSpPr>
+        <p:spPr>
+          <a:xfrm>
+            <a:off x="10261600" y="1307312"/>
+            <a:ext cx="1320800" cy="4013988"/>
+          </a:xfrm>
+        </p:spPr>
+        <p:txBody>
+          <a:bodyPr>
+            <a:normAutofit/>
+          </a:bodyPr>
+          <a:lstStyle/>
+          <a:p>
+            <a:pPr marL="0" indent="0">
+              <a:buNone/>
+            </a:pPr>
+            <a:r>
+              <a:rPr lang="en-US" sz="1800" dirty="0" smtClean="0">
+                <a:latin typeface="Times New Roman" panose="02020603050405020304" pitchFamily="18" charset="0"/>
+                <a:cs typeface="Times New Roman" panose="02020603050405020304" pitchFamily="18" charset="0"/>
+              </a:rPr>
+              <a:t>0%</a:t>
+            </a:r>
+          </a:p>
+          <a:p>
+            <a:pPr marL="0" indent="0">
+              <a:buNone/>
+            </a:pPr>
+            <a:endParaRPr lang="en-US" sz="1800" dirty="0">
+              <a:latin typeface="Times New Roman" panose="02020603050405020304" pitchFamily="18" charset="0"/>
+              <a:cs typeface="Times New Roman" panose="02020603050405020304" pitchFamily="18" charset="0"/>
+            </a:endParaRPr>
+          </a:p>
+        </p:txBody>
+      </p:sp>
+    </p:spTree>
+    <p:extLst>
+      <p:ext uri="{BB962C8B-B14F-4D97-AF65-F5344CB8AC3E}">
+        <p14:creationId xmlns:p14="http://schemas.microsoft.com/office/powerpoint/2010/main" val="396454844"/>
+      </p:ext>
+    </p:extLst>
+  </p:cSld>
+  <p:clrMapOvr>
+    <a:masterClrMapping/>
+  </p:clrMapOvr>
+  <p:timing>
+    <p:tnLst>
+      <p:par>
+        <p:cTn id="1" dur="indefinite" restart="never" nodeType="tmRoot">
+          <p:childTnLst>
+            <p:seq concurrent="1" nextAc="seek">
+              <p:cTn id="2" dur="indefinite" nodeType="mainSeq">
+                <p:childTnLst>
+                  <p:par>
+                    <p:cTn id="3" fill="hold">
+                      <p:stCondLst>
+                        <p:cond delay="indefinite"/>
+                      </p:stCondLst>
+                      <p:childTnLst>
+                        <p:par>
+                          <p:cTn id="4" fill="hold">
+                            <p:stCondLst>
+                              <p:cond delay="0"/>
+                            </p:stCondLst>
+                            <p:childTnLst>
+                              <p:par>
+                                <p:cTn id="5" presetID="1" presetClass="entr" presetSubtype="0" fill="hold" grpId="0" nodeType="clickEffect">
+                                  <p:stCondLst>
+                                    <p:cond delay="0"/>
+                                  </p:stCondLst>
+                                  <p:childTnLst>
+                                    <p:set>
+                                      <p:cBhvr>
+                                        <p:cTn id="6" dur="1" fill="hold">
+                                          <p:stCondLst>
+                                            <p:cond delay="0"/>
+                                          </p:stCondLst>
+                                        </p:cTn>
+                                        <p:tgtEl>
+                                          <p:spTgt spid="6"/>
+                                        </p:tgtEl>
+                                        <p:attrNameLst>
+                                          <p:attrName>style.visibility</p:attrName>
+                                        </p:attrNameLst>
+                                      </p:cBhvr>
+                                      <p:to>
+                                        <p:strVal val="visible"/>
+                                      </p:to>
+                                    </p:set>
+                                  </p:childTnLst>
+                                </p:cTn>
+                              </p:par>
+                            </p:childTnLst>
+                          </p:cTn>
+                        </p:par>
+                      </p:childTnLst>
+                    </p:cTn>
+                  </p:par>
+                  <p:par>
+                    <p:cTn id="7" fill="hold">
+                      <p:stCondLst>
+                        <p:cond delay="indefinite"/>
+                      </p:stCondLst>
+                      <p:childTnLst>
+                        <p:par>
+                          <p:cTn id="8" fill="hold">
+                            <p:stCondLst>
+                              <p:cond delay="0"/>
+                            </p:stCondLst>
+                            <p:childTnLst>
+                              <p:par>
+                                <p:cTn id="9" presetID="1" presetClass="entr" presetSubtype="0" fill="hold" grpId="0" nodeType="clickEffect">
+                                  <p:stCondLst>
+                                    <p:cond delay="0"/>
+                                  </p:stCondLst>
+                                  <p:childTnLst>
+                                    <p:set>
+                                      <p:cBhvr>
+                                        <p:cTn id="10" dur="1" fill="hold">
+                                          <p:stCondLst>
+                                            <p:cond delay="0"/>
+                                          </p:stCondLst>
+                                        </p:cTn>
+                                        <p:tgtEl>
+                                          <p:spTgt spid="7"/>
+                                        </p:tgtEl>
+                                        <p:attrNameLst>
+                                          <p:attrName>style.visibility</p:attrName>
+                                        </p:attrNameLst>
+                                      </p:cBhvr>
+                                      <p:to>
+                                        <p:strVal val="visible"/>
+                                      </p:to>
+                                    </p:set>
+                                  </p:childTnLst>
+                                </p:cTn>
+                              </p:par>
+                            </p:childTnLst>
+                          </p:cTn>
+                        </p:par>
+                      </p:childTnLst>
+                    </p:cTn>
+                  </p:par>
+                  <p:par>
+                    <p:cTn id="11" fill="hold">
+                      <p:stCondLst>
+                        <p:cond delay="indefinite"/>
+                      </p:stCondLst>
+                      <p:childTnLst>
+                        <p:par>
+                          <p:cTn id="12" fill="hold">
+                            <p:stCondLst>
+                              <p:cond delay="0"/>
+                            </p:stCondLst>
+                            <p:childTnLst>
+                              <p:par>
+                                <p:cTn id="13" presetID="1" presetClass="entr" presetSubtype="0" fill="hold" grpId="0" nodeType="clickEffect">
+                                  <p:stCondLst>
+                                    <p:cond delay="0"/>
+                                  </p:stCondLst>
+                                  <p:childTnLst>
+                                    <p:set>
+                                      <p:cBhvr>
+                                        <p:cTn id="14" dur="1" fill="hold">
+                                          <p:stCondLst>
+                                            <p:cond delay="0"/>
+                                          </p:stCondLst>
+                                        </p:cTn>
+                                        <p:tgtEl>
+                                          <p:spTgt spid="8">
+                                            <p:txEl>
+                                              <p:pRg st="0" end="0"/>
+                                            </p:txEl>
+                                          </p:spTgt>
+                                        </p:tgtEl>
+                                        <p:attrNameLst>
+                                          <p:attrName>style.visibility</p:attrName>
+                                        </p:attrNameLst>
+                                      </p:cBhvr>
+                                      <p:to>
+                                        <p:strVal val="visible"/>
+                                      </p:to>
+                                    </p:set>
+                                  </p:childTnLst>
+                                </p:cTn>
+                              </p:par>
+                            </p:childTnLst>
+                          </p:cTn>
+                        </p:par>
+                      </p:childTnLst>
+                    </p:cTn>
+                  </p:par>
+                </p:childTnLst>
+              </p:cTn>
+              <p:prevCondLst>
+                <p:cond evt="onPrev" delay="0">
+                  <p:tgtEl>
+                    <p:sldTgt/>
+                  </p:tgtEl>
+                </p:cond>
+              </p:prevCondLst>
+              <p:nextCondLst>
+                <p:cond evt="onNext" delay="0">
+                  <p:tgtEl>
+                    <p:sldTgt/>
+                  </p:tgtEl>
+                </p:cond>
+              </p:nextCondLst>
+            </p:seq>
+          </p:childTnLst>
+        </p:cTn>
+      </p:par>
+    </p:tnLst>
+    <p:bldLst>
+      <p:bldP spid="6" grpId="0"/>
+      <p:bldP spid="7" grpId="0"/>
+      <p:bldP spid="8" grpId="0" build="p"/>
+    </p:bldLst>
+  </p:timing>
+</p:sld>
+</file>
+
 <file path=ppt/theme/theme1.xml><?xml version="1.0" encoding="utf-8"?>
 <a:theme xmlns:a="http://schemas.openxmlformats.org/drawingml/2006/main" name="Office Theme">
   <a:themeElements>

--- a/IR/Presentation1.pptx
+++ b/IR/Presentation1.pptx
@@ -23,10 +23,20 @@
     <p:sldId id="274" r:id="rId17"/>
     <p:sldId id="275" r:id="rId18"/>
     <p:sldId id="272" r:id="rId19"/>
-    <p:sldId id="277" r:id="rId20"/>
-    <p:sldId id="278" r:id="rId21"/>
-    <p:sldId id="280" r:id="rId22"/>
-    <p:sldId id="279" r:id="rId23"/>
+    <p:sldId id="278" r:id="rId20"/>
+    <p:sldId id="280" r:id="rId21"/>
+    <p:sldId id="281" r:id="rId22"/>
+    <p:sldId id="282" r:id="rId23"/>
+    <p:sldId id="283" r:id="rId24"/>
+    <p:sldId id="284" r:id="rId25"/>
+    <p:sldId id="286" r:id="rId26"/>
+    <p:sldId id="288" r:id="rId27"/>
+    <p:sldId id="289" r:id="rId28"/>
+    <p:sldId id="290" r:id="rId29"/>
+    <p:sldId id="291" r:id="rId30"/>
+    <p:sldId id="292" r:id="rId31"/>
+    <p:sldId id="293" r:id="rId32"/>
+    <p:sldId id="279" r:id="rId33"/>
   </p:sldIdLst>
   <p:sldSz cx="12192000" cy="6858000"/>
   <p:notesSz cx="6858000" cy="9144000"/>
@@ -3935,7 +3945,7 @@
         </p:blipFill>
         <p:spPr>
           <a:xfrm>
-            <a:off x="291504" y="2668487"/>
+            <a:off x="6129844" y="1018772"/>
             <a:ext cx="5588596" cy="4128986"/>
           </a:xfrm>
           <a:prstGeom prst="rect">
@@ -3965,8 +3975,8 @@
         </p:blipFill>
         <p:spPr>
           <a:xfrm>
-            <a:off x="6185799" y="3088872"/>
-            <a:ext cx="6006202" cy="746528"/>
+            <a:off x="1469282" y="5203561"/>
+            <a:ext cx="8360517" cy="746528"/>
           </a:xfrm>
           <a:prstGeom prst="rect">
             <a:avLst/>
@@ -4023,6 +4033,141 @@
                                         </p:cTn>
                                         <p:tgtEl>
                                           <p:spTgt spid="5"/>
+                                        </p:tgtEl>
+                                        <p:attrNameLst>
+                                          <p:attrName>style.visibility</p:attrName>
+                                        </p:attrNameLst>
+                                      </p:cBhvr>
+                                      <p:to>
+                                        <p:strVal val="visible"/>
+                                      </p:to>
+                                    </p:set>
+                                  </p:childTnLst>
+                                </p:cTn>
+                              </p:par>
+                            </p:childTnLst>
+                          </p:cTn>
+                        </p:par>
+                      </p:childTnLst>
+                    </p:cTn>
+                  </p:par>
+                  <p:par>
+                    <p:cTn id="7" fill="hold">
+                      <p:stCondLst>
+                        <p:cond delay="indefinite"/>
+                      </p:stCondLst>
+                      <p:childTnLst>
+                        <p:par>
+                          <p:cTn id="8" fill="hold">
+                            <p:stCondLst>
+                              <p:cond delay="0"/>
+                            </p:stCondLst>
+                            <p:childTnLst>
+                              <p:par>
+                                <p:cTn id="9" presetID="1" presetClass="entr" presetSubtype="0" fill="hold" nodeType="clickEffect">
+                                  <p:stCondLst>
+                                    <p:cond delay="0"/>
+                                  </p:stCondLst>
+                                  <p:childTnLst>
+                                    <p:set>
+                                      <p:cBhvr>
+                                        <p:cTn id="10" dur="1" fill="hold">
+                                          <p:stCondLst>
+                                            <p:cond delay="0"/>
+                                          </p:stCondLst>
+                                        </p:cTn>
+                                        <p:tgtEl>
+                                          <p:spTgt spid="7"/>
+                                        </p:tgtEl>
+                                        <p:attrNameLst>
+                                          <p:attrName>style.visibility</p:attrName>
+                                        </p:attrNameLst>
+                                      </p:cBhvr>
+                                      <p:to>
+                                        <p:strVal val="visible"/>
+                                      </p:to>
+                                    </p:set>
+                                  </p:childTnLst>
+                                </p:cTn>
+                              </p:par>
+                            </p:childTnLst>
+                          </p:cTn>
+                        </p:par>
+                      </p:childTnLst>
+                    </p:cTn>
+                  </p:par>
+                  <p:par>
+                    <p:cTn id="11" fill="hold">
+                      <p:stCondLst>
+                        <p:cond delay="indefinite"/>
+                      </p:stCondLst>
+                      <p:childTnLst>
+                        <p:par>
+                          <p:cTn id="12" fill="hold">
+                            <p:stCondLst>
+                              <p:cond delay="0"/>
+                            </p:stCondLst>
+                            <p:childTnLst>
+                              <p:par>
+                                <p:cTn id="13" presetID="1" presetClass="entr" presetSubtype="0" fill="hold" nodeType="clickEffect">
+                                  <p:stCondLst>
+                                    <p:cond delay="0"/>
+                                  </p:stCondLst>
+                                  <p:childTnLst>
+                                    <p:set>
+                                      <p:cBhvr>
+                                        <p:cTn id="14" dur="1" fill="hold">
+                                          <p:stCondLst>
+                                            <p:cond delay="0"/>
+                                          </p:stCondLst>
+                                        </p:cTn>
+                                        <p:tgtEl>
+                                          <p:spTgt spid="8"/>
+                                        </p:tgtEl>
+                                        <p:attrNameLst>
+                                          <p:attrName>style.visibility</p:attrName>
+                                        </p:attrNameLst>
+                                      </p:cBhvr>
+                                      <p:to>
+                                        <p:strVal val="visible"/>
+                                      </p:to>
+                                    </p:set>
+                                  </p:childTnLst>
+                                </p:cTn>
+                              </p:par>
+                            </p:childTnLst>
+                          </p:cTn>
+                        </p:par>
+                      </p:childTnLst>
+                    </p:cTn>
+                  </p:par>
+                  <p:par>
+                    <p:cTn id="15" fill="hold">
+                      <p:stCondLst>
+                        <p:cond delay="indefinite"/>
+                      </p:stCondLst>
+                      <p:childTnLst>
+                        <p:par>
+                          <p:cTn id="16" fill="hold">
+                            <p:stCondLst>
+                              <p:cond delay="0"/>
+                            </p:stCondLst>
+                            <p:childTnLst>
+                              <p:par>
+                                <p:cTn id="17" presetID="1" presetClass="entr" presetSubtype="0" fill="hold" nodeType="clickEffect">
+                                  <p:stCondLst>
+                                    <p:cond delay="0"/>
+                                  </p:stCondLst>
+                                  <p:childTnLst>
+                                    <p:set>
+                                      <p:cBhvr>
+                                        <p:cTn id="18" dur="1" fill="hold">
+                                          <p:stCondLst>
+                                            <p:cond delay="0"/>
+                                          </p:stCondLst>
+                                        </p:cTn>
+                                        <p:tgtEl>
+                                          <p:spTgt spid="9"/>
                                         </p:tgtEl>
                                         <p:attrNameLst>
                                           <p:attrName>style.visibility</p:attrName>
@@ -5330,76 +5475,57 @@
       </p:grpSpPr>
       <p:sp>
         <p:nvSpPr>
-          <p:cNvPr id="6" name="Title 1"/>
-          <p:cNvSpPr txBox="1">
-            <a:spLocks/>
+          <p:cNvPr id="4" name="Title 1"/>
+          <p:cNvSpPr>
+            <a:spLocks noGrp="1"/>
           </p:cNvSpPr>
-          <p:nvPr/>
+          <p:nvPr>
+            <p:ph type="title"/>
+          </p:nvPr>
         </p:nvSpPr>
         <p:spPr>
           <a:xfrm>
-            <a:off x="0" y="0"/>
-            <a:ext cx="12192000" cy="1018773"/>
+            <a:off x="838200" y="365125"/>
+            <a:ext cx="10515600" cy="5997575"/>
           </a:xfrm>
-          <a:prstGeom prst="rect">
-            <a:avLst/>
-          </a:prstGeom>
         </p:spPr>
         <p:txBody>
-          <a:bodyPr vert="horz" lIns="91440" tIns="45720" rIns="91440" bIns="45720" rtlCol="0" anchor="ctr">
+          <a:bodyPr>
             <a:normAutofit/>
           </a:bodyPr>
-          <a:lstStyle>
-            <a:lvl1pPr algn="l" defTabSz="914400" rtl="0" eaLnBrk="1" latinLnBrk="0" hangingPunct="1">
-              <a:lnSpc>
-                <a:spcPct val="90000"/>
-              </a:lnSpc>
-              <a:spcBef>
-                <a:spcPct val="0"/>
-              </a:spcBef>
-              <a:buNone/>
-              <a:defRPr sz="4400" kern="1200">
-                <a:solidFill>
-                  <a:schemeClr val="tx1"/>
-                </a:solidFill>
-                <a:latin typeface="+mj-lt"/>
-                <a:ea typeface="+mj-ea"/>
-                <a:cs typeface="+mj-cs"/>
-              </a:defRPr>
-            </a:lvl1pPr>
-          </a:lstStyle>
-          <a:p>
-            <a:r>
-              <a:rPr lang="en-US" sz="4000" b="1" dirty="0" smtClean="0">
+          <a:lstStyle/>
+          <a:p>
+            <a:pPr algn="ctr"/>
+            <a:r>
+              <a:rPr lang="en-US" sz="5500" b="1" dirty="0" smtClean="0">
                 <a:solidFill>
                   <a:srgbClr val="7030A0"/>
                 </a:solidFill>
                 <a:latin typeface="Times New Roman" panose="02020603050405020304" pitchFamily="18" charset="0"/>
                 <a:cs typeface="Times New Roman" panose="02020603050405020304" pitchFamily="18" charset="0"/>
               </a:rPr>
-              <a:t>Term weighting</a:t>
-            </a:r>
-            <a:r>
-              <a:rPr lang="en-US" sz="4000" b="1" dirty="0" smtClean="0">
+              <a:t>Mô hình phân phối term.</a:t>
+            </a:r>
+            <a:br>
+              <a:rPr lang="en-US" sz="5500" b="1" dirty="0" smtClean="0">
                 <a:solidFill>
                   <a:srgbClr val="7030A0"/>
                 </a:solidFill>
                 <a:latin typeface="Times New Roman" panose="02020603050405020304" pitchFamily="18" charset="0"/>
                 <a:cs typeface="Times New Roman" panose="02020603050405020304" pitchFamily="18" charset="0"/>
               </a:rPr>
-              <a:t>. Inverse </a:t>
-            </a:r>
-            <a:r>
-              <a:rPr lang="en-US" sz="4000" b="1" dirty="0" smtClean="0">
+            </a:br>
+            <a:r>
+              <a:rPr lang="en-US" sz="5500" b="1" dirty="0" smtClean="0">
                 <a:solidFill>
                   <a:srgbClr val="7030A0"/>
                 </a:solidFill>
                 <a:latin typeface="Times New Roman" panose="02020603050405020304" pitchFamily="18" charset="0"/>
                 <a:cs typeface="Times New Roman" panose="02020603050405020304" pitchFamily="18" charset="0"/>
               </a:rPr>
-              <a:t>Document Frequency.</a:t>
-            </a:r>
-            <a:endParaRPr lang="en-US" sz="4000" b="1" dirty="0" smtClean="0">
+              <a:t>(Term distribution model)</a:t>
+            </a:r>
+            <a:endParaRPr lang="en-US" sz="5500" b="1" dirty="0">
               <a:solidFill>
                 <a:srgbClr val="7030A0"/>
               </a:solidFill>
@@ -5412,7 +5538,7 @@
     </p:spTree>
     <p:extLst>
       <p:ext uri="{BB962C8B-B14F-4D97-AF65-F5344CB8AC3E}">
-        <p14:creationId xmlns:p14="http://schemas.microsoft.com/office/powerpoint/2010/main" val="3512019681"/>
+        <p14:creationId xmlns:p14="http://schemas.microsoft.com/office/powerpoint/2010/main" val="268541825"/>
       </p:ext>
     </p:extLst>
   </p:cSld>
@@ -5595,105 +5721,6 @@
       </p:grpSpPr>
       <p:sp>
         <p:nvSpPr>
-          <p:cNvPr id="4" name="Title 1"/>
-          <p:cNvSpPr>
-            <a:spLocks noGrp="1"/>
-          </p:cNvSpPr>
-          <p:nvPr>
-            <p:ph type="title"/>
-          </p:nvPr>
-        </p:nvSpPr>
-        <p:spPr>
-          <a:xfrm>
-            <a:off x="838200" y="365125"/>
-            <a:ext cx="10515600" cy="5997575"/>
-          </a:xfrm>
-        </p:spPr>
-        <p:txBody>
-          <a:bodyPr>
-            <a:normAutofit/>
-          </a:bodyPr>
-          <a:lstStyle/>
-          <a:p>
-            <a:pPr algn="ctr"/>
-            <a:r>
-              <a:rPr lang="en-US" sz="5500" b="1" dirty="0" smtClean="0">
-                <a:solidFill>
-                  <a:srgbClr val="7030A0"/>
-                </a:solidFill>
-                <a:latin typeface="Times New Roman" panose="02020603050405020304" pitchFamily="18" charset="0"/>
-                <a:cs typeface="Times New Roman" panose="02020603050405020304" pitchFamily="18" charset="0"/>
-              </a:rPr>
-              <a:t>Mô hình phân phối term.</a:t>
-            </a:r>
-            <a:br>
-              <a:rPr lang="en-US" sz="5500" b="1" dirty="0" smtClean="0">
-                <a:solidFill>
-                  <a:srgbClr val="7030A0"/>
-                </a:solidFill>
-                <a:latin typeface="Times New Roman" panose="02020603050405020304" pitchFamily="18" charset="0"/>
-                <a:cs typeface="Times New Roman" panose="02020603050405020304" pitchFamily="18" charset="0"/>
-              </a:rPr>
-            </a:br>
-            <a:r>
-              <a:rPr lang="en-US" sz="5500" b="1" dirty="0" smtClean="0">
-                <a:solidFill>
-                  <a:srgbClr val="7030A0"/>
-                </a:solidFill>
-                <a:latin typeface="Times New Roman" panose="02020603050405020304" pitchFamily="18" charset="0"/>
-                <a:cs typeface="Times New Roman" panose="02020603050405020304" pitchFamily="18" charset="0"/>
-              </a:rPr>
-              <a:t>(Term distribution model)</a:t>
-            </a:r>
-            <a:endParaRPr lang="en-US" sz="5500" b="1" dirty="0">
-              <a:solidFill>
-                <a:srgbClr val="7030A0"/>
-              </a:solidFill>
-              <a:latin typeface="Times New Roman" panose="02020603050405020304" pitchFamily="18" charset="0"/>
-              <a:cs typeface="Times New Roman" panose="02020603050405020304" pitchFamily="18" charset="0"/>
-            </a:endParaRPr>
-          </a:p>
-        </p:txBody>
-      </p:sp>
-    </p:spTree>
-    <p:extLst>
-      <p:ext uri="{BB962C8B-B14F-4D97-AF65-F5344CB8AC3E}">
-        <p14:creationId xmlns:p14="http://schemas.microsoft.com/office/powerpoint/2010/main" val="268541825"/>
-      </p:ext>
-    </p:extLst>
-  </p:cSld>
-  <p:clrMapOvr>
-    <a:masterClrMapping/>
-  </p:clrMapOvr>
-  <p:timing>
-    <p:tnLst>
-      <p:par>
-        <p:cTn id="1" dur="indefinite" restart="never" nodeType="tmRoot"/>
-      </p:par>
-    </p:tnLst>
-  </p:timing>
-</p:sld>
-</file>
-
-<file path=ppt/slides/slide21.xml><?xml version="1.0" encoding="utf-8"?>
-<p:sld xmlns:a="http://schemas.openxmlformats.org/drawingml/2006/main" xmlns:r="http://schemas.openxmlformats.org/officeDocument/2006/relationships" xmlns:p="http://schemas.openxmlformats.org/presentationml/2006/main">
-  <p:cSld>
-    <p:spTree>
-      <p:nvGrpSpPr>
-        <p:cNvPr id="1" name=""/>
-        <p:cNvGrpSpPr/>
-        <p:nvPr/>
-      </p:nvGrpSpPr>
-      <p:grpSpPr>
-        <a:xfrm>
-          <a:off x="0" y="0"/>
-          <a:ext cx="0" cy="0"/>
-          <a:chOff x="0" y="0"/>
-          <a:chExt cx="0" cy="0"/>
-        </a:xfrm>
-      </p:grpSpPr>
-      <p:sp>
-        <p:nvSpPr>
           <p:cNvPr id="6" name="Title 1"/>
           <p:cNvSpPr txBox="1">
             <a:spLocks/>
@@ -5775,8 +5802,8 @@
         </p:blipFill>
         <p:spPr>
           <a:xfrm>
-            <a:off x="0" y="1018773"/>
-            <a:ext cx="11783270" cy="1178327"/>
+            <a:off x="165100" y="1018773"/>
+            <a:ext cx="11618170" cy="1178327"/>
           </a:xfrm>
           <a:prstGeom prst="rect">
             <a:avLst/>
@@ -6240,6 +6267,259 @@
 </p:sld>
 </file>
 
+<file path=ppt/slides/slide21.xml><?xml version="1.0" encoding="utf-8"?>
+<p:sld xmlns:a="http://schemas.openxmlformats.org/drawingml/2006/main" xmlns:r="http://schemas.openxmlformats.org/officeDocument/2006/relationships" xmlns:p="http://schemas.openxmlformats.org/presentationml/2006/main">
+  <p:cSld>
+    <p:spTree>
+      <p:nvGrpSpPr>
+        <p:cNvPr id="1" name=""/>
+        <p:cNvGrpSpPr/>
+        <p:nvPr/>
+      </p:nvGrpSpPr>
+      <p:grpSpPr>
+        <a:xfrm>
+          <a:off x="0" y="0"/>
+          <a:ext cx="0" cy="0"/>
+          <a:chOff x="0" y="0"/>
+          <a:chExt cx="0" cy="0"/>
+        </a:xfrm>
+      </p:grpSpPr>
+      <p:sp>
+        <p:nvSpPr>
+          <p:cNvPr id="6" name="Title 1"/>
+          <p:cNvSpPr txBox="1">
+            <a:spLocks/>
+          </p:cNvSpPr>
+          <p:nvPr/>
+        </p:nvSpPr>
+        <p:spPr>
+          <a:xfrm>
+            <a:off x="0" y="0"/>
+            <a:ext cx="12192000" cy="1018773"/>
+          </a:xfrm>
+          <a:prstGeom prst="rect">
+            <a:avLst/>
+          </a:prstGeom>
+        </p:spPr>
+        <p:txBody>
+          <a:bodyPr vert="horz" lIns="91440" tIns="45720" rIns="91440" bIns="45720" rtlCol="0" anchor="ctr">
+            <a:normAutofit/>
+          </a:bodyPr>
+          <a:lstStyle>
+            <a:lvl1pPr algn="l" defTabSz="914400" rtl="0" eaLnBrk="1" latinLnBrk="0" hangingPunct="1">
+              <a:lnSpc>
+                <a:spcPct val="90000"/>
+              </a:lnSpc>
+              <a:spcBef>
+                <a:spcPct val="0"/>
+              </a:spcBef>
+              <a:buNone/>
+              <a:defRPr sz="4400" kern="1200">
+                <a:solidFill>
+                  <a:schemeClr val="tx1"/>
+                </a:solidFill>
+                <a:latin typeface="+mj-lt"/>
+                <a:ea typeface="+mj-ea"/>
+                <a:cs typeface="+mj-cs"/>
+              </a:defRPr>
+            </a:lvl1pPr>
+          </a:lstStyle>
+          <a:p>
+            <a:r>
+              <a:rPr lang="en-US" sz="4000" b="1" dirty="0" smtClean="0">
+                <a:solidFill>
+                  <a:srgbClr val="7030A0"/>
+                </a:solidFill>
+                <a:latin typeface="Times New Roman" panose="02020603050405020304" pitchFamily="18" charset="0"/>
+                <a:cs typeface="Times New Roman" panose="02020603050405020304" pitchFamily="18" charset="0"/>
+              </a:rPr>
+              <a:t>The Poisson distribution.</a:t>
+            </a:r>
+            <a:endParaRPr lang="en-US" sz="4000" b="1" dirty="0" smtClean="0">
+              <a:solidFill>
+                <a:srgbClr val="7030A0"/>
+              </a:solidFill>
+              <a:latin typeface="Times New Roman" panose="02020603050405020304" pitchFamily="18" charset="0"/>
+              <a:cs typeface="Times New Roman" panose="02020603050405020304" pitchFamily="18" charset="0"/>
+            </a:endParaRPr>
+          </a:p>
+        </p:txBody>
+      </p:sp>
+      <p:pic>
+        <p:nvPicPr>
+          <p:cNvPr id="9" name="Content Placeholder 8"/>
+          <p:cNvPicPr>
+            <a:picLocks noGrp="1" noChangeAspect="1"/>
+          </p:cNvPicPr>
+          <p:nvPr>
+            <p:ph idx="1"/>
+          </p:nvPr>
+        </p:nvPicPr>
+        <p:blipFill>
+          <a:blip r:embed="rId2">
+            <a:extLst>
+              <a:ext uri="{28A0092B-C50C-407E-A947-70E740481C1C}">
+                <a14:useLocalDpi xmlns:a14="http://schemas.microsoft.com/office/drawing/2010/main" val="0"/>
+              </a:ext>
+            </a:extLst>
+          </a:blip>
+          <a:stretch>
+            <a:fillRect/>
+          </a:stretch>
+        </p:blipFill>
+        <p:spPr>
+          <a:xfrm>
+            <a:off x="0" y="835024"/>
+            <a:ext cx="11798300" cy="5952939"/>
+          </a:xfrm>
+        </p:spPr>
+      </p:pic>
+      <p:sp>
+        <p:nvSpPr>
+          <p:cNvPr id="10" name="TextBox 9"/>
+          <p:cNvSpPr txBox="1"/>
+          <p:nvPr/>
+        </p:nvSpPr>
+        <p:spPr>
+          <a:xfrm>
+            <a:off x="2057400" y="1018773"/>
+            <a:ext cx="1435100" cy="477054"/>
+          </a:xfrm>
+          <a:prstGeom prst="rect">
+            <a:avLst/>
+          </a:prstGeom>
+          <a:noFill/>
+        </p:spPr>
+        <p:txBody>
+          <a:bodyPr wrap="square" rtlCol="0">
+            <a:spAutoFit/>
+          </a:bodyPr>
+          <a:lstStyle/>
+          <a:p>
+            <a:r>
+              <a:rPr lang="en-US" sz="2500" dirty="0" smtClean="0">
+                <a:latin typeface="Times New Roman" panose="02020603050405020304" pitchFamily="18" charset="0"/>
+                <a:cs typeface="Times New Roman" panose="02020603050405020304" pitchFamily="18" charset="0"/>
+              </a:rPr>
+              <a:t>P(k;0.5)</a:t>
+            </a:r>
+          </a:p>
+        </p:txBody>
+      </p:sp>
+      <p:sp>
+        <p:nvSpPr>
+          <p:cNvPr id="11" name="TextBox 10"/>
+          <p:cNvSpPr txBox="1"/>
+          <p:nvPr/>
+        </p:nvSpPr>
+        <p:spPr>
+          <a:xfrm>
+            <a:off x="1790700" y="4663673"/>
+            <a:ext cx="1435100" cy="477054"/>
+          </a:xfrm>
+          <a:prstGeom prst="rect">
+            <a:avLst/>
+          </a:prstGeom>
+          <a:noFill/>
+        </p:spPr>
+        <p:txBody>
+          <a:bodyPr wrap="square" rtlCol="0">
+            <a:spAutoFit/>
+          </a:bodyPr>
+          <a:lstStyle/>
+          <a:p>
+            <a:r>
+              <a:rPr lang="en-US" sz="2500" dirty="0" smtClean="0">
+                <a:latin typeface="Times New Roman" panose="02020603050405020304" pitchFamily="18" charset="0"/>
+                <a:cs typeface="Times New Roman" panose="02020603050405020304" pitchFamily="18" charset="0"/>
+              </a:rPr>
+              <a:t>P(k;2.0)</a:t>
+            </a:r>
+          </a:p>
+        </p:txBody>
+      </p:sp>
+      <p:pic>
+        <p:nvPicPr>
+          <p:cNvPr id="12" name="Picture 11"/>
+          <p:cNvPicPr>
+            <a:picLocks noChangeAspect="1"/>
+          </p:cNvPicPr>
+          <p:nvPr/>
+        </p:nvPicPr>
+        <p:blipFill>
+          <a:blip r:embed="rId3">
+            <a:extLst>
+              <a:ext uri="{28A0092B-C50C-407E-A947-70E740481C1C}">
+                <a14:useLocalDpi xmlns:a14="http://schemas.microsoft.com/office/drawing/2010/main" val="0"/>
+              </a:ext>
+            </a:extLst>
+          </a:blip>
+          <a:stretch>
+            <a:fillRect/>
+          </a:stretch>
+        </p:blipFill>
+        <p:spPr>
+          <a:xfrm>
+            <a:off x="8253412" y="835024"/>
+            <a:ext cx="1953423" cy="511176"/>
+          </a:xfrm>
+          <a:prstGeom prst="rect">
+            <a:avLst/>
+          </a:prstGeom>
+        </p:spPr>
+      </p:pic>
+      <p:sp>
+        <p:nvSpPr>
+          <p:cNvPr id="13" name="TextBox 12"/>
+          <p:cNvSpPr txBox="1"/>
+          <p:nvPr/>
+        </p:nvSpPr>
+        <p:spPr>
+          <a:xfrm>
+            <a:off x="5287962" y="1325943"/>
+            <a:ext cx="5930900" cy="477054"/>
+          </a:xfrm>
+          <a:prstGeom prst="rect">
+            <a:avLst/>
+          </a:prstGeom>
+          <a:noFill/>
+        </p:spPr>
+        <p:txBody>
+          <a:bodyPr wrap="square" rtlCol="0">
+            <a:spAutoFit/>
+          </a:bodyPr>
+          <a:lstStyle/>
+          <a:p>
+            <a:r>
+              <a:rPr lang="en-US" sz="2500" dirty="0" smtClean="0">
+                <a:latin typeface="Times New Roman" panose="02020603050405020304" pitchFamily="18" charset="0"/>
+                <a:cs typeface="Times New Roman" panose="02020603050405020304" pitchFamily="18" charset="0"/>
+              </a:rPr>
+              <a:t>K là số term i xuất hiện trong một document.</a:t>
+            </a:r>
+          </a:p>
+        </p:txBody>
+      </p:sp>
+    </p:spTree>
+    <p:extLst>
+      <p:ext uri="{BB962C8B-B14F-4D97-AF65-F5344CB8AC3E}">
+        <p14:creationId xmlns:p14="http://schemas.microsoft.com/office/powerpoint/2010/main" val="3196538688"/>
+      </p:ext>
+    </p:extLst>
+  </p:cSld>
+  <p:clrMapOvr>
+    <a:masterClrMapping/>
+  </p:clrMapOvr>
+  <p:timing>
+    <p:tnLst>
+      <p:par>
+        <p:cTn id="1" dur="indefinite" restart="never" nodeType="tmRoot"/>
+      </p:par>
+    </p:tnLst>
+  </p:timing>
+</p:sld>
+</file>
+
 <file path=ppt/slides/slide22.xml><?xml version="1.0" encoding="utf-8"?>
 <p:sld xmlns:a="http://schemas.openxmlformats.org/drawingml/2006/main" xmlns:r="http://schemas.openxmlformats.org/officeDocument/2006/relationships" xmlns:p="http://schemas.openxmlformats.org/presentationml/2006/main">
   <p:cSld>
@@ -6257,10 +6537,71 @@
           <a:chExt cx="0" cy="0"/>
         </a:xfrm>
       </p:grpSpPr>
+      <p:sp>
+        <p:nvSpPr>
+          <p:cNvPr id="6" name="Title 1"/>
+          <p:cNvSpPr txBox="1">
+            <a:spLocks/>
+          </p:cNvSpPr>
+          <p:nvPr/>
+        </p:nvSpPr>
+        <p:spPr>
+          <a:xfrm>
+            <a:off x="0" y="0"/>
+            <a:ext cx="12192000" cy="1018773"/>
+          </a:xfrm>
+          <a:prstGeom prst="rect">
+            <a:avLst/>
+          </a:prstGeom>
+        </p:spPr>
+        <p:txBody>
+          <a:bodyPr vert="horz" lIns="91440" tIns="45720" rIns="91440" bIns="45720" rtlCol="0" anchor="ctr">
+            <a:normAutofit/>
+          </a:bodyPr>
+          <a:lstStyle>
+            <a:lvl1pPr algn="l" defTabSz="914400" rtl="0" eaLnBrk="1" latinLnBrk="0" hangingPunct="1">
+              <a:lnSpc>
+                <a:spcPct val="90000"/>
+              </a:lnSpc>
+              <a:spcBef>
+                <a:spcPct val="0"/>
+              </a:spcBef>
+              <a:buNone/>
+              <a:defRPr sz="4400" kern="1200">
+                <a:solidFill>
+                  <a:schemeClr val="tx1"/>
+                </a:solidFill>
+                <a:latin typeface="+mj-lt"/>
+                <a:ea typeface="+mj-ea"/>
+                <a:cs typeface="+mj-cs"/>
+              </a:defRPr>
+            </a:lvl1pPr>
+          </a:lstStyle>
+          <a:p>
+            <a:r>
+              <a:rPr lang="en-US" sz="4000" b="1" dirty="0" smtClean="0">
+                <a:solidFill>
+                  <a:srgbClr val="7030A0"/>
+                </a:solidFill>
+                <a:latin typeface="Times New Roman" panose="02020603050405020304" pitchFamily="18" charset="0"/>
+                <a:cs typeface="Times New Roman" panose="02020603050405020304" pitchFamily="18" charset="0"/>
+              </a:rPr>
+              <a:t>The Poisson distribution.</a:t>
+            </a:r>
+            <a:endParaRPr lang="en-US" sz="4000" b="1" dirty="0" smtClean="0">
+              <a:solidFill>
+                <a:srgbClr val="7030A0"/>
+              </a:solidFill>
+              <a:latin typeface="Times New Roman" panose="02020603050405020304" pitchFamily="18" charset="0"/>
+              <a:cs typeface="Times New Roman" panose="02020603050405020304" pitchFamily="18" charset="0"/>
+            </a:endParaRPr>
+          </a:p>
+        </p:txBody>
+      </p:sp>
     </p:spTree>
     <p:extLst>
       <p:ext uri="{BB962C8B-B14F-4D97-AF65-F5344CB8AC3E}">
-        <p14:creationId xmlns:p14="http://schemas.microsoft.com/office/powerpoint/2010/main" val="358163739"/>
+        <p14:creationId xmlns:p14="http://schemas.microsoft.com/office/powerpoint/2010/main" val="1808304929"/>
       </p:ext>
     </p:extLst>
   </p:cSld>
@@ -6273,6 +6614,2129 @@
         <p:cTn id="1" dur="indefinite" restart="never" nodeType="tmRoot"/>
       </p:par>
     </p:tnLst>
+  </p:timing>
+</p:sld>
+</file>
+
+<file path=ppt/slides/slide23.xml><?xml version="1.0" encoding="utf-8"?>
+<p:sld xmlns:a="http://schemas.openxmlformats.org/drawingml/2006/main" xmlns:r="http://schemas.openxmlformats.org/officeDocument/2006/relationships" xmlns:p="http://schemas.openxmlformats.org/presentationml/2006/main">
+  <p:cSld>
+    <p:spTree>
+      <p:nvGrpSpPr>
+        <p:cNvPr id="1" name=""/>
+        <p:cNvGrpSpPr/>
+        <p:nvPr/>
+      </p:nvGrpSpPr>
+      <p:grpSpPr>
+        <a:xfrm>
+          <a:off x="0" y="0"/>
+          <a:ext cx="0" cy="0"/>
+          <a:chOff x="0" y="0"/>
+          <a:chExt cx="0" cy="0"/>
+        </a:xfrm>
+      </p:grpSpPr>
+      <p:sp>
+        <p:nvSpPr>
+          <p:cNvPr id="6" name="Title 1"/>
+          <p:cNvSpPr txBox="1">
+            <a:spLocks/>
+          </p:cNvSpPr>
+          <p:nvPr/>
+        </p:nvSpPr>
+        <p:spPr>
+          <a:xfrm>
+            <a:off x="0" y="0"/>
+            <a:ext cx="12192000" cy="1018773"/>
+          </a:xfrm>
+          <a:prstGeom prst="rect">
+            <a:avLst/>
+          </a:prstGeom>
+        </p:spPr>
+        <p:txBody>
+          <a:bodyPr vert="horz" lIns="91440" tIns="45720" rIns="91440" bIns="45720" rtlCol="0" anchor="ctr">
+            <a:normAutofit/>
+          </a:bodyPr>
+          <a:lstStyle>
+            <a:lvl1pPr algn="l" defTabSz="914400" rtl="0" eaLnBrk="1" latinLnBrk="0" hangingPunct="1">
+              <a:lnSpc>
+                <a:spcPct val="90000"/>
+              </a:lnSpc>
+              <a:spcBef>
+                <a:spcPct val="0"/>
+              </a:spcBef>
+              <a:buNone/>
+              <a:defRPr sz="4400" kern="1200">
+                <a:solidFill>
+                  <a:schemeClr val="tx1"/>
+                </a:solidFill>
+                <a:latin typeface="+mj-lt"/>
+                <a:ea typeface="+mj-ea"/>
+                <a:cs typeface="+mj-cs"/>
+              </a:defRPr>
+            </a:lvl1pPr>
+          </a:lstStyle>
+          <a:p>
+            <a:r>
+              <a:rPr lang="en-US" sz="4000" b="1" dirty="0" smtClean="0">
+                <a:solidFill>
+                  <a:srgbClr val="7030A0"/>
+                </a:solidFill>
+                <a:latin typeface="Times New Roman" panose="02020603050405020304" pitchFamily="18" charset="0"/>
+                <a:cs typeface="Times New Roman" panose="02020603050405020304" pitchFamily="18" charset="0"/>
+              </a:rPr>
+              <a:t>The two-Poisson model.</a:t>
+            </a:r>
+            <a:endParaRPr lang="en-US" sz="4000" b="1" dirty="0" smtClean="0">
+              <a:solidFill>
+                <a:srgbClr val="7030A0"/>
+              </a:solidFill>
+              <a:latin typeface="Times New Roman" panose="02020603050405020304" pitchFamily="18" charset="0"/>
+              <a:cs typeface="Times New Roman" panose="02020603050405020304" pitchFamily="18" charset="0"/>
+            </a:endParaRPr>
+          </a:p>
+        </p:txBody>
+      </p:sp>
+      <p:pic>
+        <p:nvPicPr>
+          <p:cNvPr id="2" name="Picture 1"/>
+          <p:cNvPicPr>
+            <a:picLocks noChangeAspect="1"/>
+          </p:cNvPicPr>
+          <p:nvPr/>
+        </p:nvPicPr>
+        <p:blipFill>
+          <a:blip r:embed="rId2">
+            <a:extLst>
+              <a:ext uri="{28A0092B-C50C-407E-A947-70E740481C1C}">
+                <a14:useLocalDpi xmlns:a14="http://schemas.microsoft.com/office/drawing/2010/main" val="0"/>
+              </a:ext>
+            </a:extLst>
+          </a:blip>
+          <a:stretch>
+            <a:fillRect/>
+          </a:stretch>
+        </p:blipFill>
+        <p:spPr>
+          <a:xfrm>
+            <a:off x="125412" y="1018772"/>
+            <a:ext cx="11429647" cy="1953027"/>
+          </a:xfrm>
+          <a:prstGeom prst="rect">
+            <a:avLst/>
+          </a:prstGeom>
+        </p:spPr>
+      </p:pic>
+      <p:sp>
+        <p:nvSpPr>
+          <p:cNvPr id="3" name="TextBox 2"/>
+          <p:cNvSpPr txBox="1"/>
+          <p:nvPr/>
+        </p:nvSpPr>
+        <p:spPr>
+          <a:xfrm>
+            <a:off x="914400" y="2971798"/>
+            <a:ext cx="10640658" cy="2677656"/>
+          </a:xfrm>
+          <a:prstGeom prst="rect">
+            <a:avLst/>
+          </a:prstGeom>
+          <a:noFill/>
+        </p:spPr>
+        <p:txBody>
+          <a:bodyPr wrap="square" rtlCol="0">
+            <a:spAutoFit/>
+          </a:bodyPr>
+          <a:lstStyle/>
+          <a:p>
+            <a:r>
+              <a:rPr lang="en-US" sz="2400" dirty="0" smtClean="0">
+                <a:latin typeface="Times New Roman" panose="02020603050405020304" pitchFamily="18" charset="0"/>
+                <a:cs typeface="Times New Roman" panose="02020603050405020304" pitchFamily="18" charset="0"/>
+              </a:rPr>
+              <a:t>2 lớp của các documents liên kết với 1 term: có đặc quyền; không đặc quyền.</a:t>
+            </a:r>
+          </a:p>
+          <a:p>
+            <a:endParaRPr lang="en-US" sz="2400" dirty="0" smtClean="0">
+              <a:latin typeface="Times New Roman" panose="02020603050405020304" pitchFamily="18" charset="0"/>
+              <a:cs typeface="Times New Roman" panose="02020603050405020304" pitchFamily="18" charset="0"/>
+            </a:endParaRPr>
+          </a:p>
+          <a:p>
+            <a:r>
+              <a:rPr lang="en-US" sz="2400" dirty="0" smtClean="0">
+                <a:latin typeface="Times New Roman" panose="02020603050405020304" pitchFamily="18" charset="0"/>
+                <a:cs typeface="Times New Roman" panose="02020603050405020304" pitchFamily="18" charset="0"/>
+              </a:rPr>
+              <a:t>pi      : xác suất document nằm trong lớp đặc quyền.</a:t>
+            </a:r>
+          </a:p>
+          <a:p>
+            <a:r>
+              <a:rPr lang="en-US" sz="2400" dirty="0" smtClean="0">
+                <a:latin typeface="Times New Roman" panose="02020603050405020304" pitchFamily="18" charset="0"/>
+                <a:cs typeface="Times New Roman" panose="02020603050405020304" pitchFamily="18" charset="0"/>
+              </a:rPr>
+              <a:t>1-pi  : xác suất document nằm trong lớp không đặc quyền.</a:t>
+            </a:r>
+          </a:p>
+          <a:p>
+            <a:endParaRPr lang="en-US" sz="2400" dirty="0" smtClean="0">
+              <a:latin typeface="Times New Roman" panose="02020603050405020304" pitchFamily="18" charset="0"/>
+              <a:cs typeface="Times New Roman" panose="02020603050405020304" pitchFamily="18" charset="0"/>
+            </a:endParaRPr>
+          </a:p>
+          <a:p>
+            <a:r>
+              <a:rPr lang="en-US" sz="2400" dirty="0" smtClean="0">
+                <a:latin typeface="Times New Roman" panose="02020603050405020304" pitchFamily="18" charset="0"/>
+                <a:cs typeface="Times New Roman" panose="02020603050405020304" pitchFamily="18" charset="0"/>
+              </a:rPr>
+              <a:t>Lamda1: trung bình số lần xuất hiện của w_i trong lớp đặc quyền.</a:t>
+            </a:r>
+          </a:p>
+          <a:p>
+            <a:r>
+              <a:rPr lang="en-US" sz="2400" dirty="0" smtClean="0">
+                <a:latin typeface="Times New Roman" panose="02020603050405020304" pitchFamily="18" charset="0"/>
+                <a:cs typeface="Times New Roman" panose="02020603050405020304" pitchFamily="18" charset="0"/>
+              </a:rPr>
+              <a:t>Lamda2: </a:t>
+            </a:r>
+            <a:r>
+              <a:rPr lang="en-US" sz="2400" dirty="0">
+                <a:latin typeface="Times New Roman" panose="02020603050405020304" pitchFamily="18" charset="0"/>
+                <a:cs typeface="Times New Roman" panose="02020603050405020304" pitchFamily="18" charset="0"/>
+              </a:rPr>
+              <a:t>trung bình số lần xuất hiện của w_i trong </a:t>
+            </a:r>
+            <a:r>
+              <a:rPr lang="en-US" sz="2400" dirty="0" smtClean="0">
+                <a:latin typeface="Times New Roman" panose="02020603050405020304" pitchFamily="18" charset="0"/>
+                <a:cs typeface="Times New Roman" panose="02020603050405020304" pitchFamily="18" charset="0"/>
+              </a:rPr>
+              <a:t>lớp không </a:t>
+            </a:r>
+            <a:r>
+              <a:rPr lang="en-US" sz="2400" dirty="0">
+                <a:latin typeface="Times New Roman" panose="02020603050405020304" pitchFamily="18" charset="0"/>
+                <a:cs typeface="Times New Roman" panose="02020603050405020304" pitchFamily="18" charset="0"/>
+              </a:rPr>
+              <a:t>đặc quyền.</a:t>
+            </a:r>
+          </a:p>
+        </p:txBody>
+      </p:sp>
+    </p:spTree>
+    <p:extLst>
+      <p:ext uri="{BB962C8B-B14F-4D97-AF65-F5344CB8AC3E}">
+        <p14:creationId xmlns:p14="http://schemas.microsoft.com/office/powerpoint/2010/main" val="527472462"/>
+      </p:ext>
+    </p:extLst>
+  </p:cSld>
+  <p:clrMapOvr>
+    <a:masterClrMapping/>
+  </p:clrMapOvr>
+  <p:timing>
+    <p:tnLst>
+      <p:par>
+        <p:cTn id="1" dur="indefinite" restart="never" nodeType="tmRoot"/>
+      </p:par>
+    </p:tnLst>
+  </p:timing>
+</p:sld>
+</file>
+
+<file path=ppt/slides/slide24.xml><?xml version="1.0" encoding="utf-8"?>
+<p:sld xmlns:a="http://schemas.openxmlformats.org/drawingml/2006/main" xmlns:r="http://schemas.openxmlformats.org/officeDocument/2006/relationships" xmlns:p="http://schemas.openxmlformats.org/presentationml/2006/main">
+  <p:cSld>
+    <p:spTree>
+      <p:nvGrpSpPr>
+        <p:cNvPr id="1" name=""/>
+        <p:cNvGrpSpPr/>
+        <p:nvPr/>
+      </p:nvGrpSpPr>
+      <p:grpSpPr>
+        <a:xfrm>
+          <a:off x="0" y="0"/>
+          <a:ext cx="0" cy="0"/>
+          <a:chOff x="0" y="0"/>
+          <a:chExt cx="0" cy="0"/>
+        </a:xfrm>
+      </p:grpSpPr>
+      <p:sp>
+        <p:nvSpPr>
+          <p:cNvPr id="6" name="Title 1"/>
+          <p:cNvSpPr txBox="1">
+            <a:spLocks/>
+          </p:cNvSpPr>
+          <p:nvPr/>
+        </p:nvSpPr>
+        <p:spPr>
+          <a:xfrm>
+            <a:off x="0" y="0"/>
+            <a:ext cx="12192000" cy="1018773"/>
+          </a:xfrm>
+          <a:prstGeom prst="rect">
+            <a:avLst/>
+          </a:prstGeom>
+        </p:spPr>
+        <p:txBody>
+          <a:bodyPr vert="horz" lIns="91440" tIns="45720" rIns="91440" bIns="45720" rtlCol="0" anchor="ctr">
+            <a:normAutofit/>
+          </a:bodyPr>
+          <a:lstStyle>
+            <a:lvl1pPr algn="l" defTabSz="914400" rtl="0" eaLnBrk="1" latinLnBrk="0" hangingPunct="1">
+              <a:lnSpc>
+                <a:spcPct val="90000"/>
+              </a:lnSpc>
+              <a:spcBef>
+                <a:spcPct val="0"/>
+              </a:spcBef>
+              <a:buNone/>
+              <a:defRPr sz="4400" kern="1200">
+                <a:solidFill>
+                  <a:schemeClr val="tx1"/>
+                </a:solidFill>
+                <a:latin typeface="+mj-lt"/>
+                <a:ea typeface="+mj-ea"/>
+                <a:cs typeface="+mj-cs"/>
+              </a:defRPr>
+            </a:lvl1pPr>
+          </a:lstStyle>
+          <a:p>
+            <a:r>
+              <a:rPr lang="en-US" sz="4000" b="1" dirty="0" smtClean="0">
+                <a:solidFill>
+                  <a:srgbClr val="7030A0"/>
+                </a:solidFill>
+                <a:latin typeface="Times New Roman" panose="02020603050405020304" pitchFamily="18" charset="0"/>
+                <a:cs typeface="Times New Roman" panose="02020603050405020304" pitchFamily="18" charset="0"/>
+              </a:rPr>
+              <a:t>The K mixture.</a:t>
+            </a:r>
+            <a:endParaRPr lang="en-US" sz="4000" b="1" dirty="0" smtClean="0">
+              <a:solidFill>
+                <a:srgbClr val="7030A0"/>
+              </a:solidFill>
+              <a:latin typeface="Times New Roman" panose="02020603050405020304" pitchFamily="18" charset="0"/>
+              <a:cs typeface="Times New Roman" panose="02020603050405020304" pitchFamily="18" charset="0"/>
+            </a:endParaRPr>
+          </a:p>
+        </p:txBody>
+      </p:sp>
+      <p:pic>
+        <p:nvPicPr>
+          <p:cNvPr id="3" name="Picture 2"/>
+          <p:cNvPicPr>
+            <a:picLocks noChangeAspect="1"/>
+          </p:cNvPicPr>
+          <p:nvPr/>
+        </p:nvPicPr>
+        <p:blipFill>
+          <a:blip r:embed="rId2">
+            <a:extLst>
+              <a:ext uri="{28A0092B-C50C-407E-A947-70E740481C1C}">
+                <a14:useLocalDpi xmlns:a14="http://schemas.microsoft.com/office/drawing/2010/main" val="0"/>
+              </a:ext>
+            </a:extLst>
+          </a:blip>
+          <a:stretch>
+            <a:fillRect/>
+          </a:stretch>
+        </p:blipFill>
+        <p:spPr>
+          <a:xfrm>
+            <a:off x="192087" y="1018772"/>
+            <a:ext cx="11606213" cy="2591411"/>
+          </a:xfrm>
+          <a:prstGeom prst="rect">
+            <a:avLst/>
+          </a:prstGeom>
+        </p:spPr>
+      </p:pic>
+      <mc:AlternateContent xmlns:mc="http://schemas.openxmlformats.org/markup-compatibility/2006">
+        <mc:Choice xmlns:a14="http://schemas.microsoft.com/office/drawing/2010/main" Requires="a14">
+          <p:sp>
+            <p:nvSpPr>
+              <p:cNvPr id="4" name="TextBox 3"/>
+              <p:cNvSpPr txBox="1"/>
+              <p:nvPr/>
+            </p:nvSpPr>
+            <p:spPr>
+              <a:xfrm>
+                <a:off x="192087" y="3010019"/>
+                <a:ext cx="9880600" cy="1200329"/>
+              </a:xfrm>
+              <a:prstGeom prst="rect">
+                <a:avLst/>
+              </a:prstGeom>
+              <a:noFill/>
+            </p:spPr>
+            <p:txBody>
+              <a:bodyPr wrap="square" rtlCol="0">
+                <a:spAutoFit/>
+              </a:bodyPr>
+              <a:lstStyle/>
+              <a:p>
+                <a:r>
+                  <a:rPr lang="en-US" sz="2400" dirty="0" smtClean="0">
+                    <a:latin typeface="Times New Roman" panose="02020603050405020304" pitchFamily="18" charset="0"/>
+                    <a:cs typeface="Times New Roman" panose="02020603050405020304" pitchFamily="18" charset="0"/>
+                  </a:rPr>
+                  <a:t>Delta(k,0) = 1 khi k = 0</a:t>
+                </a:r>
+              </a:p>
+              <a:p>
+                <a:r>
+                  <a:rPr lang="en-US" sz="2400" dirty="0" smtClean="0">
+                    <a:latin typeface="Times New Roman" panose="02020603050405020304" pitchFamily="18" charset="0"/>
+                    <a:cs typeface="Times New Roman" panose="02020603050405020304" pitchFamily="18" charset="0"/>
+                  </a:rPr>
+                  <a:t>Delta(k,0) = 0 với mọi k </a:t>
+                </a:r>
+                <a14:m>
+                  <m:oMath xmlns:m="http://schemas.openxmlformats.org/officeDocument/2006/math">
+                    <m:r>
+                      <a:rPr lang="en-US" sz="2400" i="1" smtClean="0">
+                        <a:latin typeface="Cambria Math" panose="02040503050406030204" pitchFamily="18" charset="0"/>
+                        <a:ea typeface="Cambria Math" panose="02040503050406030204" pitchFamily="18" charset="0"/>
+                        <a:cs typeface="Times New Roman" panose="02020603050405020304" pitchFamily="18" charset="0"/>
+                      </a:rPr>
+                      <m:t>≠</m:t>
+                    </m:r>
+                    <m:r>
+                      <a:rPr lang="en-US" sz="2400" b="0" i="1" smtClean="0">
+                        <a:latin typeface="Cambria Math" panose="02040503050406030204" pitchFamily="18" charset="0"/>
+                        <a:ea typeface="Cambria Math" panose="02040503050406030204" pitchFamily="18" charset="0"/>
+                        <a:cs typeface="Times New Roman" panose="02020603050405020304" pitchFamily="18" charset="0"/>
+                      </a:rPr>
+                      <m:t>0</m:t>
+                    </m:r>
+                  </m:oMath>
+                </a14:m>
+                <a:endParaRPr lang="en-US" sz="2400" dirty="0" smtClean="0">
+                  <a:latin typeface="Times New Roman" panose="02020603050405020304" pitchFamily="18" charset="0"/>
+                  <a:cs typeface="Times New Roman" panose="02020603050405020304" pitchFamily="18" charset="0"/>
+                </a:endParaRPr>
+              </a:p>
+              <a:p>
+                <a:r>
+                  <a:rPr lang="en-US" sz="2400" dirty="0" smtClean="0">
+                    <a:latin typeface="Times New Roman" panose="02020603050405020304" pitchFamily="18" charset="0"/>
+                    <a:cs typeface="Times New Roman" panose="02020603050405020304" pitchFamily="18" charset="0"/>
+                  </a:rPr>
+                  <a:t>Alpha, beta </a:t>
+                </a:r>
+                <a:r>
+                  <a:rPr lang="vi-VN" sz="2400" dirty="0">
+                    <a:latin typeface="Times New Roman" panose="02020603050405020304" pitchFamily="18" charset="0"/>
+                    <a:cs typeface="Times New Roman" panose="02020603050405020304" pitchFamily="18" charset="0"/>
+                  </a:rPr>
+                  <a:t>là các tham số có thể phù hợp bằng cách sử dụng </a:t>
+                </a:r>
+                <a:r>
+                  <a:rPr lang="vi-VN" sz="2400" dirty="0" smtClean="0">
+                    <a:latin typeface="Times New Roman" panose="02020603050405020304" pitchFamily="18" charset="0"/>
+                    <a:cs typeface="Times New Roman" panose="02020603050405020304" pitchFamily="18" charset="0"/>
+                  </a:rPr>
+                  <a:t>lamda </a:t>
+                </a:r>
+                <a:r>
+                  <a:rPr lang="vi-VN" sz="2400" dirty="0">
+                    <a:latin typeface="Times New Roman" panose="02020603050405020304" pitchFamily="18" charset="0"/>
+                    <a:cs typeface="Times New Roman" panose="02020603050405020304" pitchFamily="18" charset="0"/>
+                  </a:rPr>
+                  <a:t>và </a:t>
+                </a:r>
+                <a:r>
+                  <a:rPr lang="vi-VN" sz="2400" dirty="0" smtClean="0">
+                    <a:latin typeface="Times New Roman" panose="02020603050405020304" pitchFamily="18" charset="0"/>
+                    <a:cs typeface="Times New Roman" panose="02020603050405020304" pitchFamily="18" charset="0"/>
+                  </a:rPr>
+                  <a:t>IDF</a:t>
+                </a:r>
+                <a:r>
+                  <a:rPr lang="en-US" sz="2400" dirty="0" smtClean="0">
+                    <a:latin typeface="Times New Roman" panose="02020603050405020304" pitchFamily="18" charset="0"/>
+                    <a:cs typeface="Times New Roman" panose="02020603050405020304" pitchFamily="18" charset="0"/>
+                  </a:rPr>
+                  <a:t>:</a:t>
+                </a:r>
+                <a:endParaRPr lang="en-US" sz="2400" dirty="0">
+                  <a:latin typeface="Times New Roman" panose="02020603050405020304" pitchFamily="18" charset="0"/>
+                  <a:cs typeface="Times New Roman" panose="02020603050405020304" pitchFamily="18" charset="0"/>
+                </a:endParaRPr>
+              </a:p>
+            </p:txBody>
+          </p:sp>
+        </mc:Choice>
+        <mc:Fallback>
+          <p:sp>
+            <p:nvSpPr>
+              <p:cNvPr id="4" name="TextBox 3"/>
+              <p:cNvSpPr txBox="1">
+                <a:spLocks noRot="1" noChangeAspect="1" noMove="1" noResize="1" noEditPoints="1" noAdjustHandles="1" noChangeArrowheads="1" noChangeShapeType="1" noTextEdit="1"/>
+              </p:cNvSpPr>
+              <p:nvPr/>
+            </p:nvSpPr>
+            <p:spPr>
+              <a:xfrm>
+                <a:off x="192087" y="3010019"/>
+                <a:ext cx="9880600" cy="1200329"/>
+              </a:xfrm>
+              <a:prstGeom prst="rect">
+                <a:avLst/>
+              </a:prstGeom>
+              <a:blipFill>
+                <a:blip r:embed="rId3"/>
+                <a:stretch>
+                  <a:fillRect l="-988" t="-4061" b="-10660"/>
+                </a:stretch>
+              </a:blipFill>
+            </p:spPr>
+            <p:txBody>
+              <a:bodyPr/>
+              <a:lstStyle/>
+              <a:p>
+                <a:r>
+                  <a:rPr lang="en-US">
+                    <a:noFill/>
+                  </a:rPr>
+                  <a:t> </a:t>
+                </a:r>
+              </a:p>
+            </p:txBody>
+          </p:sp>
+        </mc:Fallback>
+      </mc:AlternateContent>
+      <p:pic>
+        <p:nvPicPr>
+          <p:cNvPr id="7" name="Picture 6"/>
+          <p:cNvPicPr>
+            <a:picLocks noChangeAspect="1"/>
+          </p:cNvPicPr>
+          <p:nvPr/>
+        </p:nvPicPr>
+        <p:blipFill>
+          <a:blip r:embed="rId4">
+            <a:extLst>
+              <a:ext uri="{28A0092B-C50C-407E-A947-70E740481C1C}">
+                <a14:useLocalDpi xmlns:a14="http://schemas.microsoft.com/office/drawing/2010/main" val="0"/>
+              </a:ext>
+            </a:extLst>
+          </a:blip>
+          <a:stretch>
+            <a:fillRect/>
+          </a:stretch>
+        </p:blipFill>
+        <p:spPr>
+          <a:xfrm>
+            <a:off x="192087" y="4289930"/>
+            <a:ext cx="11691611" cy="1374999"/>
+          </a:xfrm>
+          <a:prstGeom prst="rect">
+            <a:avLst/>
+          </a:prstGeom>
+        </p:spPr>
+      </p:pic>
+    </p:spTree>
+    <p:extLst>
+      <p:ext uri="{BB962C8B-B14F-4D97-AF65-F5344CB8AC3E}">
+        <p14:creationId xmlns:p14="http://schemas.microsoft.com/office/powerpoint/2010/main" val="463579781"/>
+      </p:ext>
+    </p:extLst>
+  </p:cSld>
+  <p:clrMapOvr>
+    <a:masterClrMapping/>
+  </p:clrMapOvr>
+  <p:timing>
+    <p:tnLst>
+      <p:par>
+        <p:cTn id="1" dur="indefinite" restart="never" nodeType="tmRoot">
+          <p:childTnLst>
+            <p:seq concurrent="1" nextAc="seek">
+              <p:cTn id="2" dur="indefinite" nodeType="mainSeq">
+                <p:childTnLst>
+                  <p:par>
+                    <p:cTn id="3" fill="hold">
+                      <p:stCondLst>
+                        <p:cond delay="indefinite"/>
+                      </p:stCondLst>
+                      <p:childTnLst>
+                        <p:par>
+                          <p:cTn id="4" fill="hold">
+                            <p:stCondLst>
+                              <p:cond delay="0"/>
+                            </p:stCondLst>
+                            <p:childTnLst>
+                              <p:par>
+                                <p:cTn id="5" presetID="1" presetClass="entr" presetSubtype="0" fill="hold" nodeType="clickEffect">
+                                  <p:stCondLst>
+                                    <p:cond delay="0"/>
+                                  </p:stCondLst>
+                                  <p:childTnLst>
+                                    <p:set>
+                                      <p:cBhvr>
+                                        <p:cTn id="6" dur="1" fill="hold">
+                                          <p:stCondLst>
+                                            <p:cond delay="0"/>
+                                          </p:stCondLst>
+                                        </p:cTn>
+                                        <p:tgtEl>
+                                          <p:spTgt spid="3"/>
+                                        </p:tgtEl>
+                                        <p:attrNameLst>
+                                          <p:attrName>style.visibility</p:attrName>
+                                        </p:attrNameLst>
+                                      </p:cBhvr>
+                                      <p:to>
+                                        <p:strVal val="visible"/>
+                                      </p:to>
+                                    </p:set>
+                                  </p:childTnLst>
+                                </p:cTn>
+                              </p:par>
+                            </p:childTnLst>
+                          </p:cTn>
+                        </p:par>
+                      </p:childTnLst>
+                    </p:cTn>
+                  </p:par>
+                  <p:par>
+                    <p:cTn id="7" fill="hold">
+                      <p:stCondLst>
+                        <p:cond delay="indefinite"/>
+                      </p:stCondLst>
+                      <p:childTnLst>
+                        <p:par>
+                          <p:cTn id="8" fill="hold">
+                            <p:stCondLst>
+                              <p:cond delay="0"/>
+                            </p:stCondLst>
+                            <p:childTnLst>
+                              <p:par>
+                                <p:cTn id="9" presetID="1" presetClass="entr" presetSubtype="0" fill="hold" grpId="0" nodeType="clickEffect">
+                                  <p:stCondLst>
+                                    <p:cond delay="0"/>
+                                  </p:stCondLst>
+                                  <p:childTnLst>
+                                    <p:set>
+                                      <p:cBhvr>
+                                        <p:cTn id="10" dur="1" fill="hold">
+                                          <p:stCondLst>
+                                            <p:cond delay="0"/>
+                                          </p:stCondLst>
+                                        </p:cTn>
+                                        <p:tgtEl>
+                                          <p:spTgt spid="4"/>
+                                        </p:tgtEl>
+                                        <p:attrNameLst>
+                                          <p:attrName>style.visibility</p:attrName>
+                                        </p:attrNameLst>
+                                      </p:cBhvr>
+                                      <p:to>
+                                        <p:strVal val="visible"/>
+                                      </p:to>
+                                    </p:set>
+                                  </p:childTnLst>
+                                </p:cTn>
+                              </p:par>
+                            </p:childTnLst>
+                          </p:cTn>
+                        </p:par>
+                      </p:childTnLst>
+                    </p:cTn>
+                  </p:par>
+                  <p:par>
+                    <p:cTn id="11" fill="hold">
+                      <p:stCondLst>
+                        <p:cond delay="indefinite"/>
+                      </p:stCondLst>
+                      <p:childTnLst>
+                        <p:par>
+                          <p:cTn id="12" fill="hold">
+                            <p:stCondLst>
+                              <p:cond delay="0"/>
+                            </p:stCondLst>
+                            <p:childTnLst>
+                              <p:par>
+                                <p:cTn id="13" presetID="1" presetClass="entr" presetSubtype="0" fill="hold" nodeType="clickEffect">
+                                  <p:stCondLst>
+                                    <p:cond delay="0"/>
+                                  </p:stCondLst>
+                                  <p:childTnLst>
+                                    <p:set>
+                                      <p:cBhvr>
+                                        <p:cTn id="14" dur="1" fill="hold">
+                                          <p:stCondLst>
+                                            <p:cond delay="0"/>
+                                          </p:stCondLst>
+                                        </p:cTn>
+                                        <p:tgtEl>
+                                          <p:spTgt spid="7"/>
+                                        </p:tgtEl>
+                                        <p:attrNameLst>
+                                          <p:attrName>style.visibility</p:attrName>
+                                        </p:attrNameLst>
+                                      </p:cBhvr>
+                                      <p:to>
+                                        <p:strVal val="visible"/>
+                                      </p:to>
+                                    </p:set>
+                                  </p:childTnLst>
+                                </p:cTn>
+                              </p:par>
+                            </p:childTnLst>
+                          </p:cTn>
+                        </p:par>
+                      </p:childTnLst>
+                    </p:cTn>
+                  </p:par>
+                </p:childTnLst>
+              </p:cTn>
+              <p:prevCondLst>
+                <p:cond evt="onPrev" delay="0">
+                  <p:tgtEl>
+                    <p:sldTgt/>
+                  </p:tgtEl>
+                </p:cond>
+              </p:prevCondLst>
+              <p:nextCondLst>
+                <p:cond evt="onNext" delay="0">
+                  <p:tgtEl>
+                    <p:sldTgt/>
+                  </p:tgtEl>
+                </p:cond>
+              </p:nextCondLst>
+            </p:seq>
+          </p:childTnLst>
+        </p:cTn>
+      </p:par>
+    </p:tnLst>
+    <p:bldLst>
+      <p:bldP spid="4" grpId="0"/>
+    </p:bldLst>
+  </p:timing>
+</p:sld>
+</file>
+
+<file path=ppt/slides/slide25.xml><?xml version="1.0" encoding="utf-8"?>
+<p:sld xmlns:a="http://schemas.openxmlformats.org/drawingml/2006/main" xmlns:r="http://schemas.openxmlformats.org/officeDocument/2006/relationships" xmlns:p="http://schemas.openxmlformats.org/presentationml/2006/main">
+  <p:cSld>
+    <p:spTree>
+      <p:nvGrpSpPr>
+        <p:cNvPr id="1" name=""/>
+        <p:cNvGrpSpPr/>
+        <p:nvPr/>
+      </p:nvGrpSpPr>
+      <p:grpSpPr>
+        <a:xfrm>
+          <a:off x="0" y="0"/>
+          <a:ext cx="0" cy="0"/>
+          <a:chOff x="0" y="0"/>
+          <a:chExt cx="0" cy="0"/>
+        </a:xfrm>
+      </p:grpSpPr>
+      <p:sp>
+        <p:nvSpPr>
+          <p:cNvPr id="6" name="Title 1"/>
+          <p:cNvSpPr txBox="1">
+            <a:spLocks/>
+          </p:cNvSpPr>
+          <p:nvPr/>
+        </p:nvSpPr>
+        <p:spPr>
+          <a:xfrm>
+            <a:off x="0" y="0"/>
+            <a:ext cx="12192000" cy="1018773"/>
+          </a:xfrm>
+          <a:prstGeom prst="rect">
+            <a:avLst/>
+          </a:prstGeom>
+        </p:spPr>
+        <p:txBody>
+          <a:bodyPr vert="horz" lIns="91440" tIns="45720" rIns="91440" bIns="45720" rtlCol="0" anchor="ctr">
+            <a:normAutofit/>
+          </a:bodyPr>
+          <a:lstStyle>
+            <a:lvl1pPr algn="l" defTabSz="914400" rtl="0" eaLnBrk="1" latinLnBrk="0" hangingPunct="1">
+              <a:lnSpc>
+                <a:spcPct val="90000"/>
+              </a:lnSpc>
+              <a:spcBef>
+                <a:spcPct val="0"/>
+              </a:spcBef>
+              <a:buNone/>
+              <a:defRPr sz="4400" kern="1200">
+                <a:solidFill>
+                  <a:schemeClr val="tx1"/>
+                </a:solidFill>
+                <a:latin typeface="+mj-lt"/>
+                <a:ea typeface="+mj-ea"/>
+                <a:cs typeface="+mj-cs"/>
+              </a:defRPr>
+            </a:lvl1pPr>
+          </a:lstStyle>
+          <a:p>
+            <a:r>
+              <a:rPr lang="en-US" sz="4000" b="1" dirty="0">
+                <a:solidFill>
+                  <a:srgbClr val="7030A0"/>
+                </a:solidFill>
+                <a:latin typeface="Times New Roman" panose="02020603050405020304" pitchFamily="18" charset="0"/>
+                <a:cs typeface="Times New Roman" panose="02020603050405020304" pitchFamily="18" charset="0"/>
+              </a:rPr>
+              <a:t>Residual inverse document frequency.</a:t>
+            </a:r>
+            <a:endParaRPr lang="en-US" sz="4000" b="1" dirty="0" smtClean="0">
+              <a:solidFill>
+                <a:srgbClr val="7030A0"/>
+              </a:solidFill>
+              <a:latin typeface="Times New Roman" panose="02020603050405020304" pitchFamily="18" charset="0"/>
+              <a:cs typeface="Times New Roman" panose="02020603050405020304" pitchFamily="18" charset="0"/>
+            </a:endParaRPr>
+          </a:p>
+        </p:txBody>
+      </p:sp>
+      <p:pic>
+        <p:nvPicPr>
+          <p:cNvPr id="2" name="Picture 1"/>
+          <p:cNvPicPr>
+            <a:picLocks noChangeAspect="1"/>
+          </p:cNvPicPr>
+          <p:nvPr/>
+        </p:nvPicPr>
+        <p:blipFill>
+          <a:blip r:embed="rId2">
+            <a:extLst>
+              <a:ext uri="{28A0092B-C50C-407E-A947-70E740481C1C}">
+                <a14:useLocalDpi xmlns:a14="http://schemas.microsoft.com/office/drawing/2010/main" val="0"/>
+              </a:ext>
+            </a:extLst>
+          </a:blip>
+          <a:stretch>
+            <a:fillRect/>
+          </a:stretch>
+        </p:blipFill>
+        <p:spPr>
+          <a:xfrm>
+            <a:off x="123825" y="1018773"/>
+            <a:ext cx="11761910" cy="1406927"/>
+          </a:xfrm>
+          <a:prstGeom prst="rect">
+            <a:avLst/>
+          </a:prstGeom>
+        </p:spPr>
+      </p:pic>
+      <p:pic>
+        <p:nvPicPr>
+          <p:cNvPr id="3" name="Picture 2"/>
+          <p:cNvPicPr>
+            <a:picLocks noChangeAspect="1"/>
+          </p:cNvPicPr>
+          <p:nvPr/>
+        </p:nvPicPr>
+        <p:blipFill>
+          <a:blip r:embed="rId3">
+            <a:extLst>
+              <a:ext uri="{28A0092B-C50C-407E-A947-70E740481C1C}">
+                <a14:useLocalDpi xmlns:a14="http://schemas.microsoft.com/office/drawing/2010/main" val="0"/>
+              </a:ext>
+            </a:extLst>
+          </a:blip>
+          <a:stretch>
+            <a:fillRect/>
+          </a:stretch>
+        </p:blipFill>
+        <p:spPr>
+          <a:xfrm>
+            <a:off x="2371725" y="2667000"/>
+            <a:ext cx="2698855" cy="1018773"/>
+          </a:xfrm>
+          <a:prstGeom prst="rect">
+            <a:avLst/>
+          </a:prstGeom>
+        </p:spPr>
+      </p:pic>
+      <p:sp>
+        <p:nvSpPr>
+          <p:cNvPr id="5" name="TextBox 4"/>
+          <p:cNvSpPr txBox="1"/>
+          <p:nvPr/>
+        </p:nvSpPr>
+        <p:spPr>
+          <a:xfrm>
+            <a:off x="2476500" y="4013200"/>
+            <a:ext cx="3136900" cy="830997"/>
+          </a:xfrm>
+          <a:prstGeom prst="rect">
+            <a:avLst/>
+          </a:prstGeom>
+          <a:noFill/>
+        </p:spPr>
+        <p:txBody>
+          <a:bodyPr wrap="square" rtlCol="0">
+            <a:spAutoFit/>
+          </a:bodyPr>
+          <a:lstStyle/>
+          <a:p>
+            <a:r>
+              <a:rPr lang="en-US" sz="2400" dirty="0" smtClean="0">
+                <a:latin typeface="Times New Roman" panose="02020603050405020304" pitchFamily="18" charset="0"/>
+                <a:cs typeface="Times New Roman" panose="02020603050405020304" pitchFamily="18" charset="0"/>
+              </a:rPr>
+              <a:t>P là phân phối Poisson, lamda = cf_i / N</a:t>
+            </a:r>
+            <a:endParaRPr lang="en-US" sz="2400" dirty="0">
+              <a:latin typeface="Times New Roman" panose="02020603050405020304" pitchFamily="18" charset="0"/>
+              <a:cs typeface="Times New Roman" panose="02020603050405020304" pitchFamily="18" charset="0"/>
+            </a:endParaRPr>
+          </a:p>
+        </p:txBody>
+      </p:sp>
+      <p:pic>
+        <p:nvPicPr>
+          <p:cNvPr id="7" name="Picture 6"/>
+          <p:cNvPicPr>
+            <a:picLocks noChangeAspect="1"/>
+          </p:cNvPicPr>
+          <p:nvPr/>
+        </p:nvPicPr>
+        <p:blipFill>
+          <a:blip r:embed="rId4">
+            <a:extLst>
+              <a:ext uri="{28A0092B-C50C-407E-A947-70E740481C1C}">
+                <a14:useLocalDpi xmlns:a14="http://schemas.microsoft.com/office/drawing/2010/main" val="0"/>
+              </a:ext>
+            </a:extLst>
+          </a:blip>
+          <a:stretch>
+            <a:fillRect/>
+          </a:stretch>
+        </p:blipFill>
+        <p:spPr>
+          <a:xfrm>
+            <a:off x="2371725" y="5171624"/>
+            <a:ext cx="2949821" cy="871538"/>
+          </a:xfrm>
+          <a:prstGeom prst="rect">
+            <a:avLst/>
+          </a:prstGeom>
+        </p:spPr>
+      </p:pic>
+      <p:sp>
+        <p:nvSpPr>
+          <p:cNvPr id="8" name="TextBox 7"/>
+          <p:cNvSpPr txBox="1"/>
+          <p:nvPr/>
+        </p:nvSpPr>
+        <p:spPr>
+          <a:xfrm>
+            <a:off x="5321546" y="5164966"/>
+            <a:ext cx="5038479" cy="830997"/>
+          </a:xfrm>
+          <a:prstGeom prst="rect">
+            <a:avLst/>
+          </a:prstGeom>
+          <a:noFill/>
+        </p:spPr>
+        <p:txBody>
+          <a:bodyPr wrap="square" rtlCol="0">
+            <a:spAutoFit/>
+          </a:bodyPr>
+          <a:lstStyle/>
+          <a:p>
+            <a:r>
+              <a:rPr lang="en-US" sz="2400" dirty="0" smtClean="0">
+                <a:latin typeface="Times New Roman" panose="02020603050405020304" pitchFamily="18" charset="0"/>
+                <a:cs typeface="Times New Roman" panose="02020603050405020304" pitchFamily="18" charset="0"/>
+              </a:rPr>
+              <a:t>Là xác suất Poisson của một document có chứa ít nhất một w_i</a:t>
+            </a:r>
+            <a:endParaRPr lang="en-US" sz="2400" dirty="0">
+              <a:latin typeface="Times New Roman" panose="02020603050405020304" pitchFamily="18" charset="0"/>
+              <a:cs typeface="Times New Roman" panose="02020603050405020304" pitchFamily="18" charset="0"/>
+            </a:endParaRPr>
+          </a:p>
+        </p:txBody>
+      </p:sp>
+    </p:spTree>
+    <p:extLst>
+      <p:ext uri="{BB962C8B-B14F-4D97-AF65-F5344CB8AC3E}">
+        <p14:creationId xmlns:p14="http://schemas.microsoft.com/office/powerpoint/2010/main" val="2799510045"/>
+      </p:ext>
+    </p:extLst>
+  </p:cSld>
+  <p:clrMapOvr>
+    <a:masterClrMapping/>
+  </p:clrMapOvr>
+  <p:timing>
+    <p:tnLst>
+      <p:par>
+        <p:cTn id="1" dur="indefinite" restart="never" nodeType="tmRoot">
+          <p:childTnLst>
+            <p:seq concurrent="1" nextAc="seek">
+              <p:cTn id="2" dur="indefinite" nodeType="mainSeq">
+                <p:childTnLst>
+                  <p:par>
+                    <p:cTn id="3" fill="hold">
+                      <p:stCondLst>
+                        <p:cond delay="indefinite"/>
+                      </p:stCondLst>
+                      <p:childTnLst>
+                        <p:par>
+                          <p:cTn id="4" fill="hold">
+                            <p:stCondLst>
+                              <p:cond delay="0"/>
+                            </p:stCondLst>
+                            <p:childTnLst>
+                              <p:par>
+                                <p:cTn id="5" presetID="1" presetClass="entr" presetSubtype="0" fill="hold" nodeType="clickEffect">
+                                  <p:stCondLst>
+                                    <p:cond delay="0"/>
+                                  </p:stCondLst>
+                                  <p:childTnLst>
+                                    <p:set>
+                                      <p:cBhvr>
+                                        <p:cTn id="6" dur="1" fill="hold">
+                                          <p:stCondLst>
+                                            <p:cond delay="0"/>
+                                          </p:stCondLst>
+                                        </p:cTn>
+                                        <p:tgtEl>
+                                          <p:spTgt spid="2"/>
+                                        </p:tgtEl>
+                                        <p:attrNameLst>
+                                          <p:attrName>style.visibility</p:attrName>
+                                        </p:attrNameLst>
+                                      </p:cBhvr>
+                                      <p:to>
+                                        <p:strVal val="visible"/>
+                                      </p:to>
+                                    </p:set>
+                                  </p:childTnLst>
+                                </p:cTn>
+                              </p:par>
+                            </p:childTnLst>
+                          </p:cTn>
+                        </p:par>
+                      </p:childTnLst>
+                    </p:cTn>
+                  </p:par>
+                  <p:par>
+                    <p:cTn id="7" fill="hold">
+                      <p:stCondLst>
+                        <p:cond delay="indefinite"/>
+                      </p:stCondLst>
+                      <p:childTnLst>
+                        <p:par>
+                          <p:cTn id="8" fill="hold">
+                            <p:stCondLst>
+                              <p:cond delay="0"/>
+                            </p:stCondLst>
+                            <p:childTnLst>
+                              <p:par>
+                                <p:cTn id="9" presetID="1" presetClass="entr" presetSubtype="0" fill="hold" nodeType="clickEffect">
+                                  <p:stCondLst>
+                                    <p:cond delay="0"/>
+                                  </p:stCondLst>
+                                  <p:childTnLst>
+                                    <p:set>
+                                      <p:cBhvr>
+                                        <p:cTn id="10" dur="1" fill="hold">
+                                          <p:stCondLst>
+                                            <p:cond delay="0"/>
+                                          </p:stCondLst>
+                                        </p:cTn>
+                                        <p:tgtEl>
+                                          <p:spTgt spid="3"/>
+                                        </p:tgtEl>
+                                        <p:attrNameLst>
+                                          <p:attrName>style.visibility</p:attrName>
+                                        </p:attrNameLst>
+                                      </p:cBhvr>
+                                      <p:to>
+                                        <p:strVal val="visible"/>
+                                      </p:to>
+                                    </p:set>
+                                  </p:childTnLst>
+                                </p:cTn>
+                              </p:par>
+                            </p:childTnLst>
+                          </p:cTn>
+                        </p:par>
+                      </p:childTnLst>
+                    </p:cTn>
+                  </p:par>
+                  <p:par>
+                    <p:cTn id="11" fill="hold">
+                      <p:stCondLst>
+                        <p:cond delay="indefinite"/>
+                      </p:stCondLst>
+                      <p:childTnLst>
+                        <p:par>
+                          <p:cTn id="12" fill="hold">
+                            <p:stCondLst>
+                              <p:cond delay="0"/>
+                            </p:stCondLst>
+                            <p:childTnLst>
+                              <p:par>
+                                <p:cTn id="13" presetID="1" presetClass="entr" presetSubtype="0" fill="hold" grpId="0" nodeType="clickEffect">
+                                  <p:stCondLst>
+                                    <p:cond delay="0"/>
+                                  </p:stCondLst>
+                                  <p:childTnLst>
+                                    <p:set>
+                                      <p:cBhvr>
+                                        <p:cTn id="14" dur="1" fill="hold">
+                                          <p:stCondLst>
+                                            <p:cond delay="0"/>
+                                          </p:stCondLst>
+                                        </p:cTn>
+                                        <p:tgtEl>
+                                          <p:spTgt spid="5"/>
+                                        </p:tgtEl>
+                                        <p:attrNameLst>
+                                          <p:attrName>style.visibility</p:attrName>
+                                        </p:attrNameLst>
+                                      </p:cBhvr>
+                                      <p:to>
+                                        <p:strVal val="visible"/>
+                                      </p:to>
+                                    </p:set>
+                                  </p:childTnLst>
+                                </p:cTn>
+                              </p:par>
+                            </p:childTnLst>
+                          </p:cTn>
+                        </p:par>
+                      </p:childTnLst>
+                    </p:cTn>
+                  </p:par>
+                  <p:par>
+                    <p:cTn id="15" fill="hold">
+                      <p:stCondLst>
+                        <p:cond delay="indefinite"/>
+                      </p:stCondLst>
+                      <p:childTnLst>
+                        <p:par>
+                          <p:cTn id="16" fill="hold">
+                            <p:stCondLst>
+                              <p:cond delay="0"/>
+                            </p:stCondLst>
+                            <p:childTnLst>
+                              <p:par>
+                                <p:cTn id="17" presetID="1" presetClass="entr" presetSubtype="0" fill="hold" nodeType="clickEffect">
+                                  <p:stCondLst>
+                                    <p:cond delay="0"/>
+                                  </p:stCondLst>
+                                  <p:childTnLst>
+                                    <p:set>
+                                      <p:cBhvr>
+                                        <p:cTn id="18" dur="1" fill="hold">
+                                          <p:stCondLst>
+                                            <p:cond delay="0"/>
+                                          </p:stCondLst>
+                                        </p:cTn>
+                                        <p:tgtEl>
+                                          <p:spTgt spid="7"/>
+                                        </p:tgtEl>
+                                        <p:attrNameLst>
+                                          <p:attrName>style.visibility</p:attrName>
+                                        </p:attrNameLst>
+                                      </p:cBhvr>
+                                      <p:to>
+                                        <p:strVal val="visible"/>
+                                      </p:to>
+                                    </p:set>
+                                  </p:childTnLst>
+                                </p:cTn>
+                              </p:par>
+                            </p:childTnLst>
+                          </p:cTn>
+                        </p:par>
+                      </p:childTnLst>
+                    </p:cTn>
+                  </p:par>
+                  <p:par>
+                    <p:cTn id="19" fill="hold">
+                      <p:stCondLst>
+                        <p:cond delay="indefinite"/>
+                      </p:stCondLst>
+                      <p:childTnLst>
+                        <p:par>
+                          <p:cTn id="20" fill="hold">
+                            <p:stCondLst>
+                              <p:cond delay="0"/>
+                            </p:stCondLst>
+                            <p:childTnLst>
+                              <p:par>
+                                <p:cTn id="21" presetID="1" presetClass="entr" presetSubtype="0" fill="hold" grpId="0" nodeType="clickEffect">
+                                  <p:stCondLst>
+                                    <p:cond delay="0"/>
+                                  </p:stCondLst>
+                                  <p:childTnLst>
+                                    <p:set>
+                                      <p:cBhvr>
+                                        <p:cTn id="22" dur="1" fill="hold">
+                                          <p:stCondLst>
+                                            <p:cond delay="0"/>
+                                          </p:stCondLst>
+                                        </p:cTn>
+                                        <p:tgtEl>
+                                          <p:spTgt spid="8"/>
+                                        </p:tgtEl>
+                                        <p:attrNameLst>
+                                          <p:attrName>style.visibility</p:attrName>
+                                        </p:attrNameLst>
+                                      </p:cBhvr>
+                                      <p:to>
+                                        <p:strVal val="visible"/>
+                                      </p:to>
+                                    </p:set>
+                                  </p:childTnLst>
+                                </p:cTn>
+                              </p:par>
+                            </p:childTnLst>
+                          </p:cTn>
+                        </p:par>
+                      </p:childTnLst>
+                    </p:cTn>
+                  </p:par>
+                </p:childTnLst>
+              </p:cTn>
+              <p:prevCondLst>
+                <p:cond evt="onPrev" delay="0">
+                  <p:tgtEl>
+                    <p:sldTgt/>
+                  </p:tgtEl>
+                </p:cond>
+              </p:prevCondLst>
+              <p:nextCondLst>
+                <p:cond evt="onNext" delay="0">
+                  <p:tgtEl>
+                    <p:sldTgt/>
+                  </p:tgtEl>
+                </p:cond>
+              </p:nextCondLst>
+            </p:seq>
+          </p:childTnLst>
+        </p:cTn>
+      </p:par>
+    </p:tnLst>
+    <p:bldLst>
+      <p:bldP spid="5" grpId="0"/>
+      <p:bldP spid="8" grpId="0"/>
+    </p:bldLst>
+  </p:timing>
+</p:sld>
+</file>
+
+<file path=ppt/slides/slide26.xml><?xml version="1.0" encoding="utf-8"?>
+<p:sld xmlns:a="http://schemas.openxmlformats.org/drawingml/2006/main" xmlns:r="http://schemas.openxmlformats.org/officeDocument/2006/relationships" xmlns:p="http://schemas.openxmlformats.org/presentationml/2006/main">
+  <p:cSld>
+    <p:spTree>
+      <p:nvGrpSpPr>
+        <p:cNvPr id="1" name=""/>
+        <p:cNvGrpSpPr/>
+        <p:nvPr/>
+      </p:nvGrpSpPr>
+      <p:grpSpPr>
+        <a:xfrm>
+          <a:off x="0" y="0"/>
+          <a:ext cx="0" cy="0"/>
+          <a:chOff x="0" y="0"/>
+          <a:chExt cx="0" cy="0"/>
+        </a:xfrm>
+      </p:grpSpPr>
+      <p:sp>
+        <p:nvSpPr>
+          <p:cNvPr id="4" name="Title 1"/>
+          <p:cNvSpPr>
+            <a:spLocks noGrp="1"/>
+          </p:cNvSpPr>
+          <p:nvPr>
+            <p:ph type="title"/>
+          </p:nvPr>
+        </p:nvSpPr>
+        <p:spPr>
+          <a:xfrm>
+            <a:off x="838200" y="365125"/>
+            <a:ext cx="10515600" cy="5997575"/>
+          </a:xfrm>
+        </p:spPr>
+        <p:txBody>
+          <a:bodyPr>
+            <a:normAutofit/>
+          </a:bodyPr>
+          <a:lstStyle/>
+          <a:p>
+            <a:pPr algn="ctr"/>
+            <a:r>
+              <a:rPr lang="en-US" sz="5500" b="1" dirty="0" smtClean="0">
+                <a:solidFill>
+                  <a:srgbClr val="7030A0"/>
+                </a:solidFill>
+                <a:latin typeface="Times New Roman" panose="02020603050405020304" pitchFamily="18" charset="0"/>
+                <a:cs typeface="Times New Roman" panose="02020603050405020304" pitchFamily="18" charset="0"/>
+              </a:rPr>
+              <a:t>Lập chỉ mục ngữ nghĩa tìm ẩn.</a:t>
+            </a:r>
+            <a:br>
+              <a:rPr lang="en-US" sz="5500" b="1" dirty="0" smtClean="0">
+                <a:solidFill>
+                  <a:srgbClr val="7030A0"/>
+                </a:solidFill>
+                <a:latin typeface="Times New Roman" panose="02020603050405020304" pitchFamily="18" charset="0"/>
+                <a:cs typeface="Times New Roman" panose="02020603050405020304" pitchFamily="18" charset="0"/>
+              </a:rPr>
+            </a:br>
+            <a:r>
+              <a:rPr lang="en-US" sz="5500" b="1" dirty="0" smtClean="0">
+                <a:solidFill>
+                  <a:srgbClr val="7030A0"/>
+                </a:solidFill>
+                <a:latin typeface="Times New Roman" panose="02020603050405020304" pitchFamily="18" charset="0"/>
+                <a:cs typeface="Times New Roman" panose="02020603050405020304" pitchFamily="18" charset="0"/>
+              </a:rPr>
+              <a:t>(Latent </a:t>
+            </a:r>
+            <a:r>
+              <a:rPr lang="en-US" sz="5500" b="1" dirty="0">
+                <a:solidFill>
+                  <a:srgbClr val="7030A0"/>
+                </a:solidFill>
+                <a:latin typeface="Times New Roman" panose="02020603050405020304" pitchFamily="18" charset="0"/>
+                <a:cs typeface="Times New Roman" panose="02020603050405020304" pitchFamily="18" charset="0"/>
+              </a:rPr>
+              <a:t>Semantic </a:t>
+            </a:r>
+            <a:r>
+              <a:rPr lang="en-US" sz="5500" b="1" dirty="0" smtClean="0">
+                <a:solidFill>
+                  <a:srgbClr val="7030A0"/>
+                </a:solidFill>
+                <a:latin typeface="Times New Roman" panose="02020603050405020304" pitchFamily="18" charset="0"/>
+                <a:cs typeface="Times New Roman" panose="02020603050405020304" pitchFamily="18" charset="0"/>
+              </a:rPr>
+              <a:t>Indexing)</a:t>
+            </a:r>
+            <a:endParaRPr lang="en-US" sz="5500" b="1" dirty="0">
+              <a:solidFill>
+                <a:srgbClr val="7030A0"/>
+              </a:solidFill>
+              <a:latin typeface="Times New Roman" panose="02020603050405020304" pitchFamily="18" charset="0"/>
+              <a:cs typeface="Times New Roman" panose="02020603050405020304" pitchFamily="18" charset="0"/>
+            </a:endParaRPr>
+          </a:p>
+        </p:txBody>
+      </p:sp>
+    </p:spTree>
+    <p:extLst>
+      <p:ext uri="{BB962C8B-B14F-4D97-AF65-F5344CB8AC3E}">
+        <p14:creationId xmlns:p14="http://schemas.microsoft.com/office/powerpoint/2010/main" val="2986856437"/>
+      </p:ext>
+    </p:extLst>
+  </p:cSld>
+  <p:clrMapOvr>
+    <a:masterClrMapping/>
+  </p:clrMapOvr>
+  <p:timing>
+    <p:tnLst>
+      <p:par>
+        <p:cTn id="1" dur="indefinite" restart="never" nodeType="tmRoot"/>
+      </p:par>
+    </p:tnLst>
+  </p:timing>
+</p:sld>
+</file>
+
+<file path=ppt/slides/slide27.xml><?xml version="1.0" encoding="utf-8"?>
+<p:sld xmlns:a="http://schemas.openxmlformats.org/drawingml/2006/main" xmlns:r="http://schemas.openxmlformats.org/officeDocument/2006/relationships" xmlns:p="http://schemas.openxmlformats.org/presentationml/2006/main">
+  <p:cSld>
+    <p:spTree>
+      <p:nvGrpSpPr>
+        <p:cNvPr id="1" name=""/>
+        <p:cNvGrpSpPr/>
+        <p:nvPr/>
+      </p:nvGrpSpPr>
+      <p:grpSpPr>
+        <a:xfrm>
+          <a:off x="0" y="0"/>
+          <a:ext cx="0" cy="0"/>
+          <a:chOff x="0" y="0"/>
+          <a:chExt cx="0" cy="0"/>
+        </a:xfrm>
+      </p:grpSpPr>
+      <p:sp>
+        <p:nvSpPr>
+          <p:cNvPr id="6" name="Title 1"/>
+          <p:cNvSpPr txBox="1">
+            <a:spLocks/>
+          </p:cNvSpPr>
+          <p:nvPr/>
+        </p:nvSpPr>
+        <p:spPr>
+          <a:xfrm>
+            <a:off x="0" y="0"/>
+            <a:ext cx="12192000" cy="1018773"/>
+          </a:xfrm>
+          <a:prstGeom prst="rect">
+            <a:avLst/>
+          </a:prstGeom>
+        </p:spPr>
+        <p:txBody>
+          <a:bodyPr vert="horz" lIns="91440" tIns="45720" rIns="91440" bIns="45720" rtlCol="0" anchor="ctr">
+            <a:normAutofit/>
+          </a:bodyPr>
+          <a:lstStyle>
+            <a:lvl1pPr algn="l" defTabSz="914400" rtl="0" eaLnBrk="1" latinLnBrk="0" hangingPunct="1">
+              <a:lnSpc>
+                <a:spcPct val="90000"/>
+              </a:lnSpc>
+              <a:spcBef>
+                <a:spcPct val="0"/>
+              </a:spcBef>
+              <a:buNone/>
+              <a:defRPr sz="4400" kern="1200">
+                <a:solidFill>
+                  <a:schemeClr val="tx1"/>
+                </a:solidFill>
+                <a:latin typeface="+mj-lt"/>
+                <a:ea typeface="+mj-ea"/>
+                <a:cs typeface="+mj-cs"/>
+              </a:defRPr>
+            </a:lvl1pPr>
+          </a:lstStyle>
+          <a:p>
+            <a:r>
+              <a:rPr lang="en-US" sz="4000" b="1" dirty="0">
+                <a:solidFill>
+                  <a:srgbClr val="7030A0"/>
+                </a:solidFill>
+                <a:latin typeface="Times New Roman" panose="02020603050405020304" pitchFamily="18" charset="0"/>
+                <a:cs typeface="Times New Roman" panose="02020603050405020304" pitchFamily="18" charset="0"/>
+              </a:rPr>
+              <a:t>Latent Semantic </a:t>
+            </a:r>
+            <a:r>
+              <a:rPr lang="en-US" sz="4000" b="1" dirty="0" smtClean="0">
+                <a:solidFill>
+                  <a:srgbClr val="7030A0"/>
+                </a:solidFill>
+                <a:latin typeface="Times New Roman" panose="02020603050405020304" pitchFamily="18" charset="0"/>
+                <a:cs typeface="Times New Roman" panose="02020603050405020304" pitchFamily="18" charset="0"/>
+              </a:rPr>
+              <a:t>Indexing.</a:t>
+            </a:r>
+            <a:endParaRPr lang="en-US" sz="4000" b="1" dirty="0" smtClean="0">
+              <a:solidFill>
+                <a:srgbClr val="7030A0"/>
+              </a:solidFill>
+              <a:latin typeface="Times New Roman" panose="02020603050405020304" pitchFamily="18" charset="0"/>
+              <a:cs typeface="Times New Roman" panose="02020603050405020304" pitchFamily="18" charset="0"/>
+            </a:endParaRPr>
+          </a:p>
+        </p:txBody>
+      </p:sp>
+      <p:sp>
+        <p:nvSpPr>
+          <p:cNvPr id="8" name="TextBox 7"/>
+          <p:cNvSpPr txBox="1"/>
+          <p:nvPr/>
+        </p:nvSpPr>
+        <p:spPr>
+          <a:xfrm>
+            <a:off x="98425" y="4508500"/>
+            <a:ext cx="4441263" cy="461665"/>
+          </a:xfrm>
+          <a:prstGeom prst="rect">
+            <a:avLst/>
+          </a:prstGeom>
+          <a:noFill/>
+        </p:spPr>
+        <p:txBody>
+          <a:bodyPr wrap="square" rtlCol="0">
+            <a:spAutoFit/>
+          </a:bodyPr>
+          <a:lstStyle/>
+          <a:p>
+            <a:r>
+              <a:rPr lang="en-US" sz="2400" dirty="0" smtClean="0">
+                <a:latin typeface="Times New Roman" panose="02020603050405020304" pitchFamily="18" charset="0"/>
+                <a:cs typeface="Times New Roman" panose="02020603050405020304" pitchFamily="18" charset="0"/>
+              </a:rPr>
+              <a:t>5 chiều, 6 đối tượng.</a:t>
+            </a:r>
+            <a:endParaRPr lang="en-US" sz="2400" dirty="0">
+              <a:latin typeface="Times New Roman" panose="02020603050405020304" pitchFamily="18" charset="0"/>
+              <a:cs typeface="Times New Roman" panose="02020603050405020304" pitchFamily="18" charset="0"/>
+            </a:endParaRPr>
+          </a:p>
+        </p:txBody>
+      </p:sp>
+      <p:pic>
+        <p:nvPicPr>
+          <p:cNvPr id="4" name="Picture 3"/>
+          <p:cNvPicPr>
+            <a:picLocks noChangeAspect="1"/>
+          </p:cNvPicPr>
+          <p:nvPr/>
+        </p:nvPicPr>
+        <p:blipFill>
+          <a:blip r:embed="rId2">
+            <a:extLst>
+              <a:ext uri="{28A0092B-C50C-407E-A947-70E740481C1C}">
+                <a14:useLocalDpi xmlns:a14="http://schemas.microsoft.com/office/drawing/2010/main" val="0"/>
+              </a:ext>
+            </a:extLst>
+          </a:blip>
+          <a:stretch>
+            <a:fillRect/>
+          </a:stretch>
+        </p:blipFill>
+        <p:spPr>
+          <a:xfrm>
+            <a:off x="98425" y="1018773"/>
+            <a:ext cx="6911975" cy="3489727"/>
+          </a:xfrm>
+          <a:prstGeom prst="rect">
+            <a:avLst/>
+          </a:prstGeom>
+        </p:spPr>
+      </p:pic>
+      <p:pic>
+        <p:nvPicPr>
+          <p:cNvPr id="9" name="Picture 8"/>
+          <p:cNvPicPr>
+            <a:picLocks noChangeAspect="1"/>
+          </p:cNvPicPr>
+          <p:nvPr/>
+        </p:nvPicPr>
+        <p:blipFill>
+          <a:blip r:embed="rId3">
+            <a:extLst>
+              <a:ext uri="{28A0092B-C50C-407E-A947-70E740481C1C}">
+                <a14:useLocalDpi xmlns:a14="http://schemas.microsoft.com/office/drawing/2010/main" val="0"/>
+              </a:ext>
+            </a:extLst>
+          </a:blip>
+          <a:stretch>
+            <a:fillRect/>
+          </a:stretch>
+        </p:blipFill>
+        <p:spPr>
+          <a:xfrm>
+            <a:off x="7010400" y="509386"/>
+            <a:ext cx="4600575" cy="5010150"/>
+          </a:xfrm>
+          <a:prstGeom prst="rect">
+            <a:avLst/>
+          </a:prstGeom>
+        </p:spPr>
+      </p:pic>
+    </p:spTree>
+    <p:extLst>
+      <p:ext uri="{BB962C8B-B14F-4D97-AF65-F5344CB8AC3E}">
+        <p14:creationId xmlns:p14="http://schemas.microsoft.com/office/powerpoint/2010/main" val="2603459525"/>
+      </p:ext>
+    </p:extLst>
+  </p:cSld>
+  <p:clrMapOvr>
+    <a:masterClrMapping/>
+  </p:clrMapOvr>
+  <p:timing>
+    <p:tnLst>
+      <p:par>
+        <p:cTn id="1" dur="indefinite" restart="never" nodeType="tmRoot">
+          <p:childTnLst>
+            <p:seq concurrent="1" nextAc="seek">
+              <p:cTn id="2" dur="indefinite" nodeType="mainSeq">
+                <p:childTnLst>
+                  <p:par>
+                    <p:cTn id="3" fill="hold">
+                      <p:stCondLst>
+                        <p:cond delay="indefinite"/>
+                      </p:stCondLst>
+                      <p:childTnLst>
+                        <p:par>
+                          <p:cTn id="4" fill="hold">
+                            <p:stCondLst>
+                              <p:cond delay="0"/>
+                            </p:stCondLst>
+                            <p:childTnLst>
+                              <p:par>
+                                <p:cTn id="5" presetID="1" presetClass="entr" presetSubtype="0" fill="hold" grpId="0" nodeType="clickEffect">
+                                  <p:stCondLst>
+                                    <p:cond delay="0"/>
+                                  </p:stCondLst>
+                                  <p:childTnLst>
+                                    <p:set>
+                                      <p:cBhvr>
+                                        <p:cTn id="6" dur="1" fill="hold">
+                                          <p:stCondLst>
+                                            <p:cond delay="0"/>
+                                          </p:stCondLst>
+                                        </p:cTn>
+                                        <p:tgtEl>
+                                          <p:spTgt spid="8"/>
+                                        </p:tgtEl>
+                                        <p:attrNameLst>
+                                          <p:attrName>style.visibility</p:attrName>
+                                        </p:attrNameLst>
+                                      </p:cBhvr>
+                                      <p:to>
+                                        <p:strVal val="visible"/>
+                                      </p:to>
+                                    </p:set>
+                                  </p:childTnLst>
+                                </p:cTn>
+                              </p:par>
+                            </p:childTnLst>
+                          </p:cTn>
+                        </p:par>
+                      </p:childTnLst>
+                    </p:cTn>
+                  </p:par>
+                  <p:par>
+                    <p:cTn id="7" fill="hold">
+                      <p:stCondLst>
+                        <p:cond delay="indefinite"/>
+                      </p:stCondLst>
+                      <p:childTnLst>
+                        <p:par>
+                          <p:cTn id="8" fill="hold">
+                            <p:stCondLst>
+                              <p:cond delay="0"/>
+                            </p:stCondLst>
+                            <p:childTnLst>
+                              <p:par>
+                                <p:cTn id="9" presetID="10" presetClass="entr" presetSubtype="0" fill="hold" nodeType="clickEffect">
+                                  <p:stCondLst>
+                                    <p:cond delay="0"/>
+                                  </p:stCondLst>
+                                  <p:childTnLst>
+                                    <p:set>
+                                      <p:cBhvr>
+                                        <p:cTn id="10" dur="1" fill="hold">
+                                          <p:stCondLst>
+                                            <p:cond delay="0"/>
+                                          </p:stCondLst>
+                                        </p:cTn>
+                                        <p:tgtEl>
+                                          <p:spTgt spid="4"/>
+                                        </p:tgtEl>
+                                        <p:attrNameLst>
+                                          <p:attrName>style.visibility</p:attrName>
+                                        </p:attrNameLst>
+                                      </p:cBhvr>
+                                      <p:to>
+                                        <p:strVal val="visible"/>
+                                      </p:to>
+                                    </p:set>
+                                    <p:animEffect transition="in" filter="fade">
+                                      <p:cBhvr>
+                                        <p:cTn id="11" dur="500"/>
+                                        <p:tgtEl>
+                                          <p:spTgt spid="4"/>
+                                        </p:tgtEl>
+                                      </p:cBhvr>
+                                    </p:animEffect>
+                                  </p:childTnLst>
+                                </p:cTn>
+                              </p:par>
+                            </p:childTnLst>
+                          </p:cTn>
+                        </p:par>
+                      </p:childTnLst>
+                    </p:cTn>
+                  </p:par>
+                  <p:par>
+                    <p:cTn id="12" fill="hold">
+                      <p:stCondLst>
+                        <p:cond delay="indefinite"/>
+                      </p:stCondLst>
+                      <p:childTnLst>
+                        <p:par>
+                          <p:cTn id="13" fill="hold">
+                            <p:stCondLst>
+                              <p:cond delay="0"/>
+                            </p:stCondLst>
+                            <p:childTnLst>
+                              <p:par>
+                                <p:cTn id="14" presetID="1" presetClass="entr" presetSubtype="0" fill="hold" nodeType="clickEffect">
+                                  <p:stCondLst>
+                                    <p:cond delay="0"/>
+                                  </p:stCondLst>
+                                  <p:childTnLst>
+                                    <p:set>
+                                      <p:cBhvr>
+                                        <p:cTn id="15" dur="1" fill="hold">
+                                          <p:stCondLst>
+                                            <p:cond delay="0"/>
+                                          </p:stCondLst>
+                                        </p:cTn>
+                                        <p:tgtEl>
+                                          <p:spTgt spid="9"/>
+                                        </p:tgtEl>
+                                        <p:attrNameLst>
+                                          <p:attrName>style.visibility</p:attrName>
+                                        </p:attrNameLst>
+                                      </p:cBhvr>
+                                      <p:to>
+                                        <p:strVal val="visible"/>
+                                      </p:to>
+                                    </p:set>
+                                  </p:childTnLst>
+                                </p:cTn>
+                              </p:par>
+                            </p:childTnLst>
+                          </p:cTn>
+                        </p:par>
+                      </p:childTnLst>
+                    </p:cTn>
+                  </p:par>
+                </p:childTnLst>
+              </p:cTn>
+              <p:prevCondLst>
+                <p:cond evt="onPrev" delay="0">
+                  <p:tgtEl>
+                    <p:sldTgt/>
+                  </p:tgtEl>
+                </p:cond>
+              </p:prevCondLst>
+              <p:nextCondLst>
+                <p:cond evt="onNext" delay="0">
+                  <p:tgtEl>
+                    <p:sldTgt/>
+                  </p:tgtEl>
+                </p:cond>
+              </p:nextCondLst>
+            </p:seq>
+          </p:childTnLst>
+        </p:cTn>
+      </p:par>
+    </p:tnLst>
+    <p:bldLst>
+      <p:bldP spid="8" grpId="0"/>
+    </p:bldLst>
+  </p:timing>
+</p:sld>
+</file>
+
+<file path=ppt/slides/slide28.xml><?xml version="1.0" encoding="utf-8"?>
+<p:sld xmlns:a="http://schemas.openxmlformats.org/drawingml/2006/main" xmlns:r="http://schemas.openxmlformats.org/officeDocument/2006/relationships" xmlns:p="http://schemas.openxmlformats.org/presentationml/2006/main">
+  <p:cSld>
+    <p:spTree>
+      <p:nvGrpSpPr>
+        <p:cNvPr id="1" name=""/>
+        <p:cNvGrpSpPr/>
+        <p:nvPr/>
+      </p:nvGrpSpPr>
+      <p:grpSpPr>
+        <a:xfrm>
+          <a:off x="0" y="0"/>
+          <a:ext cx="0" cy="0"/>
+          <a:chOff x="0" y="0"/>
+          <a:chExt cx="0" cy="0"/>
+        </a:xfrm>
+      </p:grpSpPr>
+      <p:sp>
+        <p:nvSpPr>
+          <p:cNvPr id="6" name="Title 1"/>
+          <p:cNvSpPr txBox="1">
+            <a:spLocks/>
+          </p:cNvSpPr>
+          <p:nvPr/>
+        </p:nvSpPr>
+        <p:spPr>
+          <a:xfrm>
+            <a:off x="0" y="0"/>
+            <a:ext cx="12192000" cy="1018773"/>
+          </a:xfrm>
+          <a:prstGeom prst="rect">
+            <a:avLst/>
+          </a:prstGeom>
+        </p:spPr>
+        <p:txBody>
+          <a:bodyPr vert="horz" lIns="91440" tIns="45720" rIns="91440" bIns="45720" rtlCol="0" anchor="ctr">
+            <a:normAutofit/>
+          </a:bodyPr>
+          <a:lstStyle>
+            <a:lvl1pPr algn="l" defTabSz="914400" rtl="0" eaLnBrk="1" latinLnBrk="0" hangingPunct="1">
+              <a:lnSpc>
+                <a:spcPct val="90000"/>
+              </a:lnSpc>
+              <a:spcBef>
+                <a:spcPct val="0"/>
+              </a:spcBef>
+              <a:buNone/>
+              <a:defRPr sz="4400" kern="1200">
+                <a:solidFill>
+                  <a:schemeClr val="tx1"/>
+                </a:solidFill>
+                <a:latin typeface="+mj-lt"/>
+                <a:ea typeface="+mj-ea"/>
+                <a:cs typeface="+mj-cs"/>
+              </a:defRPr>
+            </a:lvl1pPr>
+          </a:lstStyle>
+          <a:p>
+            <a:r>
+              <a:rPr lang="en-US" sz="4000" b="1" dirty="0" smtClean="0">
+                <a:solidFill>
+                  <a:srgbClr val="7030A0"/>
+                </a:solidFill>
+                <a:latin typeface="Times New Roman" panose="02020603050405020304" pitchFamily="18" charset="0"/>
+                <a:cs typeface="Times New Roman" panose="02020603050405020304" pitchFamily="18" charset="0"/>
+              </a:rPr>
+              <a:t>Least-squares methods.</a:t>
+            </a:r>
+            <a:endParaRPr lang="en-US" sz="4000" b="1" dirty="0" smtClean="0">
+              <a:solidFill>
+                <a:srgbClr val="7030A0"/>
+              </a:solidFill>
+              <a:latin typeface="Times New Roman" panose="02020603050405020304" pitchFamily="18" charset="0"/>
+              <a:cs typeface="Times New Roman" panose="02020603050405020304" pitchFamily="18" charset="0"/>
+            </a:endParaRPr>
+          </a:p>
+        </p:txBody>
+      </p:sp>
+      <p:pic>
+        <p:nvPicPr>
+          <p:cNvPr id="2" name="Picture 1"/>
+          <p:cNvPicPr>
+            <a:picLocks noChangeAspect="1"/>
+          </p:cNvPicPr>
+          <p:nvPr/>
+        </p:nvPicPr>
+        <p:blipFill>
+          <a:blip r:embed="rId2">
+            <a:extLst>
+              <a:ext uri="{28A0092B-C50C-407E-A947-70E740481C1C}">
+                <a14:useLocalDpi xmlns:a14="http://schemas.microsoft.com/office/drawing/2010/main" val="0"/>
+              </a:ext>
+            </a:extLst>
+          </a:blip>
+          <a:stretch>
+            <a:fillRect/>
+          </a:stretch>
+        </p:blipFill>
+        <p:spPr>
+          <a:xfrm>
+            <a:off x="2095500" y="781050"/>
+            <a:ext cx="8001000" cy="5295900"/>
+          </a:xfrm>
+          <a:prstGeom prst="rect">
+            <a:avLst/>
+          </a:prstGeom>
+        </p:spPr>
+      </p:pic>
+    </p:spTree>
+    <p:extLst>
+      <p:ext uri="{BB962C8B-B14F-4D97-AF65-F5344CB8AC3E}">
+        <p14:creationId xmlns:p14="http://schemas.microsoft.com/office/powerpoint/2010/main" val="1128792214"/>
+      </p:ext>
+    </p:extLst>
+  </p:cSld>
+  <p:clrMapOvr>
+    <a:masterClrMapping/>
+  </p:clrMapOvr>
+  <p:timing>
+    <p:tnLst>
+      <p:par>
+        <p:cTn id="1" dur="indefinite" restart="never" nodeType="tmRoot"/>
+      </p:par>
+    </p:tnLst>
+  </p:timing>
+</p:sld>
+</file>
+
+<file path=ppt/slides/slide29.xml><?xml version="1.0" encoding="utf-8"?>
+<p:sld xmlns:a="http://schemas.openxmlformats.org/drawingml/2006/main" xmlns:r="http://schemas.openxmlformats.org/officeDocument/2006/relationships" xmlns:p="http://schemas.openxmlformats.org/presentationml/2006/main">
+  <p:cSld>
+    <p:spTree>
+      <p:nvGrpSpPr>
+        <p:cNvPr id="1" name=""/>
+        <p:cNvGrpSpPr/>
+        <p:nvPr/>
+      </p:nvGrpSpPr>
+      <p:grpSpPr>
+        <a:xfrm>
+          <a:off x="0" y="0"/>
+          <a:ext cx="0" cy="0"/>
+          <a:chOff x="0" y="0"/>
+          <a:chExt cx="0" cy="0"/>
+        </a:xfrm>
+      </p:grpSpPr>
+      <p:sp>
+        <p:nvSpPr>
+          <p:cNvPr id="6" name="Title 1"/>
+          <p:cNvSpPr txBox="1">
+            <a:spLocks/>
+          </p:cNvSpPr>
+          <p:nvPr/>
+        </p:nvSpPr>
+        <p:spPr>
+          <a:xfrm>
+            <a:off x="0" y="0"/>
+            <a:ext cx="12192000" cy="1018773"/>
+          </a:xfrm>
+          <a:prstGeom prst="rect">
+            <a:avLst/>
+          </a:prstGeom>
+        </p:spPr>
+        <p:txBody>
+          <a:bodyPr vert="horz" lIns="91440" tIns="45720" rIns="91440" bIns="45720" rtlCol="0" anchor="ctr">
+            <a:normAutofit/>
+          </a:bodyPr>
+          <a:lstStyle>
+            <a:lvl1pPr algn="l" defTabSz="914400" rtl="0" eaLnBrk="1" latinLnBrk="0" hangingPunct="1">
+              <a:lnSpc>
+                <a:spcPct val="90000"/>
+              </a:lnSpc>
+              <a:spcBef>
+                <a:spcPct val="0"/>
+              </a:spcBef>
+              <a:buNone/>
+              <a:defRPr sz="4400" kern="1200">
+                <a:solidFill>
+                  <a:schemeClr val="tx1"/>
+                </a:solidFill>
+                <a:latin typeface="+mj-lt"/>
+                <a:ea typeface="+mj-ea"/>
+                <a:cs typeface="+mj-cs"/>
+              </a:defRPr>
+            </a:lvl1pPr>
+          </a:lstStyle>
+          <a:p>
+            <a:r>
+              <a:rPr lang="en-US" sz="4000" b="1" dirty="0" smtClean="0">
+                <a:solidFill>
+                  <a:srgbClr val="7030A0"/>
+                </a:solidFill>
+                <a:latin typeface="Times New Roman" panose="02020603050405020304" pitchFamily="18" charset="0"/>
+                <a:cs typeface="Times New Roman" panose="02020603050405020304" pitchFamily="18" charset="0"/>
+              </a:rPr>
+              <a:t>Singular value decomposition.</a:t>
+            </a:r>
+            <a:endParaRPr lang="en-US" sz="4000" b="1" dirty="0" smtClean="0">
+              <a:solidFill>
+                <a:srgbClr val="7030A0"/>
+              </a:solidFill>
+              <a:latin typeface="Times New Roman" panose="02020603050405020304" pitchFamily="18" charset="0"/>
+              <a:cs typeface="Times New Roman" panose="02020603050405020304" pitchFamily="18" charset="0"/>
+            </a:endParaRPr>
+          </a:p>
+        </p:txBody>
+      </p:sp>
+      <p:pic>
+        <p:nvPicPr>
+          <p:cNvPr id="3" name="Picture 2"/>
+          <p:cNvPicPr>
+            <a:picLocks noChangeAspect="1"/>
+          </p:cNvPicPr>
+          <p:nvPr/>
+        </p:nvPicPr>
+        <p:blipFill>
+          <a:blip r:embed="rId2">
+            <a:extLst>
+              <a:ext uri="{28A0092B-C50C-407E-A947-70E740481C1C}">
+                <a14:useLocalDpi xmlns:a14="http://schemas.microsoft.com/office/drawing/2010/main" val="0"/>
+              </a:ext>
+            </a:extLst>
+          </a:blip>
+          <a:stretch>
+            <a:fillRect/>
+          </a:stretch>
+        </p:blipFill>
+        <p:spPr>
+          <a:xfrm>
+            <a:off x="1492987" y="1018773"/>
+            <a:ext cx="9206026" cy="1292627"/>
+          </a:xfrm>
+          <a:prstGeom prst="rect">
+            <a:avLst/>
+          </a:prstGeom>
+        </p:spPr>
+      </p:pic>
+      <p:sp>
+        <p:nvSpPr>
+          <p:cNvPr id="5" name="TextBox 4"/>
+          <p:cNvSpPr txBox="1"/>
+          <p:nvPr/>
+        </p:nvSpPr>
+        <p:spPr>
+          <a:xfrm>
+            <a:off x="381000" y="2311400"/>
+            <a:ext cx="1733167" cy="461665"/>
+          </a:xfrm>
+          <a:prstGeom prst="rect">
+            <a:avLst/>
+          </a:prstGeom>
+          <a:noFill/>
+        </p:spPr>
+        <p:txBody>
+          <a:bodyPr wrap="none" rtlCol="0">
+            <a:spAutoFit/>
+          </a:bodyPr>
+          <a:lstStyle/>
+          <a:p>
+            <a:r>
+              <a:rPr lang="en-US" sz="2400" dirty="0" smtClean="0">
+                <a:latin typeface="Times New Roman" panose="02020603050405020304" pitchFamily="18" charset="0"/>
+                <a:cs typeface="Times New Roman" panose="02020603050405020304" pitchFamily="18" charset="0"/>
+              </a:rPr>
+              <a:t>N = min(t,d)</a:t>
+            </a:r>
+            <a:endParaRPr lang="en-US" sz="2400" dirty="0">
+              <a:latin typeface="Times New Roman" panose="02020603050405020304" pitchFamily="18" charset="0"/>
+              <a:cs typeface="Times New Roman" panose="02020603050405020304" pitchFamily="18" charset="0"/>
+            </a:endParaRPr>
+          </a:p>
+        </p:txBody>
+      </p:sp>
+    </p:spTree>
+    <p:extLst>
+      <p:ext uri="{BB962C8B-B14F-4D97-AF65-F5344CB8AC3E}">
+        <p14:creationId xmlns:p14="http://schemas.microsoft.com/office/powerpoint/2010/main" val="3756036223"/>
+      </p:ext>
+    </p:extLst>
+  </p:cSld>
+  <p:clrMapOvr>
+    <a:masterClrMapping/>
+  </p:clrMapOvr>
+  <p:timing>
+    <p:tnLst>
+      <p:par>
+        <p:cTn id="1" dur="indefinite" restart="never" nodeType="tmRoot">
+          <p:childTnLst>
+            <p:seq concurrent="1" nextAc="seek">
+              <p:cTn id="2" dur="indefinite" nodeType="mainSeq">
+                <p:childTnLst>
+                  <p:par>
+                    <p:cTn id="3" fill="hold">
+                      <p:stCondLst>
+                        <p:cond delay="indefinite"/>
+                      </p:stCondLst>
+                      <p:childTnLst>
+                        <p:par>
+                          <p:cTn id="4" fill="hold">
+                            <p:stCondLst>
+                              <p:cond delay="0"/>
+                            </p:stCondLst>
+                            <p:childTnLst>
+                              <p:par>
+                                <p:cTn id="5" presetID="10" presetClass="entr" presetSubtype="0" fill="hold" nodeType="clickEffect">
+                                  <p:stCondLst>
+                                    <p:cond delay="0"/>
+                                  </p:stCondLst>
+                                  <p:childTnLst>
+                                    <p:set>
+                                      <p:cBhvr>
+                                        <p:cTn id="6" dur="1" fill="hold">
+                                          <p:stCondLst>
+                                            <p:cond delay="0"/>
+                                          </p:stCondLst>
+                                        </p:cTn>
+                                        <p:tgtEl>
+                                          <p:spTgt spid="3"/>
+                                        </p:tgtEl>
+                                        <p:attrNameLst>
+                                          <p:attrName>style.visibility</p:attrName>
+                                        </p:attrNameLst>
+                                      </p:cBhvr>
+                                      <p:to>
+                                        <p:strVal val="visible"/>
+                                      </p:to>
+                                    </p:set>
+                                    <p:animEffect transition="in" filter="fade">
+                                      <p:cBhvr>
+                                        <p:cTn id="7" dur="500"/>
+                                        <p:tgtEl>
+                                          <p:spTgt spid="3"/>
+                                        </p:tgtEl>
+                                      </p:cBhvr>
+                                    </p:animEffect>
+                                  </p:childTnLst>
+                                </p:cTn>
+                              </p:par>
+                            </p:childTnLst>
+                          </p:cTn>
+                        </p:par>
+                      </p:childTnLst>
+                    </p:cTn>
+                  </p:par>
+                  <p:par>
+                    <p:cTn id="8" fill="hold">
+                      <p:stCondLst>
+                        <p:cond delay="indefinite"/>
+                      </p:stCondLst>
+                      <p:childTnLst>
+                        <p:par>
+                          <p:cTn id="9" fill="hold">
+                            <p:stCondLst>
+                              <p:cond delay="0"/>
+                            </p:stCondLst>
+                            <p:childTnLst>
+                              <p:par>
+                                <p:cTn id="10" presetID="1" presetClass="entr" presetSubtype="0" fill="hold" grpId="0" nodeType="clickEffect">
+                                  <p:stCondLst>
+                                    <p:cond delay="0"/>
+                                  </p:stCondLst>
+                                  <p:childTnLst>
+                                    <p:set>
+                                      <p:cBhvr>
+                                        <p:cTn id="11" dur="1" fill="hold">
+                                          <p:stCondLst>
+                                            <p:cond delay="0"/>
+                                          </p:stCondLst>
+                                        </p:cTn>
+                                        <p:tgtEl>
+                                          <p:spTgt spid="5"/>
+                                        </p:tgtEl>
+                                        <p:attrNameLst>
+                                          <p:attrName>style.visibility</p:attrName>
+                                        </p:attrNameLst>
+                                      </p:cBhvr>
+                                      <p:to>
+                                        <p:strVal val="visible"/>
+                                      </p:to>
+                                    </p:set>
+                                  </p:childTnLst>
+                                </p:cTn>
+                              </p:par>
+                            </p:childTnLst>
+                          </p:cTn>
+                        </p:par>
+                      </p:childTnLst>
+                    </p:cTn>
+                  </p:par>
+                </p:childTnLst>
+              </p:cTn>
+              <p:prevCondLst>
+                <p:cond evt="onPrev" delay="0">
+                  <p:tgtEl>
+                    <p:sldTgt/>
+                  </p:tgtEl>
+                </p:cond>
+              </p:prevCondLst>
+              <p:nextCondLst>
+                <p:cond evt="onNext" delay="0">
+                  <p:tgtEl>
+                    <p:sldTgt/>
+                  </p:tgtEl>
+                </p:cond>
+              </p:nextCondLst>
+            </p:seq>
+          </p:childTnLst>
+        </p:cTn>
+      </p:par>
+    </p:tnLst>
+    <p:bldLst>
+      <p:bldP spid="5" grpId="0"/>
+    </p:bldLst>
   </p:timing>
 </p:sld>
 </file>
@@ -6392,6 +8856,329 @@
     <p:extLst>
       <p:ext uri="{BB962C8B-B14F-4D97-AF65-F5344CB8AC3E}">
         <p14:creationId xmlns:p14="http://schemas.microsoft.com/office/powerpoint/2010/main" val="1531001453"/>
+      </p:ext>
+    </p:extLst>
+  </p:cSld>
+  <p:clrMapOvr>
+    <a:masterClrMapping/>
+  </p:clrMapOvr>
+  <p:timing>
+    <p:tnLst>
+      <p:par>
+        <p:cTn id="1" dur="indefinite" restart="never" nodeType="tmRoot"/>
+      </p:par>
+    </p:tnLst>
+  </p:timing>
+</p:sld>
+</file>
+
+<file path=ppt/slides/slide30.xml><?xml version="1.0" encoding="utf-8"?>
+<p:sld xmlns:a="http://schemas.openxmlformats.org/drawingml/2006/main" xmlns:r="http://schemas.openxmlformats.org/officeDocument/2006/relationships" xmlns:p="http://schemas.openxmlformats.org/presentationml/2006/main">
+  <p:cSld>
+    <p:spTree>
+      <p:nvGrpSpPr>
+        <p:cNvPr id="1" name=""/>
+        <p:cNvGrpSpPr/>
+        <p:nvPr/>
+      </p:nvGrpSpPr>
+      <p:grpSpPr>
+        <a:xfrm>
+          <a:off x="0" y="0"/>
+          <a:ext cx="0" cy="0"/>
+          <a:chOff x="0" y="0"/>
+          <a:chExt cx="0" cy="0"/>
+        </a:xfrm>
+      </p:grpSpPr>
+      <p:sp>
+        <p:nvSpPr>
+          <p:cNvPr id="6" name="Title 1"/>
+          <p:cNvSpPr txBox="1">
+            <a:spLocks/>
+          </p:cNvSpPr>
+          <p:nvPr/>
+        </p:nvSpPr>
+        <p:spPr>
+          <a:xfrm>
+            <a:off x="0" y="0"/>
+            <a:ext cx="12192000" cy="1018773"/>
+          </a:xfrm>
+          <a:prstGeom prst="rect">
+            <a:avLst/>
+          </a:prstGeom>
+        </p:spPr>
+        <p:txBody>
+          <a:bodyPr vert="horz" lIns="91440" tIns="45720" rIns="91440" bIns="45720" rtlCol="0" anchor="ctr">
+            <a:normAutofit/>
+          </a:bodyPr>
+          <a:lstStyle>
+            <a:lvl1pPr algn="l" defTabSz="914400" rtl="0" eaLnBrk="1" latinLnBrk="0" hangingPunct="1">
+              <a:lnSpc>
+                <a:spcPct val="90000"/>
+              </a:lnSpc>
+              <a:spcBef>
+                <a:spcPct val="0"/>
+              </a:spcBef>
+              <a:buNone/>
+              <a:defRPr sz="4400" kern="1200">
+                <a:solidFill>
+                  <a:schemeClr val="tx1"/>
+                </a:solidFill>
+                <a:latin typeface="+mj-lt"/>
+                <a:ea typeface="+mj-ea"/>
+                <a:cs typeface="+mj-cs"/>
+              </a:defRPr>
+            </a:lvl1pPr>
+          </a:lstStyle>
+          <a:p>
+            <a:r>
+              <a:rPr lang="en-US" sz="4000" b="1" dirty="0" smtClean="0">
+                <a:solidFill>
+                  <a:srgbClr val="7030A0"/>
+                </a:solidFill>
+                <a:latin typeface="Times New Roman" panose="02020603050405020304" pitchFamily="18" charset="0"/>
+                <a:cs typeface="Times New Roman" panose="02020603050405020304" pitchFamily="18" charset="0"/>
+              </a:rPr>
+              <a:t>Singular value decomposition.</a:t>
+            </a:r>
+            <a:endParaRPr lang="en-US" sz="4000" b="1" dirty="0" smtClean="0">
+              <a:solidFill>
+                <a:srgbClr val="7030A0"/>
+              </a:solidFill>
+              <a:latin typeface="Times New Roman" panose="02020603050405020304" pitchFamily="18" charset="0"/>
+              <a:cs typeface="Times New Roman" panose="02020603050405020304" pitchFamily="18" charset="0"/>
+            </a:endParaRPr>
+          </a:p>
+        </p:txBody>
+      </p:sp>
+      <p:pic>
+        <p:nvPicPr>
+          <p:cNvPr id="7" name="Picture 6"/>
+          <p:cNvPicPr>
+            <a:picLocks noChangeAspect="1"/>
+          </p:cNvPicPr>
+          <p:nvPr/>
+        </p:nvPicPr>
+        <p:blipFill>
+          <a:blip r:embed="rId2">
+            <a:extLst>
+              <a:ext uri="{28A0092B-C50C-407E-A947-70E740481C1C}">
+                <a14:useLocalDpi xmlns:a14="http://schemas.microsoft.com/office/drawing/2010/main" val="0"/>
+              </a:ext>
+            </a:extLst>
+          </a:blip>
+          <a:stretch>
+            <a:fillRect/>
+          </a:stretch>
+        </p:blipFill>
+        <p:spPr>
+          <a:xfrm>
+            <a:off x="136525" y="1018773"/>
+            <a:ext cx="5146676" cy="3094335"/>
+          </a:xfrm>
+          <a:prstGeom prst="rect">
+            <a:avLst/>
+          </a:prstGeom>
+        </p:spPr>
+      </p:pic>
+      <p:pic>
+        <p:nvPicPr>
+          <p:cNvPr id="2" name="Picture 1"/>
+          <p:cNvPicPr>
+            <a:picLocks noChangeAspect="1"/>
+          </p:cNvPicPr>
+          <p:nvPr/>
+        </p:nvPicPr>
+        <p:blipFill>
+          <a:blip r:embed="rId3">
+            <a:extLst>
+              <a:ext uri="{28A0092B-C50C-407E-A947-70E740481C1C}">
+                <a14:useLocalDpi xmlns:a14="http://schemas.microsoft.com/office/drawing/2010/main" val="0"/>
+              </a:ext>
+            </a:extLst>
+          </a:blip>
+          <a:stretch>
+            <a:fillRect/>
+          </a:stretch>
+        </p:blipFill>
+        <p:spPr>
+          <a:xfrm>
+            <a:off x="136524" y="4302125"/>
+            <a:ext cx="6867525" cy="1962150"/>
+          </a:xfrm>
+          <a:prstGeom prst="rect">
+            <a:avLst/>
+          </a:prstGeom>
+        </p:spPr>
+      </p:pic>
+      <p:pic>
+        <p:nvPicPr>
+          <p:cNvPr id="4" name="Picture 3"/>
+          <p:cNvPicPr>
+            <a:picLocks noChangeAspect="1"/>
+          </p:cNvPicPr>
+          <p:nvPr/>
+        </p:nvPicPr>
+        <p:blipFill>
+          <a:blip r:embed="rId4">
+            <a:extLst>
+              <a:ext uri="{28A0092B-C50C-407E-A947-70E740481C1C}">
+                <a14:useLocalDpi xmlns:a14="http://schemas.microsoft.com/office/drawing/2010/main" val="0"/>
+              </a:ext>
+            </a:extLst>
+          </a:blip>
+          <a:stretch>
+            <a:fillRect/>
+          </a:stretch>
+        </p:blipFill>
+        <p:spPr>
+          <a:xfrm>
+            <a:off x="5419726" y="1207790"/>
+            <a:ext cx="6210300" cy="1876425"/>
+          </a:xfrm>
+          <a:prstGeom prst="rect">
+            <a:avLst/>
+          </a:prstGeom>
+        </p:spPr>
+      </p:pic>
+    </p:spTree>
+    <p:extLst>
+      <p:ext uri="{BB962C8B-B14F-4D97-AF65-F5344CB8AC3E}">
+        <p14:creationId xmlns:p14="http://schemas.microsoft.com/office/powerpoint/2010/main" val="1836051511"/>
+      </p:ext>
+    </p:extLst>
+  </p:cSld>
+  <p:clrMapOvr>
+    <a:masterClrMapping/>
+  </p:clrMapOvr>
+  <p:timing>
+    <p:tnLst>
+      <p:par>
+        <p:cTn id="1" dur="indefinite" restart="never" nodeType="tmRoot"/>
+      </p:par>
+    </p:tnLst>
+  </p:timing>
+</p:sld>
+</file>
+
+<file path=ppt/slides/slide31.xml><?xml version="1.0" encoding="utf-8"?>
+<p:sld xmlns:a="http://schemas.openxmlformats.org/drawingml/2006/main" xmlns:r="http://schemas.openxmlformats.org/officeDocument/2006/relationships" xmlns:p="http://schemas.openxmlformats.org/presentationml/2006/main">
+  <p:cSld>
+    <p:spTree>
+      <p:nvGrpSpPr>
+        <p:cNvPr id="1" name=""/>
+        <p:cNvGrpSpPr/>
+        <p:nvPr/>
+      </p:nvGrpSpPr>
+      <p:grpSpPr>
+        <a:xfrm>
+          <a:off x="0" y="0"/>
+          <a:ext cx="0" cy="0"/>
+          <a:chOff x="0" y="0"/>
+          <a:chExt cx="0" cy="0"/>
+        </a:xfrm>
+      </p:grpSpPr>
+      <p:sp>
+        <p:nvSpPr>
+          <p:cNvPr id="6" name="Title 1"/>
+          <p:cNvSpPr txBox="1">
+            <a:spLocks/>
+          </p:cNvSpPr>
+          <p:nvPr/>
+        </p:nvSpPr>
+        <p:spPr>
+          <a:xfrm>
+            <a:off x="0" y="0"/>
+            <a:ext cx="12192000" cy="1018773"/>
+          </a:xfrm>
+          <a:prstGeom prst="rect">
+            <a:avLst/>
+          </a:prstGeom>
+        </p:spPr>
+        <p:txBody>
+          <a:bodyPr vert="horz" lIns="91440" tIns="45720" rIns="91440" bIns="45720" rtlCol="0" anchor="ctr">
+            <a:normAutofit/>
+          </a:bodyPr>
+          <a:lstStyle>
+            <a:lvl1pPr algn="l" defTabSz="914400" rtl="0" eaLnBrk="1" latinLnBrk="0" hangingPunct="1">
+              <a:lnSpc>
+                <a:spcPct val="90000"/>
+              </a:lnSpc>
+              <a:spcBef>
+                <a:spcPct val="0"/>
+              </a:spcBef>
+              <a:buNone/>
+              <a:defRPr sz="4400" kern="1200">
+                <a:solidFill>
+                  <a:schemeClr val="tx1"/>
+                </a:solidFill>
+                <a:latin typeface="+mj-lt"/>
+                <a:ea typeface="+mj-ea"/>
+                <a:cs typeface="+mj-cs"/>
+              </a:defRPr>
+            </a:lvl1pPr>
+          </a:lstStyle>
+          <a:p>
+            <a:r>
+              <a:rPr lang="en-US" sz="4000" b="1" smtClean="0">
+                <a:solidFill>
+                  <a:srgbClr val="7030A0"/>
+                </a:solidFill>
+                <a:latin typeface="Times New Roman" panose="02020603050405020304" pitchFamily="18" charset="0"/>
+                <a:cs typeface="Times New Roman" panose="02020603050405020304" pitchFamily="18" charset="0"/>
+              </a:rPr>
+              <a:t>Latent Semantic Indexing in IR.</a:t>
+            </a:r>
+            <a:endParaRPr lang="en-US" sz="4000" b="1" dirty="0" smtClean="0">
+              <a:solidFill>
+                <a:srgbClr val="7030A0"/>
+              </a:solidFill>
+              <a:latin typeface="Times New Roman" panose="02020603050405020304" pitchFamily="18" charset="0"/>
+              <a:cs typeface="Times New Roman" panose="02020603050405020304" pitchFamily="18" charset="0"/>
+            </a:endParaRPr>
+          </a:p>
+        </p:txBody>
+      </p:sp>
+    </p:spTree>
+    <p:extLst>
+      <p:ext uri="{BB962C8B-B14F-4D97-AF65-F5344CB8AC3E}">
+        <p14:creationId xmlns:p14="http://schemas.microsoft.com/office/powerpoint/2010/main" val="2729971065"/>
+      </p:ext>
+    </p:extLst>
+  </p:cSld>
+  <p:clrMapOvr>
+    <a:masterClrMapping/>
+  </p:clrMapOvr>
+  <p:timing>
+    <p:tnLst>
+      <p:par>
+        <p:cTn id="1" dur="indefinite" restart="never" nodeType="tmRoot"/>
+      </p:par>
+    </p:tnLst>
+  </p:timing>
+</p:sld>
+</file>
+
+<file path=ppt/slides/slide32.xml><?xml version="1.0" encoding="utf-8"?>
+<p:sld xmlns:a="http://schemas.openxmlformats.org/drawingml/2006/main" xmlns:r="http://schemas.openxmlformats.org/officeDocument/2006/relationships" xmlns:p="http://schemas.openxmlformats.org/presentationml/2006/main">
+  <p:cSld>
+    <p:spTree>
+      <p:nvGrpSpPr>
+        <p:cNvPr id="1" name=""/>
+        <p:cNvGrpSpPr/>
+        <p:nvPr/>
+      </p:nvGrpSpPr>
+      <p:grpSpPr>
+        <a:xfrm>
+          <a:off x="0" y="0"/>
+          <a:ext cx="0" cy="0"/>
+          <a:chOff x="0" y="0"/>
+          <a:chExt cx="0" cy="0"/>
+        </a:xfrm>
+      </p:grpSpPr>
+    </p:spTree>
+    <p:extLst>
+      <p:ext uri="{BB962C8B-B14F-4D97-AF65-F5344CB8AC3E}">
+        <p14:creationId xmlns:p14="http://schemas.microsoft.com/office/powerpoint/2010/main" val="358163739"/>
       </p:ext>
     </p:extLst>
   </p:cSld>
@@ -10853,7 +13640,7 @@
       </p:sp>
       <p:sp>
         <p:nvSpPr>
-          <p:cNvPr id="8" name="Content Placeholder 3"/>
+          <p:cNvPr id="9" name="Content Placeholder 8"/>
           <p:cNvSpPr>
             <a:spLocks noGrp="1"/>
           </p:cNvSpPr>
@@ -10861,37 +13648,12 @@
             <p:ph idx="1"/>
           </p:nvPr>
         </p:nvSpPr>
-        <p:spPr>
-          <a:xfrm>
-            <a:off x="10261600" y="1307312"/>
-            <a:ext cx="1320800" cy="4013988"/>
-          </a:xfrm>
-        </p:spPr>
+        <p:spPr/>
         <p:txBody>
-          <a:bodyPr>
-            <a:normAutofit/>
-          </a:bodyPr>
+          <a:bodyPr/>
           <a:lstStyle/>
           <a:p>
-            <a:pPr marL="0" indent="0">
-              <a:buNone/>
-            </a:pPr>
-            <a:r>
-              <a:rPr lang="en-US" sz="1800" dirty="0" smtClean="0">
-                <a:latin typeface="Times New Roman" panose="02020603050405020304" pitchFamily="18" charset="0"/>
-                <a:cs typeface="Times New Roman" panose="02020603050405020304" pitchFamily="18" charset="0"/>
-              </a:rPr>
-              <a:t>0%</a:t>
-            </a:r>
-          </a:p>
-          <a:p>
-            <a:pPr marL="0" indent="0">
-              <a:buNone/>
-            </a:pPr>
-            <a:endParaRPr lang="en-US" sz="1800" dirty="0">
-              <a:latin typeface="Times New Roman" panose="02020603050405020304" pitchFamily="18" charset="0"/>
-              <a:cs typeface="Times New Roman" panose="02020603050405020304" pitchFamily="18" charset="0"/>
-            </a:endParaRPr>
+            <a:endParaRPr lang="en-US"/>
           </a:p>
         </p:txBody>
       </p:sp>
@@ -11003,55 +13765,6 @@
                       </p:childTnLst>
                     </p:cTn>
                   </p:par>
-                  <p:par>
-                    <p:cTn id="11" fill="hold">
-                      <p:stCondLst>
-                        <p:cond delay="indefinite"/>
-                      </p:stCondLst>
-                      <p:childTnLst>
-                        <p:par>
-                          <p:cTn id="12" fill="hold">
-                            <p:stCondLst>
-                              <p:cond delay="0"/>
-                            </p:stCondLst>
-                            <p:childTnLst>
-                              <p:par>
-                                <p:cTn id="13" presetID="1" presetClass="entr" presetSubtype="0" fill="hold" grpId="0" nodeType="clickEffect">
-                                  <p:stCondLst>
-                                    <p:cond delay="0"/>
-                                  </p:stCondLst>
-                                  <p:childTnLst>
-                                    <p:set>
-                                      <p:cBhvr>
-                                        <p:cTn id="14" dur="1" fill="hold">
-                                          <p:stCondLst>
-                                            <p:cond delay="0"/>
-                                          </p:stCondLst>
-                                        </p:cTn>
-                                        <p:tgtEl>
-                                          <p:spTgt spid="8">
-                                            <p:txEl>
-                                              <p:pRg st="0" end="0"/>
-                                            </p:txEl>
-                                          </p:spTgt>
-                                        </p:tgtEl>
-                                        <p:attrNameLst>
-                                          <p:attrName>style.visibility</p:attrName>
-                                        </p:attrNameLst>
-                                      </p:cBhvr>
-                                      <p:to>
-                                        <p:strVal val="visible"/>
-                                      </p:to>
-                                    </p:set>
-                                  </p:childTnLst>
-                                </p:cTn>
-                              </p:par>
-                            </p:childTnLst>
-                          </p:cTn>
-                        </p:par>
-                      </p:childTnLst>
-                    </p:cTn>
-                  </p:par>
                 </p:childTnLst>
               </p:cTn>
               <p:prevCondLst>
@@ -11076,7 +13789,6 @@
     <p:bldLst>
       <p:bldP spid="6" grpId="0"/>
       <p:bldP spid="7" grpId="0"/>
-      <p:bldP spid="8" grpId="0" build="p"/>
     </p:bldLst>
   </p:timing>
 </p:sld>

--- a/IR/Presentation1.pptx
+++ b/IR/Presentation1.pptx
@@ -14,8 +14,8 @@
     <p:sldId id="263" r:id="rId8"/>
     <p:sldId id="262" r:id="rId9"/>
     <p:sldId id="264" r:id="rId10"/>
-    <p:sldId id="265" r:id="rId11"/>
-    <p:sldId id="270" r:id="rId12"/>
+    <p:sldId id="270" r:id="rId11"/>
+    <p:sldId id="265" r:id="rId12"/>
     <p:sldId id="267" r:id="rId13"/>
     <p:sldId id="269" r:id="rId14"/>
     <p:sldId id="271" r:id="rId15"/>
@@ -26,17 +26,14 @@
     <p:sldId id="278" r:id="rId20"/>
     <p:sldId id="280" r:id="rId21"/>
     <p:sldId id="281" r:id="rId22"/>
-    <p:sldId id="282" r:id="rId23"/>
-    <p:sldId id="283" r:id="rId24"/>
-    <p:sldId id="284" r:id="rId25"/>
-    <p:sldId id="286" r:id="rId26"/>
-    <p:sldId id="288" r:id="rId27"/>
-    <p:sldId id="289" r:id="rId28"/>
-    <p:sldId id="290" r:id="rId29"/>
-    <p:sldId id="291" r:id="rId30"/>
-    <p:sldId id="292" r:id="rId31"/>
-    <p:sldId id="293" r:id="rId32"/>
-    <p:sldId id="279" r:id="rId33"/>
+    <p:sldId id="283" r:id="rId23"/>
+    <p:sldId id="284" r:id="rId24"/>
+    <p:sldId id="286" r:id="rId25"/>
+    <p:sldId id="288" r:id="rId26"/>
+    <p:sldId id="289" r:id="rId27"/>
+    <p:sldId id="290" r:id="rId28"/>
+    <p:sldId id="291" r:id="rId29"/>
+    <p:sldId id="292" r:id="rId30"/>
   </p:sldIdLst>
   <p:sldSz cx="12192000" cy="6858000"/>
   <p:notesSz cx="6858000" cy="9144000"/>
@@ -3010,12 +3007,75 @@
             <p:ph type="ctrTitle"/>
           </p:nvPr>
         </p:nvSpPr>
-        <p:spPr/>
+        <p:spPr>
+          <a:xfrm>
+            <a:off x="0" y="3162301"/>
+            <a:ext cx="12192000" cy="2049462"/>
+          </a:xfrm>
+        </p:spPr>
         <p:txBody>
-          <a:bodyPr/>
+          <a:bodyPr>
+            <a:normAutofit fontScale="90000"/>
+          </a:bodyPr>
           <a:lstStyle/>
           <a:p>
-            <a:endParaRPr lang="en-US"/>
+            <a:r>
+              <a:rPr lang="en-US" sz="4400" b="1" dirty="0" smtClean="0">
+                <a:latin typeface="Times New Roman" panose="02020603050405020304" pitchFamily="18" charset="0"/>
+                <a:cs typeface="Times New Roman" panose="02020603050405020304" pitchFamily="18" charset="0"/>
+              </a:rPr>
+              <a:t>BÁO CÁO</a:t>
+            </a:r>
+            <a:br>
+              <a:rPr lang="en-US" sz="4400" b="1" dirty="0" smtClean="0">
+                <a:latin typeface="Times New Roman" panose="02020603050405020304" pitchFamily="18" charset="0"/>
+                <a:cs typeface="Times New Roman" panose="02020603050405020304" pitchFamily="18" charset="0"/>
+              </a:rPr>
+            </a:br>
+            <a:r>
+              <a:rPr lang="en-US" sz="4400" b="1" dirty="0" smtClean="0">
+                <a:latin typeface="Times New Roman" panose="02020603050405020304" pitchFamily="18" charset="0"/>
+                <a:cs typeface="Times New Roman" panose="02020603050405020304" pitchFamily="18" charset="0"/>
+              </a:rPr>
+              <a:t/>
+            </a:r>
+            <a:br>
+              <a:rPr lang="en-US" sz="4400" b="1" dirty="0" smtClean="0">
+                <a:latin typeface="Times New Roman" panose="02020603050405020304" pitchFamily="18" charset="0"/>
+                <a:cs typeface="Times New Roman" panose="02020603050405020304" pitchFamily="18" charset="0"/>
+              </a:rPr>
+            </a:br>
+            <a:r>
+              <a:rPr lang="en-US" sz="4400" b="1" dirty="0" smtClean="0">
+                <a:latin typeface="Times New Roman" panose="02020603050405020304" pitchFamily="18" charset="0"/>
+                <a:cs typeface="Times New Roman" panose="02020603050405020304" pitchFamily="18" charset="0"/>
+              </a:rPr>
+              <a:t>TÌM HIỂU TRUY XUẤT THÔNG TIN</a:t>
+            </a:r>
+            <a:r>
+              <a:rPr lang="en-US" sz="4400" b="1" dirty="0" smtClean="0">
+                <a:latin typeface="Times New Roman" panose="02020603050405020304" pitchFamily="18" charset="0"/>
+                <a:cs typeface="Times New Roman" panose="02020603050405020304" pitchFamily="18" charset="0"/>
+              </a:rPr>
+              <a:t/>
+            </a:r>
+            <a:br>
+              <a:rPr lang="en-US" sz="4400" b="1" dirty="0" smtClean="0">
+                <a:latin typeface="Times New Roman" panose="02020603050405020304" pitchFamily="18" charset="0"/>
+                <a:cs typeface="Times New Roman" panose="02020603050405020304" pitchFamily="18" charset="0"/>
+              </a:rPr>
+            </a:br>
+            <a:r>
+              <a:rPr lang="en-US" sz="4400" b="1" dirty="0" smtClean="0">
+                <a:latin typeface="Times New Roman" panose="02020603050405020304" pitchFamily="18" charset="0"/>
+                <a:cs typeface="Times New Roman" panose="02020603050405020304" pitchFamily="18" charset="0"/>
+              </a:rPr>
+              <a:t>(INFORMATION RETRIEVAL)</a:t>
+            </a:r>
+            <a:endParaRPr lang="en-US" sz="5500" b="1" dirty="0">
+              <a:latin typeface="Times New Roman" panose="02020603050405020304" pitchFamily="18" charset="0"/>
+              <a:cs typeface="Times New Roman" panose="02020603050405020304" pitchFamily="18" charset="0"/>
+            </a:endParaRPr>
           </a:p>
         </p:txBody>
       </p:sp>
@@ -3029,15 +3089,165 @@
             <p:ph type="subTitle" idx="1"/>
           </p:nvPr>
         </p:nvSpPr>
-        <p:spPr/>
+        <p:spPr>
+          <a:xfrm>
+            <a:off x="0" y="5278438"/>
+            <a:ext cx="11849100" cy="1439862"/>
+          </a:xfrm>
+        </p:spPr>
         <p:txBody>
           <a:bodyPr/>
           <a:lstStyle/>
           <a:p>
-            <a:endParaRPr lang="en-US"/>
+            <a:pPr algn="r"/>
+            <a:r>
+              <a:rPr lang="en-US" dirty="0" smtClean="0">
+                <a:latin typeface="Times New Roman" panose="02020603050405020304" pitchFamily="18" charset="0"/>
+                <a:cs typeface="Times New Roman" panose="02020603050405020304" pitchFamily="18" charset="0"/>
+              </a:rPr>
+              <a:t>GVHD: PGS. Lê Anh Cường</a:t>
+            </a:r>
+          </a:p>
+          <a:p>
+            <a:pPr algn="r"/>
+            <a:r>
+              <a:rPr lang="en-US" dirty="0" smtClean="0">
+                <a:latin typeface="Times New Roman" panose="02020603050405020304" pitchFamily="18" charset="0"/>
+                <a:cs typeface="Times New Roman" panose="02020603050405020304" pitchFamily="18" charset="0"/>
+              </a:rPr>
+              <a:t>Sinh viên: Lâm Phúc Nghi</a:t>
+            </a:r>
+          </a:p>
+          <a:p>
+            <a:pPr algn="r"/>
+            <a:r>
+              <a:rPr lang="en-US" dirty="0" smtClean="0">
+                <a:latin typeface="Times New Roman" panose="02020603050405020304" pitchFamily="18" charset="0"/>
+                <a:cs typeface="Times New Roman" panose="02020603050405020304" pitchFamily="18" charset="0"/>
+              </a:rPr>
+              <a:t>MSSV: 51403239</a:t>
+            </a:r>
+          </a:p>
+          <a:p>
+            <a:pPr algn="r"/>
+            <a:endParaRPr lang="en-US" dirty="0">
+              <a:latin typeface="Times New Roman" panose="02020603050405020304" pitchFamily="18" charset="0"/>
+              <a:cs typeface="Times New Roman" panose="02020603050405020304" pitchFamily="18" charset="0"/>
+            </a:endParaRPr>
           </a:p>
         </p:txBody>
       </p:sp>
+      <p:sp>
+        <p:nvSpPr>
+          <p:cNvPr id="5" name="TextBox 4"/>
+          <p:cNvSpPr txBox="1"/>
+          <p:nvPr/>
+        </p:nvSpPr>
+        <p:spPr>
+          <a:xfrm>
+            <a:off x="0" y="431800"/>
+            <a:ext cx="12192000" cy="984885"/>
+          </a:xfrm>
+          <a:prstGeom prst="rect">
+            <a:avLst/>
+          </a:prstGeom>
+          <a:noFill/>
+        </p:spPr>
+        <p:txBody>
+          <a:bodyPr wrap="square" rtlCol="0">
+            <a:spAutoFit/>
+          </a:bodyPr>
+          <a:lstStyle/>
+          <a:p>
+            <a:pPr algn="ctr"/>
+            <a:r>
+              <a:rPr lang="en-US" b="1" dirty="0" smtClean="0">
+                <a:latin typeface="Times New Roman" panose="02020603050405020304" pitchFamily="18" charset="0"/>
+                <a:cs typeface="Times New Roman" panose="02020603050405020304" pitchFamily="18" charset="0"/>
+              </a:rPr>
+              <a:t>TỔNG LIÊN ĐOÀN LAO ĐỘNG VIỆT NAM</a:t>
+            </a:r>
+          </a:p>
+          <a:p>
+            <a:pPr algn="ctr"/>
+            <a:r>
+              <a:rPr lang="en-US" sz="2000" b="1" dirty="0" smtClean="0">
+                <a:latin typeface="Times New Roman" panose="02020603050405020304" pitchFamily="18" charset="0"/>
+                <a:cs typeface="Times New Roman" panose="02020603050405020304" pitchFamily="18" charset="0"/>
+              </a:rPr>
+              <a:t>TRƯỜNG ĐẠI HỌC TÔN ĐỨC THẮNG</a:t>
+            </a:r>
+          </a:p>
+          <a:p>
+            <a:pPr algn="ctr"/>
+            <a:r>
+              <a:rPr lang="en-US" sz="2000" b="1" dirty="0" smtClean="0">
+                <a:latin typeface="Times New Roman" panose="02020603050405020304" pitchFamily="18" charset="0"/>
+                <a:cs typeface="Times New Roman" panose="02020603050405020304" pitchFamily="18" charset="0"/>
+              </a:rPr>
+              <a:t>KHOA CÔNG NGHỆ THÔNG TIN</a:t>
+            </a:r>
+            <a:endParaRPr lang="en-US" sz="2000" b="1" dirty="0">
+              <a:latin typeface="Times New Roman" panose="02020603050405020304" pitchFamily="18" charset="0"/>
+              <a:cs typeface="Times New Roman" panose="02020603050405020304" pitchFamily="18" charset="0"/>
+            </a:endParaRPr>
+          </a:p>
+        </p:txBody>
+      </p:sp>
+      <p:pic>
+        <p:nvPicPr>
+          <p:cNvPr id="1026" name="Picture 2" descr="Logo_TDT_MO"/>
+          <p:cNvPicPr>
+            <a:picLocks noChangeAspect="1" noChangeArrowheads="1"/>
+          </p:cNvPicPr>
+          <p:nvPr/>
+        </p:nvPicPr>
+        <p:blipFill>
+          <a:blip r:embed="rId2" cstate="print">
+            <a:extLst>
+              <a:ext uri="{28A0092B-C50C-407E-A947-70E740481C1C}">
+                <a14:useLocalDpi xmlns:a14="http://schemas.microsoft.com/office/drawing/2010/main" val="0"/>
+              </a:ext>
+            </a:extLst>
+          </a:blip>
+          <a:srcRect/>
+          <a:stretch>
+            <a:fillRect/>
+          </a:stretch>
+        </p:blipFill>
+        <p:spPr bwMode="auto">
+          <a:xfrm>
+            <a:off x="5062537" y="1572260"/>
+            <a:ext cx="2066925" cy="1133475"/>
+          </a:xfrm>
+          <a:prstGeom prst="rect">
+            <a:avLst/>
+          </a:prstGeom>
+          <a:noFill/>
+          <a:ln>
+            <a:noFill/>
+          </a:ln>
+          <a:extLst>
+            <a:ext uri="{909E8E84-426E-40DD-AFC4-6F175D3DCCD1}">
+              <a14:hiddenFill xmlns:a14="http://schemas.microsoft.com/office/drawing/2010/main">
+                <a:solidFill>
+                  <a:srgbClr val="FFFFFF"/>
+                </a:solidFill>
+              </a14:hiddenFill>
+            </a:ext>
+            <a:ext uri="{91240B29-F687-4F45-9708-019B960494DF}">
+              <a14:hiddenLine xmlns:a14="http://schemas.microsoft.com/office/drawing/2010/main" w="9525">
+                <a:solidFill>
+                  <a:srgbClr val="000000"/>
+                </a:solidFill>
+                <a:miter lim="800000"/>
+                <a:headEnd/>
+                <a:tailEnd/>
+              </a14:hiddenLine>
+            </a:ext>
+          </a:extLst>
+        </p:spPr>
+      </p:pic>
     </p:spTree>
     <p:extLst>
       <p:ext uri="{BB962C8B-B14F-4D97-AF65-F5344CB8AC3E}">
@@ -3117,6 +3327,16 @@
           </a:lstStyle>
           <a:p>
             <a:r>
+              <a:rPr lang="en-US" sz="4000" b="1" dirty="0">
+                <a:solidFill>
+                  <a:srgbClr val="7030A0"/>
+                </a:solidFill>
+                <a:latin typeface="Times New Roman" panose="02020603050405020304" pitchFamily="18" charset="0"/>
+                <a:cs typeface="Times New Roman" panose="02020603050405020304" pitchFamily="18" charset="0"/>
+              </a:rPr>
+              <a:t>The probability ranking </a:t>
+            </a:r>
+            <a:r>
               <a:rPr lang="en-US" sz="4000" b="1" dirty="0" smtClean="0">
                 <a:solidFill>
                   <a:srgbClr val="7030A0"/>
@@ -3124,17 +3344,7 @@
                 <a:latin typeface="Times New Roman" panose="02020603050405020304" pitchFamily="18" charset="0"/>
                 <a:cs typeface="Times New Roman" panose="02020603050405020304" pitchFamily="18" charset="0"/>
               </a:rPr>
-              <a:t>Precision and Recall combine Ranking</a:t>
-            </a:r>
-            <a:r>
-              <a:rPr lang="en-US" sz="4000" b="1" dirty="0" smtClean="0">
-                <a:solidFill>
-                  <a:srgbClr val="7030A0"/>
-                </a:solidFill>
-                <a:latin typeface="Times New Roman" panose="02020603050405020304" pitchFamily="18" charset="0"/>
-                <a:cs typeface="Times New Roman" panose="02020603050405020304" pitchFamily="18" charset="0"/>
-              </a:rPr>
-              <a:t>.</a:t>
+              <a:t>principle.</a:t>
             </a:r>
             <a:endParaRPr lang="en-US" sz="4000" b="1" dirty="0">
               <a:solidFill>
@@ -3148,7 +3358,7 @@
       </p:sp>
       <p:pic>
         <p:nvPicPr>
-          <p:cNvPr id="5" name="Picture 4"/>
+          <p:cNvPr id="2" name="Picture 1"/>
           <p:cNvPicPr>
             <a:picLocks noChangeAspect="1"/>
           </p:cNvPicPr>
@@ -3168,48 +3378,198 @@
         </p:blipFill>
         <p:spPr>
           <a:xfrm>
-            <a:off x="6105525" y="1018773"/>
-            <a:ext cx="5210175" cy="4248150"/>
+            <a:off x="996949" y="893762"/>
+            <a:ext cx="11230679" cy="4808538"/>
           </a:xfrm>
           <a:prstGeom prst="rect">
             <a:avLst/>
           </a:prstGeom>
         </p:spPr>
       </p:pic>
-      <p:pic>
-        <p:nvPicPr>
-          <p:cNvPr id="6" name="Picture 5"/>
-          <p:cNvPicPr>
-            <a:picLocks noChangeAspect="1"/>
-          </p:cNvPicPr>
+      <p:sp>
+        <p:nvSpPr>
+          <p:cNvPr id="7" name="TextBox 6"/>
+          <p:cNvSpPr txBox="1"/>
           <p:nvPr/>
-        </p:nvPicPr>
-        <p:blipFill>
-          <a:blip r:embed="rId3">
-            <a:extLst>
-              <a:ext uri="{28A0092B-C50C-407E-A947-70E740481C1C}">
-                <a14:useLocalDpi xmlns:a14="http://schemas.microsoft.com/office/drawing/2010/main" val="0"/>
-              </a:ext>
-            </a:extLst>
-          </a:blip>
-          <a:stretch>
-            <a:fillRect/>
-          </a:stretch>
-        </p:blipFill>
+        </p:nvSpPr>
         <p:spPr>
           <a:xfrm>
-            <a:off x="0" y="1018773"/>
-            <a:ext cx="5229225" cy="4257675"/>
+            <a:off x="184148" y="2127314"/>
+            <a:ext cx="1377952" cy="4093428"/>
           </a:xfrm>
           <a:prstGeom prst="rect">
             <a:avLst/>
           </a:prstGeom>
+          <a:noFill/>
         </p:spPr>
-      </p:pic>
+        <p:txBody>
+          <a:bodyPr wrap="square" rtlCol="0">
+            <a:spAutoFit/>
+          </a:bodyPr>
+          <a:lstStyle/>
+          <a:p>
+            <a:r>
+              <a:rPr lang="en-US" sz="2000" dirty="0" smtClean="0">
+                <a:latin typeface="Times New Roman" panose="02020603050405020304" pitchFamily="18" charset="0"/>
+                <a:cs typeface="Times New Roman" panose="02020603050405020304" pitchFamily="18" charset="0"/>
+              </a:rPr>
+              <a:t>Ranking 2</a:t>
+            </a:r>
+          </a:p>
+          <a:p>
+            <a:r>
+              <a:rPr lang="en-US" sz="2000" dirty="0" smtClean="0">
+                <a:latin typeface="Times New Roman" panose="02020603050405020304" pitchFamily="18" charset="0"/>
+                <a:cs typeface="Times New Roman" panose="02020603050405020304" pitchFamily="18" charset="0"/>
+              </a:rPr>
+              <a:t>Recall </a:t>
+            </a:r>
+          </a:p>
+          <a:p>
+            <a:r>
+              <a:rPr lang="en-US" sz="2000" dirty="0" smtClean="0">
+                <a:latin typeface="Times New Roman" panose="02020603050405020304" pitchFamily="18" charset="0"/>
+                <a:cs typeface="Times New Roman" panose="02020603050405020304" pitchFamily="18" charset="0"/>
+              </a:rPr>
+              <a:t>0     0.5</a:t>
+            </a:r>
+          </a:p>
+          <a:p>
+            <a:r>
+              <a:rPr lang="en-US" sz="2000" dirty="0" smtClean="0">
+                <a:latin typeface="Times New Roman" panose="02020603050405020304" pitchFamily="18" charset="0"/>
+                <a:cs typeface="Times New Roman" panose="02020603050405020304" pitchFamily="18" charset="0"/>
+              </a:rPr>
+              <a:t>0.1  0.5</a:t>
+            </a:r>
+          </a:p>
+          <a:p>
+            <a:r>
+              <a:rPr lang="en-US" sz="2000" dirty="0" smtClean="0">
+                <a:latin typeface="Times New Roman" panose="02020603050405020304" pitchFamily="18" charset="0"/>
+                <a:cs typeface="Times New Roman" panose="02020603050405020304" pitchFamily="18" charset="0"/>
+              </a:rPr>
+              <a:t>0.2  0.5</a:t>
+            </a:r>
+          </a:p>
+          <a:p>
+            <a:r>
+              <a:rPr lang="en-US" sz="2000" dirty="0" smtClean="0">
+                <a:latin typeface="Times New Roman" panose="02020603050405020304" pitchFamily="18" charset="0"/>
+                <a:cs typeface="Times New Roman" panose="02020603050405020304" pitchFamily="18" charset="0"/>
+              </a:rPr>
+              <a:t>0.3  0.5</a:t>
+            </a:r>
+          </a:p>
+          <a:p>
+            <a:r>
+              <a:rPr lang="en-US" sz="2000" dirty="0" smtClean="0">
+                <a:latin typeface="Times New Roman" panose="02020603050405020304" pitchFamily="18" charset="0"/>
+                <a:cs typeface="Times New Roman" panose="02020603050405020304" pitchFamily="18" charset="0"/>
+              </a:rPr>
+              <a:t>0.4  0.5</a:t>
+            </a:r>
+          </a:p>
+          <a:p>
+            <a:r>
+              <a:rPr lang="en-US" sz="2000" dirty="0" smtClean="0">
+                <a:latin typeface="Times New Roman" panose="02020603050405020304" pitchFamily="18" charset="0"/>
+                <a:cs typeface="Times New Roman" panose="02020603050405020304" pitchFamily="18" charset="0"/>
+              </a:rPr>
+              <a:t>0.5  0.5</a:t>
+            </a:r>
+          </a:p>
+          <a:p>
+            <a:r>
+              <a:rPr lang="en-US" sz="2000" dirty="0" smtClean="0">
+                <a:latin typeface="Times New Roman" panose="02020603050405020304" pitchFamily="18" charset="0"/>
+                <a:cs typeface="Times New Roman" panose="02020603050405020304" pitchFamily="18" charset="0"/>
+              </a:rPr>
+              <a:t>0.6  0.5</a:t>
+            </a:r>
+          </a:p>
+          <a:p>
+            <a:r>
+              <a:rPr lang="en-US" sz="2000" dirty="0" smtClean="0">
+                <a:latin typeface="Times New Roman" panose="02020603050405020304" pitchFamily="18" charset="0"/>
+                <a:cs typeface="Times New Roman" panose="02020603050405020304" pitchFamily="18" charset="0"/>
+              </a:rPr>
+              <a:t>0.7  0.5</a:t>
+            </a:r>
+          </a:p>
+          <a:p>
+            <a:r>
+              <a:rPr lang="en-US" sz="2000" dirty="0" smtClean="0">
+                <a:latin typeface="Times New Roman" panose="02020603050405020304" pitchFamily="18" charset="0"/>
+                <a:cs typeface="Times New Roman" panose="02020603050405020304" pitchFamily="18" charset="0"/>
+              </a:rPr>
+              <a:t>0.8  0.5</a:t>
+            </a:r>
+          </a:p>
+          <a:p>
+            <a:r>
+              <a:rPr lang="en-US" sz="2000" dirty="0" smtClean="0">
+                <a:latin typeface="Times New Roman" panose="02020603050405020304" pitchFamily="18" charset="0"/>
+                <a:cs typeface="Times New Roman" panose="02020603050405020304" pitchFamily="18" charset="0"/>
+              </a:rPr>
+              <a:t>0.9  0.5</a:t>
+            </a:r>
+          </a:p>
+          <a:p>
+            <a:r>
+              <a:rPr lang="en-US" sz="2000" dirty="0" smtClean="0">
+                <a:latin typeface="Times New Roman" panose="02020603050405020304" pitchFamily="18" charset="0"/>
+                <a:cs typeface="Times New Roman" panose="02020603050405020304" pitchFamily="18" charset="0"/>
+              </a:rPr>
+              <a:t>1     0.5</a:t>
+            </a:r>
+            <a:endParaRPr lang="en-US" sz="2000" dirty="0">
+              <a:latin typeface="Times New Roman" panose="02020603050405020304" pitchFamily="18" charset="0"/>
+              <a:cs typeface="Times New Roman" panose="02020603050405020304" pitchFamily="18" charset="0"/>
+            </a:endParaRPr>
+          </a:p>
+        </p:txBody>
+      </p:sp>
+      <p:sp>
+        <p:nvSpPr>
+          <p:cNvPr id="8" name="TextBox 7"/>
+          <p:cNvSpPr txBox="1"/>
+          <p:nvPr/>
+        </p:nvSpPr>
+        <p:spPr>
+          <a:xfrm>
+            <a:off x="1403348" y="5477301"/>
+            <a:ext cx="6838951" cy="461665"/>
+          </a:xfrm>
+          <a:prstGeom prst="rect">
+            <a:avLst/>
+          </a:prstGeom>
+          <a:noFill/>
+        </p:spPr>
+        <p:txBody>
+          <a:bodyPr wrap="square" rtlCol="0">
+            <a:spAutoFit/>
+          </a:bodyPr>
+          <a:lstStyle/>
+          <a:p>
+            <a:r>
+              <a:rPr lang="en-US" sz="2400" dirty="0" smtClean="0">
+                <a:latin typeface="Times New Roman" panose="02020603050405020304" pitchFamily="18" charset="0"/>
+                <a:cs typeface="Times New Roman" panose="02020603050405020304" pitchFamily="18" charset="0"/>
+              </a:rPr>
+              <a:t>Interpolated avg pre = (0.5 x 11) / 11 = 0.5</a:t>
+            </a:r>
+            <a:endParaRPr lang="en-US" sz="2400" dirty="0">
+              <a:latin typeface="Times New Roman" panose="02020603050405020304" pitchFamily="18" charset="0"/>
+              <a:cs typeface="Times New Roman" panose="02020603050405020304" pitchFamily="18" charset="0"/>
+            </a:endParaRPr>
+          </a:p>
+        </p:txBody>
+      </p:sp>
     </p:spTree>
     <p:extLst>
       <p:ext uri="{BB962C8B-B14F-4D97-AF65-F5344CB8AC3E}">
-        <p14:creationId xmlns:p14="http://schemas.microsoft.com/office/powerpoint/2010/main" val="2371644466"/>
+        <p14:creationId xmlns:p14="http://schemas.microsoft.com/office/powerpoint/2010/main" val="1279894501"/>
       </p:ext>
     </p:extLst>
   </p:cSld>
@@ -3219,9 +3579,179 @@
   <p:timing>
     <p:tnLst>
       <p:par>
-        <p:cTn id="1" dur="indefinite" restart="never" nodeType="tmRoot"/>
+        <p:cTn id="1" dur="indefinite" restart="never" nodeType="tmRoot">
+          <p:childTnLst>
+            <p:seq concurrent="1" nextAc="seek">
+              <p:cTn id="2" dur="indefinite" nodeType="mainSeq">
+                <p:childTnLst>
+                  <p:par>
+                    <p:cTn id="3" fill="hold">
+                      <p:stCondLst>
+                        <p:cond delay="indefinite"/>
+                      </p:stCondLst>
+                      <p:childTnLst>
+                        <p:par>
+                          <p:cTn id="4" fill="hold">
+                            <p:stCondLst>
+                              <p:cond delay="0"/>
+                            </p:stCondLst>
+                            <p:childTnLst>
+                              <p:par>
+                                <p:cTn id="5" presetID="10" presetClass="entr" presetSubtype="0" fill="hold" nodeType="clickEffect">
+                                  <p:stCondLst>
+                                    <p:cond delay="0"/>
+                                  </p:stCondLst>
+                                  <p:childTnLst>
+                                    <p:set>
+                                      <p:cBhvr>
+                                        <p:cTn id="6" dur="1" fill="hold">
+                                          <p:stCondLst>
+                                            <p:cond delay="0"/>
+                                          </p:stCondLst>
+                                        </p:cTn>
+                                        <p:tgtEl>
+                                          <p:spTgt spid="2"/>
+                                        </p:tgtEl>
+                                        <p:attrNameLst>
+                                          <p:attrName>style.visibility</p:attrName>
+                                        </p:attrNameLst>
+                                      </p:cBhvr>
+                                      <p:to>
+                                        <p:strVal val="visible"/>
+                                      </p:to>
+                                    </p:set>
+                                    <p:animEffect transition="in" filter="fade">
+                                      <p:cBhvr>
+                                        <p:cTn id="7" dur="500"/>
+                                        <p:tgtEl>
+                                          <p:spTgt spid="2"/>
+                                        </p:tgtEl>
+                                      </p:cBhvr>
+                                    </p:animEffect>
+                                  </p:childTnLst>
+                                </p:cTn>
+                              </p:par>
+                            </p:childTnLst>
+                          </p:cTn>
+                        </p:par>
+                      </p:childTnLst>
+                    </p:cTn>
+                  </p:par>
+                  <p:par>
+                    <p:cTn id="8" fill="hold">
+                      <p:stCondLst>
+                        <p:cond delay="indefinite"/>
+                      </p:stCondLst>
+                      <p:childTnLst>
+                        <p:par>
+                          <p:cTn id="9" fill="hold">
+                            <p:stCondLst>
+                              <p:cond delay="0"/>
+                            </p:stCondLst>
+                            <p:childTnLst>
+                              <p:par>
+                                <p:cTn id="10" presetID="1" presetClass="entr" presetSubtype="0" fill="hold" grpId="0" nodeType="clickEffect">
+                                  <p:stCondLst>
+                                    <p:cond delay="0"/>
+                                  </p:stCondLst>
+                                  <p:childTnLst>
+                                    <p:set>
+                                      <p:cBhvr>
+                                        <p:cTn id="11" dur="1" fill="hold">
+                                          <p:stCondLst>
+                                            <p:cond delay="0"/>
+                                          </p:stCondLst>
+                                        </p:cTn>
+                                        <p:tgtEl>
+                                          <p:spTgt spid="7"/>
+                                        </p:tgtEl>
+                                        <p:attrNameLst>
+                                          <p:attrName>style.visibility</p:attrName>
+                                        </p:attrNameLst>
+                                      </p:cBhvr>
+                                      <p:to>
+                                        <p:strVal val="visible"/>
+                                      </p:to>
+                                    </p:set>
+                                  </p:childTnLst>
+                                </p:cTn>
+                              </p:par>
+                            </p:childTnLst>
+                          </p:cTn>
+                        </p:par>
+                      </p:childTnLst>
+                    </p:cTn>
+                  </p:par>
+                  <p:par>
+                    <p:cTn id="12" fill="hold">
+                      <p:stCondLst>
+                        <p:cond delay="indefinite"/>
+                      </p:stCondLst>
+                      <p:childTnLst>
+                        <p:par>
+                          <p:cTn id="13" fill="hold">
+                            <p:stCondLst>
+                              <p:cond delay="0"/>
+                            </p:stCondLst>
+                            <p:childTnLst>
+                              <p:par>
+                                <p:cTn id="14" presetID="1" presetClass="entr" presetSubtype="0" fill="hold" grpId="0" nodeType="clickEffect">
+                                  <p:stCondLst>
+                                    <p:cond delay="0"/>
+                                  </p:stCondLst>
+                                  <p:childTnLst>
+                                    <p:set>
+                                      <p:cBhvr>
+                                        <p:cTn id="15" dur="1" fill="hold">
+                                          <p:stCondLst>
+                                            <p:cond delay="0"/>
+                                          </p:stCondLst>
+                                        </p:cTn>
+                                        <p:tgtEl>
+                                          <p:spTgt spid="8"/>
+                                        </p:tgtEl>
+                                        <p:attrNameLst>
+                                          <p:attrName>style.visibility</p:attrName>
+                                        </p:attrNameLst>
+                                      </p:cBhvr>
+                                      <p:to>
+                                        <p:strVal val="visible"/>
+                                      </p:to>
+                                    </p:set>
+                                  </p:childTnLst>
+                                </p:cTn>
+                              </p:par>
+                            </p:childTnLst>
+                          </p:cTn>
+                        </p:par>
+                      </p:childTnLst>
+                    </p:cTn>
+                  </p:par>
+                </p:childTnLst>
+              </p:cTn>
+              <p:prevCondLst>
+                <p:cond evt="onPrev" delay="0">
+                  <p:tgtEl>
+                    <p:sldTgt/>
+                  </p:tgtEl>
+                </p:cond>
+              </p:prevCondLst>
+              <p:nextCondLst>
+                <p:cond evt="onNext" delay="0">
+                  <p:tgtEl>
+                    <p:sldTgt/>
+                  </p:tgtEl>
+                </p:cond>
+              </p:nextCondLst>
+            </p:seq>
+          </p:childTnLst>
+        </p:cTn>
       </p:par>
     </p:tnLst>
+    <p:bldLst>
+      <p:bldP spid="7" grpId="0"/>
+      <p:bldP spid="8" grpId="0"/>
+    </p:bldLst>
   </p:timing>
 </p:sld>
 </file>
@@ -3285,14 +3815,14 @@
           </a:lstStyle>
           <a:p>
             <a:r>
-              <a:rPr lang="en-US" sz="4000" b="1" dirty="0">
+              <a:rPr lang="en-US" sz="4000" b="1" dirty="0" smtClean="0">
                 <a:solidFill>
                   <a:srgbClr val="7030A0"/>
                 </a:solidFill>
                 <a:latin typeface="Times New Roman" panose="02020603050405020304" pitchFamily="18" charset="0"/>
                 <a:cs typeface="Times New Roman" panose="02020603050405020304" pitchFamily="18" charset="0"/>
               </a:rPr>
-              <a:t>The probability ranking </a:t>
+              <a:t>Precision and Recall combine Ranking</a:t>
             </a:r>
             <a:r>
               <a:rPr lang="en-US" sz="4000" b="1" dirty="0" smtClean="0">
@@ -3302,7 +3832,7 @@
                 <a:latin typeface="Times New Roman" panose="02020603050405020304" pitchFamily="18" charset="0"/>
                 <a:cs typeface="Times New Roman" panose="02020603050405020304" pitchFamily="18" charset="0"/>
               </a:rPr>
-              <a:t>principle.</a:t>
+              <a:t>.</a:t>
             </a:r>
             <a:endParaRPr lang="en-US" sz="4000" b="1" dirty="0">
               <a:solidFill>
@@ -3314,10 +3844,250 @@
           </a:p>
         </p:txBody>
       </p:sp>
+      <p:pic>
+        <p:nvPicPr>
+          <p:cNvPr id="5" name="Picture 4"/>
+          <p:cNvPicPr>
+            <a:picLocks noChangeAspect="1"/>
+          </p:cNvPicPr>
+          <p:nvPr/>
+        </p:nvPicPr>
+        <p:blipFill>
+          <a:blip r:embed="rId2">
+            <a:extLst>
+              <a:ext uri="{28A0092B-C50C-407E-A947-70E740481C1C}">
+                <a14:useLocalDpi xmlns:a14="http://schemas.microsoft.com/office/drawing/2010/main" val="0"/>
+              </a:ext>
+            </a:extLst>
+          </a:blip>
+          <a:stretch>
+            <a:fillRect/>
+          </a:stretch>
+        </p:blipFill>
+        <p:spPr>
+          <a:xfrm>
+            <a:off x="6835774" y="1023536"/>
+            <a:ext cx="5210175" cy="4248150"/>
+          </a:xfrm>
+          <a:prstGeom prst="rect">
+            <a:avLst/>
+          </a:prstGeom>
+        </p:spPr>
+      </p:pic>
+      <p:pic>
+        <p:nvPicPr>
+          <p:cNvPr id="6" name="Picture 5"/>
+          <p:cNvPicPr>
+            <a:picLocks noChangeAspect="1"/>
+          </p:cNvPicPr>
+          <p:nvPr/>
+        </p:nvPicPr>
+        <p:blipFill>
+          <a:blip r:embed="rId3">
+            <a:extLst>
+              <a:ext uri="{28A0092B-C50C-407E-A947-70E740481C1C}">
+                <a14:useLocalDpi xmlns:a14="http://schemas.microsoft.com/office/drawing/2010/main" val="0"/>
+              </a:ext>
+            </a:extLst>
+          </a:blip>
+          <a:stretch>
+            <a:fillRect/>
+          </a:stretch>
+        </p:blipFill>
+        <p:spPr>
+          <a:xfrm>
+            <a:off x="1758949" y="1014011"/>
+            <a:ext cx="5076825" cy="4257675"/>
+          </a:xfrm>
+          <a:prstGeom prst="rect">
+            <a:avLst/>
+          </a:prstGeom>
+        </p:spPr>
+      </p:pic>
+      <p:sp>
+        <p:nvSpPr>
+          <p:cNvPr id="7" name="TextBox 6"/>
+          <p:cNvSpPr txBox="1"/>
+          <p:nvPr/>
+        </p:nvSpPr>
+        <p:spPr>
+          <a:xfrm>
+            <a:off x="184148" y="1224388"/>
+            <a:ext cx="1428750" cy="4093428"/>
+          </a:xfrm>
+          <a:prstGeom prst="rect">
+            <a:avLst/>
+          </a:prstGeom>
+          <a:noFill/>
+        </p:spPr>
+        <p:txBody>
+          <a:bodyPr wrap="square" rtlCol="0">
+            <a:spAutoFit/>
+          </a:bodyPr>
+          <a:lstStyle/>
+          <a:p>
+            <a:r>
+              <a:rPr lang="en-US" sz="2000" dirty="0" smtClean="0">
+                <a:latin typeface="Times New Roman" panose="02020603050405020304" pitchFamily="18" charset="0"/>
+                <a:cs typeface="Times New Roman" panose="02020603050405020304" pitchFamily="18" charset="0"/>
+              </a:rPr>
+              <a:t>Ranking 3</a:t>
+            </a:r>
+          </a:p>
+          <a:p>
+            <a:r>
+              <a:rPr lang="en-US" sz="2000" dirty="0" smtClean="0">
+                <a:latin typeface="Times New Roman" panose="02020603050405020304" pitchFamily="18" charset="0"/>
+                <a:cs typeface="Times New Roman" panose="02020603050405020304" pitchFamily="18" charset="0"/>
+              </a:rPr>
+              <a:t>Recall </a:t>
+            </a:r>
+          </a:p>
+          <a:p>
+            <a:r>
+              <a:rPr lang="en-US" sz="2000" dirty="0" smtClean="0">
+                <a:latin typeface="Times New Roman" panose="02020603050405020304" pitchFamily="18" charset="0"/>
+                <a:cs typeface="Times New Roman" panose="02020603050405020304" pitchFamily="18" charset="0"/>
+              </a:rPr>
+              <a:t>0        2/3</a:t>
+            </a:r>
+          </a:p>
+          <a:p>
+            <a:r>
+              <a:rPr lang="en-US" sz="2000" dirty="0" smtClean="0">
+                <a:latin typeface="Times New Roman" panose="02020603050405020304" pitchFamily="18" charset="0"/>
+                <a:cs typeface="Times New Roman" panose="02020603050405020304" pitchFamily="18" charset="0"/>
+              </a:rPr>
+              <a:t>0.1     2/3</a:t>
+            </a:r>
+          </a:p>
+          <a:p>
+            <a:r>
+              <a:rPr lang="en-US" sz="2000" dirty="0" smtClean="0">
+                <a:latin typeface="Times New Roman" panose="02020603050405020304" pitchFamily="18" charset="0"/>
+                <a:cs typeface="Times New Roman" panose="02020603050405020304" pitchFamily="18" charset="0"/>
+              </a:rPr>
+              <a:t>0.2     2/3</a:t>
+            </a:r>
+          </a:p>
+          <a:p>
+            <a:r>
+              <a:rPr lang="en-US" sz="2000" dirty="0" smtClean="0">
+                <a:latin typeface="Times New Roman" panose="02020603050405020304" pitchFamily="18" charset="0"/>
+                <a:cs typeface="Times New Roman" panose="02020603050405020304" pitchFamily="18" charset="0"/>
+              </a:rPr>
+              <a:t>0.3     2/3</a:t>
+            </a:r>
+          </a:p>
+          <a:p>
+            <a:r>
+              <a:rPr lang="en-US" sz="2000" dirty="0" smtClean="0">
+                <a:latin typeface="Times New Roman" panose="02020603050405020304" pitchFamily="18" charset="0"/>
+                <a:cs typeface="Times New Roman" panose="02020603050405020304" pitchFamily="18" charset="0"/>
+              </a:rPr>
+              <a:t>0.4     5/8</a:t>
+            </a:r>
+          </a:p>
+          <a:p>
+            <a:r>
+              <a:rPr lang="en-US" sz="2000" dirty="0" smtClean="0">
+                <a:latin typeface="Times New Roman" panose="02020603050405020304" pitchFamily="18" charset="0"/>
+                <a:cs typeface="Times New Roman" panose="02020603050405020304" pitchFamily="18" charset="0"/>
+              </a:rPr>
+              <a:t>0.5     5/8</a:t>
+            </a:r>
+          </a:p>
+          <a:p>
+            <a:r>
+              <a:rPr lang="en-US" sz="2000" dirty="0" smtClean="0">
+                <a:latin typeface="Times New Roman" panose="02020603050405020304" pitchFamily="18" charset="0"/>
+                <a:cs typeface="Times New Roman" panose="02020603050405020304" pitchFamily="18" charset="0"/>
+              </a:rPr>
+              <a:t>0.6     5/8</a:t>
+            </a:r>
+          </a:p>
+          <a:p>
+            <a:r>
+              <a:rPr lang="en-US" sz="2000" dirty="0" smtClean="0">
+                <a:latin typeface="Times New Roman" panose="02020603050405020304" pitchFamily="18" charset="0"/>
+                <a:cs typeface="Times New Roman" panose="02020603050405020304" pitchFamily="18" charset="0"/>
+              </a:rPr>
+              <a:t>0.7     5/8</a:t>
+            </a:r>
+          </a:p>
+          <a:p>
+            <a:r>
+              <a:rPr lang="en-US" sz="2000" dirty="0" smtClean="0">
+                <a:latin typeface="Times New Roman" panose="02020603050405020304" pitchFamily="18" charset="0"/>
+                <a:cs typeface="Times New Roman" panose="02020603050405020304" pitchFamily="18" charset="0"/>
+              </a:rPr>
+              <a:t>0.8     5/8</a:t>
+            </a:r>
+          </a:p>
+          <a:p>
+            <a:r>
+              <a:rPr lang="en-US" sz="2000" dirty="0" smtClean="0">
+                <a:latin typeface="Times New Roman" panose="02020603050405020304" pitchFamily="18" charset="0"/>
+                <a:cs typeface="Times New Roman" panose="02020603050405020304" pitchFamily="18" charset="0"/>
+              </a:rPr>
+              <a:t>0.9     5/8</a:t>
+            </a:r>
+          </a:p>
+          <a:p>
+            <a:r>
+              <a:rPr lang="en-US" sz="2000" dirty="0" smtClean="0">
+                <a:latin typeface="Times New Roman" panose="02020603050405020304" pitchFamily="18" charset="0"/>
+                <a:cs typeface="Times New Roman" panose="02020603050405020304" pitchFamily="18" charset="0"/>
+              </a:rPr>
+              <a:t>1        5/8</a:t>
+            </a:r>
+            <a:endParaRPr lang="en-US" sz="2000" dirty="0">
+              <a:latin typeface="Times New Roman" panose="02020603050405020304" pitchFamily="18" charset="0"/>
+              <a:cs typeface="Times New Roman" panose="02020603050405020304" pitchFamily="18" charset="0"/>
+            </a:endParaRPr>
+          </a:p>
+        </p:txBody>
+      </p:sp>
+      <p:sp>
+        <p:nvSpPr>
+          <p:cNvPr id="8" name="TextBox 7"/>
+          <p:cNvSpPr txBox="1"/>
+          <p:nvPr/>
+        </p:nvSpPr>
+        <p:spPr>
+          <a:xfrm>
+            <a:off x="1403348" y="5477301"/>
+            <a:ext cx="6838951" cy="461665"/>
+          </a:xfrm>
+          <a:prstGeom prst="rect">
+            <a:avLst/>
+          </a:prstGeom>
+          <a:noFill/>
+        </p:spPr>
+        <p:txBody>
+          <a:bodyPr wrap="square" rtlCol="0">
+            <a:spAutoFit/>
+          </a:bodyPr>
+          <a:lstStyle/>
+          <a:p>
+            <a:r>
+              <a:rPr lang="en-US" sz="2400" dirty="0" smtClean="0">
+                <a:latin typeface="Times New Roman" panose="02020603050405020304" pitchFamily="18" charset="0"/>
+                <a:cs typeface="Times New Roman" panose="02020603050405020304" pitchFamily="18" charset="0"/>
+              </a:rPr>
+              <a:t>Interpolated avg pre = ((2/3*4)+(5/8*7))/11 = 0.64</a:t>
+            </a:r>
+            <a:endParaRPr lang="en-US" sz="2400" dirty="0">
+              <a:latin typeface="Times New Roman" panose="02020603050405020304" pitchFamily="18" charset="0"/>
+              <a:cs typeface="Times New Roman" panose="02020603050405020304" pitchFamily="18" charset="0"/>
+            </a:endParaRPr>
+          </a:p>
+        </p:txBody>
+      </p:sp>
     </p:spTree>
     <p:extLst>
       <p:ext uri="{BB962C8B-B14F-4D97-AF65-F5344CB8AC3E}">
-        <p14:creationId xmlns:p14="http://schemas.microsoft.com/office/powerpoint/2010/main" val="1279894501"/>
+        <p14:creationId xmlns:p14="http://schemas.microsoft.com/office/powerpoint/2010/main" val="2371644466"/>
       </p:ext>
     </p:extLst>
   </p:cSld>
@@ -3327,9 +4097,198 @@
   <p:timing>
     <p:tnLst>
       <p:par>
-        <p:cTn id="1" dur="indefinite" restart="never" nodeType="tmRoot"/>
+        <p:cTn id="1" dur="indefinite" restart="never" nodeType="tmRoot">
+          <p:childTnLst>
+            <p:seq concurrent="1" nextAc="seek">
+              <p:cTn id="2" dur="indefinite" nodeType="mainSeq">
+                <p:childTnLst>
+                  <p:par>
+                    <p:cTn id="3" fill="hold">
+                      <p:stCondLst>
+                        <p:cond delay="indefinite"/>
+                      </p:stCondLst>
+                      <p:childTnLst>
+                        <p:par>
+                          <p:cTn id="4" fill="hold">
+                            <p:stCondLst>
+                              <p:cond delay="0"/>
+                            </p:stCondLst>
+                            <p:childTnLst>
+                              <p:par>
+                                <p:cTn id="5" presetID="1" presetClass="entr" presetSubtype="0" fill="hold" nodeType="clickEffect">
+                                  <p:stCondLst>
+                                    <p:cond delay="0"/>
+                                  </p:stCondLst>
+                                  <p:childTnLst>
+                                    <p:set>
+                                      <p:cBhvr>
+                                        <p:cTn id="6" dur="1" fill="hold">
+                                          <p:stCondLst>
+                                            <p:cond delay="0"/>
+                                          </p:stCondLst>
+                                        </p:cTn>
+                                        <p:tgtEl>
+                                          <p:spTgt spid="6"/>
+                                        </p:tgtEl>
+                                        <p:attrNameLst>
+                                          <p:attrName>style.visibility</p:attrName>
+                                        </p:attrNameLst>
+                                      </p:cBhvr>
+                                      <p:to>
+                                        <p:strVal val="visible"/>
+                                      </p:to>
+                                    </p:set>
+                                  </p:childTnLst>
+                                </p:cTn>
+                              </p:par>
+                              <p:par>
+                                <p:cTn id="7" presetID="1" presetClass="entr" presetSubtype="0" fill="hold" nodeType="withEffect">
+                                  <p:stCondLst>
+                                    <p:cond delay="0"/>
+                                  </p:stCondLst>
+                                  <p:childTnLst>
+                                    <p:set>
+                                      <p:cBhvr>
+                                        <p:cTn id="8" dur="1" fill="hold">
+                                          <p:stCondLst>
+                                            <p:cond delay="0"/>
+                                          </p:stCondLst>
+                                        </p:cTn>
+                                        <p:tgtEl>
+                                          <p:spTgt spid="5"/>
+                                        </p:tgtEl>
+                                        <p:attrNameLst>
+                                          <p:attrName>style.visibility</p:attrName>
+                                        </p:attrNameLst>
+                                      </p:cBhvr>
+                                      <p:to>
+                                        <p:strVal val="visible"/>
+                                      </p:to>
+                                    </p:set>
+                                  </p:childTnLst>
+                                </p:cTn>
+                              </p:par>
+                            </p:childTnLst>
+                          </p:cTn>
+                        </p:par>
+                      </p:childTnLst>
+                    </p:cTn>
+                  </p:par>
+                  <p:par>
+                    <p:cTn id="9" fill="hold">
+                      <p:stCondLst>
+                        <p:cond delay="indefinite"/>
+                      </p:stCondLst>
+                      <p:childTnLst>
+                        <p:par>
+                          <p:cTn id="10" fill="hold">
+                            <p:stCondLst>
+                              <p:cond delay="0"/>
+                            </p:stCondLst>
+                            <p:childTnLst>
+                              <p:par>
+                                <p:cTn id="11" presetID="1" presetClass="entr" presetSubtype="0" fill="hold" grpId="0" nodeType="clickEffect">
+                                  <p:stCondLst>
+                                    <p:cond delay="0"/>
+                                  </p:stCondLst>
+                                  <p:childTnLst>
+                                    <p:set>
+                                      <p:cBhvr>
+                                        <p:cTn id="12" dur="1" fill="hold">
+                                          <p:stCondLst>
+                                            <p:cond delay="0"/>
+                                          </p:stCondLst>
+                                        </p:cTn>
+                                        <p:tgtEl>
+                                          <p:spTgt spid="7"/>
+                                        </p:tgtEl>
+                                        <p:attrNameLst>
+                                          <p:attrName>style.visibility</p:attrName>
+                                        </p:attrNameLst>
+                                      </p:cBhvr>
+                                      <p:to>
+                                        <p:strVal val="visible"/>
+                                      </p:to>
+                                    </p:set>
+                                  </p:childTnLst>
+                                </p:cTn>
+                              </p:par>
+                            </p:childTnLst>
+                          </p:cTn>
+                        </p:par>
+                      </p:childTnLst>
+                    </p:cTn>
+                  </p:par>
+                  <p:par>
+                    <p:cTn id="13" fill="hold">
+                      <p:stCondLst>
+                        <p:cond delay="indefinite"/>
+                      </p:stCondLst>
+                      <p:childTnLst>
+                        <p:par>
+                          <p:cTn id="14" fill="hold">
+                            <p:stCondLst>
+                              <p:cond delay="0"/>
+                            </p:stCondLst>
+                            <p:childTnLst>
+                              <p:par>
+                                <p:cTn id="15" presetID="1" presetClass="entr" presetSubtype="0" fill="hold" grpId="0" nodeType="clickEffect">
+                                  <p:stCondLst>
+                                    <p:cond delay="0"/>
+                                  </p:stCondLst>
+                                  <p:childTnLst>
+                                    <p:set>
+                                      <p:cBhvr>
+                                        <p:cTn id="16" dur="1" fill="hold">
+                                          <p:stCondLst>
+                                            <p:cond delay="0"/>
+                                          </p:stCondLst>
+                                        </p:cTn>
+                                        <p:tgtEl>
+                                          <p:spTgt spid="8"/>
+                                        </p:tgtEl>
+                                        <p:attrNameLst>
+                                          <p:attrName>style.visibility</p:attrName>
+                                        </p:attrNameLst>
+                                      </p:cBhvr>
+                                      <p:to>
+                                        <p:strVal val="visible"/>
+                                      </p:to>
+                                    </p:set>
+                                  </p:childTnLst>
+                                </p:cTn>
+                              </p:par>
+                            </p:childTnLst>
+                          </p:cTn>
+                        </p:par>
+                      </p:childTnLst>
+                    </p:cTn>
+                  </p:par>
+                </p:childTnLst>
+              </p:cTn>
+              <p:prevCondLst>
+                <p:cond evt="onPrev" delay="0">
+                  <p:tgtEl>
+                    <p:sldTgt/>
+                  </p:tgtEl>
+                </p:cond>
+              </p:prevCondLst>
+              <p:nextCondLst>
+                <p:cond evt="onNext" delay="0">
+                  <p:tgtEl>
+                    <p:sldTgt/>
+                  </p:tgtEl>
+                </p:cond>
+              </p:nextCondLst>
+            </p:seq>
+          </p:childTnLst>
+        </p:cTn>
       </p:par>
     </p:tnLst>
+    <p:bldLst>
+      <p:bldP spid="7" grpId="0"/>
+      <p:bldP spid="8" grpId="0"/>
+    </p:bldLst>
   </p:timing>
 </p:sld>
 </file>
@@ -3923,66 +4882,6 @@
           </a:prstGeom>
         </p:spPr>
       </p:pic>
-      <p:pic>
-        <p:nvPicPr>
-          <p:cNvPr id="8" name="Picture 7"/>
-          <p:cNvPicPr>
-            <a:picLocks noChangeAspect="1"/>
-          </p:cNvPicPr>
-          <p:nvPr/>
-        </p:nvPicPr>
-        <p:blipFill>
-          <a:blip r:embed="rId3">
-            <a:extLst>
-              <a:ext uri="{28A0092B-C50C-407E-A947-70E740481C1C}">
-                <a14:useLocalDpi xmlns:a14="http://schemas.microsoft.com/office/drawing/2010/main" val="0"/>
-              </a:ext>
-            </a:extLst>
-          </a:blip>
-          <a:stretch>
-            <a:fillRect/>
-          </a:stretch>
-        </p:blipFill>
-        <p:spPr>
-          <a:xfrm>
-            <a:off x="6129844" y="1018772"/>
-            <a:ext cx="5588596" cy="4128986"/>
-          </a:xfrm>
-          <a:prstGeom prst="rect">
-            <a:avLst/>
-          </a:prstGeom>
-        </p:spPr>
-      </p:pic>
-      <p:pic>
-        <p:nvPicPr>
-          <p:cNvPr id="9" name="Picture 8"/>
-          <p:cNvPicPr>
-            <a:picLocks noChangeAspect="1"/>
-          </p:cNvPicPr>
-          <p:nvPr/>
-        </p:nvPicPr>
-        <p:blipFill>
-          <a:blip r:embed="rId4">
-            <a:extLst>
-              <a:ext uri="{28A0092B-C50C-407E-A947-70E740481C1C}">
-                <a14:useLocalDpi xmlns:a14="http://schemas.microsoft.com/office/drawing/2010/main" val="0"/>
-              </a:ext>
-            </a:extLst>
-          </a:blip>
-          <a:stretch>
-            <a:fillRect/>
-          </a:stretch>
-        </p:blipFill>
-        <p:spPr>
-          <a:xfrm>
-            <a:off x="1469282" y="5203561"/>
-            <a:ext cx="8360517" cy="746528"/>
-          </a:xfrm>
-          <a:prstGeom prst="rect">
-            <a:avLst/>
-          </a:prstGeom>
-        </p:spPr>
-      </p:pic>
     </p:spTree>
     <p:extLst>
       <p:ext uri="{BB962C8B-B14F-4D97-AF65-F5344CB8AC3E}">
@@ -4078,96 +4977,6 @@
                                         </p:cTn>
                                         <p:tgtEl>
                                           <p:spTgt spid="7"/>
-                                        </p:tgtEl>
-                                        <p:attrNameLst>
-                                          <p:attrName>style.visibility</p:attrName>
-                                        </p:attrNameLst>
-                                      </p:cBhvr>
-                                      <p:to>
-                                        <p:strVal val="visible"/>
-                                      </p:to>
-                                    </p:set>
-                                  </p:childTnLst>
-                                </p:cTn>
-                              </p:par>
-                            </p:childTnLst>
-                          </p:cTn>
-                        </p:par>
-                      </p:childTnLst>
-                    </p:cTn>
-                  </p:par>
-                  <p:par>
-                    <p:cTn id="11" fill="hold">
-                      <p:stCondLst>
-                        <p:cond delay="indefinite"/>
-                      </p:stCondLst>
-                      <p:childTnLst>
-                        <p:par>
-                          <p:cTn id="12" fill="hold">
-                            <p:stCondLst>
-                              <p:cond delay="0"/>
-                            </p:stCondLst>
-                            <p:childTnLst>
-                              <p:par>
-                                <p:cTn id="13" presetID="1" presetClass="entr" presetSubtype="0" fill="hold" nodeType="clickEffect">
-                                  <p:stCondLst>
-                                    <p:cond delay="0"/>
-                                  </p:stCondLst>
-                                  <p:childTnLst>
-                                    <p:set>
-                                      <p:cBhvr>
-                                        <p:cTn id="14" dur="1" fill="hold">
-                                          <p:stCondLst>
-                                            <p:cond delay="0"/>
-                                          </p:stCondLst>
-                                        </p:cTn>
-                                        <p:tgtEl>
-                                          <p:spTgt spid="8"/>
-                                        </p:tgtEl>
-                                        <p:attrNameLst>
-                                          <p:attrName>style.visibility</p:attrName>
-                                        </p:attrNameLst>
-                                      </p:cBhvr>
-                                      <p:to>
-                                        <p:strVal val="visible"/>
-                                      </p:to>
-                                    </p:set>
-                                  </p:childTnLst>
-                                </p:cTn>
-                              </p:par>
-                            </p:childTnLst>
-                          </p:cTn>
-                        </p:par>
-                      </p:childTnLst>
-                    </p:cTn>
-                  </p:par>
-                  <p:par>
-                    <p:cTn id="15" fill="hold">
-                      <p:stCondLst>
-                        <p:cond delay="indefinite"/>
-                      </p:stCondLst>
-                      <p:childTnLst>
-                        <p:par>
-                          <p:cTn id="16" fill="hold">
-                            <p:stCondLst>
-                              <p:cond delay="0"/>
-                            </p:stCondLst>
-                            <p:childTnLst>
-                              <p:par>
-                                <p:cTn id="17" presetID="1" presetClass="entr" presetSubtype="0" fill="hold" nodeType="clickEffect">
-                                  <p:stCondLst>
-                                    <p:cond delay="0"/>
-                                  </p:stCondLst>
-                                  <p:childTnLst>
-                                    <p:set>
-                                      <p:cBhvr>
-                                        <p:cTn id="18" dur="1" fill="hold">
-                                          <p:stCondLst>
-                                            <p:cond delay="0"/>
-                                          </p:stCondLst>
-                                        </p:cTn>
-                                        <p:tgtEl>
-                                          <p:spTgt spid="9"/>
                                         </p:tgtEl>
                                         <p:attrNameLst>
                                           <p:attrName>style.visibility</p:attrName>
@@ -5078,6 +5887,36 @@
           </a:prstGeom>
         </p:spPr>
       </p:pic>
+      <p:pic>
+        <p:nvPicPr>
+          <p:cNvPr id="7" name="Picture 6"/>
+          <p:cNvPicPr>
+            <a:picLocks noChangeAspect="1"/>
+          </p:cNvPicPr>
+          <p:nvPr/>
+        </p:nvPicPr>
+        <p:blipFill>
+          <a:blip r:embed="rId3">
+            <a:extLst>
+              <a:ext uri="{28A0092B-C50C-407E-A947-70E740481C1C}">
+                <a14:useLocalDpi xmlns:a14="http://schemas.microsoft.com/office/drawing/2010/main" val="0"/>
+              </a:ext>
+            </a:extLst>
+          </a:blip>
+          <a:stretch>
+            <a:fillRect/>
+          </a:stretch>
+        </p:blipFill>
+        <p:spPr>
+          <a:xfrm>
+            <a:off x="2231251" y="3124199"/>
+            <a:ext cx="7353300" cy="3583402"/>
+          </a:xfrm>
+          <a:prstGeom prst="rect">
+            <a:avLst/>
+          </a:prstGeom>
+        </p:spPr>
+      </p:pic>
     </p:spTree>
     <p:extLst>
       <p:ext uri="{BB962C8B-B14F-4D97-AF65-F5344CB8AC3E}">
@@ -5091,75 +5930,7 @@
   <p:timing>
     <p:tnLst>
       <p:par>
-        <p:cTn id="1" dur="indefinite" restart="never" nodeType="tmRoot">
-          <p:childTnLst>
-            <p:seq concurrent="1" nextAc="seek">
-              <p:cTn id="2" dur="indefinite" nodeType="mainSeq">
-                <p:childTnLst>
-                  <p:par>
-                    <p:cTn id="3" fill="hold">
-                      <p:stCondLst>
-                        <p:cond delay="indefinite"/>
-                      </p:stCondLst>
-                      <p:childTnLst>
-                        <p:par>
-                          <p:cTn id="4" fill="hold">
-                            <p:stCondLst>
-                              <p:cond delay="0"/>
-                            </p:stCondLst>
-                            <p:childTnLst>
-                              <p:par>
-                                <p:cTn id="5" presetID="1" presetClass="entr" presetSubtype="0" fill="hold" nodeType="clickEffect">
-                                  <p:stCondLst>
-                                    <p:cond delay="0"/>
-                                  </p:stCondLst>
-                                  <p:childTnLst>
-                                    <p:set>
-                                      <p:cBhvr>
-                                        <p:cTn id="6" dur="1" fill="hold">
-                                          <p:stCondLst>
-                                            <p:cond delay="0"/>
-                                          </p:stCondLst>
-                                        </p:cTn>
-                                        <p:tgtEl>
-                                          <p:spTgt spid="3"/>
-                                        </p:tgtEl>
-                                        <p:attrNameLst>
-                                          <p:attrName>style.visibility</p:attrName>
-                                        </p:attrNameLst>
-                                      </p:cBhvr>
-                                      <p:to>
-                                        <p:strVal val="visible"/>
-                                      </p:to>
-                                    </p:set>
-                                  </p:childTnLst>
-                                </p:cTn>
-                              </p:par>
-                            </p:childTnLst>
-                          </p:cTn>
-                        </p:par>
-                      </p:childTnLst>
-                    </p:cTn>
-                  </p:par>
-                </p:childTnLst>
-              </p:cTn>
-              <p:prevCondLst>
-                <p:cond evt="onPrev" delay="0">
-                  <p:tgtEl>
-                    <p:sldTgt/>
-                  </p:tgtEl>
-                </p:cond>
-              </p:prevCondLst>
-              <p:nextCondLst>
-                <p:cond evt="onNext" delay="0">
-                  <p:tgtEl>
-                    <p:sldTgt/>
-                  </p:tgtEl>
-                </p:cond>
-              </p:nextCondLst>
-            </p:seq>
-          </p:childTnLst>
-        </p:cTn>
+        <p:cTn id="1" dur="indefinite" restart="never" nodeType="tmRoot"/>
       </p:par>
     </p:tnLst>
   </p:timing>
@@ -5205,7 +5976,7 @@
         </p:blipFill>
         <p:spPr>
           <a:xfrm>
-            <a:off x="409219" y="1142999"/>
+            <a:off x="409219" y="4137426"/>
             <a:ext cx="11373562" cy="1651001"/>
           </a:xfrm>
           <a:prstGeom prst="rect">
@@ -5221,7 +5992,7 @@
         </p:nvSpPr>
         <p:spPr>
           <a:xfrm>
-            <a:off x="8995487" y="2918226"/>
+            <a:off x="8839200" y="5788427"/>
             <a:ext cx="3352800" cy="461665"/>
           </a:xfrm>
           <a:prstGeom prst="rect">
@@ -5320,6 +6091,236 @@
           </a:p>
         </p:txBody>
       </p:sp>
+      <mc:AlternateContent xmlns:mc="http://schemas.openxmlformats.org/markup-compatibility/2006">
+        <mc:Choice xmlns:a14="http://schemas.microsoft.com/office/drawing/2010/main" Requires="a14">
+          <p:sp>
+            <p:nvSpPr>
+              <p:cNvPr id="8" name="TextBox 7"/>
+              <p:cNvSpPr txBox="1"/>
+              <p:nvPr/>
+            </p:nvSpPr>
+            <p:spPr>
+              <a:xfrm>
+                <a:off x="409219" y="1018773"/>
+                <a:ext cx="3594100" cy="1165704"/>
+              </a:xfrm>
+              <a:prstGeom prst="rect">
+                <a:avLst/>
+              </a:prstGeom>
+              <a:noFill/>
+            </p:spPr>
+            <p:txBody>
+              <a:bodyPr wrap="square" rtlCol="0">
+                <a:spAutoFit/>
+              </a:bodyPr>
+              <a:lstStyle/>
+              <a:p>
+                <a:r>
+                  <a:rPr lang="en-US" sz="4500" dirty="0" smtClean="0">
+                    <a:latin typeface="Times New Roman" panose="02020603050405020304" pitchFamily="18" charset="0"/>
+                    <a:cs typeface="Times New Roman" panose="02020603050405020304" pitchFamily="18" charset="0"/>
+                  </a:rPr>
+                  <a:t>IDF =log </a:t>
+                </a:r>
+                <a14:m>
+                  <m:oMath xmlns:m="http://schemas.openxmlformats.org/officeDocument/2006/math">
+                    <m:f>
+                      <m:fPr>
+                        <m:ctrlPr>
+                          <a:rPr lang="en-US" sz="4500" i="1" smtClean="0">
+                            <a:latin typeface="Cambria Math" panose="02040503050406030204" pitchFamily="18" charset="0"/>
+                            <a:cs typeface="Times New Roman" panose="02020603050405020304" pitchFamily="18" charset="0"/>
+                          </a:rPr>
+                        </m:ctrlPr>
+                      </m:fPr>
+                      <m:num>
+                        <m:r>
+                          <a:rPr lang="en-US" sz="4500" b="0" i="1" smtClean="0">
+                            <a:latin typeface="Cambria Math" panose="02040503050406030204" pitchFamily="18" charset="0"/>
+                            <a:cs typeface="Times New Roman" panose="02020603050405020304" pitchFamily="18" charset="0"/>
+                          </a:rPr>
+                          <m:t>𝑁</m:t>
+                        </m:r>
+                      </m:num>
+                      <m:den>
+                        <m:sSub>
+                          <m:sSubPr>
+                            <m:ctrlPr>
+                              <a:rPr lang="en-US" sz="4500" i="1" smtClean="0">
+                                <a:latin typeface="Cambria Math" panose="02040503050406030204" pitchFamily="18" charset="0"/>
+                                <a:cs typeface="Times New Roman" panose="02020603050405020304" pitchFamily="18" charset="0"/>
+                              </a:rPr>
+                            </m:ctrlPr>
+                          </m:sSubPr>
+                          <m:e>
+                            <m:r>
+                              <a:rPr lang="en-US" sz="4500" b="0" i="1" smtClean="0">
+                                <a:latin typeface="Cambria Math" panose="02040503050406030204" pitchFamily="18" charset="0"/>
+                                <a:cs typeface="Times New Roman" panose="02020603050405020304" pitchFamily="18" charset="0"/>
+                              </a:rPr>
+                              <m:t>𝑑𝑓</m:t>
+                            </m:r>
+                          </m:e>
+                          <m:sub>
+                            <m:r>
+                              <a:rPr lang="en-US" sz="4500" b="0" i="1" smtClean="0">
+                                <a:latin typeface="Cambria Math" panose="02040503050406030204" pitchFamily="18" charset="0"/>
+                                <a:cs typeface="Times New Roman" panose="02020603050405020304" pitchFamily="18" charset="0"/>
+                              </a:rPr>
+                              <m:t>𝑖</m:t>
+                            </m:r>
+                          </m:sub>
+                        </m:sSub>
+                      </m:den>
+                    </m:f>
+                  </m:oMath>
+                </a14:m>
+                <a:endParaRPr lang="en-US" sz="4500" dirty="0">
+                  <a:latin typeface="Times New Roman" panose="02020603050405020304" pitchFamily="18" charset="0"/>
+                  <a:cs typeface="Times New Roman" panose="02020603050405020304" pitchFamily="18" charset="0"/>
+                </a:endParaRPr>
+              </a:p>
+            </p:txBody>
+          </p:sp>
+        </mc:Choice>
+        <mc:Fallback>
+          <p:sp>
+            <p:nvSpPr>
+              <p:cNvPr id="8" name="TextBox 7"/>
+              <p:cNvSpPr txBox="1">
+                <a:spLocks noRot="1" noChangeAspect="1" noMove="1" noResize="1" noEditPoints="1" noAdjustHandles="1" noChangeArrowheads="1" noChangeShapeType="1" noTextEdit="1"/>
+              </p:cNvSpPr>
+              <p:nvPr/>
+            </p:nvSpPr>
+            <p:spPr>
+              <a:xfrm>
+                <a:off x="409219" y="1018773"/>
+                <a:ext cx="3594100" cy="1165704"/>
+              </a:xfrm>
+              <a:prstGeom prst="rect">
+                <a:avLst/>
+              </a:prstGeom>
+              <a:blipFill>
+                <a:blip r:embed="rId3"/>
+                <a:stretch>
+                  <a:fillRect l="-7119" b="-4188"/>
+                </a:stretch>
+              </a:blipFill>
+            </p:spPr>
+            <p:txBody>
+              <a:bodyPr/>
+              <a:lstStyle/>
+              <a:p>
+                <a:r>
+                  <a:rPr lang="en-US">
+                    <a:noFill/>
+                  </a:rPr>
+                  <a:t> </a:t>
+                </a:r>
+              </a:p>
+            </p:txBody>
+          </p:sp>
+        </mc:Fallback>
+      </mc:AlternateContent>
+      <p:sp>
+        <p:nvSpPr>
+          <p:cNvPr id="9" name="TextBox 8"/>
+          <p:cNvSpPr txBox="1"/>
+          <p:nvPr/>
+        </p:nvSpPr>
+        <p:spPr>
+          <a:xfrm>
+            <a:off x="4279900" y="1333500"/>
+            <a:ext cx="6247223" cy="830997"/>
+          </a:xfrm>
+          <a:prstGeom prst="rect">
+            <a:avLst/>
+          </a:prstGeom>
+          <a:noFill/>
+        </p:spPr>
+        <p:txBody>
+          <a:bodyPr wrap="none" rtlCol="0">
+            <a:spAutoFit/>
+          </a:bodyPr>
+          <a:lstStyle/>
+          <a:p>
+            <a:r>
+              <a:rPr lang="en-US" sz="2400" dirty="0" smtClean="0">
+                <a:latin typeface="Times New Roman" panose="02020603050405020304" pitchFamily="18" charset="0"/>
+                <a:cs typeface="Times New Roman" panose="02020603050405020304" pitchFamily="18" charset="0"/>
+              </a:rPr>
+              <a:t>Khi w_i chỉ có trong 1 document, IDF = log(N)</a:t>
+            </a:r>
+          </a:p>
+          <a:p>
+            <a:r>
+              <a:rPr lang="en-US" sz="2400" dirty="0" smtClean="0">
+                <a:latin typeface="Times New Roman" panose="02020603050405020304" pitchFamily="18" charset="0"/>
+                <a:cs typeface="Times New Roman" panose="02020603050405020304" pitchFamily="18" charset="0"/>
+              </a:rPr>
+              <a:t>Khi document nào cũng có w_i, IDF = log(1) = 0</a:t>
+            </a:r>
+            <a:endParaRPr lang="en-US" sz="2400" dirty="0">
+              <a:latin typeface="Times New Roman" panose="02020603050405020304" pitchFamily="18" charset="0"/>
+              <a:cs typeface="Times New Roman" panose="02020603050405020304" pitchFamily="18" charset="0"/>
+            </a:endParaRPr>
+          </a:p>
+        </p:txBody>
+      </p:sp>
+      <p:sp>
+        <p:nvSpPr>
+          <p:cNvPr id="10" name="Title 1"/>
+          <p:cNvSpPr txBox="1">
+            <a:spLocks/>
+          </p:cNvSpPr>
+          <p:nvPr/>
+        </p:nvSpPr>
+        <p:spPr>
+          <a:xfrm>
+            <a:off x="0" y="2971722"/>
+            <a:ext cx="12192000" cy="1018773"/>
+          </a:xfrm>
+          <a:prstGeom prst="rect">
+            <a:avLst/>
+          </a:prstGeom>
+        </p:spPr>
+        <p:txBody>
+          <a:bodyPr vert="horz" lIns="91440" tIns="45720" rIns="91440" bIns="45720" rtlCol="0" anchor="ctr">
+            <a:normAutofit/>
+          </a:bodyPr>
+          <a:lstStyle>
+            <a:lvl1pPr algn="l" defTabSz="914400" rtl="0" eaLnBrk="1" latinLnBrk="0" hangingPunct="1">
+              <a:lnSpc>
+                <a:spcPct val="90000"/>
+              </a:lnSpc>
+              <a:spcBef>
+                <a:spcPct val="0"/>
+              </a:spcBef>
+              <a:buNone/>
+              <a:defRPr sz="4400" kern="1200">
+                <a:solidFill>
+                  <a:schemeClr val="tx1"/>
+                </a:solidFill>
+                <a:latin typeface="+mj-lt"/>
+                <a:ea typeface="+mj-ea"/>
+                <a:cs typeface="+mj-cs"/>
+              </a:defRPr>
+            </a:lvl1pPr>
+          </a:lstStyle>
+          <a:p>
+            <a:r>
+              <a:rPr lang="en-US" sz="4000" b="1" dirty="0" smtClean="0">
+                <a:solidFill>
+                  <a:srgbClr val="7030A0"/>
+                </a:solidFill>
+                <a:latin typeface="Times New Roman" panose="02020603050405020304" pitchFamily="18" charset="0"/>
+                <a:cs typeface="Times New Roman" panose="02020603050405020304" pitchFamily="18" charset="0"/>
+              </a:rPr>
+              <a:t>TFxIDF.</a:t>
+            </a:r>
+          </a:p>
+        </p:txBody>
+      </p:sp>
     </p:spTree>
     <p:extLst>
       <p:ext uri="{BB962C8B-B14F-4D97-AF65-F5344CB8AC3E}">
@@ -5351,7 +6352,7 @@
                             </p:stCondLst>
                             <p:childTnLst>
                               <p:par>
-                                <p:cTn id="5" presetID="1" presetClass="entr" presetSubtype="0" fill="hold" nodeType="clickEffect">
+                                <p:cTn id="5" presetID="1" presetClass="entr" presetSubtype="0" fill="hold" grpId="0" nodeType="clickEffect">
                                   <p:stCondLst>
                                     <p:cond delay="0"/>
                                   </p:stCondLst>
@@ -5364,7 +6365,34 @@
                                           </p:stCondLst>
                                         </p:cTn>
                                         <p:tgtEl>
-                                          <p:spTgt spid="4"/>
+                                          <p:spTgt spid="9"/>
+                                        </p:tgtEl>
+                                        <p:attrNameLst>
+                                          <p:attrName>style.visibility</p:attrName>
+                                        </p:attrNameLst>
+                                      </p:cBhvr>
+                                      <p:to>
+                                        <p:strVal val="visible"/>
+                                      </p:to>
+                                    </p:set>
+                                  </p:childTnLst>
+                                </p:cTn>
+                              </p:par>
+                              <p:par>
+                                <p:cTn id="7" presetID="1" presetClass="entr" presetSubtype="0" fill="hold" grpId="0" nodeType="withEffect">
+                                  <p:stCondLst>
+                                    <p:cond delay="0"/>
+                                  </p:stCondLst>
+                                  <p:childTnLst>
+                                    <p:set>
+                                      <p:cBhvr>
+                                        <p:cTn id="8" dur="1" fill="hold">
+                                          <p:stCondLst>
+                                            <p:cond delay="0"/>
+                                          </p:stCondLst>
+                                        </p:cTn>
+                                        <p:tgtEl>
+                                          <p:spTgt spid="8"/>
                                         </p:tgtEl>
                                         <p:attrNameLst>
                                           <p:attrName>style.visibility</p:attrName>
@@ -5384,32 +6412,104 @@
                     </p:cTn>
                   </p:par>
                   <p:par>
-                    <p:cTn id="7" fill="hold">
+                    <p:cTn id="9" fill="hold">
                       <p:stCondLst>
                         <p:cond delay="indefinite"/>
                       </p:stCondLst>
                       <p:childTnLst>
                         <p:par>
-                          <p:cTn id="8" fill="hold">
+                          <p:cTn id="10" fill="hold">
                             <p:stCondLst>
                               <p:cond delay="0"/>
                             </p:stCondLst>
                             <p:childTnLst>
                               <p:par>
-                                <p:cTn id="9" presetID="1" presetClass="entr" presetSubtype="0" fill="hold" grpId="0" nodeType="clickEffect">
+                                <p:cTn id="11" presetID="1" presetClass="entr" presetSubtype="0" fill="hold" nodeType="clickEffect">
                                   <p:stCondLst>
                                     <p:cond delay="0"/>
                                   </p:stCondLst>
                                   <p:childTnLst>
                                     <p:set>
                                       <p:cBhvr>
-                                        <p:cTn id="10" dur="1" fill="hold">
+                                        <p:cTn id="12" dur="1" fill="hold">
+                                          <p:stCondLst>
+                                            <p:cond delay="0"/>
+                                          </p:stCondLst>
+                                        </p:cTn>
+                                        <p:tgtEl>
+                                          <p:spTgt spid="4"/>
+                                        </p:tgtEl>
+                                        <p:attrNameLst>
+                                          <p:attrName>style.visibility</p:attrName>
+                                        </p:attrNameLst>
+                                      </p:cBhvr>
+                                      <p:to>
+                                        <p:strVal val="visible"/>
+                                      </p:to>
+                                    </p:set>
+                                  </p:childTnLst>
+                                </p:cTn>
+                              </p:par>
+                              <p:par>
+                                <p:cTn id="13" presetID="1" presetClass="entr" presetSubtype="0" fill="hold" grpId="0" nodeType="withEffect">
+                                  <p:stCondLst>
+                                    <p:cond delay="0"/>
+                                  </p:stCondLst>
+                                  <p:childTnLst>
+                                    <p:set>
+                                      <p:cBhvr>
+                                        <p:cTn id="14" dur="1" fill="hold">
                                           <p:stCondLst>
                                             <p:cond delay="0"/>
                                           </p:stCondLst>
                                         </p:cTn>
                                         <p:tgtEl>
                                           <p:spTgt spid="5"/>
+                                        </p:tgtEl>
+                                        <p:attrNameLst>
+                                          <p:attrName>style.visibility</p:attrName>
+                                        </p:attrNameLst>
+                                      </p:cBhvr>
+                                      <p:to>
+                                        <p:strVal val="visible"/>
+                                      </p:to>
+                                    </p:set>
+                                  </p:childTnLst>
+                                </p:cTn>
+                              </p:par>
+                            </p:childTnLst>
+                          </p:cTn>
+                        </p:par>
+                      </p:childTnLst>
+                    </p:cTn>
+                  </p:par>
+                  <p:par>
+                    <p:cTn id="15" fill="hold">
+                      <p:stCondLst>
+                        <p:cond delay="indefinite"/>
+                      </p:stCondLst>
+                      <p:childTnLst>
+                        <p:par>
+                          <p:cTn id="16" fill="hold">
+                            <p:stCondLst>
+                              <p:cond delay="0"/>
+                            </p:stCondLst>
+                            <p:childTnLst>
+                              <p:par>
+                                <p:cTn id="17" presetID="1" presetClass="entr" presetSubtype="0" fill="hold" grpId="0" nodeType="clickEffect">
+                                  <p:stCondLst>
+                                    <p:cond delay="0"/>
+                                  </p:stCondLst>
+                                  <p:childTnLst>
+                                    <p:set>
+                                      <p:cBhvr>
+                                        <p:cTn id="18" dur="1" fill="hold">
+                                          <p:stCondLst>
+                                            <p:cond delay="0"/>
+                                          </p:stCondLst>
+                                        </p:cTn>
+                                        <p:tgtEl>
+                                          <p:spTgt spid="10"/>
                                         </p:tgtEl>
                                         <p:attrNameLst>
                                           <p:attrName>style.visibility</p:attrName>
@@ -5451,6 +6551,9 @@
     </p:tnLst>
     <p:bldLst>
       <p:bldP spid="5" grpId="0"/>
+      <p:bldP spid="8" grpId="0"/>
+      <p:bldP spid="9" grpId="0"/>
+      <p:bldP spid="10" grpId="0"/>
     </p:bldLst>
   </p:timing>
 </p:sld>
@@ -6153,7 +7256,7 @@
                             </p:stCondLst>
                             <p:childTnLst>
                               <p:par>
-                                <p:cTn id="5" presetID="1" presetClass="entr" presetSubtype="0" fill="hold" grpId="0" nodeType="clickEffect">
+                                <p:cTn id="5" presetID="1" presetClass="entr" presetSubtype="0" fill="hold" nodeType="clickEffect">
                                   <p:stCondLst>
                                     <p:cond delay="0"/>
                                   </p:stCondLst>
@@ -6166,11 +7269,7 @@
                                           </p:stCondLst>
                                         </p:cTn>
                                         <p:tgtEl>
-                                          <p:spTgt spid="4">
-                                            <p:txEl>
-                                              <p:pRg st="0" end="0"/>
-                                            </p:txEl>
-                                          </p:spTgt>
+                                          <p:spTgt spid="2"/>
                                         </p:tgtEl>
                                         <p:attrNameLst>
                                           <p:attrName>style.visibility</p:attrName>
@@ -6202,7 +7301,7 @@
                             </p:stCondLst>
                             <p:childTnLst>
                               <p:par>
-                                <p:cTn id="9" presetID="1" presetClass="entr" presetSubtype="0" fill="hold" grpId="0" nodeType="clickEffect">
+                                <p:cTn id="9" presetID="1" presetClass="entr" presetSubtype="0" fill="hold" nodeType="clickEffect">
                                   <p:stCondLst>
                                     <p:cond delay="0"/>
                                   </p:stCondLst>
@@ -6215,11 +7314,110 @@
                                           </p:stCondLst>
                                         </p:cTn>
                                         <p:tgtEl>
-                                          <p:spTgt spid="8">
+                                          <p:spTgt spid="3"/>
+                                        </p:tgtEl>
+                                        <p:attrNameLst>
+                                          <p:attrName>style.visibility</p:attrName>
+                                        </p:attrNameLst>
+                                      </p:cBhvr>
+                                      <p:to>
+                                        <p:strVal val="visible"/>
+                                      </p:to>
+                                    </p:set>
+                                  </p:childTnLst>
+                                </p:cTn>
+                              </p:par>
+                              <p:par>
+                                <p:cTn id="11" presetID="1" presetClass="entr" presetSubtype="0" fill="hold" grpId="0" nodeType="withEffect">
+                                  <p:stCondLst>
+                                    <p:cond delay="0"/>
+                                  </p:stCondLst>
+                                  <p:childTnLst>
+                                    <p:set>
+                                      <p:cBhvr>
+                                        <p:cTn id="12" dur="1" fill="hold">
+                                          <p:stCondLst>
+                                            <p:cond delay="0"/>
+                                          </p:stCondLst>
+                                        </p:cTn>
+                                        <p:tgtEl>
+                                          <p:spTgt spid="4">
                                             <p:txEl>
                                               <p:pRg st="0" end="0"/>
                                             </p:txEl>
                                           </p:spTgt>
+                                        </p:tgtEl>
+                                        <p:attrNameLst>
+                                          <p:attrName>style.visibility</p:attrName>
+                                        </p:attrNameLst>
+                                      </p:cBhvr>
+                                      <p:to>
+                                        <p:strVal val="visible"/>
+                                      </p:to>
+                                    </p:set>
+                                  </p:childTnLst>
+                                </p:cTn>
+                              </p:par>
+                            </p:childTnLst>
+                          </p:cTn>
+                        </p:par>
+                      </p:childTnLst>
+                    </p:cTn>
+                  </p:par>
+                  <p:par>
+                    <p:cTn id="13" fill="hold">
+                      <p:stCondLst>
+                        <p:cond delay="indefinite"/>
+                      </p:stCondLst>
+                      <p:childTnLst>
+                        <p:par>
+                          <p:cTn id="14" fill="hold">
+                            <p:stCondLst>
+                              <p:cond delay="0"/>
+                            </p:stCondLst>
+                            <p:childTnLst>
+                              <p:par>
+                                <p:cTn id="15" presetID="1" presetClass="entr" presetSubtype="0" fill="hold" nodeType="clickEffect">
+                                  <p:stCondLst>
+                                    <p:cond delay="0"/>
+                                  </p:stCondLst>
+                                  <p:childTnLst>
+                                    <p:set>
+                                      <p:cBhvr>
+                                        <p:cTn id="16" dur="1" fill="hold">
+                                          <p:stCondLst>
+                                            <p:cond delay="0"/>
+                                          </p:stCondLst>
+                                        </p:cTn>
+                                        <p:tgtEl>
+                                          <p:spTgt spid="7"/>
+                                        </p:tgtEl>
+                                        <p:attrNameLst>
+                                          <p:attrName>style.visibility</p:attrName>
+                                        </p:attrNameLst>
+                                      </p:cBhvr>
+                                      <p:to>
+                                        <p:strVal val="visible"/>
+                                      </p:to>
+                                    </p:set>
+                                  </p:childTnLst>
+                                </p:cTn>
+                              </p:par>
+                              <p:par>
+                                <p:cTn id="17" presetID="1" presetClass="entr" presetSubtype="0" fill="hold" grpId="0" nodeType="withEffect">
+                                  <p:stCondLst>
+                                    <p:cond delay="0"/>
+                                  </p:stCondLst>
+                                  <p:childTnLst>
+                                    <p:set>
+                                      <p:cBhvr>
+                                        <p:cTn id="18" dur="1" fill="hold">
+                                          <p:stCondLst>
+                                            <p:cond delay="0"/>
+                                          </p:stCondLst>
+                                        </p:cTn>
+                                        <p:tgtEl>
+                                          <p:spTgt spid="8"/>
                                         </p:tgtEl>
                                         <p:attrNameLst>
                                           <p:attrName>style.visibility</p:attrName>
@@ -6261,7 +7459,7 @@
     </p:tnLst>
     <p:bldLst>
       <p:bldP spid="4" grpId="0" build="p"/>
-      <p:bldP spid="8" grpId="0" build="p"/>
+      <p:bldP spid="8" grpId="0"/>
     </p:bldLst>
   </p:timing>
 </p:sld>
@@ -6586,104 +7784,6 @@
                 <a:latin typeface="Times New Roman" panose="02020603050405020304" pitchFamily="18" charset="0"/>
                 <a:cs typeface="Times New Roman" panose="02020603050405020304" pitchFamily="18" charset="0"/>
               </a:rPr>
-              <a:t>The Poisson distribution.</a:t>
-            </a:r>
-            <a:endParaRPr lang="en-US" sz="4000" b="1" dirty="0" smtClean="0">
-              <a:solidFill>
-                <a:srgbClr val="7030A0"/>
-              </a:solidFill>
-              <a:latin typeface="Times New Roman" panose="02020603050405020304" pitchFamily="18" charset="0"/>
-              <a:cs typeface="Times New Roman" panose="02020603050405020304" pitchFamily="18" charset="0"/>
-            </a:endParaRPr>
-          </a:p>
-        </p:txBody>
-      </p:sp>
-    </p:spTree>
-    <p:extLst>
-      <p:ext uri="{BB962C8B-B14F-4D97-AF65-F5344CB8AC3E}">
-        <p14:creationId xmlns:p14="http://schemas.microsoft.com/office/powerpoint/2010/main" val="1808304929"/>
-      </p:ext>
-    </p:extLst>
-  </p:cSld>
-  <p:clrMapOvr>
-    <a:masterClrMapping/>
-  </p:clrMapOvr>
-  <p:timing>
-    <p:tnLst>
-      <p:par>
-        <p:cTn id="1" dur="indefinite" restart="never" nodeType="tmRoot"/>
-      </p:par>
-    </p:tnLst>
-  </p:timing>
-</p:sld>
-</file>
-
-<file path=ppt/slides/slide23.xml><?xml version="1.0" encoding="utf-8"?>
-<p:sld xmlns:a="http://schemas.openxmlformats.org/drawingml/2006/main" xmlns:r="http://schemas.openxmlformats.org/officeDocument/2006/relationships" xmlns:p="http://schemas.openxmlformats.org/presentationml/2006/main">
-  <p:cSld>
-    <p:spTree>
-      <p:nvGrpSpPr>
-        <p:cNvPr id="1" name=""/>
-        <p:cNvGrpSpPr/>
-        <p:nvPr/>
-      </p:nvGrpSpPr>
-      <p:grpSpPr>
-        <a:xfrm>
-          <a:off x="0" y="0"/>
-          <a:ext cx="0" cy="0"/>
-          <a:chOff x="0" y="0"/>
-          <a:chExt cx="0" cy="0"/>
-        </a:xfrm>
-      </p:grpSpPr>
-      <p:sp>
-        <p:nvSpPr>
-          <p:cNvPr id="6" name="Title 1"/>
-          <p:cNvSpPr txBox="1">
-            <a:spLocks/>
-          </p:cNvSpPr>
-          <p:nvPr/>
-        </p:nvSpPr>
-        <p:spPr>
-          <a:xfrm>
-            <a:off x="0" y="0"/>
-            <a:ext cx="12192000" cy="1018773"/>
-          </a:xfrm>
-          <a:prstGeom prst="rect">
-            <a:avLst/>
-          </a:prstGeom>
-        </p:spPr>
-        <p:txBody>
-          <a:bodyPr vert="horz" lIns="91440" tIns="45720" rIns="91440" bIns="45720" rtlCol="0" anchor="ctr">
-            <a:normAutofit/>
-          </a:bodyPr>
-          <a:lstStyle>
-            <a:lvl1pPr algn="l" defTabSz="914400" rtl="0" eaLnBrk="1" latinLnBrk="0" hangingPunct="1">
-              <a:lnSpc>
-                <a:spcPct val="90000"/>
-              </a:lnSpc>
-              <a:spcBef>
-                <a:spcPct val="0"/>
-              </a:spcBef>
-              <a:buNone/>
-              <a:defRPr sz="4400" kern="1200">
-                <a:solidFill>
-                  <a:schemeClr val="tx1"/>
-                </a:solidFill>
-                <a:latin typeface="+mj-lt"/>
-                <a:ea typeface="+mj-ea"/>
-                <a:cs typeface="+mj-cs"/>
-              </a:defRPr>
-            </a:lvl1pPr>
-          </a:lstStyle>
-          <a:p>
-            <a:r>
-              <a:rPr lang="en-US" sz="4000" b="1" dirty="0" smtClean="0">
-                <a:solidFill>
-                  <a:srgbClr val="7030A0"/>
-                </a:solidFill>
-                <a:latin typeface="Times New Roman" panose="02020603050405020304" pitchFamily="18" charset="0"/>
-                <a:cs typeface="Times New Roman" panose="02020603050405020304" pitchFamily="18" charset="0"/>
-              </a:rPr>
               <a:t>The two-Poisson model.</a:t>
             </a:r>
             <a:endParaRPr lang="en-US" sz="4000" b="1" dirty="0" smtClean="0">
@@ -6847,7 +7947,7 @@
 </p:sld>
 </file>
 
-<file path=ppt/slides/slide24.xml><?xml version="1.0" encoding="utf-8"?>
+<file path=ppt/slides/slide23.xml><?xml version="1.0" encoding="utf-8"?>
 <p:sld xmlns:a="http://schemas.openxmlformats.org/drawingml/2006/main" xmlns:r="http://schemas.openxmlformats.org/officeDocument/2006/relationships" xmlns:p="http://schemas.openxmlformats.org/presentationml/2006/main">
   <p:cSld>
     <p:spTree>
@@ -7321,7 +8421,7 @@
 </p:sld>
 </file>
 
-<file path=ppt/slides/slide25.xml><?xml version="1.0" encoding="utf-8"?>
+<file path=ppt/slides/slide24.xml><?xml version="1.0" encoding="utf-8"?>
 <p:sld xmlns:a="http://schemas.openxmlformats.org/drawingml/2006/main" xmlns:r="http://schemas.openxmlformats.org/officeDocument/2006/relationships" xmlns:p="http://schemas.openxmlformats.org/presentationml/2006/main">
   <p:cSld>
     <p:spTree>
@@ -7833,7 +8933,7 @@
 </p:sld>
 </file>
 
-<file path=ppt/slides/slide26.xml><?xml version="1.0" encoding="utf-8"?>
+<file path=ppt/slides/slide25.xml><?xml version="1.0" encoding="utf-8"?>
 <p:sld xmlns:a="http://schemas.openxmlformats.org/drawingml/2006/main" xmlns:r="http://schemas.openxmlformats.org/officeDocument/2006/relationships" xmlns:p="http://schemas.openxmlformats.org/presentationml/2006/main">
   <p:cSld>
     <p:spTree>
@@ -7952,7 +9052,7 @@
 </p:sld>
 </file>
 
-<file path=ppt/slides/slide27.xml><?xml version="1.0" encoding="utf-8"?>
+<file path=ppt/slides/slide26.xml><?xml version="1.0" encoding="utf-8"?>
 <p:sld xmlns:a="http://schemas.openxmlformats.org/drawingml/2006/main" xmlns:r="http://schemas.openxmlformats.org/officeDocument/2006/relationships" xmlns:p="http://schemas.openxmlformats.org/presentationml/2006/main">
   <p:cSld>
     <p:spTree>
@@ -8325,7 +9425,7 @@
 </p:sld>
 </file>
 
-<file path=ppt/slides/slide28.xml><?xml version="1.0" encoding="utf-8"?>
+<file path=ppt/slides/slide27.xml><?xml version="1.0" encoding="utf-8"?>
 <p:sld xmlns:a="http://schemas.openxmlformats.org/drawingml/2006/main" xmlns:r="http://schemas.openxmlformats.org/officeDocument/2006/relationships" xmlns:p="http://schemas.openxmlformats.org/presentationml/2006/main">
   <p:cSld>
     <p:spTree>
@@ -8453,7 +9553,7 @@
 </p:sld>
 </file>
 
-<file path=ppt/slides/slide29.xml><?xml version="1.0" encoding="utf-8"?>
+<file path=ppt/slides/slide28.xml><?xml version="1.0" encoding="utf-8"?>
 <p:sld xmlns:a="http://schemas.openxmlformats.org/drawingml/2006/main" xmlns:r="http://schemas.openxmlformats.org/officeDocument/2006/relationships" xmlns:p="http://schemas.openxmlformats.org/presentationml/2006/main">
   <p:cSld>
     <p:spTree>
@@ -8741,138 +9841,7 @@
 </p:sld>
 </file>
 
-<file path=ppt/slides/slide3.xml><?xml version="1.0" encoding="utf-8"?>
-<p:sld xmlns:a="http://schemas.openxmlformats.org/drawingml/2006/main" xmlns:r="http://schemas.openxmlformats.org/officeDocument/2006/relationships" xmlns:p="http://schemas.openxmlformats.org/presentationml/2006/main">
-  <p:cSld>
-    <p:spTree>
-      <p:nvGrpSpPr>
-        <p:cNvPr id="1" name=""/>
-        <p:cNvGrpSpPr/>
-        <p:nvPr/>
-      </p:nvGrpSpPr>
-      <p:grpSpPr>
-        <a:xfrm>
-          <a:off x="0" y="0"/>
-          <a:ext cx="0" cy="0"/>
-          <a:chOff x="0" y="0"/>
-          <a:chExt cx="0" cy="0"/>
-        </a:xfrm>
-      </p:grpSpPr>
-      <p:sp>
-        <p:nvSpPr>
-          <p:cNvPr id="2" name="Title 1"/>
-          <p:cNvSpPr>
-            <a:spLocks noGrp="1"/>
-          </p:cNvSpPr>
-          <p:nvPr>
-            <p:ph type="title"/>
-          </p:nvPr>
-        </p:nvSpPr>
-        <p:spPr>
-          <a:xfrm>
-            <a:off x="838200" y="365125"/>
-            <a:ext cx="10515600" cy="5997575"/>
-          </a:xfrm>
-        </p:spPr>
-        <p:txBody>
-          <a:bodyPr>
-            <a:normAutofit/>
-          </a:bodyPr>
-          <a:lstStyle/>
-          <a:p>
-            <a:pPr algn="ctr"/>
-            <a:r>
-              <a:rPr lang="en-US" sz="5500" b="1" dirty="0">
-                <a:solidFill>
-                  <a:srgbClr val="7030A0"/>
-                </a:solidFill>
-                <a:latin typeface="Times New Roman" panose="02020603050405020304" pitchFamily="18" charset="0"/>
-                <a:cs typeface="Times New Roman" panose="02020603050405020304" pitchFamily="18" charset="0"/>
-              </a:rPr>
-              <a:t>Những chức năng chính </a:t>
-            </a:r>
-            <a:br>
-              <a:rPr lang="en-US" sz="5500" b="1" dirty="0">
-                <a:solidFill>
-                  <a:srgbClr val="7030A0"/>
-                </a:solidFill>
-                <a:latin typeface="Times New Roman" panose="02020603050405020304" pitchFamily="18" charset="0"/>
-                <a:cs typeface="Times New Roman" panose="02020603050405020304" pitchFamily="18" charset="0"/>
-              </a:rPr>
-            </a:br>
-            <a:r>
-              <a:rPr lang="en-US" sz="5500" b="1" dirty="0">
-                <a:solidFill>
-                  <a:srgbClr val="7030A0"/>
-                </a:solidFill>
-                <a:latin typeface="Times New Roman" panose="02020603050405020304" pitchFamily="18" charset="0"/>
-                <a:cs typeface="Times New Roman" panose="02020603050405020304" pitchFamily="18" charset="0"/>
-              </a:rPr>
-              <a:t>trong </a:t>
-            </a:r>
-            <a:r>
-              <a:rPr lang="en-US" sz="5500" b="1" dirty="0" smtClean="0">
-                <a:solidFill>
-                  <a:srgbClr val="7030A0"/>
-                </a:solidFill>
-                <a:latin typeface="Times New Roman" panose="02020603050405020304" pitchFamily="18" charset="0"/>
-                <a:cs typeface="Times New Roman" panose="02020603050405020304" pitchFamily="18" charset="0"/>
-              </a:rPr>
-              <a:t/>
-            </a:r>
-            <a:br>
-              <a:rPr lang="en-US" sz="5500" b="1" dirty="0" smtClean="0">
-                <a:solidFill>
-                  <a:srgbClr val="7030A0"/>
-                </a:solidFill>
-                <a:latin typeface="Times New Roman" panose="02020603050405020304" pitchFamily="18" charset="0"/>
-                <a:cs typeface="Times New Roman" panose="02020603050405020304" pitchFamily="18" charset="0"/>
-              </a:rPr>
-            </a:br>
-            <a:r>
-              <a:rPr lang="en-US" sz="5500" b="1" dirty="0" smtClean="0">
-                <a:solidFill>
-                  <a:srgbClr val="7030A0"/>
-                </a:solidFill>
-                <a:latin typeface="Times New Roman" panose="02020603050405020304" pitchFamily="18" charset="0"/>
-                <a:cs typeface="Times New Roman" panose="02020603050405020304" pitchFamily="18" charset="0"/>
-              </a:rPr>
-              <a:t>các </a:t>
-            </a:r>
-            <a:r>
-              <a:rPr lang="en-US" sz="5500" b="1" dirty="0">
-                <a:solidFill>
-                  <a:srgbClr val="7030A0"/>
-                </a:solidFill>
-                <a:latin typeface="Times New Roman" panose="02020603050405020304" pitchFamily="18" charset="0"/>
-                <a:cs typeface="Times New Roman" panose="02020603050405020304" pitchFamily="18" charset="0"/>
-              </a:rPr>
-              <a:t>hệ thống truy xuất thông tin.</a:t>
-            </a:r>
-          </a:p>
-        </p:txBody>
-      </p:sp>
-    </p:spTree>
-    <p:extLst>
-      <p:ext uri="{BB962C8B-B14F-4D97-AF65-F5344CB8AC3E}">
-        <p14:creationId xmlns:p14="http://schemas.microsoft.com/office/powerpoint/2010/main" val="1531001453"/>
-      </p:ext>
-    </p:extLst>
-  </p:cSld>
-  <p:clrMapOvr>
-    <a:masterClrMapping/>
-  </p:clrMapOvr>
-  <p:timing>
-    <p:tnLst>
-      <p:par>
-        <p:cTn id="1" dur="indefinite" restart="never" nodeType="tmRoot"/>
-      </p:par>
-    </p:tnLst>
-  </p:timing>
-</p:sld>
-</file>
-
-<file path=ppt/slides/slide30.xml><?xml version="1.0" encoding="utf-8"?>
+<file path=ppt/slides/slide29.xml><?xml version="1.0" encoding="utf-8"?>
 <p:sld xmlns:a="http://schemas.openxmlformats.org/drawingml/2006/main" xmlns:r="http://schemas.openxmlformats.org/officeDocument/2006/relationships" xmlns:p="http://schemas.openxmlformats.org/presentationml/2006/main">
   <p:cSld>
     <p:spTree>
@@ -9060,7 +10029,7 @@
 </p:sld>
 </file>
 
-<file path=ppt/slides/slide31.xml><?xml version="1.0" encoding="utf-8"?>
+<file path=ppt/slides/slide3.xml><?xml version="1.0" encoding="utf-8"?>
 <p:sld xmlns:a="http://schemas.openxmlformats.org/drawingml/2006/main" xmlns:r="http://schemas.openxmlformats.org/officeDocument/2006/relationships" xmlns:p="http://schemas.openxmlformats.org/presentationml/2006/main">
   <p:cSld>
     <p:spTree>
@@ -9079,106 +10048,102 @@
       </p:grpSpPr>
       <p:sp>
         <p:nvSpPr>
-          <p:cNvPr id="6" name="Title 1"/>
-          <p:cNvSpPr txBox="1">
-            <a:spLocks/>
+          <p:cNvPr id="2" name="Title 1"/>
+          <p:cNvSpPr>
+            <a:spLocks noGrp="1"/>
           </p:cNvSpPr>
-          <p:nvPr/>
+          <p:nvPr>
+            <p:ph type="title"/>
+          </p:nvPr>
         </p:nvSpPr>
         <p:spPr>
           <a:xfrm>
-            <a:off x="0" y="0"/>
-            <a:ext cx="12192000" cy="1018773"/>
+            <a:off x="838200" y="365125"/>
+            <a:ext cx="10515600" cy="5997575"/>
           </a:xfrm>
-          <a:prstGeom prst="rect">
-            <a:avLst/>
-          </a:prstGeom>
         </p:spPr>
         <p:txBody>
-          <a:bodyPr vert="horz" lIns="91440" tIns="45720" rIns="91440" bIns="45720" rtlCol="0" anchor="ctr">
+          <a:bodyPr>
             <a:normAutofit/>
           </a:bodyPr>
-          <a:lstStyle>
-            <a:lvl1pPr algn="l" defTabSz="914400" rtl="0" eaLnBrk="1" latinLnBrk="0" hangingPunct="1">
-              <a:lnSpc>
-                <a:spcPct val="90000"/>
-              </a:lnSpc>
-              <a:spcBef>
-                <a:spcPct val="0"/>
-              </a:spcBef>
-              <a:buNone/>
-              <a:defRPr sz="4400" kern="1200">
-                <a:solidFill>
-                  <a:schemeClr val="tx1"/>
-                </a:solidFill>
-                <a:latin typeface="+mj-lt"/>
-                <a:ea typeface="+mj-ea"/>
-                <a:cs typeface="+mj-cs"/>
-              </a:defRPr>
-            </a:lvl1pPr>
-          </a:lstStyle>
-          <a:p>
-            <a:r>
-              <a:rPr lang="en-US" sz="4000" b="1" smtClean="0">
+          <a:lstStyle/>
+          <a:p>
+            <a:pPr algn="ctr"/>
+            <a:r>
+              <a:rPr lang="en-US" sz="5500" b="1" dirty="0">
                 <a:solidFill>
                   <a:srgbClr val="7030A0"/>
                 </a:solidFill>
                 <a:latin typeface="Times New Roman" panose="02020603050405020304" pitchFamily="18" charset="0"/>
                 <a:cs typeface="Times New Roman" panose="02020603050405020304" pitchFamily="18" charset="0"/>
               </a:rPr>
-              <a:t>Latent Semantic Indexing in IR.</a:t>
-            </a:r>
-            <a:endParaRPr lang="en-US" sz="4000" b="1" dirty="0" smtClean="0">
-              <a:solidFill>
-                <a:srgbClr val="7030A0"/>
-              </a:solidFill>
-              <a:latin typeface="Times New Roman" panose="02020603050405020304" pitchFamily="18" charset="0"/>
-              <a:cs typeface="Times New Roman" panose="02020603050405020304" pitchFamily="18" charset="0"/>
-            </a:endParaRPr>
+              <a:t>Những chức năng chính </a:t>
+            </a:r>
+            <a:br>
+              <a:rPr lang="en-US" sz="5500" b="1" dirty="0">
+                <a:solidFill>
+                  <a:srgbClr val="7030A0"/>
+                </a:solidFill>
+                <a:latin typeface="Times New Roman" panose="02020603050405020304" pitchFamily="18" charset="0"/>
+                <a:cs typeface="Times New Roman" panose="02020603050405020304" pitchFamily="18" charset="0"/>
+              </a:rPr>
+            </a:br>
+            <a:r>
+              <a:rPr lang="en-US" sz="5500" b="1" dirty="0">
+                <a:solidFill>
+                  <a:srgbClr val="7030A0"/>
+                </a:solidFill>
+                <a:latin typeface="Times New Roman" panose="02020603050405020304" pitchFamily="18" charset="0"/>
+                <a:cs typeface="Times New Roman" panose="02020603050405020304" pitchFamily="18" charset="0"/>
+              </a:rPr>
+              <a:t>trong </a:t>
+            </a:r>
+            <a:r>
+              <a:rPr lang="en-US" sz="5500" b="1" dirty="0" smtClean="0">
+                <a:solidFill>
+                  <a:srgbClr val="7030A0"/>
+                </a:solidFill>
+                <a:latin typeface="Times New Roman" panose="02020603050405020304" pitchFamily="18" charset="0"/>
+                <a:cs typeface="Times New Roman" panose="02020603050405020304" pitchFamily="18" charset="0"/>
+              </a:rPr>
+              <a:t/>
+            </a:r>
+            <a:br>
+              <a:rPr lang="en-US" sz="5500" b="1" dirty="0" smtClean="0">
+                <a:solidFill>
+                  <a:srgbClr val="7030A0"/>
+                </a:solidFill>
+                <a:latin typeface="Times New Roman" panose="02020603050405020304" pitchFamily="18" charset="0"/>
+                <a:cs typeface="Times New Roman" panose="02020603050405020304" pitchFamily="18" charset="0"/>
+              </a:rPr>
+            </a:br>
+            <a:r>
+              <a:rPr lang="en-US" sz="5500" b="1" dirty="0" smtClean="0">
+                <a:solidFill>
+                  <a:srgbClr val="7030A0"/>
+                </a:solidFill>
+                <a:latin typeface="Times New Roman" panose="02020603050405020304" pitchFamily="18" charset="0"/>
+                <a:cs typeface="Times New Roman" panose="02020603050405020304" pitchFamily="18" charset="0"/>
+              </a:rPr>
+              <a:t>các </a:t>
+            </a:r>
+            <a:r>
+              <a:rPr lang="en-US" sz="5500" b="1" dirty="0">
+                <a:solidFill>
+                  <a:srgbClr val="7030A0"/>
+                </a:solidFill>
+                <a:latin typeface="Times New Roman" panose="02020603050405020304" pitchFamily="18" charset="0"/>
+                <a:cs typeface="Times New Roman" panose="02020603050405020304" pitchFamily="18" charset="0"/>
+              </a:rPr>
+              <a:t>hệ thống truy xuất thông tin.</a:t>
+            </a:r>
           </a:p>
         </p:txBody>
       </p:sp>
     </p:spTree>
     <p:extLst>
       <p:ext uri="{BB962C8B-B14F-4D97-AF65-F5344CB8AC3E}">
-        <p14:creationId xmlns:p14="http://schemas.microsoft.com/office/powerpoint/2010/main" val="2729971065"/>
-      </p:ext>
-    </p:extLst>
-  </p:cSld>
-  <p:clrMapOvr>
-    <a:masterClrMapping/>
-  </p:clrMapOvr>
-  <p:timing>
-    <p:tnLst>
-      <p:par>
-        <p:cTn id="1" dur="indefinite" restart="never" nodeType="tmRoot"/>
-      </p:par>
-    </p:tnLst>
-  </p:timing>
-</p:sld>
-</file>
-
-<file path=ppt/slides/slide32.xml><?xml version="1.0" encoding="utf-8"?>
-<p:sld xmlns:a="http://schemas.openxmlformats.org/drawingml/2006/main" xmlns:r="http://schemas.openxmlformats.org/officeDocument/2006/relationships" xmlns:p="http://schemas.openxmlformats.org/presentationml/2006/main">
-  <p:cSld>
-    <p:spTree>
-      <p:nvGrpSpPr>
-        <p:cNvPr id="1" name=""/>
-        <p:cNvGrpSpPr/>
-        <p:nvPr/>
-      </p:nvGrpSpPr>
-      <p:grpSpPr>
-        <a:xfrm>
-          <a:off x="0" y="0"/>
-          <a:ext cx="0" cy="0"/>
-          <a:chOff x="0" y="0"/>
-          <a:chExt cx="0" cy="0"/>
-        </a:xfrm>
-      </p:grpSpPr>
-    </p:spTree>
-    <p:extLst>
-      <p:ext uri="{BB962C8B-B14F-4D97-AF65-F5344CB8AC3E}">
-        <p14:creationId xmlns:p14="http://schemas.microsoft.com/office/powerpoint/2010/main" val="358163739"/>
+        <p14:creationId xmlns:p14="http://schemas.microsoft.com/office/powerpoint/2010/main" val="1531001453"/>
       </p:ext>
     </p:extLst>
   </p:cSld>
@@ -13653,7 +14618,7 @@
           <a:bodyPr/>
           <a:lstStyle/>
           <a:p>
-            <a:endParaRPr lang="en-US"/>
+            <a:endParaRPr lang="en-US" dirty="0"/>
           </a:p>
         </p:txBody>
       </p:sp>
@@ -13701,7 +14666,7 @@
                                           </p:stCondLst>
                                         </p:cTn>
                                         <p:tgtEl>
-                                          <p:spTgt spid="6"/>
+                                          <p:spTgt spid="4"/>
                                         </p:tgtEl>
                                         <p:attrNameLst>
                                           <p:attrName>style.visibility</p:attrName>
@@ -13741,6 +14706,51 @@
                                     <p:set>
                                       <p:cBhvr>
                                         <p:cTn id="10" dur="1" fill="hold">
+                                          <p:stCondLst>
+                                            <p:cond delay="0"/>
+                                          </p:stCondLst>
+                                        </p:cTn>
+                                        <p:tgtEl>
+                                          <p:spTgt spid="6"/>
+                                        </p:tgtEl>
+                                        <p:attrNameLst>
+                                          <p:attrName>style.visibility</p:attrName>
+                                        </p:attrNameLst>
+                                      </p:cBhvr>
+                                      <p:to>
+                                        <p:strVal val="visible"/>
+                                      </p:to>
+                                    </p:set>
+                                  </p:childTnLst>
+                                </p:cTn>
+                              </p:par>
+                            </p:childTnLst>
+                          </p:cTn>
+                        </p:par>
+                      </p:childTnLst>
+                    </p:cTn>
+                  </p:par>
+                  <p:par>
+                    <p:cTn id="11" fill="hold">
+                      <p:stCondLst>
+                        <p:cond delay="indefinite"/>
+                      </p:stCondLst>
+                      <p:childTnLst>
+                        <p:par>
+                          <p:cTn id="12" fill="hold">
+                            <p:stCondLst>
+                              <p:cond delay="0"/>
+                            </p:stCondLst>
+                            <p:childTnLst>
+                              <p:par>
+                                <p:cTn id="13" presetID="1" presetClass="entr" presetSubtype="0" fill="hold" grpId="0" nodeType="clickEffect">
+                                  <p:stCondLst>
+                                    <p:cond delay="0"/>
+                                  </p:stCondLst>
+                                  <p:childTnLst>
+                                    <p:set>
+                                      <p:cBhvr>
+                                        <p:cTn id="14" dur="1" fill="hold">
                                           <p:stCondLst>
                                             <p:cond delay="0"/>
                                           </p:stCondLst>
@@ -13787,6 +14797,7 @@
       </p:par>
     </p:tnLst>
     <p:bldLst>
+      <p:bldP spid="4" grpId="0"/>
       <p:bldP spid="6" grpId="0"/>
       <p:bldP spid="7" grpId="0"/>
     </p:bldLst>

--- a/IR/Presentation1.pptx
+++ b/IR/Presentation1.pptx
@@ -14,26 +14,28 @@
     <p:sldId id="263" r:id="rId8"/>
     <p:sldId id="262" r:id="rId9"/>
     <p:sldId id="264" r:id="rId10"/>
-    <p:sldId id="270" r:id="rId11"/>
-    <p:sldId id="265" r:id="rId12"/>
-    <p:sldId id="267" r:id="rId13"/>
-    <p:sldId id="269" r:id="rId14"/>
-    <p:sldId id="271" r:id="rId15"/>
-    <p:sldId id="273" r:id="rId16"/>
-    <p:sldId id="274" r:id="rId17"/>
-    <p:sldId id="275" r:id="rId18"/>
-    <p:sldId id="272" r:id="rId19"/>
-    <p:sldId id="278" r:id="rId20"/>
-    <p:sldId id="280" r:id="rId21"/>
-    <p:sldId id="281" r:id="rId22"/>
-    <p:sldId id="283" r:id="rId23"/>
-    <p:sldId id="284" r:id="rId24"/>
-    <p:sldId id="286" r:id="rId25"/>
-    <p:sldId id="288" r:id="rId26"/>
-    <p:sldId id="289" r:id="rId27"/>
-    <p:sldId id="290" r:id="rId28"/>
-    <p:sldId id="291" r:id="rId29"/>
-    <p:sldId id="292" r:id="rId30"/>
+    <p:sldId id="293" r:id="rId11"/>
+    <p:sldId id="294" r:id="rId12"/>
+    <p:sldId id="265" r:id="rId13"/>
+    <p:sldId id="270" r:id="rId14"/>
+    <p:sldId id="267" r:id="rId15"/>
+    <p:sldId id="269" r:id="rId16"/>
+    <p:sldId id="271" r:id="rId17"/>
+    <p:sldId id="273" r:id="rId18"/>
+    <p:sldId id="274" r:id="rId19"/>
+    <p:sldId id="275" r:id="rId20"/>
+    <p:sldId id="272" r:id="rId21"/>
+    <p:sldId id="278" r:id="rId22"/>
+    <p:sldId id="280" r:id="rId23"/>
+    <p:sldId id="281" r:id="rId24"/>
+    <p:sldId id="283" r:id="rId25"/>
+    <p:sldId id="284" r:id="rId26"/>
+    <p:sldId id="286" r:id="rId27"/>
+    <p:sldId id="288" r:id="rId28"/>
+    <p:sldId id="289" r:id="rId29"/>
+    <p:sldId id="290" r:id="rId30"/>
+    <p:sldId id="291" r:id="rId31"/>
+    <p:sldId id="292" r:id="rId32"/>
   </p:sldIdLst>
   <p:sldSz cx="12192000" cy="6858000"/>
   <p:notesSz cx="6858000" cy="9144000"/>
@@ -271,7 +273,7 @@
           <a:p>
             <a:fld id="{27F2142A-344C-4C4D-B170-0C798B2E94BC}" type="datetimeFigureOut">
               <a:rPr lang="en-US" smtClean="0"/>
-              <a:t>11/21/2018</a:t>
+              <a:t>11/27/2018</a:t>
             </a:fld>
             <a:endParaRPr lang="en-US"/>
           </a:p>
@@ -441,7 +443,7 @@
           <a:p>
             <a:fld id="{27F2142A-344C-4C4D-B170-0C798B2E94BC}" type="datetimeFigureOut">
               <a:rPr lang="en-US" smtClean="0"/>
-              <a:t>11/21/2018</a:t>
+              <a:t>11/27/2018</a:t>
             </a:fld>
             <a:endParaRPr lang="en-US"/>
           </a:p>
@@ -621,7 +623,7 @@
           <a:p>
             <a:fld id="{27F2142A-344C-4C4D-B170-0C798B2E94BC}" type="datetimeFigureOut">
               <a:rPr lang="en-US" smtClean="0"/>
-              <a:t>11/21/2018</a:t>
+              <a:t>11/27/2018</a:t>
             </a:fld>
             <a:endParaRPr lang="en-US"/>
           </a:p>
@@ -791,7 +793,7 @@
           <a:p>
             <a:fld id="{27F2142A-344C-4C4D-B170-0C798B2E94BC}" type="datetimeFigureOut">
               <a:rPr lang="en-US" smtClean="0"/>
-              <a:t>11/21/2018</a:t>
+              <a:t>11/27/2018</a:t>
             </a:fld>
             <a:endParaRPr lang="en-US"/>
           </a:p>
@@ -1037,7 +1039,7 @@
           <a:p>
             <a:fld id="{27F2142A-344C-4C4D-B170-0C798B2E94BC}" type="datetimeFigureOut">
               <a:rPr lang="en-US" smtClean="0"/>
-              <a:t>11/21/2018</a:t>
+              <a:t>11/27/2018</a:t>
             </a:fld>
             <a:endParaRPr lang="en-US"/>
           </a:p>
@@ -1269,7 +1271,7 @@
           <a:p>
             <a:fld id="{27F2142A-344C-4C4D-B170-0C798B2E94BC}" type="datetimeFigureOut">
               <a:rPr lang="en-US" smtClean="0"/>
-              <a:t>11/21/2018</a:t>
+              <a:t>11/27/2018</a:t>
             </a:fld>
             <a:endParaRPr lang="en-US"/>
           </a:p>
@@ -1636,7 +1638,7 @@
           <a:p>
             <a:fld id="{27F2142A-344C-4C4D-B170-0C798B2E94BC}" type="datetimeFigureOut">
               <a:rPr lang="en-US" smtClean="0"/>
-              <a:t>11/21/2018</a:t>
+              <a:t>11/27/2018</a:t>
             </a:fld>
             <a:endParaRPr lang="en-US"/>
           </a:p>
@@ -1754,7 +1756,7 @@
           <a:p>
             <a:fld id="{27F2142A-344C-4C4D-B170-0C798B2E94BC}" type="datetimeFigureOut">
               <a:rPr lang="en-US" smtClean="0"/>
-              <a:t>11/21/2018</a:t>
+              <a:t>11/27/2018</a:t>
             </a:fld>
             <a:endParaRPr lang="en-US"/>
           </a:p>
@@ -1849,7 +1851,7 @@
           <a:p>
             <a:fld id="{27F2142A-344C-4C4D-B170-0C798B2E94BC}" type="datetimeFigureOut">
               <a:rPr lang="en-US" smtClean="0"/>
-              <a:t>11/21/2018</a:t>
+              <a:t>11/27/2018</a:t>
             </a:fld>
             <a:endParaRPr lang="en-US"/>
           </a:p>
@@ -2126,7 +2128,7 @@
           <a:p>
             <a:fld id="{27F2142A-344C-4C4D-B170-0C798B2E94BC}" type="datetimeFigureOut">
               <a:rPr lang="en-US" smtClean="0"/>
-              <a:t>11/21/2018</a:t>
+              <a:t>11/27/2018</a:t>
             </a:fld>
             <a:endParaRPr lang="en-US"/>
           </a:p>
@@ -2379,7 +2381,7 @@
           <a:p>
             <a:fld id="{27F2142A-344C-4C4D-B170-0C798B2E94BC}" type="datetimeFigureOut">
               <a:rPr lang="en-US" smtClean="0"/>
-              <a:t>11/21/2018</a:t>
+              <a:t>11/27/2018</a:t>
             </a:fld>
             <a:endParaRPr lang="en-US"/>
           </a:p>
@@ -2592,7 +2594,7 @@
           <a:p>
             <a:fld id="{27F2142A-344C-4C4D-B170-0C798B2E94BC}" type="datetimeFigureOut">
               <a:rPr lang="en-US" smtClean="0"/>
-              <a:t>11/21/2018</a:t>
+              <a:t>11/27/2018</a:t>
             </a:fld>
             <a:endParaRPr lang="en-US"/>
           </a:p>
@@ -3052,13 +3054,6 @@
               </a:rPr>
               <a:t>TÌM HIỂU TRUY XUẤT THÔNG TIN</a:t>
             </a:r>
-            <a:r>
-              <a:rPr lang="en-US" sz="4400" b="1" dirty="0" smtClean="0">
-                <a:latin typeface="Times New Roman" panose="02020603050405020304" pitchFamily="18" charset="0"/>
-                <a:cs typeface="Times New Roman" panose="02020603050405020304" pitchFamily="18" charset="0"/>
-              </a:rPr>
-              <a:t/>
-            </a:r>
             <a:br>
               <a:rPr lang="en-US" sz="4400" b="1" dirty="0" smtClean="0">
                 <a:latin typeface="Times New Roman" panose="02020603050405020304" pitchFamily="18" charset="0"/>
@@ -3334,17 +3329,105 @@
                 <a:latin typeface="Times New Roman" panose="02020603050405020304" pitchFamily="18" charset="0"/>
                 <a:cs typeface="Times New Roman" panose="02020603050405020304" pitchFamily="18" charset="0"/>
               </a:rPr>
-              <a:t>The probability ranking </a:t>
-            </a:r>
-            <a:r>
-              <a:rPr lang="en-US" sz="4000" b="1" dirty="0" smtClean="0">
+              <a:t>Precision and Recall combine Ranking.</a:t>
+            </a:r>
+            <a:endParaRPr lang="en-US" sz="4000" b="1" dirty="0">
+              <a:solidFill>
+                <a:srgbClr val="7030A0"/>
+              </a:solidFill>
+              <a:latin typeface="Times New Roman" panose="02020603050405020304" pitchFamily="18" charset="0"/>
+              <a:cs typeface="Times New Roman" panose="02020603050405020304" pitchFamily="18" charset="0"/>
+            </a:endParaRPr>
+          </a:p>
+        </p:txBody>
+      </p:sp>
+    </p:spTree>
+    <p:extLst>
+      <p:ext uri="{BB962C8B-B14F-4D97-AF65-F5344CB8AC3E}">
+        <p14:creationId xmlns:p14="http://schemas.microsoft.com/office/powerpoint/2010/main" val="3087040448"/>
+      </p:ext>
+    </p:extLst>
+  </p:cSld>
+  <p:clrMapOvr>
+    <a:masterClrMapping/>
+  </p:clrMapOvr>
+  <p:timing>
+    <p:tnLst>
+      <p:par>
+        <p:cTn id="1" dur="indefinite" restart="never" nodeType="tmRoot"/>
+      </p:par>
+    </p:tnLst>
+  </p:timing>
+</p:sld>
+</file>
+
+<file path=ppt/slides/slide11.xml><?xml version="1.0" encoding="utf-8"?>
+<p:sld xmlns:a="http://schemas.openxmlformats.org/drawingml/2006/main" xmlns:r="http://schemas.openxmlformats.org/officeDocument/2006/relationships" xmlns:p="http://schemas.openxmlformats.org/presentationml/2006/main">
+  <p:cSld>
+    <p:spTree>
+      <p:nvGrpSpPr>
+        <p:cNvPr id="1" name=""/>
+        <p:cNvGrpSpPr/>
+        <p:nvPr/>
+      </p:nvGrpSpPr>
+      <p:grpSpPr>
+        <a:xfrm>
+          <a:off x="0" y="0"/>
+          <a:ext cx="0" cy="0"/>
+          <a:chOff x="0" y="0"/>
+          <a:chExt cx="0" cy="0"/>
+        </a:xfrm>
+      </p:grpSpPr>
+      <p:sp>
+        <p:nvSpPr>
+          <p:cNvPr id="4" name="Title 1"/>
+          <p:cNvSpPr txBox="1">
+            <a:spLocks/>
+          </p:cNvSpPr>
+          <p:nvPr/>
+        </p:nvSpPr>
+        <p:spPr>
+          <a:xfrm>
+            <a:off x="0" y="0"/>
+            <a:ext cx="12192000" cy="1018773"/>
+          </a:xfrm>
+          <a:prstGeom prst="rect">
+            <a:avLst/>
+          </a:prstGeom>
+        </p:spPr>
+        <p:txBody>
+          <a:bodyPr vert="horz" lIns="91440" tIns="45720" rIns="91440" bIns="45720" rtlCol="0" anchor="ctr">
+            <a:normAutofit/>
+          </a:bodyPr>
+          <a:lstStyle>
+            <a:lvl1pPr algn="l" defTabSz="914400" rtl="0" eaLnBrk="1" latinLnBrk="0" hangingPunct="1">
+              <a:lnSpc>
+                <a:spcPct val="90000"/>
+              </a:lnSpc>
+              <a:spcBef>
+                <a:spcPct val="0"/>
+              </a:spcBef>
+              <a:buNone/>
+              <a:defRPr sz="4400" kern="1200">
+                <a:solidFill>
+                  <a:schemeClr val="tx1"/>
+                </a:solidFill>
+                <a:latin typeface="+mj-lt"/>
+                <a:ea typeface="+mj-ea"/>
+                <a:cs typeface="+mj-cs"/>
+              </a:defRPr>
+            </a:lvl1pPr>
+          </a:lstStyle>
+          <a:p>
+            <a:r>
+              <a:rPr lang="en-US" sz="4000" b="1" dirty="0">
                 <a:solidFill>
                   <a:srgbClr val="7030A0"/>
                 </a:solidFill>
                 <a:latin typeface="Times New Roman" panose="02020603050405020304" pitchFamily="18" charset="0"/>
                 <a:cs typeface="Times New Roman" panose="02020603050405020304" pitchFamily="18" charset="0"/>
               </a:rPr>
-              <a:t>principle.</a:t>
+              <a:t>Precision and Recall combine Ranking.</a:t>
             </a:r>
             <a:endParaRPr lang="en-US" sz="4000" b="1" dirty="0">
               <a:solidFill>
@@ -3569,7 +3652,7 @@
     </p:spTree>
     <p:extLst>
       <p:ext uri="{BB962C8B-B14F-4D97-AF65-F5344CB8AC3E}">
-        <p14:creationId xmlns:p14="http://schemas.microsoft.com/office/powerpoint/2010/main" val="1279894501"/>
+        <p14:creationId xmlns:p14="http://schemas.microsoft.com/office/powerpoint/2010/main" val="888126569"/>
       </p:ext>
     </p:extLst>
   </p:cSld>
@@ -3756,7 +3839,7 @@
 </p:sld>
 </file>
 
-<file path=ppt/slides/slide11.xml><?xml version="1.0" encoding="utf-8"?>
+<file path=ppt/slides/slide12.xml><?xml version="1.0" encoding="utf-8"?>
 <p:sld xmlns:a="http://schemas.openxmlformats.org/drawingml/2006/main" xmlns:r="http://schemas.openxmlformats.org/officeDocument/2006/relationships" xmlns:p="http://schemas.openxmlformats.org/presentationml/2006/main">
   <p:cSld>
     <p:spTree>
@@ -3822,17 +3905,7 @@
                 <a:latin typeface="Times New Roman" panose="02020603050405020304" pitchFamily="18" charset="0"/>
                 <a:cs typeface="Times New Roman" panose="02020603050405020304" pitchFamily="18" charset="0"/>
               </a:rPr>
-              <a:t>Precision and Recall combine Ranking</a:t>
-            </a:r>
-            <a:r>
-              <a:rPr lang="en-US" sz="4000" b="1" dirty="0" smtClean="0">
-                <a:solidFill>
-                  <a:srgbClr val="7030A0"/>
-                </a:solidFill>
-                <a:latin typeface="Times New Roman" panose="02020603050405020304" pitchFamily="18" charset="0"/>
-                <a:cs typeface="Times New Roman" panose="02020603050405020304" pitchFamily="18" charset="0"/>
-              </a:rPr>
-              <a:t>.</a:t>
+              <a:t>Precision and Recall combine Ranking.</a:t>
             </a:r>
             <a:endParaRPr lang="en-US" sz="4000" b="1" dirty="0">
               <a:solidFill>
@@ -3985,7 +4058,21 @@
                 <a:latin typeface="Times New Roman" panose="02020603050405020304" pitchFamily="18" charset="0"/>
                 <a:cs typeface="Times New Roman" panose="02020603050405020304" pitchFamily="18" charset="0"/>
               </a:rPr>
-              <a:t>0.4     5/8</a:t>
+              <a:t>0.4     </a:t>
+            </a:r>
+            <a:r>
+              <a:rPr lang="en-US" sz="2000" dirty="0">
+                <a:latin typeface="Times New Roman" panose="02020603050405020304" pitchFamily="18" charset="0"/>
+                <a:cs typeface="Times New Roman" panose="02020603050405020304" pitchFamily="18" charset="0"/>
+              </a:rPr>
+              <a:t>2</a:t>
+            </a:r>
+            <a:r>
+              <a:rPr lang="en-US" sz="2000" dirty="0" smtClean="0">
+                <a:latin typeface="Times New Roman" panose="02020603050405020304" pitchFamily="18" charset="0"/>
+                <a:cs typeface="Times New Roman" panose="02020603050405020304" pitchFamily="18" charset="0"/>
+              </a:rPr>
+              <a:t>/3</a:t>
             </a:r>
           </a:p>
           <a:p>
@@ -4075,7 +4162,14 @@
                 <a:latin typeface="Times New Roman" panose="02020603050405020304" pitchFamily="18" charset="0"/>
                 <a:cs typeface="Times New Roman" panose="02020603050405020304" pitchFamily="18" charset="0"/>
               </a:rPr>
-              <a:t>Interpolated avg pre = ((2/3*4)+(5/8*7))/11 = 0.64</a:t>
+              <a:t>Interpolated avg pre = ((2/3*4)+(5/8*7))/11 </a:t>
+            </a:r>
+            <a:r>
+              <a:rPr lang="en-US" sz="2400" smtClean="0">
+                <a:latin typeface="Times New Roman" panose="02020603050405020304" pitchFamily="18" charset="0"/>
+                <a:cs typeface="Times New Roman" panose="02020603050405020304" pitchFamily="18" charset="0"/>
+              </a:rPr>
+              <a:t>= 0.644</a:t>
             </a:r>
             <a:endParaRPr lang="en-US" sz="2400" dirty="0">
               <a:latin typeface="Times New Roman" panose="02020603050405020304" pitchFamily="18" charset="0"/>
@@ -4293,105 +4387,6 @@
 </p:sld>
 </file>
 
-<file path=ppt/slides/slide12.xml><?xml version="1.0" encoding="utf-8"?>
-<p:sld xmlns:a="http://schemas.openxmlformats.org/drawingml/2006/main" xmlns:r="http://schemas.openxmlformats.org/officeDocument/2006/relationships" xmlns:p="http://schemas.openxmlformats.org/presentationml/2006/main">
-  <p:cSld>
-    <p:spTree>
-      <p:nvGrpSpPr>
-        <p:cNvPr id="1" name=""/>
-        <p:cNvGrpSpPr/>
-        <p:nvPr/>
-      </p:nvGrpSpPr>
-      <p:grpSpPr>
-        <a:xfrm>
-          <a:off x="0" y="0"/>
-          <a:ext cx="0" cy="0"/>
-          <a:chOff x="0" y="0"/>
-          <a:chExt cx="0" cy="0"/>
-        </a:xfrm>
-      </p:grpSpPr>
-      <p:sp>
-        <p:nvSpPr>
-          <p:cNvPr id="4" name="Title 1"/>
-          <p:cNvSpPr>
-            <a:spLocks noGrp="1"/>
-          </p:cNvSpPr>
-          <p:nvPr>
-            <p:ph type="title"/>
-          </p:nvPr>
-        </p:nvSpPr>
-        <p:spPr>
-          <a:xfrm>
-            <a:off x="838200" y="365125"/>
-            <a:ext cx="10515600" cy="5997575"/>
-          </a:xfrm>
-        </p:spPr>
-        <p:txBody>
-          <a:bodyPr>
-            <a:normAutofit/>
-          </a:bodyPr>
-          <a:lstStyle/>
-          <a:p>
-            <a:pPr algn="ctr"/>
-            <a:r>
-              <a:rPr lang="en-US" sz="5500" b="1" dirty="0" smtClean="0">
-                <a:solidFill>
-                  <a:srgbClr val="7030A0"/>
-                </a:solidFill>
-                <a:latin typeface="Times New Roman" panose="02020603050405020304" pitchFamily="18" charset="0"/>
-                <a:cs typeface="Times New Roman" panose="02020603050405020304" pitchFamily="18" charset="0"/>
-              </a:rPr>
-              <a:t>Mô hình không gian vector.</a:t>
-            </a:r>
-            <a:br>
-              <a:rPr lang="en-US" sz="5500" b="1" dirty="0" smtClean="0">
-                <a:solidFill>
-                  <a:srgbClr val="7030A0"/>
-                </a:solidFill>
-                <a:latin typeface="Times New Roman" panose="02020603050405020304" pitchFamily="18" charset="0"/>
-                <a:cs typeface="Times New Roman" panose="02020603050405020304" pitchFamily="18" charset="0"/>
-              </a:rPr>
-            </a:br>
-            <a:r>
-              <a:rPr lang="en-US" sz="5500" b="1" dirty="0" smtClean="0">
-                <a:solidFill>
-                  <a:srgbClr val="7030A0"/>
-                </a:solidFill>
-                <a:latin typeface="Times New Roman" panose="02020603050405020304" pitchFamily="18" charset="0"/>
-                <a:cs typeface="Times New Roman" panose="02020603050405020304" pitchFamily="18" charset="0"/>
-              </a:rPr>
-              <a:t>(The vector space model)</a:t>
-            </a:r>
-            <a:endParaRPr lang="en-US" sz="5500" b="1" dirty="0">
-              <a:solidFill>
-                <a:srgbClr val="7030A0"/>
-              </a:solidFill>
-              <a:latin typeface="Times New Roman" panose="02020603050405020304" pitchFamily="18" charset="0"/>
-              <a:cs typeface="Times New Roman" panose="02020603050405020304" pitchFamily="18" charset="0"/>
-            </a:endParaRPr>
-          </a:p>
-        </p:txBody>
-      </p:sp>
-    </p:spTree>
-    <p:extLst>
-      <p:ext uri="{BB962C8B-B14F-4D97-AF65-F5344CB8AC3E}">
-        <p14:creationId xmlns:p14="http://schemas.microsoft.com/office/powerpoint/2010/main" val="1814787889"/>
-      </p:ext>
-    </p:extLst>
-  </p:cSld>
-  <p:clrMapOvr>
-    <a:masterClrMapping/>
-  </p:clrMapOvr>
-  <p:timing>
-    <p:tnLst>
-      <p:par>
-        <p:cTn id="1" dur="indefinite" restart="never" nodeType="tmRoot"/>
-      </p:par>
-    </p:tnLst>
-  </p:timing>
-</p:sld>
-</file>
-
 <file path=ppt/slides/slide13.xml><?xml version="1.0" encoding="utf-8"?>
 <p:sld xmlns:a="http://schemas.openxmlformats.org/drawingml/2006/main" xmlns:r="http://schemas.openxmlformats.org/officeDocument/2006/relationships" xmlns:p="http://schemas.openxmlformats.org/presentationml/2006/main">
   <p:cSld>
@@ -4451,6 +4446,16 @@
           </a:lstStyle>
           <a:p>
             <a:r>
+              <a:rPr lang="en-US" sz="4000" b="1" dirty="0">
+                <a:solidFill>
+                  <a:srgbClr val="7030A0"/>
+                </a:solidFill>
+                <a:latin typeface="Times New Roman" panose="02020603050405020304" pitchFamily="18" charset="0"/>
+                <a:cs typeface="Times New Roman" panose="02020603050405020304" pitchFamily="18" charset="0"/>
+              </a:rPr>
+              <a:t>The probability ranking </a:t>
+            </a:r>
+            <a:r>
               <a:rPr lang="en-US" sz="4000" b="1" dirty="0" smtClean="0">
                 <a:solidFill>
                   <a:srgbClr val="7030A0"/>
@@ -4458,8 +4463,195 @@
                 <a:latin typeface="Times New Roman" panose="02020603050405020304" pitchFamily="18" charset="0"/>
                 <a:cs typeface="Times New Roman" panose="02020603050405020304" pitchFamily="18" charset="0"/>
               </a:rPr>
-              <a:t>The vector space</a:t>
-            </a:r>
+              <a:t>principle.</a:t>
+            </a:r>
+            <a:endParaRPr lang="en-US" sz="4000" b="1" dirty="0">
+              <a:solidFill>
+                <a:srgbClr val="7030A0"/>
+              </a:solidFill>
+              <a:latin typeface="Times New Roman" panose="02020603050405020304" pitchFamily="18" charset="0"/>
+              <a:cs typeface="Times New Roman" panose="02020603050405020304" pitchFamily="18" charset="0"/>
+            </a:endParaRPr>
+          </a:p>
+        </p:txBody>
+      </p:sp>
+    </p:spTree>
+    <p:extLst>
+      <p:ext uri="{BB962C8B-B14F-4D97-AF65-F5344CB8AC3E}">
+        <p14:creationId xmlns:p14="http://schemas.microsoft.com/office/powerpoint/2010/main" val="1279894501"/>
+      </p:ext>
+    </p:extLst>
+  </p:cSld>
+  <p:clrMapOvr>
+    <a:masterClrMapping/>
+  </p:clrMapOvr>
+  <p:timing>
+    <p:tnLst>
+      <p:par>
+        <p:cTn id="1" dur="indefinite" restart="never" nodeType="tmRoot"/>
+      </p:par>
+    </p:tnLst>
+  </p:timing>
+</p:sld>
+</file>
+
+<file path=ppt/slides/slide14.xml><?xml version="1.0" encoding="utf-8"?>
+<p:sld xmlns:a="http://schemas.openxmlformats.org/drawingml/2006/main" xmlns:r="http://schemas.openxmlformats.org/officeDocument/2006/relationships" xmlns:p="http://schemas.openxmlformats.org/presentationml/2006/main">
+  <p:cSld>
+    <p:spTree>
+      <p:nvGrpSpPr>
+        <p:cNvPr id="1" name=""/>
+        <p:cNvGrpSpPr/>
+        <p:nvPr/>
+      </p:nvGrpSpPr>
+      <p:grpSpPr>
+        <a:xfrm>
+          <a:off x="0" y="0"/>
+          <a:ext cx="0" cy="0"/>
+          <a:chOff x="0" y="0"/>
+          <a:chExt cx="0" cy="0"/>
+        </a:xfrm>
+      </p:grpSpPr>
+      <p:sp>
+        <p:nvSpPr>
+          <p:cNvPr id="4" name="Title 1"/>
+          <p:cNvSpPr>
+            <a:spLocks noGrp="1"/>
+          </p:cNvSpPr>
+          <p:nvPr>
+            <p:ph type="title"/>
+          </p:nvPr>
+        </p:nvSpPr>
+        <p:spPr>
+          <a:xfrm>
+            <a:off x="838200" y="365125"/>
+            <a:ext cx="10515600" cy="5997575"/>
+          </a:xfrm>
+        </p:spPr>
+        <p:txBody>
+          <a:bodyPr>
+            <a:normAutofit/>
+          </a:bodyPr>
+          <a:lstStyle/>
+          <a:p>
+            <a:pPr algn="ctr"/>
+            <a:r>
+              <a:rPr lang="en-US" sz="5500" b="1" dirty="0" smtClean="0">
+                <a:solidFill>
+                  <a:srgbClr val="7030A0"/>
+                </a:solidFill>
+                <a:latin typeface="Times New Roman" panose="02020603050405020304" pitchFamily="18" charset="0"/>
+                <a:cs typeface="Times New Roman" panose="02020603050405020304" pitchFamily="18" charset="0"/>
+              </a:rPr>
+              <a:t>Mô hình không gian vector.</a:t>
+            </a:r>
+            <a:br>
+              <a:rPr lang="en-US" sz="5500" b="1" dirty="0" smtClean="0">
+                <a:solidFill>
+                  <a:srgbClr val="7030A0"/>
+                </a:solidFill>
+                <a:latin typeface="Times New Roman" panose="02020603050405020304" pitchFamily="18" charset="0"/>
+                <a:cs typeface="Times New Roman" panose="02020603050405020304" pitchFamily="18" charset="0"/>
+              </a:rPr>
+            </a:br>
+            <a:r>
+              <a:rPr lang="en-US" sz="5500" b="1" dirty="0" smtClean="0">
+                <a:solidFill>
+                  <a:srgbClr val="7030A0"/>
+                </a:solidFill>
+                <a:latin typeface="Times New Roman" panose="02020603050405020304" pitchFamily="18" charset="0"/>
+                <a:cs typeface="Times New Roman" panose="02020603050405020304" pitchFamily="18" charset="0"/>
+              </a:rPr>
+              <a:t>(The vector space model)</a:t>
+            </a:r>
+            <a:endParaRPr lang="en-US" sz="5500" b="1" dirty="0">
+              <a:solidFill>
+                <a:srgbClr val="7030A0"/>
+              </a:solidFill>
+              <a:latin typeface="Times New Roman" panose="02020603050405020304" pitchFamily="18" charset="0"/>
+              <a:cs typeface="Times New Roman" panose="02020603050405020304" pitchFamily="18" charset="0"/>
+            </a:endParaRPr>
+          </a:p>
+        </p:txBody>
+      </p:sp>
+    </p:spTree>
+    <p:extLst>
+      <p:ext uri="{BB962C8B-B14F-4D97-AF65-F5344CB8AC3E}">
+        <p14:creationId xmlns:p14="http://schemas.microsoft.com/office/powerpoint/2010/main" val="1814787889"/>
+      </p:ext>
+    </p:extLst>
+  </p:cSld>
+  <p:clrMapOvr>
+    <a:masterClrMapping/>
+  </p:clrMapOvr>
+  <p:timing>
+    <p:tnLst>
+      <p:par>
+        <p:cTn id="1" dur="indefinite" restart="never" nodeType="tmRoot"/>
+      </p:par>
+    </p:tnLst>
+  </p:timing>
+</p:sld>
+</file>
+
+<file path=ppt/slides/slide15.xml><?xml version="1.0" encoding="utf-8"?>
+<p:sld xmlns:a="http://schemas.openxmlformats.org/drawingml/2006/main" xmlns:r="http://schemas.openxmlformats.org/officeDocument/2006/relationships" xmlns:p="http://schemas.openxmlformats.org/presentationml/2006/main">
+  <p:cSld>
+    <p:spTree>
+      <p:nvGrpSpPr>
+        <p:cNvPr id="1" name=""/>
+        <p:cNvGrpSpPr/>
+        <p:nvPr/>
+      </p:nvGrpSpPr>
+      <p:grpSpPr>
+        <a:xfrm>
+          <a:off x="0" y="0"/>
+          <a:ext cx="0" cy="0"/>
+          <a:chOff x="0" y="0"/>
+          <a:chExt cx="0" cy="0"/>
+        </a:xfrm>
+      </p:grpSpPr>
+      <p:sp>
+        <p:nvSpPr>
+          <p:cNvPr id="4" name="Title 1"/>
+          <p:cNvSpPr txBox="1">
+            <a:spLocks/>
+          </p:cNvSpPr>
+          <p:nvPr/>
+        </p:nvSpPr>
+        <p:spPr>
+          <a:xfrm>
+            <a:off x="0" y="0"/>
+            <a:ext cx="12192000" cy="1018773"/>
+          </a:xfrm>
+          <a:prstGeom prst="rect">
+            <a:avLst/>
+          </a:prstGeom>
+        </p:spPr>
+        <p:txBody>
+          <a:bodyPr vert="horz" lIns="91440" tIns="45720" rIns="91440" bIns="45720" rtlCol="0" anchor="ctr">
+            <a:normAutofit/>
+          </a:bodyPr>
+          <a:lstStyle>
+            <a:lvl1pPr algn="l" defTabSz="914400" rtl="0" eaLnBrk="1" latinLnBrk="0" hangingPunct="1">
+              <a:lnSpc>
+                <a:spcPct val="90000"/>
+              </a:lnSpc>
+              <a:spcBef>
+                <a:spcPct val="0"/>
+              </a:spcBef>
+              <a:buNone/>
+              <a:defRPr sz="4400" kern="1200">
+                <a:solidFill>
+                  <a:schemeClr val="tx1"/>
+                </a:solidFill>
+                <a:latin typeface="+mj-lt"/>
+                <a:ea typeface="+mj-ea"/>
+                <a:cs typeface="+mj-cs"/>
+              </a:defRPr>
+            </a:lvl1pPr>
+          </a:lstStyle>
+          <a:p>
             <a:r>
               <a:rPr lang="en-US" sz="4000" b="1" dirty="0" smtClean="0">
                 <a:solidFill>
@@ -4468,7 +4660,7 @@
                 <a:latin typeface="Times New Roman" panose="02020603050405020304" pitchFamily="18" charset="0"/>
                 <a:cs typeface="Times New Roman" panose="02020603050405020304" pitchFamily="18" charset="0"/>
               </a:rPr>
-              <a:t>.</a:t>
+              <a:t>The vector space.</a:t>
             </a:r>
             <a:endParaRPr lang="en-US" sz="4000" b="1" dirty="0">
               <a:solidFill>
@@ -4742,7 +4934,7 @@
 </p:sld>
 </file>
 
-<file path=ppt/slides/slide14.xml><?xml version="1.0" encoding="utf-8"?>
+<file path=ppt/slides/slide16.xml><?xml version="1.0" encoding="utf-8"?>
 <p:sld xmlns:a="http://schemas.openxmlformats.org/drawingml/2006/main" xmlns:r="http://schemas.openxmlformats.org/officeDocument/2006/relationships" xmlns:p="http://schemas.openxmlformats.org/presentationml/2006/main">
   <p:cSld>
     <p:spTree>
@@ -4808,17 +5000,7 @@
                 <a:latin typeface="Times New Roman" panose="02020603050405020304" pitchFamily="18" charset="0"/>
                 <a:cs typeface="Times New Roman" panose="02020603050405020304" pitchFamily="18" charset="0"/>
               </a:rPr>
-              <a:t>Cosine similarity</a:t>
-            </a:r>
-            <a:r>
-              <a:rPr lang="en-US" sz="4000" b="1" dirty="0" smtClean="0">
-                <a:solidFill>
-                  <a:srgbClr val="7030A0"/>
-                </a:solidFill>
-                <a:latin typeface="Times New Roman" panose="02020603050405020304" pitchFamily="18" charset="0"/>
-                <a:cs typeface="Times New Roman" panose="02020603050405020304" pitchFamily="18" charset="0"/>
-              </a:rPr>
-              <a:t>.</a:t>
+              <a:t>Cosine similarity.</a:t>
             </a:r>
           </a:p>
         </p:txBody>
@@ -5023,7 +5205,7 @@
 </p:sld>
 </file>
 
-<file path=ppt/slides/slide15.xml><?xml version="1.0" encoding="utf-8"?>
+<file path=ppt/slides/slide17.xml><?xml version="1.0" encoding="utf-8"?>
 <p:sld xmlns:a="http://schemas.openxmlformats.org/drawingml/2006/main" xmlns:r="http://schemas.openxmlformats.org/officeDocument/2006/relationships" xmlns:p="http://schemas.openxmlformats.org/presentationml/2006/main">
   <p:cSld>
     <p:spTree>
@@ -5089,17 +5271,7 @@
                 <a:latin typeface="Times New Roman" panose="02020603050405020304" pitchFamily="18" charset="0"/>
                 <a:cs typeface="Times New Roman" panose="02020603050405020304" pitchFamily="18" charset="0"/>
               </a:rPr>
-              <a:t>Term weighting</a:t>
-            </a:r>
-            <a:r>
-              <a:rPr lang="en-US" sz="4000" b="1" dirty="0" smtClean="0">
-                <a:solidFill>
-                  <a:srgbClr val="7030A0"/>
-                </a:solidFill>
-                <a:latin typeface="Times New Roman" panose="02020603050405020304" pitchFamily="18" charset="0"/>
-                <a:cs typeface="Times New Roman" panose="02020603050405020304" pitchFamily="18" charset="0"/>
-              </a:rPr>
-              <a:t>.</a:t>
+              <a:t>Term weighting.</a:t>
             </a:r>
           </a:p>
         </p:txBody>
@@ -5611,7 +5783,7 @@
 </p:sld>
 </file>
 
-<file path=ppt/slides/slide16.xml><?xml version="1.0" encoding="utf-8"?>
+<file path=ppt/slides/slide18.xml><?xml version="1.0" encoding="utf-8"?>
 <p:sld xmlns:a="http://schemas.openxmlformats.org/drawingml/2006/main" xmlns:r="http://schemas.openxmlformats.org/officeDocument/2006/relationships" xmlns:p="http://schemas.openxmlformats.org/presentationml/2006/main">
   <p:cSld>
     <p:spTree>
@@ -5677,35 +5849,8 @@
                 <a:latin typeface="Times New Roman" panose="02020603050405020304" pitchFamily="18" charset="0"/>
                 <a:cs typeface="Times New Roman" panose="02020603050405020304" pitchFamily="18" charset="0"/>
               </a:rPr>
-              <a:t>Term weighting</a:t>
-            </a:r>
-            <a:r>
-              <a:rPr lang="en-US" sz="4000" b="1" dirty="0" smtClean="0">
-                <a:solidFill>
-                  <a:srgbClr val="7030A0"/>
-                </a:solidFill>
-                <a:latin typeface="Times New Roman" panose="02020603050405020304" pitchFamily="18" charset="0"/>
-                <a:cs typeface="Times New Roman" panose="02020603050405020304" pitchFamily="18" charset="0"/>
-              </a:rPr>
-              <a:t>. </a:t>
-            </a:r>
-            <a:r>
-              <a:rPr lang="en-US" sz="4000" b="1" dirty="0" smtClean="0">
-                <a:solidFill>
-                  <a:srgbClr val="7030A0"/>
-                </a:solidFill>
-                <a:latin typeface="Times New Roman" panose="02020603050405020304" pitchFamily="18" charset="0"/>
-                <a:cs typeface="Times New Roman" panose="02020603050405020304" pitchFamily="18" charset="0"/>
-              </a:rPr>
-              <a:t>Term Frequency.</a:t>
-            </a:r>
-            <a:endParaRPr lang="en-US" sz="4000" b="1" dirty="0" smtClean="0">
-              <a:solidFill>
-                <a:srgbClr val="7030A0"/>
-              </a:solidFill>
-              <a:latin typeface="Times New Roman" panose="02020603050405020304" pitchFamily="18" charset="0"/>
-              <a:cs typeface="Times New Roman" panose="02020603050405020304" pitchFamily="18" charset="0"/>
-            </a:endParaRPr>
+              <a:t>Term weighting. Term Frequency.</a:t>
+            </a:r>
           </a:p>
         </p:txBody>
       </p:sp>
@@ -5759,7 +5904,7 @@
 </p:sld>
 </file>
 
-<file path=ppt/slides/slide17.xml><?xml version="1.0" encoding="utf-8"?>
+<file path=ppt/slides/slide19.xml><?xml version="1.0" encoding="utf-8"?>
 <p:sld xmlns:a="http://schemas.openxmlformats.org/drawingml/2006/main" xmlns:r="http://schemas.openxmlformats.org/officeDocument/2006/relationships" xmlns:p="http://schemas.openxmlformats.org/presentationml/2006/main">
   <p:cSld>
     <p:spTree>
@@ -5825,35 +5970,8 @@
                 <a:latin typeface="Times New Roman" panose="02020603050405020304" pitchFamily="18" charset="0"/>
                 <a:cs typeface="Times New Roman" panose="02020603050405020304" pitchFamily="18" charset="0"/>
               </a:rPr>
-              <a:t>Term weighting</a:t>
-            </a:r>
-            <a:r>
-              <a:rPr lang="en-US" sz="4000" b="1" dirty="0" smtClean="0">
-                <a:solidFill>
-                  <a:srgbClr val="7030A0"/>
-                </a:solidFill>
-                <a:latin typeface="Times New Roman" panose="02020603050405020304" pitchFamily="18" charset="0"/>
-                <a:cs typeface="Times New Roman" panose="02020603050405020304" pitchFamily="18" charset="0"/>
-              </a:rPr>
-              <a:t>. </a:t>
-            </a:r>
-            <a:r>
-              <a:rPr lang="en-US" sz="4000" b="1" dirty="0" smtClean="0">
-                <a:solidFill>
-                  <a:srgbClr val="7030A0"/>
-                </a:solidFill>
-                <a:latin typeface="Times New Roman" panose="02020603050405020304" pitchFamily="18" charset="0"/>
-                <a:cs typeface="Times New Roman" panose="02020603050405020304" pitchFamily="18" charset="0"/>
-              </a:rPr>
-              <a:t>Document Frequency.</a:t>
-            </a:r>
-            <a:endParaRPr lang="en-US" sz="4000" b="1" dirty="0" smtClean="0">
-              <a:solidFill>
-                <a:srgbClr val="7030A0"/>
-              </a:solidFill>
-              <a:latin typeface="Times New Roman" panose="02020603050405020304" pitchFamily="18" charset="0"/>
-              <a:cs typeface="Times New Roman" panose="02020603050405020304" pitchFamily="18" charset="0"/>
-            </a:endParaRPr>
+              <a:t>Term weighting. Document Frequency.</a:t>
+            </a:r>
           </a:p>
         </p:txBody>
       </p:sp>
@@ -5937,7 +6055,154 @@
 </p:sld>
 </file>
 
-<file path=ppt/slides/slide18.xml><?xml version="1.0" encoding="utf-8"?>
+<file path=ppt/slides/slide2.xml><?xml version="1.0" encoding="utf-8"?>
+<p:sld xmlns:a="http://schemas.openxmlformats.org/drawingml/2006/main" xmlns:r="http://schemas.openxmlformats.org/officeDocument/2006/relationships" xmlns:p="http://schemas.openxmlformats.org/presentationml/2006/main">
+  <p:cSld>
+    <p:spTree>
+      <p:nvGrpSpPr>
+        <p:cNvPr id="1" name=""/>
+        <p:cNvGrpSpPr/>
+        <p:nvPr/>
+      </p:nvGrpSpPr>
+      <p:grpSpPr>
+        <a:xfrm>
+          <a:off x="0" y="0"/>
+          <a:ext cx="0" cy="0"/>
+          <a:chOff x="0" y="0"/>
+          <a:chExt cx="0" cy="0"/>
+        </a:xfrm>
+      </p:grpSpPr>
+      <p:sp>
+        <p:nvSpPr>
+          <p:cNvPr id="2" name="Title 1"/>
+          <p:cNvSpPr>
+            <a:spLocks noGrp="1"/>
+          </p:cNvSpPr>
+          <p:nvPr>
+            <p:ph type="title"/>
+          </p:nvPr>
+        </p:nvSpPr>
+        <p:spPr>
+          <a:xfrm>
+            <a:off x="0" y="0"/>
+            <a:ext cx="10007600" cy="1400530"/>
+          </a:xfrm>
+        </p:spPr>
+        <p:txBody>
+          <a:bodyPr>
+            <a:normAutofit/>
+          </a:bodyPr>
+          <a:lstStyle/>
+          <a:p>
+            <a:r>
+              <a:rPr lang="en-US" sz="4000" b="1" dirty="0" smtClean="0">
+                <a:solidFill>
+                  <a:srgbClr val="7030A0"/>
+                </a:solidFill>
+                <a:latin typeface="Times New Roman" panose="02020603050405020304" pitchFamily="18" charset="0"/>
+                <a:cs typeface="Times New Roman" panose="02020603050405020304" pitchFamily="18" charset="0"/>
+              </a:rPr>
+              <a:t>Information Retrieval (Truy xuất thông tin).</a:t>
+            </a:r>
+            <a:endParaRPr lang="en-US" sz="4000" b="1" dirty="0">
+              <a:solidFill>
+                <a:srgbClr val="7030A0"/>
+              </a:solidFill>
+              <a:latin typeface="Times New Roman" panose="02020603050405020304" pitchFamily="18" charset="0"/>
+              <a:cs typeface="Times New Roman" panose="02020603050405020304" pitchFamily="18" charset="0"/>
+            </a:endParaRPr>
+          </a:p>
+        </p:txBody>
+      </p:sp>
+      <p:sp>
+        <p:nvSpPr>
+          <p:cNvPr id="3" name="Content Placeholder 2"/>
+          <p:cNvSpPr>
+            <a:spLocks noGrp="1"/>
+          </p:cNvSpPr>
+          <p:nvPr>
+            <p:ph idx="1"/>
+          </p:nvPr>
+        </p:nvSpPr>
+        <p:spPr>
+          <a:xfrm>
+            <a:off x="597127" y="1171174"/>
+            <a:ext cx="10914516" cy="5193049"/>
+          </a:xfrm>
+        </p:spPr>
+        <p:txBody>
+          <a:bodyPr>
+            <a:noAutofit/>
+          </a:bodyPr>
+          <a:lstStyle/>
+          <a:p>
+            <a:r>
+              <a:rPr lang="en-US" sz="3000" dirty="0" smtClean="0">
+                <a:latin typeface="Times New Roman" panose="02020603050405020304" pitchFamily="18" charset="0"/>
+                <a:cs typeface="Times New Roman" panose="02020603050405020304" pitchFamily="18" charset="0"/>
+              </a:rPr>
+              <a:t>Là lấy ra những tài liệu (documents) chứa thông tin có liên quan đến thông tin người dùng cần thông qua truy vấn.</a:t>
+            </a:r>
+          </a:p>
+          <a:p>
+            <a:endParaRPr lang="en-US" sz="3000" dirty="0" smtClean="0">
+              <a:latin typeface="Times New Roman" panose="02020603050405020304" pitchFamily="18" charset="0"/>
+              <a:cs typeface="Times New Roman" panose="02020603050405020304" pitchFamily="18" charset="0"/>
+            </a:endParaRPr>
+          </a:p>
+        </p:txBody>
+      </p:sp>
+      <p:pic>
+        <p:nvPicPr>
+          <p:cNvPr id="4" name="Picture 3"/>
+          <p:cNvPicPr>
+            <a:picLocks noChangeAspect="1"/>
+          </p:cNvPicPr>
+          <p:nvPr/>
+        </p:nvPicPr>
+        <p:blipFill>
+          <a:blip r:embed="rId2">
+            <a:extLst>
+              <a:ext uri="{28A0092B-C50C-407E-A947-70E740481C1C}">
+                <a14:useLocalDpi xmlns:a14="http://schemas.microsoft.com/office/drawing/2010/main" val="0"/>
+              </a:ext>
+            </a:extLst>
+          </a:blip>
+          <a:stretch>
+            <a:fillRect/>
+          </a:stretch>
+        </p:blipFill>
+        <p:spPr>
+          <a:xfrm>
+            <a:off x="961262" y="2113788"/>
+            <a:ext cx="9987153" cy="4268482"/>
+          </a:xfrm>
+          <a:prstGeom prst="rect">
+            <a:avLst/>
+          </a:prstGeom>
+        </p:spPr>
+      </p:pic>
+    </p:spTree>
+    <p:extLst>
+      <p:ext uri="{BB962C8B-B14F-4D97-AF65-F5344CB8AC3E}">
+        <p14:creationId xmlns:p14="http://schemas.microsoft.com/office/powerpoint/2010/main" val="2282061545"/>
+      </p:ext>
+    </p:extLst>
+  </p:cSld>
+  <p:clrMapOvr>
+    <a:masterClrMapping/>
+  </p:clrMapOvr>
+  <p:timing>
+    <p:tnLst>
+      <p:par>
+        <p:cTn id="1" dur="indefinite" restart="never" nodeType="tmRoot"/>
+      </p:par>
+    </p:tnLst>
+  </p:timing>
+</p:sld>
+</file>
+
+<file path=ppt/slides/slide20.xml><?xml version="1.0" encoding="utf-8"?>
 <p:sld xmlns:a="http://schemas.openxmlformats.org/drawingml/2006/main" xmlns:r="http://schemas.openxmlformats.org/officeDocument/2006/relationships" xmlns:p="http://schemas.openxmlformats.org/presentationml/2006/main">
   <p:cSld>
     <p:spTree>
@@ -6069,30 +6334,13 @@
                 <a:latin typeface="Times New Roman" panose="02020603050405020304" pitchFamily="18" charset="0"/>
                 <a:cs typeface="Times New Roman" panose="02020603050405020304" pitchFamily="18" charset="0"/>
               </a:rPr>
-              <a:t>Inverse </a:t>
-            </a:r>
-            <a:r>
-              <a:rPr lang="en-US" sz="4000" b="1" dirty="0" smtClean="0">
-                <a:solidFill>
-                  <a:srgbClr val="7030A0"/>
-                </a:solidFill>
-                <a:latin typeface="Times New Roman" panose="02020603050405020304" pitchFamily="18" charset="0"/>
-                <a:cs typeface="Times New Roman" panose="02020603050405020304" pitchFamily="18" charset="0"/>
-              </a:rPr>
-              <a:t>Document Frequency.</a:t>
-            </a:r>
-            <a:endParaRPr lang="en-US" sz="4000" b="1" dirty="0" smtClean="0">
-              <a:solidFill>
-                <a:srgbClr val="7030A0"/>
-              </a:solidFill>
-              <a:latin typeface="Times New Roman" panose="02020603050405020304" pitchFamily="18" charset="0"/>
-              <a:cs typeface="Times New Roman" panose="02020603050405020304" pitchFamily="18" charset="0"/>
-            </a:endParaRPr>
+              <a:t>Inverse Document Frequency.</a:t>
+            </a:r>
           </a:p>
         </p:txBody>
       </p:sp>
-      <mc:AlternateContent xmlns:mc="http://schemas.openxmlformats.org/markup-compatibility/2006">
-        <mc:Choice xmlns:a14="http://schemas.microsoft.com/office/drawing/2010/main" Requires="a14">
+      <mc:AlternateContent xmlns:mc="http://schemas.openxmlformats.org/markup-compatibility/2006" xmlns:a14="http://schemas.microsoft.com/office/drawing/2010/main">
+        <mc:Choice Requires="a14">
           <p:sp>
             <p:nvSpPr>
               <p:cNvPr id="8" name="TextBox 7"/>
@@ -6183,7 +6431,7 @@
             </p:txBody>
           </p:sp>
         </mc:Choice>
-        <mc:Fallback>
+        <mc:Fallback xmlns="">
           <p:sp>
             <p:nvSpPr>
               <p:cNvPr id="8" name="TextBox 7"/>
@@ -6559,7 +6807,7 @@
 </p:sld>
 </file>
 
-<file path=ppt/slides/slide19.xml><?xml version="1.0" encoding="utf-8"?>
+<file path=ppt/slides/slide21.xml><?xml version="1.0" encoding="utf-8"?>
 <p:sld xmlns:a="http://schemas.openxmlformats.org/drawingml/2006/main" xmlns:r="http://schemas.openxmlformats.org/officeDocument/2006/relationships" xmlns:p="http://schemas.openxmlformats.org/presentationml/2006/main">
   <p:cSld>
     <p:spTree>
@@ -6658,154 +6906,7 @@
 </p:sld>
 </file>
 
-<file path=ppt/slides/slide2.xml><?xml version="1.0" encoding="utf-8"?>
-<p:sld xmlns:a="http://schemas.openxmlformats.org/drawingml/2006/main" xmlns:r="http://schemas.openxmlformats.org/officeDocument/2006/relationships" xmlns:p="http://schemas.openxmlformats.org/presentationml/2006/main">
-  <p:cSld>
-    <p:spTree>
-      <p:nvGrpSpPr>
-        <p:cNvPr id="1" name=""/>
-        <p:cNvGrpSpPr/>
-        <p:nvPr/>
-      </p:nvGrpSpPr>
-      <p:grpSpPr>
-        <a:xfrm>
-          <a:off x="0" y="0"/>
-          <a:ext cx="0" cy="0"/>
-          <a:chOff x="0" y="0"/>
-          <a:chExt cx="0" cy="0"/>
-        </a:xfrm>
-      </p:grpSpPr>
-      <p:sp>
-        <p:nvSpPr>
-          <p:cNvPr id="2" name="Title 1"/>
-          <p:cNvSpPr>
-            <a:spLocks noGrp="1"/>
-          </p:cNvSpPr>
-          <p:nvPr>
-            <p:ph type="title"/>
-          </p:nvPr>
-        </p:nvSpPr>
-        <p:spPr>
-          <a:xfrm>
-            <a:off x="0" y="0"/>
-            <a:ext cx="10007600" cy="1400530"/>
-          </a:xfrm>
-        </p:spPr>
-        <p:txBody>
-          <a:bodyPr>
-            <a:normAutofit/>
-          </a:bodyPr>
-          <a:lstStyle/>
-          <a:p>
-            <a:r>
-              <a:rPr lang="en-US" sz="4000" b="1" dirty="0" smtClean="0">
-                <a:solidFill>
-                  <a:srgbClr val="7030A0"/>
-                </a:solidFill>
-                <a:latin typeface="Times New Roman" panose="02020603050405020304" pitchFamily="18" charset="0"/>
-                <a:cs typeface="Times New Roman" panose="02020603050405020304" pitchFamily="18" charset="0"/>
-              </a:rPr>
-              <a:t>Information Retrieval (Truy xuất thông tin).</a:t>
-            </a:r>
-            <a:endParaRPr lang="en-US" sz="4000" b="1" dirty="0">
-              <a:solidFill>
-                <a:srgbClr val="7030A0"/>
-              </a:solidFill>
-              <a:latin typeface="Times New Roman" panose="02020603050405020304" pitchFamily="18" charset="0"/>
-              <a:cs typeface="Times New Roman" panose="02020603050405020304" pitchFamily="18" charset="0"/>
-            </a:endParaRPr>
-          </a:p>
-        </p:txBody>
-      </p:sp>
-      <p:sp>
-        <p:nvSpPr>
-          <p:cNvPr id="3" name="Content Placeholder 2"/>
-          <p:cNvSpPr>
-            <a:spLocks noGrp="1"/>
-          </p:cNvSpPr>
-          <p:nvPr>
-            <p:ph idx="1"/>
-          </p:nvPr>
-        </p:nvSpPr>
-        <p:spPr>
-          <a:xfrm>
-            <a:off x="597127" y="1171174"/>
-            <a:ext cx="10914516" cy="5193049"/>
-          </a:xfrm>
-        </p:spPr>
-        <p:txBody>
-          <a:bodyPr>
-            <a:noAutofit/>
-          </a:bodyPr>
-          <a:lstStyle/>
-          <a:p>
-            <a:r>
-              <a:rPr lang="en-US" sz="3000" dirty="0" smtClean="0">
-                <a:latin typeface="Times New Roman" panose="02020603050405020304" pitchFamily="18" charset="0"/>
-                <a:cs typeface="Times New Roman" panose="02020603050405020304" pitchFamily="18" charset="0"/>
-              </a:rPr>
-              <a:t>Là lấy ra những tài liệu (documents) chứa thông tin có liên quan đến thông tin người dùng cần thông qua truy vấn.</a:t>
-            </a:r>
-          </a:p>
-          <a:p>
-            <a:endParaRPr lang="en-US" sz="3000" dirty="0" smtClean="0">
-              <a:latin typeface="Times New Roman" panose="02020603050405020304" pitchFamily="18" charset="0"/>
-              <a:cs typeface="Times New Roman" panose="02020603050405020304" pitchFamily="18" charset="0"/>
-            </a:endParaRPr>
-          </a:p>
-        </p:txBody>
-      </p:sp>
-      <p:pic>
-        <p:nvPicPr>
-          <p:cNvPr id="4" name="Picture 3"/>
-          <p:cNvPicPr>
-            <a:picLocks noChangeAspect="1"/>
-          </p:cNvPicPr>
-          <p:nvPr/>
-        </p:nvPicPr>
-        <p:blipFill>
-          <a:blip r:embed="rId2">
-            <a:extLst>
-              <a:ext uri="{28A0092B-C50C-407E-A947-70E740481C1C}">
-                <a14:useLocalDpi xmlns:a14="http://schemas.microsoft.com/office/drawing/2010/main" val="0"/>
-              </a:ext>
-            </a:extLst>
-          </a:blip>
-          <a:stretch>
-            <a:fillRect/>
-          </a:stretch>
-        </p:blipFill>
-        <p:spPr>
-          <a:xfrm>
-            <a:off x="961262" y="2113788"/>
-            <a:ext cx="9987153" cy="4268482"/>
-          </a:xfrm>
-          <a:prstGeom prst="rect">
-            <a:avLst/>
-          </a:prstGeom>
-        </p:spPr>
-      </p:pic>
-    </p:spTree>
-    <p:extLst>
-      <p:ext uri="{BB962C8B-B14F-4D97-AF65-F5344CB8AC3E}">
-        <p14:creationId xmlns:p14="http://schemas.microsoft.com/office/powerpoint/2010/main" val="2282061545"/>
-      </p:ext>
-    </p:extLst>
-  </p:cSld>
-  <p:clrMapOvr>
-    <a:masterClrMapping/>
-  </p:clrMapOvr>
-  <p:timing>
-    <p:tnLst>
-      <p:par>
-        <p:cTn id="1" dur="indefinite" restart="never" nodeType="tmRoot"/>
-      </p:par>
-    </p:tnLst>
-  </p:timing>
-</p:sld>
-</file>
-
-<file path=ppt/slides/slide20.xml><?xml version="1.0" encoding="utf-8"?>
+<file path=ppt/slides/slide22.xml><?xml version="1.0" encoding="utf-8"?>
 <p:sld xmlns:a="http://schemas.openxmlformats.org/drawingml/2006/main" xmlns:r="http://schemas.openxmlformats.org/officeDocument/2006/relationships" xmlns:p="http://schemas.openxmlformats.org/presentationml/2006/main">
   <p:cSld>
     <p:spTree>
@@ -6873,13 +6974,6 @@
               </a:rPr>
               <a:t>The Poisson distribution.</a:t>
             </a:r>
-            <a:endParaRPr lang="en-US" sz="4000" b="1" dirty="0" smtClean="0">
-              <a:solidFill>
-                <a:srgbClr val="7030A0"/>
-              </a:solidFill>
-              <a:latin typeface="Times New Roman" panose="02020603050405020304" pitchFamily="18" charset="0"/>
-              <a:cs typeface="Times New Roman" panose="02020603050405020304" pitchFamily="18" charset="0"/>
-            </a:endParaRPr>
           </a:p>
         </p:txBody>
       </p:sp>
@@ -7465,7 +7559,7 @@
 </p:sld>
 </file>
 
-<file path=ppt/slides/slide21.xml><?xml version="1.0" encoding="utf-8"?>
+<file path=ppt/slides/slide23.xml><?xml version="1.0" encoding="utf-8"?>
 <p:sld xmlns:a="http://schemas.openxmlformats.org/drawingml/2006/main" xmlns:r="http://schemas.openxmlformats.org/officeDocument/2006/relationships" xmlns:p="http://schemas.openxmlformats.org/presentationml/2006/main">
   <p:cSld>
     <p:spTree>
@@ -7533,13 +7627,6 @@
               </a:rPr>
               <a:t>The Poisson distribution.</a:t>
             </a:r>
-            <a:endParaRPr lang="en-US" sz="4000" b="1" dirty="0" smtClean="0">
-              <a:solidFill>
-                <a:srgbClr val="7030A0"/>
-              </a:solidFill>
-              <a:latin typeface="Times New Roman" panose="02020603050405020304" pitchFamily="18" charset="0"/>
-              <a:cs typeface="Times New Roman" panose="02020603050405020304" pitchFamily="18" charset="0"/>
-            </a:endParaRPr>
           </a:p>
         </p:txBody>
       </p:sp>
@@ -7718,7 +7805,7 @@
 </p:sld>
 </file>
 
-<file path=ppt/slides/slide22.xml><?xml version="1.0" encoding="utf-8"?>
+<file path=ppt/slides/slide24.xml><?xml version="1.0" encoding="utf-8"?>
 <p:sld xmlns:a="http://schemas.openxmlformats.org/drawingml/2006/main" xmlns:r="http://schemas.openxmlformats.org/officeDocument/2006/relationships" xmlns:p="http://schemas.openxmlformats.org/presentationml/2006/main">
   <p:cSld>
     <p:spTree>
@@ -7786,13 +7873,6 @@
               </a:rPr>
               <a:t>The two-Poisson model.</a:t>
             </a:r>
-            <a:endParaRPr lang="en-US" sz="4000" b="1" dirty="0" smtClean="0">
-              <a:solidFill>
-                <a:srgbClr val="7030A0"/>
-              </a:solidFill>
-              <a:latin typeface="Times New Roman" panose="02020603050405020304" pitchFamily="18" charset="0"/>
-              <a:cs typeface="Times New Roman" panose="02020603050405020304" pitchFamily="18" charset="0"/>
-            </a:endParaRPr>
           </a:p>
         </p:txBody>
       </p:sp>
@@ -7947,7 +8027,7 @@
 </p:sld>
 </file>
 
-<file path=ppt/slides/slide23.xml><?xml version="1.0" encoding="utf-8"?>
+<file path=ppt/slides/slide25.xml><?xml version="1.0" encoding="utf-8"?>
 <p:sld xmlns:a="http://schemas.openxmlformats.org/drawingml/2006/main" xmlns:r="http://schemas.openxmlformats.org/officeDocument/2006/relationships" xmlns:p="http://schemas.openxmlformats.org/presentationml/2006/main">
   <p:cSld>
     <p:spTree>
@@ -8015,13 +8095,6 @@
               </a:rPr>
               <a:t>The K mixture.</a:t>
             </a:r>
-            <a:endParaRPr lang="en-US" sz="4000" b="1" dirty="0" smtClean="0">
-              <a:solidFill>
-                <a:srgbClr val="7030A0"/>
-              </a:solidFill>
-              <a:latin typeface="Times New Roman" panose="02020603050405020304" pitchFamily="18" charset="0"/>
-              <a:cs typeface="Times New Roman" panose="02020603050405020304" pitchFamily="18" charset="0"/>
-            </a:endParaRPr>
           </a:p>
         </p:txBody>
       </p:sp>
@@ -8055,8 +8128,8 @@
           </a:prstGeom>
         </p:spPr>
       </p:pic>
-      <mc:AlternateContent xmlns:mc="http://schemas.openxmlformats.org/markup-compatibility/2006">
-        <mc:Choice xmlns:a14="http://schemas.microsoft.com/office/drawing/2010/main" Requires="a14">
+      <mc:AlternateContent xmlns:mc="http://schemas.openxmlformats.org/markup-compatibility/2006" xmlns:a14="http://schemas.microsoft.com/office/drawing/2010/main">
+        <mc:Choice Requires="a14">
           <p:sp>
             <p:nvSpPr>
               <p:cNvPr id="4" name="TextBox 3"/>
@@ -8171,7 +8244,7 @@
             </p:txBody>
           </p:sp>
         </mc:Choice>
-        <mc:Fallback>
+        <mc:Fallback xmlns="">
           <p:sp>
             <p:nvSpPr>
               <p:cNvPr id="4" name="TextBox 3"/>
@@ -8421,7 +8494,7 @@
 </p:sld>
 </file>
 
-<file path=ppt/slides/slide24.xml><?xml version="1.0" encoding="utf-8"?>
+<file path=ppt/slides/slide26.xml><?xml version="1.0" encoding="utf-8"?>
 <p:sld xmlns:a="http://schemas.openxmlformats.org/drawingml/2006/main" xmlns:r="http://schemas.openxmlformats.org/officeDocument/2006/relationships" xmlns:p="http://schemas.openxmlformats.org/presentationml/2006/main">
   <p:cSld>
     <p:spTree>
@@ -8568,7 +8641,7 @@
         <p:spPr>
           <a:xfrm>
             <a:off x="2476500" y="4013200"/>
-            <a:ext cx="3136900" cy="830997"/>
+            <a:ext cx="5422900" cy="461665"/>
           </a:xfrm>
           <a:prstGeom prst="rect">
             <a:avLst/>
@@ -8933,7 +9006,7 @@
 </p:sld>
 </file>
 
-<file path=ppt/slides/slide25.xml><?xml version="1.0" encoding="utf-8"?>
+<file path=ppt/slides/slide27.xml><?xml version="1.0" encoding="utf-8"?>
 <p:sld xmlns:a="http://schemas.openxmlformats.org/drawingml/2006/main" xmlns:r="http://schemas.openxmlformats.org/officeDocument/2006/relationships" xmlns:p="http://schemas.openxmlformats.org/presentationml/2006/main">
   <p:cSld>
     <p:spTree>
@@ -9052,7 +9125,7 @@
 </p:sld>
 </file>
 
-<file path=ppt/slides/slide26.xml><?xml version="1.0" encoding="utf-8"?>
+<file path=ppt/slides/slide28.xml><?xml version="1.0" encoding="utf-8"?>
 <p:sld xmlns:a="http://schemas.openxmlformats.org/drawingml/2006/main" xmlns:r="http://schemas.openxmlformats.org/officeDocument/2006/relationships" xmlns:p="http://schemas.openxmlformats.org/presentationml/2006/main">
   <p:cSld>
     <p:spTree>
@@ -9130,13 +9203,6 @@
               </a:rPr>
               <a:t>Indexing.</a:t>
             </a:r>
-            <a:endParaRPr lang="en-US" sz="4000" b="1" dirty="0" smtClean="0">
-              <a:solidFill>
-                <a:srgbClr val="7030A0"/>
-              </a:solidFill>
-              <a:latin typeface="Times New Roman" panose="02020603050405020304" pitchFamily="18" charset="0"/>
-              <a:cs typeface="Times New Roman" panose="02020603050405020304" pitchFamily="18" charset="0"/>
-            </a:endParaRPr>
           </a:p>
         </p:txBody>
       </p:sp>
@@ -9425,7 +9491,7 @@
 </p:sld>
 </file>
 
-<file path=ppt/slides/slide27.xml><?xml version="1.0" encoding="utf-8"?>
+<file path=ppt/slides/slide29.xml><?xml version="1.0" encoding="utf-8"?>
 <p:sld xmlns:a="http://schemas.openxmlformats.org/drawingml/2006/main" xmlns:r="http://schemas.openxmlformats.org/officeDocument/2006/relationships" xmlns:p="http://schemas.openxmlformats.org/presentationml/2006/main">
   <p:cSld>
     <p:spTree>
@@ -9493,13 +9559,6 @@
               </a:rPr>
               <a:t>Least-squares methods.</a:t>
             </a:r>
-            <a:endParaRPr lang="en-US" sz="4000" b="1" dirty="0" smtClean="0">
-              <a:solidFill>
-                <a:srgbClr val="7030A0"/>
-              </a:solidFill>
-              <a:latin typeface="Times New Roman" panose="02020603050405020304" pitchFamily="18" charset="0"/>
-              <a:cs typeface="Times New Roman" panose="02020603050405020304" pitchFamily="18" charset="0"/>
-            </a:endParaRPr>
           </a:p>
         </p:txBody>
       </p:sp>
@@ -9553,7 +9612,138 @@
 </p:sld>
 </file>
 
-<file path=ppt/slides/slide28.xml><?xml version="1.0" encoding="utf-8"?>
+<file path=ppt/slides/slide3.xml><?xml version="1.0" encoding="utf-8"?>
+<p:sld xmlns:a="http://schemas.openxmlformats.org/drawingml/2006/main" xmlns:r="http://schemas.openxmlformats.org/officeDocument/2006/relationships" xmlns:p="http://schemas.openxmlformats.org/presentationml/2006/main">
+  <p:cSld>
+    <p:spTree>
+      <p:nvGrpSpPr>
+        <p:cNvPr id="1" name=""/>
+        <p:cNvGrpSpPr/>
+        <p:nvPr/>
+      </p:nvGrpSpPr>
+      <p:grpSpPr>
+        <a:xfrm>
+          <a:off x="0" y="0"/>
+          <a:ext cx="0" cy="0"/>
+          <a:chOff x="0" y="0"/>
+          <a:chExt cx="0" cy="0"/>
+        </a:xfrm>
+      </p:grpSpPr>
+      <p:sp>
+        <p:nvSpPr>
+          <p:cNvPr id="2" name="Title 1"/>
+          <p:cNvSpPr>
+            <a:spLocks noGrp="1"/>
+          </p:cNvSpPr>
+          <p:nvPr>
+            <p:ph type="title"/>
+          </p:nvPr>
+        </p:nvSpPr>
+        <p:spPr>
+          <a:xfrm>
+            <a:off x="838200" y="365125"/>
+            <a:ext cx="10515600" cy="5997575"/>
+          </a:xfrm>
+        </p:spPr>
+        <p:txBody>
+          <a:bodyPr>
+            <a:normAutofit/>
+          </a:bodyPr>
+          <a:lstStyle/>
+          <a:p>
+            <a:pPr algn="ctr"/>
+            <a:r>
+              <a:rPr lang="en-US" sz="5500" b="1" dirty="0">
+                <a:solidFill>
+                  <a:srgbClr val="7030A0"/>
+                </a:solidFill>
+                <a:latin typeface="Times New Roman" panose="02020603050405020304" pitchFamily="18" charset="0"/>
+                <a:cs typeface="Times New Roman" panose="02020603050405020304" pitchFamily="18" charset="0"/>
+              </a:rPr>
+              <a:t>Những chức năng chính </a:t>
+            </a:r>
+            <a:br>
+              <a:rPr lang="en-US" sz="5500" b="1" dirty="0">
+                <a:solidFill>
+                  <a:srgbClr val="7030A0"/>
+                </a:solidFill>
+                <a:latin typeface="Times New Roman" panose="02020603050405020304" pitchFamily="18" charset="0"/>
+                <a:cs typeface="Times New Roman" panose="02020603050405020304" pitchFamily="18" charset="0"/>
+              </a:rPr>
+            </a:br>
+            <a:r>
+              <a:rPr lang="en-US" sz="5500" b="1" dirty="0">
+                <a:solidFill>
+                  <a:srgbClr val="7030A0"/>
+                </a:solidFill>
+                <a:latin typeface="Times New Roman" panose="02020603050405020304" pitchFamily="18" charset="0"/>
+                <a:cs typeface="Times New Roman" panose="02020603050405020304" pitchFamily="18" charset="0"/>
+              </a:rPr>
+              <a:t>trong </a:t>
+            </a:r>
+            <a:r>
+              <a:rPr lang="en-US" sz="5500" b="1" dirty="0" smtClean="0">
+                <a:solidFill>
+                  <a:srgbClr val="7030A0"/>
+                </a:solidFill>
+                <a:latin typeface="Times New Roman" panose="02020603050405020304" pitchFamily="18" charset="0"/>
+                <a:cs typeface="Times New Roman" panose="02020603050405020304" pitchFamily="18" charset="0"/>
+              </a:rPr>
+              <a:t/>
+            </a:r>
+            <a:br>
+              <a:rPr lang="en-US" sz="5500" b="1" dirty="0" smtClean="0">
+                <a:solidFill>
+                  <a:srgbClr val="7030A0"/>
+                </a:solidFill>
+                <a:latin typeface="Times New Roman" panose="02020603050405020304" pitchFamily="18" charset="0"/>
+                <a:cs typeface="Times New Roman" panose="02020603050405020304" pitchFamily="18" charset="0"/>
+              </a:rPr>
+            </a:br>
+            <a:r>
+              <a:rPr lang="en-US" sz="5500" b="1" dirty="0" smtClean="0">
+                <a:solidFill>
+                  <a:srgbClr val="7030A0"/>
+                </a:solidFill>
+                <a:latin typeface="Times New Roman" panose="02020603050405020304" pitchFamily="18" charset="0"/>
+                <a:cs typeface="Times New Roman" panose="02020603050405020304" pitchFamily="18" charset="0"/>
+              </a:rPr>
+              <a:t>các </a:t>
+            </a:r>
+            <a:r>
+              <a:rPr lang="en-US" sz="5500" b="1" dirty="0">
+                <a:solidFill>
+                  <a:srgbClr val="7030A0"/>
+                </a:solidFill>
+                <a:latin typeface="Times New Roman" panose="02020603050405020304" pitchFamily="18" charset="0"/>
+                <a:cs typeface="Times New Roman" panose="02020603050405020304" pitchFamily="18" charset="0"/>
+              </a:rPr>
+              <a:t>hệ thống truy xuất thông tin.</a:t>
+            </a:r>
+          </a:p>
+        </p:txBody>
+      </p:sp>
+    </p:spTree>
+    <p:extLst>
+      <p:ext uri="{BB962C8B-B14F-4D97-AF65-F5344CB8AC3E}">
+        <p14:creationId xmlns:p14="http://schemas.microsoft.com/office/powerpoint/2010/main" val="1531001453"/>
+      </p:ext>
+    </p:extLst>
+  </p:cSld>
+  <p:clrMapOvr>
+    <a:masterClrMapping/>
+  </p:clrMapOvr>
+  <p:timing>
+    <p:tnLst>
+      <p:par>
+        <p:cTn id="1" dur="indefinite" restart="never" nodeType="tmRoot"/>
+      </p:par>
+    </p:tnLst>
+  </p:timing>
+</p:sld>
+</file>
+
+<file path=ppt/slides/slide30.xml><?xml version="1.0" encoding="utf-8"?>
 <p:sld xmlns:a="http://schemas.openxmlformats.org/drawingml/2006/main" xmlns:r="http://schemas.openxmlformats.org/officeDocument/2006/relationships" xmlns:p="http://schemas.openxmlformats.org/presentationml/2006/main">
   <p:cSld>
     <p:spTree>
@@ -9621,13 +9811,6 @@
               </a:rPr>
               <a:t>Singular value decomposition.</a:t>
             </a:r>
-            <a:endParaRPr lang="en-US" sz="4000" b="1" dirty="0" smtClean="0">
-              <a:solidFill>
-                <a:srgbClr val="7030A0"/>
-              </a:solidFill>
-              <a:latin typeface="Times New Roman" panose="02020603050405020304" pitchFamily="18" charset="0"/>
-              <a:cs typeface="Times New Roman" panose="02020603050405020304" pitchFamily="18" charset="0"/>
-            </a:endParaRPr>
           </a:p>
         </p:txBody>
       </p:sp>
@@ -9841,7 +10024,7 @@
 </p:sld>
 </file>
 
-<file path=ppt/slides/slide29.xml><?xml version="1.0" encoding="utf-8"?>
+<file path=ppt/slides/slide31.xml><?xml version="1.0" encoding="utf-8"?>
 <p:sld xmlns:a="http://schemas.openxmlformats.org/drawingml/2006/main" xmlns:r="http://schemas.openxmlformats.org/officeDocument/2006/relationships" xmlns:p="http://schemas.openxmlformats.org/presentationml/2006/main">
   <p:cSld>
     <p:spTree>
@@ -9909,13 +10092,6 @@
               </a:rPr>
               <a:t>Singular value decomposition.</a:t>
             </a:r>
-            <a:endParaRPr lang="en-US" sz="4000" b="1" dirty="0" smtClean="0">
-              <a:solidFill>
-                <a:srgbClr val="7030A0"/>
-              </a:solidFill>
-              <a:latin typeface="Times New Roman" panose="02020603050405020304" pitchFamily="18" charset="0"/>
-              <a:cs typeface="Times New Roman" panose="02020603050405020304" pitchFamily="18" charset="0"/>
-            </a:endParaRPr>
           </a:p>
         </p:txBody>
       </p:sp>
@@ -10013,137 +10189,6 @@
     <p:extLst>
       <p:ext uri="{BB962C8B-B14F-4D97-AF65-F5344CB8AC3E}">
         <p14:creationId xmlns:p14="http://schemas.microsoft.com/office/powerpoint/2010/main" val="1836051511"/>
-      </p:ext>
-    </p:extLst>
-  </p:cSld>
-  <p:clrMapOvr>
-    <a:masterClrMapping/>
-  </p:clrMapOvr>
-  <p:timing>
-    <p:tnLst>
-      <p:par>
-        <p:cTn id="1" dur="indefinite" restart="never" nodeType="tmRoot"/>
-      </p:par>
-    </p:tnLst>
-  </p:timing>
-</p:sld>
-</file>
-
-<file path=ppt/slides/slide3.xml><?xml version="1.0" encoding="utf-8"?>
-<p:sld xmlns:a="http://schemas.openxmlformats.org/drawingml/2006/main" xmlns:r="http://schemas.openxmlformats.org/officeDocument/2006/relationships" xmlns:p="http://schemas.openxmlformats.org/presentationml/2006/main">
-  <p:cSld>
-    <p:spTree>
-      <p:nvGrpSpPr>
-        <p:cNvPr id="1" name=""/>
-        <p:cNvGrpSpPr/>
-        <p:nvPr/>
-      </p:nvGrpSpPr>
-      <p:grpSpPr>
-        <a:xfrm>
-          <a:off x="0" y="0"/>
-          <a:ext cx="0" cy="0"/>
-          <a:chOff x="0" y="0"/>
-          <a:chExt cx="0" cy="0"/>
-        </a:xfrm>
-      </p:grpSpPr>
-      <p:sp>
-        <p:nvSpPr>
-          <p:cNvPr id="2" name="Title 1"/>
-          <p:cNvSpPr>
-            <a:spLocks noGrp="1"/>
-          </p:cNvSpPr>
-          <p:nvPr>
-            <p:ph type="title"/>
-          </p:nvPr>
-        </p:nvSpPr>
-        <p:spPr>
-          <a:xfrm>
-            <a:off x="838200" y="365125"/>
-            <a:ext cx="10515600" cy="5997575"/>
-          </a:xfrm>
-        </p:spPr>
-        <p:txBody>
-          <a:bodyPr>
-            <a:normAutofit/>
-          </a:bodyPr>
-          <a:lstStyle/>
-          <a:p>
-            <a:pPr algn="ctr"/>
-            <a:r>
-              <a:rPr lang="en-US" sz="5500" b="1" dirty="0">
-                <a:solidFill>
-                  <a:srgbClr val="7030A0"/>
-                </a:solidFill>
-                <a:latin typeface="Times New Roman" panose="02020603050405020304" pitchFamily="18" charset="0"/>
-                <a:cs typeface="Times New Roman" panose="02020603050405020304" pitchFamily="18" charset="0"/>
-              </a:rPr>
-              <a:t>Những chức năng chính </a:t>
-            </a:r>
-            <a:br>
-              <a:rPr lang="en-US" sz="5500" b="1" dirty="0">
-                <a:solidFill>
-                  <a:srgbClr val="7030A0"/>
-                </a:solidFill>
-                <a:latin typeface="Times New Roman" panose="02020603050405020304" pitchFamily="18" charset="0"/>
-                <a:cs typeface="Times New Roman" panose="02020603050405020304" pitchFamily="18" charset="0"/>
-              </a:rPr>
-            </a:br>
-            <a:r>
-              <a:rPr lang="en-US" sz="5500" b="1" dirty="0">
-                <a:solidFill>
-                  <a:srgbClr val="7030A0"/>
-                </a:solidFill>
-                <a:latin typeface="Times New Roman" panose="02020603050405020304" pitchFamily="18" charset="0"/>
-                <a:cs typeface="Times New Roman" panose="02020603050405020304" pitchFamily="18" charset="0"/>
-              </a:rPr>
-              <a:t>trong </a:t>
-            </a:r>
-            <a:r>
-              <a:rPr lang="en-US" sz="5500" b="1" dirty="0" smtClean="0">
-                <a:solidFill>
-                  <a:srgbClr val="7030A0"/>
-                </a:solidFill>
-                <a:latin typeface="Times New Roman" panose="02020603050405020304" pitchFamily="18" charset="0"/>
-                <a:cs typeface="Times New Roman" panose="02020603050405020304" pitchFamily="18" charset="0"/>
-              </a:rPr>
-              <a:t/>
-            </a:r>
-            <a:br>
-              <a:rPr lang="en-US" sz="5500" b="1" dirty="0" smtClean="0">
-                <a:solidFill>
-                  <a:srgbClr val="7030A0"/>
-                </a:solidFill>
-                <a:latin typeface="Times New Roman" panose="02020603050405020304" pitchFamily="18" charset="0"/>
-                <a:cs typeface="Times New Roman" panose="02020603050405020304" pitchFamily="18" charset="0"/>
-              </a:rPr>
-            </a:br>
-            <a:r>
-              <a:rPr lang="en-US" sz="5500" b="1" dirty="0" smtClean="0">
-                <a:solidFill>
-                  <a:srgbClr val="7030A0"/>
-                </a:solidFill>
-                <a:latin typeface="Times New Roman" panose="02020603050405020304" pitchFamily="18" charset="0"/>
-                <a:cs typeface="Times New Roman" panose="02020603050405020304" pitchFamily="18" charset="0"/>
-              </a:rPr>
-              <a:t>các </a:t>
-            </a:r>
-            <a:r>
-              <a:rPr lang="en-US" sz="5500" b="1" dirty="0">
-                <a:solidFill>
-                  <a:srgbClr val="7030A0"/>
-                </a:solidFill>
-                <a:latin typeface="Times New Roman" panose="02020603050405020304" pitchFamily="18" charset="0"/>
-                <a:cs typeface="Times New Roman" panose="02020603050405020304" pitchFamily="18" charset="0"/>
-              </a:rPr>
-              <a:t>hệ thống truy xuất thông tin.</a:t>
-            </a:r>
-          </a:p>
-        </p:txBody>
-      </p:sp>
-    </p:spTree>
-    <p:extLst>
-      <p:ext uri="{BB962C8B-B14F-4D97-AF65-F5344CB8AC3E}">
-        <p14:creationId xmlns:p14="http://schemas.microsoft.com/office/powerpoint/2010/main" val="1531001453"/>
       </p:ext>
     </p:extLst>
   </p:cSld>
@@ -12765,6 +12810,206 @@
           </a:p>
         </p:txBody>
       </p:sp>
+      <p:sp>
+        <p:nvSpPr>
+          <p:cNvPr id="7" name="Content Placeholder 2"/>
+          <p:cNvSpPr txBox="1">
+            <a:spLocks/>
+          </p:cNvSpPr>
+          <p:nvPr/>
+        </p:nvSpPr>
+        <p:spPr>
+          <a:xfrm>
+            <a:off x="597127" y="5474209"/>
+            <a:ext cx="11455173" cy="736092"/>
+          </a:xfrm>
+          <a:prstGeom prst="rect">
+            <a:avLst/>
+          </a:prstGeom>
+        </p:spPr>
+        <p:txBody>
+          <a:bodyPr vert="horz" lIns="91440" tIns="45720" rIns="91440" bIns="45720" rtlCol="0">
+            <a:noAutofit/>
+          </a:bodyPr>
+          <a:lstStyle>
+            <a:lvl1pPr marL="228600" indent="-228600" algn="l" defTabSz="914400" rtl="0" eaLnBrk="1" latinLnBrk="0" hangingPunct="1">
+              <a:lnSpc>
+                <a:spcPct val="90000"/>
+              </a:lnSpc>
+              <a:spcBef>
+                <a:spcPts val="1000"/>
+              </a:spcBef>
+              <a:buFont typeface="Arial" panose="020B0604020202020204" pitchFamily="34" charset="0"/>
+              <a:buChar char="•"/>
+              <a:defRPr sz="2800" kern="1200">
+                <a:solidFill>
+                  <a:schemeClr val="tx1"/>
+                </a:solidFill>
+                <a:latin typeface="+mn-lt"/>
+                <a:ea typeface="+mn-ea"/>
+                <a:cs typeface="+mn-cs"/>
+              </a:defRPr>
+            </a:lvl1pPr>
+            <a:lvl2pPr marL="685800" indent="-228600" algn="l" defTabSz="914400" rtl="0" eaLnBrk="1" latinLnBrk="0" hangingPunct="1">
+              <a:lnSpc>
+                <a:spcPct val="90000"/>
+              </a:lnSpc>
+              <a:spcBef>
+                <a:spcPts val="500"/>
+              </a:spcBef>
+              <a:buFont typeface="Arial" panose="020B0604020202020204" pitchFamily="34" charset="0"/>
+              <a:buChar char="•"/>
+              <a:defRPr sz="2400" kern="1200">
+                <a:solidFill>
+                  <a:schemeClr val="tx1"/>
+                </a:solidFill>
+                <a:latin typeface="+mn-lt"/>
+                <a:ea typeface="+mn-ea"/>
+                <a:cs typeface="+mn-cs"/>
+              </a:defRPr>
+            </a:lvl2pPr>
+            <a:lvl3pPr marL="1143000" indent="-228600" algn="l" defTabSz="914400" rtl="0" eaLnBrk="1" latinLnBrk="0" hangingPunct="1">
+              <a:lnSpc>
+                <a:spcPct val="90000"/>
+              </a:lnSpc>
+              <a:spcBef>
+                <a:spcPts val="500"/>
+              </a:spcBef>
+              <a:buFont typeface="Arial" panose="020B0604020202020204" pitchFamily="34" charset="0"/>
+              <a:buChar char="•"/>
+              <a:defRPr sz="2000" kern="1200">
+                <a:solidFill>
+                  <a:schemeClr val="tx1"/>
+                </a:solidFill>
+                <a:latin typeface="+mn-lt"/>
+                <a:ea typeface="+mn-ea"/>
+                <a:cs typeface="+mn-cs"/>
+              </a:defRPr>
+            </a:lvl3pPr>
+            <a:lvl4pPr marL="1600200" indent="-228600" algn="l" defTabSz="914400" rtl="0" eaLnBrk="1" latinLnBrk="0" hangingPunct="1">
+              <a:lnSpc>
+                <a:spcPct val="90000"/>
+              </a:lnSpc>
+              <a:spcBef>
+                <a:spcPts val="500"/>
+              </a:spcBef>
+              <a:buFont typeface="Arial" panose="020B0604020202020204" pitchFamily="34" charset="0"/>
+              <a:buChar char="•"/>
+              <a:defRPr sz="1800" kern="1200">
+                <a:solidFill>
+                  <a:schemeClr val="tx1"/>
+                </a:solidFill>
+                <a:latin typeface="+mn-lt"/>
+                <a:ea typeface="+mn-ea"/>
+                <a:cs typeface="+mn-cs"/>
+              </a:defRPr>
+            </a:lvl4pPr>
+            <a:lvl5pPr marL="2057400" indent="-228600" algn="l" defTabSz="914400" rtl="0" eaLnBrk="1" latinLnBrk="0" hangingPunct="1">
+              <a:lnSpc>
+                <a:spcPct val="90000"/>
+              </a:lnSpc>
+              <a:spcBef>
+                <a:spcPts val="500"/>
+              </a:spcBef>
+              <a:buFont typeface="Arial" panose="020B0604020202020204" pitchFamily="34" charset="0"/>
+              <a:buChar char="•"/>
+              <a:defRPr sz="1800" kern="1200">
+                <a:solidFill>
+                  <a:schemeClr val="tx1"/>
+                </a:solidFill>
+                <a:latin typeface="+mn-lt"/>
+                <a:ea typeface="+mn-ea"/>
+                <a:cs typeface="+mn-cs"/>
+              </a:defRPr>
+            </a:lvl5pPr>
+            <a:lvl6pPr marL="2514600" indent="-228600" algn="l" defTabSz="914400" rtl="0" eaLnBrk="1" latinLnBrk="0" hangingPunct="1">
+              <a:lnSpc>
+                <a:spcPct val="90000"/>
+              </a:lnSpc>
+              <a:spcBef>
+                <a:spcPts val="500"/>
+              </a:spcBef>
+              <a:buFont typeface="Arial" panose="020B0604020202020204" pitchFamily="34" charset="0"/>
+              <a:buChar char="•"/>
+              <a:defRPr sz="1800" kern="1200">
+                <a:solidFill>
+                  <a:schemeClr val="tx1"/>
+                </a:solidFill>
+                <a:latin typeface="+mn-lt"/>
+                <a:ea typeface="+mn-ea"/>
+                <a:cs typeface="+mn-cs"/>
+              </a:defRPr>
+            </a:lvl6pPr>
+            <a:lvl7pPr marL="2971800" indent="-228600" algn="l" defTabSz="914400" rtl="0" eaLnBrk="1" latinLnBrk="0" hangingPunct="1">
+              <a:lnSpc>
+                <a:spcPct val="90000"/>
+              </a:lnSpc>
+              <a:spcBef>
+                <a:spcPts val="500"/>
+              </a:spcBef>
+              <a:buFont typeface="Arial" panose="020B0604020202020204" pitchFamily="34" charset="0"/>
+              <a:buChar char="•"/>
+              <a:defRPr sz="1800" kern="1200">
+                <a:solidFill>
+                  <a:schemeClr val="tx1"/>
+                </a:solidFill>
+                <a:latin typeface="+mn-lt"/>
+                <a:ea typeface="+mn-ea"/>
+                <a:cs typeface="+mn-cs"/>
+              </a:defRPr>
+            </a:lvl7pPr>
+            <a:lvl8pPr marL="3429000" indent="-228600" algn="l" defTabSz="914400" rtl="0" eaLnBrk="1" latinLnBrk="0" hangingPunct="1">
+              <a:lnSpc>
+                <a:spcPct val="90000"/>
+              </a:lnSpc>
+              <a:spcBef>
+                <a:spcPts val="500"/>
+              </a:spcBef>
+              <a:buFont typeface="Arial" panose="020B0604020202020204" pitchFamily="34" charset="0"/>
+              <a:buChar char="•"/>
+              <a:defRPr sz="1800" kern="1200">
+                <a:solidFill>
+                  <a:schemeClr val="tx1"/>
+                </a:solidFill>
+                <a:latin typeface="+mn-lt"/>
+                <a:ea typeface="+mn-ea"/>
+                <a:cs typeface="+mn-cs"/>
+              </a:defRPr>
+            </a:lvl8pPr>
+            <a:lvl9pPr marL="3886200" indent="-228600" algn="l" defTabSz="914400" rtl="0" eaLnBrk="1" latinLnBrk="0" hangingPunct="1">
+              <a:lnSpc>
+                <a:spcPct val="90000"/>
+              </a:lnSpc>
+              <a:spcBef>
+                <a:spcPts val="500"/>
+              </a:spcBef>
+              <a:buFont typeface="Arial" panose="020B0604020202020204" pitchFamily="34" charset="0"/>
+              <a:buChar char="•"/>
+              <a:defRPr sz="1800" kern="1200">
+                <a:solidFill>
+                  <a:schemeClr val="tx1"/>
+                </a:solidFill>
+                <a:latin typeface="+mn-lt"/>
+                <a:ea typeface="+mn-ea"/>
+                <a:cs typeface="+mn-cs"/>
+              </a:defRPr>
+            </a:lvl9pPr>
+          </a:lstStyle>
+          <a:p>
+            <a:r>
+              <a:rPr lang="en-US" sz="2400" dirty="0" smtClean="0">
+                <a:latin typeface="Times New Roman" panose="02020603050405020304" pitchFamily="18" charset="0"/>
+                <a:cs typeface="Times New Roman" panose="02020603050405020304" pitchFamily="18" charset="0"/>
+              </a:rPr>
+              <a:t>Các từ thường xuyên xuất hiện chung (ít nhất 25 lần) =&gt; cụm từ.</a:t>
+            </a:r>
+            <a:endParaRPr lang="en-US" sz="2400" dirty="0" smtClean="0">
+              <a:latin typeface="Times New Roman" panose="02020603050405020304" pitchFamily="18" charset="0"/>
+              <a:cs typeface="Times New Roman" panose="02020603050405020304" pitchFamily="18" charset="0"/>
+            </a:endParaRPr>
+          </a:p>
+        </p:txBody>
+      </p:sp>
     </p:spTree>
     <p:extLst>
       <p:ext uri="{BB962C8B-B14F-4D97-AF65-F5344CB8AC3E}">
@@ -12778,9 +13023,80 @@
   <p:timing>
     <p:tnLst>
       <p:par>
-        <p:cTn id="1" dur="indefinite" restart="never" nodeType="tmRoot"/>
+        <p:cTn id="1" dur="indefinite" restart="never" nodeType="tmRoot">
+          <p:childTnLst>
+            <p:seq concurrent="1" nextAc="seek">
+              <p:cTn id="2" dur="indefinite" nodeType="mainSeq">
+                <p:childTnLst>
+                  <p:par>
+                    <p:cTn id="3" fill="hold">
+                      <p:stCondLst>
+                        <p:cond delay="indefinite"/>
+                      </p:stCondLst>
+                      <p:childTnLst>
+                        <p:par>
+                          <p:cTn id="4" fill="hold">
+                            <p:stCondLst>
+                              <p:cond delay="0"/>
+                            </p:stCondLst>
+                            <p:childTnLst>
+                              <p:par>
+                                <p:cTn id="5" presetID="1" presetClass="entr" presetSubtype="0" fill="hold" grpId="0" nodeType="clickEffect">
+                                  <p:stCondLst>
+                                    <p:cond delay="0"/>
+                                  </p:stCondLst>
+                                  <p:childTnLst>
+                                    <p:set>
+                                      <p:cBhvr>
+                                        <p:cTn id="6" dur="1" fill="hold">
+                                          <p:stCondLst>
+                                            <p:cond delay="0"/>
+                                          </p:stCondLst>
+                                        </p:cTn>
+                                        <p:tgtEl>
+                                          <p:spTgt spid="7"/>
+                                        </p:tgtEl>
+                                        <p:attrNameLst>
+                                          <p:attrName>style.visibility</p:attrName>
+                                        </p:attrNameLst>
+                                      </p:cBhvr>
+                                      <p:to>
+                                        <p:strVal val="visible"/>
+                                      </p:to>
+                                    </p:set>
+                                  </p:childTnLst>
+                                </p:cTn>
+                              </p:par>
+                            </p:childTnLst>
+                          </p:cTn>
+                        </p:par>
+                      </p:childTnLst>
+                    </p:cTn>
+                  </p:par>
+                </p:childTnLst>
+              </p:cTn>
+              <p:prevCondLst>
+                <p:cond evt="onPrev" delay="0">
+                  <p:tgtEl>
+                    <p:sldTgt/>
+                  </p:tgtEl>
+                </p:cond>
+              </p:prevCondLst>
+              <p:nextCondLst>
+                <p:cond evt="onNext" delay="0">
+                  <p:tgtEl>
+                    <p:sldTgt/>
+                  </p:tgtEl>
+                </p:cond>
+              </p:nextCondLst>
+            </p:seq>
+          </p:childTnLst>
+        </p:cTn>
       </p:par>
     </p:tnLst>
+    <p:bldLst>
+      <p:bldP spid="7" grpId="0"/>
+    </p:bldLst>
   </p:timing>
 </p:sld>
 </file>
@@ -13616,17 +13932,7 @@
                 <a:latin typeface="Times New Roman" panose="02020603050405020304" pitchFamily="18" charset="0"/>
                 <a:cs typeface="Times New Roman" panose="02020603050405020304" pitchFamily="18" charset="0"/>
               </a:rPr>
-              <a:t>Precision and Recall</a:t>
-            </a:r>
-            <a:r>
-              <a:rPr lang="en-US" sz="4000" b="1" dirty="0" smtClean="0">
-                <a:solidFill>
-                  <a:srgbClr val="7030A0"/>
-                </a:solidFill>
-                <a:latin typeface="Times New Roman" panose="02020603050405020304" pitchFamily="18" charset="0"/>
-                <a:cs typeface="Times New Roman" panose="02020603050405020304" pitchFamily="18" charset="0"/>
-              </a:rPr>
-              <a:t>.</a:t>
+              <a:t>Precision and Recall.</a:t>
             </a:r>
             <a:endParaRPr lang="en-US" sz="4000" b="1" dirty="0">
               <a:solidFill>
@@ -13955,8 +14261,8 @@
           </a:graphicData>
         </a:graphic>
       </p:graphicFrame>
-      <mc:AlternateContent xmlns:mc="http://schemas.openxmlformats.org/markup-compatibility/2006">
-        <mc:Choice xmlns:a14="http://schemas.microsoft.com/office/drawing/2010/main" Requires="a14">
+      <mc:AlternateContent xmlns:mc="http://schemas.openxmlformats.org/markup-compatibility/2006" xmlns:a14="http://schemas.microsoft.com/office/drawing/2010/main">
+        <mc:Choice Requires="a14">
           <p:sp>
             <p:nvSpPr>
               <p:cNvPr id="6" name="Content Placeholder 2"/>
@@ -14134,7 +14440,7 @@
             </p:txBody>
           </p:sp>
         </mc:Choice>
-        <mc:Fallback>
+        <mc:Fallback xmlns="">
           <p:sp>
             <p:nvSpPr>
               <p:cNvPr id="6" name="Content Placeholder 2"/>
@@ -14491,17 +14797,7 @@
                 <a:latin typeface="Times New Roman" panose="02020603050405020304" pitchFamily="18" charset="0"/>
                 <a:cs typeface="Times New Roman" panose="02020603050405020304" pitchFamily="18" charset="0"/>
               </a:rPr>
-              <a:t>Precision and Recall combine Ranking</a:t>
-            </a:r>
-            <a:r>
-              <a:rPr lang="en-US" sz="4000" b="1" dirty="0" smtClean="0">
-                <a:solidFill>
-                  <a:srgbClr val="7030A0"/>
-                </a:solidFill>
-                <a:latin typeface="Times New Roman" panose="02020603050405020304" pitchFamily="18" charset="0"/>
-                <a:cs typeface="Times New Roman" panose="02020603050405020304" pitchFamily="18" charset="0"/>
-              </a:rPr>
-              <a:t>.</a:t>
+              <a:t>Precision and Recall combine Ranking.</a:t>
             </a:r>
             <a:endParaRPr lang="en-US" sz="4000" b="1" dirty="0">
               <a:solidFill>
@@ -14551,7 +14847,7 @@
         </p:nvSpPr>
         <p:spPr>
           <a:xfrm>
-            <a:off x="234950" y="1637513"/>
+            <a:off x="234950" y="2717013"/>
             <a:ext cx="4337050" cy="830997"/>
           </a:xfrm>
           <a:prstGeom prst="rect">
@@ -14581,7 +14877,7 @@
         </p:nvSpPr>
         <p:spPr>
           <a:xfrm>
-            <a:off x="234950" y="2583277"/>
+            <a:off x="234950" y="3662777"/>
             <a:ext cx="4229100" cy="830997"/>
           </a:xfrm>
           <a:prstGeom prst="rect">
@@ -14603,22 +14899,110 @@
           </a:p>
         </p:txBody>
       </p:sp>
-      <p:sp>
-        <p:nvSpPr>
-          <p:cNvPr id="9" name="Content Placeholder 8"/>
-          <p:cNvSpPr>
-            <a:spLocks noGrp="1"/>
-          </p:cNvSpPr>
+      <p:pic>
+        <p:nvPicPr>
+          <p:cNvPr id="10" name="Content Placeholder 9"/>
+          <p:cNvPicPr>
+            <a:picLocks noGrp="1" noChangeAspect="1"/>
+          </p:cNvPicPr>
           <p:nvPr>
             <p:ph idx="1"/>
           </p:nvPr>
+        </p:nvPicPr>
+        <p:blipFill>
+          <a:blip r:embed="rId3">
+            <a:extLst>
+              <a:ext uri="{28A0092B-C50C-407E-A947-70E740481C1C}">
+                <a14:useLocalDpi xmlns:a14="http://schemas.microsoft.com/office/drawing/2010/main" val="0"/>
+              </a:ext>
+            </a:extLst>
+          </a:blip>
+          <a:stretch>
+            <a:fillRect/>
+          </a:stretch>
+        </p:blipFill>
+        <p:spPr>
+          <a:xfrm>
+            <a:off x="2576512" y="928301"/>
+            <a:ext cx="6607175" cy="5590687"/>
+          </a:xfrm>
+        </p:spPr>
+      </p:pic>
+      <p:sp>
+        <p:nvSpPr>
+          <p:cNvPr id="11" name="TextBox 10"/>
+          <p:cNvSpPr txBox="1"/>
+          <p:nvPr/>
         </p:nvSpPr>
-        <p:spPr/>
+        <p:spPr>
+          <a:xfrm>
+            <a:off x="234950" y="1889720"/>
+            <a:ext cx="4337050" cy="830997"/>
+          </a:xfrm>
+          <a:prstGeom prst="rect">
+            <a:avLst/>
+          </a:prstGeom>
+          <a:noFill/>
+        </p:spPr>
         <p:txBody>
-          <a:bodyPr/>
+          <a:bodyPr wrap="square" rtlCol="0">
+            <a:spAutoFit/>
+          </a:bodyPr>
           <a:lstStyle/>
           <a:p>
-            <a:endParaRPr lang="en-US" dirty="0"/>
+            <a:r>
+              <a:rPr lang="en-US" sz="2400" dirty="0" smtClean="0"/>
+              <a:t>(</a:t>
+            </a:r>
+            <a:r>
+              <a:rPr lang="en-US" sz="2400" dirty="0" smtClean="0"/>
+              <a:t>1/1 </a:t>
+            </a:r>
+            <a:r>
+              <a:rPr lang="en-US" sz="2400" dirty="0" smtClean="0"/>
+              <a:t>+ </a:t>
+            </a:r>
+            <a:r>
+              <a:rPr lang="en-US" sz="2400" dirty="0" smtClean="0"/>
+              <a:t>2/2 </a:t>
+            </a:r>
+            <a:r>
+              <a:rPr lang="en-US" sz="2400" dirty="0" smtClean="0"/>
+              <a:t>+ </a:t>
+            </a:r>
+            <a:r>
+              <a:rPr lang="en-US" sz="2400" dirty="0" smtClean="0"/>
+              <a:t>3/3 </a:t>
+            </a:r>
+            <a:r>
+              <a:rPr lang="en-US" sz="2400" dirty="0" smtClean="0"/>
+              <a:t>+ </a:t>
+            </a:r>
+            <a:r>
+              <a:rPr lang="en-US" sz="2400" dirty="0" smtClean="0"/>
+              <a:t>4/4 </a:t>
+            </a:r>
+            <a:r>
+              <a:rPr lang="en-US" sz="2400" dirty="0" smtClean="0"/>
+              <a:t>+ </a:t>
+            </a:r>
+            <a:r>
+              <a:rPr lang="en-US" sz="2400" dirty="0" smtClean="0"/>
+              <a:t>5/5) </a:t>
+            </a:r>
+            <a:r>
+              <a:rPr lang="en-US" sz="2400" dirty="0" smtClean="0"/>
+              <a:t>/ 5 = </a:t>
+            </a:r>
+            <a:r>
+              <a:rPr lang="en-US" sz="2400" dirty="0" smtClean="0"/>
+              <a:t>1</a:t>
+            </a:r>
+            <a:r>
+              <a:rPr lang="en-US" sz="2400" dirty="0" smtClean="0"/>
+              <a:t>.0</a:t>
+            </a:r>
+            <a:endParaRPr lang="en-US" sz="2400" dirty="0"/>
           </a:p>
         </p:txBody>
       </p:sp>
@@ -14653,7 +15037,7 @@
                             </p:stCondLst>
                             <p:childTnLst>
                               <p:par>
-                                <p:cTn id="5" presetID="1" presetClass="entr" presetSubtype="0" fill="hold" grpId="0" nodeType="clickEffect">
+                                <p:cTn id="5" presetID="1" presetClass="exit" presetSubtype="0" fill="hold" nodeType="clickEffect">
                                   <p:stCondLst>
                                     <p:cond delay="0"/>
                                   </p:stCondLst>
@@ -14666,14 +15050,14 @@
                                           </p:stCondLst>
                                         </p:cTn>
                                         <p:tgtEl>
-                                          <p:spTgt spid="4"/>
+                                          <p:spTgt spid="10"/>
                                         </p:tgtEl>
                                         <p:attrNameLst>
                                           <p:attrName>style.visibility</p:attrName>
                                         </p:attrNameLst>
                                       </p:cBhvr>
                                       <p:to>
-                                        <p:strVal val="visible"/>
+                                        <p:strVal val="hidden"/>
                                       </p:to>
                                     </p:set>
                                   </p:childTnLst>
@@ -14698,7 +15082,7 @@
                             </p:stCondLst>
                             <p:childTnLst>
                               <p:par>
-                                <p:cTn id="9" presetID="1" presetClass="entr" presetSubtype="0" fill="hold" grpId="0" nodeType="clickEffect">
+                                <p:cTn id="9" presetID="10" presetClass="entr" presetSubtype="0" fill="hold" grpId="0" nodeType="clickEffect">
                                   <p:stCondLst>
                                     <p:cond delay="0"/>
                                   </p:stCondLst>
@@ -14706,6 +15090,157 @@
                                     <p:set>
                                       <p:cBhvr>
                                         <p:cTn id="10" dur="1" fill="hold">
+                                          <p:stCondLst>
+                                            <p:cond delay="0"/>
+                                          </p:stCondLst>
+                                        </p:cTn>
+                                        <p:tgtEl>
+                                          <p:spTgt spid="4"/>
+                                        </p:tgtEl>
+                                        <p:attrNameLst>
+                                          <p:attrName>style.visibility</p:attrName>
+                                        </p:attrNameLst>
+                                      </p:cBhvr>
+                                      <p:to>
+                                        <p:strVal val="visible"/>
+                                      </p:to>
+                                    </p:set>
+                                    <p:animEffect transition="in" filter="fade">
+                                      <p:cBhvr>
+                                        <p:cTn id="11" dur="500"/>
+                                        <p:tgtEl>
+                                          <p:spTgt spid="4"/>
+                                        </p:tgtEl>
+                                      </p:cBhvr>
+                                    </p:animEffect>
+                                  </p:childTnLst>
+                                </p:cTn>
+                              </p:par>
+                            </p:childTnLst>
+                          </p:cTn>
+                        </p:par>
+                      </p:childTnLst>
+                    </p:cTn>
+                  </p:par>
+                  <p:par>
+                    <p:cTn id="12" fill="hold">
+                      <p:stCondLst>
+                        <p:cond delay="indefinite"/>
+                      </p:stCondLst>
+                      <p:childTnLst>
+                        <p:par>
+                          <p:cTn id="13" fill="hold">
+                            <p:stCondLst>
+                              <p:cond delay="0"/>
+                            </p:stCondLst>
+                            <p:childTnLst>
+                              <p:par>
+                                <p:cTn id="14" presetID="10" presetClass="entr" presetSubtype="0" fill="hold" nodeType="clickEffect">
+                                  <p:stCondLst>
+                                    <p:cond delay="0"/>
+                                  </p:stCondLst>
+                                  <p:childTnLst>
+                                    <p:set>
+                                      <p:cBhvr>
+                                        <p:cTn id="15" dur="1" fill="hold">
+                                          <p:stCondLst>
+                                            <p:cond delay="0"/>
+                                          </p:stCondLst>
+                                        </p:cTn>
+                                        <p:tgtEl>
+                                          <p:spTgt spid="5"/>
+                                        </p:tgtEl>
+                                        <p:attrNameLst>
+                                          <p:attrName>style.visibility</p:attrName>
+                                        </p:attrNameLst>
+                                      </p:cBhvr>
+                                      <p:to>
+                                        <p:strVal val="visible"/>
+                                      </p:to>
+                                    </p:set>
+                                    <p:animEffect transition="in" filter="fade">
+                                      <p:cBhvr>
+                                        <p:cTn id="16" dur="500"/>
+                                        <p:tgtEl>
+                                          <p:spTgt spid="5"/>
+                                        </p:tgtEl>
+                                      </p:cBhvr>
+                                    </p:animEffect>
+                                  </p:childTnLst>
+                                </p:cTn>
+                              </p:par>
+                            </p:childTnLst>
+                          </p:cTn>
+                        </p:par>
+                      </p:childTnLst>
+                    </p:cTn>
+                  </p:par>
+                  <p:par>
+                    <p:cTn id="17" fill="hold">
+                      <p:stCondLst>
+                        <p:cond delay="indefinite"/>
+                      </p:stCondLst>
+                      <p:childTnLst>
+                        <p:par>
+                          <p:cTn id="18" fill="hold">
+                            <p:stCondLst>
+                              <p:cond delay="0"/>
+                            </p:stCondLst>
+                            <p:childTnLst>
+                              <p:par>
+                                <p:cTn id="19" presetID="1" presetClass="entr" presetSubtype="0" fill="hold" grpId="0" nodeType="clickEffect">
+                                  <p:stCondLst>
+                                    <p:cond delay="0"/>
+                                  </p:stCondLst>
+                                  <p:childTnLst>
+                                    <p:set>
+                                      <p:cBhvr>
+                                        <p:cTn id="20" dur="1" fill="hold">
+                                          <p:stCondLst>
+                                            <p:cond delay="0"/>
+                                          </p:stCondLst>
+                                        </p:cTn>
+                                        <p:tgtEl>
+                                          <p:spTgt spid="11"/>
+                                        </p:tgtEl>
+                                        <p:attrNameLst>
+                                          <p:attrName>style.visibility</p:attrName>
+                                        </p:attrNameLst>
+                                      </p:cBhvr>
+                                      <p:to>
+                                        <p:strVal val="visible"/>
+                                      </p:to>
+                                    </p:set>
+                                  </p:childTnLst>
+                                </p:cTn>
+                              </p:par>
+                            </p:childTnLst>
+                          </p:cTn>
+                        </p:par>
+                      </p:childTnLst>
+                    </p:cTn>
+                  </p:par>
+                  <p:par>
+                    <p:cTn id="21" fill="hold">
+                      <p:stCondLst>
+                        <p:cond delay="indefinite"/>
+                      </p:stCondLst>
+                      <p:childTnLst>
+                        <p:par>
+                          <p:cTn id="22" fill="hold">
+                            <p:stCondLst>
+                              <p:cond delay="0"/>
+                            </p:stCondLst>
+                            <p:childTnLst>
+                              <p:par>
+                                <p:cTn id="23" presetID="1" presetClass="entr" presetSubtype="0" fill="hold" grpId="0" nodeType="clickEffect">
+                                  <p:stCondLst>
+                                    <p:cond delay="0"/>
+                                  </p:stCondLst>
+                                  <p:childTnLst>
+                                    <p:set>
+                                      <p:cBhvr>
+                                        <p:cTn id="24" dur="1" fill="hold">
                                           <p:stCondLst>
                                             <p:cond delay="0"/>
                                           </p:stCondLst>
@@ -14731,26 +15266,26 @@
                     </p:cTn>
                   </p:par>
                   <p:par>
-                    <p:cTn id="11" fill="hold">
+                    <p:cTn id="25" fill="hold">
                       <p:stCondLst>
                         <p:cond delay="indefinite"/>
                       </p:stCondLst>
                       <p:childTnLst>
                         <p:par>
-                          <p:cTn id="12" fill="hold">
+                          <p:cTn id="26" fill="hold">
                             <p:stCondLst>
                               <p:cond delay="0"/>
                             </p:stCondLst>
                             <p:childTnLst>
                               <p:par>
-                                <p:cTn id="13" presetID="1" presetClass="entr" presetSubtype="0" fill="hold" grpId="0" nodeType="clickEffect">
+                                <p:cTn id="27" presetID="1" presetClass="entr" presetSubtype="0" fill="hold" grpId="0" nodeType="clickEffect">
                                   <p:stCondLst>
                                     <p:cond delay="0"/>
                                   </p:stCondLst>
                                   <p:childTnLst>
                                     <p:set>
                                       <p:cBhvr>
-                                        <p:cTn id="14" dur="1" fill="hold">
+                                        <p:cTn id="28" dur="1" fill="hold">
                                           <p:stCondLst>
                                             <p:cond delay="0"/>
                                           </p:stCondLst>
@@ -14800,6 +15335,7 @@
       <p:bldP spid="4" grpId="0"/>
       <p:bldP spid="6" grpId="0"/>
       <p:bldP spid="7" grpId="0"/>
+      <p:bldP spid="11" grpId="0"/>
     </p:bldLst>
   </p:timing>
 </p:sld>

--- a/IR/Presentation1.pptx
+++ b/IR/Presentation1.pptx
@@ -8,34 +8,35 @@
     <p:sldId id="256" r:id="rId2"/>
     <p:sldId id="258" r:id="rId3"/>
     <p:sldId id="261" r:id="rId4"/>
-    <p:sldId id="257" r:id="rId5"/>
-    <p:sldId id="259" r:id="rId6"/>
-    <p:sldId id="260" r:id="rId7"/>
-    <p:sldId id="263" r:id="rId8"/>
-    <p:sldId id="262" r:id="rId9"/>
-    <p:sldId id="264" r:id="rId10"/>
-    <p:sldId id="293" r:id="rId11"/>
-    <p:sldId id="294" r:id="rId12"/>
-    <p:sldId id="265" r:id="rId13"/>
-    <p:sldId id="270" r:id="rId14"/>
-    <p:sldId id="267" r:id="rId15"/>
-    <p:sldId id="269" r:id="rId16"/>
-    <p:sldId id="271" r:id="rId17"/>
-    <p:sldId id="273" r:id="rId18"/>
-    <p:sldId id="274" r:id="rId19"/>
-    <p:sldId id="275" r:id="rId20"/>
-    <p:sldId id="272" r:id="rId21"/>
-    <p:sldId id="278" r:id="rId22"/>
-    <p:sldId id="280" r:id="rId23"/>
-    <p:sldId id="281" r:id="rId24"/>
-    <p:sldId id="283" r:id="rId25"/>
-    <p:sldId id="284" r:id="rId26"/>
-    <p:sldId id="286" r:id="rId27"/>
-    <p:sldId id="288" r:id="rId28"/>
-    <p:sldId id="289" r:id="rId29"/>
-    <p:sldId id="290" r:id="rId30"/>
-    <p:sldId id="291" r:id="rId31"/>
-    <p:sldId id="292" r:id="rId32"/>
+    <p:sldId id="295" r:id="rId5"/>
+    <p:sldId id="257" r:id="rId6"/>
+    <p:sldId id="259" r:id="rId7"/>
+    <p:sldId id="260" r:id="rId8"/>
+    <p:sldId id="263" r:id="rId9"/>
+    <p:sldId id="262" r:id="rId10"/>
+    <p:sldId id="264" r:id="rId11"/>
+    <p:sldId id="293" r:id="rId12"/>
+    <p:sldId id="294" r:id="rId13"/>
+    <p:sldId id="265" r:id="rId14"/>
+    <p:sldId id="270" r:id="rId15"/>
+    <p:sldId id="267" r:id="rId16"/>
+    <p:sldId id="269" r:id="rId17"/>
+    <p:sldId id="271" r:id="rId18"/>
+    <p:sldId id="273" r:id="rId19"/>
+    <p:sldId id="274" r:id="rId20"/>
+    <p:sldId id="275" r:id="rId21"/>
+    <p:sldId id="272" r:id="rId22"/>
+    <p:sldId id="278" r:id="rId23"/>
+    <p:sldId id="280" r:id="rId24"/>
+    <p:sldId id="281" r:id="rId25"/>
+    <p:sldId id="283" r:id="rId26"/>
+    <p:sldId id="284" r:id="rId27"/>
+    <p:sldId id="286" r:id="rId28"/>
+    <p:sldId id="288" r:id="rId29"/>
+    <p:sldId id="289" r:id="rId30"/>
+    <p:sldId id="290" r:id="rId31"/>
+    <p:sldId id="291" r:id="rId32"/>
+    <p:sldId id="292" r:id="rId33"/>
   </p:sldIdLst>
   <p:sldSz cx="12192000" cy="6858000"/>
   <p:notesSz cx="6858000" cy="9144000"/>
@@ -273,7 +274,7 @@
           <a:p>
             <a:fld id="{27F2142A-344C-4C4D-B170-0C798B2E94BC}" type="datetimeFigureOut">
               <a:rPr lang="en-US" smtClean="0"/>
-              <a:t>11/27/2018</a:t>
+              <a:t>11/29/2018</a:t>
             </a:fld>
             <a:endParaRPr lang="en-US"/>
           </a:p>
@@ -443,7 +444,7 @@
           <a:p>
             <a:fld id="{27F2142A-344C-4C4D-B170-0C798B2E94BC}" type="datetimeFigureOut">
               <a:rPr lang="en-US" smtClean="0"/>
-              <a:t>11/27/2018</a:t>
+              <a:t>11/29/2018</a:t>
             </a:fld>
             <a:endParaRPr lang="en-US"/>
           </a:p>
@@ -623,7 +624,7 @@
           <a:p>
             <a:fld id="{27F2142A-344C-4C4D-B170-0C798B2E94BC}" type="datetimeFigureOut">
               <a:rPr lang="en-US" smtClean="0"/>
-              <a:t>11/27/2018</a:t>
+              <a:t>11/29/2018</a:t>
             </a:fld>
             <a:endParaRPr lang="en-US"/>
           </a:p>
@@ -793,7 +794,7 @@
           <a:p>
             <a:fld id="{27F2142A-344C-4C4D-B170-0C798B2E94BC}" type="datetimeFigureOut">
               <a:rPr lang="en-US" smtClean="0"/>
-              <a:t>11/27/2018</a:t>
+              <a:t>11/29/2018</a:t>
             </a:fld>
             <a:endParaRPr lang="en-US"/>
           </a:p>
@@ -1039,7 +1040,7 @@
           <a:p>
             <a:fld id="{27F2142A-344C-4C4D-B170-0C798B2E94BC}" type="datetimeFigureOut">
               <a:rPr lang="en-US" smtClean="0"/>
-              <a:t>11/27/2018</a:t>
+              <a:t>11/29/2018</a:t>
             </a:fld>
             <a:endParaRPr lang="en-US"/>
           </a:p>
@@ -1271,7 +1272,7 @@
           <a:p>
             <a:fld id="{27F2142A-344C-4C4D-B170-0C798B2E94BC}" type="datetimeFigureOut">
               <a:rPr lang="en-US" smtClean="0"/>
-              <a:t>11/27/2018</a:t>
+              <a:t>11/29/2018</a:t>
             </a:fld>
             <a:endParaRPr lang="en-US"/>
           </a:p>
@@ -1638,7 +1639,7 @@
           <a:p>
             <a:fld id="{27F2142A-344C-4C4D-B170-0C798B2E94BC}" type="datetimeFigureOut">
               <a:rPr lang="en-US" smtClean="0"/>
-              <a:t>11/27/2018</a:t>
+              <a:t>11/29/2018</a:t>
             </a:fld>
             <a:endParaRPr lang="en-US"/>
           </a:p>
@@ -1756,7 +1757,7 @@
           <a:p>
             <a:fld id="{27F2142A-344C-4C4D-B170-0C798B2E94BC}" type="datetimeFigureOut">
               <a:rPr lang="en-US" smtClean="0"/>
-              <a:t>11/27/2018</a:t>
+              <a:t>11/29/2018</a:t>
             </a:fld>
             <a:endParaRPr lang="en-US"/>
           </a:p>
@@ -1851,7 +1852,7 @@
           <a:p>
             <a:fld id="{27F2142A-344C-4C4D-B170-0C798B2E94BC}" type="datetimeFigureOut">
               <a:rPr lang="en-US" smtClean="0"/>
-              <a:t>11/27/2018</a:t>
+              <a:t>11/29/2018</a:t>
             </a:fld>
             <a:endParaRPr lang="en-US"/>
           </a:p>
@@ -2128,7 +2129,7 @@
           <a:p>
             <a:fld id="{27F2142A-344C-4C4D-B170-0C798B2E94BC}" type="datetimeFigureOut">
               <a:rPr lang="en-US" smtClean="0"/>
-              <a:t>11/27/2018</a:t>
+              <a:t>11/29/2018</a:t>
             </a:fld>
             <a:endParaRPr lang="en-US"/>
           </a:p>
@@ -2381,7 +2382,7 @@
           <a:p>
             <a:fld id="{27F2142A-344C-4C4D-B170-0C798B2E94BC}" type="datetimeFigureOut">
               <a:rPr lang="en-US" smtClean="0"/>
-              <a:t>11/27/2018</a:t>
+              <a:t>11/29/2018</a:t>
             </a:fld>
             <a:endParaRPr lang="en-US"/>
           </a:p>
@@ -2594,7 +2595,7 @@
           <a:p>
             <a:fld id="{27F2142A-344C-4C4D-B170-0C798B2E94BC}" type="datetimeFigureOut">
               <a:rPr lang="en-US" smtClean="0"/>
-              <a:t>11/27/2018</a:t>
+              <a:t>11/29/2018</a:t>
             </a:fld>
             <a:endParaRPr lang="en-US"/>
           </a:p>
@@ -3322,7 +3323,7 @@
           </a:lstStyle>
           <a:p>
             <a:r>
-              <a:rPr lang="en-US" sz="4000" b="1" dirty="0">
+              <a:rPr lang="en-US" sz="4000" b="1" dirty="0" smtClean="0">
                 <a:solidFill>
                   <a:srgbClr val="7030A0"/>
                 </a:solidFill>
@@ -3341,10 +3342,159 @@
           </a:p>
         </p:txBody>
       </p:sp>
+      <p:pic>
+        <p:nvPicPr>
+          <p:cNvPr id="5" name="Picture 4"/>
+          <p:cNvPicPr>
+            <a:picLocks noChangeAspect="1"/>
+          </p:cNvPicPr>
+          <p:nvPr/>
+        </p:nvPicPr>
+        <p:blipFill>
+          <a:blip r:embed="rId2">
+            <a:extLst>
+              <a:ext uri="{28A0092B-C50C-407E-A947-70E740481C1C}">
+                <a14:useLocalDpi xmlns:a14="http://schemas.microsoft.com/office/drawing/2010/main" val="0"/>
+              </a:ext>
+            </a:extLst>
+          </a:blip>
+          <a:stretch>
+            <a:fillRect/>
+          </a:stretch>
+        </p:blipFill>
+        <p:spPr>
+          <a:xfrm>
+            <a:off x="1543050" y="772172"/>
+            <a:ext cx="9105900" cy="5656344"/>
+          </a:xfrm>
+          <a:prstGeom prst="rect">
+            <a:avLst/>
+          </a:prstGeom>
+        </p:spPr>
+      </p:pic>
+      <p:sp>
+        <p:nvSpPr>
+          <p:cNvPr id="6" name="TextBox 5"/>
+          <p:cNvSpPr txBox="1"/>
+          <p:nvPr/>
+        </p:nvSpPr>
+        <p:spPr>
+          <a:xfrm>
+            <a:off x="234950" y="2717013"/>
+            <a:ext cx="4337050" cy="830997"/>
+          </a:xfrm>
+          <a:prstGeom prst="rect">
+            <a:avLst/>
+          </a:prstGeom>
+          <a:noFill/>
+        </p:spPr>
+        <p:txBody>
+          <a:bodyPr wrap="square" rtlCol="0">
+            <a:spAutoFit/>
+          </a:bodyPr>
+          <a:lstStyle/>
+          <a:p>
+            <a:r>
+              <a:rPr lang="en-US" sz="2400" dirty="0" smtClean="0"/>
+              <a:t>(1/6 + 2/7 + 3/8 + 4/9 + 5/10) / 5 = 0.3544</a:t>
+            </a:r>
+            <a:endParaRPr lang="en-US" sz="2400" dirty="0"/>
+          </a:p>
+        </p:txBody>
+      </p:sp>
+      <p:sp>
+        <p:nvSpPr>
+          <p:cNvPr id="7" name="TextBox 6"/>
+          <p:cNvSpPr txBox="1"/>
+          <p:nvPr/>
+        </p:nvSpPr>
+        <p:spPr>
+          <a:xfrm>
+            <a:off x="234950" y="3662777"/>
+            <a:ext cx="4229100" cy="830997"/>
+          </a:xfrm>
+          <a:prstGeom prst="rect">
+            <a:avLst/>
+          </a:prstGeom>
+          <a:noFill/>
+        </p:spPr>
+        <p:txBody>
+          <a:bodyPr wrap="square" rtlCol="0">
+            <a:spAutoFit/>
+          </a:bodyPr>
+          <a:lstStyle/>
+          <a:p>
+            <a:r>
+              <a:rPr lang="en-US" sz="2400" dirty="0" smtClean="0"/>
+              <a:t>(1/2 + 2/3 + 3/6 + 4/7 + 5/8)  / 5 = 0.5726</a:t>
+            </a:r>
+            <a:endParaRPr lang="en-US" sz="2400" dirty="0"/>
+          </a:p>
+        </p:txBody>
+      </p:sp>
+      <p:pic>
+        <p:nvPicPr>
+          <p:cNvPr id="10" name="Content Placeholder 9"/>
+          <p:cNvPicPr>
+            <a:picLocks noGrp="1" noChangeAspect="1"/>
+          </p:cNvPicPr>
+          <p:nvPr>
+            <p:ph idx="1"/>
+          </p:nvPr>
+        </p:nvPicPr>
+        <p:blipFill>
+          <a:blip r:embed="rId3">
+            <a:extLst>
+              <a:ext uri="{28A0092B-C50C-407E-A947-70E740481C1C}">
+                <a14:useLocalDpi xmlns:a14="http://schemas.microsoft.com/office/drawing/2010/main" val="0"/>
+              </a:ext>
+            </a:extLst>
+          </a:blip>
+          <a:stretch>
+            <a:fillRect/>
+          </a:stretch>
+        </p:blipFill>
+        <p:spPr>
+          <a:xfrm>
+            <a:off x="2576512" y="928301"/>
+            <a:ext cx="6607175" cy="5590687"/>
+          </a:xfrm>
+        </p:spPr>
+      </p:pic>
+      <p:sp>
+        <p:nvSpPr>
+          <p:cNvPr id="11" name="TextBox 10"/>
+          <p:cNvSpPr txBox="1"/>
+          <p:nvPr/>
+        </p:nvSpPr>
+        <p:spPr>
+          <a:xfrm>
+            <a:off x="234950" y="1889720"/>
+            <a:ext cx="4337050" cy="830997"/>
+          </a:xfrm>
+          <a:prstGeom prst="rect">
+            <a:avLst/>
+          </a:prstGeom>
+          <a:noFill/>
+        </p:spPr>
+        <p:txBody>
+          <a:bodyPr wrap="square" rtlCol="0">
+            <a:spAutoFit/>
+          </a:bodyPr>
+          <a:lstStyle/>
+          <a:p>
+            <a:r>
+              <a:rPr lang="en-US" sz="2400" dirty="0" smtClean="0"/>
+              <a:t>(1/1 + 2/2 + 3/3 + 4/4 + 5/5) / 5 = 1.0</a:t>
+            </a:r>
+            <a:endParaRPr lang="en-US" sz="2400" dirty="0"/>
+          </a:p>
+        </p:txBody>
+      </p:sp>
     </p:spTree>
     <p:extLst>
       <p:ext uri="{BB962C8B-B14F-4D97-AF65-F5344CB8AC3E}">
-        <p14:creationId xmlns:p14="http://schemas.microsoft.com/office/powerpoint/2010/main" val="3087040448"/>
+        <p14:creationId xmlns:p14="http://schemas.microsoft.com/office/powerpoint/2010/main" val="396454844"/>
       </p:ext>
     </p:extLst>
   </p:cSld>
@@ -3354,9 +3504,324 @@
   <p:timing>
     <p:tnLst>
       <p:par>
-        <p:cTn id="1" dur="indefinite" restart="never" nodeType="tmRoot"/>
+        <p:cTn id="1" dur="indefinite" restart="never" nodeType="tmRoot">
+          <p:childTnLst>
+            <p:seq concurrent="1" nextAc="seek">
+              <p:cTn id="2" dur="indefinite" nodeType="mainSeq">
+                <p:childTnLst>
+                  <p:par>
+                    <p:cTn id="3" fill="hold">
+                      <p:stCondLst>
+                        <p:cond delay="indefinite"/>
+                      </p:stCondLst>
+                      <p:childTnLst>
+                        <p:par>
+                          <p:cTn id="4" fill="hold">
+                            <p:stCondLst>
+                              <p:cond delay="0"/>
+                            </p:stCondLst>
+                            <p:childTnLst>
+                              <p:par>
+                                <p:cTn id="5" presetID="1" presetClass="exit" presetSubtype="0" fill="hold" nodeType="clickEffect">
+                                  <p:stCondLst>
+                                    <p:cond delay="0"/>
+                                  </p:stCondLst>
+                                  <p:childTnLst>
+                                    <p:set>
+                                      <p:cBhvr>
+                                        <p:cTn id="6" dur="1" fill="hold">
+                                          <p:stCondLst>
+                                            <p:cond delay="0"/>
+                                          </p:stCondLst>
+                                        </p:cTn>
+                                        <p:tgtEl>
+                                          <p:spTgt spid="10"/>
+                                        </p:tgtEl>
+                                        <p:attrNameLst>
+                                          <p:attrName>style.visibility</p:attrName>
+                                        </p:attrNameLst>
+                                      </p:cBhvr>
+                                      <p:to>
+                                        <p:strVal val="hidden"/>
+                                      </p:to>
+                                    </p:set>
+                                  </p:childTnLst>
+                                </p:cTn>
+                              </p:par>
+                            </p:childTnLst>
+                          </p:cTn>
+                        </p:par>
+                      </p:childTnLst>
+                    </p:cTn>
+                  </p:par>
+                  <p:par>
+                    <p:cTn id="7" fill="hold">
+                      <p:stCondLst>
+                        <p:cond delay="indefinite"/>
+                      </p:stCondLst>
+                      <p:childTnLst>
+                        <p:par>
+                          <p:cTn id="8" fill="hold">
+                            <p:stCondLst>
+                              <p:cond delay="0"/>
+                            </p:stCondLst>
+                            <p:childTnLst>
+                              <p:par>
+                                <p:cTn id="9" presetID="10" presetClass="entr" presetSubtype="0" fill="hold" grpId="0" nodeType="clickEffect">
+                                  <p:stCondLst>
+                                    <p:cond delay="0"/>
+                                  </p:stCondLst>
+                                  <p:childTnLst>
+                                    <p:set>
+                                      <p:cBhvr>
+                                        <p:cTn id="10" dur="1" fill="hold">
+                                          <p:stCondLst>
+                                            <p:cond delay="0"/>
+                                          </p:stCondLst>
+                                        </p:cTn>
+                                        <p:tgtEl>
+                                          <p:spTgt spid="4"/>
+                                        </p:tgtEl>
+                                        <p:attrNameLst>
+                                          <p:attrName>style.visibility</p:attrName>
+                                        </p:attrNameLst>
+                                      </p:cBhvr>
+                                      <p:to>
+                                        <p:strVal val="visible"/>
+                                      </p:to>
+                                    </p:set>
+                                    <p:animEffect transition="in" filter="fade">
+                                      <p:cBhvr>
+                                        <p:cTn id="11" dur="500"/>
+                                        <p:tgtEl>
+                                          <p:spTgt spid="4"/>
+                                        </p:tgtEl>
+                                      </p:cBhvr>
+                                    </p:animEffect>
+                                  </p:childTnLst>
+                                </p:cTn>
+                              </p:par>
+                            </p:childTnLst>
+                          </p:cTn>
+                        </p:par>
+                      </p:childTnLst>
+                    </p:cTn>
+                  </p:par>
+                  <p:par>
+                    <p:cTn id="12" fill="hold">
+                      <p:stCondLst>
+                        <p:cond delay="indefinite"/>
+                      </p:stCondLst>
+                      <p:childTnLst>
+                        <p:par>
+                          <p:cTn id="13" fill="hold">
+                            <p:stCondLst>
+                              <p:cond delay="0"/>
+                            </p:stCondLst>
+                            <p:childTnLst>
+                              <p:par>
+                                <p:cTn id="14" presetID="10" presetClass="entr" presetSubtype="0" fill="hold" nodeType="clickEffect">
+                                  <p:stCondLst>
+                                    <p:cond delay="0"/>
+                                  </p:stCondLst>
+                                  <p:childTnLst>
+                                    <p:set>
+                                      <p:cBhvr>
+                                        <p:cTn id="15" dur="1" fill="hold">
+                                          <p:stCondLst>
+                                            <p:cond delay="0"/>
+                                          </p:stCondLst>
+                                        </p:cTn>
+                                        <p:tgtEl>
+                                          <p:spTgt spid="5"/>
+                                        </p:tgtEl>
+                                        <p:attrNameLst>
+                                          <p:attrName>style.visibility</p:attrName>
+                                        </p:attrNameLst>
+                                      </p:cBhvr>
+                                      <p:to>
+                                        <p:strVal val="visible"/>
+                                      </p:to>
+                                    </p:set>
+                                    <p:animEffect transition="in" filter="fade">
+                                      <p:cBhvr>
+                                        <p:cTn id="16" dur="500"/>
+                                        <p:tgtEl>
+                                          <p:spTgt spid="5"/>
+                                        </p:tgtEl>
+                                      </p:cBhvr>
+                                    </p:animEffect>
+                                  </p:childTnLst>
+                                </p:cTn>
+                              </p:par>
+                            </p:childTnLst>
+                          </p:cTn>
+                        </p:par>
+                      </p:childTnLst>
+                    </p:cTn>
+                  </p:par>
+                  <p:par>
+                    <p:cTn id="17" fill="hold">
+                      <p:stCondLst>
+                        <p:cond delay="indefinite"/>
+                      </p:stCondLst>
+                      <p:childTnLst>
+                        <p:par>
+                          <p:cTn id="18" fill="hold">
+                            <p:stCondLst>
+                              <p:cond delay="0"/>
+                            </p:stCondLst>
+                            <p:childTnLst>
+                              <p:par>
+                                <p:cTn id="19" presetID="1" presetClass="entr" presetSubtype="0" fill="hold" grpId="0" nodeType="clickEffect">
+                                  <p:stCondLst>
+                                    <p:cond delay="0"/>
+                                  </p:stCondLst>
+                                  <p:childTnLst>
+                                    <p:set>
+                                      <p:cBhvr>
+                                        <p:cTn id="20" dur="1" fill="hold">
+                                          <p:stCondLst>
+                                            <p:cond delay="0"/>
+                                          </p:stCondLst>
+                                        </p:cTn>
+                                        <p:tgtEl>
+                                          <p:spTgt spid="11"/>
+                                        </p:tgtEl>
+                                        <p:attrNameLst>
+                                          <p:attrName>style.visibility</p:attrName>
+                                        </p:attrNameLst>
+                                      </p:cBhvr>
+                                      <p:to>
+                                        <p:strVal val="visible"/>
+                                      </p:to>
+                                    </p:set>
+                                  </p:childTnLst>
+                                </p:cTn>
+                              </p:par>
+                            </p:childTnLst>
+                          </p:cTn>
+                        </p:par>
+                      </p:childTnLst>
+                    </p:cTn>
+                  </p:par>
+                  <p:par>
+                    <p:cTn id="21" fill="hold">
+                      <p:stCondLst>
+                        <p:cond delay="indefinite"/>
+                      </p:stCondLst>
+                      <p:childTnLst>
+                        <p:par>
+                          <p:cTn id="22" fill="hold">
+                            <p:stCondLst>
+                              <p:cond delay="0"/>
+                            </p:stCondLst>
+                            <p:childTnLst>
+                              <p:par>
+                                <p:cTn id="23" presetID="1" presetClass="entr" presetSubtype="0" fill="hold" grpId="0" nodeType="clickEffect">
+                                  <p:stCondLst>
+                                    <p:cond delay="0"/>
+                                  </p:stCondLst>
+                                  <p:childTnLst>
+                                    <p:set>
+                                      <p:cBhvr>
+                                        <p:cTn id="24" dur="1" fill="hold">
+                                          <p:stCondLst>
+                                            <p:cond delay="0"/>
+                                          </p:stCondLst>
+                                        </p:cTn>
+                                        <p:tgtEl>
+                                          <p:spTgt spid="6"/>
+                                        </p:tgtEl>
+                                        <p:attrNameLst>
+                                          <p:attrName>style.visibility</p:attrName>
+                                        </p:attrNameLst>
+                                      </p:cBhvr>
+                                      <p:to>
+                                        <p:strVal val="visible"/>
+                                      </p:to>
+                                    </p:set>
+                                  </p:childTnLst>
+                                </p:cTn>
+                              </p:par>
+                            </p:childTnLst>
+                          </p:cTn>
+                        </p:par>
+                      </p:childTnLst>
+                    </p:cTn>
+                  </p:par>
+                  <p:par>
+                    <p:cTn id="25" fill="hold">
+                      <p:stCondLst>
+                        <p:cond delay="indefinite"/>
+                      </p:stCondLst>
+                      <p:childTnLst>
+                        <p:par>
+                          <p:cTn id="26" fill="hold">
+                            <p:stCondLst>
+                              <p:cond delay="0"/>
+                            </p:stCondLst>
+                            <p:childTnLst>
+                              <p:par>
+                                <p:cTn id="27" presetID="1" presetClass="entr" presetSubtype="0" fill="hold" grpId="0" nodeType="clickEffect">
+                                  <p:stCondLst>
+                                    <p:cond delay="0"/>
+                                  </p:stCondLst>
+                                  <p:childTnLst>
+                                    <p:set>
+                                      <p:cBhvr>
+                                        <p:cTn id="28" dur="1" fill="hold">
+                                          <p:stCondLst>
+                                            <p:cond delay="0"/>
+                                          </p:stCondLst>
+                                        </p:cTn>
+                                        <p:tgtEl>
+                                          <p:spTgt spid="7"/>
+                                        </p:tgtEl>
+                                        <p:attrNameLst>
+                                          <p:attrName>style.visibility</p:attrName>
+                                        </p:attrNameLst>
+                                      </p:cBhvr>
+                                      <p:to>
+                                        <p:strVal val="visible"/>
+                                      </p:to>
+                                    </p:set>
+                                  </p:childTnLst>
+                                </p:cTn>
+                              </p:par>
+                            </p:childTnLst>
+                          </p:cTn>
+                        </p:par>
+                      </p:childTnLst>
+                    </p:cTn>
+                  </p:par>
+                </p:childTnLst>
+              </p:cTn>
+              <p:prevCondLst>
+                <p:cond evt="onPrev" delay="0">
+                  <p:tgtEl>
+                    <p:sldTgt/>
+                  </p:tgtEl>
+                </p:cond>
+              </p:prevCondLst>
+              <p:nextCondLst>
+                <p:cond evt="onNext" delay="0">
+                  <p:tgtEl>
+                    <p:sldTgt/>
+                  </p:tgtEl>
+                </p:cond>
+              </p:nextCondLst>
+            </p:seq>
+          </p:childTnLst>
+        </p:cTn>
       </p:par>
     </p:tnLst>
+    <p:bldLst>
+      <p:bldP spid="4" grpId="0"/>
+      <p:bldP spid="6" grpId="0"/>
+      <p:bldP spid="7" grpId="0"/>
+      <p:bldP spid="11" grpId="0"/>
+    </p:bldLst>
   </p:timing>
 </p:sld>
 </file>
@@ -3429,230 +3894,13 @@
               </a:rPr>
               <a:t>Precision and Recall combine Ranking.</a:t>
             </a:r>
-            <a:endParaRPr lang="en-US" sz="4000" b="1" dirty="0">
-              <a:solidFill>
-                <a:srgbClr val="7030A0"/>
-              </a:solidFill>
-              <a:latin typeface="Times New Roman" panose="02020603050405020304" pitchFamily="18" charset="0"/>
-              <a:cs typeface="Times New Roman" panose="02020603050405020304" pitchFamily="18" charset="0"/>
-            </a:endParaRPr>
-          </a:p>
-        </p:txBody>
-      </p:sp>
-      <p:pic>
-        <p:nvPicPr>
-          <p:cNvPr id="2" name="Picture 1"/>
-          <p:cNvPicPr>
-            <a:picLocks noChangeAspect="1"/>
-          </p:cNvPicPr>
-          <p:nvPr/>
-        </p:nvPicPr>
-        <p:blipFill>
-          <a:blip r:embed="rId2">
-            <a:extLst>
-              <a:ext uri="{28A0092B-C50C-407E-A947-70E740481C1C}">
-                <a14:useLocalDpi xmlns:a14="http://schemas.microsoft.com/office/drawing/2010/main" val="0"/>
-              </a:ext>
-            </a:extLst>
-          </a:blip>
-          <a:stretch>
-            <a:fillRect/>
-          </a:stretch>
-        </p:blipFill>
-        <p:spPr>
-          <a:xfrm>
-            <a:off x="996949" y="893762"/>
-            <a:ext cx="11230679" cy="4808538"/>
-          </a:xfrm>
-          <a:prstGeom prst="rect">
-            <a:avLst/>
-          </a:prstGeom>
-        </p:spPr>
-      </p:pic>
-      <p:sp>
-        <p:nvSpPr>
-          <p:cNvPr id="7" name="TextBox 6"/>
-          <p:cNvSpPr txBox="1"/>
-          <p:nvPr/>
-        </p:nvSpPr>
-        <p:spPr>
-          <a:xfrm>
-            <a:off x="184148" y="2127314"/>
-            <a:ext cx="1377952" cy="4093428"/>
-          </a:xfrm>
-          <a:prstGeom prst="rect">
-            <a:avLst/>
-          </a:prstGeom>
-          <a:noFill/>
-        </p:spPr>
-        <p:txBody>
-          <a:bodyPr wrap="square" rtlCol="0">
-            <a:spAutoFit/>
-          </a:bodyPr>
-          <a:lstStyle/>
-          <a:p>
-            <a:r>
-              <a:rPr lang="en-US" sz="2000" dirty="0" smtClean="0">
-                <a:latin typeface="Times New Roman" panose="02020603050405020304" pitchFamily="18" charset="0"/>
-                <a:cs typeface="Times New Roman" panose="02020603050405020304" pitchFamily="18" charset="0"/>
-              </a:rPr>
-              <a:t>Ranking 2</a:t>
-            </a:r>
-          </a:p>
-          <a:p>
-            <a:r>
-              <a:rPr lang="en-US" sz="2000" dirty="0" smtClean="0">
-                <a:latin typeface="Times New Roman" panose="02020603050405020304" pitchFamily="18" charset="0"/>
-                <a:cs typeface="Times New Roman" panose="02020603050405020304" pitchFamily="18" charset="0"/>
-              </a:rPr>
-              <a:t>Recall </a:t>
-            </a:r>
-          </a:p>
-          <a:p>
-            <a:r>
-              <a:rPr lang="en-US" sz="2000" dirty="0" smtClean="0">
-                <a:latin typeface="Times New Roman" panose="02020603050405020304" pitchFamily="18" charset="0"/>
-                <a:cs typeface="Times New Roman" panose="02020603050405020304" pitchFamily="18" charset="0"/>
-              </a:rPr>
-              <a:t>0     0.5</a:t>
-            </a:r>
-          </a:p>
-          <a:p>
-            <a:r>
-              <a:rPr lang="en-US" sz="2000" dirty="0" smtClean="0">
-                <a:latin typeface="Times New Roman" panose="02020603050405020304" pitchFamily="18" charset="0"/>
-                <a:cs typeface="Times New Roman" panose="02020603050405020304" pitchFamily="18" charset="0"/>
-              </a:rPr>
-              <a:t>0.1  0.5</a:t>
-            </a:r>
-          </a:p>
-          <a:p>
-            <a:r>
-              <a:rPr lang="en-US" sz="2000" dirty="0" smtClean="0">
-                <a:latin typeface="Times New Roman" panose="02020603050405020304" pitchFamily="18" charset="0"/>
-                <a:cs typeface="Times New Roman" panose="02020603050405020304" pitchFamily="18" charset="0"/>
-              </a:rPr>
-              <a:t>0.2  0.5</a:t>
-            </a:r>
-          </a:p>
-          <a:p>
-            <a:r>
-              <a:rPr lang="en-US" sz="2000" dirty="0" smtClean="0">
-                <a:latin typeface="Times New Roman" panose="02020603050405020304" pitchFamily="18" charset="0"/>
-                <a:cs typeface="Times New Roman" panose="02020603050405020304" pitchFamily="18" charset="0"/>
-              </a:rPr>
-              <a:t>0.3  0.5</a:t>
-            </a:r>
-          </a:p>
-          <a:p>
-            <a:r>
-              <a:rPr lang="en-US" sz="2000" dirty="0" smtClean="0">
-                <a:latin typeface="Times New Roman" panose="02020603050405020304" pitchFamily="18" charset="0"/>
-                <a:cs typeface="Times New Roman" panose="02020603050405020304" pitchFamily="18" charset="0"/>
-              </a:rPr>
-              <a:t>0.4  0.5</a:t>
-            </a:r>
-          </a:p>
-          <a:p>
-            <a:r>
-              <a:rPr lang="en-US" sz="2000" dirty="0" smtClean="0">
-                <a:latin typeface="Times New Roman" panose="02020603050405020304" pitchFamily="18" charset="0"/>
-                <a:cs typeface="Times New Roman" panose="02020603050405020304" pitchFamily="18" charset="0"/>
-              </a:rPr>
-              <a:t>0.5  0.5</a:t>
-            </a:r>
-          </a:p>
-          <a:p>
-            <a:r>
-              <a:rPr lang="en-US" sz="2000" dirty="0" smtClean="0">
-                <a:latin typeface="Times New Roman" panose="02020603050405020304" pitchFamily="18" charset="0"/>
-                <a:cs typeface="Times New Roman" panose="02020603050405020304" pitchFamily="18" charset="0"/>
-              </a:rPr>
-              <a:t>0.6  0.5</a:t>
-            </a:r>
-          </a:p>
-          <a:p>
-            <a:r>
-              <a:rPr lang="en-US" sz="2000" dirty="0" smtClean="0">
-                <a:latin typeface="Times New Roman" panose="02020603050405020304" pitchFamily="18" charset="0"/>
-                <a:cs typeface="Times New Roman" panose="02020603050405020304" pitchFamily="18" charset="0"/>
-              </a:rPr>
-              <a:t>0.7  0.5</a:t>
-            </a:r>
-          </a:p>
-          <a:p>
-            <a:r>
-              <a:rPr lang="en-US" sz="2000" dirty="0" smtClean="0">
-                <a:latin typeface="Times New Roman" panose="02020603050405020304" pitchFamily="18" charset="0"/>
-                <a:cs typeface="Times New Roman" panose="02020603050405020304" pitchFamily="18" charset="0"/>
-              </a:rPr>
-              <a:t>0.8  0.5</a:t>
-            </a:r>
-          </a:p>
-          <a:p>
-            <a:r>
-              <a:rPr lang="en-US" sz="2000" dirty="0" smtClean="0">
-                <a:latin typeface="Times New Roman" panose="02020603050405020304" pitchFamily="18" charset="0"/>
-                <a:cs typeface="Times New Roman" panose="02020603050405020304" pitchFamily="18" charset="0"/>
-              </a:rPr>
-              <a:t>0.9  0.5</a:t>
-            </a:r>
-          </a:p>
-          <a:p>
-            <a:r>
-              <a:rPr lang="en-US" sz="2000" dirty="0" smtClean="0">
-                <a:latin typeface="Times New Roman" panose="02020603050405020304" pitchFamily="18" charset="0"/>
-                <a:cs typeface="Times New Roman" panose="02020603050405020304" pitchFamily="18" charset="0"/>
-              </a:rPr>
-              <a:t>1     0.5</a:t>
-            </a:r>
-            <a:endParaRPr lang="en-US" sz="2000" dirty="0">
-              <a:latin typeface="Times New Roman" panose="02020603050405020304" pitchFamily="18" charset="0"/>
-              <a:cs typeface="Times New Roman" panose="02020603050405020304" pitchFamily="18" charset="0"/>
-            </a:endParaRPr>
-          </a:p>
-        </p:txBody>
-      </p:sp>
-      <p:sp>
-        <p:nvSpPr>
-          <p:cNvPr id="8" name="TextBox 7"/>
-          <p:cNvSpPr txBox="1"/>
-          <p:nvPr/>
-        </p:nvSpPr>
-        <p:spPr>
-          <a:xfrm>
-            <a:off x="1403348" y="5477301"/>
-            <a:ext cx="6838951" cy="461665"/>
-          </a:xfrm>
-          <a:prstGeom prst="rect">
-            <a:avLst/>
-          </a:prstGeom>
-          <a:noFill/>
-        </p:spPr>
-        <p:txBody>
-          <a:bodyPr wrap="square" rtlCol="0">
-            <a:spAutoFit/>
-          </a:bodyPr>
-          <a:lstStyle/>
-          <a:p>
-            <a:r>
-              <a:rPr lang="en-US" sz="2400" dirty="0" smtClean="0">
-                <a:latin typeface="Times New Roman" panose="02020603050405020304" pitchFamily="18" charset="0"/>
-                <a:cs typeface="Times New Roman" panose="02020603050405020304" pitchFamily="18" charset="0"/>
-              </a:rPr>
-              <a:t>Interpolated avg pre = (0.5 x 11) / 11 = 0.5</a:t>
-            </a:r>
-            <a:endParaRPr lang="en-US" sz="2400" dirty="0">
-              <a:latin typeface="Times New Roman" panose="02020603050405020304" pitchFamily="18" charset="0"/>
-              <a:cs typeface="Times New Roman" panose="02020603050405020304" pitchFamily="18" charset="0"/>
-            </a:endParaRPr>
           </a:p>
         </p:txBody>
       </p:sp>
     </p:spTree>
     <p:extLst>
       <p:ext uri="{BB962C8B-B14F-4D97-AF65-F5344CB8AC3E}">
-        <p14:creationId xmlns:p14="http://schemas.microsoft.com/office/powerpoint/2010/main" val="888126569"/>
+        <p14:creationId xmlns:p14="http://schemas.microsoft.com/office/powerpoint/2010/main" val="3087040448"/>
       </p:ext>
     </p:extLst>
   </p:cSld>
@@ -3662,179 +3910,9 @@
   <p:timing>
     <p:tnLst>
       <p:par>
-        <p:cTn id="1" dur="indefinite" restart="never" nodeType="tmRoot">
-          <p:childTnLst>
-            <p:seq concurrent="1" nextAc="seek">
-              <p:cTn id="2" dur="indefinite" nodeType="mainSeq">
-                <p:childTnLst>
-                  <p:par>
-                    <p:cTn id="3" fill="hold">
-                      <p:stCondLst>
-                        <p:cond delay="indefinite"/>
-                      </p:stCondLst>
-                      <p:childTnLst>
-                        <p:par>
-                          <p:cTn id="4" fill="hold">
-                            <p:stCondLst>
-                              <p:cond delay="0"/>
-                            </p:stCondLst>
-                            <p:childTnLst>
-                              <p:par>
-                                <p:cTn id="5" presetID="10" presetClass="entr" presetSubtype="0" fill="hold" nodeType="clickEffect">
-                                  <p:stCondLst>
-                                    <p:cond delay="0"/>
-                                  </p:stCondLst>
-                                  <p:childTnLst>
-                                    <p:set>
-                                      <p:cBhvr>
-                                        <p:cTn id="6" dur="1" fill="hold">
-                                          <p:stCondLst>
-                                            <p:cond delay="0"/>
-                                          </p:stCondLst>
-                                        </p:cTn>
-                                        <p:tgtEl>
-                                          <p:spTgt spid="2"/>
-                                        </p:tgtEl>
-                                        <p:attrNameLst>
-                                          <p:attrName>style.visibility</p:attrName>
-                                        </p:attrNameLst>
-                                      </p:cBhvr>
-                                      <p:to>
-                                        <p:strVal val="visible"/>
-                                      </p:to>
-                                    </p:set>
-                                    <p:animEffect transition="in" filter="fade">
-                                      <p:cBhvr>
-                                        <p:cTn id="7" dur="500"/>
-                                        <p:tgtEl>
-                                          <p:spTgt spid="2"/>
-                                        </p:tgtEl>
-                                      </p:cBhvr>
-                                    </p:animEffect>
-                                  </p:childTnLst>
-                                </p:cTn>
-                              </p:par>
-                            </p:childTnLst>
-                          </p:cTn>
-                        </p:par>
-                      </p:childTnLst>
-                    </p:cTn>
-                  </p:par>
-                  <p:par>
-                    <p:cTn id="8" fill="hold">
-                      <p:stCondLst>
-                        <p:cond delay="indefinite"/>
-                      </p:stCondLst>
-                      <p:childTnLst>
-                        <p:par>
-                          <p:cTn id="9" fill="hold">
-                            <p:stCondLst>
-                              <p:cond delay="0"/>
-                            </p:stCondLst>
-                            <p:childTnLst>
-                              <p:par>
-                                <p:cTn id="10" presetID="1" presetClass="entr" presetSubtype="0" fill="hold" grpId="0" nodeType="clickEffect">
-                                  <p:stCondLst>
-                                    <p:cond delay="0"/>
-                                  </p:stCondLst>
-                                  <p:childTnLst>
-                                    <p:set>
-                                      <p:cBhvr>
-                                        <p:cTn id="11" dur="1" fill="hold">
-                                          <p:stCondLst>
-                                            <p:cond delay="0"/>
-                                          </p:stCondLst>
-                                        </p:cTn>
-                                        <p:tgtEl>
-                                          <p:spTgt spid="7"/>
-                                        </p:tgtEl>
-                                        <p:attrNameLst>
-                                          <p:attrName>style.visibility</p:attrName>
-                                        </p:attrNameLst>
-                                      </p:cBhvr>
-                                      <p:to>
-                                        <p:strVal val="visible"/>
-                                      </p:to>
-                                    </p:set>
-                                  </p:childTnLst>
-                                </p:cTn>
-                              </p:par>
-                            </p:childTnLst>
-                          </p:cTn>
-                        </p:par>
-                      </p:childTnLst>
-                    </p:cTn>
-                  </p:par>
-                  <p:par>
-                    <p:cTn id="12" fill="hold">
-                      <p:stCondLst>
-                        <p:cond delay="indefinite"/>
-                      </p:stCondLst>
-                      <p:childTnLst>
-                        <p:par>
-                          <p:cTn id="13" fill="hold">
-                            <p:stCondLst>
-                              <p:cond delay="0"/>
-                            </p:stCondLst>
-                            <p:childTnLst>
-                              <p:par>
-                                <p:cTn id="14" presetID="1" presetClass="entr" presetSubtype="0" fill="hold" grpId="0" nodeType="clickEffect">
-                                  <p:stCondLst>
-                                    <p:cond delay="0"/>
-                                  </p:stCondLst>
-                                  <p:childTnLst>
-                                    <p:set>
-                                      <p:cBhvr>
-                                        <p:cTn id="15" dur="1" fill="hold">
-                                          <p:stCondLst>
-                                            <p:cond delay="0"/>
-                                          </p:stCondLst>
-                                        </p:cTn>
-                                        <p:tgtEl>
-                                          <p:spTgt spid="8"/>
-                                        </p:tgtEl>
-                                        <p:attrNameLst>
-                                          <p:attrName>style.visibility</p:attrName>
-                                        </p:attrNameLst>
-                                      </p:cBhvr>
-                                      <p:to>
-                                        <p:strVal val="visible"/>
-                                      </p:to>
-                                    </p:set>
-                                  </p:childTnLst>
-                                </p:cTn>
-                              </p:par>
-                            </p:childTnLst>
-                          </p:cTn>
-                        </p:par>
-                      </p:childTnLst>
-                    </p:cTn>
-                  </p:par>
-                </p:childTnLst>
-              </p:cTn>
-              <p:prevCondLst>
-                <p:cond evt="onPrev" delay="0">
-                  <p:tgtEl>
-                    <p:sldTgt/>
-                  </p:tgtEl>
-                </p:cond>
-              </p:prevCondLst>
-              <p:nextCondLst>
-                <p:cond evt="onNext" delay="0">
-                  <p:tgtEl>
-                    <p:sldTgt/>
-                  </p:tgtEl>
-                </p:cond>
-              </p:nextCondLst>
-            </p:seq>
-          </p:childTnLst>
-        </p:cTn>
+        <p:cTn id="1" dur="indefinite" restart="never" nodeType="tmRoot"/>
       </p:par>
     </p:tnLst>
-    <p:bldLst>
-      <p:bldP spid="7" grpId="0"/>
-      <p:bldP spid="8" grpId="0"/>
-    </p:bldLst>
   </p:timing>
 </p:sld>
 </file>
@@ -3898,7 +3976,7 @@
           </a:lstStyle>
           <a:p>
             <a:r>
-              <a:rPr lang="en-US" sz="4000" b="1" dirty="0" smtClean="0">
+              <a:rPr lang="en-US" sz="4000" b="1" dirty="0">
                 <a:solidFill>
                   <a:srgbClr val="7030A0"/>
                 </a:solidFill>
@@ -3907,13 +3985,354 @@
               </a:rPr>
               <a:t>Precision and Recall combine Ranking.</a:t>
             </a:r>
-            <a:endParaRPr lang="en-US" sz="4000" b="1" dirty="0">
-              <a:solidFill>
-                <a:srgbClr val="7030A0"/>
-              </a:solidFill>
+          </a:p>
+        </p:txBody>
+      </p:sp>
+      <p:sp>
+        <p:nvSpPr>
+          <p:cNvPr id="7" name="TextBox 6"/>
+          <p:cNvSpPr txBox="1"/>
+          <p:nvPr/>
+        </p:nvSpPr>
+        <p:spPr>
+          <a:xfrm>
+            <a:off x="184148" y="2127314"/>
+            <a:ext cx="1377952" cy="4093428"/>
+          </a:xfrm>
+          <a:prstGeom prst="rect">
+            <a:avLst/>
+          </a:prstGeom>
+          <a:noFill/>
+        </p:spPr>
+        <p:txBody>
+          <a:bodyPr wrap="square" rtlCol="0">
+            <a:spAutoFit/>
+          </a:bodyPr>
+          <a:lstStyle/>
+          <a:p>
+            <a:r>
+              <a:rPr lang="en-US" sz="2000" dirty="0" smtClean="0">
+                <a:latin typeface="Times New Roman" panose="02020603050405020304" pitchFamily="18" charset="0"/>
+                <a:cs typeface="Times New Roman" panose="02020603050405020304" pitchFamily="18" charset="0"/>
+              </a:rPr>
+              <a:t>Ranking 2</a:t>
+            </a:r>
+          </a:p>
+          <a:p>
+            <a:r>
+              <a:rPr lang="en-US" sz="2000" dirty="0" smtClean="0">
+                <a:latin typeface="Times New Roman" panose="02020603050405020304" pitchFamily="18" charset="0"/>
+                <a:cs typeface="Times New Roman" panose="02020603050405020304" pitchFamily="18" charset="0"/>
+              </a:rPr>
+              <a:t>Recall </a:t>
+            </a:r>
+          </a:p>
+          <a:p>
+            <a:r>
+              <a:rPr lang="en-US" sz="2000" dirty="0" smtClean="0">
+                <a:latin typeface="Times New Roman" panose="02020603050405020304" pitchFamily="18" charset="0"/>
+                <a:cs typeface="Times New Roman" panose="02020603050405020304" pitchFamily="18" charset="0"/>
+              </a:rPr>
+              <a:t>0     0.5</a:t>
+            </a:r>
+          </a:p>
+          <a:p>
+            <a:r>
+              <a:rPr lang="en-US" sz="2000" dirty="0" smtClean="0">
+                <a:latin typeface="Times New Roman" panose="02020603050405020304" pitchFamily="18" charset="0"/>
+                <a:cs typeface="Times New Roman" panose="02020603050405020304" pitchFamily="18" charset="0"/>
+              </a:rPr>
+              <a:t>0.1  0.5</a:t>
+            </a:r>
+          </a:p>
+          <a:p>
+            <a:r>
+              <a:rPr lang="en-US" sz="2000" dirty="0" smtClean="0">
+                <a:latin typeface="Times New Roman" panose="02020603050405020304" pitchFamily="18" charset="0"/>
+                <a:cs typeface="Times New Roman" panose="02020603050405020304" pitchFamily="18" charset="0"/>
+              </a:rPr>
+              <a:t>0.2  0.5</a:t>
+            </a:r>
+          </a:p>
+          <a:p>
+            <a:r>
+              <a:rPr lang="en-US" sz="2000" dirty="0" smtClean="0">
+                <a:latin typeface="Times New Roman" panose="02020603050405020304" pitchFamily="18" charset="0"/>
+                <a:cs typeface="Times New Roman" panose="02020603050405020304" pitchFamily="18" charset="0"/>
+              </a:rPr>
+              <a:t>0.3  0.5</a:t>
+            </a:r>
+          </a:p>
+          <a:p>
+            <a:r>
+              <a:rPr lang="en-US" sz="2000" dirty="0" smtClean="0">
+                <a:latin typeface="Times New Roman" panose="02020603050405020304" pitchFamily="18" charset="0"/>
+                <a:cs typeface="Times New Roman" panose="02020603050405020304" pitchFamily="18" charset="0"/>
+              </a:rPr>
+              <a:t>0.4  0.5</a:t>
+            </a:r>
+          </a:p>
+          <a:p>
+            <a:r>
+              <a:rPr lang="en-US" sz="2000" dirty="0" smtClean="0">
+                <a:latin typeface="Times New Roman" panose="02020603050405020304" pitchFamily="18" charset="0"/>
+                <a:cs typeface="Times New Roman" panose="02020603050405020304" pitchFamily="18" charset="0"/>
+              </a:rPr>
+              <a:t>0.5  0.5</a:t>
+            </a:r>
+          </a:p>
+          <a:p>
+            <a:r>
+              <a:rPr lang="en-US" sz="2000" dirty="0" smtClean="0">
+                <a:latin typeface="Times New Roman" panose="02020603050405020304" pitchFamily="18" charset="0"/>
+                <a:cs typeface="Times New Roman" panose="02020603050405020304" pitchFamily="18" charset="0"/>
+              </a:rPr>
+              <a:t>0.6  0.5</a:t>
+            </a:r>
+          </a:p>
+          <a:p>
+            <a:r>
+              <a:rPr lang="en-US" sz="2000" dirty="0" smtClean="0">
+                <a:latin typeface="Times New Roman" panose="02020603050405020304" pitchFamily="18" charset="0"/>
+                <a:cs typeface="Times New Roman" panose="02020603050405020304" pitchFamily="18" charset="0"/>
+              </a:rPr>
+              <a:t>0.7  0.5</a:t>
+            </a:r>
+          </a:p>
+          <a:p>
+            <a:r>
+              <a:rPr lang="en-US" sz="2000" dirty="0" smtClean="0">
+                <a:latin typeface="Times New Roman" panose="02020603050405020304" pitchFamily="18" charset="0"/>
+                <a:cs typeface="Times New Roman" panose="02020603050405020304" pitchFamily="18" charset="0"/>
+              </a:rPr>
+              <a:t>0.8  0.5</a:t>
+            </a:r>
+          </a:p>
+          <a:p>
+            <a:r>
+              <a:rPr lang="en-US" sz="2000" dirty="0" smtClean="0">
+                <a:latin typeface="Times New Roman" panose="02020603050405020304" pitchFamily="18" charset="0"/>
+                <a:cs typeface="Times New Roman" panose="02020603050405020304" pitchFamily="18" charset="0"/>
+              </a:rPr>
+              <a:t>0.9  0.5</a:t>
+            </a:r>
+          </a:p>
+          <a:p>
+            <a:r>
+              <a:rPr lang="en-US" sz="2000" dirty="0" smtClean="0">
+                <a:latin typeface="Times New Roman" panose="02020603050405020304" pitchFamily="18" charset="0"/>
+                <a:cs typeface="Times New Roman" panose="02020603050405020304" pitchFamily="18" charset="0"/>
+              </a:rPr>
+              <a:t>1     0.5</a:t>
+            </a:r>
+            <a:endParaRPr lang="en-US" sz="2000" dirty="0">
               <a:latin typeface="Times New Roman" panose="02020603050405020304" pitchFamily="18" charset="0"/>
               <a:cs typeface="Times New Roman" panose="02020603050405020304" pitchFamily="18" charset="0"/>
             </a:endParaRPr>
+          </a:p>
+        </p:txBody>
+      </p:sp>
+      <p:sp>
+        <p:nvSpPr>
+          <p:cNvPr id="8" name="TextBox 7"/>
+          <p:cNvSpPr txBox="1"/>
+          <p:nvPr/>
+        </p:nvSpPr>
+        <p:spPr>
+          <a:xfrm>
+            <a:off x="4070349" y="5431850"/>
+            <a:ext cx="5429252" cy="461665"/>
+          </a:xfrm>
+          <a:prstGeom prst="rect">
+            <a:avLst/>
+          </a:prstGeom>
+          <a:noFill/>
+        </p:spPr>
+        <p:txBody>
+          <a:bodyPr wrap="square" rtlCol="0">
+            <a:spAutoFit/>
+          </a:bodyPr>
+          <a:lstStyle/>
+          <a:p>
+            <a:r>
+              <a:rPr lang="en-US" sz="2400" dirty="0" smtClean="0">
+                <a:latin typeface="Times New Roman" panose="02020603050405020304" pitchFamily="18" charset="0"/>
+                <a:cs typeface="Times New Roman" panose="02020603050405020304" pitchFamily="18" charset="0"/>
+              </a:rPr>
+              <a:t>Interpolated avg pre = (0.5 x 11) / 11 = 0.5</a:t>
+            </a:r>
+            <a:endParaRPr lang="en-US" sz="2400" dirty="0">
+              <a:latin typeface="Times New Roman" panose="02020603050405020304" pitchFamily="18" charset="0"/>
+              <a:cs typeface="Times New Roman" panose="02020603050405020304" pitchFamily="18" charset="0"/>
+            </a:endParaRPr>
+          </a:p>
+        </p:txBody>
+      </p:sp>
+      <p:sp>
+        <p:nvSpPr>
+          <p:cNvPr id="3" name="TextBox 2"/>
+          <p:cNvSpPr txBox="1"/>
+          <p:nvPr/>
+        </p:nvSpPr>
+        <p:spPr>
+          <a:xfrm>
+            <a:off x="1257300" y="5895188"/>
+            <a:ext cx="869948" cy="646331"/>
+          </a:xfrm>
+          <a:prstGeom prst="rect">
+            <a:avLst/>
+          </a:prstGeom>
+          <a:noFill/>
+        </p:spPr>
+        <p:txBody>
+          <a:bodyPr wrap="square" rtlCol="0">
+            <a:spAutoFit/>
+          </a:bodyPr>
+          <a:lstStyle/>
+          <a:p>
+            <a:r>
+              <a:rPr lang="en-US" dirty="0" smtClean="0"/>
+              <a:t>1/6 =0.167</a:t>
+            </a:r>
+            <a:endParaRPr lang="en-US" dirty="0"/>
+          </a:p>
+        </p:txBody>
+      </p:sp>
+      <p:sp>
+        <p:nvSpPr>
+          <p:cNvPr id="9" name="TextBox 8"/>
+          <p:cNvSpPr txBox="1"/>
+          <p:nvPr/>
+        </p:nvSpPr>
+        <p:spPr>
+          <a:xfrm>
+            <a:off x="2127248" y="5895188"/>
+            <a:ext cx="723900" cy="646331"/>
+          </a:xfrm>
+          <a:prstGeom prst="rect">
+            <a:avLst/>
+          </a:prstGeom>
+          <a:noFill/>
+        </p:spPr>
+        <p:txBody>
+          <a:bodyPr wrap="square" rtlCol="0">
+            <a:spAutoFit/>
+          </a:bodyPr>
+          <a:lstStyle/>
+          <a:p>
+            <a:r>
+              <a:rPr lang="en-US" dirty="0" smtClean="0"/>
+              <a:t>2/7 =</a:t>
+            </a:r>
+          </a:p>
+          <a:p>
+            <a:r>
+              <a:rPr lang="en-US" dirty="0" smtClean="0"/>
+              <a:t>0.28</a:t>
+            </a:r>
+            <a:endParaRPr lang="en-US" dirty="0"/>
+          </a:p>
+        </p:txBody>
+      </p:sp>
+      <p:sp>
+        <p:nvSpPr>
+          <p:cNvPr id="10" name="TextBox 9"/>
+          <p:cNvSpPr txBox="1"/>
+          <p:nvPr/>
+        </p:nvSpPr>
+        <p:spPr>
+          <a:xfrm>
+            <a:off x="2851148" y="5895188"/>
+            <a:ext cx="723900" cy="646331"/>
+          </a:xfrm>
+          <a:prstGeom prst="rect">
+            <a:avLst/>
+          </a:prstGeom>
+          <a:noFill/>
+        </p:spPr>
+        <p:txBody>
+          <a:bodyPr wrap="square" rtlCol="0">
+            <a:spAutoFit/>
+          </a:bodyPr>
+          <a:lstStyle/>
+          <a:p>
+            <a:r>
+              <a:rPr lang="en-US" dirty="0" smtClean="0"/>
+              <a:t>3/8 =</a:t>
+            </a:r>
+          </a:p>
+          <a:p>
+            <a:r>
+              <a:rPr lang="en-US" dirty="0" smtClean="0"/>
+              <a:t>0.375</a:t>
+            </a:r>
+            <a:endParaRPr lang="en-US" dirty="0"/>
+          </a:p>
+        </p:txBody>
+      </p:sp>
+      <p:sp>
+        <p:nvSpPr>
+          <p:cNvPr id="11" name="TextBox 10"/>
+          <p:cNvSpPr txBox="1"/>
+          <p:nvPr/>
+        </p:nvSpPr>
+        <p:spPr>
+          <a:xfrm>
+            <a:off x="3708398" y="5895188"/>
+            <a:ext cx="723900" cy="646331"/>
+          </a:xfrm>
+          <a:prstGeom prst="rect">
+            <a:avLst/>
+          </a:prstGeom>
+          <a:noFill/>
+        </p:spPr>
+        <p:txBody>
+          <a:bodyPr wrap="square" rtlCol="0">
+            <a:spAutoFit/>
+          </a:bodyPr>
+          <a:lstStyle/>
+          <a:p>
+            <a:r>
+              <a:rPr lang="en-US" dirty="0" smtClean="0"/>
+              <a:t>4/9 =</a:t>
+            </a:r>
+          </a:p>
+          <a:p>
+            <a:r>
+              <a:rPr lang="en-US" dirty="0" smtClean="0"/>
+              <a:t>0.44</a:t>
+            </a:r>
+            <a:endParaRPr lang="en-US" dirty="0"/>
+          </a:p>
+        </p:txBody>
+      </p:sp>
+      <p:sp>
+        <p:nvSpPr>
+          <p:cNvPr id="12" name="TextBox 11"/>
+          <p:cNvSpPr txBox="1"/>
+          <p:nvPr/>
+        </p:nvSpPr>
+        <p:spPr>
+          <a:xfrm>
+            <a:off x="4565648" y="5891841"/>
+            <a:ext cx="723900" cy="646331"/>
+          </a:xfrm>
+          <a:prstGeom prst="rect">
+            <a:avLst/>
+          </a:prstGeom>
+          <a:noFill/>
+        </p:spPr>
+        <p:txBody>
+          <a:bodyPr wrap="square" rtlCol="0">
+            <a:spAutoFit/>
+          </a:bodyPr>
+          <a:lstStyle/>
+          <a:p>
+            <a:r>
+              <a:rPr lang="en-US" dirty="0" smtClean="0"/>
+              <a:t>5/10 = 0.5</a:t>
+            </a:r>
+            <a:endParaRPr lang="en-US" dirty="0"/>
           </a:p>
         </p:txBody>
       </p:sp>
@@ -3939,249 +4358,18 @@
         </p:blipFill>
         <p:spPr>
           <a:xfrm>
-            <a:off x="6835774" y="1023536"/>
-            <a:ext cx="5210175" cy="4248150"/>
+            <a:off x="1562100" y="960052"/>
+            <a:ext cx="10444005" cy="4473471"/>
           </a:xfrm>
           <a:prstGeom prst="rect">
             <a:avLst/>
           </a:prstGeom>
         </p:spPr>
       </p:pic>
-      <p:pic>
-        <p:nvPicPr>
-          <p:cNvPr id="6" name="Picture 5"/>
-          <p:cNvPicPr>
-            <a:picLocks noChangeAspect="1"/>
-          </p:cNvPicPr>
-          <p:nvPr/>
-        </p:nvPicPr>
-        <p:blipFill>
-          <a:blip r:embed="rId3">
-            <a:extLst>
-              <a:ext uri="{28A0092B-C50C-407E-A947-70E740481C1C}">
-                <a14:useLocalDpi xmlns:a14="http://schemas.microsoft.com/office/drawing/2010/main" val="0"/>
-              </a:ext>
-            </a:extLst>
-          </a:blip>
-          <a:stretch>
-            <a:fillRect/>
-          </a:stretch>
-        </p:blipFill>
-        <p:spPr>
-          <a:xfrm>
-            <a:off x="1758949" y="1014011"/>
-            <a:ext cx="5076825" cy="4257675"/>
-          </a:xfrm>
-          <a:prstGeom prst="rect">
-            <a:avLst/>
-          </a:prstGeom>
-        </p:spPr>
-      </p:pic>
-      <p:sp>
-        <p:nvSpPr>
-          <p:cNvPr id="7" name="TextBox 6"/>
-          <p:cNvSpPr txBox="1"/>
-          <p:nvPr/>
-        </p:nvSpPr>
-        <p:spPr>
-          <a:xfrm>
-            <a:off x="184148" y="1224388"/>
-            <a:ext cx="1428750" cy="4093428"/>
-          </a:xfrm>
-          <a:prstGeom prst="rect">
-            <a:avLst/>
-          </a:prstGeom>
-          <a:noFill/>
-        </p:spPr>
-        <p:txBody>
-          <a:bodyPr wrap="square" rtlCol="0">
-            <a:spAutoFit/>
-          </a:bodyPr>
-          <a:lstStyle/>
-          <a:p>
-            <a:r>
-              <a:rPr lang="en-US" sz="2000" dirty="0" smtClean="0">
-                <a:latin typeface="Times New Roman" panose="02020603050405020304" pitchFamily="18" charset="0"/>
-                <a:cs typeface="Times New Roman" panose="02020603050405020304" pitchFamily="18" charset="0"/>
-              </a:rPr>
-              <a:t>Ranking 3</a:t>
-            </a:r>
-          </a:p>
-          <a:p>
-            <a:r>
-              <a:rPr lang="en-US" sz="2000" dirty="0" smtClean="0">
-                <a:latin typeface="Times New Roman" panose="02020603050405020304" pitchFamily="18" charset="0"/>
-                <a:cs typeface="Times New Roman" panose="02020603050405020304" pitchFamily="18" charset="0"/>
-              </a:rPr>
-              <a:t>Recall </a:t>
-            </a:r>
-          </a:p>
-          <a:p>
-            <a:r>
-              <a:rPr lang="en-US" sz="2000" dirty="0" smtClean="0">
-                <a:latin typeface="Times New Roman" panose="02020603050405020304" pitchFamily="18" charset="0"/>
-                <a:cs typeface="Times New Roman" panose="02020603050405020304" pitchFamily="18" charset="0"/>
-              </a:rPr>
-              <a:t>0        2/3</a:t>
-            </a:r>
-          </a:p>
-          <a:p>
-            <a:r>
-              <a:rPr lang="en-US" sz="2000" dirty="0" smtClean="0">
-                <a:latin typeface="Times New Roman" panose="02020603050405020304" pitchFamily="18" charset="0"/>
-                <a:cs typeface="Times New Roman" panose="02020603050405020304" pitchFamily="18" charset="0"/>
-              </a:rPr>
-              <a:t>0.1     2/3</a:t>
-            </a:r>
-          </a:p>
-          <a:p>
-            <a:r>
-              <a:rPr lang="en-US" sz="2000" dirty="0" smtClean="0">
-                <a:latin typeface="Times New Roman" panose="02020603050405020304" pitchFamily="18" charset="0"/>
-                <a:cs typeface="Times New Roman" panose="02020603050405020304" pitchFamily="18" charset="0"/>
-              </a:rPr>
-              <a:t>0.2     2/3</a:t>
-            </a:r>
-          </a:p>
-          <a:p>
-            <a:r>
-              <a:rPr lang="en-US" sz="2000" dirty="0" smtClean="0">
-                <a:latin typeface="Times New Roman" panose="02020603050405020304" pitchFamily="18" charset="0"/>
-                <a:cs typeface="Times New Roman" panose="02020603050405020304" pitchFamily="18" charset="0"/>
-              </a:rPr>
-              <a:t>0.3     2/3</a:t>
-            </a:r>
-          </a:p>
-          <a:p>
-            <a:r>
-              <a:rPr lang="en-US" sz="2000" dirty="0" smtClean="0">
-                <a:latin typeface="Times New Roman" panose="02020603050405020304" pitchFamily="18" charset="0"/>
-                <a:cs typeface="Times New Roman" panose="02020603050405020304" pitchFamily="18" charset="0"/>
-              </a:rPr>
-              <a:t>0.4     </a:t>
-            </a:r>
-            <a:r>
-              <a:rPr lang="en-US" sz="2000" dirty="0">
-                <a:latin typeface="Times New Roman" panose="02020603050405020304" pitchFamily="18" charset="0"/>
-                <a:cs typeface="Times New Roman" panose="02020603050405020304" pitchFamily="18" charset="0"/>
-              </a:rPr>
-              <a:t>2</a:t>
-            </a:r>
-            <a:r>
-              <a:rPr lang="en-US" sz="2000" dirty="0" smtClean="0">
-                <a:latin typeface="Times New Roman" panose="02020603050405020304" pitchFamily="18" charset="0"/>
-                <a:cs typeface="Times New Roman" panose="02020603050405020304" pitchFamily="18" charset="0"/>
-              </a:rPr>
-              <a:t>/3</a:t>
-            </a:r>
-          </a:p>
-          <a:p>
-            <a:r>
-              <a:rPr lang="en-US" sz="2000" dirty="0" smtClean="0">
-                <a:latin typeface="Times New Roman" panose="02020603050405020304" pitchFamily="18" charset="0"/>
-                <a:cs typeface="Times New Roman" panose="02020603050405020304" pitchFamily="18" charset="0"/>
-              </a:rPr>
-              <a:t>0.5     5/8</a:t>
-            </a:r>
-          </a:p>
-          <a:p>
-            <a:r>
-              <a:rPr lang="en-US" sz="2000" dirty="0" smtClean="0">
-                <a:latin typeface="Times New Roman" panose="02020603050405020304" pitchFamily="18" charset="0"/>
-                <a:cs typeface="Times New Roman" panose="02020603050405020304" pitchFamily="18" charset="0"/>
-              </a:rPr>
-              <a:t>0.6     5/8</a:t>
-            </a:r>
-          </a:p>
-          <a:p>
-            <a:r>
-              <a:rPr lang="en-US" sz="2000" dirty="0" smtClean="0">
-                <a:latin typeface="Times New Roman" panose="02020603050405020304" pitchFamily="18" charset="0"/>
-                <a:cs typeface="Times New Roman" panose="02020603050405020304" pitchFamily="18" charset="0"/>
-              </a:rPr>
-              <a:t>0.7     5/8</a:t>
-            </a:r>
-          </a:p>
-          <a:p>
-            <a:r>
-              <a:rPr lang="en-US" sz="2000" dirty="0" smtClean="0">
-                <a:latin typeface="Times New Roman" panose="02020603050405020304" pitchFamily="18" charset="0"/>
-                <a:cs typeface="Times New Roman" panose="02020603050405020304" pitchFamily="18" charset="0"/>
-              </a:rPr>
-              <a:t>0.8     5/8</a:t>
-            </a:r>
-          </a:p>
-          <a:p>
-            <a:r>
-              <a:rPr lang="en-US" sz="2000" dirty="0" smtClean="0">
-                <a:latin typeface="Times New Roman" panose="02020603050405020304" pitchFamily="18" charset="0"/>
-                <a:cs typeface="Times New Roman" panose="02020603050405020304" pitchFamily="18" charset="0"/>
-              </a:rPr>
-              <a:t>0.9     5/8</a:t>
-            </a:r>
-          </a:p>
-          <a:p>
-            <a:r>
-              <a:rPr lang="en-US" sz="2000" dirty="0" smtClean="0">
-                <a:latin typeface="Times New Roman" panose="02020603050405020304" pitchFamily="18" charset="0"/>
-                <a:cs typeface="Times New Roman" panose="02020603050405020304" pitchFamily="18" charset="0"/>
-              </a:rPr>
-              <a:t>1        5/8</a:t>
-            </a:r>
-            <a:endParaRPr lang="en-US" sz="2000" dirty="0">
-              <a:latin typeface="Times New Roman" panose="02020603050405020304" pitchFamily="18" charset="0"/>
-              <a:cs typeface="Times New Roman" panose="02020603050405020304" pitchFamily="18" charset="0"/>
-            </a:endParaRPr>
-          </a:p>
-        </p:txBody>
-      </p:sp>
-      <p:sp>
-        <p:nvSpPr>
-          <p:cNvPr id="8" name="TextBox 7"/>
-          <p:cNvSpPr txBox="1"/>
-          <p:nvPr/>
-        </p:nvSpPr>
-        <p:spPr>
-          <a:xfrm>
-            <a:off x="1403348" y="5477301"/>
-            <a:ext cx="6838951" cy="461665"/>
-          </a:xfrm>
-          <a:prstGeom prst="rect">
-            <a:avLst/>
-          </a:prstGeom>
-          <a:noFill/>
-        </p:spPr>
-        <p:txBody>
-          <a:bodyPr wrap="square" rtlCol="0">
-            <a:spAutoFit/>
-          </a:bodyPr>
-          <a:lstStyle/>
-          <a:p>
-            <a:r>
-              <a:rPr lang="en-US" sz="2400" dirty="0" smtClean="0">
-                <a:latin typeface="Times New Roman" panose="02020603050405020304" pitchFamily="18" charset="0"/>
-                <a:cs typeface="Times New Roman" panose="02020603050405020304" pitchFamily="18" charset="0"/>
-              </a:rPr>
-              <a:t>Interpolated avg pre = ((2/3*4)+(5/8*7))/11 </a:t>
-            </a:r>
-            <a:r>
-              <a:rPr lang="en-US" sz="2400" smtClean="0">
-                <a:latin typeface="Times New Roman" panose="02020603050405020304" pitchFamily="18" charset="0"/>
-                <a:cs typeface="Times New Roman" panose="02020603050405020304" pitchFamily="18" charset="0"/>
-              </a:rPr>
-              <a:t>= 0.644</a:t>
-            </a:r>
-            <a:endParaRPr lang="en-US" sz="2400" dirty="0">
-              <a:latin typeface="Times New Roman" panose="02020603050405020304" pitchFamily="18" charset="0"/>
-              <a:cs typeface="Times New Roman" panose="02020603050405020304" pitchFamily="18" charset="0"/>
-            </a:endParaRPr>
-          </a:p>
-        </p:txBody>
-      </p:sp>
     </p:spTree>
     <p:extLst>
       <p:ext uri="{BB962C8B-B14F-4D97-AF65-F5344CB8AC3E}">
-        <p14:creationId xmlns:p14="http://schemas.microsoft.com/office/powerpoint/2010/main" val="2371644466"/>
+        <p14:creationId xmlns:p14="http://schemas.microsoft.com/office/powerpoint/2010/main" val="888126569"/>
       </p:ext>
     </p:extLst>
   </p:cSld>
@@ -4209,7 +4397,7 @@
                             </p:stCondLst>
                             <p:childTnLst>
                               <p:par>
-                                <p:cTn id="5" presetID="1" presetClass="entr" presetSubtype="0" fill="hold" nodeType="clickEffect">
+                                <p:cTn id="5" presetID="1" presetClass="entr" presetSubtype="0" fill="hold" grpId="0" nodeType="clickEffect">
                                   <p:stCondLst>
                                     <p:cond delay="0"/>
                                   </p:stCondLst>
@@ -4217,78 +4405,6 @@
                                     <p:set>
                                       <p:cBhvr>
                                         <p:cTn id="6" dur="1" fill="hold">
-                                          <p:stCondLst>
-                                            <p:cond delay="0"/>
-                                          </p:stCondLst>
-                                        </p:cTn>
-                                        <p:tgtEl>
-                                          <p:spTgt spid="6"/>
-                                        </p:tgtEl>
-                                        <p:attrNameLst>
-                                          <p:attrName>style.visibility</p:attrName>
-                                        </p:attrNameLst>
-                                      </p:cBhvr>
-                                      <p:to>
-                                        <p:strVal val="visible"/>
-                                      </p:to>
-                                    </p:set>
-                                  </p:childTnLst>
-                                </p:cTn>
-                              </p:par>
-                              <p:par>
-                                <p:cTn id="7" presetID="1" presetClass="entr" presetSubtype="0" fill="hold" nodeType="withEffect">
-                                  <p:stCondLst>
-                                    <p:cond delay="0"/>
-                                  </p:stCondLst>
-                                  <p:childTnLst>
-                                    <p:set>
-                                      <p:cBhvr>
-                                        <p:cTn id="8" dur="1" fill="hold">
-                                          <p:stCondLst>
-                                            <p:cond delay="0"/>
-                                          </p:stCondLst>
-                                        </p:cTn>
-                                        <p:tgtEl>
-                                          <p:spTgt spid="5"/>
-                                        </p:tgtEl>
-                                        <p:attrNameLst>
-                                          <p:attrName>style.visibility</p:attrName>
-                                        </p:attrNameLst>
-                                      </p:cBhvr>
-                                      <p:to>
-                                        <p:strVal val="visible"/>
-                                      </p:to>
-                                    </p:set>
-                                  </p:childTnLst>
-                                </p:cTn>
-                              </p:par>
-                            </p:childTnLst>
-                          </p:cTn>
-                        </p:par>
-                      </p:childTnLst>
-                    </p:cTn>
-                  </p:par>
-                  <p:par>
-                    <p:cTn id="9" fill="hold">
-                      <p:stCondLst>
-                        <p:cond delay="indefinite"/>
-                      </p:stCondLst>
-                      <p:childTnLst>
-                        <p:par>
-                          <p:cTn id="10" fill="hold">
-                            <p:stCondLst>
-                              <p:cond delay="0"/>
-                            </p:stCondLst>
-                            <p:childTnLst>
-                              <p:par>
-                                <p:cTn id="11" presetID="1" presetClass="entr" presetSubtype="0" fill="hold" grpId="0" nodeType="clickEffect">
-                                  <p:stCondLst>
-                                    <p:cond delay="0"/>
-                                  </p:stCondLst>
-                                  <p:childTnLst>
-                                    <p:set>
-                                      <p:cBhvr>
-                                        <p:cTn id="12" dur="1" fill="hold">
                                           <p:stCondLst>
                                             <p:cond delay="0"/>
                                           </p:stCondLst>
@@ -4314,26 +4430,26 @@
                     </p:cTn>
                   </p:par>
                   <p:par>
-                    <p:cTn id="13" fill="hold">
+                    <p:cTn id="7" fill="hold">
                       <p:stCondLst>
                         <p:cond delay="indefinite"/>
                       </p:stCondLst>
                       <p:childTnLst>
                         <p:par>
-                          <p:cTn id="14" fill="hold">
+                          <p:cTn id="8" fill="hold">
                             <p:stCondLst>
                               <p:cond delay="0"/>
                             </p:stCondLst>
                             <p:childTnLst>
                               <p:par>
-                                <p:cTn id="15" presetID="1" presetClass="entr" presetSubtype="0" fill="hold" grpId="0" nodeType="clickEffect">
+                                <p:cTn id="9" presetID="1" presetClass="entr" presetSubtype="0" fill="hold" grpId="0" nodeType="clickEffect">
                                   <p:stCondLst>
                                     <p:cond delay="0"/>
                                   </p:stCondLst>
                                   <p:childTnLst>
                                     <p:set>
                                       <p:cBhvr>
-                                        <p:cTn id="16" dur="1" fill="hold">
+                                        <p:cTn id="10" dur="1" fill="hold">
                                           <p:stCondLst>
                                             <p:cond delay="0"/>
                                           </p:stCondLst>
@@ -4446,6 +4562,639 @@
           </a:lstStyle>
           <a:p>
             <a:r>
+              <a:rPr lang="en-US" sz="4000" b="1" dirty="0" smtClean="0">
+                <a:solidFill>
+                  <a:srgbClr val="7030A0"/>
+                </a:solidFill>
+                <a:latin typeface="Times New Roman" panose="02020603050405020304" pitchFamily="18" charset="0"/>
+                <a:cs typeface="Times New Roman" panose="02020603050405020304" pitchFamily="18" charset="0"/>
+              </a:rPr>
+              <a:t>Precision and Recall combine Ranking.</a:t>
+            </a:r>
+            <a:endParaRPr lang="en-US" sz="4000" b="1" dirty="0">
+              <a:solidFill>
+                <a:srgbClr val="7030A0"/>
+              </a:solidFill>
+              <a:latin typeface="Times New Roman" panose="02020603050405020304" pitchFamily="18" charset="0"/>
+              <a:cs typeface="Times New Roman" panose="02020603050405020304" pitchFamily="18" charset="0"/>
+            </a:endParaRPr>
+          </a:p>
+        </p:txBody>
+      </p:sp>
+      <p:pic>
+        <p:nvPicPr>
+          <p:cNvPr id="5" name="Picture 4"/>
+          <p:cNvPicPr>
+            <a:picLocks noChangeAspect="1"/>
+          </p:cNvPicPr>
+          <p:nvPr/>
+        </p:nvPicPr>
+        <p:blipFill>
+          <a:blip r:embed="rId2">
+            <a:extLst>
+              <a:ext uri="{28A0092B-C50C-407E-A947-70E740481C1C}">
+                <a14:useLocalDpi xmlns:a14="http://schemas.microsoft.com/office/drawing/2010/main" val="0"/>
+              </a:ext>
+            </a:extLst>
+          </a:blip>
+          <a:stretch>
+            <a:fillRect/>
+          </a:stretch>
+        </p:blipFill>
+        <p:spPr>
+          <a:xfrm>
+            <a:off x="6835774" y="1023536"/>
+            <a:ext cx="5210175" cy="4248150"/>
+          </a:xfrm>
+          <a:prstGeom prst="rect">
+            <a:avLst/>
+          </a:prstGeom>
+        </p:spPr>
+      </p:pic>
+      <p:pic>
+        <p:nvPicPr>
+          <p:cNvPr id="6" name="Picture 5"/>
+          <p:cNvPicPr>
+            <a:picLocks noChangeAspect="1"/>
+          </p:cNvPicPr>
+          <p:nvPr/>
+        </p:nvPicPr>
+        <p:blipFill>
+          <a:blip r:embed="rId3">
+            <a:extLst>
+              <a:ext uri="{28A0092B-C50C-407E-A947-70E740481C1C}">
+                <a14:useLocalDpi xmlns:a14="http://schemas.microsoft.com/office/drawing/2010/main" val="0"/>
+              </a:ext>
+            </a:extLst>
+          </a:blip>
+          <a:stretch>
+            <a:fillRect/>
+          </a:stretch>
+        </p:blipFill>
+        <p:spPr>
+          <a:xfrm>
+            <a:off x="1758949" y="1014011"/>
+            <a:ext cx="5076825" cy="4257675"/>
+          </a:xfrm>
+          <a:prstGeom prst="rect">
+            <a:avLst/>
+          </a:prstGeom>
+        </p:spPr>
+      </p:pic>
+      <p:sp>
+        <p:nvSpPr>
+          <p:cNvPr id="7" name="TextBox 6"/>
+          <p:cNvSpPr txBox="1"/>
+          <p:nvPr/>
+        </p:nvSpPr>
+        <p:spPr>
+          <a:xfrm>
+            <a:off x="184148" y="1224388"/>
+            <a:ext cx="1428750" cy="4093428"/>
+          </a:xfrm>
+          <a:prstGeom prst="rect">
+            <a:avLst/>
+          </a:prstGeom>
+          <a:noFill/>
+        </p:spPr>
+        <p:txBody>
+          <a:bodyPr wrap="square" rtlCol="0">
+            <a:spAutoFit/>
+          </a:bodyPr>
+          <a:lstStyle/>
+          <a:p>
+            <a:r>
+              <a:rPr lang="en-US" sz="2000" dirty="0" smtClean="0">
+                <a:latin typeface="Times New Roman" panose="02020603050405020304" pitchFamily="18" charset="0"/>
+                <a:cs typeface="Times New Roman" panose="02020603050405020304" pitchFamily="18" charset="0"/>
+              </a:rPr>
+              <a:t>Ranking 3</a:t>
+            </a:r>
+          </a:p>
+          <a:p>
+            <a:r>
+              <a:rPr lang="en-US" sz="2000" dirty="0" smtClean="0">
+                <a:latin typeface="Times New Roman" panose="02020603050405020304" pitchFamily="18" charset="0"/>
+                <a:cs typeface="Times New Roman" panose="02020603050405020304" pitchFamily="18" charset="0"/>
+              </a:rPr>
+              <a:t>Recall </a:t>
+            </a:r>
+          </a:p>
+          <a:p>
+            <a:r>
+              <a:rPr lang="en-US" sz="2000" dirty="0" smtClean="0">
+                <a:latin typeface="Times New Roman" panose="02020603050405020304" pitchFamily="18" charset="0"/>
+                <a:cs typeface="Times New Roman" panose="02020603050405020304" pitchFamily="18" charset="0"/>
+              </a:rPr>
+              <a:t>0        2/3</a:t>
+            </a:r>
+          </a:p>
+          <a:p>
+            <a:r>
+              <a:rPr lang="en-US" sz="2000" dirty="0" smtClean="0">
+                <a:latin typeface="Times New Roman" panose="02020603050405020304" pitchFamily="18" charset="0"/>
+                <a:cs typeface="Times New Roman" panose="02020603050405020304" pitchFamily="18" charset="0"/>
+              </a:rPr>
+              <a:t>0.1     2/3</a:t>
+            </a:r>
+          </a:p>
+          <a:p>
+            <a:r>
+              <a:rPr lang="en-US" sz="2000" dirty="0" smtClean="0">
+                <a:latin typeface="Times New Roman" panose="02020603050405020304" pitchFamily="18" charset="0"/>
+                <a:cs typeface="Times New Roman" panose="02020603050405020304" pitchFamily="18" charset="0"/>
+              </a:rPr>
+              <a:t>0.2     2/3</a:t>
+            </a:r>
+          </a:p>
+          <a:p>
+            <a:r>
+              <a:rPr lang="en-US" sz="2000" dirty="0" smtClean="0">
+                <a:latin typeface="Times New Roman" panose="02020603050405020304" pitchFamily="18" charset="0"/>
+                <a:cs typeface="Times New Roman" panose="02020603050405020304" pitchFamily="18" charset="0"/>
+              </a:rPr>
+              <a:t>0.3     2/3</a:t>
+            </a:r>
+          </a:p>
+          <a:p>
+            <a:r>
+              <a:rPr lang="en-US" sz="2000" dirty="0" smtClean="0">
+                <a:latin typeface="Times New Roman" panose="02020603050405020304" pitchFamily="18" charset="0"/>
+                <a:cs typeface="Times New Roman" panose="02020603050405020304" pitchFamily="18" charset="0"/>
+              </a:rPr>
+              <a:t>0.4     </a:t>
+            </a:r>
+            <a:r>
+              <a:rPr lang="en-US" sz="2000" dirty="0">
+                <a:latin typeface="Times New Roman" panose="02020603050405020304" pitchFamily="18" charset="0"/>
+                <a:cs typeface="Times New Roman" panose="02020603050405020304" pitchFamily="18" charset="0"/>
+              </a:rPr>
+              <a:t>2</a:t>
+            </a:r>
+            <a:r>
+              <a:rPr lang="en-US" sz="2000" dirty="0" smtClean="0">
+                <a:latin typeface="Times New Roman" panose="02020603050405020304" pitchFamily="18" charset="0"/>
+                <a:cs typeface="Times New Roman" panose="02020603050405020304" pitchFamily="18" charset="0"/>
+              </a:rPr>
+              <a:t>/3</a:t>
+            </a:r>
+          </a:p>
+          <a:p>
+            <a:r>
+              <a:rPr lang="en-US" sz="2000" dirty="0" smtClean="0">
+                <a:latin typeface="Times New Roman" panose="02020603050405020304" pitchFamily="18" charset="0"/>
+                <a:cs typeface="Times New Roman" panose="02020603050405020304" pitchFamily="18" charset="0"/>
+              </a:rPr>
+              <a:t>0.5     5/8</a:t>
+            </a:r>
+          </a:p>
+          <a:p>
+            <a:r>
+              <a:rPr lang="en-US" sz="2000" dirty="0" smtClean="0">
+                <a:latin typeface="Times New Roman" panose="02020603050405020304" pitchFamily="18" charset="0"/>
+                <a:cs typeface="Times New Roman" panose="02020603050405020304" pitchFamily="18" charset="0"/>
+              </a:rPr>
+              <a:t>0.6     5/8</a:t>
+            </a:r>
+          </a:p>
+          <a:p>
+            <a:r>
+              <a:rPr lang="en-US" sz="2000" dirty="0" smtClean="0">
+                <a:latin typeface="Times New Roman" panose="02020603050405020304" pitchFamily="18" charset="0"/>
+                <a:cs typeface="Times New Roman" panose="02020603050405020304" pitchFamily="18" charset="0"/>
+              </a:rPr>
+              <a:t>0.7     5/8</a:t>
+            </a:r>
+          </a:p>
+          <a:p>
+            <a:r>
+              <a:rPr lang="en-US" sz="2000" dirty="0" smtClean="0">
+                <a:latin typeface="Times New Roman" panose="02020603050405020304" pitchFamily="18" charset="0"/>
+                <a:cs typeface="Times New Roman" panose="02020603050405020304" pitchFamily="18" charset="0"/>
+              </a:rPr>
+              <a:t>0.8     5/8</a:t>
+            </a:r>
+          </a:p>
+          <a:p>
+            <a:r>
+              <a:rPr lang="en-US" sz="2000" dirty="0" smtClean="0">
+                <a:latin typeface="Times New Roman" panose="02020603050405020304" pitchFamily="18" charset="0"/>
+                <a:cs typeface="Times New Roman" panose="02020603050405020304" pitchFamily="18" charset="0"/>
+              </a:rPr>
+              <a:t>0.9     5/8</a:t>
+            </a:r>
+          </a:p>
+          <a:p>
+            <a:r>
+              <a:rPr lang="en-US" sz="2000" dirty="0" smtClean="0">
+                <a:latin typeface="Times New Roman" panose="02020603050405020304" pitchFamily="18" charset="0"/>
+                <a:cs typeface="Times New Roman" panose="02020603050405020304" pitchFamily="18" charset="0"/>
+              </a:rPr>
+              <a:t>1        5/8</a:t>
+            </a:r>
+            <a:endParaRPr lang="en-US" sz="2000" dirty="0">
+              <a:latin typeface="Times New Roman" panose="02020603050405020304" pitchFamily="18" charset="0"/>
+              <a:cs typeface="Times New Roman" panose="02020603050405020304" pitchFamily="18" charset="0"/>
+            </a:endParaRPr>
+          </a:p>
+        </p:txBody>
+      </p:sp>
+      <p:sp>
+        <p:nvSpPr>
+          <p:cNvPr id="8" name="TextBox 7"/>
+          <p:cNvSpPr txBox="1"/>
+          <p:nvPr/>
+        </p:nvSpPr>
+        <p:spPr>
+          <a:xfrm>
+            <a:off x="1403348" y="5477301"/>
+            <a:ext cx="6838951" cy="461665"/>
+          </a:xfrm>
+          <a:prstGeom prst="rect">
+            <a:avLst/>
+          </a:prstGeom>
+          <a:noFill/>
+        </p:spPr>
+        <p:txBody>
+          <a:bodyPr wrap="square" rtlCol="0">
+            <a:spAutoFit/>
+          </a:bodyPr>
+          <a:lstStyle/>
+          <a:p>
+            <a:r>
+              <a:rPr lang="en-US" sz="2400" dirty="0" smtClean="0">
+                <a:latin typeface="Times New Roman" panose="02020603050405020304" pitchFamily="18" charset="0"/>
+                <a:cs typeface="Times New Roman" panose="02020603050405020304" pitchFamily="18" charset="0"/>
+              </a:rPr>
+              <a:t>Interpolated avg pre = ((</a:t>
+            </a:r>
+            <a:r>
+              <a:rPr lang="en-US" sz="2400" dirty="0" smtClean="0">
+                <a:latin typeface="Times New Roman" panose="02020603050405020304" pitchFamily="18" charset="0"/>
+                <a:cs typeface="Times New Roman" panose="02020603050405020304" pitchFamily="18" charset="0"/>
+              </a:rPr>
+              <a:t>2/3*5)+(5/8*6))/</a:t>
+            </a:r>
+            <a:r>
+              <a:rPr lang="en-US" sz="2400" dirty="0" smtClean="0">
+                <a:latin typeface="Times New Roman" panose="02020603050405020304" pitchFamily="18" charset="0"/>
+                <a:cs typeface="Times New Roman" panose="02020603050405020304" pitchFamily="18" charset="0"/>
+              </a:rPr>
+              <a:t>11 = 0.644</a:t>
+            </a:r>
+            <a:endParaRPr lang="en-US" sz="2400" dirty="0">
+              <a:latin typeface="Times New Roman" panose="02020603050405020304" pitchFamily="18" charset="0"/>
+              <a:cs typeface="Times New Roman" panose="02020603050405020304" pitchFamily="18" charset="0"/>
+            </a:endParaRPr>
+          </a:p>
+        </p:txBody>
+      </p:sp>
+      <p:sp>
+        <p:nvSpPr>
+          <p:cNvPr id="9" name="TextBox 8"/>
+          <p:cNvSpPr txBox="1"/>
+          <p:nvPr/>
+        </p:nvSpPr>
+        <p:spPr>
+          <a:xfrm>
+            <a:off x="3205161" y="3142848"/>
+            <a:ext cx="723900" cy="646331"/>
+          </a:xfrm>
+          <a:prstGeom prst="rect">
+            <a:avLst/>
+          </a:prstGeom>
+          <a:noFill/>
+        </p:spPr>
+        <p:txBody>
+          <a:bodyPr wrap="square" rtlCol="0">
+            <a:spAutoFit/>
+          </a:bodyPr>
+          <a:lstStyle/>
+          <a:p>
+            <a:r>
+              <a:rPr lang="en-US" dirty="0" smtClean="0"/>
+              <a:t>1/2 =0.5</a:t>
+            </a:r>
+            <a:endParaRPr lang="en-US" dirty="0"/>
+          </a:p>
+        </p:txBody>
+      </p:sp>
+      <p:sp>
+        <p:nvSpPr>
+          <p:cNvPr id="10" name="TextBox 9"/>
+          <p:cNvSpPr txBox="1"/>
+          <p:nvPr/>
+        </p:nvSpPr>
+        <p:spPr>
+          <a:xfrm>
+            <a:off x="3990973" y="1847448"/>
+            <a:ext cx="723900" cy="646331"/>
+          </a:xfrm>
+          <a:prstGeom prst="rect">
+            <a:avLst/>
+          </a:prstGeom>
+          <a:noFill/>
+        </p:spPr>
+        <p:txBody>
+          <a:bodyPr wrap="square" rtlCol="0">
+            <a:spAutoFit/>
+          </a:bodyPr>
+          <a:lstStyle/>
+          <a:p>
+            <a:r>
+              <a:rPr lang="en-US" dirty="0" smtClean="0"/>
+              <a:t>2/3 =0.67</a:t>
+            </a:r>
+            <a:endParaRPr lang="en-US" dirty="0"/>
+          </a:p>
+        </p:txBody>
+      </p:sp>
+      <p:sp>
+        <p:nvSpPr>
+          <p:cNvPr id="11" name="TextBox 10"/>
+          <p:cNvSpPr txBox="1"/>
+          <p:nvPr/>
+        </p:nvSpPr>
+        <p:spPr>
+          <a:xfrm>
+            <a:off x="4560884" y="3219832"/>
+            <a:ext cx="723900" cy="646331"/>
+          </a:xfrm>
+          <a:prstGeom prst="rect">
+            <a:avLst/>
+          </a:prstGeom>
+          <a:noFill/>
+        </p:spPr>
+        <p:txBody>
+          <a:bodyPr wrap="square" rtlCol="0">
+            <a:spAutoFit/>
+          </a:bodyPr>
+          <a:lstStyle/>
+          <a:p>
+            <a:r>
+              <a:rPr lang="en-US" dirty="0" smtClean="0"/>
+              <a:t>3/6 =0.5</a:t>
+            </a:r>
+            <a:endParaRPr lang="en-US" dirty="0"/>
+          </a:p>
+        </p:txBody>
+      </p:sp>
+      <p:sp>
+        <p:nvSpPr>
+          <p:cNvPr id="12" name="TextBox 11"/>
+          <p:cNvSpPr txBox="1"/>
+          <p:nvPr/>
+        </p:nvSpPr>
+        <p:spPr>
+          <a:xfrm>
+            <a:off x="5284784" y="2066495"/>
+            <a:ext cx="723900" cy="646331"/>
+          </a:xfrm>
+          <a:prstGeom prst="rect">
+            <a:avLst/>
+          </a:prstGeom>
+          <a:noFill/>
+        </p:spPr>
+        <p:txBody>
+          <a:bodyPr wrap="square" rtlCol="0">
+            <a:spAutoFit/>
+          </a:bodyPr>
+          <a:lstStyle/>
+          <a:p>
+            <a:r>
+              <a:rPr lang="en-US" dirty="0" smtClean="0"/>
+              <a:t>4/7 =0.57</a:t>
+            </a:r>
+            <a:endParaRPr lang="en-US" dirty="0"/>
+          </a:p>
+        </p:txBody>
+      </p:sp>
+      <p:sp>
+        <p:nvSpPr>
+          <p:cNvPr id="13" name="TextBox 12"/>
+          <p:cNvSpPr txBox="1"/>
+          <p:nvPr/>
+        </p:nvSpPr>
+        <p:spPr>
+          <a:xfrm>
+            <a:off x="6269036" y="2453944"/>
+            <a:ext cx="723900" cy="646331"/>
+          </a:xfrm>
+          <a:prstGeom prst="rect">
+            <a:avLst/>
+          </a:prstGeom>
+          <a:noFill/>
+        </p:spPr>
+        <p:txBody>
+          <a:bodyPr wrap="square" rtlCol="0">
+            <a:spAutoFit/>
+          </a:bodyPr>
+          <a:lstStyle/>
+          <a:p>
+            <a:r>
+              <a:rPr lang="en-US" dirty="0" smtClean="0"/>
+              <a:t>5/8 =0.63</a:t>
+            </a:r>
+            <a:endParaRPr lang="en-US" dirty="0"/>
+          </a:p>
+        </p:txBody>
+      </p:sp>
+    </p:spTree>
+    <p:extLst>
+      <p:ext uri="{BB962C8B-B14F-4D97-AF65-F5344CB8AC3E}">
+        <p14:creationId xmlns:p14="http://schemas.microsoft.com/office/powerpoint/2010/main" val="2371644466"/>
+      </p:ext>
+    </p:extLst>
+  </p:cSld>
+  <p:clrMapOvr>
+    <a:masterClrMapping/>
+  </p:clrMapOvr>
+  <p:timing>
+    <p:tnLst>
+      <p:par>
+        <p:cTn id="1" dur="indefinite" restart="never" nodeType="tmRoot">
+          <p:childTnLst>
+            <p:seq concurrent="1" nextAc="seek">
+              <p:cTn id="2" dur="indefinite" nodeType="mainSeq">
+                <p:childTnLst>
+                  <p:par>
+                    <p:cTn id="3" fill="hold">
+                      <p:stCondLst>
+                        <p:cond delay="indefinite"/>
+                      </p:stCondLst>
+                      <p:childTnLst>
+                        <p:par>
+                          <p:cTn id="4" fill="hold">
+                            <p:stCondLst>
+                              <p:cond delay="0"/>
+                            </p:stCondLst>
+                            <p:childTnLst>
+                              <p:par>
+                                <p:cTn id="5" presetID="1" presetClass="entr" presetSubtype="0" fill="hold" grpId="0" nodeType="clickEffect">
+                                  <p:stCondLst>
+                                    <p:cond delay="0"/>
+                                  </p:stCondLst>
+                                  <p:childTnLst>
+                                    <p:set>
+                                      <p:cBhvr>
+                                        <p:cTn id="6" dur="1" fill="hold">
+                                          <p:stCondLst>
+                                            <p:cond delay="0"/>
+                                          </p:stCondLst>
+                                        </p:cTn>
+                                        <p:tgtEl>
+                                          <p:spTgt spid="7"/>
+                                        </p:tgtEl>
+                                        <p:attrNameLst>
+                                          <p:attrName>style.visibility</p:attrName>
+                                        </p:attrNameLst>
+                                      </p:cBhvr>
+                                      <p:to>
+                                        <p:strVal val="visible"/>
+                                      </p:to>
+                                    </p:set>
+                                  </p:childTnLst>
+                                </p:cTn>
+                              </p:par>
+                            </p:childTnLst>
+                          </p:cTn>
+                        </p:par>
+                      </p:childTnLst>
+                    </p:cTn>
+                  </p:par>
+                  <p:par>
+                    <p:cTn id="7" fill="hold">
+                      <p:stCondLst>
+                        <p:cond delay="indefinite"/>
+                      </p:stCondLst>
+                      <p:childTnLst>
+                        <p:par>
+                          <p:cTn id="8" fill="hold">
+                            <p:stCondLst>
+                              <p:cond delay="0"/>
+                            </p:stCondLst>
+                            <p:childTnLst>
+                              <p:par>
+                                <p:cTn id="9" presetID="1" presetClass="entr" presetSubtype="0" fill="hold" grpId="0" nodeType="clickEffect">
+                                  <p:stCondLst>
+                                    <p:cond delay="0"/>
+                                  </p:stCondLst>
+                                  <p:childTnLst>
+                                    <p:set>
+                                      <p:cBhvr>
+                                        <p:cTn id="10" dur="1" fill="hold">
+                                          <p:stCondLst>
+                                            <p:cond delay="0"/>
+                                          </p:stCondLst>
+                                        </p:cTn>
+                                        <p:tgtEl>
+                                          <p:spTgt spid="8"/>
+                                        </p:tgtEl>
+                                        <p:attrNameLst>
+                                          <p:attrName>style.visibility</p:attrName>
+                                        </p:attrNameLst>
+                                      </p:cBhvr>
+                                      <p:to>
+                                        <p:strVal val="visible"/>
+                                      </p:to>
+                                    </p:set>
+                                  </p:childTnLst>
+                                </p:cTn>
+                              </p:par>
+                            </p:childTnLst>
+                          </p:cTn>
+                        </p:par>
+                      </p:childTnLst>
+                    </p:cTn>
+                  </p:par>
+                </p:childTnLst>
+              </p:cTn>
+              <p:prevCondLst>
+                <p:cond evt="onPrev" delay="0">
+                  <p:tgtEl>
+                    <p:sldTgt/>
+                  </p:tgtEl>
+                </p:cond>
+              </p:prevCondLst>
+              <p:nextCondLst>
+                <p:cond evt="onNext" delay="0">
+                  <p:tgtEl>
+                    <p:sldTgt/>
+                  </p:tgtEl>
+                </p:cond>
+              </p:nextCondLst>
+            </p:seq>
+          </p:childTnLst>
+        </p:cTn>
+      </p:par>
+    </p:tnLst>
+    <p:bldLst>
+      <p:bldP spid="7" grpId="0"/>
+      <p:bldP spid="8" grpId="0"/>
+    </p:bldLst>
+  </p:timing>
+</p:sld>
+</file>
+
+<file path=ppt/slides/slide14.xml><?xml version="1.0" encoding="utf-8"?>
+<p:sld xmlns:a="http://schemas.openxmlformats.org/drawingml/2006/main" xmlns:r="http://schemas.openxmlformats.org/officeDocument/2006/relationships" xmlns:p="http://schemas.openxmlformats.org/presentationml/2006/main" show="0">
+  <p:cSld>
+    <p:spTree>
+      <p:nvGrpSpPr>
+        <p:cNvPr id="1" name=""/>
+        <p:cNvGrpSpPr/>
+        <p:nvPr/>
+      </p:nvGrpSpPr>
+      <p:grpSpPr>
+        <a:xfrm>
+          <a:off x="0" y="0"/>
+          <a:ext cx="0" cy="0"/>
+          <a:chOff x="0" y="0"/>
+          <a:chExt cx="0" cy="0"/>
+        </a:xfrm>
+      </p:grpSpPr>
+      <p:sp>
+        <p:nvSpPr>
+          <p:cNvPr id="4" name="Title 1"/>
+          <p:cNvSpPr txBox="1">
+            <a:spLocks/>
+          </p:cNvSpPr>
+          <p:nvPr/>
+        </p:nvSpPr>
+        <p:spPr>
+          <a:xfrm>
+            <a:off x="0" y="0"/>
+            <a:ext cx="12192000" cy="1018773"/>
+          </a:xfrm>
+          <a:prstGeom prst="rect">
+            <a:avLst/>
+          </a:prstGeom>
+        </p:spPr>
+        <p:txBody>
+          <a:bodyPr vert="horz" lIns="91440" tIns="45720" rIns="91440" bIns="45720" rtlCol="0" anchor="ctr">
+            <a:normAutofit/>
+          </a:bodyPr>
+          <a:lstStyle>
+            <a:lvl1pPr algn="l" defTabSz="914400" rtl="0" eaLnBrk="1" latinLnBrk="0" hangingPunct="1">
+              <a:lnSpc>
+                <a:spcPct val="90000"/>
+              </a:lnSpc>
+              <a:spcBef>
+                <a:spcPct val="0"/>
+              </a:spcBef>
+              <a:buNone/>
+              <a:defRPr sz="4400" kern="1200">
+                <a:solidFill>
+                  <a:schemeClr val="tx1"/>
+                </a:solidFill>
+                <a:latin typeface="+mj-lt"/>
+                <a:ea typeface="+mj-ea"/>
+                <a:cs typeface="+mj-cs"/>
+              </a:defRPr>
+            </a:lvl1pPr>
+          </a:lstStyle>
+          <a:p>
+            <a:r>
               <a:rPr lang="en-US" sz="4000" b="1" dirty="0">
                 <a:solidFill>
                   <a:srgbClr val="7030A0"/>
@@ -4485,6 +5234,14 @@
   <p:clrMapOvr>
     <a:masterClrMapping/>
   </p:clrMapOvr>
+  <mc:AlternateContent xmlns:mc="http://schemas.openxmlformats.org/markup-compatibility/2006">
+    <mc:Choice xmlns:p14="http://schemas.microsoft.com/office/powerpoint/2010/main" Requires="p14">
+      <p:transition spd="slow" p14:dur="2000"/>
+    </mc:Choice>
+    <mc:Fallback>
+      <p:transition spd="slow"/>
+    </mc:Fallback>
+  </mc:AlternateContent>
   <p:timing>
     <p:tnLst>
       <p:par>
@@ -4495,7 +5252,7 @@
 </p:sld>
 </file>
 
-<file path=ppt/slides/slide14.xml><?xml version="1.0" encoding="utf-8"?>
+<file path=ppt/slides/slide15.xml><?xml version="1.0" encoding="utf-8"?>
 <p:sld xmlns:a="http://schemas.openxmlformats.org/drawingml/2006/main" xmlns:r="http://schemas.openxmlformats.org/officeDocument/2006/relationships" xmlns:p="http://schemas.openxmlformats.org/presentationml/2006/main">
   <p:cSld>
     <p:spTree>
@@ -4594,7 +5351,7 @@
 </p:sld>
 </file>
 
-<file path=ppt/slides/slide15.xml><?xml version="1.0" encoding="utf-8"?>
+<file path=ppt/slides/slide16.xml><?xml version="1.0" encoding="utf-8"?>
 <p:sld xmlns:a="http://schemas.openxmlformats.org/drawingml/2006/main" xmlns:r="http://schemas.openxmlformats.org/officeDocument/2006/relationships" xmlns:p="http://schemas.openxmlformats.org/presentationml/2006/main">
   <p:cSld>
     <p:spTree>
@@ -4934,7 +5691,7 @@
 </p:sld>
 </file>
 
-<file path=ppt/slides/slide16.xml><?xml version="1.0" encoding="utf-8"?>
+<file path=ppt/slides/slide17.xml><?xml version="1.0" encoding="utf-8"?>
 <p:sld xmlns:a="http://schemas.openxmlformats.org/drawingml/2006/main" xmlns:r="http://schemas.openxmlformats.org/officeDocument/2006/relationships" xmlns:p="http://schemas.openxmlformats.org/presentationml/2006/main">
   <p:cSld>
     <p:spTree>
@@ -5205,7 +5962,7 @@
 </p:sld>
 </file>
 
-<file path=ppt/slides/slide17.xml><?xml version="1.0" encoding="utf-8"?>
+<file path=ppt/slides/slide18.xml><?xml version="1.0" encoding="utf-8"?>
 <p:sld xmlns:a="http://schemas.openxmlformats.org/drawingml/2006/main" xmlns:r="http://schemas.openxmlformats.org/officeDocument/2006/relationships" xmlns:p="http://schemas.openxmlformats.org/presentationml/2006/main">
   <p:cSld>
     <p:spTree>
@@ -5783,7 +6540,7 @@
 </p:sld>
 </file>
 
-<file path=ppt/slides/slide18.xml><?xml version="1.0" encoding="utf-8"?>
+<file path=ppt/slides/slide19.xml><?xml version="1.0" encoding="utf-8"?>
 <p:sld xmlns:a="http://schemas.openxmlformats.org/drawingml/2006/main" xmlns:r="http://schemas.openxmlformats.org/officeDocument/2006/relationships" xmlns:p="http://schemas.openxmlformats.org/presentationml/2006/main">
   <p:cSld>
     <p:spTree>
@@ -5904,7 +6661,154 @@
 </p:sld>
 </file>
 
-<file path=ppt/slides/slide19.xml><?xml version="1.0" encoding="utf-8"?>
+<file path=ppt/slides/slide2.xml><?xml version="1.0" encoding="utf-8"?>
+<p:sld xmlns:a="http://schemas.openxmlformats.org/drawingml/2006/main" xmlns:r="http://schemas.openxmlformats.org/officeDocument/2006/relationships" xmlns:p="http://schemas.openxmlformats.org/presentationml/2006/main">
+  <p:cSld>
+    <p:spTree>
+      <p:nvGrpSpPr>
+        <p:cNvPr id="1" name=""/>
+        <p:cNvGrpSpPr/>
+        <p:nvPr/>
+      </p:nvGrpSpPr>
+      <p:grpSpPr>
+        <a:xfrm>
+          <a:off x="0" y="0"/>
+          <a:ext cx="0" cy="0"/>
+          <a:chOff x="0" y="0"/>
+          <a:chExt cx="0" cy="0"/>
+        </a:xfrm>
+      </p:grpSpPr>
+      <p:sp>
+        <p:nvSpPr>
+          <p:cNvPr id="2" name="Title 1"/>
+          <p:cNvSpPr>
+            <a:spLocks noGrp="1"/>
+          </p:cNvSpPr>
+          <p:nvPr>
+            <p:ph type="title"/>
+          </p:nvPr>
+        </p:nvSpPr>
+        <p:spPr>
+          <a:xfrm>
+            <a:off x="0" y="0"/>
+            <a:ext cx="10007600" cy="1400530"/>
+          </a:xfrm>
+        </p:spPr>
+        <p:txBody>
+          <a:bodyPr>
+            <a:normAutofit/>
+          </a:bodyPr>
+          <a:lstStyle/>
+          <a:p>
+            <a:r>
+              <a:rPr lang="en-US" sz="4000" b="1" dirty="0" smtClean="0">
+                <a:solidFill>
+                  <a:srgbClr val="7030A0"/>
+                </a:solidFill>
+                <a:latin typeface="Times New Roman" panose="02020603050405020304" pitchFamily="18" charset="0"/>
+                <a:cs typeface="Times New Roman" panose="02020603050405020304" pitchFamily="18" charset="0"/>
+              </a:rPr>
+              <a:t>Information Retrieval (Truy xuất thông tin).</a:t>
+            </a:r>
+            <a:endParaRPr lang="en-US" sz="4000" b="1" dirty="0">
+              <a:solidFill>
+                <a:srgbClr val="7030A0"/>
+              </a:solidFill>
+              <a:latin typeface="Times New Roman" panose="02020603050405020304" pitchFamily="18" charset="0"/>
+              <a:cs typeface="Times New Roman" panose="02020603050405020304" pitchFamily="18" charset="0"/>
+            </a:endParaRPr>
+          </a:p>
+        </p:txBody>
+      </p:sp>
+      <p:sp>
+        <p:nvSpPr>
+          <p:cNvPr id="3" name="Content Placeholder 2"/>
+          <p:cNvSpPr>
+            <a:spLocks noGrp="1"/>
+          </p:cNvSpPr>
+          <p:nvPr>
+            <p:ph idx="1"/>
+          </p:nvPr>
+        </p:nvSpPr>
+        <p:spPr>
+          <a:xfrm>
+            <a:off x="597127" y="1171174"/>
+            <a:ext cx="10914516" cy="5193049"/>
+          </a:xfrm>
+        </p:spPr>
+        <p:txBody>
+          <a:bodyPr>
+            <a:noAutofit/>
+          </a:bodyPr>
+          <a:lstStyle/>
+          <a:p>
+            <a:r>
+              <a:rPr lang="en-US" sz="3000" dirty="0" smtClean="0">
+                <a:latin typeface="Times New Roman" panose="02020603050405020304" pitchFamily="18" charset="0"/>
+                <a:cs typeface="Times New Roman" panose="02020603050405020304" pitchFamily="18" charset="0"/>
+              </a:rPr>
+              <a:t>Là lấy ra những tài liệu (documents) chứa thông tin có liên quan đến thông tin người dùng cần thông qua truy vấn.</a:t>
+            </a:r>
+          </a:p>
+          <a:p>
+            <a:endParaRPr lang="en-US" sz="3000" dirty="0" smtClean="0">
+              <a:latin typeface="Times New Roman" panose="02020603050405020304" pitchFamily="18" charset="0"/>
+              <a:cs typeface="Times New Roman" panose="02020603050405020304" pitchFamily="18" charset="0"/>
+            </a:endParaRPr>
+          </a:p>
+        </p:txBody>
+      </p:sp>
+      <p:pic>
+        <p:nvPicPr>
+          <p:cNvPr id="4" name="Picture 3"/>
+          <p:cNvPicPr>
+            <a:picLocks noChangeAspect="1"/>
+          </p:cNvPicPr>
+          <p:nvPr/>
+        </p:nvPicPr>
+        <p:blipFill>
+          <a:blip r:embed="rId2">
+            <a:extLst>
+              <a:ext uri="{28A0092B-C50C-407E-A947-70E740481C1C}">
+                <a14:useLocalDpi xmlns:a14="http://schemas.microsoft.com/office/drawing/2010/main" val="0"/>
+              </a:ext>
+            </a:extLst>
+          </a:blip>
+          <a:stretch>
+            <a:fillRect/>
+          </a:stretch>
+        </p:blipFill>
+        <p:spPr>
+          <a:xfrm>
+            <a:off x="961262" y="2113788"/>
+            <a:ext cx="9987153" cy="4268482"/>
+          </a:xfrm>
+          <a:prstGeom prst="rect">
+            <a:avLst/>
+          </a:prstGeom>
+        </p:spPr>
+      </p:pic>
+    </p:spTree>
+    <p:extLst>
+      <p:ext uri="{BB962C8B-B14F-4D97-AF65-F5344CB8AC3E}">
+        <p14:creationId xmlns:p14="http://schemas.microsoft.com/office/powerpoint/2010/main" val="2282061545"/>
+      </p:ext>
+    </p:extLst>
+  </p:cSld>
+  <p:clrMapOvr>
+    <a:masterClrMapping/>
+  </p:clrMapOvr>
+  <p:timing>
+    <p:tnLst>
+      <p:par>
+        <p:cTn id="1" dur="indefinite" restart="never" nodeType="tmRoot"/>
+      </p:par>
+    </p:tnLst>
+  </p:timing>
+</p:sld>
+</file>
+
+<file path=ppt/slides/slide20.xml><?xml version="1.0" encoding="utf-8"?>
 <p:sld xmlns:a="http://schemas.openxmlformats.org/drawingml/2006/main" xmlns:r="http://schemas.openxmlformats.org/officeDocument/2006/relationships" xmlns:p="http://schemas.openxmlformats.org/presentationml/2006/main">
   <p:cSld>
     <p:spTree>
@@ -6055,154 +6959,7 @@
 </p:sld>
 </file>
 
-<file path=ppt/slides/slide2.xml><?xml version="1.0" encoding="utf-8"?>
-<p:sld xmlns:a="http://schemas.openxmlformats.org/drawingml/2006/main" xmlns:r="http://schemas.openxmlformats.org/officeDocument/2006/relationships" xmlns:p="http://schemas.openxmlformats.org/presentationml/2006/main">
-  <p:cSld>
-    <p:spTree>
-      <p:nvGrpSpPr>
-        <p:cNvPr id="1" name=""/>
-        <p:cNvGrpSpPr/>
-        <p:nvPr/>
-      </p:nvGrpSpPr>
-      <p:grpSpPr>
-        <a:xfrm>
-          <a:off x="0" y="0"/>
-          <a:ext cx="0" cy="0"/>
-          <a:chOff x="0" y="0"/>
-          <a:chExt cx="0" cy="0"/>
-        </a:xfrm>
-      </p:grpSpPr>
-      <p:sp>
-        <p:nvSpPr>
-          <p:cNvPr id="2" name="Title 1"/>
-          <p:cNvSpPr>
-            <a:spLocks noGrp="1"/>
-          </p:cNvSpPr>
-          <p:nvPr>
-            <p:ph type="title"/>
-          </p:nvPr>
-        </p:nvSpPr>
-        <p:spPr>
-          <a:xfrm>
-            <a:off x="0" y="0"/>
-            <a:ext cx="10007600" cy="1400530"/>
-          </a:xfrm>
-        </p:spPr>
-        <p:txBody>
-          <a:bodyPr>
-            <a:normAutofit/>
-          </a:bodyPr>
-          <a:lstStyle/>
-          <a:p>
-            <a:r>
-              <a:rPr lang="en-US" sz="4000" b="1" dirty="0" smtClean="0">
-                <a:solidFill>
-                  <a:srgbClr val="7030A0"/>
-                </a:solidFill>
-                <a:latin typeface="Times New Roman" panose="02020603050405020304" pitchFamily="18" charset="0"/>
-                <a:cs typeface="Times New Roman" panose="02020603050405020304" pitchFamily="18" charset="0"/>
-              </a:rPr>
-              <a:t>Information Retrieval (Truy xuất thông tin).</a:t>
-            </a:r>
-            <a:endParaRPr lang="en-US" sz="4000" b="1" dirty="0">
-              <a:solidFill>
-                <a:srgbClr val="7030A0"/>
-              </a:solidFill>
-              <a:latin typeface="Times New Roman" panose="02020603050405020304" pitchFamily="18" charset="0"/>
-              <a:cs typeface="Times New Roman" panose="02020603050405020304" pitchFamily="18" charset="0"/>
-            </a:endParaRPr>
-          </a:p>
-        </p:txBody>
-      </p:sp>
-      <p:sp>
-        <p:nvSpPr>
-          <p:cNvPr id="3" name="Content Placeholder 2"/>
-          <p:cNvSpPr>
-            <a:spLocks noGrp="1"/>
-          </p:cNvSpPr>
-          <p:nvPr>
-            <p:ph idx="1"/>
-          </p:nvPr>
-        </p:nvSpPr>
-        <p:spPr>
-          <a:xfrm>
-            <a:off x="597127" y="1171174"/>
-            <a:ext cx="10914516" cy="5193049"/>
-          </a:xfrm>
-        </p:spPr>
-        <p:txBody>
-          <a:bodyPr>
-            <a:noAutofit/>
-          </a:bodyPr>
-          <a:lstStyle/>
-          <a:p>
-            <a:r>
-              <a:rPr lang="en-US" sz="3000" dirty="0" smtClean="0">
-                <a:latin typeface="Times New Roman" panose="02020603050405020304" pitchFamily="18" charset="0"/>
-                <a:cs typeface="Times New Roman" panose="02020603050405020304" pitchFamily="18" charset="0"/>
-              </a:rPr>
-              <a:t>Là lấy ra những tài liệu (documents) chứa thông tin có liên quan đến thông tin người dùng cần thông qua truy vấn.</a:t>
-            </a:r>
-          </a:p>
-          <a:p>
-            <a:endParaRPr lang="en-US" sz="3000" dirty="0" smtClean="0">
-              <a:latin typeface="Times New Roman" panose="02020603050405020304" pitchFamily="18" charset="0"/>
-              <a:cs typeface="Times New Roman" panose="02020603050405020304" pitchFamily="18" charset="0"/>
-            </a:endParaRPr>
-          </a:p>
-        </p:txBody>
-      </p:sp>
-      <p:pic>
-        <p:nvPicPr>
-          <p:cNvPr id="4" name="Picture 3"/>
-          <p:cNvPicPr>
-            <a:picLocks noChangeAspect="1"/>
-          </p:cNvPicPr>
-          <p:nvPr/>
-        </p:nvPicPr>
-        <p:blipFill>
-          <a:blip r:embed="rId2">
-            <a:extLst>
-              <a:ext uri="{28A0092B-C50C-407E-A947-70E740481C1C}">
-                <a14:useLocalDpi xmlns:a14="http://schemas.microsoft.com/office/drawing/2010/main" val="0"/>
-              </a:ext>
-            </a:extLst>
-          </a:blip>
-          <a:stretch>
-            <a:fillRect/>
-          </a:stretch>
-        </p:blipFill>
-        <p:spPr>
-          <a:xfrm>
-            <a:off x="961262" y="2113788"/>
-            <a:ext cx="9987153" cy="4268482"/>
-          </a:xfrm>
-          <a:prstGeom prst="rect">
-            <a:avLst/>
-          </a:prstGeom>
-        </p:spPr>
-      </p:pic>
-    </p:spTree>
-    <p:extLst>
-      <p:ext uri="{BB962C8B-B14F-4D97-AF65-F5344CB8AC3E}">
-        <p14:creationId xmlns:p14="http://schemas.microsoft.com/office/powerpoint/2010/main" val="2282061545"/>
-      </p:ext>
-    </p:extLst>
-  </p:cSld>
-  <p:clrMapOvr>
-    <a:masterClrMapping/>
-  </p:clrMapOvr>
-  <p:timing>
-    <p:tnLst>
-      <p:par>
-        <p:cTn id="1" dur="indefinite" restart="never" nodeType="tmRoot"/>
-      </p:par>
-    </p:tnLst>
-  </p:timing>
-</p:sld>
-</file>
-
-<file path=ppt/slides/slide20.xml><?xml version="1.0" encoding="utf-8"?>
+<file path=ppt/slides/slide21.xml><?xml version="1.0" encoding="utf-8"?>
 <p:sld xmlns:a="http://schemas.openxmlformats.org/drawingml/2006/main" xmlns:r="http://schemas.openxmlformats.org/officeDocument/2006/relationships" xmlns:p="http://schemas.openxmlformats.org/presentationml/2006/main">
   <p:cSld>
     <p:spTree>
@@ -6807,7 +7564,7 @@
 </p:sld>
 </file>
 
-<file path=ppt/slides/slide21.xml><?xml version="1.0" encoding="utf-8"?>
+<file path=ppt/slides/slide22.xml><?xml version="1.0" encoding="utf-8"?>
 <p:sld xmlns:a="http://schemas.openxmlformats.org/drawingml/2006/main" xmlns:r="http://schemas.openxmlformats.org/officeDocument/2006/relationships" xmlns:p="http://schemas.openxmlformats.org/presentationml/2006/main">
   <p:cSld>
     <p:spTree>
@@ -6906,7 +7663,7 @@
 </p:sld>
 </file>
 
-<file path=ppt/slides/slide22.xml><?xml version="1.0" encoding="utf-8"?>
+<file path=ppt/slides/slide23.xml><?xml version="1.0" encoding="utf-8"?>
 <p:sld xmlns:a="http://schemas.openxmlformats.org/drawingml/2006/main" xmlns:r="http://schemas.openxmlformats.org/officeDocument/2006/relationships" xmlns:p="http://schemas.openxmlformats.org/presentationml/2006/main">
   <p:cSld>
     <p:spTree>
@@ -7559,7 +8316,7 @@
 </p:sld>
 </file>
 
-<file path=ppt/slides/slide23.xml><?xml version="1.0" encoding="utf-8"?>
+<file path=ppt/slides/slide24.xml><?xml version="1.0" encoding="utf-8"?>
 <p:sld xmlns:a="http://schemas.openxmlformats.org/drawingml/2006/main" xmlns:r="http://schemas.openxmlformats.org/officeDocument/2006/relationships" xmlns:p="http://schemas.openxmlformats.org/presentationml/2006/main">
   <p:cSld>
     <p:spTree>
@@ -7805,7 +8562,7 @@
 </p:sld>
 </file>
 
-<file path=ppt/slides/slide24.xml><?xml version="1.0" encoding="utf-8"?>
+<file path=ppt/slides/slide25.xml><?xml version="1.0" encoding="utf-8"?>
 <p:sld xmlns:a="http://schemas.openxmlformats.org/drawingml/2006/main" xmlns:r="http://schemas.openxmlformats.org/officeDocument/2006/relationships" xmlns:p="http://schemas.openxmlformats.org/presentationml/2006/main">
   <p:cSld>
     <p:spTree>
@@ -8027,7 +8784,7 @@
 </p:sld>
 </file>
 
-<file path=ppt/slides/slide25.xml><?xml version="1.0" encoding="utf-8"?>
+<file path=ppt/slides/slide26.xml><?xml version="1.0" encoding="utf-8"?>
 <p:sld xmlns:a="http://schemas.openxmlformats.org/drawingml/2006/main" xmlns:r="http://schemas.openxmlformats.org/officeDocument/2006/relationships" xmlns:p="http://schemas.openxmlformats.org/presentationml/2006/main">
   <p:cSld>
     <p:spTree>
@@ -8494,7 +9251,7 @@
 </p:sld>
 </file>
 
-<file path=ppt/slides/slide26.xml><?xml version="1.0" encoding="utf-8"?>
+<file path=ppt/slides/slide27.xml><?xml version="1.0" encoding="utf-8"?>
 <p:sld xmlns:a="http://schemas.openxmlformats.org/drawingml/2006/main" xmlns:r="http://schemas.openxmlformats.org/officeDocument/2006/relationships" xmlns:p="http://schemas.openxmlformats.org/presentationml/2006/main">
   <p:cSld>
     <p:spTree>
@@ -9006,7 +9763,7 @@
 </p:sld>
 </file>
 
-<file path=ppt/slides/slide27.xml><?xml version="1.0" encoding="utf-8"?>
+<file path=ppt/slides/slide28.xml><?xml version="1.0" encoding="utf-8"?>
 <p:sld xmlns:a="http://schemas.openxmlformats.org/drawingml/2006/main" xmlns:r="http://schemas.openxmlformats.org/officeDocument/2006/relationships" xmlns:p="http://schemas.openxmlformats.org/presentationml/2006/main">
   <p:cSld>
     <p:spTree>
@@ -9125,7 +9882,7 @@
 </p:sld>
 </file>
 
-<file path=ppt/slides/slide28.xml><?xml version="1.0" encoding="utf-8"?>
+<file path=ppt/slides/slide29.xml><?xml version="1.0" encoding="utf-8"?>
 <p:sld xmlns:a="http://schemas.openxmlformats.org/drawingml/2006/main" xmlns:r="http://schemas.openxmlformats.org/officeDocument/2006/relationships" xmlns:p="http://schemas.openxmlformats.org/presentationml/2006/main">
   <p:cSld>
     <p:spTree>
@@ -9491,7 +10248,148 @@
 </p:sld>
 </file>
 
-<file path=ppt/slides/slide29.xml><?xml version="1.0" encoding="utf-8"?>
+<file path=ppt/slides/slide3.xml><?xml version="1.0" encoding="utf-8"?>
+<p:sld xmlns:a="http://schemas.openxmlformats.org/drawingml/2006/main" xmlns:r="http://schemas.openxmlformats.org/officeDocument/2006/relationships" xmlns:p="http://schemas.openxmlformats.org/presentationml/2006/main">
+  <p:cSld>
+    <p:spTree>
+      <p:nvGrpSpPr>
+        <p:cNvPr id="1" name=""/>
+        <p:cNvGrpSpPr/>
+        <p:nvPr/>
+      </p:nvGrpSpPr>
+      <p:grpSpPr>
+        <a:xfrm>
+          <a:off x="0" y="0"/>
+          <a:ext cx="0" cy="0"/>
+          <a:chOff x="0" y="0"/>
+          <a:chExt cx="0" cy="0"/>
+        </a:xfrm>
+      </p:grpSpPr>
+      <p:sp>
+        <p:nvSpPr>
+          <p:cNvPr id="2" name="Title 1"/>
+          <p:cNvSpPr>
+            <a:spLocks noGrp="1"/>
+          </p:cNvSpPr>
+          <p:nvPr>
+            <p:ph type="title"/>
+          </p:nvPr>
+        </p:nvSpPr>
+        <p:spPr>
+          <a:xfrm>
+            <a:off x="838200" y="365125"/>
+            <a:ext cx="10515600" cy="5997575"/>
+          </a:xfrm>
+        </p:spPr>
+        <p:txBody>
+          <a:bodyPr>
+            <a:normAutofit/>
+          </a:bodyPr>
+          <a:lstStyle/>
+          <a:p>
+            <a:pPr algn="ctr"/>
+            <a:r>
+              <a:rPr lang="en-US" sz="5500" b="1" dirty="0" smtClean="0">
+                <a:solidFill>
+                  <a:srgbClr val="7030A0"/>
+                </a:solidFill>
+                <a:latin typeface="Times New Roman" panose="02020603050405020304" pitchFamily="18" charset="0"/>
+                <a:cs typeface="Times New Roman" panose="02020603050405020304" pitchFamily="18" charset="0"/>
+              </a:rPr>
+              <a:t>Một số </a:t>
+            </a:r>
+            <a:r>
+              <a:rPr lang="en-US" sz="5500" b="1" dirty="0">
+                <a:solidFill>
+                  <a:srgbClr val="7030A0"/>
+                </a:solidFill>
+                <a:latin typeface="Times New Roman" panose="02020603050405020304" pitchFamily="18" charset="0"/>
+                <a:cs typeface="Times New Roman" panose="02020603050405020304" pitchFamily="18" charset="0"/>
+              </a:rPr>
+              <a:t>chức năng chính </a:t>
+            </a:r>
+            <a:br>
+              <a:rPr lang="en-US" sz="5500" b="1" dirty="0">
+                <a:solidFill>
+                  <a:srgbClr val="7030A0"/>
+                </a:solidFill>
+                <a:latin typeface="Times New Roman" panose="02020603050405020304" pitchFamily="18" charset="0"/>
+                <a:cs typeface="Times New Roman" panose="02020603050405020304" pitchFamily="18" charset="0"/>
+              </a:rPr>
+            </a:br>
+            <a:r>
+              <a:rPr lang="en-US" sz="5500" b="1" dirty="0">
+                <a:solidFill>
+                  <a:srgbClr val="7030A0"/>
+                </a:solidFill>
+                <a:latin typeface="Times New Roman" panose="02020603050405020304" pitchFamily="18" charset="0"/>
+                <a:cs typeface="Times New Roman" panose="02020603050405020304" pitchFamily="18" charset="0"/>
+              </a:rPr>
+              <a:t>trong </a:t>
+            </a:r>
+            <a:r>
+              <a:rPr lang="en-US" sz="5500" b="1" dirty="0" smtClean="0">
+                <a:solidFill>
+                  <a:srgbClr val="7030A0"/>
+                </a:solidFill>
+                <a:latin typeface="Times New Roman" panose="02020603050405020304" pitchFamily="18" charset="0"/>
+                <a:cs typeface="Times New Roman" panose="02020603050405020304" pitchFamily="18" charset="0"/>
+              </a:rPr>
+              <a:t/>
+            </a:r>
+            <a:br>
+              <a:rPr lang="en-US" sz="5500" b="1" dirty="0" smtClean="0">
+                <a:solidFill>
+                  <a:srgbClr val="7030A0"/>
+                </a:solidFill>
+                <a:latin typeface="Times New Roman" panose="02020603050405020304" pitchFamily="18" charset="0"/>
+                <a:cs typeface="Times New Roman" panose="02020603050405020304" pitchFamily="18" charset="0"/>
+              </a:rPr>
+            </a:br>
+            <a:r>
+              <a:rPr lang="en-US" sz="5500" b="1" dirty="0" smtClean="0">
+                <a:solidFill>
+                  <a:srgbClr val="7030A0"/>
+                </a:solidFill>
+                <a:latin typeface="Times New Roman" panose="02020603050405020304" pitchFamily="18" charset="0"/>
+                <a:cs typeface="Times New Roman" panose="02020603050405020304" pitchFamily="18" charset="0"/>
+              </a:rPr>
+              <a:t>các </a:t>
+            </a:r>
+            <a:r>
+              <a:rPr lang="en-US" sz="5500" b="1" dirty="0">
+                <a:solidFill>
+                  <a:srgbClr val="7030A0"/>
+                </a:solidFill>
+                <a:latin typeface="Times New Roman" panose="02020603050405020304" pitchFamily="18" charset="0"/>
+                <a:cs typeface="Times New Roman" panose="02020603050405020304" pitchFamily="18" charset="0"/>
+              </a:rPr>
+              <a:t>hệ thống truy xuất thông tin.</a:t>
+            </a:r>
+          </a:p>
+        </p:txBody>
+      </p:sp>
+    </p:spTree>
+    <p:extLst>
+      <p:ext uri="{BB962C8B-B14F-4D97-AF65-F5344CB8AC3E}">
+        <p14:creationId xmlns:p14="http://schemas.microsoft.com/office/powerpoint/2010/main" val="1531001453"/>
+      </p:ext>
+    </p:extLst>
+  </p:cSld>
+  <p:clrMapOvr>
+    <a:masterClrMapping/>
+  </p:clrMapOvr>
+  <p:timing>
+    <p:tnLst>
+      <p:par>
+        <p:cTn id="1" dur="indefinite" restart="never" nodeType="tmRoot"/>
+      </p:par>
+    </p:tnLst>
+  </p:timing>
+</p:sld>
+</file>
+
+<file path=ppt/slides/slide30.xml><?xml version="1.0" encoding="utf-8"?>
 <p:sld xmlns:a="http://schemas.openxmlformats.org/drawingml/2006/main" xmlns:r="http://schemas.openxmlformats.org/officeDocument/2006/relationships" xmlns:p="http://schemas.openxmlformats.org/presentationml/2006/main">
   <p:cSld>
     <p:spTree>
@@ -9612,138 +10510,7 @@
 </p:sld>
 </file>
 
-<file path=ppt/slides/slide3.xml><?xml version="1.0" encoding="utf-8"?>
-<p:sld xmlns:a="http://schemas.openxmlformats.org/drawingml/2006/main" xmlns:r="http://schemas.openxmlformats.org/officeDocument/2006/relationships" xmlns:p="http://schemas.openxmlformats.org/presentationml/2006/main">
-  <p:cSld>
-    <p:spTree>
-      <p:nvGrpSpPr>
-        <p:cNvPr id="1" name=""/>
-        <p:cNvGrpSpPr/>
-        <p:nvPr/>
-      </p:nvGrpSpPr>
-      <p:grpSpPr>
-        <a:xfrm>
-          <a:off x="0" y="0"/>
-          <a:ext cx="0" cy="0"/>
-          <a:chOff x="0" y="0"/>
-          <a:chExt cx="0" cy="0"/>
-        </a:xfrm>
-      </p:grpSpPr>
-      <p:sp>
-        <p:nvSpPr>
-          <p:cNvPr id="2" name="Title 1"/>
-          <p:cNvSpPr>
-            <a:spLocks noGrp="1"/>
-          </p:cNvSpPr>
-          <p:nvPr>
-            <p:ph type="title"/>
-          </p:nvPr>
-        </p:nvSpPr>
-        <p:spPr>
-          <a:xfrm>
-            <a:off x="838200" y="365125"/>
-            <a:ext cx="10515600" cy="5997575"/>
-          </a:xfrm>
-        </p:spPr>
-        <p:txBody>
-          <a:bodyPr>
-            <a:normAutofit/>
-          </a:bodyPr>
-          <a:lstStyle/>
-          <a:p>
-            <a:pPr algn="ctr"/>
-            <a:r>
-              <a:rPr lang="en-US" sz="5500" b="1" dirty="0">
-                <a:solidFill>
-                  <a:srgbClr val="7030A0"/>
-                </a:solidFill>
-                <a:latin typeface="Times New Roman" panose="02020603050405020304" pitchFamily="18" charset="0"/>
-                <a:cs typeface="Times New Roman" panose="02020603050405020304" pitchFamily="18" charset="0"/>
-              </a:rPr>
-              <a:t>Những chức năng chính </a:t>
-            </a:r>
-            <a:br>
-              <a:rPr lang="en-US" sz="5500" b="1" dirty="0">
-                <a:solidFill>
-                  <a:srgbClr val="7030A0"/>
-                </a:solidFill>
-                <a:latin typeface="Times New Roman" panose="02020603050405020304" pitchFamily="18" charset="0"/>
-                <a:cs typeface="Times New Roman" panose="02020603050405020304" pitchFamily="18" charset="0"/>
-              </a:rPr>
-            </a:br>
-            <a:r>
-              <a:rPr lang="en-US" sz="5500" b="1" dirty="0">
-                <a:solidFill>
-                  <a:srgbClr val="7030A0"/>
-                </a:solidFill>
-                <a:latin typeface="Times New Roman" panose="02020603050405020304" pitchFamily="18" charset="0"/>
-                <a:cs typeface="Times New Roman" panose="02020603050405020304" pitchFamily="18" charset="0"/>
-              </a:rPr>
-              <a:t>trong </a:t>
-            </a:r>
-            <a:r>
-              <a:rPr lang="en-US" sz="5500" b="1" dirty="0" smtClean="0">
-                <a:solidFill>
-                  <a:srgbClr val="7030A0"/>
-                </a:solidFill>
-                <a:latin typeface="Times New Roman" panose="02020603050405020304" pitchFamily="18" charset="0"/>
-                <a:cs typeface="Times New Roman" panose="02020603050405020304" pitchFamily="18" charset="0"/>
-              </a:rPr>
-              <a:t/>
-            </a:r>
-            <a:br>
-              <a:rPr lang="en-US" sz="5500" b="1" dirty="0" smtClean="0">
-                <a:solidFill>
-                  <a:srgbClr val="7030A0"/>
-                </a:solidFill>
-                <a:latin typeface="Times New Roman" panose="02020603050405020304" pitchFamily="18" charset="0"/>
-                <a:cs typeface="Times New Roman" panose="02020603050405020304" pitchFamily="18" charset="0"/>
-              </a:rPr>
-            </a:br>
-            <a:r>
-              <a:rPr lang="en-US" sz="5500" b="1" dirty="0" smtClean="0">
-                <a:solidFill>
-                  <a:srgbClr val="7030A0"/>
-                </a:solidFill>
-                <a:latin typeface="Times New Roman" panose="02020603050405020304" pitchFamily="18" charset="0"/>
-                <a:cs typeface="Times New Roman" panose="02020603050405020304" pitchFamily="18" charset="0"/>
-              </a:rPr>
-              <a:t>các </a:t>
-            </a:r>
-            <a:r>
-              <a:rPr lang="en-US" sz="5500" b="1" dirty="0">
-                <a:solidFill>
-                  <a:srgbClr val="7030A0"/>
-                </a:solidFill>
-                <a:latin typeface="Times New Roman" panose="02020603050405020304" pitchFamily="18" charset="0"/>
-                <a:cs typeface="Times New Roman" panose="02020603050405020304" pitchFamily="18" charset="0"/>
-              </a:rPr>
-              <a:t>hệ thống truy xuất thông tin.</a:t>
-            </a:r>
-          </a:p>
-        </p:txBody>
-      </p:sp>
-    </p:spTree>
-    <p:extLst>
-      <p:ext uri="{BB962C8B-B14F-4D97-AF65-F5344CB8AC3E}">
-        <p14:creationId xmlns:p14="http://schemas.microsoft.com/office/powerpoint/2010/main" val="1531001453"/>
-      </p:ext>
-    </p:extLst>
-  </p:cSld>
-  <p:clrMapOvr>
-    <a:masterClrMapping/>
-  </p:clrMapOvr>
-  <p:timing>
-    <p:tnLst>
-      <p:par>
-        <p:cTn id="1" dur="indefinite" restart="never" nodeType="tmRoot"/>
-      </p:par>
-    </p:tnLst>
-  </p:timing>
-</p:sld>
-</file>
-
-<file path=ppt/slides/slide30.xml><?xml version="1.0" encoding="utf-8"?>
+<file path=ppt/slides/slide31.xml><?xml version="1.0" encoding="utf-8"?>
 <p:sld xmlns:a="http://schemas.openxmlformats.org/drawingml/2006/main" xmlns:r="http://schemas.openxmlformats.org/officeDocument/2006/relationships" xmlns:p="http://schemas.openxmlformats.org/presentationml/2006/main">
   <p:cSld>
     <p:spTree>
@@ -10024,7 +10791,7 @@
 </p:sld>
 </file>
 
-<file path=ppt/slides/slide31.xml><?xml version="1.0" encoding="utf-8"?>
+<file path=ppt/slides/slide32.xml><?xml version="1.0" encoding="utf-8"?>
 <p:sld xmlns:a="http://schemas.openxmlformats.org/drawingml/2006/main" xmlns:r="http://schemas.openxmlformats.org/officeDocument/2006/relationships" xmlns:p="http://schemas.openxmlformats.org/presentationml/2006/main">
   <p:cSld>
     <p:spTree>
@@ -12124,7 +12891,7 @@
     </p:spTree>
     <p:extLst>
       <p:ext uri="{BB962C8B-B14F-4D97-AF65-F5344CB8AC3E}">
-        <p14:creationId xmlns:p14="http://schemas.microsoft.com/office/powerpoint/2010/main" val="1373296985"/>
+        <p14:creationId xmlns:p14="http://schemas.microsoft.com/office/powerpoint/2010/main" val="3044787277"/>
       </p:ext>
     </p:extLst>
   </p:cSld>
@@ -12661,6 +13428,2691 @@
       </p:grpSpPr>
       <p:sp>
         <p:nvSpPr>
+          <p:cNvPr id="2" name="Title 1"/>
+          <p:cNvSpPr>
+            <a:spLocks noGrp="1"/>
+          </p:cNvSpPr>
+          <p:nvPr>
+            <p:ph type="title"/>
+          </p:nvPr>
+        </p:nvSpPr>
+        <p:spPr>
+          <a:xfrm>
+            <a:off x="0" y="0"/>
+            <a:ext cx="12192000" cy="1018773"/>
+          </a:xfrm>
+        </p:spPr>
+        <p:txBody>
+          <a:bodyPr>
+            <a:normAutofit/>
+          </a:bodyPr>
+          <a:lstStyle/>
+          <a:p>
+            <a:r>
+              <a:rPr lang="en-US" sz="4000" b="1" dirty="0" smtClean="0">
+                <a:solidFill>
+                  <a:srgbClr val="7030A0"/>
+                </a:solidFill>
+                <a:latin typeface="Times New Roman" panose="02020603050405020304" pitchFamily="18" charset="0"/>
+                <a:cs typeface="Times New Roman" panose="02020603050405020304" pitchFamily="18" charset="0"/>
+              </a:rPr>
+              <a:t>Inverted index.</a:t>
+            </a:r>
+            <a:endParaRPr lang="en-US" sz="4000" b="1" dirty="0">
+              <a:solidFill>
+                <a:srgbClr val="7030A0"/>
+              </a:solidFill>
+              <a:latin typeface="Times New Roman" panose="02020603050405020304" pitchFamily="18" charset="0"/>
+              <a:cs typeface="Times New Roman" panose="02020603050405020304" pitchFamily="18" charset="0"/>
+            </a:endParaRPr>
+          </a:p>
+        </p:txBody>
+      </p:sp>
+      <p:sp>
+        <p:nvSpPr>
+          <p:cNvPr id="3" name="Content Placeholder 2"/>
+          <p:cNvSpPr>
+            <a:spLocks noGrp="1"/>
+          </p:cNvSpPr>
+          <p:nvPr>
+            <p:ph idx="1"/>
+          </p:nvPr>
+        </p:nvSpPr>
+        <p:spPr>
+          <a:xfrm>
+            <a:off x="95364" y="1018773"/>
+            <a:ext cx="8007235" cy="1953027"/>
+          </a:xfrm>
+        </p:spPr>
+        <p:txBody>
+          <a:bodyPr>
+            <a:noAutofit/>
+          </a:bodyPr>
+          <a:lstStyle/>
+          <a:p>
+            <a:r>
+              <a:rPr lang="en-US" sz="2400" dirty="0" smtClean="0">
+                <a:latin typeface="Times New Roman" panose="02020603050405020304" pitchFamily="18" charset="0"/>
+                <a:cs typeface="Times New Roman" panose="02020603050405020304" pitchFamily="18" charset="0"/>
+              </a:rPr>
+              <a:t>Đánh chỉ mục ngược.</a:t>
+            </a:r>
+          </a:p>
+          <a:p>
+            <a:r>
+              <a:rPr lang="en-US" sz="2400" dirty="0" smtClean="0">
+                <a:latin typeface="Times New Roman" panose="02020603050405020304" pitchFamily="18" charset="0"/>
+                <a:cs typeface="Times New Roman" panose="02020603050405020304" pitchFamily="18" charset="0"/>
+              </a:rPr>
+              <a:t>Doc1</a:t>
+            </a:r>
+            <a:r>
+              <a:rPr lang="en-US" sz="2400" dirty="0">
+                <a:latin typeface="Times New Roman" panose="02020603050405020304" pitchFamily="18" charset="0"/>
+                <a:cs typeface="Times New Roman" panose="02020603050405020304" pitchFamily="18" charset="0"/>
+              </a:rPr>
+              <a:t>: </a:t>
+            </a:r>
+            <a:r>
+              <a:rPr lang="en-US" sz="2400" dirty="0">
+                <a:latin typeface="Times New Roman" panose="02020603050405020304" pitchFamily="18" charset="0"/>
+                <a:cs typeface="Times New Roman" panose="02020603050405020304" pitchFamily="18" charset="0"/>
+              </a:rPr>
+              <a:t> </a:t>
+            </a:r>
+            <a:r>
+              <a:rPr lang="en-US" sz="2400" dirty="0" smtClean="0">
+                <a:latin typeface="Times New Roman" panose="02020603050405020304" pitchFamily="18" charset="0"/>
+                <a:cs typeface="Times New Roman" panose="02020603050405020304" pitchFamily="18" charset="0"/>
+              </a:rPr>
+              <a:t>   </a:t>
+            </a:r>
+            <a:r>
+              <a:rPr lang="en-US" sz="2400" dirty="0" smtClean="0">
+                <a:latin typeface="Times New Roman" panose="02020603050405020304" pitchFamily="18" charset="0"/>
+                <a:cs typeface="Times New Roman" panose="02020603050405020304" pitchFamily="18" charset="0"/>
+              </a:rPr>
+              <a:t>a    b l u e    d o g    r u n n i n g    o n    t h e    r o a d</a:t>
+            </a:r>
+            <a:endParaRPr lang="en-US" sz="2400" dirty="0" smtClean="0">
+              <a:latin typeface="Times New Roman" panose="02020603050405020304" pitchFamily="18" charset="0"/>
+              <a:cs typeface="Times New Roman" panose="02020603050405020304" pitchFamily="18" charset="0"/>
+            </a:endParaRPr>
+          </a:p>
+          <a:p>
+            <a:r>
+              <a:rPr lang="en-US" sz="2400" dirty="0" smtClean="0">
+                <a:latin typeface="Times New Roman" panose="02020603050405020304" pitchFamily="18" charset="0"/>
+                <a:cs typeface="Times New Roman" panose="02020603050405020304" pitchFamily="18" charset="0"/>
+              </a:rPr>
+              <a:t>Doc2</a:t>
+            </a:r>
+            <a:r>
+              <a:rPr lang="en-US" sz="2400" dirty="0">
+                <a:latin typeface="Times New Roman" panose="02020603050405020304" pitchFamily="18" charset="0"/>
+                <a:cs typeface="Times New Roman" panose="02020603050405020304" pitchFamily="18" charset="0"/>
+              </a:rPr>
+              <a:t>: </a:t>
+            </a:r>
+            <a:r>
+              <a:rPr lang="en-US" sz="2400" dirty="0">
+                <a:latin typeface="Times New Roman" panose="02020603050405020304" pitchFamily="18" charset="0"/>
+                <a:cs typeface="Times New Roman" panose="02020603050405020304" pitchFamily="18" charset="0"/>
+              </a:rPr>
+              <a:t> </a:t>
+            </a:r>
+            <a:r>
+              <a:rPr lang="en-US" sz="2400" dirty="0" smtClean="0">
+                <a:latin typeface="Times New Roman" panose="02020603050405020304" pitchFamily="18" charset="0"/>
+                <a:cs typeface="Times New Roman" panose="02020603050405020304" pitchFamily="18" charset="0"/>
+              </a:rPr>
+              <a:t>   </a:t>
+            </a:r>
+            <a:r>
+              <a:rPr lang="en-US" sz="2400" dirty="0" smtClean="0">
+                <a:latin typeface="Times New Roman" panose="02020603050405020304" pitchFamily="18" charset="0"/>
+                <a:cs typeface="Times New Roman" panose="02020603050405020304" pitchFamily="18" charset="0"/>
+              </a:rPr>
+              <a:t>a    b l u e    b i r d   f l y i n g        i n    t h e    s k y</a:t>
+            </a:r>
+            <a:endParaRPr lang="en-US" sz="2400" dirty="0" smtClean="0">
+              <a:latin typeface="Times New Roman" panose="02020603050405020304" pitchFamily="18" charset="0"/>
+              <a:cs typeface="Times New Roman" panose="02020603050405020304" pitchFamily="18" charset="0"/>
+            </a:endParaRPr>
+          </a:p>
+          <a:p>
+            <a:r>
+              <a:rPr lang="en-US" sz="2400" dirty="0" smtClean="0">
+                <a:latin typeface="Times New Roman" panose="02020603050405020304" pitchFamily="18" charset="0"/>
+                <a:cs typeface="Times New Roman" panose="02020603050405020304" pitchFamily="18" charset="0"/>
+              </a:rPr>
+              <a:t>Doc3: </a:t>
+            </a:r>
+            <a:r>
+              <a:rPr lang="en-US" sz="2400" dirty="0" smtClean="0">
+                <a:latin typeface="Times New Roman" panose="02020603050405020304" pitchFamily="18" charset="0"/>
+                <a:cs typeface="Times New Roman" panose="02020603050405020304" pitchFamily="18" charset="0"/>
+              </a:rPr>
+              <a:t>    u n d e r    t h e    b l u e    s k y</a:t>
+            </a:r>
+            <a:endParaRPr lang="en-US" sz="2400" dirty="0" smtClean="0">
+              <a:latin typeface="Times New Roman" panose="02020603050405020304" pitchFamily="18" charset="0"/>
+              <a:cs typeface="Times New Roman" panose="02020603050405020304" pitchFamily="18" charset="0"/>
+            </a:endParaRPr>
+          </a:p>
+          <a:p>
+            <a:endParaRPr lang="en-US" sz="2400" dirty="0" smtClean="0">
+              <a:latin typeface="Times New Roman" panose="02020603050405020304" pitchFamily="18" charset="0"/>
+              <a:cs typeface="Times New Roman" panose="02020603050405020304" pitchFamily="18" charset="0"/>
+            </a:endParaRPr>
+          </a:p>
+        </p:txBody>
+      </p:sp>
+      <p:sp>
+        <p:nvSpPr>
+          <p:cNvPr id="4" name="Content Placeholder 2"/>
+          <p:cNvSpPr txBox="1">
+            <a:spLocks/>
+          </p:cNvSpPr>
+          <p:nvPr/>
+        </p:nvSpPr>
+        <p:spPr>
+          <a:xfrm>
+            <a:off x="6577" y="2971800"/>
+            <a:ext cx="2863737" cy="2574061"/>
+          </a:xfrm>
+          <a:prstGeom prst="rect">
+            <a:avLst/>
+          </a:prstGeom>
+        </p:spPr>
+        <p:txBody>
+          <a:bodyPr vert="horz" lIns="91440" tIns="45720" rIns="91440" bIns="45720" rtlCol="0">
+            <a:noAutofit/>
+          </a:bodyPr>
+          <a:lstStyle>
+            <a:lvl1pPr marL="228600" indent="-228600" algn="l" defTabSz="914400" rtl="0" eaLnBrk="1" latinLnBrk="0" hangingPunct="1">
+              <a:lnSpc>
+                <a:spcPct val="90000"/>
+              </a:lnSpc>
+              <a:spcBef>
+                <a:spcPts val="1000"/>
+              </a:spcBef>
+              <a:buFont typeface="Arial" panose="020B0604020202020204" pitchFamily="34" charset="0"/>
+              <a:buChar char="•"/>
+              <a:defRPr sz="2800" kern="1200">
+                <a:solidFill>
+                  <a:schemeClr val="tx1"/>
+                </a:solidFill>
+                <a:latin typeface="+mn-lt"/>
+                <a:ea typeface="+mn-ea"/>
+                <a:cs typeface="+mn-cs"/>
+              </a:defRPr>
+            </a:lvl1pPr>
+            <a:lvl2pPr marL="685800" indent="-228600" algn="l" defTabSz="914400" rtl="0" eaLnBrk="1" latinLnBrk="0" hangingPunct="1">
+              <a:lnSpc>
+                <a:spcPct val="90000"/>
+              </a:lnSpc>
+              <a:spcBef>
+                <a:spcPts val="500"/>
+              </a:spcBef>
+              <a:buFont typeface="Arial" panose="020B0604020202020204" pitchFamily="34" charset="0"/>
+              <a:buChar char="•"/>
+              <a:defRPr sz="2400" kern="1200">
+                <a:solidFill>
+                  <a:schemeClr val="tx1"/>
+                </a:solidFill>
+                <a:latin typeface="+mn-lt"/>
+                <a:ea typeface="+mn-ea"/>
+                <a:cs typeface="+mn-cs"/>
+              </a:defRPr>
+            </a:lvl2pPr>
+            <a:lvl3pPr marL="1143000" indent="-228600" algn="l" defTabSz="914400" rtl="0" eaLnBrk="1" latinLnBrk="0" hangingPunct="1">
+              <a:lnSpc>
+                <a:spcPct val="90000"/>
+              </a:lnSpc>
+              <a:spcBef>
+                <a:spcPts val="500"/>
+              </a:spcBef>
+              <a:buFont typeface="Arial" panose="020B0604020202020204" pitchFamily="34" charset="0"/>
+              <a:buChar char="•"/>
+              <a:defRPr sz="2000" kern="1200">
+                <a:solidFill>
+                  <a:schemeClr val="tx1"/>
+                </a:solidFill>
+                <a:latin typeface="+mn-lt"/>
+                <a:ea typeface="+mn-ea"/>
+                <a:cs typeface="+mn-cs"/>
+              </a:defRPr>
+            </a:lvl3pPr>
+            <a:lvl4pPr marL="1600200" indent="-228600" algn="l" defTabSz="914400" rtl="0" eaLnBrk="1" latinLnBrk="0" hangingPunct="1">
+              <a:lnSpc>
+                <a:spcPct val="90000"/>
+              </a:lnSpc>
+              <a:spcBef>
+                <a:spcPts val="500"/>
+              </a:spcBef>
+              <a:buFont typeface="Arial" panose="020B0604020202020204" pitchFamily="34" charset="0"/>
+              <a:buChar char="•"/>
+              <a:defRPr sz="1800" kern="1200">
+                <a:solidFill>
+                  <a:schemeClr val="tx1"/>
+                </a:solidFill>
+                <a:latin typeface="+mn-lt"/>
+                <a:ea typeface="+mn-ea"/>
+                <a:cs typeface="+mn-cs"/>
+              </a:defRPr>
+            </a:lvl4pPr>
+            <a:lvl5pPr marL="2057400" indent="-228600" algn="l" defTabSz="914400" rtl="0" eaLnBrk="1" latinLnBrk="0" hangingPunct="1">
+              <a:lnSpc>
+                <a:spcPct val="90000"/>
+              </a:lnSpc>
+              <a:spcBef>
+                <a:spcPts val="500"/>
+              </a:spcBef>
+              <a:buFont typeface="Arial" panose="020B0604020202020204" pitchFamily="34" charset="0"/>
+              <a:buChar char="•"/>
+              <a:defRPr sz="1800" kern="1200">
+                <a:solidFill>
+                  <a:schemeClr val="tx1"/>
+                </a:solidFill>
+                <a:latin typeface="+mn-lt"/>
+                <a:ea typeface="+mn-ea"/>
+                <a:cs typeface="+mn-cs"/>
+              </a:defRPr>
+            </a:lvl5pPr>
+            <a:lvl6pPr marL="2514600" indent="-228600" algn="l" defTabSz="914400" rtl="0" eaLnBrk="1" latinLnBrk="0" hangingPunct="1">
+              <a:lnSpc>
+                <a:spcPct val="90000"/>
+              </a:lnSpc>
+              <a:spcBef>
+                <a:spcPts val="500"/>
+              </a:spcBef>
+              <a:buFont typeface="Arial" panose="020B0604020202020204" pitchFamily="34" charset="0"/>
+              <a:buChar char="•"/>
+              <a:defRPr sz="1800" kern="1200">
+                <a:solidFill>
+                  <a:schemeClr val="tx1"/>
+                </a:solidFill>
+                <a:latin typeface="+mn-lt"/>
+                <a:ea typeface="+mn-ea"/>
+                <a:cs typeface="+mn-cs"/>
+              </a:defRPr>
+            </a:lvl6pPr>
+            <a:lvl7pPr marL="2971800" indent="-228600" algn="l" defTabSz="914400" rtl="0" eaLnBrk="1" latinLnBrk="0" hangingPunct="1">
+              <a:lnSpc>
+                <a:spcPct val="90000"/>
+              </a:lnSpc>
+              <a:spcBef>
+                <a:spcPts val="500"/>
+              </a:spcBef>
+              <a:buFont typeface="Arial" panose="020B0604020202020204" pitchFamily="34" charset="0"/>
+              <a:buChar char="•"/>
+              <a:defRPr sz="1800" kern="1200">
+                <a:solidFill>
+                  <a:schemeClr val="tx1"/>
+                </a:solidFill>
+                <a:latin typeface="+mn-lt"/>
+                <a:ea typeface="+mn-ea"/>
+                <a:cs typeface="+mn-cs"/>
+              </a:defRPr>
+            </a:lvl7pPr>
+            <a:lvl8pPr marL="3429000" indent="-228600" algn="l" defTabSz="914400" rtl="0" eaLnBrk="1" latinLnBrk="0" hangingPunct="1">
+              <a:lnSpc>
+                <a:spcPct val="90000"/>
+              </a:lnSpc>
+              <a:spcBef>
+                <a:spcPts val="500"/>
+              </a:spcBef>
+              <a:buFont typeface="Arial" panose="020B0604020202020204" pitchFamily="34" charset="0"/>
+              <a:buChar char="•"/>
+              <a:defRPr sz="1800" kern="1200">
+                <a:solidFill>
+                  <a:schemeClr val="tx1"/>
+                </a:solidFill>
+                <a:latin typeface="+mn-lt"/>
+                <a:ea typeface="+mn-ea"/>
+                <a:cs typeface="+mn-cs"/>
+              </a:defRPr>
+            </a:lvl8pPr>
+            <a:lvl9pPr marL="3886200" indent="-228600" algn="l" defTabSz="914400" rtl="0" eaLnBrk="1" latinLnBrk="0" hangingPunct="1">
+              <a:lnSpc>
+                <a:spcPct val="90000"/>
+              </a:lnSpc>
+              <a:spcBef>
+                <a:spcPts val="500"/>
+              </a:spcBef>
+              <a:buFont typeface="Arial" panose="020B0604020202020204" pitchFamily="34" charset="0"/>
+              <a:buChar char="•"/>
+              <a:defRPr sz="1800" kern="1200">
+                <a:solidFill>
+                  <a:schemeClr val="tx1"/>
+                </a:solidFill>
+                <a:latin typeface="+mn-lt"/>
+                <a:ea typeface="+mn-ea"/>
+                <a:cs typeface="+mn-cs"/>
+              </a:defRPr>
+            </a:lvl9pPr>
+          </a:lstStyle>
+          <a:p>
+            <a:pPr marL="0" lvl="8" indent="0" algn="just">
+              <a:buFont typeface="Arial" panose="020B0604020202020204" pitchFamily="34" charset="0"/>
+              <a:buNone/>
+            </a:pPr>
+            <a:r>
+              <a:rPr lang="en-US" sz="2400" dirty="0" smtClean="0">
+                <a:solidFill>
+                  <a:srgbClr val="FF0000"/>
+                </a:solidFill>
+                <a:latin typeface="Times New Roman" panose="02020603050405020304" pitchFamily="18" charset="0"/>
+                <a:cs typeface="Times New Roman" panose="02020603050405020304" pitchFamily="18" charset="0"/>
+              </a:rPr>
+              <a:t>Phrases</a:t>
+            </a:r>
+            <a:r>
+              <a:rPr lang="en-US" sz="2400" dirty="0" smtClean="0">
+                <a:latin typeface="Times New Roman" panose="02020603050405020304" pitchFamily="18" charset="0"/>
+                <a:cs typeface="Times New Roman" panose="02020603050405020304" pitchFamily="18" charset="0"/>
+              </a:rPr>
+              <a:t>: </a:t>
+            </a:r>
+          </a:p>
+          <a:p>
+            <a:pPr marL="0" lvl="8" indent="0" algn="just">
+              <a:buFont typeface="Arial" panose="020B0604020202020204" pitchFamily="34" charset="0"/>
+              <a:buNone/>
+            </a:pPr>
+            <a:r>
+              <a:rPr lang="en-US" sz="2400" dirty="0" smtClean="0">
+                <a:latin typeface="Times New Roman" panose="02020603050405020304" pitchFamily="18" charset="0"/>
+                <a:cs typeface="Times New Roman" panose="02020603050405020304" pitchFamily="18" charset="0"/>
+              </a:rPr>
+              <a:t>the blue sky</a:t>
+            </a:r>
+          </a:p>
+          <a:p>
+            <a:pPr marL="0" lvl="8" indent="0" algn="just">
+              <a:buNone/>
+            </a:pPr>
+            <a:endParaRPr lang="en-US" sz="2400" dirty="0" smtClean="0">
+              <a:latin typeface="Times New Roman" panose="02020603050405020304" pitchFamily="18" charset="0"/>
+              <a:cs typeface="Times New Roman" panose="02020603050405020304" pitchFamily="18" charset="0"/>
+            </a:endParaRPr>
+          </a:p>
+          <a:p>
+            <a:pPr marL="0" lvl="8" indent="0" algn="just">
+              <a:buNone/>
+            </a:pPr>
+            <a:r>
+              <a:rPr lang="en-US" sz="2400" dirty="0" smtClean="0">
+                <a:latin typeface="Times New Roman" panose="02020603050405020304" pitchFamily="18" charset="0"/>
+                <a:cs typeface="Times New Roman" panose="02020603050405020304" pitchFamily="18" charset="0"/>
+              </a:rPr>
+              <a:t>blue</a:t>
+            </a:r>
+            <a:r>
+              <a:rPr lang="en-US" sz="2400" dirty="0" smtClean="0">
+                <a:latin typeface="Times New Roman" panose="02020603050405020304" pitchFamily="18" charset="0"/>
+                <a:cs typeface="Times New Roman" panose="02020603050405020304" pitchFamily="18" charset="0"/>
+              </a:rPr>
+              <a:t>:{1:3; 2:3; 3:11}</a:t>
+            </a:r>
+            <a:endParaRPr lang="en-US" sz="2400" dirty="0" smtClean="0">
+              <a:latin typeface="Times New Roman" panose="02020603050405020304" pitchFamily="18" charset="0"/>
+              <a:cs typeface="Times New Roman" panose="02020603050405020304" pitchFamily="18" charset="0"/>
+            </a:endParaRPr>
+          </a:p>
+          <a:p>
+            <a:pPr marL="0" lvl="8" indent="0" algn="just">
+              <a:buNone/>
+            </a:pPr>
+            <a:r>
+              <a:rPr lang="en-US" sz="2400" dirty="0" smtClean="0">
+                <a:latin typeface="Times New Roman" panose="02020603050405020304" pitchFamily="18" charset="0"/>
+                <a:cs typeface="Times New Roman" panose="02020603050405020304" pitchFamily="18" charset="0"/>
+              </a:rPr>
+              <a:t>sky</a:t>
+            </a:r>
+            <a:r>
+              <a:rPr lang="en-US" sz="2400" dirty="0">
+                <a:latin typeface="Times New Roman" panose="02020603050405020304" pitchFamily="18" charset="0"/>
+                <a:cs typeface="Times New Roman" panose="02020603050405020304" pitchFamily="18" charset="0"/>
+              </a:rPr>
+              <a:t>: </a:t>
+            </a:r>
+            <a:r>
+              <a:rPr lang="en-US" sz="2400" dirty="0" smtClean="0">
+                <a:latin typeface="Times New Roman" panose="02020603050405020304" pitchFamily="18" charset="0"/>
+                <a:cs typeface="Times New Roman" panose="02020603050405020304" pitchFamily="18" charset="0"/>
+              </a:rPr>
+              <a:t> {</a:t>
+            </a:r>
+            <a:r>
+              <a:rPr lang="en-US" sz="2400" dirty="0" smtClean="0">
+                <a:latin typeface="Times New Roman" panose="02020603050405020304" pitchFamily="18" charset="0"/>
+                <a:cs typeface="Times New Roman" panose="02020603050405020304" pitchFamily="18" charset="0"/>
+              </a:rPr>
+              <a:t>2:27</a:t>
+            </a:r>
+            <a:r>
+              <a:rPr lang="en-US" sz="2400" dirty="0">
+                <a:latin typeface="Times New Roman" panose="02020603050405020304" pitchFamily="18" charset="0"/>
+                <a:cs typeface="Times New Roman" panose="02020603050405020304" pitchFamily="18" charset="0"/>
+              </a:rPr>
+              <a:t>; </a:t>
+            </a:r>
+            <a:r>
+              <a:rPr lang="en-US" sz="2400" dirty="0" smtClean="0">
+                <a:latin typeface="Times New Roman" panose="02020603050405020304" pitchFamily="18" charset="0"/>
+                <a:cs typeface="Times New Roman" panose="02020603050405020304" pitchFamily="18" charset="0"/>
+              </a:rPr>
+              <a:t>3:16}</a:t>
+            </a:r>
+            <a:endParaRPr lang="en-US" sz="2400" dirty="0">
+              <a:latin typeface="Times New Roman" panose="02020603050405020304" pitchFamily="18" charset="0"/>
+              <a:cs typeface="Times New Roman" panose="02020603050405020304" pitchFamily="18" charset="0"/>
+            </a:endParaRPr>
+          </a:p>
+        </p:txBody>
+      </p:sp>
+      <p:sp>
+        <p:nvSpPr>
+          <p:cNvPr id="5" name="Content Placeholder 2"/>
+          <p:cNvSpPr txBox="1">
+            <a:spLocks/>
+          </p:cNvSpPr>
+          <p:nvPr/>
+        </p:nvSpPr>
+        <p:spPr>
+          <a:xfrm>
+            <a:off x="8102599" y="596900"/>
+            <a:ext cx="3949473" cy="5857473"/>
+          </a:xfrm>
+          <a:prstGeom prst="rect">
+            <a:avLst/>
+          </a:prstGeom>
+        </p:spPr>
+        <p:txBody>
+          <a:bodyPr vert="horz" lIns="91440" tIns="45720" rIns="91440" bIns="45720" rtlCol="0">
+            <a:noAutofit/>
+          </a:bodyPr>
+          <a:lstStyle>
+            <a:lvl1pPr marL="228600" indent="-228600" algn="l" defTabSz="914400" rtl="0" eaLnBrk="1" latinLnBrk="0" hangingPunct="1">
+              <a:lnSpc>
+                <a:spcPct val="90000"/>
+              </a:lnSpc>
+              <a:spcBef>
+                <a:spcPts val="1000"/>
+              </a:spcBef>
+              <a:buFont typeface="Arial" panose="020B0604020202020204" pitchFamily="34" charset="0"/>
+              <a:buChar char="•"/>
+              <a:defRPr sz="2800" kern="1200">
+                <a:solidFill>
+                  <a:schemeClr val="tx1"/>
+                </a:solidFill>
+                <a:latin typeface="+mn-lt"/>
+                <a:ea typeface="+mn-ea"/>
+                <a:cs typeface="+mn-cs"/>
+              </a:defRPr>
+            </a:lvl1pPr>
+            <a:lvl2pPr marL="685800" indent="-228600" algn="l" defTabSz="914400" rtl="0" eaLnBrk="1" latinLnBrk="0" hangingPunct="1">
+              <a:lnSpc>
+                <a:spcPct val="90000"/>
+              </a:lnSpc>
+              <a:spcBef>
+                <a:spcPts val="500"/>
+              </a:spcBef>
+              <a:buFont typeface="Arial" panose="020B0604020202020204" pitchFamily="34" charset="0"/>
+              <a:buChar char="•"/>
+              <a:defRPr sz="2400" kern="1200">
+                <a:solidFill>
+                  <a:schemeClr val="tx1"/>
+                </a:solidFill>
+                <a:latin typeface="+mn-lt"/>
+                <a:ea typeface="+mn-ea"/>
+                <a:cs typeface="+mn-cs"/>
+              </a:defRPr>
+            </a:lvl2pPr>
+            <a:lvl3pPr marL="1143000" indent="-228600" algn="l" defTabSz="914400" rtl="0" eaLnBrk="1" latinLnBrk="0" hangingPunct="1">
+              <a:lnSpc>
+                <a:spcPct val="90000"/>
+              </a:lnSpc>
+              <a:spcBef>
+                <a:spcPts val="500"/>
+              </a:spcBef>
+              <a:buFont typeface="Arial" panose="020B0604020202020204" pitchFamily="34" charset="0"/>
+              <a:buChar char="•"/>
+              <a:defRPr sz="2000" kern="1200">
+                <a:solidFill>
+                  <a:schemeClr val="tx1"/>
+                </a:solidFill>
+                <a:latin typeface="+mn-lt"/>
+                <a:ea typeface="+mn-ea"/>
+                <a:cs typeface="+mn-cs"/>
+              </a:defRPr>
+            </a:lvl3pPr>
+            <a:lvl4pPr marL="1600200" indent="-228600" algn="l" defTabSz="914400" rtl="0" eaLnBrk="1" latinLnBrk="0" hangingPunct="1">
+              <a:lnSpc>
+                <a:spcPct val="90000"/>
+              </a:lnSpc>
+              <a:spcBef>
+                <a:spcPts val="500"/>
+              </a:spcBef>
+              <a:buFont typeface="Arial" panose="020B0604020202020204" pitchFamily="34" charset="0"/>
+              <a:buChar char="•"/>
+              <a:defRPr sz="1800" kern="1200">
+                <a:solidFill>
+                  <a:schemeClr val="tx1"/>
+                </a:solidFill>
+                <a:latin typeface="+mn-lt"/>
+                <a:ea typeface="+mn-ea"/>
+                <a:cs typeface="+mn-cs"/>
+              </a:defRPr>
+            </a:lvl4pPr>
+            <a:lvl5pPr marL="2057400" indent="-228600" algn="l" defTabSz="914400" rtl="0" eaLnBrk="1" latinLnBrk="0" hangingPunct="1">
+              <a:lnSpc>
+                <a:spcPct val="90000"/>
+              </a:lnSpc>
+              <a:spcBef>
+                <a:spcPts val="500"/>
+              </a:spcBef>
+              <a:buFont typeface="Arial" panose="020B0604020202020204" pitchFamily="34" charset="0"/>
+              <a:buChar char="•"/>
+              <a:defRPr sz="1800" kern="1200">
+                <a:solidFill>
+                  <a:schemeClr val="tx1"/>
+                </a:solidFill>
+                <a:latin typeface="+mn-lt"/>
+                <a:ea typeface="+mn-ea"/>
+                <a:cs typeface="+mn-cs"/>
+              </a:defRPr>
+            </a:lvl5pPr>
+            <a:lvl6pPr marL="2514600" indent="-228600" algn="l" defTabSz="914400" rtl="0" eaLnBrk="1" latinLnBrk="0" hangingPunct="1">
+              <a:lnSpc>
+                <a:spcPct val="90000"/>
+              </a:lnSpc>
+              <a:spcBef>
+                <a:spcPts val="500"/>
+              </a:spcBef>
+              <a:buFont typeface="Arial" panose="020B0604020202020204" pitchFamily="34" charset="0"/>
+              <a:buChar char="•"/>
+              <a:defRPr sz="1800" kern="1200">
+                <a:solidFill>
+                  <a:schemeClr val="tx1"/>
+                </a:solidFill>
+                <a:latin typeface="+mn-lt"/>
+                <a:ea typeface="+mn-ea"/>
+                <a:cs typeface="+mn-cs"/>
+              </a:defRPr>
+            </a:lvl6pPr>
+            <a:lvl7pPr marL="2971800" indent="-228600" algn="l" defTabSz="914400" rtl="0" eaLnBrk="1" latinLnBrk="0" hangingPunct="1">
+              <a:lnSpc>
+                <a:spcPct val="90000"/>
+              </a:lnSpc>
+              <a:spcBef>
+                <a:spcPts val="500"/>
+              </a:spcBef>
+              <a:buFont typeface="Arial" panose="020B0604020202020204" pitchFamily="34" charset="0"/>
+              <a:buChar char="•"/>
+              <a:defRPr sz="1800" kern="1200">
+                <a:solidFill>
+                  <a:schemeClr val="tx1"/>
+                </a:solidFill>
+                <a:latin typeface="+mn-lt"/>
+                <a:ea typeface="+mn-ea"/>
+                <a:cs typeface="+mn-cs"/>
+              </a:defRPr>
+            </a:lvl7pPr>
+            <a:lvl8pPr marL="3429000" indent="-228600" algn="l" defTabSz="914400" rtl="0" eaLnBrk="1" latinLnBrk="0" hangingPunct="1">
+              <a:lnSpc>
+                <a:spcPct val="90000"/>
+              </a:lnSpc>
+              <a:spcBef>
+                <a:spcPts val="500"/>
+              </a:spcBef>
+              <a:buFont typeface="Arial" panose="020B0604020202020204" pitchFamily="34" charset="0"/>
+              <a:buChar char="•"/>
+              <a:defRPr sz="1800" kern="1200">
+                <a:solidFill>
+                  <a:schemeClr val="tx1"/>
+                </a:solidFill>
+                <a:latin typeface="+mn-lt"/>
+                <a:ea typeface="+mn-ea"/>
+                <a:cs typeface="+mn-cs"/>
+              </a:defRPr>
+            </a:lvl8pPr>
+            <a:lvl9pPr marL="3886200" indent="-228600" algn="l" defTabSz="914400" rtl="0" eaLnBrk="1" latinLnBrk="0" hangingPunct="1">
+              <a:lnSpc>
+                <a:spcPct val="90000"/>
+              </a:lnSpc>
+              <a:spcBef>
+                <a:spcPts val="500"/>
+              </a:spcBef>
+              <a:buFont typeface="Arial" panose="020B0604020202020204" pitchFamily="34" charset="0"/>
+              <a:buChar char="•"/>
+              <a:defRPr sz="1800" kern="1200">
+                <a:solidFill>
+                  <a:schemeClr val="tx1"/>
+                </a:solidFill>
+                <a:latin typeface="+mn-lt"/>
+                <a:ea typeface="+mn-ea"/>
+                <a:cs typeface="+mn-cs"/>
+              </a:defRPr>
+            </a:lvl9pPr>
+          </a:lstStyle>
+          <a:p>
+            <a:pPr marL="0" indent="0">
+              <a:buNone/>
+            </a:pPr>
+            <a:r>
+              <a:rPr lang="en-US" sz="2400" dirty="0" smtClean="0">
+                <a:latin typeface="Times New Roman" panose="02020603050405020304" pitchFamily="18" charset="0"/>
+                <a:cs typeface="Times New Roman" panose="02020603050405020304" pitchFamily="18" charset="0"/>
+              </a:rPr>
+              <a:t>                     the postings</a:t>
+            </a:r>
+          </a:p>
+          <a:p>
+            <a:pPr marL="457200" indent="-457200">
+              <a:buFont typeface="+mj-lt"/>
+              <a:buAutoNum type="arabicPeriod"/>
+            </a:pPr>
+            <a:r>
+              <a:rPr lang="en-US" sz="2400" dirty="0" smtClean="0">
+                <a:latin typeface="Times New Roman" panose="02020603050405020304" pitchFamily="18" charset="0"/>
+                <a:cs typeface="Times New Roman" panose="02020603050405020304" pitchFamily="18" charset="0"/>
+              </a:rPr>
+              <a:t>a:            {1:1; 2:1}</a:t>
+            </a:r>
+          </a:p>
+          <a:p>
+            <a:pPr marL="457200" indent="-457200">
+              <a:buFont typeface="+mj-lt"/>
+              <a:buAutoNum type="arabicPeriod"/>
+            </a:pPr>
+            <a:r>
+              <a:rPr lang="en-US" sz="2400" dirty="0">
+                <a:latin typeface="Times New Roman" panose="02020603050405020304" pitchFamily="18" charset="0"/>
+                <a:cs typeface="Times New Roman" panose="02020603050405020304" pitchFamily="18" charset="0"/>
+              </a:rPr>
+              <a:t>bird:       {</a:t>
+            </a:r>
+            <a:r>
+              <a:rPr lang="en-US" sz="2400" dirty="0" smtClean="0">
+                <a:latin typeface="Times New Roman" panose="02020603050405020304" pitchFamily="18" charset="0"/>
+                <a:cs typeface="Times New Roman" panose="02020603050405020304" pitchFamily="18" charset="0"/>
+              </a:rPr>
+              <a:t>2:8}</a:t>
+            </a:r>
+            <a:endParaRPr lang="en-US" sz="2400" dirty="0" smtClean="0">
+              <a:latin typeface="Times New Roman" panose="02020603050405020304" pitchFamily="18" charset="0"/>
+              <a:cs typeface="Times New Roman" panose="02020603050405020304" pitchFamily="18" charset="0"/>
+            </a:endParaRPr>
+          </a:p>
+          <a:p>
+            <a:pPr marL="457200" indent="-457200">
+              <a:buFont typeface="+mj-lt"/>
+              <a:buAutoNum type="arabicPeriod"/>
+            </a:pPr>
+            <a:r>
+              <a:rPr lang="en-US" sz="2400" dirty="0" smtClean="0">
+                <a:latin typeface="Times New Roman" panose="02020603050405020304" pitchFamily="18" charset="0"/>
+                <a:cs typeface="Times New Roman" panose="02020603050405020304" pitchFamily="18" charset="0"/>
+              </a:rPr>
+              <a:t>blue:       {</a:t>
+            </a:r>
+            <a:r>
+              <a:rPr lang="en-US" sz="2400" dirty="0" smtClean="0">
+                <a:latin typeface="Times New Roman" panose="02020603050405020304" pitchFamily="18" charset="0"/>
+                <a:cs typeface="Times New Roman" panose="02020603050405020304" pitchFamily="18" charset="0"/>
+              </a:rPr>
+              <a:t>1:3; 2:3; 3:11}</a:t>
+            </a:r>
+            <a:endParaRPr lang="en-US" sz="2400" dirty="0" smtClean="0">
+              <a:latin typeface="Times New Roman" panose="02020603050405020304" pitchFamily="18" charset="0"/>
+              <a:cs typeface="Times New Roman" panose="02020603050405020304" pitchFamily="18" charset="0"/>
+            </a:endParaRPr>
+          </a:p>
+          <a:p>
+            <a:pPr marL="457200" indent="-457200">
+              <a:buFont typeface="+mj-lt"/>
+              <a:buAutoNum type="arabicPeriod"/>
+            </a:pPr>
+            <a:r>
+              <a:rPr lang="en-US" sz="2400" dirty="0" smtClean="0">
+                <a:latin typeface="Times New Roman" panose="02020603050405020304" pitchFamily="18" charset="0"/>
+                <a:cs typeface="Times New Roman" panose="02020603050405020304" pitchFamily="18" charset="0"/>
+              </a:rPr>
+              <a:t>dog:        {</a:t>
+            </a:r>
+            <a:r>
+              <a:rPr lang="en-US" sz="2400" dirty="0" smtClean="0">
+                <a:latin typeface="Times New Roman" panose="02020603050405020304" pitchFamily="18" charset="0"/>
+                <a:cs typeface="Times New Roman" panose="02020603050405020304" pitchFamily="18" charset="0"/>
+              </a:rPr>
+              <a:t>1:8}</a:t>
+            </a:r>
+            <a:endParaRPr lang="en-US" sz="2400" dirty="0" smtClean="0">
+              <a:latin typeface="Times New Roman" panose="02020603050405020304" pitchFamily="18" charset="0"/>
+              <a:cs typeface="Times New Roman" panose="02020603050405020304" pitchFamily="18" charset="0"/>
+            </a:endParaRPr>
+          </a:p>
+          <a:p>
+            <a:pPr marL="457200" indent="-457200">
+              <a:buFont typeface="+mj-lt"/>
+              <a:buAutoNum type="arabicPeriod"/>
+            </a:pPr>
+            <a:r>
+              <a:rPr lang="en-US" sz="2400" dirty="0" smtClean="0">
+                <a:latin typeface="Times New Roman" panose="02020603050405020304" pitchFamily="18" charset="0"/>
+                <a:cs typeface="Times New Roman" panose="02020603050405020304" pitchFamily="18" charset="0"/>
+              </a:rPr>
+              <a:t>flying:     {</a:t>
+            </a:r>
+            <a:r>
+              <a:rPr lang="en-US" sz="2400" dirty="0" smtClean="0">
+                <a:latin typeface="Times New Roman" panose="02020603050405020304" pitchFamily="18" charset="0"/>
+                <a:cs typeface="Times New Roman" panose="02020603050405020304" pitchFamily="18" charset="0"/>
+              </a:rPr>
+              <a:t>2:13}</a:t>
+            </a:r>
+            <a:endParaRPr lang="en-US" sz="2400" dirty="0" smtClean="0">
+              <a:latin typeface="Times New Roman" panose="02020603050405020304" pitchFamily="18" charset="0"/>
+              <a:cs typeface="Times New Roman" panose="02020603050405020304" pitchFamily="18" charset="0"/>
+            </a:endParaRPr>
+          </a:p>
+          <a:p>
+            <a:pPr marL="457200" indent="-457200">
+              <a:buFont typeface="+mj-lt"/>
+              <a:buAutoNum type="arabicPeriod"/>
+            </a:pPr>
+            <a:r>
+              <a:rPr lang="en-US" sz="2400" dirty="0" smtClean="0">
+                <a:latin typeface="Times New Roman" panose="02020603050405020304" pitchFamily="18" charset="0"/>
+                <a:cs typeface="Times New Roman" panose="02020603050405020304" pitchFamily="18" charset="0"/>
+              </a:rPr>
+              <a:t>in:            {</a:t>
+            </a:r>
+            <a:r>
+              <a:rPr lang="en-US" sz="2400" dirty="0" smtClean="0">
+                <a:latin typeface="Times New Roman" panose="02020603050405020304" pitchFamily="18" charset="0"/>
+                <a:cs typeface="Times New Roman" panose="02020603050405020304" pitchFamily="18" charset="0"/>
+              </a:rPr>
+              <a:t>2:20}</a:t>
+            </a:r>
+            <a:endParaRPr lang="en-US" sz="2400" dirty="0" smtClean="0">
+              <a:latin typeface="Times New Roman" panose="02020603050405020304" pitchFamily="18" charset="0"/>
+              <a:cs typeface="Times New Roman" panose="02020603050405020304" pitchFamily="18" charset="0"/>
+            </a:endParaRPr>
+          </a:p>
+          <a:p>
+            <a:pPr marL="457200" indent="-457200">
+              <a:buFont typeface="+mj-lt"/>
+              <a:buAutoNum type="arabicPeriod"/>
+            </a:pPr>
+            <a:r>
+              <a:rPr lang="en-US" sz="2400" dirty="0" smtClean="0">
+                <a:latin typeface="Times New Roman" panose="02020603050405020304" pitchFamily="18" charset="0"/>
+                <a:cs typeface="Times New Roman" panose="02020603050405020304" pitchFamily="18" charset="0"/>
+              </a:rPr>
+              <a:t>on:          {</a:t>
+            </a:r>
+            <a:r>
+              <a:rPr lang="en-US" sz="2400" dirty="0" smtClean="0">
+                <a:latin typeface="Times New Roman" panose="02020603050405020304" pitchFamily="18" charset="0"/>
+                <a:cs typeface="Times New Roman" panose="02020603050405020304" pitchFamily="18" charset="0"/>
+              </a:rPr>
+              <a:t>1:20}</a:t>
+            </a:r>
+            <a:endParaRPr lang="en-US" sz="2400" dirty="0" smtClean="0">
+              <a:latin typeface="Times New Roman" panose="02020603050405020304" pitchFamily="18" charset="0"/>
+              <a:cs typeface="Times New Roman" panose="02020603050405020304" pitchFamily="18" charset="0"/>
+            </a:endParaRPr>
+          </a:p>
+          <a:p>
+            <a:pPr marL="457200" indent="-457200">
+              <a:buFont typeface="+mj-lt"/>
+              <a:buAutoNum type="arabicPeriod"/>
+            </a:pPr>
+            <a:r>
+              <a:rPr lang="en-US" sz="2400" dirty="0" smtClean="0">
+                <a:latin typeface="Times New Roman" panose="02020603050405020304" pitchFamily="18" charset="0"/>
+                <a:cs typeface="Times New Roman" panose="02020603050405020304" pitchFamily="18" charset="0"/>
+              </a:rPr>
+              <a:t>road:       {</a:t>
+            </a:r>
+            <a:r>
+              <a:rPr lang="en-US" sz="2400" dirty="0" smtClean="0">
+                <a:latin typeface="Times New Roman" panose="02020603050405020304" pitchFamily="18" charset="0"/>
+                <a:cs typeface="Times New Roman" panose="02020603050405020304" pitchFamily="18" charset="0"/>
+              </a:rPr>
+              <a:t>1:27</a:t>
+            </a:r>
+            <a:r>
+              <a:rPr lang="en-US" sz="2400" dirty="0" smtClean="0">
+                <a:latin typeface="Times New Roman" panose="02020603050405020304" pitchFamily="18" charset="0"/>
+                <a:cs typeface="Times New Roman" panose="02020603050405020304" pitchFamily="18" charset="0"/>
+              </a:rPr>
+              <a:t>}</a:t>
+            </a:r>
+          </a:p>
+          <a:p>
+            <a:pPr marL="457200" indent="-457200">
+              <a:buFont typeface="+mj-lt"/>
+              <a:buAutoNum type="arabicPeriod"/>
+            </a:pPr>
+            <a:r>
+              <a:rPr lang="en-US" sz="2400" dirty="0" smtClean="0">
+                <a:latin typeface="Times New Roman" panose="02020603050405020304" pitchFamily="18" charset="0"/>
+                <a:cs typeface="Times New Roman" panose="02020603050405020304" pitchFamily="18" charset="0"/>
+              </a:rPr>
+              <a:t>running:  {</a:t>
+            </a:r>
+            <a:r>
+              <a:rPr lang="en-US" sz="2400" dirty="0" smtClean="0">
+                <a:latin typeface="Times New Roman" panose="02020603050405020304" pitchFamily="18" charset="0"/>
+                <a:cs typeface="Times New Roman" panose="02020603050405020304" pitchFamily="18" charset="0"/>
+              </a:rPr>
+              <a:t>1:12}</a:t>
+            </a:r>
+            <a:endParaRPr lang="en-US" sz="2400" dirty="0" smtClean="0">
+              <a:latin typeface="Times New Roman" panose="02020603050405020304" pitchFamily="18" charset="0"/>
+              <a:cs typeface="Times New Roman" panose="02020603050405020304" pitchFamily="18" charset="0"/>
+            </a:endParaRPr>
+          </a:p>
+          <a:p>
+            <a:pPr marL="457200" indent="-457200">
+              <a:buFont typeface="+mj-lt"/>
+              <a:buAutoNum type="arabicPeriod"/>
+            </a:pPr>
+            <a:r>
+              <a:rPr lang="en-US" sz="2400" dirty="0" smtClean="0">
+                <a:latin typeface="Times New Roman" panose="02020603050405020304" pitchFamily="18" charset="0"/>
+                <a:cs typeface="Times New Roman" panose="02020603050405020304" pitchFamily="18" charset="0"/>
+              </a:rPr>
+              <a:t>sky:         {</a:t>
+            </a:r>
+            <a:r>
+              <a:rPr lang="en-US" sz="2400" dirty="0" smtClean="0">
+                <a:latin typeface="Times New Roman" panose="02020603050405020304" pitchFamily="18" charset="0"/>
+                <a:cs typeface="Times New Roman" panose="02020603050405020304" pitchFamily="18" charset="0"/>
+              </a:rPr>
+              <a:t>2:27</a:t>
+            </a:r>
+            <a:r>
+              <a:rPr lang="en-US" sz="2400" dirty="0" smtClean="0">
+                <a:latin typeface="Times New Roman" panose="02020603050405020304" pitchFamily="18" charset="0"/>
+                <a:cs typeface="Times New Roman" panose="02020603050405020304" pitchFamily="18" charset="0"/>
+              </a:rPr>
+              <a:t>; </a:t>
+            </a:r>
+            <a:r>
+              <a:rPr lang="en-US" sz="2400" dirty="0" smtClean="0">
+                <a:latin typeface="Times New Roman" panose="02020603050405020304" pitchFamily="18" charset="0"/>
+                <a:cs typeface="Times New Roman" panose="02020603050405020304" pitchFamily="18" charset="0"/>
+              </a:rPr>
+              <a:t>3:16}</a:t>
+            </a:r>
+            <a:endParaRPr lang="en-US" sz="2400" dirty="0" smtClean="0">
+              <a:latin typeface="Times New Roman" panose="02020603050405020304" pitchFamily="18" charset="0"/>
+              <a:cs typeface="Times New Roman" panose="02020603050405020304" pitchFamily="18" charset="0"/>
+            </a:endParaRPr>
+          </a:p>
+          <a:p>
+            <a:pPr marL="457200" indent="-457200">
+              <a:buFont typeface="+mj-lt"/>
+              <a:buAutoNum type="arabicPeriod"/>
+            </a:pPr>
+            <a:r>
+              <a:rPr lang="en-US" sz="2400" dirty="0" smtClean="0">
+                <a:latin typeface="Times New Roman" panose="02020603050405020304" pitchFamily="18" charset="0"/>
+                <a:cs typeface="Times New Roman" panose="02020603050405020304" pitchFamily="18" charset="0"/>
+              </a:rPr>
+              <a:t>the:        {</a:t>
+            </a:r>
+            <a:r>
+              <a:rPr lang="en-US" sz="2400" dirty="0" smtClean="0">
+                <a:latin typeface="Times New Roman" panose="02020603050405020304" pitchFamily="18" charset="0"/>
+                <a:cs typeface="Times New Roman" panose="02020603050405020304" pitchFamily="18" charset="0"/>
+              </a:rPr>
+              <a:t>1:23; 2:23; 3:7}</a:t>
+            </a:r>
+            <a:endParaRPr lang="en-US" sz="2400" dirty="0" smtClean="0">
+              <a:latin typeface="Times New Roman" panose="02020603050405020304" pitchFamily="18" charset="0"/>
+              <a:cs typeface="Times New Roman" panose="02020603050405020304" pitchFamily="18" charset="0"/>
+            </a:endParaRPr>
+          </a:p>
+          <a:p>
+            <a:pPr marL="457200" indent="-457200">
+              <a:buFont typeface="+mj-lt"/>
+              <a:buAutoNum type="arabicPeriod"/>
+            </a:pPr>
+            <a:r>
+              <a:rPr lang="en-US" sz="2400" dirty="0" smtClean="0">
+                <a:latin typeface="Times New Roman" panose="02020603050405020304" pitchFamily="18" charset="0"/>
+                <a:cs typeface="Times New Roman" panose="02020603050405020304" pitchFamily="18" charset="0"/>
+              </a:rPr>
+              <a:t>under:    {3:1}</a:t>
+            </a:r>
+          </a:p>
+        </p:txBody>
+      </p:sp>
+      <p:sp>
+        <p:nvSpPr>
+          <p:cNvPr id="6" name="Content Placeholder 2"/>
+          <p:cNvSpPr txBox="1">
+            <a:spLocks/>
+          </p:cNvSpPr>
+          <p:nvPr/>
+        </p:nvSpPr>
+        <p:spPr>
+          <a:xfrm>
+            <a:off x="2768713" y="3393673"/>
+            <a:ext cx="2660536" cy="1699027"/>
+          </a:xfrm>
+          <a:prstGeom prst="rect">
+            <a:avLst/>
+          </a:prstGeom>
+        </p:spPr>
+        <p:txBody>
+          <a:bodyPr vert="horz" lIns="91440" tIns="45720" rIns="91440" bIns="45720" rtlCol="0">
+            <a:noAutofit/>
+          </a:bodyPr>
+          <a:lstStyle>
+            <a:lvl1pPr marL="228600" indent="-228600" algn="l" defTabSz="914400" rtl="0" eaLnBrk="1" latinLnBrk="0" hangingPunct="1">
+              <a:lnSpc>
+                <a:spcPct val="90000"/>
+              </a:lnSpc>
+              <a:spcBef>
+                <a:spcPts val="1000"/>
+              </a:spcBef>
+              <a:buFont typeface="Arial" panose="020B0604020202020204" pitchFamily="34" charset="0"/>
+              <a:buChar char="•"/>
+              <a:defRPr sz="2800" kern="1200">
+                <a:solidFill>
+                  <a:schemeClr val="tx1"/>
+                </a:solidFill>
+                <a:latin typeface="+mn-lt"/>
+                <a:ea typeface="+mn-ea"/>
+                <a:cs typeface="+mn-cs"/>
+              </a:defRPr>
+            </a:lvl1pPr>
+            <a:lvl2pPr marL="685800" indent="-228600" algn="l" defTabSz="914400" rtl="0" eaLnBrk="1" latinLnBrk="0" hangingPunct="1">
+              <a:lnSpc>
+                <a:spcPct val="90000"/>
+              </a:lnSpc>
+              <a:spcBef>
+                <a:spcPts val="500"/>
+              </a:spcBef>
+              <a:buFont typeface="Arial" panose="020B0604020202020204" pitchFamily="34" charset="0"/>
+              <a:buChar char="•"/>
+              <a:defRPr sz="2400" kern="1200">
+                <a:solidFill>
+                  <a:schemeClr val="tx1"/>
+                </a:solidFill>
+                <a:latin typeface="+mn-lt"/>
+                <a:ea typeface="+mn-ea"/>
+                <a:cs typeface="+mn-cs"/>
+              </a:defRPr>
+            </a:lvl2pPr>
+            <a:lvl3pPr marL="1143000" indent="-228600" algn="l" defTabSz="914400" rtl="0" eaLnBrk="1" latinLnBrk="0" hangingPunct="1">
+              <a:lnSpc>
+                <a:spcPct val="90000"/>
+              </a:lnSpc>
+              <a:spcBef>
+                <a:spcPts val="500"/>
+              </a:spcBef>
+              <a:buFont typeface="Arial" panose="020B0604020202020204" pitchFamily="34" charset="0"/>
+              <a:buChar char="•"/>
+              <a:defRPr sz="2000" kern="1200">
+                <a:solidFill>
+                  <a:schemeClr val="tx1"/>
+                </a:solidFill>
+                <a:latin typeface="+mn-lt"/>
+                <a:ea typeface="+mn-ea"/>
+                <a:cs typeface="+mn-cs"/>
+              </a:defRPr>
+            </a:lvl3pPr>
+            <a:lvl4pPr marL="1600200" indent="-228600" algn="l" defTabSz="914400" rtl="0" eaLnBrk="1" latinLnBrk="0" hangingPunct="1">
+              <a:lnSpc>
+                <a:spcPct val="90000"/>
+              </a:lnSpc>
+              <a:spcBef>
+                <a:spcPts val="500"/>
+              </a:spcBef>
+              <a:buFont typeface="Arial" panose="020B0604020202020204" pitchFamily="34" charset="0"/>
+              <a:buChar char="•"/>
+              <a:defRPr sz="1800" kern="1200">
+                <a:solidFill>
+                  <a:schemeClr val="tx1"/>
+                </a:solidFill>
+                <a:latin typeface="+mn-lt"/>
+                <a:ea typeface="+mn-ea"/>
+                <a:cs typeface="+mn-cs"/>
+              </a:defRPr>
+            </a:lvl4pPr>
+            <a:lvl5pPr marL="2057400" indent="-228600" algn="l" defTabSz="914400" rtl="0" eaLnBrk="1" latinLnBrk="0" hangingPunct="1">
+              <a:lnSpc>
+                <a:spcPct val="90000"/>
+              </a:lnSpc>
+              <a:spcBef>
+                <a:spcPts val="500"/>
+              </a:spcBef>
+              <a:buFont typeface="Arial" panose="020B0604020202020204" pitchFamily="34" charset="0"/>
+              <a:buChar char="•"/>
+              <a:defRPr sz="1800" kern="1200">
+                <a:solidFill>
+                  <a:schemeClr val="tx1"/>
+                </a:solidFill>
+                <a:latin typeface="+mn-lt"/>
+                <a:ea typeface="+mn-ea"/>
+                <a:cs typeface="+mn-cs"/>
+              </a:defRPr>
+            </a:lvl5pPr>
+            <a:lvl6pPr marL="2514600" indent="-228600" algn="l" defTabSz="914400" rtl="0" eaLnBrk="1" latinLnBrk="0" hangingPunct="1">
+              <a:lnSpc>
+                <a:spcPct val="90000"/>
+              </a:lnSpc>
+              <a:spcBef>
+                <a:spcPts val="500"/>
+              </a:spcBef>
+              <a:buFont typeface="Arial" panose="020B0604020202020204" pitchFamily="34" charset="0"/>
+              <a:buChar char="•"/>
+              <a:defRPr sz="1800" kern="1200">
+                <a:solidFill>
+                  <a:schemeClr val="tx1"/>
+                </a:solidFill>
+                <a:latin typeface="+mn-lt"/>
+                <a:ea typeface="+mn-ea"/>
+                <a:cs typeface="+mn-cs"/>
+              </a:defRPr>
+            </a:lvl6pPr>
+            <a:lvl7pPr marL="2971800" indent="-228600" algn="l" defTabSz="914400" rtl="0" eaLnBrk="1" latinLnBrk="0" hangingPunct="1">
+              <a:lnSpc>
+                <a:spcPct val="90000"/>
+              </a:lnSpc>
+              <a:spcBef>
+                <a:spcPts val="500"/>
+              </a:spcBef>
+              <a:buFont typeface="Arial" panose="020B0604020202020204" pitchFamily="34" charset="0"/>
+              <a:buChar char="•"/>
+              <a:defRPr sz="1800" kern="1200">
+                <a:solidFill>
+                  <a:schemeClr val="tx1"/>
+                </a:solidFill>
+                <a:latin typeface="+mn-lt"/>
+                <a:ea typeface="+mn-ea"/>
+                <a:cs typeface="+mn-cs"/>
+              </a:defRPr>
+            </a:lvl7pPr>
+            <a:lvl8pPr marL="3429000" indent="-228600" algn="l" defTabSz="914400" rtl="0" eaLnBrk="1" latinLnBrk="0" hangingPunct="1">
+              <a:lnSpc>
+                <a:spcPct val="90000"/>
+              </a:lnSpc>
+              <a:spcBef>
+                <a:spcPts val="500"/>
+              </a:spcBef>
+              <a:buFont typeface="Arial" panose="020B0604020202020204" pitchFamily="34" charset="0"/>
+              <a:buChar char="•"/>
+              <a:defRPr sz="1800" kern="1200">
+                <a:solidFill>
+                  <a:schemeClr val="tx1"/>
+                </a:solidFill>
+                <a:latin typeface="+mn-lt"/>
+                <a:ea typeface="+mn-ea"/>
+                <a:cs typeface="+mn-cs"/>
+              </a:defRPr>
+            </a:lvl8pPr>
+            <a:lvl9pPr marL="3886200" indent="-228600" algn="l" defTabSz="914400" rtl="0" eaLnBrk="1" latinLnBrk="0" hangingPunct="1">
+              <a:lnSpc>
+                <a:spcPct val="90000"/>
+              </a:lnSpc>
+              <a:spcBef>
+                <a:spcPts val="500"/>
+              </a:spcBef>
+              <a:buFont typeface="Arial" panose="020B0604020202020204" pitchFamily="34" charset="0"/>
+              <a:buChar char="•"/>
+              <a:defRPr sz="1800" kern="1200">
+                <a:solidFill>
+                  <a:schemeClr val="tx1"/>
+                </a:solidFill>
+                <a:latin typeface="+mn-lt"/>
+                <a:ea typeface="+mn-ea"/>
+                <a:cs typeface="+mn-cs"/>
+              </a:defRPr>
+            </a:lvl9pPr>
+          </a:lstStyle>
+          <a:p>
+            <a:pPr marL="0" lvl="8" indent="0" algn="just">
+              <a:buNone/>
+            </a:pPr>
+            <a:endParaRPr lang="en-US" sz="2400" dirty="0">
+              <a:latin typeface="Times New Roman" panose="02020603050405020304" pitchFamily="18" charset="0"/>
+              <a:cs typeface="Times New Roman" panose="02020603050405020304" pitchFamily="18" charset="0"/>
+            </a:endParaRPr>
+          </a:p>
+          <a:p>
+            <a:pPr marL="0" lvl="8" indent="0" algn="just">
+              <a:buNone/>
+            </a:pPr>
+            <a:endParaRPr lang="en-US" sz="2400" dirty="0" smtClean="0">
+              <a:latin typeface="Times New Roman" panose="02020603050405020304" pitchFamily="18" charset="0"/>
+              <a:cs typeface="Times New Roman" panose="02020603050405020304" pitchFamily="18" charset="0"/>
+            </a:endParaRPr>
+          </a:p>
+          <a:p>
+            <a:pPr marL="0" lvl="8" indent="0" algn="just">
+              <a:buNone/>
+            </a:pPr>
+            <a:r>
+              <a:rPr lang="en-US" sz="2400" dirty="0" smtClean="0">
+                <a:latin typeface="Times New Roman" panose="02020603050405020304" pitchFamily="18" charset="0"/>
+                <a:cs typeface="Times New Roman" panose="02020603050405020304" pitchFamily="18" charset="0"/>
+              </a:rPr>
+              <a:t>blue &amp; sky: {2; 3}</a:t>
+            </a:r>
+            <a:endParaRPr lang="en-US" sz="2400" dirty="0" smtClean="0">
+              <a:latin typeface="Times New Roman" panose="02020603050405020304" pitchFamily="18" charset="0"/>
+              <a:cs typeface="Times New Roman" panose="02020603050405020304" pitchFamily="18" charset="0"/>
+            </a:endParaRPr>
+          </a:p>
+        </p:txBody>
+      </p:sp>
+      <p:sp>
+        <p:nvSpPr>
+          <p:cNvPr id="7" name="Content Placeholder 2"/>
+          <p:cNvSpPr txBox="1">
+            <a:spLocks/>
+          </p:cNvSpPr>
+          <p:nvPr/>
+        </p:nvSpPr>
+        <p:spPr>
+          <a:xfrm>
+            <a:off x="5429249" y="3393673"/>
+            <a:ext cx="2660536" cy="1699027"/>
+          </a:xfrm>
+          <a:prstGeom prst="rect">
+            <a:avLst/>
+          </a:prstGeom>
+        </p:spPr>
+        <p:txBody>
+          <a:bodyPr vert="horz" lIns="91440" tIns="45720" rIns="91440" bIns="45720" rtlCol="0">
+            <a:noAutofit/>
+          </a:bodyPr>
+          <a:lstStyle>
+            <a:lvl1pPr marL="228600" indent="-228600" algn="l" defTabSz="914400" rtl="0" eaLnBrk="1" latinLnBrk="0" hangingPunct="1">
+              <a:lnSpc>
+                <a:spcPct val="90000"/>
+              </a:lnSpc>
+              <a:spcBef>
+                <a:spcPts val="1000"/>
+              </a:spcBef>
+              <a:buFont typeface="Arial" panose="020B0604020202020204" pitchFamily="34" charset="0"/>
+              <a:buChar char="•"/>
+              <a:defRPr sz="2800" kern="1200">
+                <a:solidFill>
+                  <a:schemeClr val="tx1"/>
+                </a:solidFill>
+                <a:latin typeface="+mn-lt"/>
+                <a:ea typeface="+mn-ea"/>
+                <a:cs typeface="+mn-cs"/>
+              </a:defRPr>
+            </a:lvl1pPr>
+            <a:lvl2pPr marL="685800" indent="-228600" algn="l" defTabSz="914400" rtl="0" eaLnBrk="1" latinLnBrk="0" hangingPunct="1">
+              <a:lnSpc>
+                <a:spcPct val="90000"/>
+              </a:lnSpc>
+              <a:spcBef>
+                <a:spcPts val="500"/>
+              </a:spcBef>
+              <a:buFont typeface="Arial" panose="020B0604020202020204" pitchFamily="34" charset="0"/>
+              <a:buChar char="•"/>
+              <a:defRPr sz="2400" kern="1200">
+                <a:solidFill>
+                  <a:schemeClr val="tx1"/>
+                </a:solidFill>
+                <a:latin typeface="+mn-lt"/>
+                <a:ea typeface="+mn-ea"/>
+                <a:cs typeface="+mn-cs"/>
+              </a:defRPr>
+            </a:lvl2pPr>
+            <a:lvl3pPr marL="1143000" indent="-228600" algn="l" defTabSz="914400" rtl="0" eaLnBrk="1" latinLnBrk="0" hangingPunct="1">
+              <a:lnSpc>
+                <a:spcPct val="90000"/>
+              </a:lnSpc>
+              <a:spcBef>
+                <a:spcPts val="500"/>
+              </a:spcBef>
+              <a:buFont typeface="Arial" panose="020B0604020202020204" pitchFamily="34" charset="0"/>
+              <a:buChar char="•"/>
+              <a:defRPr sz="2000" kern="1200">
+                <a:solidFill>
+                  <a:schemeClr val="tx1"/>
+                </a:solidFill>
+                <a:latin typeface="+mn-lt"/>
+                <a:ea typeface="+mn-ea"/>
+                <a:cs typeface="+mn-cs"/>
+              </a:defRPr>
+            </a:lvl3pPr>
+            <a:lvl4pPr marL="1600200" indent="-228600" algn="l" defTabSz="914400" rtl="0" eaLnBrk="1" latinLnBrk="0" hangingPunct="1">
+              <a:lnSpc>
+                <a:spcPct val="90000"/>
+              </a:lnSpc>
+              <a:spcBef>
+                <a:spcPts val="500"/>
+              </a:spcBef>
+              <a:buFont typeface="Arial" panose="020B0604020202020204" pitchFamily="34" charset="0"/>
+              <a:buChar char="•"/>
+              <a:defRPr sz="1800" kern="1200">
+                <a:solidFill>
+                  <a:schemeClr val="tx1"/>
+                </a:solidFill>
+                <a:latin typeface="+mn-lt"/>
+                <a:ea typeface="+mn-ea"/>
+                <a:cs typeface="+mn-cs"/>
+              </a:defRPr>
+            </a:lvl4pPr>
+            <a:lvl5pPr marL="2057400" indent="-228600" algn="l" defTabSz="914400" rtl="0" eaLnBrk="1" latinLnBrk="0" hangingPunct="1">
+              <a:lnSpc>
+                <a:spcPct val="90000"/>
+              </a:lnSpc>
+              <a:spcBef>
+                <a:spcPts val="500"/>
+              </a:spcBef>
+              <a:buFont typeface="Arial" panose="020B0604020202020204" pitchFamily="34" charset="0"/>
+              <a:buChar char="•"/>
+              <a:defRPr sz="1800" kern="1200">
+                <a:solidFill>
+                  <a:schemeClr val="tx1"/>
+                </a:solidFill>
+                <a:latin typeface="+mn-lt"/>
+                <a:ea typeface="+mn-ea"/>
+                <a:cs typeface="+mn-cs"/>
+              </a:defRPr>
+            </a:lvl5pPr>
+            <a:lvl6pPr marL="2514600" indent="-228600" algn="l" defTabSz="914400" rtl="0" eaLnBrk="1" latinLnBrk="0" hangingPunct="1">
+              <a:lnSpc>
+                <a:spcPct val="90000"/>
+              </a:lnSpc>
+              <a:spcBef>
+                <a:spcPts val="500"/>
+              </a:spcBef>
+              <a:buFont typeface="Arial" panose="020B0604020202020204" pitchFamily="34" charset="0"/>
+              <a:buChar char="•"/>
+              <a:defRPr sz="1800" kern="1200">
+                <a:solidFill>
+                  <a:schemeClr val="tx1"/>
+                </a:solidFill>
+                <a:latin typeface="+mn-lt"/>
+                <a:ea typeface="+mn-ea"/>
+                <a:cs typeface="+mn-cs"/>
+              </a:defRPr>
+            </a:lvl6pPr>
+            <a:lvl7pPr marL="2971800" indent="-228600" algn="l" defTabSz="914400" rtl="0" eaLnBrk="1" latinLnBrk="0" hangingPunct="1">
+              <a:lnSpc>
+                <a:spcPct val="90000"/>
+              </a:lnSpc>
+              <a:spcBef>
+                <a:spcPts val="500"/>
+              </a:spcBef>
+              <a:buFont typeface="Arial" panose="020B0604020202020204" pitchFamily="34" charset="0"/>
+              <a:buChar char="•"/>
+              <a:defRPr sz="1800" kern="1200">
+                <a:solidFill>
+                  <a:schemeClr val="tx1"/>
+                </a:solidFill>
+                <a:latin typeface="+mn-lt"/>
+                <a:ea typeface="+mn-ea"/>
+                <a:cs typeface="+mn-cs"/>
+              </a:defRPr>
+            </a:lvl7pPr>
+            <a:lvl8pPr marL="3429000" indent="-228600" algn="l" defTabSz="914400" rtl="0" eaLnBrk="1" latinLnBrk="0" hangingPunct="1">
+              <a:lnSpc>
+                <a:spcPct val="90000"/>
+              </a:lnSpc>
+              <a:spcBef>
+                <a:spcPts val="500"/>
+              </a:spcBef>
+              <a:buFont typeface="Arial" panose="020B0604020202020204" pitchFamily="34" charset="0"/>
+              <a:buChar char="•"/>
+              <a:defRPr sz="1800" kern="1200">
+                <a:solidFill>
+                  <a:schemeClr val="tx1"/>
+                </a:solidFill>
+                <a:latin typeface="+mn-lt"/>
+                <a:ea typeface="+mn-ea"/>
+                <a:cs typeface="+mn-cs"/>
+              </a:defRPr>
+            </a:lvl8pPr>
+            <a:lvl9pPr marL="3886200" indent="-228600" algn="l" defTabSz="914400" rtl="0" eaLnBrk="1" latinLnBrk="0" hangingPunct="1">
+              <a:lnSpc>
+                <a:spcPct val="90000"/>
+              </a:lnSpc>
+              <a:spcBef>
+                <a:spcPts val="500"/>
+              </a:spcBef>
+              <a:buFont typeface="Arial" panose="020B0604020202020204" pitchFamily="34" charset="0"/>
+              <a:buChar char="•"/>
+              <a:defRPr sz="1800" kern="1200">
+                <a:solidFill>
+                  <a:schemeClr val="tx1"/>
+                </a:solidFill>
+                <a:latin typeface="+mn-lt"/>
+                <a:ea typeface="+mn-ea"/>
+                <a:cs typeface="+mn-cs"/>
+              </a:defRPr>
+            </a:lvl9pPr>
+          </a:lstStyle>
+          <a:p>
+            <a:pPr marL="0" lvl="8" indent="0" algn="just">
+              <a:buNone/>
+            </a:pPr>
+            <a:r>
+              <a:rPr lang="en-US" sz="2400" dirty="0" smtClean="0">
+                <a:latin typeface="Times New Roman" panose="02020603050405020304" pitchFamily="18" charset="0"/>
+                <a:cs typeface="Times New Roman" panose="02020603050405020304" pitchFamily="18" charset="0"/>
+              </a:rPr>
+              <a:t>blue: 2:</a:t>
+            </a:r>
+            <a:r>
+              <a:rPr lang="en-US" sz="2400" dirty="0" smtClean="0">
+                <a:solidFill>
+                  <a:srgbClr val="FF0000"/>
+                </a:solidFill>
+                <a:latin typeface="Times New Roman" panose="02020603050405020304" pitchFamily="18" charset="0"/>
+                <a:cs typeface="Times New Roman" panose="02020603050405020304" pitchFamily="18" charset="0"/>
+              </a:rPr>
+              <a:t>3</a:t>
+            </a:r>
+          </a:p>
+          <a:p>
+            <a:pPr marL="0" lvl="8" indent="0" algn="just">
+              <a:buNone/>
+            </a:pPr>
+            <a:r>
+              <a:rPr lang="en-US" sz="2400" dirty="0" smtClean="0">
+                <a:solidFill>
+                  <a:srgbClr val="FF0000"/>
+                </a:solidFill>
+                <a:latin typeface="Times New Roman" panose="02020603050405020304" pitchFamily="18" charset="0"/>
+                <a:cs typeface="Times New Roman" panose="02020603050405020304" pitchFamily="18" charset="0"/>
+              </a:rPr>
+              <a:t>3 + len(blue) +1 =</a:t>
+            </a:r>
+          </a:p>
+          <a:p>
+            <a:pPr marL="0" lvl="8" indent="0" algn="just">
+              <a:buNone/>
+            </a:pPr>
+            <a:r>
+              <a:rPr lang="en-US" sz="2400" dirty="0" smtClean="0">
+                <a:solidFill>
+                  <a:srgbClr val="FF0000"/>
+                </a:solidFill>
+                <a:latin typeface="Times New Roman" panose="02020603050405020304" pitchFamily="18" charset="0"/>
+                <a:cs typeface="Times New Roman" panose="02020603050405020304" pitchFamily="18" charset="0"/>
+              </a:rPr>
+              <a:t>3 + 4 +1 = 8</a:t>
+            </a:r>
+          </a:p>
+          <a:p>
+            <a:pPr marL="0" lvl="8" indent="0" algn="just">
+              <a:buNone/>
+            </a:pPr>
+            <a:r>
+              <a:rPr lang="en-US" sz="2400" dirty="0" smtClean="0">
+                <a:latin typeface="Times New Roman" panose="02020603050405020304" pitchFamily="18" charset="0"/>
+                <a:cs typeface="Times New Roman" panose="02020603050405020304" pitchFamily="18" charset="0"/>
+              </a:rPr>
+              <a:t>sky: 2:</a:t>
+            </a:r>
+            <a:r>
+              <a:rPr lang="en-US" sz="2400" dirty="0" smtClean="0">
+                <a:solidFill>
+                  <a:srgbClr val="FF0000"/>
+                </a:solidFill>
+                <a:latin typeface="Times New Roman" panose="02020603050405020304" pitchFamily="18" charset="0"/>
+                <a:cs typeface="Times New Roman" panose="02020603050405020304" pitchFamily="18" charset="0"/>
+              </a:rPr>
+              <a:t>27</a:t>
+            </a:r>
+            <a:endParaRPr lang="en-US" sz="2400" dirty="0">
+              <a:latin typeface="Times New Roman" panose="02020603050405020304" pitchFamily="18" charset="0"/>
+              <a:cs typeface="Times New Roman" panose="02020603050405020304" pitchFamily="18" charset="0"/>
+            </a:endParaRPr>
+          </a:p>
+          <a:p>
+            <a:pPr marL="0" lvl="8" indent="0" algn="just">
+              <a:buNone/>
+            </a:pPr>
+            <a:endParaRPr lang="en-US" sz="2400" dirty="0" smtClean="0">
+              <a:latin typeface="Times New Roman" panose="02020603050405020304" pitchFamily="18" charset="0"/>
+              <a:cs typeface="Times New Roman" panose="02020603050405020304" pitchFamily="18" charset="0"/>
+            </a:endParaRPr>
+          </a:p>
+        </p:txBody>
+      </p:sp>
+      <p:sp>
+        <p:nvSpPr>
+          <p:cNvPr id="9" name="Content Placeholder 2"/>
+          <p:cNvSpPr txBox="1">
+            <a:spLocks/>
+          </p:cNvSpPr>
+          <p:nvPr/>
+        </p:nvSpPr>
+        <p:spPr>
+          <a:xfrm>
+            <a:off x="8102599" y="596900"/>
+            <a:ext cx="3949473" cy="5857473"/>
+          </a:xfrm>
+          <a:prstGeom prst="rect">
+            <a:avLst/>
+          </a:prstGeom>
+        </p:spPr>
+        <p:txBody>
+          <a:bodyPr vert="horz" lIns="91440" tIns="45720" rIns="91440" bIns="45720" rtlCol="0">
+            <a:noAutofit/>
+          </a:bodyPr>
+          <a:lstStyle>
+            <a:lvl1pPr marL="228600" indent="-228600" algn="l" defTabSz="914400" rtl="0" eaLnBrk="1" latinLnBrk="0" hangingPunct="1">
+              <a:lnSpc>
+                <a:spcPct val="90000"/>
+              </a:lnSpc>
+              <a:spcBef>
+                <a:spcPts val="1000"/>
+              </a:spcBef>
+              <a:buFont typeface="Arial" panose="020B0604020202020204" pitchFamily="34" charset="0"/>
+              <a:buChar char="•"/>
+              <a:defRPr sz="2800" kern="1200">
+                <a:solidFill>
+                  <a:schemeClr val="tx1"/>
+                </a:solidFill>
+                <a:latin typeface="+mn-lt"/>
+                <a:ea typeface="+mn-ea"/>
+                <a:cs typeface="+mn-cs"/>
+              </a:defRPr>
+            </a:lvl1pPr>
+            <a:lvl2pPr marL="685800" indent="-228600" algn="l" defTabSz="914400" rtl="0" eaLnBrk="1" latinLnBrk="0" hangingPunct="1">
+              <a:lnSpc>
+                <a:spcPct val="90000"/>
+              </a:lnSpc>
+              <a:spcBef>
+                <a:spcPts val="500"/>
+              </a:spcBef>
+              <a:buFont typeface="Arial" panose="020B0604020202020204" pitchFamily="34" charset="0"/>
+              <a:buChar char="•"/>
+              <a:defRPr sz="2400" kern="1200">
+                <a:solidFill>
+                  <a:schemeClr val="tx1"/>
+                </a:solidFill>
+                <a:latin typeface="+mn-lt"/>
+                <a:ea typeface="+mn-ea"/>
+                <a:cs typeface="+mn-cs"/>
+              </a:defRPr>
+            </a:lvl2pPr>
+            <a:lvl3pPr marL="1143000" indent="-228600" algn="l" defTabSz="914400" rtl="0" eaLnBrk="1" latinLnBrk="0" hangingPunct="1">
+              <a:lnSpc>
+                <a:spcPct val="90000"/>
+              </a:lnSpc>
+              <a:spcBef>
+                <a:spcPts val="500"/>
+              </a:spcBef>
+              <a:buFont typeface="Arial" panose="020B0604020202020204" pitchFamily="34" charset="0"/>
+              <a:buChar char="•"/>
+              <a:defRPr sz="2000" kern="1200">
+                <a:solidFill>
+                  <a:schemeClr val="tx1"/>
+                </a:solidFill>
+                <a:latin typeface="+mn-lt"/>
+                <a:ea typeface="+mn-ea"/>
+                <a:cs typeface="+mn-cs"/>
+              </a:defRPr>
+            </a:lvl3pPr>
+            <a:lvl4pPr marL="1600200" indent="-228600" algn="l" defTabSz="914400" rtl="0" eaLnBrk="1" latinLnBrk="0" hangingPunct="1">
+              <a:lnSpc>
+                <a:spcPct val="90000"/>
+              </a:lnSpc>
+              <a:spcBef>
+                <a:spcPts val="500"/>
+              </a:spcBef>
+              <a:buFont typeface="Arial" panose="020B0604020202020204" pitchFamily="34" charset="0"/>
+              <a:buChar char="•"/>
+              <a:defRPr sz="1800" kern="1200">
+                <a:solidFill>
+                  <a:schemeClr val="tx1"/>
+                </a:solidFill>
+                <a:latin typeface="+mn-lt"/>
+                <a:ea typeface="+mn-ea"/>
+                <a:cs typeface="+mn-cs"/>
+              </a:defRPr>
+            </a:lvl4pPr>
+            <a:lvl5pPr marL="2057400" indent="-228600" algn="l" defTabSz="914400" rtl="0" eaLnBrk="1" latinLnBrk="0" hangingPunct="1">
+              <a:lnSpc>
+                <a:spcPct val="90000"/>
+              </a:lnSpc>
+              <a:spcBef>
+                <a:spcPts val="500"/>
+              </a:spcBef>
+              <a:buFont typeface="Arial" panose="020B0604020202020204" pitchFamily="34" charset="0"/>
+              <a:buChar char="•"/>
+              <a:defRPr sz="1800" kern="1200">
+                <a:solidFill>
+                  <a:schemeClr val="tx1"/>
+                </a:solidFill>
+                <a:latin typeface="+mn-lt"/>
+                <a:ea typeface="+mn-ea"/>
+                <a:cs typeface="+mn-cs"/>
+              </a:defRPr>
+            </a:lvl5pPr>
+            <a:lvl6pPr marL="2514600" indent="-228600" algn="l" defTabSz="914400" rtl="0" eaLnBrk="1" latinLnBrk="0" hangingPunct="1">
+              <a:lnSpc>
+                <a:spcPct val="90000"/>
+              </a:lnSpc>
+              <a:spcBef>
+                <a:spcPts val="500"/>
+              </a:spcBef>
+              <a:buFont typeface="Arial" panose="020B0604020202020204" pitchFamily="34" charset="0"/>
+              <a:buChar char="•"/>
+              <a:defRPr sz="1800" kern="1200">
+                <a:solidFill>
+                  <a:schemeClr val="tx1"/>
+                </a:solidFill>
+                <a:latin typeface="+mn-lt"/>
+                <a:ea typeface="+mn-ea"/>
+                <a:cs typeface="+mn-cs"/>
+              </a:defRPr>
+            </a:lvl6pPr>
+            <a:lvl7pPr marL="2971800" indent="-228600" algn="l" defTabSz="914400" rtl="0" eaLnBrk="1" latinLnBrk="0" hangingPunct="1">
+              <a:lnSpc>
+                <a:spcPct val="90000"/>
+              </a:lnSpc>
+              <a:spcBef>
+                <a:spcPts val="500"/>
+              </a:spcBef>
+              <a:buFont typeface="Arial" panose="020B0604020202020204" pitchFamily="34" charset="0"/>
+              <a:buChar char="•"/>
+              <a:defRPr sz="1800" kern="1200">
+                <a:solidFill>
+                  <a:schemeClr val="tx1"/>
+                </a:solidFill>
+                <a:latin typeface="+mn-lt"/>
+                <a:ea typeface="+mn-ea"/>
+                <a:cs typeface="+mn-cs"/>
+              </a:defRPr>
+            </a:lvl7pPr>
+            <a:lvl8pPr marL="3429000" indent="-228600" algn="l" defTabSz="914400" rtl="0" eaLnBrk="1" latinLnBrk="0" hangingPunct="1">
+              <a:lnSpc>
+                <a:spcPct val="90000"/>
+              </a:lnSpc>
+              <a:spcBef>
+                <a:spcPts val="500"/>
+              </a:spcBef>
+              <a:buFont typeface="Arial" panose="020B0604020202020204" pitchFamily="34" charset="0"/>
+              <a:buChar char="•"/>
+              <a:defRPr sz="1800" kern="1200">
+                <a:solidFill>
+                  <a:schemeClr val="tx1"/>
+                </a:solidFill>
+                <a:latin typeface="+mn-lt"/>
+                <a:ea typeface="+mn-ea"/>
+                <a:cs typeface="+mn-cs"/>
+              </a:defRPr>
+            </a:lvl8pPr>
+            <a:lvl9pPr marL="3886200" indent="-228600" algn="l" defTabSz="914400" rtl="0" eaLnBrk="1" latinLnBrk="0" hangingPunct="1">
+              <a:lnSpc>
+                <a:spcPct val="90000"/>
+              </a:lnSpc>
+              <a:spcBef>
+                <a:spcPts val="500"/>
+              </a:spcBef>
+              <a:buFont typeface="Arial" panose="020B0604020202020204" pitchFamily="34" charset="0"/>
+              <a:buChar char="•"/>
+              <a:defRPr sz="1800" kern="1200">
+                <a:solidFill>
+                  <a:schemeClr val="tx1"/>
+                </a:solidFill>
+                <a:latin typeface="+mn-lt"/>
+                <a:ea typeface="+mn-ea"/>
+                <a:cs typeface="+mn-cs"/>
+              </a:defRPr>
+            </a:lvl9pPr>
+          </a:lstStyle>
+          <a:p>
+            <a:pPr marL="0" indent="0">
+              <a:buNone/>
+            </a:pPr>
+            <a:r>
+              <a:rPr lang="en-US" sz="2400" dirty="0" smtClean="0">
+                <a:latin typeface="Times New Roman" panose="02020603050405020304" pitchFamily="18" charset="0"/>
+                <a:cs typeface="Times New Roman" panose="02020603050405020304" pitchFamily="18" charset="0"/>
+              </a:rPr>
+              <a:t>                     the postings</a:t>
+            </a:r>
+          </a:p>
+          <a:p>
+            <a:pPr marL="457200" indent="-457200">
+              <a:buFont typeface="+mj-lt"/>
+              <a:buAutoNum type="arabicPeriod"/>
+            </a:pPr>
+            <a:r>
+              <a:rPr lang="en-US" sz="2400" dirty="0" smtClean="0">
+                <a:solidFill>
+                  <a:srgbClr val="FF0000"/>
+                </a:solidFill>
+                <a:latin typeface="Times New Roman" panose="02020603050405020304" pitchFamily="18" charset="0"/>
+                <a:cs typeface="Times New Roman" panose="02020603050405020304" pitchFamily="18" charset="0"/>
+              </a:rPr>
+              <a:t>a:            {1:1; 2:1}</a:t>
+            </a:r>
+          </a:p>
+          <a:p>
+            <a:pPr marL="457200" indent="-457200">
+              <a:buFont typeface="+mj-lt"/>
+              <a:buAutoNum type="arabicPeriod"/>
+            </a:pPr>
+            <a:r>
+              <a:rPr lang="en-US" sz="2400" dirty="0">
+                <a:latin typeface="Times New Roman" panose="02020603050405020304" pitchFamily="18" charset="0"/>
+                <a:cs typeface="Times New Roman" panose="02020603050405020304" pitchFamily="18" charset="0"/>
+              </a:rPr>
+              <a:t>bird:       {</a:t>
+            </a:r>
+            <a:r>
+              <a:rPr lang="en-US" sz="2400" dirty="0" smtClean="0">
+                <a:latin typeface="Times New Roman" panose="02020603050405020304" pitchFamily="18" charset="0"/>
+                <a:cs typeface="Times New Roman" panose="02020603050405020304" pitchFamily="18" charset="0"/>
+              </a:rPr>
+              <a:t>2:8}</a:t>
+            </a:r>
+            <a:endParaRPr lang="en-US" sz="2400" dirty="0" smtClean="0">
+              <a:latin typeface="Times New Roman" panose="02020603050405020304" pitchFamily="18" charset="0"/>
+              <a:cs typeface="Times New Roman" panose="02020603050405020304" pitchFamily="18" charset="0"/>
+            </a:endParaRPr>
+          </a:p>
+          <a:p>
+            <a:pPr marL="457200" indent="-457200">
+              <a:buFont typeface="+mj-lt"/>
+              <a:buAutoNum type="arabicPeriod"/>
+            </a:pPr>
+            <a:r>
+              <a:rPr lang="en-US" sz="2400" dirty="0" smtClean="0">
+                <a:latin typeface="Times New Roman" panose="02020603050405020304" pitchFamily="18" charset="0"/>
+                <a:cs typeface="Times New Roman" panose="02020603050405020304" pitchFamily="18" charset="0"/>
+              </a:rPr>
+              <a:t>blue:       {</a:t>
+            </a:r>
+            <a:r>
+              <a:rPr lang="en-US" sz="2400" dirty="0" smtClean="0">
+                <a:latin typeface="Times New Roman" panose="02020603050405020304" pitchFamily="18" charset="0"/>
+                <a:cs typeface="Times New Roman" panose="02020603050405020304" pitchFamily="18" charset="0"/>
+              </a:rPr>
+              <a:t>1:3; 2:3; 3:11}</a:t>
+            </a:r>
+            <a:endParaRPr lang="en-US" sz="2400" dirty="0" smtClean="0">
+              <a:latin typeface="Times New Roman" panose="02020603050405020304" pitchFamily="18" charset="0"/>
+              <a:cs typeface="Times New Roman" panose="02020603050405020304" pitchFamily="18" charset="0"/>
+            </a:endParaRPr>
+          </a:p>
+          <a:p>
+            <a:pPr marL="457200" indent="-457200">
+              <a:buFont typeface="+mj-lt"/>
+              <a:buAutoNum type="arabicPeriod"/>
+            </a:pPr>
+            <a:r>
+              <a:rPr lang="en-US" sz="2400" dirty="0" smtClean="0">
+                <a:latin typeface="Times New Roman" panose="02020603050405020304" pitchFamily="18" charset="0"/>
+                <a:cs typeface="Times New Roman" panose="02020603050405020304" pitchFamily="18" charset="0"/>
+              </a:rPr>
+              <a:t>dog:        {</a:t>
+            </a:r>
+            <a:r>
+              <a:rPr lang="en-US" sz="2400" dirty="0" smtClean="0">
+                <a:latin typeface="Times New Roman" panose="02020603050405020304" pitchFamily="18" charset="0"/>
+                <a:cs typeface="Times New Roman" panose="02020603050405020304" pitchFamily="18" charset="0"/>
+              </a:rPr>
+              <a:t>1:8}</a:t>
+            </a:r>
+            <a:endParaRPr lang="en-US" sz="2400" dirty="0" smtClean="0">
+              <a:latin typeface="Times New Roman" panose="02020603050405020304" pitchFamily="18" charset="0"/>
+              <a:cs typeface="Times New Roman" panose="02020603050405020304" pitchFamily="18" charset="0"/>
+            </a:endParaRPr>
+          </a:p>
+          <a:p>
+            <a:pPr marL="457200" indent="-457200">
+              <a:buFont typeface="+mj-lt"/>
+              <a:buAutoNum type="arabicPeriod"/>
+            </a:pPr>
+            <a:r>
+              <a:rPr lang="en-US" sz="2400" dirty="0" smtClean="0">
+                <a:latin typeface="Times New Roman" panose="02020603050405020304" pitchFamily="18" charset="0"/>
+                <a:cs typeface="Times New Roman" panose="02020603050405020304" pitchFamily="18" charset="0"/>
+              </a:rPr>
+              <a:t>flying:     {</a:t>
+            </a:r>
+            <a:r>
+              <a:rPr lang="en-US" sz="2400" dirty="0" smtClean="0">
+                <a:latin typeface="Times New Roman" panose="02020603050405020304" pitchFamily="18" charset="0"/>
+                <a:cs typeface="Times New Roman" panose="02020603050405020304" pitchFamily="18" charset="0"/>
+              </a:rPr>
+              <a:t>2:13}</a:t>
+            </a:r>
+            <a:endParaRPr lang="en-US" sz="2400" dirty="0" smtClean="0">
+              <a:latin typeface="Times New Roman" panose="02020603050405020304" pitchFamily="18" charset="0"/>
+              <a:cs typeface="Times New Roman" panose="02020603050405020304" pitchFamily="18" charset="0"/>
+            </a:endParaRPr>
+          </a:p>
+          <a:p>
+            <a:pPr marL="457200" indent="-457200">
+              <a:buFont typeface="+mj-lt"/>
+              <a:buAutoNum type="arabicPeriod"/>
+            </a:pPr>
+            <a:r>
+              <a:rPr lang="en-US" sz="2400" dirty="0" smtClean="0">
+                <a:solidFill>
+                  <a:srgbClr val="FF0000"/>
+                </a:solidFill>
+                <a:latin typeface="Times New Roman" panose="02020603050405020304" pitchFamily="18" charset="0"/>
+                <a:cs typeface="Times New Roman" panose="02020603050405020304" pitchFamily="18" charset="0"/>
+              </a:rPr>
+              <a:t>in:            {</a:t>
+            </a:r>
+            <a:r>
+              <a:rPr lang="en-US" sz="2400" dirty="0" smtClean="0">
+                <a:solidFill>
+                  <a:srgbClr val="FF0000"/>
+                </a:solidFill>
+                <a:latin typeface="Times New Roman" panose="02020603050405020304" pitchFamily="18" charset="0"/>
+                <a:cs typeface="Times New Roman" panose="02020603050405020304" pitchFamily="18" charset="0"/>
+              </a:rPr>
+              <a:t>2:20}</a:t>
+            </a:r>
+            <a:endParaRPr lang="en-US" sz="2400" dirty="0" smtClean="0">
+              <a:solidFill>
+                <a:srgbClr val="FF0000"/>
+              </a:solidFill>
+              <a:latin typeface="Times New Roman" panose="02020603050405020304" pitchFamily="18" charset="0"/>
+              <a:cs typeface="Times New Roman" panose="02020603050405020304" pitchFamily="18" charset="0"/>
+            </a:endParaRPr>
+          </a:p>
+          <a:p>
+            <a:pPr marL="457200" indent="-457200">
+              <a:buFont typeface="+mj-lt"/>
+              <a:buAutoNum type="arabicPeriod"/>
+            </a:pPr>
+            <a:r>
+              <a:rPr lang="en-US" sz="2400" dirty="0" smtClean="0">
+                <a:solidFill>
+                  <a:srgbClr val="FF0000"/>
+                </a:solidFill>
+                <a:latin typeface="Times New Roman" panose="02020603050405020304" pitchFamily="18" charset="0"/>
+                <a:cs typeface="Times New Roman" panose="02020603050405020304" pitchFamily="18" charset="0"/>
+              </a:rPr>
+              <a:t>on:          {</a:t>
+            </a:r>
+            <a:r>
+              <a:rPr lang="en-US" sz="2400" dirty="0" smtClean="0">
+                <a:solidFill>
+                  <a:srgbClr val="FF0000"/>
+                </a:solidFill>
+                <a:latin typeface="Times New Roman" panose="02020603050405020304" pitchFamily="18" charset="0"/>
+                <a:cs typeface="Times New Roman" panose="02020603050405020304" pitchFamily="18" charset="0"/>
+              </a:rPr>
+              <a:t>1:20}</a:t>
+            </a:r>
+            <a:endParaRPr lang="en-US" sz="2400" dirty="0" smtClean="0">
+              <a:solidFill>
+                <a:srgbClr val="FF0000"/>
+              </a:solidFill>
+              <a:latin typeface="Times New Roman" panose="02020603050405020304" pitchFamily="18" charset="0"/>
+              <a:cs typeface="Times New Roman" panose="02020603050405020304" pitchFamily="18" charset="0"/>
+            </a:endParaRPr>
+          </a:p>
+          <a:p>
+            <a:pPr marL="457200" indent="-457200">
+              <a:buFont typeface="+mj-lt"/>
+              <a:buAutoNum type="arabicPeriod"/>
+            </a:pPr>
+            <a:r>
+              <a:rPr lang="en-US" sz="2400" dirty="0" smtClean="0">
+                <a:latin typeface="Times New Roman" panose="02020603050405020304" pitchFamily="18" charset="0"/>
+                <a:cs typeface="Times New Roman" panose="02020603050405020304" pitchFamily="18" charset="0"/>
+              </a:rPr>
+              <a:t>road:       {</a:t>
+            </a:r>
+            <a:r>
+              <a:rPr lang="en-US" sz="2400" dirty="0" smtClean="0">
+                <a:latin typeface="Times New Roman" panose="02020603050405020304" pitchFamily="18" charset="0"/>
+                <a:cs typeface="Times New Roman" panose="02020603050405020304" pitchFamily="18" charset="0"/>
+              </a:rPr>
+              <a:t>1:27</a:t>
+            </a:r>
+            <a:r>
+              <a:rPr lang="en-US" sz="2400" dirty="0" smtClean="0">
+                <a:latin typeface="Times New Roman" panose="02020603050405020304" pitchFamily="18" charset="0"/>
+                <a:cs typeface="Times New Roman" panose="02020603050405020304" pitchFamily="18" charset="0"/>
+              </a:rPr>
+              <a:t>}</a:t>
+            </a:r>
+          </a:p>
+          <a:p>
+            <a:pPr marL="457200" indent="-457200">
+              <a:buFont typeface="+mj-lt"/>
+              <a:buAutoNum type="arabicPeriod"/>
+            </a:pPr>
+            <a:r>
+              <a:rPr lang="en-US" sz="2400" dirty="0" smtClean="0">
+                <a:latin typeface="Times New Roman" panose="02020603050405020304" pitchFamily="18" charset="0"/>
+                <a:cs typeface="Times New Roman" panose="02020603050405020304" pitchFamily="18" charset="0"/>
+              </a:rPr>
+              <a:t>running:  {</a:t>
+            </a:r>
+            <a:r>
+              <a:rPr lang="en-US" sz="2400" dirty="0" smtClean="0">
+                <a:latin typeface="Times New Roman" panose="02020603050405020304" pitchFamily="18" charset="0"/>
+                <a:cs typeface="Times New Roman" panose="02020603050405020304" pitchFamily="18" charset="0"/>
+              </a:rPr>
+              <a:t>1:12}</a:t>
+            </a:r>
+            <a:endParaRPr lang="en-US" sz="2400" dirty="0" smtClean="0">
+              <a:latin typeface="Times New Roman" panose="02020603050405020304" pitchFamily="18" charset="0"/>
+              <a:cs typeface="Times New Roman" panose="02020603050405020304" pitchFamily="18" charset="0"/>
+            </a:endParaRPr>
+          </a:p>
+          <a:p>
+            <a:pPr marL="457200" indent="-457200">
+              <a:buFont typeface="+mj-lt"/>
+              <a:buAutoNum type="arabicPeriod"/>
+            </a:pPr>
+            <a:r>
+              <a:rPr lang="en-US" sz="2400" dirty="0" smtClean="0">
+                <a:latin typeface="Times New Roman" panose="02020603050405020304" pitchFamily="18" charset="0"/>
+                <a:cs typeface="Times New Roman" panose="02020603050405020304" pitchFamily="18" charset="0"/>
+              </a:rPr>
+              <a:t>sky:         {</a:t>
+            </a:r>
+            <a:r>
+              <a:rPr lang="en-US" sz="2400" dirty="0" smtClean="0">
+                <a:latin typeface="Times New Roman" panose="02020603050405020304" pitchFamily="18" charset="0"/>
+                <a:cs typeface="Times New Roman" panose="02020603050405020304" pitchFamily="18" charset="0"/>
+              </a:rPr>
+              <a:t>2:27</a:t>
+            </a:r>
+            <a:r>
+              <a:rPr lang="en-US" sz="2400" dirty="0" smtClean="0">
+                <a:latin typeface="Times New Roman" panose="02020603050405020304" pitchFamily="18" charset="0"/>
+                <a:cs typeface="Times New Roman" panose="02020603050405020304" pitchFamily="18" charset="0"/>
+              </a:rPr>
+              <a:t>; </a:t>
+            </a:r>
+            <a:r>
+              <a:rPr lang="en-US" sz="2400" dirty="0" smtClean="0">
+                <a:latin typeface="Times New Roman" panose="02020603050405020304" pitchFamily="18" charset="0"/>
+                <a:cs typeface="Times New Roman" panose="02020603050405020304" pitchFamily="18" charset="0"/>
+              </a:rPr>
+              <a:t>3:16}</a:t>
+            </a:r>
+            <a:endParaRPr lang="en-US" sz="2400" dirty="0" smtClean="0">
+              <a:latin typeface="Times New Roman" panose="02020603050405020304" pitchFamily="18" charset="0"/>
+              <a:cs typeface="Times New Roman" panose="02020603050405020304" pitchFamily="18" charset="0"/>
+            </a:endParaRPr>
+          </a:p>
+          <a:p>
+            <a:pPr marL="457200" indent="-457200">
+              <a:buFont typeface="+mj-lt"/>
+              <a:buAutoNum type="arabicPeriod"/>
+            </a:pPr>
+            <a:r>
+              <a:rPr lang="en-US" sz="2400" dirty="0" smtClean="0">
+                <a:solidFill>
+                  <a:srgbClr val="FF0000"/>
+                </a:solidFill>
+                <a:latin typeface="Times New Roman" panose="02020603050405020304" pitchFamily="18" charset="0"/>
+                <a:cs typeface="Times New Roman" panose="02020603050405020304" pitchFamily="18" charset="0"/>
+              </a:rPr>
+              <a:t>the:        {</a:t>
+            </a:r>
+            <a:r>
+              <a:rPr lang="en-US" sz="2400" dirty="0" smtClean="0">
+                <a:solidFill>
+                  <a:srgbClr val="FF0000"/>
+                </a:solidFill>
+                <a:latin typeface="Times New Roman" panose="02020603050405020304" pitchFamily="18" charset="0"/>
+                <a:cs typeface="Times New Roman" panose="02020603050405020304" pitchFamily="18" charset="0"/>
+              </a:rPr>
+              <a:t>1:23; 2:23; 3:7}</a:t>
+            </a:r>
+            <a:endParaRPr lang="en-US" sz="2400" dirty="0" smtClean="0">
+              <a:solidFill>
+                <a:srgbClr val="FF0000"/>
+              </a:solidFill>
+              <a:latin typeface="Times New Roman" panose="02020603050405020304" pitchFamily="18" charset="0"/>
+              <a:cs typeface="Times New Roman" panose="02020603050405020304" pitchFamily="18" charset="0"/>
+            </a:endParaRPr>
+          </a:p>
+          <a:p>
+            <a:pPr marL="457200" indent="-457200">
+              <a:buFont typeface="+mj-lt"/>
+              <a:buAutoNum type="arabicPeriod"/>
+            </a:pPr>
+            <a:r>
+              <a:rPr lang="en-US" sz="2400" dirty="0" smtClean="0">
+                <a:latin typeface="Times New Roman" panose="02020603050405020304" pitchFamily="18" charset="0"/>
+                <a:cs typeface="Times New Roman" panose="02020603050405020304" pitchFamily="18" charset="0"/>
+              </a:rPr>
+              <a:t>under:    {3:1}</a:t>
+            </a:r>
+          </a:p>
+        </p:txBody>
+      </p:sp>
+      <p:sp>
+        <p:nvSpPr>
+          <p:cNvPr id="10" name="Content Placeholder 2"/>
+          <p:cNvSpPr txBox="1">
+            <a:spLocks/>
+          </p:cNvSpPr>
+          <p:nvPr/>
+        </p:nvSpPr>
+        <p:spPr>
+          <a:xfrm>
+            <a:off x="5416435" y="5092700"/>
+            <a:ext cx="2660536" cy="1699027"/>
+          </a:xfrm>
+          <a:prstGeom prst="rect">
+            <a:avLst/>
+          </a:prstGeom>
+        </p:spPr>
+        <p:txBody>
+          <a:bodyPr vert="horz" lIns="91440" tIns="45720" rIns="91440" bIns="45720" rtlCol="0">
+            <a:noAutofit/>
+          </a:bodyPr>
+          <a:lstStyle>
+            <a:lvl1pPr marL="228600" indent="-228600" algn="l" defTabSz="914400" rtl="0" eaLnBrk="1" latinLnBrk="0" hangingPunct="1">
+              <a:lnSpc>
+                <a:spcPct val="90000"/>
+              </a:lnSpc>
+              <a:spcBef>
+                <a:spcPts val="1000"/>
+              </a:spcBef>
+              <a:buFont typeface="Arial" panose="020B0604020202020204" pitchFamily="34" charset="0"/>
+              <a:buChar char="•"/>
+              <a:defRPr sz="2800" kern="1200">
+                <a:solidFill>
+                  <a:schemeClr val="tx1"/>
+                </a:solidFill>
+                <a:latin typeface="+mn-lt"/>
+                <a:ea typeface="+mn-ea"/>
+                <a:cs typeface="+mn-cs"/>
+              </a:defRPr>
+            </a:lvl1pPr>
+            <a:lvl2pPr marL="685800" indent="-228600" algn="l" defTabSz="914400" rtl="0" eaLnBrk="1" latinLnBrk="0" hangingPunct="1">
+              <a:lnSpc>
+                <a:spcPct val="90000"/>
+              </a:lnSpc>
+              <a:spcBef>
+                <a:spcPts val="500"/>
+              </a:spcBef>
+              <a:buFont typeface="Arial" panose="020B0604020202020204" pitchFamily="34" charset="0"/>
+              <a:buChar char="•"/>
+              <a:defRPr sz="2400" kern="1200">
+                <a:solidFill>
+                  <a:schemeClr val="tx1"/>
+                </a:solidFill>
+                <a:latin typeface="+mn-lt"/>
+                <a:ea typeface="+mn-ea"/>
+                <a:cs typeface="+mn-cs"/>
+              </a:defRPr>
+            </a:lvl2pPr>
+            <a:lvl3pPr marL="1143000" indent="-228600" algn="l" defTabSz="914400" rtl="0" eaLnBrk="1" latinLnBrk="0" hangingPunct="1">
+              <a:lnSpc>
+                <a:spcPct val="90000"/>
+              </a:lnSpc>
+              <a:spcBef>
+                <a:spcPts val="500"/>
+              </a:spcBef>
+              <a:buFont typeface="Arial" panose="020B0604020202020204" pitchFamily="34" charset="0"/>
+              <a:buChar char="•"/>
+              <a:defRPr sz="2000" kern="1200">
+                <a:solidFill>
+                  <a:schemeClr val="tx1"/>
+                </a:solidFill>
+                <a:latin typeface="+mn-lt"/>
+                <a:ea typeface="+mn-ea"/>
+                <a:cs typeface="+mn-cs"/>
+              </a:defRPr>
+            </a:lvl3pPr>
+            <a:lvl4pPr marL="1600200" indent="-228600" algn="l" defTabSz="914400" rtl="0" eaLnBrk="1" latinLnBrk="0" hangingPunct="1">
+              <a:lnSpc>
+                <a:spcPct val="90000"/>
+              </a:lnSpc>
+              <a:spcBef>
+                <a:spcPts val="500"/>
+              </a:spcBef>
+              <a:buFont typeface="Arial" panose="020B0604020202020204" pitchFamily="34" charset="0"/>
+              <a:buChar char="•"/>
+              <a:defRPr sz="1800" kern="1200">
+                <a:solidFill>
+                  <a:schemeClr val="tx1"/>
+                </a:solidFill>
+                <a:latin typeface="+mn-lt"/>
+                <a:ea typeface="+mn-ea"/>
+                <a:cs typeface="+mn-cs"/>
+              </a:defRPr>
+            </a:lvl4pPr>
+            <a:lvl5pPr marL="2057400" indent="-228600" algn="l" defTabSz="914400" rtl="0" eaLnBrk="1" latinLnBrk="0" hangingPunct="1">
+              <a:lnSpc>
+                <a:spcPct val="90000"/>
+              </a:lnSpc>
+              <a:spcBef>
+                <a:spcPts val="500"/>
+              </a:spcBef>
+              <a:buFont typeface="Arial" panose="020B0604020202020204" pitchFamily="34" charset="0"/>
+              <a:buChar char="•"/>
+              <a:defRPr sz="1800" kern="1200">
+                <a:solidFill>
+                  <a:schemeClr val="tx1"/>
+                </a:solidFill>
+                <a:latin typeface="+mn-lt"/>
+                <a:ea typeface="+mn-ea"/>
+                <a:cs typeface="+mn-cs"/>
+              </a:defRPr>
+            </a:lvl5pPr>
+            <a:lvl6pPr marL="2514600" indent="-228600" algn="l" defTabSz="914400" rtl="0" eaLnBrk="1" latinLnBrk="0" hangingPunct="1">
+              <a:lnSpc>
+                <a:spcPct val="90000"/>
+              </a:lnSpc>
+              <a:spcBef>
+                <a:spcPts val="500"/>
+              </a:spcBef>
+              <a:buFont typeface="Arial" panose="020B0604020202020204" pitchFamily="34" charset="0"/>
+              <a:buChar char="•"/>
+              <a:defRPr sz="1800" kern="1200">
+                <a:solidFill>
+                  <a:schemeClr val="tx1"/>
+                </a:solidFill>
+                <a:latin typeface="+mn-lt"/>
+                <a:ea typeface="+mn-ea"/>
+                <a:cs typeface="+mn-cs"/>
+              </a:defRPr>
+            </a:lvl6pPr>
+            <a:lvl7pPr marL="2971800" indent="-228600" algn="l" defTabSz="914400" rtl="0" eaLnBrk="1" latinLnBrk="0" hangingPunct="1">
+              <a:lnSpc>
+                <a:spcPct val="90000"/>
+              </a:lnSpc>
+              <a:spcBef>
+                <a:spcPts val="500"/>
+              </a:spcBef>
+              <a:buFont typeface="Arial" panose="020B0604020202020204" pitchFamily="34" charset="0"/>
+              <a:buChar char="•"/>
+              <a:defRPr sz="1800" kern="1200">
+                <a:solidFill>
+                  <a:schemeClr val="tx1"/>
+                </a:solidFill>
+                <a:latin typeface="+mn-lt"/>
+                <a:ea typeface="+mn-ea"/>
+                <a:cs typeface="+mn-cs"/>
+              </a:defRPr>
+            </a:lvl7pPr>
+            <a:lvl8pPr marL="3429000" indent="-228600" algn="l" defTabSz="914400" rtl="0" eaLnBrk="1" latinLnBrk="0" hangingPunct="1">
+              <a:lnSpc>
+                <a:spcPct val="90000"/>
+              </a:lnSpc>
+              <a:spcBef>
+                <a:spcPts val="500"/>
+              </a:spcBef>
+              <a:buFont typeface="Arial" panose="020B0604020202020204" pitchFamily="34" charset="0"/>
+              <a:buChar char="•"/>
+              <a:defRPr sz="1800" kern="1200">
+                <a:solidFill>
+                  <a:schemeClr val="tx1"/>
+                </a:solidFill>
+                <a:latin typeface="+mn-lt"/>
+                <a:ea typeface="+mn-ea"/>
+                <a:cs typeface="+mn-cs"/>
+              </a:defRPr>
+            </a:lvl8pPr>
+            <a:lvl9pPr marL="3886200" indent="-228600" algn="l" defTabSz="914400" rtl="0" eaLnBrk="1" latinLnBrk="0" hangingPunct="1">
+              <a:lnSpc>
+                <a:spcPct val="90000"/>
+              </a:lnSpc>
+              <a:spcBef>
+                <a:spcPts val="500"/>
+              </a:spcBef>
+              <a:buFont typeface="Arial" panose="020B0604020202020204" pitchFamily="34" charset="0"/>
+              <a:buChar char="•"/>
+              <a:defRPr sz="1800" kern="1200">
+                <a:solidFill>
+                  <a:schemeClr val="tx1"/>
+                </a:solidFill>
+                <a:latin typeface="+mn-lt"/>
+                <a:ea typeface="+mn-ea"/>
+                <a:cs typeface="+mn-cs"/>
+              </a:defRPr>
+            </a:lvl9pPr>
+          </a:lstStyle>
+          <a:p>
+            <a:pPr marL="0" lvl="8" indent="0" algn="just">
+              <a:buNone/>
+            </a:pPr>
+            <a:r>
+              <a:rPr lang="en-US" sz="2400" dirty="0" smtClean="0">
+                <a:latin typeface="Times New Roman" panose="02020603050405020304" pitchFamily="18" charset="0"/>
+                <a:cs typeface="Times New Roman" panose="02020603050405020304" pitchFamily="18" charset="0"/>
+              </a:rPr>
+              <a:t>blue: 3:</a:t>
+            </a:r>
+            <a:r>
+              <a:rPr lang="en-US" sz="2400" dirty="0" smtClean="0">
+                <a:solidFill>
+                  <a:srgbClr val="FF0000"/>
+                </a:solidFill>
+                <a:latin typeface="Times New Roman" panose="02020603050405020304" pitchFamily="18" charset="0"/>
+                <a:cs typeface="Times New Roman" panose="02020603050405020304" pitchFamily="18" charset="0"/>
+              </a:rPr>
+              <a:t>11</a:t>
+            </a:r>
+          </a:p>
+          <a:p>
+            <a:pPr marL="0" lvl="8" indent="0" algn="just">
+              <a:buNone/>
+            </a:pPr>
+            <a:r>
+              <a:rPr lang="en-US" sz="2400" dirty="0" smtClean="0">
+                <a:solidFill>
+                  <a:srgbClr val="FF0000"/>
+                </a:solidFill>
+                <a:latin typeface="Times New Roman" panose="02020603050405020304" pitchFamily="18" charset="0"/>
+                <a:cs typeface="Times New Roman" panose="02020603050405020304" pitchFamily="18" charset="0"/>
+              </a:rPr>
+              <a:t>11 + len(blue) +1 =</a:t>
+            </a:r>
+          </a:p>
+          <a:p>
+            <a:pPr marL="0" lvl="8" indent="0" algn="just">
+              <a:buNone/>
+            </a:pPr>
+            <a:r>
+              <a:rPr lang="en-US" sz="2400" dirty="0" smtClean="0">
+                <a:solidFill>
+                  <a:srgbClr val="FF0000"/>
+                </a:solidFill>
+                <a:latin typeface="Times New Roman" panose="02020603050405020304" pitchFamily="18" charset="0"/>
+                <a:cs typeface="Times New Roman" panose="02020603050405020304" pitchFamily="18" charset="0"/>
+              </a:rPr>
+              <a:t>11 + 4 +1 = 16</a:t>
+            </a:r>
+          </a:p>
+          <a:p>
+            <a:pPr marL="0" lvl="8" indent="0" algn="just">
+              <a:buNone/>
+            </a:pPr>
+            <a:r>
+              <a:rPr lang="en-US" sz="2400" dirty="0" smtClean="0">
+                <a:latin typeface="Times New Roman" panose="02020603050405020304" pitchFamily="18" charset="0"/>
+                <a:cs typeface="Times New Roman" panose="02020603050405020304" pitchFamily="18" charset="0"/>
+              </a:rPr>
+              <a:t>sky: 3:</a:t>
+            </a:r>
+            <a:r>
+              <a:rPr lang="en-US" sz="2400" dirty="0" smtClean="0">
+                <a:solidFill>
+                  <a:srgbClr val="FF0000"/>
+                </a:solidFill>
+                <a:latin typeface="Times New Roman" panose="02020603050405020304" pitchFamily="18" charset="0"/>
+                <a:cs typeface="Times New Roman" panose="02020603050405020304" pitchFamily="18" charset="0"/>
+              </a:rPr>
+              <a:t>16</a:t>
+            </a:r>
+            <a:endParaRPr lang="en-US" sz="2400" dirty="0">
+              <a:latin typeface="Times New Roman" panose="02020603050405020304" pitchFamily="18" charset="0"/>
+              <a:cs typeface="Times New Roman" panose="02020603050405020304" pitchFamily="18" charset="0"/>
+            </a:endParaRPr>
+          </a:p>
+          <a:p>
+            <a:pPr marL="0" lvl="8" indent="0" algn="just">
+              <a:buNone/>
+            </a:pPr>
+            <a:endParaRPr lang="en-US" sz="2400" dirty="0" smtClean="0">
+              <a:latin typeface="Times New Roman" panose="02020603050405020304" pitchFamily="18" charset="0"/>
+              <a:cs typeface="Times New Roman" panose="02020603050405020304" pitchFamily="18" charset="0"/>
+            </a:endParaRPr>
+          </a:p>
+        </p:txBody>
+      </p:sp>
+      <p:sp>
+        <p:nvSpPr>
+          <p:cNvPr id="13" name="Rectangle 12"/>
+          <p:cNvSpPr/>
+          <p:nvPr/>
+        </p:nvSpPr>
+        <p:spPr>
+          <a:xfrm>
+            <a:off x="343013" y="5338963"/>
+            <a:ext cx="4851400" cy="1206500"/>
+          </a:xfrm>
+          <a:prstGeom prst="rect">
+            <a:avLst/>
+          </a:prstGeom>
+        </p:spPr>
+        <p:style>
+          <a:lnRef idx="2">
+            <a:schemeClr val="accent1">
+              <a:shade val="50000"/>
+            </a:schemeClr>
+          </a:lnRef>
+          <a:fillRef idx="1">
+            <a:schemeClr val="accent1"/>
+          </a:fillRef>
+          <a:effectRef idx="0">
+            <a:schemeClr val="accent1"/>
+          </a:effectRef>
+          <a:fontRef idx="minor">
+            <a:schemeClr val="lt1"/>
+          </a:fontRef>
+        </p:style>
+        <p:txBody>
+          <a:bodyPr rtlCol="0" anchor="ctr"/>
+          <a:lstStyle/>
+          <a:p>
+            <a:pPr marL="0" lvl="8" algn="ctr"/>
+            <a:r>
+              <a:rPr lang="en-US" sz="2400" dirty="0">
+                <a:latin typeface="Times New Roman" panose="02020603050405020304" pitchFamily="18" charset="0"/>
+                <a:cs typeface="Times New Roman" panose="02020603050405020304" pitchFamily="18" charset="0"/>
+              </a:rPr>
+              <a:t>the blue sky =&gt; document 3 =&gt; 11</a:t>
+            </a:r>
+          </a:p>
+          <a:p>
+            <a:pPr algn="ctr"/>
+            <a:endParaRPr lang="en-US" dirty="0"/>
+          </a:p>
+        </p:txBody>
+      </p:sp>
+    </p:spTree>
+    <p:extLst>
+      <p:ext uri="{BB962C8B-B14F-4D97-AF65-F5344CB8AC3E}">
+        <p14:creationId xmlns:p14="http://schemas.microsoft.com/office/powerpoint/2010/main" val="1373296985"/>
+      </p:ext>
+    </p:extLst>
+  </p:cSld>
+  <p:clrMapOvr>
+    <a:masterClrMapping/>
+  </p:clrMapOvr>
+  <p:timing>
+    <p:tnLst>
+      <p:par>
+        <p:cTn id="1" dur="indefinite" restart="never" nodeType="tmRoot">
+          <p:childTnLst>
+            <p:seq concurrent="1" nextAc="seek">
+              <p:cTn id="2" dur="indefinite" nodeType="mainSeq">
+                <p:childTnLst>
+                  <p:par>
+                    <p:cTn id="3" fill="hold">
+                      <p:stCondLst>
+                        <p:cond delay="indefinite"/>
+                      </p:stCondLst>
+                      <p:childTnLst>
+                        <p:par>
+                          <p:cTn id="4" fill="hold">
+                            <p:stCondLst>
+                              <p:cond delay="0"/>
+                            </p:stCondLst>
+                            <p:childTnLst>
+                              <p:par>
+                                <p:cTn id="5" presetID="1" presetClass="entr" presetSubtype="0" fill="hold" grpId="0" nodeType="clickEffect">
+                                  <p:stCondLst>
+                                    <p:cond delay="0"/>
+                                  </p:stCondLst>
+                                  <p:childTnLst>
+                                    <p:set>
+                                      <p:cBhvr>
+                                        <p:cTn id="6" dur="1" fill="hold">
+                                          <p:stCondLst>
+                                            <p:cond delay="0"/>
+                                          </p:stCondLst>
+                                        </p:cTn>
+                                        <p:tgtEl>
+                                          <p:spTgt spid="5"/>
+                                        </p:tgtEl>
+                                        <p:attrNameLst>
+                                          <p:attrName>style.visibility</p:attrName>
+                                        </p:attrNameLst>
+                                      </p:cBhvr>
+                                      <p:to>
+                                        <p:strVal val="visible"/>
+                                      </p:to>
+                                    </p:set>
+                                  </p:childTnLst>
+                                </p:cTn>
+                              </p:par>
+                            </p:childTnLst>
+                          </p:cTn>
+                        </p:par>
+                      </p:childTnLst>
+                    </p:cTn>
+                  </p:par>
+                  <p:par>
+                    <p:cTn id="7" fill="hold">
+                      <p:stCondLst>
+                        <p:cond delay="indefinite"/>
+                      </p:stCondLst>
+                      <p:childTnLst>
+                        <p:par>
+                          <p:cTn id="8" fill="hold">
+                            <p:stCondLst>
+                              <p:cond delay="0"/>
+                            </p:stCondLst>
+                            <p:childTnLst>
+                              <p:par>
+                                <p:cTn id="9" presetID="1" presetClass="entr" presetSubtype="0" fill="hold" grpId="0" nodeType="clickEffect">
+                                  <p:stCondLst>
+                                    <p:cond delay="0"/>
+                                  </p:stCondLst>
+                                  <p:childTnLst>
+                                    <p:set>
+                                      <p:cBhvr>
+                                        <p:cTn id="10" dur="1" fill="hold">
+                                          <p:stCondLst>
+                                            <p:cond delay="0"/>
+                                          </p:stCondLst>
+                                        </p:cTn>
+                                        <p:tgtEl>
+                                          <p:spTgt spid="4"/>
+                                        </p:tgtEl>
+                                        <p:attrNameLst>
+                                          <p:attrName>style.visibility</p:attrName>
+                                        </p:attrNameLst>
+                                      </p:cBhvr>
+                                      <p:to>
+                                        <p:strVal val="visible"/>
+                                      </p:to>
+                                    </p:set>
+                                  </p:childTnLst>
+                                </p:cTn>
+                              </p:par>
+                            </p:childTnLst>
+                          </p:cTn>
+                        </p:par>
+                      </p:childTnLst>
+                    </p:cTn>
+                  </p:par>
+                  <p:par>
+                    <p:cTn id="11" fill="hold">
+                      <p:stCondLst>
+                        <p:cond delay="indefinite"/>
+                      </p:stCondLst>
+                      <p:childTnLst>
+                        <p:par>
+                          <p:cTn id="12" fill="hold">
+                            <p:stCondLst>
+                              <p:cond delay="0"/>
+                            </p:stCondLst>
+                            <p:childTnLst>
+                              <p:par>
+                                <p:cTn id="13" presetID="1" presetClass="entr" presetSubtype="0" fill="hold" grpId="0" nodeType="clickEffect">
+                                  <p:stCondLst>
+                                    <p:cond delay="0"/>
+                                  </p:stCondLst>
+                                  <p:childTnLst>
+                                    <p:set>
+                                      <p:cBhvr>
+                                        <p:cTn id="14" dur="1" fill="hold">
+                                          <p:stCondLst>
+                                            <p:cond delay="0"/>
+                                          </p:stCondLst>
+                                        </p:cTn>
+                                        <p:tgtEl>
+                                          <p:spTgt spid="6"/>
+                                        </p:tgtEl>
+                                        <p:attrNameLst>
+                                          <p:attrName>style.visibility</p:attrName>
+                                        </p:attrNameLst>
+                                      </p:cBhvr>
+                                      <p:to>
+                                        <p:strVal val="visible"/>
+                                      </p:to>
+                                    </p:set>
+                                  </p:childTnLst>
+                                </p:cTn>
+                              </p:par>
+                            </p:childTnLst>
+                          </p:cTn>
+                        </p:par>
+                      </p:childTnLst>
+                    </p:cTn>
+                  </p:par>
+                  <p:par>
+                    <p:cTn id="15" fill="hold">
+                      <p:stCondLst>
+                        <p:cond delay="indefinite"/>
+                      </p:stCondLst>
+                      <p:childTnLst>
+                        <p:par>
+                          <p:cTn id="16" fill="hold">
+                            <p:stCondLst>
+                              <p:cond delay="0"/>
+                            </p:stCondLst>
+                            <p:childTnLst>
+                              <p:par>
+                                <p:cTn id="17" presetID="1" presetClass="entr" presetSubtype="0" fill="hold" grpId="0" nodeType="clickEffect">
+                                  <p:stCondLst>
+                                    <p:cond delay="0"/>
+                                  </p:stCondLst>
+                                  <p:childTnLst>
+                                    <p:set>
+                                      <p:cBhvr>
+                                        <p:cTn id="18" dur="1" fill="hold">
+                                          <p:stCondLst>
+                                            <p:cond delay="0"/>
+                                          </p:stCondLst>
+                                        </p:cTn>
+                                        <p:tgtEl>
+                                          <p:spTgt spid="7"/>
+                                        </p:tgtEl>
+                                        <p:attrNameLst>
+                                          <p:attrName>style.visibility</p:attrName>
+                                        </p:attrNameLst>
+                                      </p:cBhvr>
+                                      <p:to>
+                                        <p:strVal val="visible"/>
+                                      </p:to>
+                                    </p:set>
+                                  </p:childTnLst>
+                                </p:cTn>
+                              </p:par>
+                            </p:childTnLst>
+                          </p:cTn>
+                        </p:par>
+                      </p:childTnLst>
+                    </p:cTn>
+                  </p:par>
+                  <p:par>
+                    <p:cTn id="19" fill="hold">
+                      <p:stCondLst>
+                        <p:cond delay="indefinite"/>
+                      </p:stCondLst>
+                      <p:childTnLst>
+                        <p:par>
+                          <p:cTn id="20" fill="hold">
+                            <p:stCondLst>
+                              <p:cond delay="0"/>
+                            </p:stCondLst>
+                            <p:childTnLst>
+                              <p:par>
+                                <p:cTn id="21" presetID="1" presetClass="entr" presetSubtype="0" fill="hold" grpId="0" nodeType="clickEffect">
+                                  <p:stCondLst>
+                                    <p:cond delay="0"/>
+                                  </p:stCondLst>
+                                  <p:childTnLst>
+                                    <p:set>
+                                      <p:cBhvr>
+                                        <p:cTn id="22" dur="1" fill="hold">
+                                          <p:stCondLst>
+                                            <p:cond delay="0"/>
+                                          </p:stCondLst>
+                                        </p:cTn>
+                                        <p:tgtEl>
+                                          <p:spTgt spid="10"/>
+                                        </p:tgtEl>
+                                        <p:attrNameLst>
+                                          <p:attrName>style.visibility</p:attrName>
+                                        </p:attrNameLst>
+                                      </p:cBhvr>
+                                      <p:to>
+                                        <p:strVal val="visible"/>
+                                      </p:to>
+                                    </p:set>
+                                  </p:childTnLst>
+                                </p:cTn>
+                              </p:par>
+                            </p:childTnLst>
+                          </p:cTn>
+                        </p:par>
+                      </p:childTnLst>
+                    </p:cTn>
+                  </p:par>
+                  <p:par>
+                    <p:cTn id="23" fill="hold">
+                      <p:stCondLst>
+                        <p:cond delay="indefinite"/>
+                      </p:stCondLst>
+                      <p:childTnLst>
+                        <p:par>
+                          <p:cTn id="24" fill="hold">
+                            <p:stCondLst>
+                              <p:cond delay="0"/>
+                            </p:stCondLst>
+                            <p:childTnLst>
+                              <p:par>
+                                <p:cTn id="25" presetID="1" presetClass="entr" presetSubtype="0" fill="hold" grpId="0" nodeType="clickEffect">
+                                  <p:stCondLst>
+                                    <p:cond delay="0"/>
+                                  </p:stCondLst>
+                                  <p:childTnLst>
+                                    <p:set>
+                                      <p:cBhvr>
+                                        <p:cTn id="26" dur="1" fill="hold">
+                                          <p:stCondLst>
+                                            <p:cond delay="0"/>
+                                          </p:stCondLst>
+                                        </p:cTn>
+                                        <p:tgtEl>
+                                          <p:spTgt spid="13"/>
+                                        </p:tgtEl>
+                                        <p:attrNameLst>
+                                          <p:attrName>style.visibility</p:attrName>
+                                        </p:attrNameLst>
+                                      </p:cBhvr>
+                                      <p:to>
+                                        <p:strVal val="visible"/>
+                                      </p:to>
+                                    </p:set>
+                                  </p:childTnLst>
+                                </p:cTn>
+                              </p:par>
+                            </p:childTnLst>
+                          </p:cTn>
+                        </p:par>
+                      </p:childTnLst>
+                    </p:cTn>
+                  </p:par>
+                  <p:par>
+                    <p:cTn id="27" fill="hold">
+                      <p:stCondLst>
+                        <p:cond delay="indefinite"/>
+                      </p:stCondLst>
+                      <p:childTnLst>
+                        <p:par>
+                          <p:cTn id="28" fill="hold">
+                            <p:stCondLst>
+                              <p:cond delay="0"/>
+                            </p:stCondLst>
+                            <p:childTnLst>
+                              <p:par>
+                                <p:cTn id="29" presetID="1" presetClass="entr" presetSubtype="0" fill="hold" grpId="0" nodeType="clickEffect">
+                                  <p:stCondLst>
+                                    <p:cond delay="0"/>
+                                  </p:stCondLst>
+                                  <p:childTnLst>
+                                    <p:set>
+                                      <p:cBhvr>
+                                        <p:cTn id="30" dur="1" fill="hold">
+                                          <p:stCondLst>
+                                            <p:cond delay="0"/>
+                                          </p:stCondLst>
+                                        </p:cTn>
+                                        <p:tgtEl>
+                                          <p:spTgt spid="9"/>
+                                        </p:tgtEl>
+                                        <p:attrNameLst>
+                                          <p:attrName>style.visibility</p:attrName>
+                                        </p:attrNameLst>
+                                      </p:cBhvr>
+                                      <p:to>
+                                        <p:strVal val="visible"/>
+                                      </p:to>
+                                    </p:set>
+                                  </p:childTnLst>
+                                </p:cTn>
+                              </p:par>
+                            </p:childTnLst>
+                          </p:cTn>
+                        </p:par>
+                      </p:childTnLst>
+                    </p:cTn>
+                  </p:par>
+                </p:childTnLst>
+              </p:cTn>
+              <p:prevCondLst>
+                <p:cond evt="onPrev" delay="0">
+                  <p:tgtEl>
+                    <p:sldTgt/>
+                  </p:tgtEl>
+                </p:cond>
+              </p:prevCondLst>
+              <p:nextCondLst>
+                <p:cond evt="onNext" delay="0">
+                  <p:tgtEl>
+                    <p:sldTgt/>
+                  </p:tgtEl>
+                </p:cond>
+              </p:nextCondLst>
+            </p:seq>
+          </p:childTnLst>
+        </p:cTn>
+      </p:par>
+    </p:tnLst>
+    <p:bldLst>
+      <p:bldP spid="4" grpId="0"/>
+      <p:bldP spid="5" grpId="0"/>
+      <p:bldP spid="6" grpId="0"/>
+      <p:bldP spid="7" grpId="0"/>
+      <p:bldP spid="9" grpId="0"/>
+      <p:bldP spid="10" grpId="0"/>
+      <p:bldP spid="13" grpId="0" animBg="1"/>
+    </p:bldLst>
+  </p:timing>
+</p:sld>
+</file>
+
+<file path=ppt/slides/slide6.xml><?xml version="1.0" encoding="utf-8"?>
+<p:sld xmlns:a="http://schemas.openxmlformats.org/drawingml/2006/main" xmlns:r="http://schemas.openxmlformats.org/officeDocument/2006/relationships" xmlns:p="http://schemas.openxmlformats.org/presentationml/2006/main">
+  <p:cSld>
+    <p:spTree>
+      <p:nvGrpSpPr>
+        <p:cNvPr id="1" name=""/>
+        <p:cNvGrpSpPr/>
+        <p:nvPr/>
+      </p:nvGrpSpPr>
+      <p:grpSpPr>
+        <a:xfrm>
+          <a:off x="0" y="0"/>
+          <a:ext cx="0" cy="0"/>
+          <a:chOff x="0" y="0"/>
+          <a:chExt cx="0" cy="0"/>
+        </a:xfrm>
+      </p:grpSpPr>
+      <p:sp>
+        <p:nvSpPr>
           <p:cNvPr id="3" name="Content Placeholder 2"/>
           <p:cNvSpPr>
             <a:spLocks noGrp="1"/>
@@ -13003,10 +16455,6 @@
               </a:rPr>
               <a:t>Các từ thường xuyên xuất hiện chung (ít nhất 25 lần) =&gt; cụm từ.</a:t>
             </a:r>
-            <a:endParaRPr lang="en-US" sz="2400" dirty="0" smtClean="0">
-              <a:latin typeface="Times New Roman" panose="02020603050405020304" pitchFamily="18" charset="0"/>
-              <a:cs typeface="Times New Roman" panose="02020603050405020304" pitchFamily="18" charset="0"/>
-            </a:endParaRPr>
           </a:p>
         </p:txBody>
       </p:sp>
@@ -13101,7 +16549,7 @@
 </p:sld>
 </file>
 
-<file path=ppt/slides/slide6.xml><?xml version="1.0" encoding="utf-8"?>
+<file path=ppt/slides/slide7.xml><?xml version="1.0" encoding="utf-8"?>
 <p:sld xmlns:a="http://schemas.openxmlformats.org/drawingml/2006/main" xmlns:r="http://schemas.openxmlformats.org/officeDocument/2006/relationships" xmlns:p="http://schemas.openxmlformats.org/presentationml/2006/main">
   <p:cSld>
     <p:spTree>
@@ -13415,8 +16863,8 @@
         </p:nvSpPr>
         <p:spPr>
           <a:xfrm>
-            <a:off x="787400" y="2130829"/>
-            <a:ext cx="11404600" cy="556028"/>
+            <a:off x="787400" y="2130828"/>
+            <a:ext cx="11404600" cy="1196571"/>
           </a:xfrm>
           <a:prstGeom prst="rect">
             <a:avLst/>
@@ -13593,7 +17041,17 @@
           <a:p>
             <a:r>
               <a:rPr lang="en-US" dirty="0" smtClean="0"/>
-              <a:t>Go, went, gone;	speak, spoke, spoken, ...</a:t>
+              <a:t>Go, went, gone;	speak, spoke, spoken, </a:t>
+            </a:r>
+            <a:r>
+              <a:rPr lang="en-US" dirty="0" smtClean="0"/>
+              <a:t>...</a:t>
+            </a:r>
+          </a:p>
+          <a:p>
+            <a:r>
+              <a:rPr lang="en-US" dirty="0"/>
+              <a:t>Collocation (She’s got black skin. She’s got dark skin).</a:t>
             </a:r>
             <a:endParaRPr lang="en-US" dirty="0"/>
           </a:p>
@@ -13786,7 +17244,7 @@
 </p:sld>
 </file>
 
-<file path=ppt/slides/slide7.xml><?xml version="1.0" encoding="utf-8"?>
+<file path=ppt/slides/slide8.xml><?xml version="1.0" encoding="utf-8"?>
 <p:sld xmlns:a="http://schemas.openxmlformats.org/drawingml/2006/main" xmlns:r="http://schemas.openxmlformats.org/officeDocument/2006/relationships" xmlns:p="http://schemas.openxmlformats.org/presentationml/2006/main">
   <p:cSld>
     <p:spTree>
@@ -13866,7 +17324,7 @@
 </p:sld>
 </file>
 
-<file path=ppt/slides/slide8.xml><?xml version="1.0" encoding="utf-8"?>
+<file path=ppt/slides/slide9.xml><?xml version="1.0" encoding="utf-8"?>
 <p:sld xmlns:a="http://schemas.openxmlformats.org/drawingml/2006/main" xmlns:r="http://schemas.openxmlformats.org/officeDocument/2006/relationships" xmlns:p="http://schemas.openxmlformats.org/presentationml/2006/main">
   <p:cSld>
     <p:spTree>
@@ -14731,616 +18189,6 @@
 </p:sld>
 </file>
 
-<file path=ppt/slides/slide9.xml><?xml version="1.0" encoding="utf-8"?>
-<p:sld xmlns:a="http://schemas.openxmlformats.org/drawingml/2006/main" xmlns:r="http://schemas.openxmlformats.org/officeDocument/2006/relationships" xmlns:p="http://schemas.openxmlformats.org/presentationml/2006/main">
-  <p:cSld>
-    <p:spTree>
-      <p:nvGrpSpPr>
-        <p:cNvPr id="1" name=""/>
-        <p:cNvGrpSpPr/>
-        <p:nvPr/>
-      </p:nvGrpSpPr>
-      <p:grpSpPr>
-        <a:xfrm>
-          <a:off x="0" y="0"/>
-          <a:ext cx="0" cy="0"/>
-          <a:chOff x="0" y="0"/>
-          <a:chExt cx="0" cy="0"/>
-        </a:xfrm>
-      </p:grpSpPr>
-      <p:sp>
-        <p:nvSpPr>
-          <p:cNvPr id="4" name="Title 1"/>
-          <p:cNvSpPr txBox="1">
-            <a:spLocks/>
-          </p:cNvSpPr>
-          <p:nvPr/>
-        </p:nvSpPr>
-        <p:spPr>
-          <a:xfrm>
-            <a:off x="0" y="0"/>
-            <a:ext cx="12192000" cy="1018773"/>
-          </a:xfrm>
-          <a:prstGeom prst="rect">
-            <a:avLst/>
-          </a:prstGeom>
-        </p:spPr>
-        <p:txBody>
-          <a:bodyPr vert="horz" lIns="91440" tIns="45720" rIns="91440" bIns="45720" rtlCol="0" anchor="ctr">
-            <a:normAutofit/>
-          </a:bodyPr>
-          <a:lstStyle>
-            <a:lvl1pPr algn="l" defTabSz="914400" rtl="0" eaLnBrk="1" latinLnBrk="0" hangingPunct="1">
-              <a:lnSpc>
-                <a:spcPct val="90000"/>
-              </a:lnSpc>
-              <a:spcBef>
-                <a:spcPct val="0"/>
-              </a:spcBef>
-              <a:buNone/>
-              <a:defRPr sz="4400" kern="1200">
-                <a:solidFill>
-                  <a:schemeClr val="tx1"/>
-                </a:solidFill>
-                <a:latin typeface="+mj-lt"/>
-                <a:ea typeface="+mj-ea"/>
-                <a:cs typeface="+mj-cs"/>
-              </a:defRPr>
-            </a:lvl1pPr>
-          </a:lstStyle>
-          <a:p>
-            <a:r>
-              <a:rPr lang="en-US" sz="4000" b="1" dirty="0" smtClean="0">
-                <a:solidFill>
-                  <a:srgbClr val="7030A0"/>
-                </a:solidFill>
-                <a:latin typeface="Times New Roman" panose="02020603050405020304" pitchFamily="18" charset="0"/>
-                <a:cs typeface="Times New Roman" panose="02020603050405020304" pitchFamily="18" charset="0"/>
-              </a:rPr>
-              <a:t>Precision and Recall combine Ranking.</a:t>
-            </a:r>
-            <a:endParaRPr lang="en-US" sz="4000" b="1" dirty="0">
-              <a:solidFill>
-                <a:srgbClr val="7030A0"/>
-              </a:solidFill>
-              <a:latin typeface="Times New Roman" panose="02020603050405020304" pitchFamily="18" charset="0"/>
-              <a:cs typeface="Times New Roman" panose="02020603050405020304" pitchFamily="18" charset="0"/>
-            </a:endParaRPr>
-          </a:p>
-        </p:txBody>
-      </p:sp>
-      <p:pic>
-        <p:nvPicPr>
-          <p:cNvPr id="5" name="Picture 4"/>
-          <p:cNvPicPr>
-            <a:picLocks noChangeAspect="1"/>
-          </p:cNvPicPr>
-          <p:nvPr/>
-        </p:nvPicPr>
-        <p:blipFill>
-          <a:blip r:embed="rId2">
-            <a:extLst>
-              <a:ext uri="{28A0092B-C50C-407E-A947-70E740481C1C}">
-                <a14:useLocalDpi xmlns:a14="http://schemas.microsoft.com/office/drawing/2010/main" val="0"/>
-              </a:ext>
-            </a:extLst>
-          </a:blip>
-          <a:stretch>
-            <a:fillRect/>
-          </a:stretch>
-        </p:blipFill>
-        <p:spPr>
-          <a:xfrm>
-            <a:off x="1543050" y="772172"/>
-            <a:ext cx="9105900" cy="5656344"/>
-          </a:xfrm>
-          <a:prstGeom prst="rect">
-            <a:avLst/>
-          </a:prstGeom>
-        </p:spPr>
-      </p:pic>
-      <p:sp>
-        <p:nvSpPr>
-          <p:cNvPr id="6" name="TextBox 5"/>
-          <p:cNvSpPr txBox="1"/>
-          <p:nvPr/>
-        </p:nvSpPr>
-        <p:spPr>
-          <a:xfrm>
-            <a:off x="234950" y="2717013"/>
-            <a:ext cx="4337050" cy="830997"/>
-          </a:xfrm>
-          <a:prstGeom prst="rect">
-            <a:avLst/>
-          </a:prstGeom>
-          <a:noFill/>
-        </p:spPr>
-        <p:txBody>
-          <a:bodyPr wrap="square" rtlCol="0">
-            <a:spAutoFit/>
-          </a:bodyPr>
-          <a:lstStyle/>
-          <a:p>
-            <a:r>
-              <a:rPr lang="en-US" sz="2400" dirty="0" smtClean="0"/>
-              <a:t>(1/6 + 2/7 + 3/8 + 4/9 + 5/10) / 5 = 0.3544</a:t>
-            </a:r>
-            <a:endParaRPr lang="en-US" sz="2400" dirty="0"/>
-          </a:p>
-        </p:txBody>
-      </p:sp>
-      <p:sp>
-        <p:nvSpPr>
-          <p:cNvPr id="7" name="TextBox 6"/>
-          <p:cNvSpPr txBox="1"/>
-          <p:nvPr/>
-        </p:nvSpPr>
-        <p:spPr>
-          <a:xfrm>
-            <a:off x="234950" y="3662777"/>
-            <a:ext cx="4229100" cy="830997"/>
-          </a:xfrm>
-          <a:prstGeom prst="rect">
-            <a:avLst/>
-          </a:prstGeom>
-          <a:noFill/>
-        </p:spPr>
-        <p:txBody>
-          <a:bodyPr wrap="square" rtlCol="0">
-            <a:spAutoFit/>
-          </a:bodyPr>
-          <a:lstStyle/>
-          <a:p>
-            <a:r>
-              <a:rPr lang="en-US" sz="2400" dirty="0" smtClean="0"/>
-              <a:t>(1/2 + 2/3 + 3/6 + 4/7 + 5/8)  / 5 = 0.5726</a:t>
-            </a:r>
-            <a:endParaRPr lang="en-US" sz="2400" dirty="0"/>
-          </a:p>
-        </p:txBody>
-      </p:sp>
-      <p:pic>
-        <p:nvPicPr>
-          <p:cNvPr id="10" name="Content Placeholder 9"/>
-          <p:cNvPicPr>
-            <a:picLocks noGrp="1" noChangeAspect="1"/>
-          </p:cNvPicPr>
-          <p:nvPr>
-            <p:ph idx="1"/>
-          </p:nvPr>
-        </p:nvPicPr>
-        <p:blipFill>
-          <a:blip r:embed="rId3">
-            <a:extLst>
-              <a:ext uri="{28A0092B-C50C-407E-A947-70E740481C1C}">
-                <a14:useLocalDpi xmlns:a14="http://schemas.microsoft.com/office/drawing/2010/main" val="0"/>
-              </a:ext>
-            </a:extLst>
-          </a:blip>
-          <a:stretch>
-            <a:fillRect/>
-          </a:stretch>
-        </p:blipFill>
-        <p:spPr>
-          <a:xfrm>
-            <a:off x="2576512" y="928301"/>
-            <a:ext cx="6607175" cy="5590687"/>
-          </a:xfrm>
-        </p:spPr>
-      </p:pic>
-      <p:sp>
-        <p:nvSpPr>
-          <p:cNvPr id="11" name="TextBox 10"/>
-          <p:cNvSpPr txBox="1"/>
-          <p:nvPr/>
-        </p:nvSpPr>
-        <p:spPr>
-          <a:xfrm>
-            <a:off x="234950" y="1889720"/>
-            <a:ext cx="4337050" cy="830997"/>
-          </a:xfrm>
-          <a:prstGeom prst="rect">
-            <a:avLst/>
-          </a:prstGeom>
-          <a:noFill/>
-        </p:spPr>
-        <p:txBody>
-          <a:bodyPr wrap="square" rtlCol="0">
-            <a:spAutoFit/>
-          </a:bodyPr>
-          <a:lstStyle/>
-          <a:p>
-            <a:r>
-              <a:rPr lang="en-US" sz="2400" dirty="0" smtClean="0"/>
-              <a:t>(</a:t>
-            </a:r>
-            <a:r>
-              <a:rPr lang="en-US" sz="2400" dirty="0" smtClean="0"/>
-              <a:t>1/1 </a:t>
-            </a:r>
-            <a:r>
-              <a:rPr lang="en-US" sz="2400" dirty="0" smtClean="0"/>
-              <a:t>+ </a:t>
-            </a:r>
-            <a:r>
-              <a:rPr lang="en-US" sz="2400" dirty="0" smtClean="0"/>
-              <a:t>2/2 </a:t>
-            </a:r>
-            <a:r>
-              <a:rPr lang="en-US" sz="2400" dirty="0" smtClean="0"/>
-              <a:t>+ </a:t>
-            </a:r>
-            <a:r>
-              <a:rPr lang="en-US" sz="2400" dirty="0" smtClean="0"/>
-              <a:t>3/3 </a:t>
-            </a:r>
-            <a:r>
-              <a:rPr lang="en-US" sz="2400" dirty="0" smtClean="0"/>
-              <a:t>+ </a:t>
-            </a:r>
-            <a:r>
-              <a:rPr lang="en-US" sz="2400" dirty="0" smtClean="0"/>
-              <a:t>4/4 </a:t>
-            </a:r>
-            <a:r>
-              <a:rPr lang="en-US" sz="2400" dirty="0" smtClean="0"/>
-              <a:t>+ </a:t>
-            </a:r>
-            <a:r>
-              <a:rPr lang="en-US" sz="2400" dirty="0" smtClean="0"/>
-              <a:t>5/5) </a:t>
-            </a:r>
-            <a:r>
-              <a:rPr lang="en-US" sz="2400" dirty="0" smtClean="0"/>
-              <a:t>/ 5 = </a:t>
-            </a:r>
-            <a:r>
-              <a:rPr lang="en-US" sz="2400" dirty="0" smtClean="0"/>
-              <a:t>1</a:t>
-            </a:r>
-            <a:r>
-              <a:rPr lang="en-US" sz="2400" dirty="0" smtClean="0"/>
-              <a:t>.0</a:t>
-            </a:r>
-            <a:endParaRPr lang="en-US" sz="2400" dirty="0"/>
-          </a:p>
-        </p:txBody>
-      </p:sp>
-    </p:spTree>
-    <p:extLst>
-      <p:ext uri="{BB962C8B-B14F-4D97-AF65-F5344CB8AC3E}">
-        <p14:creationId xmlns:p14="http://schemas.microsoft.com/office/powerpoint/2010/main" val="396454844"/>
-      </p:ext>
-    </p:extLst>
-  </p:cSld>
-  <p:clrMapOvr>
-    <a:masterClrMapping/>
-  </p:clrMapOvr>
-  <p:timing>
-    <p:tnLst>
-      <p:par>
-        <p:cTn id="1" dur="indefinite" restart="never" nodeType="tmRoot">
-          <p:childTnLst>
-            <p:seq concurrent="1" nextAc="seek">
-              <p:cTn id="2" dur="indefinite" nodeType="mainSeq">
-                <p:childTnLst>
-                  <p:par>
-                    <p:cTn id="3" fill="hold">
-                      <p:stCondLst>
-                        <p:cond delay="indefinite"/>
-                      </p:stCondLst>
-                      <p:childTnLst>
-                        <p:par>
-                          <p:cTn id="4" fill="hold">
-                            <p:stCondLst>
-                              <p:cond delay="0"/>
-                            </p:stCondLst>
-                            <p:childTnLst>
-                              <p:par>
-                                <p:cTn id="5" presetID="1" presetClass="exit" presetSubtype="0" fill="hold" nodeType="clickEffect">
-                                  <p:stCondLst>
-                                    <p:cond delay="0"/>
-                                  </p:stCondLst>
-                                  <p:childTnLst>
-                                    <p:set>
-                                      <p:cBhvr>
-                                        <p:cTn id="6" dur="1" fill="hold">
-                                          <p:stCondLst>
-                                            <p:cond delay="0"/>
-                                          </p:stCondLst>
-                                        </p:cTn>
-                                        <p:tgtEl>
-                                          <p:spTgt spid="10"/>
-                                        </p:tgtEl>
-                                        <p:attrNameLst>
-                                          <p:attrName>style.visibility</p:attrName>
-                                        </p:attrNameLst>
-                                      </p:cBhvr>
-                                      <p:to>
-                                        <p:strVal val="hidden"/>
-                                      </p:to>
-                                    </p:set>
-                                  </p:childTnLst>
-                                </p:cTn>
-                              </p:par>
-                            </p:childTnLst>
-                          </p:cTn>
-                        </p:par>
-                      </p:childTnLst>
-                    </p:cTn>
-                  </p:par>
-                  <p:par>
-                    <p:cTn id="7" fill="hold">
-                      <p:stCondLst>
-                        <p:cond delay="indefinite"/>
-                      </p:stCondLst>
-                      <p:childTnLst>
-                        <p:par>
-                          <p:cTn id="8" fill="hold">
-                            <p:stCondLst>
-                              <p:cond delay="0"/>
-                            </p:stCondLst>
-                            <p:childTnLst>
-                              <p:par>
-                                <p:cTn id="9" presetID="10" presetClass="entr" presetSubtype="0" fill="hold" grpId="0" nodeType="clickEffect">
-                                  <p:stCondLst>
-                                    <p:cond delay="0"/>
-                                  </p:stCondLst>
-                                  <p:childTnLst>
-                                    <p:set>
-                                      <p:cBhvr>
-                                        <p:cTn id="10" dur="1" fill="hold">
-                                          <p:stCondLst>
-                                            <p:cond delay="0"/>
-                                          </p:stCondLst>
-                                        </p:cTn>
-                                        <p:tgtEl>
-                                          <p:spTgt spid="4"/>
-                                        </p:tgtEl>
-                                        <p:attrNameLst>
-                                          <p:attrName>style.visibility</p:attrName>
-                                        </p:attrNameLst>
-                                      </p:cBhvr>
-                                      <p:to>
-                                        <p:strVal val="visible"/>
-                                      </p:to>
-                                    </p:set>
-                                    <p:animEffect transition="in" filter="fade">
-                                      <p:cBhvr>
-                                        <p:cTn id="11" dur="500"/>
-                                        <p:tgtEl>
-                                          <p:spTgt spid="4"/>
-                                        </p:tgtEl>
-                                      </p:cBhvr>
-                                    </p:animEffect>
-                                  </p:childTnLst>
-                                </p:cTn>
-                              </p:par>
-                            </p:childTnLst>
-                          </p:cTn>
-                        </p:par>
-                      </p:childTnLst>
-                    </p:cTn>
-                  </p:par>
-                  <p:par>
-                    <p:cTn id="12" fill="hold">
-                      <p:stCondLst>
-                        <p:cond delay="indefinite"/>
-                      </p:stCondLst>
-                      <p:childTnLst>
-                        <p:par>
-                          <p:cTn id="13" fill="hold">
-                            <p:stCondLst>
-                              <p:cond delay="0"/>
-                            </p:stCondLst>
-                            <p:childTnLst>
-                              <p:par>
-                                <p:cTn id="14" presetID="10" presetClass="entr" presetSubtype="0" fill="hold" nodeType="clickEffect">
-                                  <p:stCondLst>
-                                    <p:cond delay="0"/>
-                                  </p:stCondLst>
-                                  <p:childTnLst>
-                                    <p:set>
-                                      <p:cBhvr>
-                                        <p:cTn id="15" dur="1" fill="hold">
-                                          <p:stCondLst>
-                                            <p:cond delay="0"/>
-                                          </p:stCondLst>
-                                        </p:cTn>
-                                        <p:tgtEl>
-                                          <p:spTgt spid="5"/>
-                                        </p:tgtEl>
-                                        <p:attrNameLst>
-                                          <p:attrName>style.visibility</p:attrName>
-                                        </p:attrNameLst>
-                                      </p:cBhvr>
-                                      <p:to>
-                                        <p:strVal val="visible"/>
-                                      </p:to>
-                                    </p:set>
-                                    <p:animEffect transition="in" filter="fade">
-                                      <p:cBhvr>
-                                        <p:cTn id="16" dur="500"/>
-                                        <p:tgtEl>
-                                          <p:spTgt spid="5"/>
-                                        </p:tgtEl>
-                                      </p:cBhvr>
-                                    </p:animEffect>
-                                  </p:childTnLst>
-                                </p:cTn>
-                              </p:par>
-                            </p:childTnLst>
-                          </p:cTn>
-                        </p:par>
-                      </p:childTnLst>
-                    </p:cTn>
-                  </p:par>
-                  <p:par>
-                    <p:cTn id="17" fill="hold">
-                      <p:stCondLst>
-                        <p:cond delay="indefinite"/>
-                      </p:stCondLst>
-                      <p:childTnLst>
-                        <p:par>
-                          <p:cTn id="18" fill="hold">
-                            <p:stCondLst>
-                              <p:cond delay="0"/>
-                            </p:stCondLst>
-                            <p:childTnLst>
-                              <p:par>
-                                <p:cTn id="19" presetID="1" presetClass="entr" presetSubtype="0" fill="hold" grpId="0" nodeType="clickEffect">
-                                  <p:stCondLst>
-                                    <p:cond delay="0"/>
-                                  </p:stCondLst>
-                                  <p:childTnLst>
-                                    <p:set>
-                                      <p:cBhvr>
-                                        <p:cTn id="20" dur="1" fill="hold">
-                                          <p:stCondLst>
-                                            <p:cond delay="0"/>
-                                          </p:stCondLst>
-                                        </p:cTn>
-                                        <p:tgtEl>
-                                          <p:spTgt spid="11"/>
-                                        </p:tgtEl>
-                                        <p:attrNameLst>
-                                          <p:attrName>style.visibility</p:attrName>
-                                        </p:attrNameLst>
-                                      </p:cBhvr>
-                                      <p:to>
-                                        <p:strVal val="visible"/>
-                                      </p:to>
-                                    </p:set>
-                                  </p:childTnLst>
-                                </p:cTn>
-                              </p:par>
-                            </p:childTnLst>
-                          </p:cTn>
-                        </p:par>
-                      </p:childTnLst>
-                    </p:cTn>
-                  </p:par>
-                  <p:par>
-                    <p:cTn id="21" fill="hold">
-                      <p:stCondLst>
-                        <p:cond delay="indefinite"/>
-                      </p:stCondLst>
-                      <p:childTnLst>
-                        <p:par>
-                          <p:cTn id="22" fill="hold">
-                            <p:stCondLst>
-                              <p:cond delay="0"/>
-                            </p:stCondLst>
-                            <p:childTnLst>
-                              <p:par>
-                                <p:cTn id="23" presetID="1" presetClass="entr" presetSubtype="0" fill="hold" grpId="0" nodeType="clickEffect">
-                                  <p:stCondLst>
-                                    <p:cond delay="0"/>
-                                  </p:stCondLst>
-                                  <p:childTnLst>
-                                    <p:set>
-                                      <p:cBhvr>
-                                        <p:cTn id="24" dur="1" fill="hold">
-                                          <p:stCondLst>
-                                            <p:cond delay="0"/>
-                                          </p:stCondLst>
-                                        </p:cTn>
-                                        <p:tgtEl>
-                                          <p:spTgt spid="6"/>
-                                        </p:tgtEl>
-                                        <p:attrNameLst>
-                                          <p:attrName>style.visibility</p:attrName>
-                                        </p:attrNameLst>
-                                      </p:cBhvr>
-                                      <p:to>
-                                        <p:strVal val="visible"/>
-                                      </p:to>
-                                    </p:set>
-                                  </p:childTnLst>
-                                </p:cTn>
-                              </p:par>
-                            </p:childTnLst>
-                          </p:cTn>
-                        </p:par>
-                      </p:childTnLst>
-                    </p:cTn>
-                  </p:par>
-                  <p:par>
-                    <p:cTn id="25" fill="hold">
-                      <p:stCondLst>
-                        <p:cond delay="indefinite"/>
-                      </p:stCondLst>
-                      <p:childTnLst>
-                        <p:par>
-                          <p:cTn id="26" fill="hold">
-                            <p:stCondLst>
-                              <p:cond delay="0"/>
-                            </p:stCondLst>
-                            <p:childTnLst>
-                              <p:par>
-                                <p:cTn id="27" presetID="1" presetClass="entr" presetSubtype="0" fill="hold" grpId="0" nodeType="clickEffect">
-                                  <p:stCondLst>
-                                    <p:cond delay="0"/>
-                                  </p:stCondLst>
-                                  <p:childTnLst>
-                                    <p:set>
-                                      <p:cBhvr>
-                                        <p:cTn id="28" dur="1" fill="hold">
-                                          <p:stCondLst>
-                                            <p:cond delay="0"/>
-                                          </p:stCondLst>
-                                        </p:cTn>
-                                        <p:tgtEl>
-                                          <p:spTgt spid="7"/>
-                                        </p:tgtEl>
-                                        <p:attrNameLst>
-                                          <p:attrName>style.visibility</p:attrName>
-                                        </p:attrNameLst>
-                                      </p:cBhvr>
-                                      <p:to>
-                                        <p:strVal val="visible"/>
-                                      </p:to>
-                                    </p:set>
-                                  </p:childTnLst>
-                                </p:cTn>
-                              </p:par>
-                            </p:childTnLst>
-                          </p:cTn>
-                        </p:par>
-                      </p:childTnLst>
-                    </p:cTn>
-                  </p:par>
-                </p:childTnLst>
-              </p:cTn>
-              <p:prevCondLst>
-                <p:cond evt="onPrev" delay="0">
-                  <p:tgtEl>
-                    <p:sldTgt/>
-                  </p:tgtEl>
-                </p:cond>
-              </p:prevCondLst>
-              <p:nextCondLst>
-                <p:cond evt="onNext" delay="0">
-                  <p:tgtEl>
-                    <p:sldTgt/>
-                  </p:tgtEl>
-                </p:cond>
-              </p:nextCondLst>
-            </p:seq>
-          </p:childTnLst>
-        </p:cTn>
-      </p:par>
-    </p:tnLst>
-    <p:bldLst>
-      <p:bldP spid="4" grpId="0"/>
-      <p:bldP spid="6" grpId="0"/>
-      <p:bldP spid="7" grpId="0"/>
-      <p:bldP spid="11" grpId="0"/>
-    </p:bldLst>
-  </p:timing>
-</p:sld>
-</file>
-
 <file path=ppt/theme/theme1.xml><?xml version="1.0" encoding="utf-8"?>
 <a:theme xmlns:a="http://schemas.openxmlformats.org/drawingml/2006/main" name="Office Theme">
   <a:themeElements>

--- a/IR/Presentation1.pptx
+++ b/IR/Presentation1.pptx
@@ -9,9 +9,9 @@
     <p:sldId id="258" r:id="rId3"/>
     <p:sldId id="261" r:id="rId4"/>
     <p:sldId id="295" r:id="rId5"/>
-    <p:sldId id="257" r:id="rId6"/>
-    <p:sldId id="259" r:id="rId7"/>
-    <p:sldId id="260" r:id="rId8"/>
+    <p:sldId id="259" r:id="rId6"/>
+    <p:sldId id="260" r:id="rId7"/>
+    <p:sldId id="257" r:id="rId8"/>
     <p:sldId id="263" r:id="rId9"/>
     <p:sldId id="262" r:id="rId10"/>
     <p:sldId id="264" r:id="rId11"/>
@@ -22,21 +22,23 @@
     <p:sldId id="267" r:id="rId16"/>
     <p:sldId id="269" r:id="rId17"/>
     <p:sldId id="271" r:id="rId18"/>
-    <p:sldId id="273" r:id="rId19"/>
-    <p:sldId id="274" r:id="rId20"/>
-    <p:sldId id="275" r:id="rId21"/>
-    <p:sldId id="272" r:id="rId22"/>
-    <p:sldId id="278" r:id="rId23"/>
-    <p:sldId id="280" r:id="rId24"/>
-    <p:sldId id="281" r:id="rId25"/>
-    <p:sldId id="283" r:id="rId26"/>
-    <p:sldId id="284" r:id="rId27"/>
-    <p:sldId id="286" r:id="rId28"/>
-    <p:sldId id="288" r:id="rId29"/>
-    <p:sldId id="289" r:id="rId30"/>
-    <p:sldId id="290" r:id="rId31"/>
-    <p:sldId id="291" r:id="rId32"/>
-    <p:sldId id="292" r:id="rId33"/>
+    <p:sldId id="296" r:id="rId19"/>
+    <p:sldId id="273" r:id="rId20"/>
+    <p:sldId id="274" r:id="rId21"/>
+    <p:sldId id="275" r:id="rId22"/>
+    <p:sldId id="272" r:id="rId23"/>
+    <p:sldId id="278" r:id="rId24"/>
+    <p:sldId id="280" r:id="rId25"/>
+    <p:sldId id="281" r:id="rId26"/>
+    <p:sldId id="283" r:id="rId27"/>
+    <p:sldId id="284" r:id="rId28"/>
+    <p:sldId id="286" r:id="rId29"/>
+    <p:sldId id="288" r:id="rId30"/>
+    <p:sldId id="289" r:id="rId31"/>
+    <p:sldId id="297" r:id="rId32"/>
+    <p:sldId id="290" r:id="rId33"/>
+    <p:sldId id="291" r:id="rId34"/>
+    <p:sldId id="292" r:id="rId35"/>
   </p:sldIdLst>
   <p:sldSz cx="12192000" cy="6858000"/>
   <p:notesSz cx="6858000" cy="9144000"/>
@@ -4826,21 +4828,7 @@
                 <a:latin typeface="Times New Roman" panose="02020603050405020304" pitchFamily="18" charset="0"/>
                 <a:cs typeface="Times New Roman" panose="02020603050405020304" pitchFamily="18" charset="0"/>
               </a:rPr>
-              <a:t>Interpolated avg pre = ((</a:t>
-            </a:r>
-            <a:r>
-              <a:rPr lang="en-US" sz="2400" dirty="0" smtClean="0">
-                <a:latin typeface="Times New Roman" panose="02020603050405020304" pitchFamily="18" charset="0"/>
-                <a:cs typeface="Times New Roman" panose="02020603050405020304" pitchFamily="18" charset="0"/>
-              </a:rPr>
-              <a:t>2/3*5)+(5/8*6))/</a:t>
-            </a:r>
-            <a:r>
-              <a:rPr lang="en-US" sz="2400" dirty="0" smtClean="0">
-                <a:latin typeface="Times New Roman" panose="02020603050405020304" pitchFamily="18" charset="0"/>
-                <a:cs typeface="Times New Roman" panose="02020603050405020304" pitchFamily="18" charset="0"/>
-              </a:rPr>
-              <a:t>11 = 0.644</a:t>
+              <a:t>Interpolated avg pre = ((2/3*5)+(5/8*6))/11 = 0.644</a:t>
             </a:r>
             <a:endParaRPr lang="en-US" sz="2400" dirty="0">
               <a:latin typeface="Times New Roman" panose="02020603050405020304" pitchFamily="18" charset="0"/>
@@ -5234,11 +5222,11 @@
   <p:clrMapOvr>
     <a:masterClrMapping/>
   </p:clrMapOvr>
-  <mc:AlternateContent xmlns:mc="http://schemas.openxmlformats.org/markup-compatibility/2006">
-    <mc:Choice xmlns:p14="http://schemas.microsoft.com/office/powerpoint/2010/main" Requires="p14">
+  <mc:AlternateContent xmlns:mc="http://schemas.openxmlformats.org/markup-compatibility/2006" xmlns:p14="http://schemas.microsoft.com/office/powerpoint/2010/main">
+    <mc:Choice Requires="p14">
       <p:transition spd="slow" p14:dur="2000"/>
     </mc:Choice>
-    <mc:Fallback>
+    <mc:Fallback xmlns="">
       <p:transition spd="slow"/>
     </mc:Fallback>
   </mc:AlternateContent>
@@ -5821,6 +5809,36 @@
           </a:prstGeom>
         </p:spPr>
       </p:pic>
+      <p:pic>
+        <p:nvPicPr>
+          <p:cNvPr id="2" name="Picture 1"/>
+          <p:cNvPicPr>
+            <a:picLocks noChangeAspect="1"/>
+          </p:cNvPicPr>
+          <p:nvPr/>
+        </p:nvPicPr>
+        <p:blipFill>
+          <a:blip r:embed="rId3">
+            <a:extLst>
+              <a:ext uri="{28A0092B-C50C-407E-A947-70E740481C1C}">
+                <a14:useLocalDpi xmlns:a14="http://schemas.microsoft.com/office/drawing/2010/main" val="0"/>
+              </a:ext>
+            </a:extLst>
+          </a:blip>
+          <a:stretch>
+            <a:fillRect/>
+          </a:stretch>
+        </p:blipFill>
+        <p:spPr>
+          <a:xfrm>
+            <a:off x="291503" y="2668487"/>
+            <a:ext cx="9437181" cy="2144813"/>
+          </a:xfrm>
+          <a:prstGeom prst="rect">
+            <a:avLst/>
+          </a:prstGeom>
+        </p:spPr>
+      </p:pic>
     </p:spTree>
     <p:extLst>
       <p:ext uri="{BB962C8B-B14F-4D97-AF65-F5344CB8AC3E}">
@@ -5834,135 +5852,164 @@
   <p:timing>
     <p:tnLst>
       <p:par>
-        <p:cTn id="1" dur="indefinite" restart="never" nodeType="tmRoot">
-          <p:childTnLst>
-            <p:seq concurrent="1" nextAc="seek">
-              <p:cTn id="2" dur="indefinite" nodeType="mainSeq">
-                <p:childTnLst>
-                  <p:par>
-                    <p:cTn id="3" fill="hold">
-                      <p:stCondLst>
-                        <p:cond delay="indefinite"/>
-                      </p:stCondLst>
-                      <p:childTnLst>
-                        <p:par>
-                          <p:cTn id="4" fill="hold">
-                            <p:stCondLst>
-                              <p:cond delay="0"/>
-                            </p:stCondLst>
-                            <p:childTnLst>
-                              <p:par>
-                                <p:cTn id="5" presetID="1" presetClass="entr" presetSubtype="0" fill="hold" grpId="0" nodeType="clickEffect" nodePh="1">
-                                  <p:stCondLst>
-                                    <p:cond delay="0"/>
-                                  </p:stCondLst>
-                                  <p:endCondLst>
-                                    <p:cond evt="begin" delay="0">
-                                      <p:tn val="5"/>
-                                    </p:cond>
-                                  </p:endCondLst>
-                                  <p:childTnLst>
-                                    <p:set>
-                                      <p:cBhvr>
-                                        <p:cTn id="6" dur="1" fill="hold">
-                                          <p:stCondLst>
-                                            <p:cond delay="0"/>
-                                          </p:stCondLst>
-                                        </p:cTn>
-                                        <p:tgtEl>
-                                          <p:spTgt spid="5"/>
-                                        </p:tgtEl>
-                                        <p:attrNameLst>
-                                          <p:attrName>style.visibility</p:attrName>
-                                        </p:attrNameLst>
-                                      </p:cBhvr>
-                                      <p:to>
-                                        <p:strVal val="visible"/>
-                                      </p:to>
-                                    </p:set>
-                                  </p:childTnLst>
-                                </p:cTn>
-                              </p:par>
-                            </p:childTnLst>
-                          </p:cTn>
-                        </p:par>
-                      </p:childTnLst>
-                    </p:cTn>
-                  </p:par>
-                  <p:par>
-                    <p:cTn id="7" fill="hold">
-                      <p:stCondLst>
-                        <p:cond delay="indefinite"/>
-                      </p:stCondLst>
-                      <p:childTnLst>
-                        <p:par>
-                          <p:cTn id="8" fill="hold">
-                            <p:stCondLst>
-                              <p:cond delay="0"/>
-                            </p:stCondLst>
-                            <p:childTnLst>
-                              <p:par>
-                                <p:cTn id="9" presetID="1" presetClass="entr" presetSubtype="0" fill="hold" nodeType="clickEffect">
-                                  <p:stCondLst>
-                                    <p:cond delay="0"/>
-                                  </p:stCondLst>
-                                  <p:childTnLst>
-                                    <p:set>
-                                      <p:cBhvr>
-                                        <p:cTn id="10" dur="1" fill="hold">
-                                          <p:stCondLst>
-                                            <p:cond delay="0"/>
-                                          </p:stCondLst>
-                                        </p:cTn>
-                                        <p:tgtEl>
-                                          <p:spTgt spid="7"/>
-                                        </p:tgtEl>
-                                        <p:attrNameLst>
-                                          <p:attrName>style.visibility</p:attrName>
-                                        </p:attrNameLst>
-                                      </p:cBhvr>
-                                      <p:to>
-                                        <p:strVal val="visible"/>
-                                      </p:to>
-                                    </p:set>
-                                  </p:childTnLst>
-                                </p:cTn>
-                              </p:par>
-                            </p:childTnLst>
-                          </p:cTn>
-                        </p:par>
-                      </p:childTnLst>
-                    </p:cTn>
-                  </p:par>
-                </p:childTnLst>
-              </p:cTn>
-              <p:prevCondLst>
-                <p:cond evt="onPrev" delay="0">
-                  <p:tgtEl>
-                    <p:sldTgt/>
-                  </p:tgtEl>
-                </p:cond>
-              </p:prevCondLst>
-              <p:nextCondLst>
-                <p:cond evt="onNext" delay="0">
-                  <p:tgtEl>
-                    <p:sldTgt/>
-                  </p:tgtEl>
-                </p:cond>
-              </p:nextCondLst>
-            </p:seq>
-          </p:childTnLst>
-        </p:cTn>
+        <p:cTn id="1" dur="indefinite" restart="never" nodeType="tmRoot"/>
       </p:par>
     </p:tnLst>
-    <p:bldLst>
-      <p:bldP spid="5" grpId="0"/>
-    </p:bldLst>
   </p:timing>
 </p:sld>
 </file>
 
 <file path=ppt/slides/slide18.xml><?xml version="1.0" encoding="utf-8"?>
+<p:sld xmlns:a="http://schemas.openxmlformats.org/drawingml/2006/main" xmlns:r="http://schemas.openxmlformats.org/officeDocument/2006/relationships" xmlns:p="http://schemas.openxmlformats.org/presentationml/2006/main">
+  <p:cSld>
+    <p:spTree>
+      <p:nvGrpSpPr>
+        <p:cNvPr id="1" name=""/>
+        <p:cNvGrpSpPr/>
+        <p:nvPr/>
+      </p:nvGrpSpPr>
+      <p:grpSpPr>
+        <a:xfrm>
+          <a:off x="0" y="0"/>
+          <a:ext cx="0" cy="0"/>
+          <a:chOff x="0" y="0"/>
+          <a:chExt cx="0" cy="0"/>
+        </a:xfrm>
+      </p:grpSpPr>
+      <p:sp>
+        <p:nvSpPr>
+          <p:cNvPr id="4" name="Title 1"/>
+          <p:cNvSpPr txBox="1">
+            <a:spLocks/>
+          </p:cNvSpPr>
+          <p:nvPr/>
+        </p:nvSpPr>
+        <p:spPr>
+          <a:xfrm>
+            <a:off x="0" y="0"/>
+            <a:ext cx="12192000" cy="1018773"/>
+          </a:xfrm>
+          <a:prstGeom prst="rect">
+            <a:avLst/>
+          </a:prstGeom>
+        </p:spPr>
+        <p:txBody>
+          <a:bodyPr vert="horz" lIns="91440" tIns="45720" rIns="91440" bIns="45720" rtlCol="0" anchor="ctr">
+            <a:normAutofit/>
+          </a:bodyPr>
+          <a:lstStyle>
+            <a:lvl1pPr algn="l" defTabSz="914400" rtl="0" eaLnBrk="1" latinLnBrk="0" hangingPunct="1">
+              <a:lnSpc>
+                <a:spcPct val="90000"/>
+              </a:lnSpc>
+              <a:spcBef>
+                <a:spcPct val="0"/>
+              </a:spcBef>
+              <a:buNone/>
+              <a:defRPr sz="4400" kern="1200">
+                <a:solidFill>
+                  <a:schemeClr val="tx1"/>
+                </a:solidFill>
+                <a:latin typeface="+mj-lt"/>
+                <a:ea typeface="+mj-ea"/>
+                <a:cs typeface="+mj-cs"/>
+              </a:defRPr>
+            </a:lvl1pPr>
+          </a:lstStyle>
+          <a:p>
+            <a:r>
+              <a:rPr lang="en-US" sz="4000" b="1" dirty="0" smtClean="0">
+                <a:solidFill>
+                  <a:srgbClr val="7030A0"/>
+                </a:solidFill>
+                <a:latin typeface="Times New Roman" panose="02020603050405020304" pitchFamily="18" charset="0"/>
+                <a:cs typeface="Times New Roman" panose="02020603050405020304" pitchFamily="18" charset="0"/>
+              </a:rPr>
+              <a:t>Cosine similarity.</a:t>
+            </a:r>
+          </a:p>
+        </p:txBody>
+      </p:sp>
+      <p:sp>
+        <p:nvSpPr>
+          <p:cNvPr id="5" name="TextBox 4"/>
+          <p:cNvSpPr txBox="1"/>
+          <p:nvPr/>
+        </p:nvSpPr>
+        <p:spPr>
+          <a:xfrm>
+            <a:off x="0" y="1018773"/>
+            <a:ext cx="3850084" cy="630942"/>
+          </a:xfrm>
+          <a:prstGeom prst="rect">
+            <a:avLst/>
+          </a:prstGeom>
+          <a:noFill/>
+        </p:spPr>
+        <p:txBody>
+          <a:bodyPr wrap="square" rtlCol="0">
+            <a:spAutoFit/>
+          </a:bodyPr>
+          <a:lstStyle/>
+          <a:p>
+            <a:endParaRPr lang="en-US" sz="3500" dirty="0">
+              <a:latin typeface="Times New Roman" panose="02020603050405020304" pitchFamily="18" charset="0"/>
+              <a:cs typeface="Times New Roman" panose="02020603050405020304" pitchFamily="18" charset="0"/>
+            </a:endParaRPr>
+          </a:p>
+        </p:txBody>
+      </p:sp>
+      <p:pic>
+        <p:nvPicPr>
+          <p:cNvPr id="3" name="Picture 2"/>
+          <p:cNvPicPr>
+            <a:picLocks noChangeAspect="1"/>
+          </p:cNvPicPr>
+          <p:nvPr/>
+        </p:nvPicPr>
+        <p:blipFill>
+          <a:blip r:embed="rId2">
+            <a:extLst>
+              <a:ext uri="{28A0092B-C50C-407E-A947-70E740481C1C}">
+                <a14:useLocalDpi xmlns:a14="http://schemas.microsoft.com/office/drawing/2010/main" val="0"/>
+              </a:ext>
+            </a:extLst>
+          </a:blip>
+          <a:stretch>
+            <a:fillRect/>
+          </a:stretch>
+        </p:blipFill>
+        <p:spPr>
+          <a:xfrm>
+            <a:off x="2667000" y="165100"/>
+            <a:ext cx="6858000" cy="6858000"/>
+          </a:xfrm>
+          <a:prstGeom prst="rect">
+            <a:avLst/>
+          </a:prstGeom>
+        </p:spPr>
+      </p:pic>
+    </p:spTree>
+    <p:extLst>
+      <p:ext uri="{BB962C8B-B14F-4D97-AF65-F5344CB8AC3E}">
+        <p14:creationId xmlns:p14="http://schemas.microsoft.com/office/powerpoint/2010/main" val="1604652929"/>
+      </p:ext>
+    </p:extLst>
+  </p:cSld>
+  <p:clrMapOvr>
+    <a:masterClrMapping/>
+  </p:clrMapOvr>
+  <p:timing>
+    <p:tnLst>
+      <p:par>
+        <p:cTn id="1" dur="indefinite" restart="never" nodeType="tmRoot"/>
+      </p:par>
+    </p:tnLst>
+  </p:timing>
+</p:sld>
+</file>
+
+<file path=ppt/slides/slide19.xml><?xml version="1.0" encoding="utf-8"?>
 <p:sld xmlns:a="http://schemas.openxmlformats.org/drawingml/2006/main" xmlns:r="http://schemas.openxmlformats.org/officeDocument/2006/relationships" xmlns:p="http://schemas.openxmlformats.org/presentationml/2006/main">
   <p:cSld>
     <p:spTree>
@@ -6540,127 +6587,6 @@
 </p:sld>
 </file>
 
-<file path=ppt/slides/slide19.xml><?xml version="1.0" encoding="utf-8"?>
-<p:sld xmlns:a="http://schemas.openxmlformats.org/drawingml/2006/main" xmlns:r="http://schemas.openxmlformats.org/officeDocument/2006/relationships" xmlns:p="http://schemas.openxmlformats.org/presentationml/2006/main">
-  <p:cSld>
-    <p:spTree>
-      <p:nvGrpSpPr>
-        <p:cNvPr id="1" name=""/>
-        <p:cNvGrpSpPr/>
-        <p:nvPr/>
-      </p:nvGrpSpPr>
-      <p:grpSpPr>
-        <a:xfrm>
-          <a:off x="0" y="0"/>
-          <a:ext cx="0" cy="0"/>
-          <a:chOff x="0" y="0"/>
-          <a:chExt cx="0" cy="0"/>
-        </a:xfrm>
-      </p:grpSpPr>
-      <p:sp>
-        <p:nvSpPr>
-          <p:cNvPr id="4" name="Title 1"/>
-          <p:cNvSpPr txBox="1">
-            <a:spLocks/>
-          </p:cNvSpPr>
-          <p:nvPr/>
-        </p:nvSpPr>
-        <p:spPr>
-          <a:xfrm>
-            <a:off x="0" y="0"/>
-            <a:ext cx="12192000" cy="1018773"/>
-          </a:xfrm>
-          <a:prstGeom prst="rect">
-            <a:avLst/>
-          </a:prstGeom>
-        </p:spPr>
-        <p:txBody>
-          <a:bodyPr vert="horz" lIns="91440" tIns="45720" rIns="91440" bIns="45720" rtlCol="0" anchor="ctr">
-            <a:normAutofit/>
-          </a:bodyPr>
-          <a:lstStyle>
-            <a:lvl1pPr algn="l" defTabSz="914400" rtl="0" eaLnBrk="1" latinLnBrk="0" hangingPunct="1">
-              <a:lnSpc>
-                <a:spcPct val="90000"/>
-              </a:lnSpc>
-              <a:spcBef>
-                <a:spcPct val="0"/>
-              </a:spcBef>
-              <a:buNone/>
-              <a:defRPr sz="4400" kern="1200">
-                <a:solidFill>
-                  <a:schemeClr val="tx1"/>
-                </a:solidFill>
-                <a:latin typeface="+mj-lt"/>
-                <a:ea typeface="+mj-ea"/>
-                <a:cs typeface="+mj-cs"/>
-              </a:defRPr>
-            </a:lvl1pPr>
-          </a:lstStyle>
-          <a:p>
-            <a:r>
-              <a:rPr lang="en-US" sz="4000" b="1" dirty="0" smtClean="0">
-                <a:solidFill>
-                  <a:srgbClr val="7030A0"/>
-                </a:solidFill>
-                <a:latin typeface="Times New Roman" panose="02020603050405020304" pitchFamily="18" charset="0"/>
-                <a:cs typeface="Times New Roman" panose="02020603050405020304" pitchFamily="18" charset="0"/>
-              </a:rPr>
-              <a:t>Term weighting. Term Frequency.</a:t>
-            </a:r>
-          </a:p>
-        </p:txBody>
-      </p:sp>
-      <p:pic>
-        <p:nvPicPr>
-          <p:cNvPr id="2" name="Picture 1"/>
-          <p:cNvPicPr>
-            <a:picLocks noChangeAspect="1"/>
-          </p:cNvPicPr>
-          <p:nvPr/>
-        </p:nvPicPr>
-        <p:blipFill>
-          <a:blip r:embed="rId2">
-            <a:extLst>
-              <a:ext uri="{28A0092B-C50C-407E-A947-70E740481C1C}">
-                <a14:useLocalDpi xmlns:a14="http://schemas.microsoft.com/office/drawing/2010/main" val="0"/>
-              </a:ext>
-            </a:extLst>
-          </a:blip>
-          <a:stretch>
-            <a:fillRect/>
-          </a:stretch>
-        </p:blipFill>
-        <p:spPr>
-          <a:xfrm>
-            <a:off x="382587" y="1412473"/>
-            <a:ext cx="11186555" cy="1089427"/>
-          </a:xfrm>
-          <a:prstGeom prst="rect">
-            <a:avLst/>
-          </a:prstGeom>
-        </p:spPr>
-      </p:pic>
-    </p:spTree>
-    <p:extLst>
-      <p:ext uri="{BB962C8B-B14F-4D97-AF65-F5344CB8AC3E}">
-        <p14:creationId xmlns:p14="http://schemas.microsoft.com/office/powerpoint/2010/main" val="226524665"/>
-      </p:ext>
-    </p:extLst>
-  </p:cSld>
-  <p:clrMapOvr>
-    <a:masterClrMapping/>
-  </p:clrMapOvr>
-  <p:timing>
-    <p:tnLst>
-      <p:par>
-        <p:cTn id="1" dur="indefinite" restart="never" nodeType="tmRoot"/>
-      </p:par>
-    </p:tnLst>
-  </p:timing>
-</p:sld>
-</file>
-
 <file path=ppt/slides/slide2.xml><?xml version="1.0" encoding="utf-8"?>
 <p:sld xmlns:a="http://schemas.openxmlformats.org/drawingml/2006/main" xmlns:r="http://schemas.openxmlformats.org/officeDocument/2006/relationships" xmlns:p="http://schemas.openxmlformats.org/presentationml/2006/main">
   <p:cSld>
@@ -6874,6 +6800,127 @@
                 <a:latin typeface="Times New Roman" panose="02020603050405020304" pitchFamily="18" charset="0"/>
                 <a:cs typeface="Times New Roman" panose="02020603050405020304" pitchFamily="18" charset="0"/>
               </a:rPr>
+              <a:t>Term weighting. Term Frequency.</a:t>
+            </a:r>
+          </a:p>
+        </p:txBody>
+      </p:sp>
+      <p:pic>
+        <p:nvPicPr>
+          <p:cNvPr id="2" name="Picture 1"/>
+          <p:cNvPicPr>
+            <a:picLocks noChangeAspect="1"/>
+          </p:cNvPicPr>
+          <p:nvPr/>
+        </p:nvPicPr>
+        <p:blipFill>
+          <a:blip r:embed="rId2">
+            <a:extLst>
+              <a:ext uri="{28A0092B-C50C-407E-A947-70E740481C1C}">
+                <a14:useLocalDpi xmlns:a14="http://schemas.microsoft.com/office/drawing/2010/main" val="0"/>
+              </a:ext>
+            </a:extLst>
+          </a:blip>
+          <a:stretch>
+            <a:fillRect/>
+          </a:stretch>
+        </p:blipFill>
+        <p:spPr>
+          <a:xfrm>
+            <a:off x="382587" y="1412473"/>
+            <a:ext cx="11186555" cy="1089427"/>
+          </a:xfrm>
+          <a:prstGeom prst="rect">
+            <a:avLst/>
+          </a:prstGeom>
+        </p:spPr>
+      </p:pic>
+    </p:spTree>
+    <p:extLst>
+      <p:ext uri="{BB962C8B-B14F-4D97-AF65-F5344CB8AC3E}">
+        <p14:creationId xmlns:p14="http://schemas.microsoft.com/office/powerpoint/2010/main" val="226524665"/>
+      </p:ext>
+    </p:extLst>
+  </p:cSld>
+  <p:clrMapOvr>
+    <a:masterClrMapping/>
+  </p:clrMapOvr>
+  <p:timing>
+    <p:tnLst>
+      <p:par>
+        <p:cTn id="1" dur="indefinite" restart="never" nodeType="tmRoot"/>
+      </p:par>
+    </p:tnLst>
+  </p:timing>
+</p:sld>
+</file>
+
+<file path=ppt/slides/slide21.xml><?xml version="1.0" encoding="utf-8"?>
+<p:sld xmlns:a="http://schemas.openxmlformats.org/drawingml/2006/main" xmlns:r="http://schemas.openxmlformats.org/officeDocument/2006/relationships" xmlns:p="http://schemas.openxmlformats.org/presentationml/2006/main">
+  <p:cSld>
+    <p:spTree>
+      <p:nvGrpSpPr>
+        <p:cNvPr id="1" name=""/>
+        <p:cNvGrpSpPr/>
+        <p:nvPr/>
+      </p:nvGrpSpPr>
+      <p:grpSpPr>
+        <a:xfrm>
+          <a:off x="0" y="0"/>
+          <a:ext cx="0" cy="0"/>
+          <a:chOff x="0" y="0"/>
+          <a:chExt cx="0" cy="0"/>
+        </a:xfrm>
+      </p:grpSpPr>
+      <p:sp>
+        <p:nvSpPr>
+          <p:cNvPr id="4" name="Title 1"/>
+          <p:cNvSpPr txBox="1">
+            <a:spLocks/>
+          </p:cNvSpPr>
+          <p:nvPr/>
+        </p:nvSpPr>
+        <p:spPr>
+          <a:xfrm>
+            <a:off x="0" y="0"/>
+            <a:ext cx="12192000" cy="1018773"/>
+          </a:xfrm>
+          <a:prstGeom prst="rect">
+            <a:avLst/>
+          </a:prstGeom>
+        </p:spPr>
+        <p:txBody>
+          <a:bodyPr vert="horz" lIns="91440" tIns="45720" rIns="91440" bIns="45720" rtlCol="0" anchor="ctr">
+            <a:normAutofit/>
+          </a:bodyPr>
+          <a:lstStyle>
+            <a:lvl1pPr algn="l" defTabSz="914400" rtl="0" eaLnBrk="1" latinLnBrk="0" hangingPunct="1">
+              <a:lnSpc>
+                <a:spcPct val="90000"/>
+              </a:lnSpc>
+              <a:spcBef>
+                <a:spcPct val="0"/>
+              </a:spcBef>
+              <a:buNone/>
+              <a:defRPr sz="4400" kern="1200">
+                <a:solidFill>
+                  <a:schemeClr val="tx1"/>
+                </a:solidFill>
+                <a:latin typeface="+mj-lt"/>
+                <a:ea typeface="+mj-ea"/>
+                <a:cs typeface="+mj-cs"/>
+              </a:defRPr>
+            </a:lvl1pPr>
+          </a:lstStyle>
+          <a:p>
+            <a:r>
+              <a:rPr lang="en-US" sz="4000" b="1" dirty="0" smtClean="0">
+                <a:solidFill>
+                  <a:srgbClr val="7030A0"/>
+                </a:solidFill>
+                <a:latin typeface="Times New Roman" panose="02020603050405020304" pitchFamily="18" charset="0"/>
+                <a:cs typeface="Times New Roman" panose="02020603050405020304" pitchFamily="18" charset="0"/>
+              </a:rPr>
               <a:t>Term weighting. Document Frequency.</a:t>
             </a:r>
           </a:p>
@@ -6959,7 +7006,7 @@
 </p:sld>
 </file>
 
-<file path=ppt/slides/slide21.xml><?xml version="1.0" encoding="utf-8"?>
+<file path=ppt/slides/slide22.xml><?xml version="1.0" encoding="utf-8"?>
 <p:sld xmlns:a="http://schemas.openxmlformats.org/drawingml/2006/main" xmlns:r="http://schemas.openxmlformats.org/officeDocument/2006/relationships" xmlns:p="http://schemas.openxmlformats.org/presentationml/2006/main">
   <p:cSld>
     <p:spTree>
@@ -7564,7 +7611,7 @@
 </p:sld>
 </file>
 
-<file path=ppt/slides/slide22.xml><?xml version="1.0" encoding="utf-8"?>
+<file path=ppt/slides/slide23.xml><?xml version="1.0" encoding="utf-8"?>
 <p:sld xmlns:a="http://schemas.openxmlformats.org/drawingml/2006/main" xmlns:r="http://schemas.openxmlformats.org/officeDocument/2006/relationships" xmlns:p="http://schemas.openxmlformats.org/presentationml/2006/main">
   <p:cSld>
     <p:spTree>
@@ -7663,7 +7710,7 @@
 </p:sld>
 </file>
 
-<file path=ppt/slides/slide23.xml><?xml version="1.0" encoding="utf-8"?>
+<file path=ppt/slides/slide24.xml><?xml version="1.0" encoding="utf-8"?>
 <p:sld xmlns:a="http://schemas.openxmlformats.org/drawingml/2006/main" xmlns:r="http://schemas.openxmlformats.org/officeDocument/2006/relationships" xmlns:p="http://schemas.openxmlformats.org/presentationml/2006/main">
   <p:cSld>
     <p:spTree>
@@ -8316,7 +8363,7 @@
 </p:sld>
 </file>
 
-<file path=ppt/slides/slide24.xml><?xml version="1.0" encoding="utf-8"?>
+<file path=ppt/slides/slide25.xml><?xml version="1.0" encoding="utf-8"?>
 <p:sld xmlns:a="http://schemas.openxmlformats.org/drawingml/2006/main" xmlns:r="http://schemas.openxmlformats.org/officeDocument/2006/relationships" xmlns:p="http://schemas.openxmlformats.org/presentationml/2006/main">
   <p:cSld>
     <p:spTree>
@@ -8562,7 +8609,7 @@
 </p:sld>
 </file>
 
-<file path=ppt/slides/slide25.xml><?xml version="1.0" encoding="utf-8"?>
+<file path=ppt/slides/slide26.xml><?xml version="1.0" encoding="utf-8"?>
 <p:sld xmlns:a="http://schemas.openxmlformats.org/drawingml/2006/main" xmlns:r="http://schemas.openxmlformats.org/officeDocument/2006/relationships" xmlns:p="http://schemas.openxmlformats.org/presentationml/2006/main">
   <p:cSld>
     <p:spTree>
@@ -8784,7 +8831,7 @@
 </p:sld>
 </file>
 
-<file path=ppt/slides/slide26.xml><?xml version="1.0" encoding="utf-8"?>
+<file path=ppt/slides/slide27.xml><?xml version="1.0" encoding="utf-8"?>
 <p:sld xmlns:a="http://schemas.openxmlformats.org/drawingml/2006/main" xmlns:r="http://schemas.openxmlformats.org/officeDocument/2006/relationships" xmlns:p="http://schemas.openxmlformats.org/presentationml/2006/main">
   <p:cSld>
     <p:spTree>
@@ -9251,7 +9298,7 @@
 </p:sld>
 </file>
 
-<file path=ppt/slides/slide27.xml><?xml version="1.0" encoding="utf-8"?>
+<file path=ppt/slides/slide28.xml><?xml version="1.0" encoding="utf-8"?>
 <p:sld xmlns:a="http://schemas.openxmlformats.org/drawingml/2006/main" xmlns:r="http://schemas.openxmlformats.org/officeDocument/2006/relationships" xmlns:p="http://schemas.openxmlformats.org/presentationml/2006/main">
   <p:cSld>
     <p:spTree>
@@ -9763,7 +9810,7 @@
 </p:sld>
 </file>
 
-<file path=ppt/slides/slide28.xml><?xml version="1.0" encoding="utf-8"?>
+<file path=ppt/slides/slide29.xml><?xml version="1.0" encoding="utf-8"?>
 <p:sld xmlns:a="http://schemas.openxmlformats.org/drawingml/2006/main" xmlns:r="http://schemas.openxmlformats.org/officeDocument/2006/relationships" xmlns:p="http://schemas.openxmlformats.org/presentationml/2006/main">
   <p:cSld>
     <p:spTree>
@@ -9882,7 +9929,148 @@
 </p:sld>
 </file>
 
-<file path=ppt/slides/slide29.xml><?xml version="1.0" encoding="utf-8"?>
+<file path=ppt/slides/slide3.xml><?xml version="1.0" encoding="utf-8"?>
+<p:sld xmlns:a="http://schemas.openxmlformats.org/drawingml/2006/main" xmlns:r="http://schemas.openxmlformats.org/officeDocument/2006/relationships" xmlns:p="http://schemas.openxmlformats.org/presentationml/2006/main">
+  <p:cSld>
+    <p:spTree>
+      <p:nvGrpSpPr>
+        <p:cNvPr id="1" name=""/>
+        <p:cNvGrpSpPr/>
+        <p:nvPr/>
+      </p:nvGrpSpPr>
+      <p:grpSpPr>
+        <a:xfrm>
+          <a:off x="0" y="0"/>
+          <a:ext cx="0" cy="0"/>
+          <a:chOff x="0" y="0"/>
+          <a:chExt cx="0" cy="0"/>
+        </a:xfrm>
+      </p:grpSpPr>
+      <p:sp>
+        <p:nvSpPr>
+          <p:cNvPr id="2" name="Title 1"/>
+          <p:cNvSpPr>
+            <a:spLocks noGrp="1"/>
+          </p:cNvSpPr>
+          <p:nvPr>
+            <p:ph type="title"/>
+          </p:nvPr>
+        </p:nvSpPr>
+        <p:spPr>
+          <a:xfrm>
+            <a:off x="838200" y="365125"/>
+            <a:ext cx="10515600" cy="5997575"/>
+          </a:xfrm>
+        </p:spPr>
+        <p:txBody>
+          <a:bodyPr>
+            <a:normAutofit/>
+          </a:bodyPr>
+          <a:lstStyle/>
+          <a:p>
+            <a:pPr algn="ctr"/>
+            <a:r>
+              <a:rPr lang="en-US" sz="5500" b="1" dirty="0" smtClean="0">
+                <a:solidFill>
+                  <a:srgbClr val="7030A0"/>
+                </a:solidFill>
+                <a:latin typeface="Times New Roman" panose="02020603050405020304" pitchFamily="18" charset="0"/>
+                <a:cs typeface="Times New Roman" panose="02020603050405020304" pitchFamily="18" charset="0"/>
+              </a:rPr>
+              <a:t>Một số </a:t>
+            </a:r>
+            <a:r>
+              <a:rPr lang="en-US" sz="5500" b="1" dirty="0">
+                <a:solidFill>
+                  <a:srgbClr val="7030A0"/>
+                </a:solidFill>
+                <a:latin typeface="Times New Roman" panose="02020603050405020304" pitchFamily="18" charset="0"/>
+                <a:cs typeface="Times New Roman" panose="02020603050405020304" pitchFamily="18" charset="0"/>
+              </a:rPr>
+              <a:t>chức năng chính </a:t>
+            </a:r>
+            <a:br>
+              <a:rPr lang="en-US" sz="5500" b="1" dirty="0">
+                <a:solidFill>
+                  <a:srgbClr val="7030A0"/>
+                </a:solidFill>
+                <a:latin typeface="Times New Roman" panose="02020603050405020304" pitchFamily="18" charset="0"/>
+                <a:cs typeface="Times New Roman" panose="02020603050405020304" pitchFamily="18" charset="0"/>
+              </a:rPr>
+            </a:br>
+            <a:r>
+              <a:rPr lang="en-US" sz="5500" b="1" dirty="0">
+                <a:solidFill>
+                  <a:srgbClr val="7030A0"/>
+                </a:solidFill>
+                <a:latin typeface="Times New Roman" panose="02020603050405020304" pitchFamily="18" charset="0"/>
+                <a:cs typeface="Times New Roman" panose="02020603050405020304" pitchFamily="18" charset="0"/>
+              </a:rPr>
+              <a:t>trong </a:t>
+            </a:r>
+            <a:r>
+              <a:rPr lang="en-US" sz="5500" b="1" dirty="0" smtClean="0">
+                <a:solidFill>
+                  <a:srgbClr val="7030A0"/>
+                </a:solidFill>
+                <a:latin typeface="Times New Roman" panose="02020603050405020304" pitchFamily="18" charset="0"/>
+                <a:cs typeface="Times New Roman" panose="02020603050405020304" pitchFamily="18" charset="0"/>
+              </a:rPr>
+              <a:t/>
+            </a:r>
+            <a:br>
+              <a:rPr lang="en-US" sz="5500" b="1" dirty="0" smtClean="0">
+                <a:solidFill>
+                  <a:srgbClr val="7030A0"/>
+                </a:solidFill>
+                <a:latin typeface="Times New Roman" panose="02020603050405020304" pitchFamily="18" charset="0"/>
+                <a:cs typeface="Times New Roman" panose="02020603050405020304" pitchFamily="18" charset="0"/>
+              </a:rPr>
+            </a:br>
+            <a:r>
+              <a:rPr lang="en-US" sz="5500" b="1" dirty="0" smtClean="0">
+                <a:solidFill>
+                  <a:srgbClr val="7030A0"/>
+                </a:solidFill>
+                <a:latin typeface="Times New Roman" panose="02020603050405020304" pitchFamily="18" charset="0"/>
+                <a:cs typeface="Times New Roman" panose="02020603050405020304" pitchFamily="18" charset="0"/>
+              </a:rPr>
+              <a:t>các </a:t>
+            </a:r>
+            <a:r>
+              <a:rPr lang="en-US" sz="5500" b="1" dirty="0">
+                <a:solidFill>
+                  <a:srgbClr val="7030A0"/>
+                </a:solidFill>
+                <a:latin typeface="Times New Roman" panose="02020603050405020304" pitchFamily="18" charset="0"/>
+                <a:cs typeface="Times New Roman" panose="02020603050405020304" pitchFamily="18" charset="0"/>
+              </a:rPr>
+              <a:t>hệ thống truy xuất thông tin.</a:t>
+            </a:r>
+          </a:p>
+        </p:txBody>
+      </p:sp>
+    </p:spTree>
+    <p:extLst>
+      <p:ext uri="{BB962C8B-B14F-4D97-AF65-F5344CB8AC3E}">
+        <p14:creationId xmlns:p14="http://schemas.microsoft.com/office/powerpoint/2010/main" val="1531001453"/>
+      </p:ext>
+    </p:extLst>
+  </p:cSld>
+  <p:clrMapOvr>
+    <a:masterClrMapping/>
+  </p:clrMapOvr>
+  <p:timing>
+    <p:tnLst>
+      <p:par>
+        <p:cTn id="1" dur="indefinite" restart="never" nodeType="tmRoot"/>
+      </p:par>
+    </p:tnLst>
+  </p:timing>
+</p:sld>
+</file>
+
+<file path=ppt/slides/slide30.xml><?xml version="1.0" encoding="utf-8"?>
 <p:sld xmlns:a="http://schemas.openxmlformats.org/drawingml/2006/main" xmlns:r="http://schemas.openxmlformats.org/officeDocument/2006/relationships" xmlns:p="http://schemas.openxmlformats.org/presentationml/2006/main">
   <p:cSld>
     <p:spTree>
@@ -10248,7 +10436,7 @@
 </p:sld>
 </file>
 
-<file path=ppt/slides/slide3.xml><?xml version="1.0" encoding="utf-8"?>
+<file path=ppt/slides/slide31.xml><?xml version="1.0" encoding="utf-8"?>
 <p:sld xmlns:a="http://schemas.openxmlformats.org/drawingml/2006/main" xmlns:r="http://schemas.openxmlformats.org/officeDocument/2006/relationships" xmlns:p="http://schemas.openxmlformats.org/presentationml/2006/main">
   <p:cSld>
     <p:spTree>
@@ -10267,112 +10455,102 @@
       </p:grpSpPr>
       <p:sp>
         <p:nvSpPr>
-          <p:cNvPr id="2" name="Title 1"/>
-          <p:cNvSpPr>
-            <a:spLocks noGrp="1"/>
+          <p:cNvPr id="6" name="Title 1"/>
+          <p:cNvSpPr txBox="1">
+            <a:spLocks/>
           </p:cNvSpPr>
-          <p:nvPr>
-            <p:ph type="title"/>
-          </p:nvPr>
+          <p:nvPr/>
         </p:nvSpPr>
         <p:spPr>
           <a:xfrm>
-            <a:off x="838200" y="365125"/>
-            <a:ext cx="10515600" cy="5997575"/>
+            <a:off x="0" y="0"/>
+            <a:ext cx="12192000" cy="1018773"/>
           </a:xfrm>
+          <a:prstGeom prst="rect">
+            <a:avLst/>
+          </a:prstGeom>
         </p:spPr>
         <p:txBody>
-          <a:bodyPr>
+          <a:bodyPr vert="horz" lIns="91440" tIns="45720" rIns="91440" bIns="45720" rtlCol="0" anchor="ctr">
             <a:normAutofit/>
           </a:bodyPr>
-          <a:lstStyle/>
-          <a:p>
-            <a:pPr algn="ctr"/>
-            <a:r>
-              <a:rPr lang="en-US" sz="5500" b="1" dirty="0" smtClean="0">
+          <a:lstStyle>
+            <a:lvl1pPr algn="l" defTabSz="914400" rtl="0" eaLnBrk="1" latinLnBrk="0" hangingPunct="1">
+              <a:lnSpc>
+                <a:spcPct val="90000"/>
+              </a:lnSpc>
+              <a:spcBef>
+                <a:spcPct val="0"/>
+              </a:spcBef>
+              <a:buNone/>
+              <a:defRPr sz="4400" kern="1200">
+                <a:solidFill>
+                  <a:schemeClr val="tx1"/>
+                </a:solidFill>
+                <a:latin typeface="+mj-lt"/>
+                <a:ea typeface="+mj-ea"/>
+                <a:cs typeface="+mj-cs"/>
+              </a:defRPr>
+            </a:lvl1pPr>
+          </a:lstStyle>
+          <a:p>
+            <a:r>
+              <a:rPr lang="en-US" sz="4000" b="1" dirty="0">
                 <a:solidFill>
                   <a:srgbClr val="7030A0"/>
                 </a:solidFill>
                 <a:latin typeface="Times New Roman" panose="02020603050405020304" pitchFamily="18" charset="0"/>
                 <a:cs typeface="Times New Roman" panose="02020603050405020304" pitchFamily="18" charset="0"/>
               </a:rPr>
-              <a:t>Một số </a:t>
-            </a:r>
-            <a:r>
-              <a:rPr lang="en-US" sz="5500" b="1" dirty="0">
+              <a:t>Latent Semantic </a:t>
+            </a:r>
+            <a:r>
+              <a:rPr lang="en-US" sz="4000" b="1" dirty="0" smtClean="0">
                 <a:solidFill>
                   <a:srgbClr val="7030A0"/>
                 </a:solidFill>
                 <a:latin typeface="Times New Roman" panose="02020603050405020304" pitchFamily="18" charset="0"/>
                 <a:cs typeface="Times New Roman" panose="02020603050405020304" pitchFamily="18" charset="0"/>
               </a:rPr>
-              <a:t>chức năng chính </a:t>
-            </a:r>
-            <a:br>
-              <a:rPr lang="en-US" sz="5500" b="1" dirty="0">
-                <a:solidFill>
-                  <a:srgbClr val="7030A0"/>
-                </a:solidFill>
-                <a:latin typeface="Times New Roman" panose="02020603050405020304" pitchFamily="18" charset="0"/>
-                <a:cs typeface="Times New Roman" panose="02020603050405020304" pitchFamily="18" charset="0"/>
-              </a:rPr>
-            </a:br>
-            <a:r>
-              <a:rPr lang="en-US" sz="5500" b="1" dirty="0">
-                <a:solidFill>
-                  <a:srgbClr val="7030A0"/>
-                </a:solidFill>
-                <a:latin typeface="Times New Roman" panose="02020603050405020304" pitchFamily="18" charset="0"/>
-                <a:cs typeface="Times New Roman" panose="02020603050405020304" pitchFamily="18" charset="0"/>
-              </a:rPr>
-              <a:t>trong </a:t>
-            </a:r>
-            <a:r>
-              <a:rPr lang="en-US" sz="5500" b="1" dirty="0" smtClean="0">
-                <a:solidFill>
-                  <a:srgbClr val="7030A0"/>
-                </a:solidFill>
-                <a:latin typeface="Times New Roman" panose="02020603050405020304" pitchFamily="18" charset="0"/>
-                <a:cs typeface="Times New Roman" panose="02020603050405020304" pitchFamily="18" charset="0"/>
-              </a:rPr>
-              <a:t/>
-            </a:r>
-            <a:br>
-              <a:rPr lang="en-US" sz="5500" b="1" dirty="0" smtClean="0">
-                <a:solidFill>
-                  <a:srgbClr val="7030A0"/>
-                </a:solidFill>
-                <a:latin typeface="Times New Roman" panose="02020603050405020304" pitchFamily="18" charset="0"/>
-                <a:cs typeface="Times New Roman" panose="02020603050405020304" pitchFamily="18" charset="0"/>
-              </a:rPr>
-            </a:br>
-            <a:r>
-              <a:rPr lang="en-US" sz="5500" b="1" dirty="0" smtClean="0">
-                <a:solidFill>
-                  <a:srgbClr val="7030A0"/>
-                </a:solidFill>
-                <a:latin typeface="Times New Roman" panose="02020603050405020304" pitchFamily="18" charset="0"/>
-                <a:cs typeface="Times New Roman" panose="02020603050405020304" pitchFamily="18" charset="0"/>
-              </a:rPr>
-              <a:t>các </a:t>
-            </a:r>
-            <a:r>
-              <a:rPr lang="en-US" sz="5500" b="1" dirty="0">
-                <a:solidFill>
-                  <a:srgbClr val="7030A0"/>
-                </a:solidFill>
-                <a:latin typeface="Times New Roman" panose="02020603050405020304" pitchFamily="18" charset="0"/>
-                <a:cs typeface="Times New Roman" panose="02020603050405020304" pitchFamily="18" charset="0"/>
-              </a:rPr>
-              <a:t>hệ thống truy xuất thông tin.</a:t>
+              <a:t>Indexing.</a:t>
             </a:r>
           </a:p>
         </p:txBody>
       </p:sp>
+      <p:pic>
+        <p:nvPicPr>
+          <p:cNvPr id="2" name="Picture 1"/>
+          <p:cNvPicPr>
+            <a:picLocks noChangeAspect="1"/>
+          </p:cNvPicPr>
+          <p:nvPr/>
+        </p:nvPicPr>
+        <p:blipFill>
+          <a:blip r:embed="rId2">
+            <a:extLst>
+              <a:ext uri="{28A0092B-C50C-407E-A947-70E740481C1C}">
+                <a14:useLocalDpi xmlns:a14="http://schemas.microsoft.com/office/drawing/2010/main" val="0"/>
+              </a:ext>
+            </a:extLst>
+          </a:blip>
+          <a:stretch>
+            <a:fillRect/>
+          </a:stretch>
+        </p:blipFill>
+        <p:spPr>
+          <a:xfrm>
+            <a:off x="0" y="1018773"/>
+            <a:ext cx="12042254" cy="3794527"/>
+          </a:xfrm>
+          <a:prstGeom prst="rect">
+            <a:avLst/>
+          </a:prstGeom>
+        </p:spPr>
+      </p:pic>
     </p:spTree>
     <p:extLst>
       <p:ext uri="{BB962C8B-B14F-4D97-AF65-F5344CB8AC3E}">
-        <p14:creationId xmlns:p14="http://schemas.microsoft.com/office/powerpoint/2010/main" val="1531001453"/>
+        <p14:creationId xmlns:p14="http://schemas.microsoft.com/office/powerpoint/2010/main" val="2760688187"/>
       </p:ext>
     </p:extLst>
   </p:cSld>
@@ -10389,7 +10567,7 @@
 </p:sld>
 </file>
 
-<file path=ppt/slides/slide30.xml><?xml version="1.0" encoding="utf-8"?>
+<file path=ppt/slides/slide32.xml><?xml version="1.0" encoding="utf-8"?>
 <p:sld xmlns:a="http://schemas.openxmlformats.org/drawingml/2006/main" xmlns:r="http://schemas.openxmlformats.org/officeDocument/2006/relationships" xmlns:p="http://schemas.openxmlformats.org/presentationml/2006/main">
   <p:cSld>
     <p:spTree>
@@ -10510,7 +10688,7 @@
 </p:sld>
 </file>
 
-<file path=ppt/slides/slide31.xml><?xml version="1.0" encoding="utf-8"?>
+<file path=ppt/slides/slide33.xml><?xml version="1.0" encoding="utf-8"?>
 <p:sld xmlns:a="http://schemas.openxmlformats.org/drawingml/2006/main" xmlns:r="http://schemas.openxmlformats.org/officeDocument/2006/relationships" xmlns:p="http://schemas.openxmlformats.org/presentationml/2006/main">
   <p:cSld>
     <p:spTree>
@@ -10791,7 +10969,7 @@
 </p:sld>
 </file>
 
-<file path=ppt/slides/slide32.xml><?xml version="1.0" encoding="utf-8"?>
+<file path=ppt/slides/slide34.xml><?xml version="1.0" encoding="utf-8"?>
 <p:sld xmlns:a="http://schemas.openxmlformats.org/drawingml/2006/main" xmlns:r="http://schemas.openxmlformats.org/officeDocument/2006/relationships" xmlns:p="http://schemas.openxmlformats.org/presentationml/2006/main">
   <p:cSld>
     <p:spTree>
@@ -13428,6 +13606,1197 @@
       </p:grpSpPr>
       <p:sp>
         <p:nvSpPr>
+          <p:cNvPr id="3" name="Content Placeholder 2"/>
+          <p:cNvSpPr>
+            <a:spLocks noGrp="1"/>
+          </p:cNvSpPr>
+          <p:nvPr>
+            <p:ph idx="1"/>
+          </p:nvPr>
+        </p:nvSpPr>
+        <p:spPr>
+          <a:xfrm>
+            <a:off x="597127" y="1171175"/>
+            <a:ext cx="10914516" cy="1779290"/>
+          </a:xfrm>
+        </p:spPr>
+        <p:txBody>
+          <a:bodyPr>
+            <a:noAutofit/>
+          </a:bodyPr>
+          <a:lstStyle/>
+          <a:p>
+            <a:r>
+              <a:rPr lang="en-US" sz="2400" dirty="0" smtClean="0">
+                <a:latin typeface="Times New Roman" panose="02020603050405020304" pitchFamily="18" charset="0"/>
+                <a:cs typeface="Times New Roman" panose="02020603050405020304" pitchFamily="18" charset="0"/>
+              </a:rPr>
+              <a:t>Small STOP LIST of English.</a:t>
+            </a:r>
+          </a:p>
+          <a:p>
+            <a:endParaRPr lang="en-US" sz="2400" dirty="0" smtClean="0">
+              <a:latin typeface="Times New Roman" panose="02020603050405020304" pitchFamily="18" charset="0"/>
+              <a:cs typeface="Times New Roman" panose="02020603050405020304" pitchFamily="18" charset="0"/>
+            </a:endParaRPr>
+          </a:p>
+          <a:p>
+            <a:pPr marL="3657600" lvl="8" indent="0">
+              <a:buNone/>
+            </a:pPr>
+            <a:r>
+              <a:rPr lang="en-US" sz="1400" dirty="0" smtClean="0">
+                <a:latin typeface="Times New Roman" panose="02020603050405020304" pitchFamily="18" charset="0"/>
+                <a:cs typeface="Times New Roman" panose="02020603050405020304" pitchFamily="18" charset="0"/>
+              </a:rPr>
+              <a:t/>
+            </a:r>
+            <a:br>
+              <a:rPr lang="en-US" sz="1400" dirty="0" smtClean="0">
+                <a:latin typeface="Times New Roman" panose="02020603050405020304" pitchFamily="18" charset="0"/>
+                <a:cs typeface="Times New Roman" panose="02020603050405020304" pitchFamily="18" charset="0"/>
+              </a:rPr>
+            </a:br>
+            <a:endParaRPr lang="en-US" sz="1400" dirty="0" smtClean="0">
+              <a:latin typeface="Times New Roman" panose="02020603050405020304" pitchFamily="18" charset="0"/>
+              <a:cs typeface="Times New Roman" panose="02020603050405020304" pitchFamily="18" charset="0"/>
+            </a:endParaRPr>
+          </a:p>
+        </p:txBody>
+      </p:sp>
+      <p:pic>
+        <p:nvPicPr>
+          <p:cNvPr id="5" name="Picture 4"/>
+          <p:cNvPicPr>
+            <a:picLocks noChangeAspect="1"/>
+          </p:cNvPicPr>
+          <p:nvPr/>
+        </p:nvPicPr>
+        <p:blipFill>
+          <a:blip r:embed="rId2">
+            <a:extLst>
+              <a:ext uri="{28A0092B-C50C-407E-A947-70E740481C1C}">
+                <a14:useLocalDpi xmlns:a14="http://schemas.microsoft.com/office/drawing/2010/main" val="0"/>
+              </a:ext>
+            </a:extLst>
+          </a:blip>
+          <a:stretch>
+            <a:fillRect/>
+          </a:stretch>
+        </p:blipFill>
+        <p:spPr>
+          <a:xfrm>
+            <a:off x="768096" y="1562445"/>
+            <a:ext cx="11165759" cy="3911763"/>
+          </a:xfrm>
+          <a:prstGeom prst="rect">
+            <a:avLst/>
+          </a:prstGeom>
+        </p:spPr>
+      </p:pic>
+      <p:sp>
+        <p:nvSpPr>
+          <p:cNvPr id="6" name="Title 1"/>
+          <p:cNvSpPr txBox="1">
+            <a:spLocks/>
+          </p:cNvSpPr>
+          <p:nvPr/>
+        </p:nvSpPr>
+        <p:spPr>
+          <a:xfrm>
+            <a:off x="0" y="0"/>
+            <a:ext cx="12192000" cy="1018773"/>
+          </a:xfrm>
+          <a:prstGeom prst="rect">
+            <a:avLst/>
+          </a:prstGeom>
+        </p:spPr>
+        <p:txBody>
+          <a:bodyPr vert="horz" lIns="91440" tIns="45720" rIns="91440" bIns="45720" rtlCol="0" anchor="ctr">
+            <a:normAutofit/>
+          </a:bodyPr>
+          <a:lstStyle>
+            <a:lvl1pPr algn="l" defTabSz="914400" rtl="0" eaLnBrk="1" latinLnBrk="0" hangingPunct="1">
+              <a:lnSpc>
+                <a:spcPct val="90000"/>
+              </a:lnSpc>
+              <a:spcBef>
+                <a:spcPct val="0"/>
+              </a:spcBef>
+              <a:buNone/>
+              <a:defRPr sz="4400" kern="1200">
+                <a:solidFill>
+                  <a:schemeClr val="tx1"/>
+                </a:solidFill>
+                <a:latin typeface="+mj-lt"/>
+                <a:ea typeface="+mj-ea"/>
+                <a:cs typeface="+mj-cs"/>
+              </a:defRPr>
+            </a:lvl1pPr>
+          </a:lstStyle>
+          <a:p>
+            <a:r>
+              <a:rPr lang="en-US" sz="4000" b="1" dirty="0" smtClean="0">
+                <a:solidFill>
+                  <a:srgbClr val="7030A0"/>
+                </a:solidFill>
+                <a:latin typeface="Times New Roman" panose="02020603050405020304" pitchFamily="18" charset="0"/>
+                <a:cs typeface="Times New Roman" panose="02020603050405020304" pitchFamily="18" charset="0"/>
+              </a:rPr>
+              <a:t>Stop list.</a:t>
+            </a:r>
+            <a:endParaRPr lang="en-US" sz="4000" b="1" dirty="0">
+              <a:solidFill>
+                <a:srgbClr val="7030A0"/>
+              </a:solidFill>
+              <a:latin typeface="Times New Roman" panose="02020603050405020304" pitchFamily="18" charset="0"/>
+              <a:cs typeface="Times New Roman" panose="02020603050405020304" pitchFamily="18" charset="0"/>
+            </a:endParaRPr>
+          </a:p>
+        </p:txBody>
+      </p:sp>
+      <p:sp>
+        <p:nvSpPr>
+          <p:cNvPr id="7" name="Content Placeholder 2"/>
+          <p:cNvSpPr txBox="1">
+            <a:spLocks/>
+          </p:cNvSpPr>
+          <p:nvPr/>
+        </p:nvSpPr>
+        <p:spPr>
+          <a:xfrm>
+            <a:off x="597127" y="5474209"/>
+            <a:ext cx="11455173" cy="736092"/>
+          </a:xfrm>
+          <a:prstGeom prst="rect">
+            <a:avLst/>
+          </a:prstGeom>
+        </p:spPr>
+        <p:txBody>
+          <a:bodyPr vert="horz" lIns="91440" tIns="45720" rIns="91440" bIns="45720" rtlCol="0">
+            <a:noAutofit/>
+          </a:bodyPr>
+          <a:lstStyle>
+            <a:lvl1pPr marL="228600" indent="-228600" algn="l" defTabSz="914400" rtl="0" eaLnBrk="1" latinLnBrk="0" hangingPunct="1">
+              <a:lnSpc>
+                <a:spcPct val="90000"/>
+              </a:lnSpc>
+              <a:spcBef>
+                <a:spcPts val="1000"/>
+              </a:spcBef>
+              <a:buFont typeface="Arial" panose="020B0604020202020204" pitchFamily="34" charset="0"/>
+              <a:buChar char="•"/>
+              <a:defRPr sz="2800" kern="1200">
+                <a:solidFill>
+                  <a:schemeClr val="tx1"/>
+                </a:solidFill>
+                <a:latin typeface="+mn-lt"/>
+                <a:ea typeface="+mn-ea"/>
+                <a:cs typeface="+mn-cs"/>
+              </a:defRPr>
+            </a:lvl1pPr>
+            <a:lvl2pPr marL="685800" indent="-228600" algn="l" defTabSz="914400" rtl="0" eaLnBrk="1" latinLnBrk="0" hangingPunct="1">
+              <a:lnSpc>
+                <a:spcPct val="90000"/>
+              </a:lnSpc>
+              <a:spcBef>
+                <a:spcPts val="500"/>
+              </a:spcBef>
+              <a:buFont typeface="Arial" panose="020B0604020202020204" pitchFamily="34" charset="0"/>
+              <a:buChar char="•"/>
+              <a:defRPr sz="2400" kern="1200">
+                <a:solidFill>
+                  <a:schemeClr val="tx1"/>
+                </a:solidFill>
+                <a:latin typeface="+mn-lt"/>
+                <a:ea typeface="+mn-ea"/>
+                <a:cs typeface="+mn-cs"/>
+              </a:defRPr>
+            </a:lvl2pPr>
+            <a:lvl3pPr marL="1143000" indent="-228600" algn="l" defTabSz="914400" rtl="0" eaLnBrk="1" latinLnBrk="0" hangingPunct="1">
+              <a:lnSpc>
+                <a:spcPct val="90000"/>
+              </a:lnSpc>
+              <a:spcBef>
+                <a:spcPts val="500"/>
+              </a:spcBef>
+              <a:buFont typeface="Arial" panose="020B0604020202020204" pitchFamily="34" charset="0"/>
+              <a:buChar char="•"/>
+              <a:defRPr sz="2000" kern="1200">
+                <a:solidFill>
+                  <a:schemeClr val="tx1"/>
+                </a:solidFill>
+                <a:latin typeface="+mn-lt"/>
+                <a:ea typeface="+mn-ea"/>
+                <a:cs typeface="+mn-cs"/>
+              </a:defRPr>
+            </a:lvl3pPr>
+            <a:lvl4pPr marL="1600200" indent="-228600" algn="l" defTabSz="914400" rtl="0" eaLnBrk="1" latinLnBrk="0" hangingPunct="1">
+              <a:lnSpc>
+                <a:spcPct val="90000"/>
+              </a:lnSpc>
+              <a:spcBef>
+                <a:spcPts val="500"/>
+              </a:spcBef>
+              <a:buFont typeface="Arial" panose="020B0604020202020204" pitchFamily="34" charset="0"/>
+              <a:buChar char="•"/>
+              <a:defRPr sz="1800" kern="1200">
+                <a:solidFill>
+                  <a:schemeClr val="tx1"/>
+                </a:solidFill>
+                <a:latin typeface="+mn-lt"/>
+                <a:ea typeface="+mn-ea"/>
+                <a:cs typeface="+mn-cs"/>
+              </a:defRPr>
+            </a:lvl4pPr>
+            <a:lvl5pPr marL="2057400" indent="-228600" algn="l" defTabSz="914400" rtl="0" eaLnBrk="1" latinLnBrk="0" hangingPunct="1">
+              <a:lnSpc>
+                <a:spcPct val="90000"/>
+              </a:lnSpc>
+              <a:spcBef>
+                <a:spcPts val="500"/>
+              </a:spcBef>
+              <a:buFont typeface="Arial" panose="020B0604020202020204" pitchFamily="34" charset="0"/>
+              <a:buChar char="•"/>
+              <a:defRPr sz="1800" kern="1200">
+                <a:solidFill>
+                  <a:schemeClr val="tx1"/>
+                </a:solidFill>
+                <a:latin typeface="+mn-lt"/>
+                <a:ea typeface="+mn-ea"/>
+                <a:cs typeface="+mn-cs"/>
+              </a:defRPr>
+            </a:lvl5pPr>
+            <a:lvl6pPr marL="2514600" indent="-228600" algn="l" defTabSz="914400" rtl="0" eaLnBrk="1" latinLnBrk="0" hangingPunct="1">
+              <a:lnSpc>
+                <a:spcPct val="90000"/>
+              </a:lnSpc>
+              <a:spcBef>
+                <a:spcPts val="500"/>
+              </a:spcBef>
+              <a:buFont typeface="Arial" panose="020B0604020202020204" pitchFamily="34" charset="0"/>
+              <a:buChar char="•"/>
+              <a:defRPr sz="1800" kern="1200">
+                <a:solidFill>
+                  <a:schemeClr val="tx1"/>
+                </a:solidFill>
+                <a:latin typeface="+mn-lt"/>
+                <a:ea typeface="+mn-ea"/>
+                <a:cs typeface="+mn-cs"/>
+              </a:defRPr>
+            </a:lvl6pPr>
+            <a:lvl7pPr marL="2971800" indent="-228600" algn="l" defTabSz="914400" rtl="0" eaLnBrk="1" latinLnBrk="0" hangingPunct="1">
+              <a:lnSpc>
+                <a:spcPct val="90000"/>
+              </a:lnSpc>
+              <a:spcBef>
+                <a:spcPts val="500"/>
+              </a:spcBef>
+              <a:buFont typeface="Arial" panose="020B0604020202020204" pitchFamily="34" charset="0"/>
+              <a:buChar char="•"/>
+              <a:defRPr sz="1800" kern="1200">
+                <a:solidFill>
+                  <a:schemeClr val="tx1"/>
+                </a:solidFill>
+                <a:latin typeface="+mn-lt"/>
+                <a:ea typeface="+mn-ea"/>
+                <a:cs typeface="+mn-cs"/>
+              </a:defRPr>
+            </a:lvl7pPr>
+            <a:lvl8pPr marL="3429000" indent="-228600" algn="l" defTabSz="914400" rtl="0" eaLnBrk="1" latinLnBrk="0" hangingPunct="1">
+              <a:lnSpc>
+                <a:spcPct val="90000"/>
+              </a:lnSpc>
+              <a:spcBef>
+                <a:spcPts val="500"/>
+              </a:spcBef>
+              <a:buFont typeface="Arial" panose="020B0604020202020204" pitchFamily="34" charset="0"/>
+              <a:buChar char="•"/>
+              <a:defRPr sz="1800" kern="1200">
+                <a:solidFill>
+                  <a:schemeClr val="tx1"/>
+                </a:solidFill>
+                <a:latin typeface="+mn-lt"/>
+                <a:ea typeface="+mn-ea"/>
+                <a:cs typeface="+mn-cs"/>
+              </a:defRPr>
+            </a:lvl8pPr>
+            <a:lvl9pPr marL="3886200" indent="-228600" algn="l" defTabSz="914400" rtl="0" eaLnBrk="1" latinLnBrk="0" hangingPunct="1">
+              <a:lnSpc>
+                <a:spcPct val="90000"/>
+              </a:lnSpc>
+              <a:spcBef>
+                <a:spcPts val="500"/>
+              </a:spcBef>
+              <a:buFont typeface="Arial" panose="020B0604020202020204" pitchFamily="34" charset="0"/>
+              <a:buChar char="•"/>
+              <a:defRPr sz="1800" kern="1200">
+                <a:solidFill>
+                  <a:schemeClr val="tx1"/>
+                </a:solidFill>
+                <a:latin typeface="+mn-lt"/>
+                <a:ea typeface="+mn-ea"/>
+                <a:cs typeface="+mn-cs"/>
+              </a:defRPr>
+            </a:lvl9pPr>
+          </a:lstStyle>
+          <a:p>
+            <a:r>
+              <a:rPr lang="en-US" sz="2400" dirty="0" smtClean="0">
+                <a:latin typeface="Times New Roman" panose="02020603050405020304" pitchFamily="18" charset="0"/>
+                <a:cs typeface="Times New Roman" panose="02020603050405020304" pitchFamily="18" charset="0"/>
+              </a:rPr>
+              <a:t>Các từ thường xuyên xuất hiện chung (ít nhất 25 lần) =&gt; cụm từ.</a:t>
+            </a:r>
+          </a:p>
+        </p:txBody>
+      </p:sp>
+    </p:spTree>
+    <p:extLst>
+      <p:ext uri="{BB962C8B-B14F-4D97-AF65-F5344CB8AC3E}">
+        <p14:creationId xmlns:p14="http://schemas.microsoft.com/office/powerpoint/2010/main" val="1673785780"/>
+      </p:ext>
+    </p:extLst>
+  </p:cSld>
+  <p:clrMapOvr>
+    <a:masterClrMapping/>
+  </p:clrMapOvr>
+  <p:timing>
+    <p:tnLst>
+      <p:par>
+        <p:cTn id="1" dur="indefinite" restart="never" nodeType="tmRoot">
+          <p:childTnLst>
+            <p:seq concurrent="1" nextAc="seek">
+              <p:cTn id="2" dur="indefinite" nodeType="mainSeq">
+                <p:childTnLst>
+                  <p:par>
+                    <p:cTn id="3" fill="hold">
+                      <p:stCondLst>
+                        <p:cond delay="indefinite"/>
+                      </p:stCondLst>
+                      <p:childTnLst>
+                        <p:par>
+                          <p:cTn id="4" fill="hold">
+                            <p:stCondLst>
+                              <p:cond delay="0"/>
+                            </p:stCondLst>
+                            <p:childTnLst>
+                              <p:par>
+                                <p:cTn id="5" presetID="1" presetClass="entr" presetSubtype="0" fill="hold" grpId="0" nodeType="clickEffect">
+                                  <p:stCondLst>
+                                    <p:cond delay="0"/>
+                                  </p:stCondLst>
+                                  <p:childTnLst>
+                                    <p:set>
+                                      <p:cBhvr>
+                                        <p:cTn id="6" dur="1" fill="hold">
+                                          <p:stCondLst>
+                                            <p:cond delay="0"/>
+                                          </p:stCondLst>
+                                        </p:cTn>
+                                        <p:tgtEl>
+                                          <p:spTgt spid="7"/>
+                                        </p:tgtEl>
+                                        <p:attrNameLst>
+                                          <p:attrName>style.visibility</p:attrName>
+                                        </p:attrNameLst>
+                                      </p:cBhvr>
+                                      <p:to>
+                                        <p:strVal val="visible"/>
+                                      </p:to>
+                                    </p:set>
+                                  </p:childTnLst>
+                                </p:cTn>
+                              </p:par>
+                            </p:childTnLst>
+                          </p:cTn>
+                        </p:par>
+                      </p:childTnLst>
+                    </p:cTn>
+                  </p:par>
+                </p:childTnLst>
+              </p:cTn>
+              <p:prevCondLst>
+                <p:cond evt="onPrev" delay="0">
+                  <p:tgtEl>
+                    <p:sldTgt/>
+                  </p:tgtEl>
+                </p:cond>
+              </p:prevCondLst>
+              <p:nextCondLst>
+                <p:cond evt="onNext" delay="0">
+                  <p:tgtEl>
+                    <p:sldTgt/>
+                  </p:tgtEl>
+                </p:cond>
+              </p:nextCondLst>
+            </p:seq>
+          </p:childTnLst>
+        </p:cTn>
+      </p:par>
+    </p:tnLst>
+    <p:bldLst>
+      <p:bldP spid="7" grpId="0"/>
+    </p:bldLst>
+  </p:timing>
+</p:sld>
+</file>
+
+<file path=ppt/slides/slide6.xml><?xml version="1.0" encoding="utf-8"?>
+<p:sld xmlns:a="http://schemas.openxmlformats.org/drawingml/2006/main" xmlns:r="http://schemas.openxmlformats.org/officeDocument/2006/relationships" xmlns:p="http://schemas.openxmlformats.org/presentationml/2006/main">
+  <p:cSld>
+    <p:spTree>
+      <p:nvGrpSpPr>
+        <p:cNvPr id="1" name=""/>
+        <p:cNvGrpSpPr/>
+        <p:nvPr/>
+      </p:nvGrpSpPr>
+      <p:grpSpPr>
+        <a:xfrm>
+          <a:off x="0" y="0"/>
+          <a:ext cx="0" cy="0"/>
+          <a:chOff x="0" y="0"/>
+          <a:chExt cx="0" cy="0"/>
+        </a:xfrm>
+      </p:grpSpPr>
+      <p:sp>
+        <p:nvSpPr>
+          <p:cNvPr id="4" name="Content Placeholder 3"/>
+          <p:cNvSpPr>
+            <a:spLocks noGrp="1"/>
+          </p:cNvSpPr>
+          <p:nvPr>
+            <p:ph idx="1"/>
+          </p:nvPr>
+        </p:nvSpPr>
+        <p:spPr>
+          <a:xfrm>
+            <a:off x="787400" y="1018773"/>
+            <a:ext cx="11404600" cy="556028"/>
+          </a:xfrm>
+        </p:spPr>
+        <p:txBody>
+          <a:bodyPr/>
+          <a:lstStyle/>
+          <a:p>
+            <a:r>
+              <a:rPr lang="en-US" dirty="0"/>
+              <a:t>laughing, laughed, </a:t>
+            </a:r>
+            <a:r>
+              <a:rPr lang="en-US" dirty="0" smtClean="0"/>
+              <a:t>laughs =&gt; laugh-</a:t>
+            </a:r>
+            <a:endParaRPr lang="en-US" dirty="0"/>
+          </a:p>
+        </p:txBody>
+      </p:sp>
+      <p:sp>
+        <p:nvSpPr>
+          <p:cNvPr id="6" name="Title 1"/>
+          <p:cNvSpPr txBox="1">
+            <a:spLocks/>
+          </p:cNvSpPr>
+          <p:nvPr/>
+        </p:nvSpPr>
+        <p:spPr>
+          <a:xfrm>
+            <a:off x="0" y="0"/>
+            <a:ext cx="12192000" cy="1018773"/>
+          </a:xfrm>
+          <a:prstGeom prst="rect">
+            <a:avLst/>
+          </a:prstGeom>
+        </p:spPr>
+        <p:txBody>
+          <a:bodyPr vert="horz" lIns="91440" tIns="45720" rIns="91440" bIns="45720" rtlCol="0" anchor="ctr">
+            <a:normAutofit/>
+          </a:bodyPr>
+          <a:lstStyle>
+            <a:lvl1pPr algn="l" defTabSz="914400" rtl="0" eaLnBrk="1" latinLnBrk="0" hangingPunct="1">
+              <a:lnSpc>
+                <a:spcPct val="90000"/>
+              </a:lnSpc>
+              <a:spcBef>
+                <a:spcPct val="0"/>
+              </a:spcBef>
+              <a:buNone/>
+              <a:defRPr sz="4400" kern="1200">
+                <a:solidFill>
+                  <a:schemeClr val="tx1"/>
+                </a:solidFill>
+                <a:latin typeface="+mj-lt"/>
+                <a:ea typeface="+mj-ea"/>
+                <a:cs typeface="+mj-cs"/>
+              </a:defRPr>
+            </a:lvl1pPr>
+          </a:lstStyle>
+          <a:p>
+            <a:r>
+              <a:rPr lang="en-US" sz="4000" b="1" dirty="0" smtClean="0">
+                <a:solidFill>
+                  <a:srgbClr val="7030A0"/>
+                </a:solidFill>
+                <a:latin typeface="Times New Roman" panose="02020603050405020304" pitchFamily="18" charset="0"/>
+                <a:cs typeface="Times New Roman" panose="02020603050405020304" pitchFamily="18" charset="0"/>
+              </a:rPr>
+              <a:t>Stemming.</a:t>
+            </a:r>
+            <a:endParaRPr lang="en-US" sz="4000" b="1" dirty="0">
+              <a:solidFill>
+                <a:srgbClr val="7030A0"/>
+              </a:solidFill>
+              <a:latin typeface="Times New Roman" panose="02020603050405020304" pitchFamily="18" charset="0"/>
+              <a:cs typeface="Times New Roman" panose="02020603050405020304" pitchFamily="18" charset="0"/>
+            </a:endParaRPr>
+          </a:p>
+        </p:txBody>
+      </p:sp>
+      <p:sp>
+        <p:nvSpPr>
+          <p:cNvPr id="7" name="Content Placeholder 3"/>
+          <p:cNvSpPr txBox="1">
+            <a:spLocks/>
+          </p:cNvSpPr>
+          <p:nvPr/>
+        </p:nvSpPr>
+        <p:spPr>
+          <a:xfrm>
+            <a:off x="787400" y="1574801"/>
+            <a:ext cx="11404600" cy="556028"/>
+          </a:xfrm>
+          <a:prstGeom prst="rect">
+            <a:avLst/>
+          </a:prstGeom>
+        </p:spPr>
+        <p:txBody>
+          <a:bodyPr vert="horz" lIns="91440" tIns="45720" rIns="91440" bIns="45720" rtlCol="0">
+            <a:normAutofit/>
+          </a:bodyPr>
+          <a:lstStyle>
+            <a:lvl1pPr marL="228600" indent="-228600" algn="l" defTabSz="914400" rtl="0" eaLnBrk="1" latinLnBrk="0" hangingPunct="1">
+              <a:lnSpc>
+                <a:spcPct val="90000"/>
+              </a:lnSpc>
+              <a:spcBef>
+                <a:spcPts val="1000"/>
+              </a:spcBef>
+              <a:buFont typeface="Arial" panose="020B0604020202020204" pitchFamily="34" charset="0"/>
+              <a:buChar char="•"/>
+              <a:defRPr sz="2800" kern="1200">
+                <a:solidFill>
+                  <a:schemeClr val="tx1"/>
+                </a:solidFill>
+                <a:latin typeface="+mn-lt"/>
+                <a:ea typeface="+mn-ea"/>
+                <a:cs typeface="+mn-cs"/>
+              </a:defRPr>
+            </a:lvl1pPr>
+            <a:lvl2pPr marL="685800" indent="-228600" algn="l" defTabSz="914400" rtl="0" eaLnBrk="1" latinLnBrk="0" hangingPunct="1">
+              <a:lnSpc>
+                <a:spcPct val="90000"/>
+              </a:lnSpc>
+              <a:spcBef>
+                <a:spcPts val="500"/>
+              </a:spcBef>
+              <a:buFont typeface="Arial" panose="020B0604020202020204" pitchFamily="34" charset="0"/>
+              <a:buChar char="•"/>
+              <a:defRPr sz="2400" kern="1200">
+                <a:solidFill>
+                  <a:schemeClr val="tx1"/>
+                </a:solidFill>
+                <a:latin typeface="+mn-lt"/>
+                <a:ea typeface="+mn-ea"/>
+                <a:cs typeface="+mn-cs"/>
+              </a:defRPr>
+            </a:lvl2pPr>
+            <a:lvl3pPr marL="1143000" indent="-228600" algn="l" defTabSz="914400" rtl="0" eaLnBrk="1" latinLnBrk="0" hangingPunct="1">
+              <a:lnSpc>
+                <a:spcPct val="90000"/>
+              </a:lnSpc>
+              <a:spcBef>
+                <a:spcPts val="500"/>
+              </a:spcBef>
+              <a:buFont typeface="Arial" panose="020B0604020202020204" pitchFamily="34" charset="0"/>
+              <a:buChar char="•"/>
+              <a:defRPr sz="2000" kern="1200">
+                <a:solidFill>
+                  <a:schemeClr val="tx1"/>
+                </a:solidFill>
+                <a:latin typeface="+mn-lt"/>
+                <a:ea typeface="+mn-ea"/>
+                <a:cs typeface="+mn-cs"/>
+              </a:defRPr>
+            </a:lvl3pPr>
+            <a:lvl4pPr marL="1600200" indent="-228600" algn="l" defTabSz="914400" rtl="0" eaLnBrk="1" latinLnBrk="0" hangingPunct="1">
+              <a:lnSpc>
+                <a:spcPct val="90000"/>
+              </a:lnSpc>
+              <a:spcBef>
+                <a:spcPts val="500"/>
+              </a:spcBef>
+              <a:buFont typeface="Arial" panose="020B0604020202020204" pitchFamily="34" charset="0"/>
+              <a:buChar char="•"/>
+              <a:defRPr sz="1800" kern="1200">
+                <a:solidFill>
+                  <a:schemeClr val="tx1"/>
+                </a:solidFill>
+                <a:latin typeface="+mn-lt"/>
+                <a:ea typeface="+mn-ea"/>
+                <a:cs typeface="+mn-cs"/>
+              </a:defRPr>
+            </a:lvl4pPr>
+            <a:lvl5pPr marL="2057400" indent="-228600" algn="l" defTabSz="914400" rtl="0" eaLnBrk="1" latinLnBrk="0" hangingPunct="1">
+              <a:lnSpc>
+                <a:spcPct val="90000"/>
+              </a:lnSpc>
+              <a:spcBef>
+                <a:spcPts val="500"/>
+              </a:spcBef>
+              <a:buFont typeface="Arial" panose="020B0604020202020204" pitchFamily="34" charset="0"/>
+              <a:buChar char="•"/>
+              <a:defRPr sz="1800" kern="1200">
+                <a:solidFill>
+                  <a:schemeClr val="tx1"/>
+                </a:solidFill>
+                <a:latin typeface="+mn-lt"/>
+                <a:ea typeface="+mn-ea"/>
+                <a:cs typeface="+mn-cs"/>
+              </a:defRPr>
+            </a:lvl5pPr>
+            <a:lvl6pPr marL="2514600" indent="-228600" algn="l" defTabSz="914400" rtl="0" eaLnBrk="1" latinLnBrk="0" hangingPunct="1">
+              <a:lnSpc>
+                <a:spcPct val="90000"/>
+              </a:lnSpc>
+              <a:spcBef>
+                <a:spcPts val="500"/>
+              </a:spcBef>
+              <a:buFont typeface="Arial" panose="020B0604020202020204" pitchFamily="34" charset="0"/>
+              <a:buChar char="•"/>
+              <a:defRPr sz="1800" kern="1200">
+                <a:solidFill>
+                  <a:schemeClr val="tx1"/>
+                </a:solidFill>
+                <a:latin typeface="+mn-lt"/>
+                <a:ea typeface="+mn-ea"/>
+                <a:cs typeface="+mn-cs"/>
+              </a:defRPr>
+            </a:lvl6pPr>
+            <a:lvl7pPr marL="2971800" indent="-228600" algn="l" defTabSz="914400" rtl="0" eaLnBrk="1" latinLnBrk="0" hangingPunct="1">
+              <a:lnSpc>
+                <a:spcPct val="90000"/>
+              </a:lnSpc>
+              <a:spcBef>
+                <a:spcPts val="500"/>
+              </a:spcBef>
+              <a:buFont typeface="Arial" panose="020B0604020202020204" pitchFamily="34" charset="0"/>
+              <a:buChar char="•"/>
+              <a:defRPr sz="1800" kern="1200">
+                <a:solidFill>
+                  <a:schemeClr val="tx1"/>
+                </a:solidFill>
+                <a:latin typeface="+mn-lt"/>
+                <a:ea typeface="+mn-ea"/>
+                <a:cs typeface="+mn-cs"/>
+              </a:defRPr>
+            </a:lvl7pPr>
+            <a:lvl8pPr marL="3429000" indent="-228600" algn="l" defTabSz="914400" rtl="0" eaLnBrk="1" latinLnBrk="0" hangingPunct="1">
+              <a:lnSpc>
+                <a:spcPct val="90000"/>
+              </a:lnSpc>
+              <a:spcBef>
+                <a:spcPts val="500"/>
+              </a:spcBef>
+              <a:buFont typeface="Arial" panose="020B0604020202020204" pitchFamily="34" charset="0"/>
+              <a:buChar char="•"/>
+              <a:defRPr sz="1800" kern="1200">
+                <a:solidFill>
+                  <a:schemeClr val="tx1"/>
+                </a:solidFill>
+                <a:latin typeface="+mn-lt"/>
+                <a:ea typeface="+mn-ea"/>
+                <a:cs typeface="+mn-cs"/>
+              </a:defRPr>
+            </a:lvl8pPr>
+            <a:lvl9pPr marL="3886200" indent="-228600" algn="l" defTabSz="914400" rtl="0" eaLnBrk="1" latinLnBrk="0" hangingPunct="1">
+              <a:lnSpc>
+                <a:spcPct val="90000"/>
+              </a:lnSpc>
+              <a:spcBef>
+                <a:spcPts val="500"/>
+              </a:spcBef>
+              <a:buFont typeface="Arial" panose="020B0604020202020204" pitchFamily="34" charset="0"/>
+              <a:buChar char="•"/>
+              <a:defRPr sz="1800" kern="1200">
+                <a:solidFill>
+                  <a:schemeClr val="tx1"/>
+                </a:solidFill>
+                <a:latin typeface="+mn-lt"/>
+                <a:ea typeface="+mn-ea"/>
+                <a:cs typeface="+mn-cs"/>
+              </a:defRPr>
+            </a:lvl9pPr>
+          </a:lstStyle>
+          <a:p>
+            <a:r>
+              <a:rPr lang="en-US" dirty="0" smtClean="0"/>
+              <a:t>goes =&gt; goe	go =&gt; go</a:t>
+            </a:r>
+            <a:endParaRPr lang="en-US" dirty="0"/>
+          </a:p>
+        </p:txBody>
+      </p:sp>
+      <p:sp>
+        <p:nvSpPr>
+          <p:cNvPr id="8" name="Content Placeholder 3"/>
+          <p:cNvSpPr txBox="1">
+            <a:spLocks/>
+          </p:cNvSpPr>
+          <p:nvPr/>
+        </p:nvSpPr>
+        <p:spPr>
+          <a:xfrm>
+            <a:off x="787400" y="2130828"/>
+            <a:ext cx="11404600" cy="1196571"/>
+          </a:xfrm>
+          <a:prstGeom prst="rect">
+            <a:avLst/>
+          </a:prstGeom>
+        </p:spPr>
+        <p:txBody>
+          <a:bodyPr vert="horz" lIns="91440" tIns="45720" rIns="91440" bIns="45720" rtlCol="0">
+            <a:normAutofit/>
+          </a:bodyPr>
+          <a:lstStyle>
+            <a:lvl1pPr marL="228600" indent="-228600" algn="l" defTabSz="914400" rtl="0" eaLnBrk="1" latinLnBrk="0" hangingPunct="1">
+              <a:lnSpc>
+                <a:spcPct val="90000"/>
+              </a:lnSpc>
+              <a:spcBef>
+                <a:spcPts val="1000"/>
+              </a:spcBef>
+              <a:buFont typeface="Arial" panose="020B0604020202020204" pitchFamily="34" charset="0"/>
+              <a:buChar char="•"/>
+              <a:defRPr sz="2800" kern="1200">
+                <a:solidFill>
+                  <a:schemeClr val="tx1"/>
+                </a:solidFill>
+                <a:latin typeface="+mn-lt"/>
+                <a:ea typeface="+mn-ea"/>
+                <a:cs typeface="+mn-cs"/>
+              </a:defRPr>
+            </a:lvl1pPr>
+            <a:lvl2pPr marL="685800" indent="-228600" algn="l" defTabSz="914400" rtl="0" eaLnBrk="1" latinLnBrk="0" hangingPunct="1">
+              <a:lnSpc>
+                <a:spcPct val="90000"/>
+              </a:lnSpc>
+              <a:spcBef>
+                <a:spcPts val="500"/>
+              </a:spcBef>
+              <a:buFont typeface="Arial" panose="020B0604020202020204" pitchFamily="34" charset="0"/>
+              <a:buChar char="•"/>
+              <a:defRPr sz="2400" kern="1200">
+                <a:solidFill>
+                  <a:schemeClr val="tx1"/>
+                </a:solidFill>
+                <a:latin typeface="+mn-lt"/>
+                <a:ea typeface="+mn-ea"/>
+                <a:cs typeface="+mn-cs"/>
+              </a:defRPr>
+            </a:lvl2pPr>
+            <a:lvl3pPr marL="1143000" indent="-228600" algn="l" defTabSz="914400" rtl="0" eaLnBrk="1" latinLnBrk="0" hangingPunct="1">
+              <a:lnSpc>
+                <a:spcPct val="90000"/>
+              </a:lnSpc>
+              <a:spcBef>
+                <a:spcPts val="500"/>
+              </a:spcBef>
+              <a:buFont typeface="Arial" panose="020B0604020202020204" pitchFamily="34" charset="0"/>
+              <a:buChar char="•"/>
+              <a:defRPr sz="2000" kern="1200">
+                <a:solidFill>
+                  <a:schemeClr val="tx1"/>
+                </a:solidFill>
+                <a:latin typeface="+mn-lt"/>
+                <a:ea typeface="+mn-ea"/>
+                <a:cs typeface="+mn-cs"/>
+              </a:defRPr>
+            </a:lvl3pPr>
+            <a:lvl4pPr marL="1600200" indent="-228600" algn="l" defTabSz="914400" rtl="0" eaLnBrk="1" latinLnBrk="0" hangingPunct="1">
+              <a:lnSpc>
+                <a:spcPct val="90000"/>
+              </a:lnSpc>
+              <a:spcBef>
+                <a:spcPts val="500"/>
+              </a:spcBef>
+              <a:buFont typeface="Arial" panose="020B0604020202020204" pitchFamily="34" charset="0"/>
+              <a:buChar char="•"/>
+              <a:defRPr sz="1800" kern="1200">
+                <a:solidFill>
+                  <a:schemeClr val="tx1"/>
+                </a:solidFill>
+                <a:latin typeface="+mn-lt"/>
+                <a:ea typeface="+mn-ea"/>
+                <a:cs typeface="+mn-cs"/>
+              </a:defRPr>
+            </a:lvl4pPr>
+            <a:lvl5pPr marL="2057400" indent="-228600" algn="l" defTabSz="914400" rtl="0" eaLnBrk="1" latinLnBrk="0" hangingPunct="1">
+              <a:lnSpc>
+                <a:spcPct val="90000"/>
+              </a:lnSpc>
+              <a:spcBef>
+                <a:spcPts val="500"/>
+              </a:spcBef>
+              <a:buFont typeface="Arial" panose="020B0604020202020204" pitchFamily="34" charset="0"/>
+              <a:buChar char="•"/>
+              <a:defRPr sz="1800" kern="1200">
+                <a:solidFill>
+                  <a:schemeClr val="tx1"/>
+                </a:solidFill>
+                <a:latin typeface="+mn-lt"/>
+                <a:ea typeface="+mn-ea"/>
+                <a:cs typeface="+mn-cs"/>
+              </a:defRPr>
+            </a:lvl5pPr>
+            <a:lvl6pPr marL="2514600" indent="-228600" algn="l" defTabSz="914400" rtl="0" eaLnBrk="1" latinLnBrk="0" hangingPunct="1">
+              <a:lnSpc>
+                <a:spcPct val="90000"/>
+              </a:lnSpc>
+              <a:spcBef>
+                <a:spcPts val="500"/>
+              </a:spcBef>
+              <a:buFont typeface="Arial" panose="020B0604020202020204" pitchFamily="34" charset="0"/>
+              <a:buChar char="•"/>
+              <a:defRPr sz="1800" kern="1200">
+                <a:solidFill>
+                  <a:schemeClr val="tx1"/>
+                </a:solidFill>
+                <a:latin typeface="+mn-lt"/>
+                <a:ea typeface="+mn-ea"/>
+                <a:cs typeface="+mn-cs"/>
+              </a:defRPr>
+            </a:lvl6pPr>
+            <a:lvl7pPr marL="2971800" indent="-228600" algn="l" defTabSz="914400" rtl="0" eaLnBrk="1" latinLnBrk="0" hangingPunct="1">
+              <a:lnSpc>
+                <a:spcPct val="90000"/>
+              </a:lnSpc>
+              <a:spcBef>
+                <a:spcPts val="500"/>
+              </a:spcBef>
+              <a:buFont typeface="Arial" panose="020B0604020202020204" pitchFamily="34" charset="0"/>
+              <a:buChar char="•"/>
+              <a:defRPr sz="1800" kern="1200">
+                <a:solidFill>
+                  <a:schemeClr val="tx1"/>
+                </a:solidFill>
+                <a:latin typeface="+mn-lt"/>
+                <a:ea typeface="+mn-ea"/>
+                <a:cs typeface="+mn-cs"/>
+              </a:defRPr>
+            </a:lvl7pPr>
+            <a:lvl8pPr marL="3429000" indent="-228600" algn="l" defTabSz="914400" rtl="0" eaLnBrk="1" latinLnBrk="0" hangingPunct="1">
+              <a:lnSpc>
+                <a:spcPct val="90000"/>
+              </a:lnSpc>
+              <a:spcBef>
+                <a:spcPts val="500"/>
+              </a:spcBef>
+              <a:buFont typeface="Arial" panose="020B0604020202020204" pitchFamily="34" charset="0"/>
+              <a:buChar char="•"/>
+              <a:defRPr sz="1800" kern="1200">
+                <a:solidFill>
+                  <a:schemeClr val="tx1"/>
+                </a:solidFill>
+                <a:latin typeface="+mn-lt"/>
+                <a:ea typeface="+mn-ea"/>
+                <a:cs typeface="+mn-cs"/>
+              </a:defRPr>
+            </a:lvl8pPr>
+            <a:lvl9pPr marL="3886200" indent="-228600" algn="l" defTabSz="914400" rtl="0" eaLnBrk="1" latinLnBrk="0" hangingPunct="1">
+              <a:lnSpc>
+                <a:spcPct val="90000"/>
+              </a:lnSpc>
+              <a:spcBef>
+                <a:spcPts val="500"/>
+              </a:spcBef>
+              <a:buFont typeface="Arial" panose="020B0604020202020204" pitchFamily="34" charset="0"/>
+              <a:buChar char="•"/>
+              <a:defRPr sz="1800" kern="1200">
+                <a:solidFill>
+                  <a:schemeClr val="tx1"/>
+                </a:solidFill>
+                <a:latin typeface="+mn-lt"/>
+                <a:ea typeface="+mn-ea"/>
+                <a:cs typeface="+mn-cs"/>
+              </a:defRPr>
+            </a:lvl9pPr>
+          </a:lstStyle>
+          <a:p>
+            <a:r>
+              <a:rPr lang="en-US" dirty="0" smtClean="0"/>
+              <a:t>Go, went, gone;	speak, spoke, spoken, ...</a:t>
+            </a:r>
+          </a:p>
+          <a:p>
+            <a:r>
+              <a:rPr lang="en-US" dirty="0"/>
+              <a:t>Collocation (She’s got black skin. She’s got dark skin).</a:t>
+            </a:r>
+          </a:p>
+        </p:txBody>
+      </p:sp>
+    </p:spTree>
+    <p:extLst>
+      <p:ext uri="{BB962C8B-B14F-4D97-AF65-F5344CB8AC3E}">
+        <p14:creationId xmlns:p14="http://schemas.microsoft.com/office/powerpoint/2010/main" val="3633316152"/>
+      </p:ext>
+    </p:extLst>
+  </p:cSld>
+  <p:clrMapOvr>
+    <a:masterClrMapping/>
+  </p:clrMapOvr>
+  <p:timing>
+    <p:tnLst>
+      <p:par>
+        <p:cTn id="1" dur="indefinite" restart="never" nodeType="tmRoot">
+          <p:childTnLst>
+            <p:seq concurrent="1" nextAc="seek">
+              <p:cTn id="2" dur="indefinite" nodeType="mainSeq">
+                <p:childTnLst>
+                  <p:par>
+                    <p:cTn id="3" fill="hold">
+                      <p:stCondLst>
+                        <p:cond delay="indefinite"/>
+                      </p:stCondLst>
+                      <p:childTnLst>
+                        <p:par>
+                          <p:cTn id="4" fill="hold">
+                            <p:stCondLst>
+                              <p:cond delay="0"/>
+                            </p:stCondLst>
+                            <p:childTnLst>
+                              <p:par>
+                                <p:cTn id="5" presetID="1" presetClass="entr" presetSubtype="0" fill="hold" grpId="0" nodeType="clickEffect">
+                                  <p:stCondLst>
+                                    <p:cond delay="0"/>
+                                  </p:stCondLst>
+                                  <p:childTnLst>
+                                    <p:set>
+                                      <p:cBhvr>
+                                        <p:cTn id="6" dur="1" fill="hold">
+                                          <p:stCondLst>
+                                            <p:cond delay="0"/>
+                                          </p:stCondLst>
+                                        </p:cTn>
+                                        <p:tgtEl>
+                                          <p:spTgt spid="4">
+                                            <p:txEl>
+                                              <p:pRg st="0" end="0"/>
+                                            </p:txEl>
+                                          </p:spTgt>
+                                        </p:tgtEl>
+                                        <p:attrNameLst>
+                                          <p:attrName>style.visibility</p:attrName>
+                                        </p:attrNameLst>
+                                      </p:cBhvr>
+                                      <p:to>
+                                        <p:strVal val="visible"/>
+                                      </p:to>
+                                    </p:set>
+                                  </p:childTnLst>
+                                </p:cTn>
+                              </p:par>
+                            </p:childTnLst>
+                          </p:cTn>
+                        </p:par>
+                      </p:childTnLst>
+                    </p:cTn>
+                  </p:par>
+                  <p:par>
+                    <p:cTn id="7" fill="hold">
+                      <p:stCondLst>
+                        <p:cond delay="indefinite"/>
+                      </p:stCondLst>
+                      <p:childTnLst>
+                        <p:par>
+                          <p:cTn id="8" fill="hold">
+                            <p:stCondLst>
+                              <p:cond delay="0"/>
+                            </p:stCondLst>
+                            <p:childTnLst>
+                              <p:par>
+                                <p:cTn id="9" presetID="1" presetClass="entr" presetSubtype="0" fill="hold" grpId="0" nodeType="clickEffect">
+                                  <p:stCondLst>
+                                    <p:cond delay="0"/>
+                                  </p:stCondLst>
+                                  <p:childTnLst>
+                                    <p:set>
+                                      <p:cBhvr>
+                                        <p:cTn id="10" dur="1" fill="hold">
+                                          <p:stCondLst>
+                                            <p:cond delay="0"/>
+                                          </p:stCondLst>
+                                        </p:cTn>
+                                        <p:tgtEl>
+                                          <p:spTgt spid="6"/>
+                                        </p:tgtEl>
+                                        <p:attrNameLst>
+                                          <p:attrName>style.visibility</p:attrName>
+                                        </p:attrNameLst>
+                                      </p:cBhvr>
+                                      <p:to>
+                                        <p:strVal val="visible"/>
+                                      </p:to>
+                                    </p:set>
+                                  </p:childTnLst>
+                                </p:cTn>
+                              </p:par>
+                            </p:childTnLst>
+                          </p:cTn>
+                        </p:par>
+                      </p:childTnLst>
+                    </p:cTn>
+                  </p:par>
+                  <p:par>
+                    <p:cTn id="11" fill="hold">
+                      <p:stCondLst>
+                        <p:cond delay="indefinite"/>
+                      </p:stCondLst>
+                      <p:childTnLst>
+                        <p:par>
+                          <p:cTn id="12" fill="hold">
+                            <p:stCondLst>
+                              <p:cond delay="0"/>
+                            </p:stCondLst>
+                            <p:childTnLst>
+                              <p:par>
+                                <p:cTn id="13" presetID="1" presetClass="entr" presetSubtype="0" fill="hold" grpId="0" nodeType="clickEffect">
+                                  <p:stCondLst>
+                                    <p:cond delay="0"/>
+                                  </p:stCondLst>
+                                  <p:childTnLst>
+                                    <p:set>
+                                      <p:cBhvr>
+                                        <p:cTn id="14" dur="1" fill="hold">
+                                          <p:stCondLst>
+                                            <p:cond delay="0"/>
+                                          </p:stCondLst>
+                                        </p:cTn>
+                                        <p:tgtEl>
+                                          <p:spTgt spid="7"/>
+                                        </p:tgtEl>
+                                        <p:attrNameLst>
+                                          <p:attrName>style.visibility</p:attrName>
+                                        </p:attrNameLst>
+                                      </p:cBhvr>
+                                      <p:to>
+                                        <p:strVal val="visible"/>
+                                      </p:to>
+                                    </p:set>
+                                  </p:childTnLst>
+                                </p:cTn>
+                              </p:par>
+                            </p:childTnLst>
+                          </p:cTn>
+                        </p:par>
+                      </p:childTnLst>
+                    </p:cTn>
+                  </p:par>
+                  <p:par>
+                    <p:cTn id="15" fill="hold">
+                      <p:stCondLst>
+                        <p:cond delay="indefinite"/>
+                      </p:stCondLst>
+                      <p:childTnLst>
+                        <p:par>
+                          <p:cTn id="16" fill="hold">
+                            <p:stCondLst>
+                              <p:cond delay="0"/>
+                            </p:stCondLst>
+                            <p:childTnLst>
+                              <p:par>
+                                <p:cTn id="17" presetID="1" presetClass="entr" presetSubtype="0" fill="hold" grpId="0" nodeType="clickEffect">
+                                  <p:stCondLst>
+                                    <p:cond delay="0"/>
+                                  </p:stCondLst>
+                                  <p:childTnLst>
+                                    <p:set>
+                                      <p:cBhvr>
+                                        <p:cTn id="18" dur="1" fill="hold">
+                                          <p:stCondLst>
+                                            <p:cond delay="0"/>
+                                          </p:stCondLst>
+                                        </p:cTn>
+                                        <p:tgtEl>
+                                          <p:spTgt spid="8"/>
+                                        </p:tgtEl>
+                                        <p:attrNameLst>
+                                          <p:attrName>style.visibility</p:attrName>
+                                        </p:attrNameLst>
+                                      </p:cBhvr>
+                                      <p:to>
+                                        <p:strVal val="visible"/>
+                                      </p:to>
+                                    </p:set>
+                                  </p:childTnLst>
+                                </p:cTn>
+                              </p:par>
+                            </p:childTnLst>
+                          </p:cTn>
+                        </p:par>
+                      </p:childTnLst>
+                    </p:cTn>
+                  </p:par>
+                </p:childTnLst>
+              </p:cTn>
+              <p:prevCondLst>
+                <p:cond evt="onPrev" delay="0">
+                  <p:tgtEl>
+                    <p:sldTgt/>
+                  </p:tgtEl>
+                </p:cond>
+              </p:prevCondLst>
+              <p:nextCondLst>
+                <p:cond evt="onNext" delay="0">
+                  <p:tgtEl>
+                    <p:sldTgt/>
+                  </p:tgtEl>
+                </p:cond>
+              </p:nextCondLst>
+            </p:seq>
+          </p:childTnLst>
+        </p:cTn>
+      </p:par>
+    </p:tnLst>
+    <p:bldLst>
+      <p:bldP spid="4" grpId="0" build="p"/>
+      <p:bldP spid="6" grpId="0"/>
+      <p:bldP spid="7" grpId="0"/>
+      <p:bldP spid="8" grpId="0"/>
+    </p:bldLst>
+  </p:timing>
+</p:sld>
+</file>
+
+<file path=ppt/slides/slide7.xml><?xml version="1.0" encoding="utf-8"?>
+<p:sld xmlns:a="http://schemas.openxmlformats.org/drawingml/2006/main" xmlns:r="http://schemas.openxmlformats.org/officeDocument/2006/relationships" xmlns:p="http://schemas.openxmlformats.org/presentationml/2006/main">
+  <p:cSld>
+    <p:spTree>
+      <p:nvGrpSpPr>
+        <p:cNvPr id="1" name=""/>
+        <p:cNvGrpSpPr/>
+        <p:nvPr/>
+      </p:nvGrpSpPr>
+      <p:grpSpPr>
+        <a:xfrm>
+          <a:off x="0" y="0"/>
+          <a:ext cx="0" cy="0"/>
+          <a:chOff x="0" y="0"/>
+          <a:chExt cx="0" cy="0"/>
+        </a:xfrm>
+      </p:grpSpPr>
+      <p:sp>
+        <p:nvSpPr>
           <p:cNvPr id="2" name="Title 1"/>
           <p:cNvSpPr>
             <a:spLocks noGrp="1"/>
@@ -13511,94 +14880,47 @@
                 <a:latin typeface="Times New Roman" panose="02020603050405020304" pitchFamily="18" charset="0"/>
                 <a:cs typeface="Times New Roman" panose="02020603050405020304" pitchFamily="18" charset="0"/>
               </a:rPr>
-              <a:t>: </a:t>
+              <a:t>:  </a:t>
+            </a:r>
+            <a:r>
+              <a:rPr lang="en-US" sz="2400" dirty="0" smtClean="0">
+                <a:latin typeface="Times New Roman" panose="02020603050405020304" pitchFamily="18" charset="0"/>
+                <a:cs typeface="Times New Roman" panose="02020603050405020304" pitchFamily="18" charset="0"/>
+              </a:rPr>
+              <a:t>   a    b l u e    d o g    r u n n i n g    o n    t h e    r o a d</a:t>
+            </a:r>
+          </a:p>
+          <a:p>
+            <a:r>
+              <a:rPr lang="en-US" sz="2400" dirty="0" smtClean="0">
+                <a:latin typeface="Times New Roman" panose="02020603050405020304" pitchFamily="18" charset="0"/>
+                <a:cs typeface="Times New Roman" panose="02020603050405020304" pitchFamily="18" charset="0"/>
+              </a:rPr>
+              <a:t>Doc2</a:t>
             </a:r>
             <a:r>
               <a:rPr lang="en-US" sz="2400" dirty="0">
                 <a:latin typeface="Times New Roman" panose="02020603050405020304" pitchFamily="18" charset="0"/>
                 <a:cs typeface="Times New Roman" panose="02020603050405020304" pitchFamily="18" charset="0"/>
               </a:rPr>
-              <a:t> </a:t>
+              <a:t>:  </a:t>
             </a:r>
             <a:r>
               <a:rPr lang="en-US" sz="2400" dirty="0" smtClean="0">
                 <a:latin typeface="Times New Roman" panose="02020603050405020304" pitchFamily="18" charset="0"/>
                 <a:cs typeface="Times New Roman" panose="02020603050405020304" pitchFamily="18" charset="0"/>
               </a:rPr>
-              <a:t>   </a:t>
-            </a:r>
+              <a:t>   a    b l u e    b i r d   f l y i n g        i n    t h e    s k y</a:t>
+            </a:r>
+          </a:p>
+          <a:p>
             <a:r>
               <a:rPr lang="en-US" sz="2400" dirty="0" smtClean="0">
                 <a:latin typeface="Times New Roman" panose="02020603050405020304" pitchFamily="18" charset="0"/>
                 <a:cs typeface="Times New Roman" panose="02020603050405020304" pitchFamily="18" charset="0"/>
               </a:rPr>
-              <a:t>a    b l u e    d o g    r u n n i n g    o n    t h e    r o a d</a:t>
-            </a:r>
-            <a:endParaRPr lang="en-US" sz="2400" dirty="0" smtClean="0">
-              <a:latin typeface="Times New Roman" panose="02020603050405020304" pitchFamily="18" charset="0"/>
-              <a:cs typeface="Times New Roman" panose="02020603050405020304" pitchFamily="18" charset="0"/>
-            </a:endParaRPr>
-          </a:p>
-          <a:p>
-            <a:r>
-              <a:rPr lang="en-US" sz="2400" dirty="0" smtClean="0">
-                <a:latin typeface="Times New Roman" panose="02020603050405020304" pitchFamily="18" charset="0"/>
-                <a:cs typeface="Times New Roman" panose="02020603050405020304" pitchFamily="18" charset="0"/>
-              </a:rPr>
-              <a:t>Doc2</a:t>
-            </a:r>
-            <a:r>
-              <a:rPr lang="en-US" sz="2400" dirty="0">
-                <a:latin typeface="Times New Roman" panose="02020603050405020304" pitchFamily="18" charset="0"/>
-                <a:cs typeface="Times New Roman" panose="02020603050405020304" pitchFamily="18" charset="0"/>
-              </a:rPr>
-              <a:t>: </a:t>
-            </a:r>
-            <a:r>
-              <a:rPr lang="en-US" sz="2400" dirty="0">
-                <a:latin typeface="Times New Roman" panose="02020603050405020304" pitchFamily="18" charset="0"/>
-                <a:cs typeface="Times New Roman" panose="02020603050405020304" pitchFamily="18" charset="0"/>
-              </a:rPr>
-              <a:t> </a:t>
-            </a:r>
-            <a:r>
-              <a:rPr lang="en-US" sz="2400" dirty="0" smtClean="0">
-                <a:latin typeface="Times New Roman" panose="02020603050405020304" pitchFamily="18" charset="0"/>
-                <a:cs typeface="Times New Roman" panose="02020603050405020304" pitchFamily="18" charset="0"/>
-              </a:rPr>
-              <a:t>   </a:t>
-            </a:r>
-            <a:r>
-              <a:rPr lang="en-US" sz="2400" dirty="0" smtClean="0">
-                <a:latin typeface="Times New Roman" panose="02020603050405020304" pitchFamily="18" charset="0"/>
-                <a:cs typeface="Times New Roman" panose="02020603050405020304" pitchFamily="18" charset="0"/>
-              </a:rPr>
-              <a:t>a    b l u e    b i r d   f l y i n g        i n    t h e    s k y</a:t>
-            </a:r>
-            <a:endParaRPr lang="en-US" sz="2400" dirty="0" smtClean="0">
-              <a:latin typeface="Times New Roman" panose="02020603050405020304" pitchFamily="18" charset="0"/>
-              <a:cs typeface="Times New Roman" panose="02020603050405020304" pitchFamily="18" charset="0"/>
-            </a:endParaRPr>
-          </a:p>
-          <a:p>
-            <a:r>
-              <a:rPr lang="en-US" sz="2400" dirty="0" smtClean="0">
-                <a:latin typeface="Times New Roman" panose="02020603050405020304" pitchFamily="18" charset="0"/>
-                <a:cs typeface="Times New Roman" panose="02020603050405020304" pitchFamily="18" charset="0"/>
-              </a:rPr>
-              <a:t>Doc3: </a:t>
-            </a:r>
-            <a:r>
-              <a:rPr lang="en-US" sz="2400" dirty="0" smtClean="0">
-                <a:latin typeface="Times New Roman" panose="02020603050405020304" pitchFamily="18" charset="0"/>
-                <a:cs typeface="Times New Roman" panose="02020603050405020304" pitchFamily="18" charset="0"/>
-              </a:rPr>
-              <a:t>    u n d e r    t h e    b l u e    s k y</a:t>
-            </a:r>
-            <a:endParaRPr lang="en-US" sz="2400" dirty="0" smtClean="0">
-              <a:latin typeface="Times New Roman" panose="02020603050405020304" pitchFamily="18" charset="0"/>
-              <a:cs typeface="Times New Roman" panose="02020603050405020304" pitchFamily="18" charset="0"/>
-            </a:endParaRPr>
+              <a:t>Doc3:     u n d e r    t h e    b l u e    s k y</a:t>
+            </a:r>
           </a:p>
           <a:p>
             <a:endParaRPr lang="en-US" sz="2400" dirty="0" smtClean="0">
@@ -13847,19 +15169,8 @@
                 <a:latin typeface="Times New Roman" panose="02020603050405020304" pitchFamily="18" charset="0"/>
                 <a:cs typeface="Times New Roman" panose="02020603050405020304" pitchFamily="18" charset="0"/>
               </a:rPr>
-              <a:t>blue</a:t>
-            </a:r>
-            <a:r>
-              <a:rPr lang="en-US" sz="2400" dirty="0" smtClean="0">
-                <a:latin typeface="Times New Roman" panose="02020603050405020304" pitchFamily="18" charset="0"/>
-                <a:cs typeface="Times New Roman" panose="02020603050405020304" pitchFamily="18" charset="0"/>
-              </a:rPr>
-              <a:t>:{1:3; 2:3; 3:11}</a:t>
-            </a:r>
-            <a:endParaRPr lang="en-US" sz="2400" dirty="0" smtClean="0">
-              <a:latin typeface="Times New Roman" panose="02020603050405020304" pitchFamily="18" charset="0"/>
-              <a:cs typeface="Times New Roman" panose="02020603050405020304" pitchFamily="18" charset="0"/>
-            </a:endParaRPr>
+              <a:t>blue:{1:3; 2:3; 3:11}</a:t>
+            </a:r>
           </a:p>
           <a:p>
             <a:pPr marL="0" lvl="8" indent="0" algn="just">
@@ -13884,14 +15195,7 @@
                 <a:latin typeface="Times New Roman" panose="02020603050405020304" pitchFamily="18" charset="0"/>
                 <a:cs typeface="Times New Roman" panose="02020603050405020304" pitchFamily="18" charset="0"/>
               </a:rPr>
-              <a:t> {</a:t>
-            </a:r>
-            <a:r>
-              <a:rPr lang="en-US" sz="2400" dirty="0" smtClean="0">
-                <a:latin typeface="Times New Roman" panose="02020603050405020304" pitchFamily="18" charset="0"/>
-                <a:cs typeface="Times New Roman" panose="02020603050405020304" pitchFamily="18" charset="0"/>
-              </a:rPr>
-              <a:t>2:27</a:t>
+              <a:t> {2:27</a:t>
             </a:r>
             <a:r>
               <a:rPr lang="en-US" sz="2400" dirty="0">
@@ -14143,10 +15447,6 @@
               </a:rPr>
               <a:t>2:8}</a:t>
             </a:r>
-            <a:endParaRPr lang="en-US" sz="2400" dirty="0" smtClean="0">
-              <a:latin typeface="Times New Roman" panose="02020603050405020304" pitchFamily="18" charset="0"/>
-              <a:cs typeface="Times New Roman" panose="02020603050405020304" pitchFamily="18" charset="0"/>
-            </a:endParaRPr>
           </a:p>
           <a:p>
             <a:pPr marL="457200" indent="-457200">
@@ -14158,19 +15458,8 @@
                 <a:latin typeface="Times New Roman" panose="02020603050405020304" pitchFamily="18" charset="0"/>
                 <a:cs typeface="Times New Roman" panose="02020603050405020304" pitchFamily="18" charset="0"/>
               </a:rPr>
-              <a:t>blue:       {</a:t>
-            </a:r>
-            <a:r>
-              <a:rPr lang="en-US" sz="2400" dirty="0" smtClean="0">
-                <a:latin typeface="Times New Roman" panose="02020603050405020304" pitchFamily="18" charset="0"/>
-                <a:cs typeface="Times New Roman" panose="02020603050405020304" pitchFamily="18" charset="0"/>
-              </a:rPr>
-              <a:t>1:3; 2:3; 3:11}</a:t>
-            </a:r>
-            <a:endParaRPr lang="en-US" sz="2400" dirty="0" smtClean="0">
-              <a:latin typeface="Times New Roman" panose="02020603050405020304" pitchFamily="18" charset="0"/>
-              <a:cs typeface="Times New Roman" panose="02020603050405020304" pitchFamily="18" charset="0"/>
-            </a:endParaRPr>
+              <a:t>blue:       {1:3; 2:3; 3:11}</a:t>
+            </a:r>
           </a:p>
           <a:p>
             <a:pPr marL="457200" indent="-457200">
@@ -14182,19 +15471,8 @@
                 <a:latin typeface="Times New Roman" panose="02020603050405020304" pitchFamily="18" charset="0"/>
                 <a:cs typeface="Times New Roman" panose="02020603050405020304" pitchFamily="18" charset="0"/>
               </a:rPr>
-              <a:t>dog:        {</a:t>
-            </a:r>
-            <a:r>
-              <a:rPr lang="en-US" sz="2400" dirty="0" smtClean="0">
-                <a:latin typeface="Times New Roman" panose="02020603050405020304" pitchFamily="18" charset="0"/>
-                <a:cs typeface="Times New Roman" panose="02020603050405020304" pitchFamily="18" charset="0"/>
-              </a:rPr>
-              <a:t>1:8}</a:t>
-            </a:r>
-            <a:endParaRPr lang="en-US" sz="2400" dirty="0" smtClean="0">
-              <a:latin typeface="Times New Roman" panose="02020603050405020304" pitchFamily="18" charset="0"/>
-              <a:cs typeface="Times New Roman" panose="02020603050405020304" pitchFamily="18" charset="0"/>
-            </a:endParaRPr>
+              <a:t>dog:        {1:8}</a:t>
+            </a:r>
           </a:p>
           <a:p>
             <a:pPr marL="457200" indent="-457200">
@@ -14206,19 +15484,8 @@
                 <a:latin typeface="Times New Roman" panose="02020603050405020304" pitchFamily="18" charset="0"/>
                 <a:cs typeface="Times New Roman" panose="02020603050405020304" pitchFamily="18" charset="0"/>
               </a:rPr>
-              <a:t>flying:     {</a:t>
-            </a:r>
-            <a:r>
-              <a:rPr lang="en-US" sz="2400" dirty="0" smtClean="0">
-                <a:latin typeface="Times New Roman" panose="02020603050405020304" pitchFamily="18" charset="0"/>
-                <a:cs typeface="Times New Roman" panose="02020603050405020304" pitchFamily="18" charset="0"/>
-              </a:rPr>
-              <a:t>2:13}</a:t>
-            </a:r>
-            <a:endParaRPr lang="en-US" sz="2400" dirty="0" smtClean="0">
-              <a:latin typeface="Times New Roman" panose="02020603050405020304" pitchFamily="18" charset="0"/>
-              <a:cs typeface="Times New Roman" panose="02020603050405020304" pitchFamily="18" charset="0"/>
-            </a:endParaRPr>
+              <a:t>flying:     {2:13}</a:t>
+            </a:r>
           </a:p>
           <a:p>
             <a:pPr marL="457200" indent="-457200">
@@ -14230,19 +15497,8 @@
                 <a:latin typeface="Times New Roman" panose="02020603050405020304" pitchFamily="18" charset="0"/>
                 <a:cs typeface="Times New Roman" panose="02020603050405020304" pitchFamily="18" charset="0"/>
               </a:rPr>
-              <a:t>in:            {</a:t>
-            </a:r>
-            <a:r>
-              <a:rPr lang="en-US" sz="2400" dirty="0" smtClean="0">
-                <a:latin typeface="Times New Roman" panose="02020603050405020304" pitchFamily="18" charset="0"/>
-                <a:cs typeface="Times New Roman" panose="02020603050405020304" pitchFamily="18" charset="0"/>
-              </a:rPr>
-              <a:t>2:20}</a:t>
-            </a:r>
-            <a:endParaRPr lang="en-US" sz="2400" dirty="0" smtClean="0">
-              <a:latin typeface="Times New Roman" panose="02020603050405020304" pitchFamily="18" charset="0"/>
-              <a:cs typeface="Times New Roman" panose="02020603050405020304" pitchFamily="18" charset="0"/>
-            </a:endParaRPr>
+              <a:t>in:            {2:20}</a:t>
+            </a:r>
           </a:p>
           <a:p>
             <a:pPr marL="457200" indent="-457200">
@@ -14254,19 +15510,8 @@
                 <a:latin typeface="Times New Roman" panose="02020603050405020304" pitchFamily="18" charset="0"/>
                 <a:cs typeface="Times New Roman" panose="02020603050405020304" pitchFamily="18" charset="0"/>
               </a:rPr>
-              <a:t>on:          {</a:t>
-            </a:r>
-            <a:r>
-              <a:rPr lang="en-US" sz="2400" dirty="0" smtClean="0">
-                <a:latin typeface="Times New Roman" panose="02020603050405020304" pitchFamily="18" charset="0"/>
-                <a:cs typeface="Times New Roman" panose="02020603050405020304" pitchFamily="18" charset="0"/>
-              </a:rPr>
-              <a:t>1:20}</a:t>
-            </a:r>
-            <a:endParaRPr lang="en-US" sz="2400" dirty="0" smtClean="0">
-              <a:latin typeface="Times New Roman" panose="02020603050405020304" pitchFamily="18" charset="0"/>
-              <a:cs typeface="Times New Roman" panose="02020603050405020304" pitchFamily="18" charset="0"/>
-            </a:endParaRPr>
+              <a:t>on:          {1:20}</a:t>
+            </a:r>
           </a:p>
           <a:p>
             <a:pPr marL="457200" indent="-457200">
@@ -14278,21 +15523,7 @@
                 <a:latin typeface="Times New Roman" panose="02020603050405020304" pitchFamily="18" charset="0"/>
                 <a:cs typeface="Times New Roman" panose="02020603050405020304" pitchFamily="18" charset="0"/>
               </a:rPr>
-              <a:t>road:       {</a:t>
-            </a:r>
-            <a:r>
-              <a:rPr lang="en-US" sz="2400" dirty="0" smtClean="0">
-                <a:latin typeface="Times New Roman" panose="02020603050405020304" pitchFamily="18" charset="0"/>
-                <a:cs typeface="Times New Roman" panose="02020603050405020304" pitchFamily="18" charset="0"/>
-              </a:rPr>
-              <a:t>1:27</a:t>
-            </a:r>
-            <a:r>
-              <a:rPr lang="en-US" sz="2400" dirty="0" smtClean="0">
-                <a:latin typeface="Times New Roman" panose="02020603050405020304" pitchFamily="18" charset="0"/>
-                <a:cs typeface="Times New Roman" panose="02020603050405020304" pitchFamily="18" charset="0"/>
-              </a:rPr>
-              <a:t>}</a:t>
+              <a:t>road:       {1:27}</a:t>
             </a:r>
           </a:p>
           <a:p>
@@ -14305,19 +15536,8 @@
                 <a:latin typeface="Times New Roman" panose="02020603050405020304" pitchFamily="18" charset="0"/>
                 <a:cs typeface="Times New Roman" panose="02020603050405020304" pitchFamily="18" charset="0"/>
               </a:rPr>
-              <a:t>running:  {</a:t>
-            </a:r>
-            <a:r>
-              <a:rPr lang="en-US" sz="2400" dirty="0" smtClean="0">
-                <a:latin typeface="Times New Roman" panose="02020603050405020304" pitchFamily="18" charset="0"/>
-                <a:cs typeface="Times New Roman" panose="02020603050405020304" pitchFamily="18" charset="0"/>
-              </a:rPr>
-              <a:t>1:12}</a:t>
-            </a:r>
-            <a:endParaRPr lang="en-US" sz="2400" dirty="0" smtClean="0">
-              <a:latin typeface="Times New Roman" panose="02020603050405020304" pitchFamily="18" charset="0"/>
-              <a:cs typeface="Times New Roman" panose="02020603050405020304" pitchFamily="18" charset="0"/>
-            </a:endParaRPr>
+              <a:t>running:  {1:12}</a:t>
+            </a:r>
           </a:p>
           <a:p>
             <a:pPr marL="457200" indent="-457200">
@@ -14329,33 +15549,8 @@
                 <a:latin typeface="Times New Roman" panose="02020603050405020304" pitchFamily="18" charset="0"/>
                 <a:cs typeface="Times New Roman" panose="02020603050405020304" pitchFamily="18" charset="0"/>
               </a:rPr>
-              <a:t>sky:         {</a:t>
-            </a:r>
-            <a:r>
-              <a:rPr lang="en-US" sz="2400" dirty="0" smtClean="0">
-                <a:latin typeface="Times New Roman" panose="02020603050405020304" pitchFamily="18" charset="0"/>
-                <a:cs typeface="Times New Roman" panose="02020603050405020304" pitchFamily="18" charset="0"/>
-              </a:rPr>
-              <a:t>2:27</a:t>
-            </a:r>
-            <a:r>
-              <a:rPr lang="en-US" sz="2400" dirty="0" smtClean="0">
-                <a:latin typeface="Times New Roman" panose="02020603050405020304" pitchFamily="18" charset="0"/>
-                <a:cs typeface="Times New Roman" panose="02020603050405020304" pitchFamily="18" charset="0"/>
-              </a:rPr>
-              <a:t>; </a:t>
-            </a:r>
-            <a:r>
-              <a:rPr lang="en-US" sz="2400" dirty="0" smtClean="0">
-                <a:latin typeface="Times New Roman" panose="02020603050405020304" pitchFamily="18" charset="0"/>
-                <a:cs typeface="Times New Roman" panose="02020603050405020304" pitchFamily="18" charset="0"/>
-              </a:rPr>
-              <a:t>3:16}</a:t>
-            </a:r>
-            <a:endParaRPr lang="en-US" sz="2400" dirty="0" smtClean="0">
-              <a:latin typeface="Times New Roman" panose="02020603050405020304" pitchFamily="18" charset="0"/>
-              <a:cs typeface="Times New Roman" panose="02020603050405020304" pitchFamily="18" charset="0"/>
-            </a:endParaRPr>
+              <a:t>sky:         {2:27; 3:16}</a:t>
+            </a:r>
           </a:p>
           <a:p>
             <a:pPr marL="457200" indent="-457200">
@@ -14367,19 +15562,8 @@
                 <a:latin typeface="Times New Roman" panose="02020603050405020304" pitchFamily="18" charset="0"/>
                 <a:cs typeface="Times New Roman" panose="02020603050405020304" pitchFamily="18" charset="0"/>
               </a:rPr>
-              <a:t>the:        {</a:t>
-            </a:r>
-            <a:r>
-              <a:rPr lang="en-US" sz="2400" dirty="0" smtClean="0">
-                <a:latin typeface="Times New Roman" panose="02020603050405020304" pitchFamily="18" charset="0"/>
-                <a:cs typeface="Times New Roman" panose="02020603050405020304" pitchFamily="18" charset="0"/>
-              </a:rPr>
-              <a:t>1:23; 2:23; 3:7}</a:t>
-            </a:r>
-            <a:endParaRPr lang="en-US" sz="2400" dirty="0" smtClean="0">
-              <a:latin typeface="Times New Roman" panose="02020603050405020304" pitchFamily="18" charset="0"/>
-              <a:cs typeface="Times New Roman" panose="02020603050405020304" pitchFamily="18" charset="0"/>
-            </a:endParaRPr>
+              <a:t>the:        {1:23; 2:23; 3:7}</a:t>
+            </a:r>
           </a:p>
           <a:p>
             <a:pPr marL="457200" indent="-457200">
@@ -14406,7 +15590,7 @@
         </p:nvSpPr>
         <p:spPr>
           <a:xfrm>
-            <a:off x="2768713" y="3393673"/>
+            <a:off x="2755899" y="3566509"/>
             <a:ext cx="2660536" cy="1699027"/>
           </a:xfrm>
           <a:prstGeom prst="rect">
@@ -14610,10 +15794,6 @@
               </a:rPr>
               <a:t>blue &amp; sky: {2; 3}</a:t>
             </a:r>
-            <a:endParaRPr lang="en-US" sz="2400" dirty="0" smtClean="0">
-              <a:latin typeface="Times New Roman" panose="02020603050405020304" pitchFamily="18" charset="0"/>
-              <a:cs typeface="Times New Roman" panose="02020603050405020304" pitchFamily="18" charset="0"/>
-            </a:endParaRPr>
           </a:p>
         </p:txBody>
       </p:sp>
@@ -15123,10 +16303,6 @@
               </a:rPr>
               <a:t>2:8}</a:t>
             </a:r>
-            <a:endParaRPr lang="en-US" sz="2400" dirty="0" smtClean="0">
-              <a:latin typeface="Times New Roman" panose="02020603050405020304" pitchFamily="18" charset="0"/>
-              <a:cs typeface="Times New Roman" panose="02020603050405020304" pitchFamily="18" charset="0"/>
-            </a:endParaRPr>
           </a:p>
           <a:p>
             <a:pPr marL="457200" indent="-457200">
@@ -15138,19 +16314,8 @@
                 <a:latin typeface="Times New Roman" panose="02020603050405020304" pitchFamily="18" charset="0"/>
                 <a:cs typeface="Times New Roman" panose="02020603050405020304" pitchFamily="18" charset="0"/>
               </a:rPr>
-              <a:t>blue:       {</a:t>
-            </a:r>
-            <a:r>
-              <a:rPr lang="en-US" sz="2400" dirty="0" smtClean="0">
-                <a:latin typeface="Times New Roman" panose="02020603050405020304" pitchFamily="18" charset="0"/>
-                <a:cs typeface="Times New Roman" panose="02020603050405020304" pitchFamily="18" charset="0"/>
-              </a:rPr>
-              <a:t>1:3; 2:3; 3:11}</a:t>
-            </a:r>
-            <a:endParaRPr lang="en-US" sz="2400" dirty="0" smtClean="0">
-              <a:latin typeface="Times New Roman" panose="02020603050405020304" pitchFamily="18" charset="0"/>
-              <a:cs typeface="Times New Roman" panose="02020603050405020304" pitchFamily="18" charset="0"/>
-            </a:endParaRPr>
+              <a:t>blue:       {1:3; 2:3; 3:11}</a:t>
+            </a:r>
           </a:p>
           <a:p>
             <a:pPr marL="457200" indent="-457200">
@@ -15162,19 +16327,8 @@
                 <a:latin typeface="Times New Roman" panose="02020603050405020304" pitchFamily="18" charset="0"/>
                 <a:cs typeface="Times New Roman" panose="02020603050405020304" pitchFamily="18" charset="0"/>
               </a:rPr>
-              <a:t>dog:        {</a:t>
-            </a:r>
-            <a:r>
-              <a:rPr lang="en-US" sz="2400" dirty="0" smtClean="0">
-                <a:latin typeface="Times New Roman" panose="02020603050405020304" pitchFamily="18" charset="0"/>
-                <a:cs typeface="Times New Roman" panose="02020603050405020304" pitchFamily="18" charset="0"/>
-              </a:rPr>
-              <a:t>1:8}</a:t>
-            </a:r>
-            <a:endParaRPr lang="en-US" sz="2400" dirty="0" smtClean="0">
-              <a:latin typeface="Times New Roman" panose="02020603050405020304" pitchFamily="18" charset="0"/>
-              <a:cs typeface="Times New Roman" panose="02020603050405020304" pitchFamily="18" charset="0"/>
-            </a:endParaRPr>
+              <a:t>dog:        {1:8}</a:t>
+            </a:r>
           </a:p>
           <a:p>
             <a:pPr marL="457200" indent="-457200">
@@ -15186,19 +16340,8 @@
                 <a:latin typeface="Times New Roman" panose="02020603050405020304" pitchFamily="18" charset="0"/>
                 <a:cs typeface="Times New Roman" panose="02020603050405020304" pitchFamily="18" charset="0"/>
               </a:rPr>
-              <a:t>flying:     {</a:t>
-            </a:r>
-            <a:r>
-              <a:rPr lang="en-US" sz="2400" dirty="0" smtClean="0">
-                <a:latin typeface="Times New Roman" panose="02020603050405020304" pitchFamily="18" charset="0"/>
-                <a:cs typeface="Times New Roman" panose="02020603050405020304" pitchFamily="18" charset="0"/>
-              </a:rPr>
-              <a:t>2:13}</a:t>
-            </a:r>
-            <a:endParaRPr lang="en-US" sz="2400" dirty="0" smtClean="0">
-              <a:latin typeface="Times New Roman" panose="02020603050405020304" pitchFamily="18" charset="0"/>
-              <a:cs typeface="Times New Roman" panose="02020603050405020304" pitchFamily="18" charset="0"/>
-            </a:endParaRPr>
+              <a:t>flying:     {2:13}</a:t>
+            </a:r>
           </a:p>
           <a:p>
             <a:pPr marL="457200" indent="-457200">
@@ -15213,25 +16356,8 @@
                 <a:latin typeface="Times New Roman" panose="02020603050405020304" pitchFamily="18" charset="0"/>
                 <a:cs typeface="Times New Roman" panose="02020603050405020304" pitchFamily="18" charset="0"/>
               </a:rPr>
-              <a:t>in:            {</a:t>
-            </a:r>
-            <a:r>
-              <a:rPr lang="en-US" sz="2400" dirty="0" smtClean="0">
-                <a:solidFill>
-                  <a:srgbClr val="FF0000"/>
-                </a:solidFill>
-                <a:latin typeface="Times New Roman" panose="02020603050405020304" pitchFamily="18" charset="0"/>
-                <a:cs typeface="Times New Roman" panose="02020603050405020304" pitchFamily="18" charset="0"/>
-              </a:rPr>
-              <a:t>2:20}</a:t>
-            </a:r>
-            <a:endParaRPr lang="en-US" sz="2400" dirty="0" smtClean="0">
-              <a:solidFill>
-                <a:srgbClr val="FF0000"/>
-              </a:solidFill>
-              <a:latin typeface="Times New Roman" panose="02020603050405020304" pitchFamily="18" charset="0"/>
-              <a:cs typeface="Times New Roman" panose="02020603050405020304" pitchFamily="18" charset="0"/>
-            </a:endParaRPr>
+              <a:t>in:            {2:20}</a:t>
+            </a:r>
           </a:p>
           <a:p>
             <a:pPr marL="457200" indent="-457200">
@@ -15246,25 +16372,8 @@
                 <a:latin typeface="Times New Roman" panose="02020603050405020304" pitchFamily="18" charset="0"/>
                 <a:cs typeface="Times New Roman" panose="02020603050405020304" pitchFamily="18" charset="0"/>
               </a:rPr>
-              <a:t>on:          {</a:t>
-            </a:r>
-            <a:r>
-              <a:rPr lang="en-US" sz="2400" dirty="0" smtClean="0">
-                <a:solidFill>
-                  <a:srgbClr val="FF0000"/>
-                </a:solidFill>
-                <a:latin typeface="Times New Roman" panose="02020603050405020304" pitchFamily="18" charset="0"/>
-                <a:cs typeface="Times New Roman" panose="02020603050405020304" pitchFamily="18" charset="0"/>
-              </a:rPr>
-              <a:t>1:20}</a:t>
-            </a:r>
-            <a:endParaRPr lang="en-US" sz="2400" dirty="0" smtClean="0">
-              <a:solidFill>
-                <a:srgbClr val="FF0000"/>
-              </a:solidFill>
-              <a:latin typeface="Times New Roman" panose="02020603050405020304" pitchFamily="18" charset="0"/>
-              <a:cs typeface="Times New Roman" panose="02020603050405020304" pitchFamily="18" charset="0"/>
-            </a:endParaRPr>
+              <a:t>on:          {1:20}</a:t>
+            </a:r>
           </a:p>
           <a:p>
             <a:pPr marL="457200" indent="-457200">
@@ -15276,21 +16385,7 @@
                 <a:latin typeface="Times New Roman" panose="02020603050405020304" pitchFamily="18" charset="0"/>
                 <a:cs typeface="Times New Roman" panose="02020603050405020304" pitchFamily="18" charset="0"/>
               </a:rPr>
-              <a:t>road:       {</a:t>
-            </a:r>
-            <a:r>
-              <a:rPr lang="en-US" sz="2400" dirty="0" smtClean="0">
-                <a:latin typeface="Times New Roman" panose="02020603050405020304" pitchFamily="18" charset="0"/>
-                <a:cs typeface="Times New Roman" panose="02020603050405020304" pitchFamily="18" charset="0"/>
-              </a:rPr>
-              <a:t>1:27</a:t>
-            </a:r>
-            <a:r>
-              <a:rPr lang="en-US" sz="2400" dirty="0" smtClean="0">
-                <a:latin typeface="Times New Roman" panose="02020603050405020304" pitchFamily="18" charset="0"/>
-                <a:cs typeface="Times New Roman" panose="02020603050405020304" pitchFamily="18" charset="0"/>
-              </a:rPr>
-              <a:t>}</a:t>
+              <a:t>road:       {1:27}</a:t>
             </a:r>
           </a:p>
           <a:p>
@@ -15303,19 +16398,8 @@
                 <a:latin typeface="Times New Roman" panose="02020603050405020304" pitchFamily="18" charset="0"/>
                 <a:cs typeface="Times New Roman" panose="02020603050405020304" pitchFamily="18" charset="0"/>
               </a:rPr>
-              <a:t>running:  {</a:t>
-            </a:r>
-            <a:r>
-              <a:rPr lang="en-US" sz="2400" dirty="0" smtClean="0">
-                <a:latin typeface="Times New Roman" panose="02020603050405020304" pitchFamily="18" charset="0"/>
-                <a:cs typeface="Times New Roman" panose="02020603050405020304" pitchFamily="18" charset="0"/>
-              </a:rPr>
-              <a:t>1:12}</a:t>
-            </a:r>
-            <a:endParaRPr lang="en-US" sz="2400" dirty="0" smtClean="0">
-              <a:latin typeface="Times New Roman" panose="02020603050405020304" pitchFamily="18" charset="0"/>
-              <a:cs typeface="Times New Roman" panose="02020603050405020304" pitchFamily="18" charset="0"/>
-            </a:endParaRPr>
+              <a:t>running:  {1:12}</a:t>
+            </a:r>
           </a:p>
           <a:p>
             <a:pPr marL="457200" indent="-457200">
@@ -15327,33 +16411,8 @@
                 <a:latin typeface="Times New Roman" panose="02020603050405020304" pitchFamily="18" charset="0"/>
                 <a:cs typeface="Times New Roman" panose="02020603050405020304" pitchFamily="18" charset="0"/>
               </a:rPr>
-              <a:t>sky:         {</a:t>
-            </a:r>
-            <a:r>
-              <a:rPr lang="en-US" sz="2400" dirty="0" smtClean="0">
-                <a:latin typeface="Times New Roman" panose="02020603050405020304" pitchFamily="18" charset="0"/>
-                <a:cs typeface="Times New Roman" panose="02020603050405020304" pitchFamily="18" charset="0"/>
-              </a:rPr>
-              <a:t>2:27</a:t>
-            </a:r>
-            <a:r>
-              <a:rPr lang="en-US" sz="2400" dirty="0" smtClean="0">
-                <a:latin typeface="Times New Roman" panose="02020603050405020304" pitchFamily="18" charset="0"/>
-                <a:cs typeface="Times New Roman" panose="02020603050405020304" pitchFamily="18" charset="0"/>
-              </a:rPr>
-              <a:t>; </a:t>
-            </a:r>
-            <a:r>
-              <a:rPr lang="en-US" sz="2400" dirty="0" smtClean="0">
-                <a:latin typeface="Times New Roman" panose="02020603050405020304" pitchFamily="18" charset="0"/>
-                <a:cs typeface="Times New Roman" panose="02020603050405020304" pitchFamily="18" charset="0"/>
-              </a:rPr>
-              <a:t>3:16}</a:t>
-            </a:r>
-            <a:endParaRPr lang="en-US" sz="2400" dirty="0" smtClean="0">
-              <a:latin typeface="Times New Roman" panose="02020603050405020304" pitchFamily="18" charset="0"/>
-              <a:cs typeface="Times New Roman" panose="02020603050405020304" pitchFamily="18" charset="0"/>
-            </a:endParaRPr>
+              <a:t>sky:         {2:27; 3:16}</a:t>
+            </a:r>
           </a:p>
           <a:p>
             <a:pPr marL="457200" indent="-457200">
@@ -15368,25 +16427,8 @@
                 <a:latin typeface="Times New Roman" panose="02020603050405020304" pitchFamily="18" charset="0"/>
                 <a:cs typeface="Times New Roman" panose="02020603050405020304" pitchFamily="18" charset="0"/>
               </a:rPr>
-              <a:t>the:        {</a:t>
-            </a:r>
-            <a:r>
-              <a:rPr lang="en-US" sz="2400" dirty="0" smtClean="0">
-                <a:solidFill>
-                  <a:srgbClr val="FF0000"/>
-                </a:solidFill>
-                <a:latin typeface="Times New Roman" panose="02020603050405020304" pitchFamily="18" charset="0"/>
-                <a:cs typeface="Times New Roman" panose="02020603050405020304" pitchFamily="18" charset="0"/>
-              </a:rPr>
-              <a:t>1:23; 2:23; 3:7}</a:t>
-            </a:r>
-            <a:endParaRPr lang="en-US" sz="2400" dirty="0" smtClean="0">
-              <a:solidFill>
-                <a:srgbClr val="FF0000"/>
-              </a:solidFill>
-              <a:latin typeface="Times New Roman" panose="02020603050405020304" pitchFamily="18" charset="0"/>
-              <a:cs typeface="Times New Roman" panose="02020603050405020304" pitchFamily="18" charset="0"/>
-            </a:endParaRPr>
+              <a:t>the:        {1:23; 2:23; 3:7}</a:t>
+            </a:r>
           </a:p>
           <a:p>
             <a:pPr marL="457200" indent="-457200">
@@ -16089,1156 +17131,6 @@
       <p:bldP spid="9" grpId="0"/>
       <p:bldP spid="10" grpId="0"/>
       <p:bldP spid="13" grpId="0" animBg="1"/>
-    </p:bldLst>
-  </p:timing>
-</p:sld>
-</file>
-
-<file path=ppt/slides/slide6.xml><?xml version="1.0" encoding="utf-8"?>
-<p:sld xmlns:a="http://schemas.openxmlformats.org/drawingml/2006/main" xmlns:r="http://schemas.openxmlformats.org/officeDocument/2006/relationships" xmlns:p="http://schemas.openxmlformats.org/presentationml/2006/main">
-  <p:cSld>
-    <p:spTree>
-      <p:nvGrpSpPr>
-        <p:cNvPr id="1" name=""/>
-        <p:cNvGrpSpPr/>
-        <p:nvPr/>
-      </p:nvGrpSpPr>
-      <p:grpSpPr>
-        <a:xfrm>
-          <a:off x="0" y="0"/>
-          <a:ext cx="0" cy="0"/>
-          <a:chOff x="0" y="0"/>
-          <a:chExt cx="0" cy="0"/>
-        </a:xfrm>
-      </p:grpSpPr>
-      <p:sp>
-        <p:nvSpPr>
-          <p:cNvPr id="3" name="Content Placeholder 2"/>
-          <p:cNvSpPr>
-            <a:spLocks noGrp="1"/>
-          </p:cNvSpPr>
-          <p:nvPr>
-            <p:ph idx="1"/>
-          </p:nvPr>
-        </p:nvSpPr>
-        <p:spPr>
-          <a:xfrm>
-            <a:off x="597127" y="1171175"/>
-            <a:ext cx="10914516" cy="1779290"/>
-          </a:xfrm>
-        </p:spPr>
-        <p:txBody>
-          <a:bodyPr>
-            <a:noAutofit/>
-          </a:bodyPr>
-          <a:lstStyle/>
-          <a:p>
-            <a:r>
-              <a:rPr lang="en-US" sz="2400" dirty="0" smtClean="0">
-                <a:latin typeface="Times New Roman" panose="02020603050405020304" pitchFamily="18" charset="0"/>
-                <a:cs typeface="Times New Roman" panose="02020603050405020304" pitchFamily="18" charset="0"/>
-              </a:rPr>
-              <a:t>Small STOP LIST of English.</a:t>
-            </a:r>
-          </a:p>
-          <a:p>
-            <a:endParaRPr lang="en-US" sz="2400" dirty="0" smtClean="0">
-              <a:latin typeface="Times New Roman" panose="02020603050405020304" pitchFamily="18" charset="0"/>
-              <a:cs typeface="Times New Roman" panose="02020603050405020304" pitchFamily="18" charset="0"/>
-            </a:endParaRPr>
-          </a:p>
-          <a:p>
-            <a:pPr marL="3657600" lvl="8" indent="0">
-              <a:buNone/>
-            </a:pPr>
-            <a:r>
-              <a:rPr lang="en-US" sz="1400" dirty="0" smtClean="0">
-                <a:latin typeface="Times New Roman" panose="02020603050405020304" pitchFamily="18" charset="0"/>
-                <a:cs typeface="Times New Roman" panose="02020603050405020304" pitchFamily="18" charset="0"/>
-              </a:rPr>
-              <a:t/>
-            </a:r>
-            <a:br>
-              <a:rPr lang="en-US" sz="1400" dirty="0" smtClean="0">
-                <a:latin typeface="Times New Roman" panose="02020603050405020304" pitchFamily="18" charset="0"/>
-                <a:cs typeface="Times New Roman" panose="02020603050405020304" pitchFamily="18" charset="0"/>
-              </a:rPr>
-            </a:br>
-            <a:endParaRPr lang="en-US" sz="1400" dirty="0" smtClean="0">
-              <a:latin typeface="Times New Roman" panose="02020603050405020304" pitchFamily="18" charset="0"/>
-              <a:cs typeface="Times New Roman" panose="02020603050405020304" pitchFamily="18" charset="0"/>
-            </a:endParaRPr>
-          </a:p>
-        </p:txBody>
-      </p:sp>
-      <p:pic>
-        <p:nvPicPr>
-          <p:cNvPr id="5" name="Picture 4"/>
-          <p:cNvPicPr>
-            <a:picLocks noChangeAspect="1"/>
-          </p:cNvPicPr>
-          <p:nvPr/>
-        </p:nvPicPr>
-        <p:blipFill>
-          <a:blip r:embed="rId2">
-            <a:extLst>
-              <a:ext uri="{28A0092B-C50C-407E-A947-70E740481C1C}">
-                <a14:useLocalDpi xmlns:a14="http://schemas.microsoft.com/office/drawing/2010/main" val="0"/>
-              </a:ext>
-            </a:extLst>
-          </a:blip>
-          <a:stretch>
-            <a:fillRect/>
-          </a:stretch>
-        </p:blipFill>
-        <p:spPr>
-          <a:xfrm>
-            <a:off x="768096" y="1562445"/>
-            <a:ext cx="11165759" cy="3911763"/>
-          </a:xfrm>
-          <a:prstGeom prst="rect">
-            <a:avLst/>
-          </a:prstGeom>
-        </p:spPr>
-      </p:pic>
-      <p:sp>
-        <p:nvSpPr>
-          <p:cNvPr id="6" name="Title 1"/>
-          <p:cNvSpPr txBox="1">
-            <a:spLocks/>
-          </p:cNvSpPr>
-          <p:nvPr/>
-        </p:nvSpPr>
-        <p:spPr>
-          <a:xfrm>
-            <a:off x="0" y="0"/>
-            <a:ext cx="12192000" cy="1018773"/>
-          </a:xfrm>
-          <a:prstGeom prst="rect">
-            <a:avLst/>
-          </a:prstGeom>
-        </p:spPr>
-        <p:txBody>
-          <a:bodyPr vert="horz" lIns="91440" tIns="45720" rIns="91440" bIns="45720" rtlCol="0" anchor="ctr">
-            <a:normAutofit/>
-          </a:bodyPr>
-          <a:lstStyle>
-            <a:lvl1pPr algn="l" defTabSz="914400" rtl="0" eaLnBrk="1" latinLnBrk="0" hangingPunct="1">
-              <a:lnSpc>
-                <a:spcPct val="90000"/>
-              </a:lnSpc>
-              <a:spcBef>
-                <a:spcPct val="0"/>
-              </a:spcBef>
-              <a:buNone/>
-              <a:defRPr sz="4400" kern="1200">
-                <a:solidFill>
-                  <a:schemeClr val="tx1"/>
-                </a:solidFill>
-                <a:latin typeface="+mj-lt"/>
-                <a:ea typeface="+mj-ea"/>
-                <a:cs typeface="+mj-cs"/>
-              </a:defRPr>
-            </a:lvl1pPr>
-          </a:lstStyle>
-          <a:p>
-            <a:r>
-              <a:rPr lang="en-US" sz="4000" b="1" dirty="0" smtClean="0">
-                <a:solidFill>
-                  <a:srgbClr val="7030A0"/>
-                </a:solidFill>
-                <a:latin typeface="Times New Roman" panose="02020603050405020304" pitchFamily="18" charset="0"/>
-                <a:cs typeface="Times New Roman" panose="02020603050405020304" pitchFamily="18" charset="0"/>
-              </a:rPr>
-              <a:t>Stop list.</a:t>
-            </a:r>
-            <a:endParaRPr lang="en-US" sz="4000" b="1" dirty="0">
-              <a:solidFill>
-                <a:srgbClr val="7030A0"/>
-              </a:solidFill>
-              <a:latin typeface="Times New Roman" panose="02020603050405020304" pitchFamily="18" charset="0"/>
-              <a:cs typeface="Times New Roman" panose="02020603050405020304" pitchFamily="18" charset="0"/>
-            </a:endParaRPr>
-          </a:p>
-        </p:txBody>
-      </p:sp>
-      <p:sp>
-        <p:nvSpPr>
-          <p:cNvPr id="7" name="Content Placeholder 2"/>
-          <p:cNvSpPr txBox="1">
-            <a:spLocks/>
-          </p:cNvSpPr>
-          <p:nvPr/>
-        </p:nvSpPr>
-        <p:spPr>
-          <a:xfrm>
-            <a:off x="597127" y="5474209"/>
-            <a:ext cx="11455173" cy="736092"/>
-          </a:xfrm>
-          <a:prstGeom prst="rect">
-            <a:avLst/>
-          </a:prstGeom>
-        </p:spPr>
-        <p:txBody>
-          <a:bodyPr vert="horz" lIns="91440" tIns="45720" rIns="91440" bIns="45720" rtlCol="0">
-            <a:noAutofit/>
-          </a:bodyPr>
-          <a:lstStyle>
-            <a:lvl1pPr marL="228600" indent="-228600" algn="l" defTabSz="914400" rtl="0" eaLnBrk="1" latinLnBrk="0" hangingPunct="1">
-              <a:lnSpc>
-                <a:spcPct val="90000"/>
-              </a:lnSpc>
-              <a:spcBef>
-                <a:spcPts val="1000"/>
-              </a:spcBef>
-              <a:buFont typeface="Arial" panose="020B0604020202020204" pitchFamily="34" charset="0"/>
-              <a:buChar char="•"/>
-              <a:defRPr sz="2800" kern="1200">
-                <a:solidFill>
-                  <a:schemeClr val="tx1"/>
-                </a:solidFill>
-                <a:latin typeface="+mn-lt"/>
-                <a:ea typeface="+mn-ea"/>
-                <a:cs typeface="+mn-cs"/>
-              </a:defRPr>
-            </a:lvl1pPr>
-            <a:lvl2pPr marL="685800" indent="-228600" algn="l" defTabSz="914400" rtl="0" eaLnBrk="1" latinLnBrk="0" hangingPunct="1">
-              <a:lnSpc>
-                <a:spcPct val="90000"/>
-              </a:lnSpc>
-              <a:spcBef>
-                <a:spcPts val="500"/>
-              </a:spcBef>
-              <a:buFont typeface="Arial" panose="020B0604020202020204" pitchFamily="34" charset="0"/>
-              <a:buChar char="•"/>
-              <a:defRPr sz="2400" kern="1200">
-                <a:solidFill>
-                  <a:schemeClr val="tx1"/>
-                </a:solidFill>
-                <a:latin typeface="+mn-lt"/>
-                <a:ea typeface="+mn-ea"/>
-                <a:cs typeface="+mn-cs"/>
-              </a:defRPr>
-            </a:lvl2pPr>
-            <a:lvl3pPr marL="1143000" indent="-228600" algn="l" defTabSz="914400" rtl="0" eaLnBrk="1" latinLnBrk="0" hangingPunct="1">
-              <a:lnSpc>
-                <a:spcPct val="90000"/>
-              </a:lnSpc>
-              <a:spcBef>
-                <a:spcPts val="500"/>
-              </a:spcBef>
-              <a:buFont typeface="Arial" panose="020B0604020202020204" pitchFamily="34" charset="0"/>
-              <a:buChar char="•"/>
-              <a:defRPr sz="2000" kern="1200">
-                <a:solidFill>
-                  <a:schemeClr val="tx1"/>
-                </a:solidFill>
-                <a:latin typeface="+mn-lt"/>
-                <a:ea typeface="+mn-ea"/>
-                <a:cs typeface="+mn-cs"/>
-              </a:defRPr>
-            </a:lvl3pPr>
-            <a:lvl4pPr marL="1600200" indent="-228600" algn="l" defTabSz="914400" rtl="0" eaLnBrk="1" latinLnBrk="0" hangingPunct="1">
-              <a:lnSpc>
-                <a:spcPct val="90000"/>
-              </a:lnSpc>
-              <a:spcBef>
-                <a:spcPts val="500"/>
-              </a:spcBef>
-              <a:buFont typeface="Arial" panose="020B0604020202020204" pitchFamily="34" charset="0"/>
-              <a:buChar char="•"/>
-              <a:defRPr sz="1800" kern="1200">
-                <a:solidFill>
-                  <a:schemeClr val="tx1"/>
-                </a:solidFill>
-                <a:latin typeface="+mn-lt"/>
-                <a:ea typeface="+mn-ea"/>
-                <a:cs typeface="+mn-cs"/>
-              </a:defRPr>
-            </a:lvl4pPr>
-            <a:lvl5pPr marL="2057400" indent="-228600" algn="l" defTabSz="914400" rtl="0" eaLnBrk="1" latinLnBrk="0" hangingPunct="1">
-              <a:lnSpc>
-                <a:spcPct val="90000"/>
-              </a:lnSpc>
-              <a:spcBef>
-                <a:spcPts val="500"/>
-              </a:spcBef>
-              <a:buFont typeface="Arial" panose="020B0604020202020204" pitchFamily="34" charset="0"/>
-              <a:buChar char="•"/>
-              <a:defRPr sz="1800" kern="1200">
-                <a:solidFill>
-                  <a:schemeClr val="tx1"/>
-                </a:solidFill>
-                <a:latin typeface="+mn-lt"/>
-                <a:ea typeface="+mn-ea"/>
-                <a:cs typeface="+mn-cs"/>
-              </a:defRPr>
-            </a:lvl5pPr>
-            <a:lvl6pPr marL="2514600" indent="-228600" algn="l" defTabSz="914400" rtl="0" eaLnBrk="1" latinLnBrk="0" hangingPunct="1">
-              <a:lnSpc>
-                <a:spcPct val="90000"/>
-              </a:lnSpc>
-              <a:spcBef>
-                <a:spcPts val="500"/>
-              </a:spcBef>
-              <a:buFont typeface="Arial" panose="020B0604020202020204" pitchFamily="34" charset="0"/>
-              <a:buChar char="•"/>
-              <a:defRPr sz="1800" kern="1200">
-                <a:solidFill>
-                  <a:schemeClr val="tx1"/>
-                </a:solidFill>
-                <a:latin typeface="+mn-lt"/>
-                <a:ea typeface="+mn-ea"/>
-                <a:cs typeface="+mn-cs"/>
-              </a:defRPr>
-            </a:lvl6pPr>
-            <a:lvl7pPr marL="2971800" indent="-228600" algn="l" defTabSz="914400" rtl="0" eaLnBrk="1" latinLnBrk="0" hangingPunct="1">
-              <a:lnSpc>
-                <a:spcPct val="90000"/>
-              </a:lnSpc>
-              <a:spcBef>
-                <a:spcPts val="500"/>
-              </a:spcBef>
-              <a:buFont typeface="Arial" panose="020B0604020202020204" pitchFamily="34" charset="0"/>
-              <a:buChar char="•"/>
-              <a:defRPr sz="1800" kern="1200">
-                <a:solidFill>
-                  <a:schemeClr val="tx1"/>
-                </a:solidFill>
-                <a:latin typeface="+mn-lt"/>
-                <a:ea typeface="+mn-ea"/>
-                <a:cs typeface="+mn-cs"/>
-              </a:defRPr>
-            </a:lvl7pPr>
-            <a:lvl8pPr marL="3429000" indent="-228600" algn="l" defTabSz="914400" rtl="0" eaLnBrk="1" latinLnBrk="0" hangingPunct="1">
-              <a:lnSpc>
-                <a:spcPct val="90000"/>
-              </a:lnSpc>
-              <a:spcBef>
-                <a:spcPts val="500"/>
-              </a:spcBef>
-              <a:buFont typeface="Arial" panose="020B0604020202020204" pitchFamily="34" charset="0"/>
-              <a:buChar char="•"/>
-              <a:defRPr sz="1800" kern="1200">
-                <a:solidFill>
-                  <a:schemeClr val="tx1"/>
-                </a:solidFill>
-                <a:latin typeface="+mn-lt"/>
-                <a:ea typeface="+mn-ea"/>
-                <a:cs typeface="+mn-cs"/>
-              </a:defRPr>
-            </a:lvl8pPr>
-            <a:lvl9pPr marL="3886200" indent="-228600" algn="l" defTabSz="914400" rtl="0" eaLnBrk="1" latinLnBrk="0" hangingPunct="1">
-              <a:lnSpc>
-                <a:spcPct val="90000"/>
-              </a:lnSpc>
-              <a:spcBef>
-                <a:spcPts val="500"/>
-              </a:spcBef>
-              <a:buFont typeface="Arial" panose="020B0604020202020204" pitchFamily="34" charset="0"/>
-              <a:buChar char="•"/>
-              <a:defRPr sz="1800" kern="1200">
-                <a:solidFill>
-                  <a:schemeClr val="tx1"/>
-                </a:solidFill>
-                <a:latin typeface="+mn-lt"/>
-                <a:ea typeface="+mn-ea"/>
-                <a:cs typeface="+mn-cs"/>
-              </a:defRPr>
-            </a:lvl9pPr>
-          </a:lstStyle>
-          <a:p>
-            <a:r>
-              <a:rPr lang="en-US" sz="2400" dirty="0" smtClean="0">
-                <a:latin typeface="Times New Roman" panose="02020603050405020304" pitchFamily="18" charset="0"/>
-                <a:cs typeface="Times New Roman" panose="02020603050405020304" pitchFamily="18" charset="0"/>
-              </a:rPr>
-              <a:t>Các từ thường xuyên xuất hiện chung (ít nhất 25 lần) =&gt; cụm từ.</a:t>
-            </a:r>
-          </a:p>
-        </p:txBody>
-      </p:sp>
-    </p:spTree>
-    <p:extLst>
-      <p:ext uri="{BB962C8B-B14F-4D97-AF65-F5344CB8AC3E}">
-        <p14:creationId xmlns:p14="http://schemas.microsoft.com/office/powerpoint/2010/main" val="1673785780"/>
-      </p:ext>
-    </p:extLst>
-  </p:cSld>
-  <p:clrMapOvr>
-    <a:masterClrMapping/>
-  </p:clrMapOvr>
-  <p:timing>
-    <p:tnLst>
-      <p:par>
-        <p:cTn id="1" dur="indefinite" restart="never" nodeType="tmRoot">
-          <p:childTnLst>
-            <p:seq concurrent="1" nextAc="seek">
-              <p:cTn id="2" dur="indefinite" nodeType="mainSeq">
-                <p:childTnLst>
-                  <p:par>
-                    <p:cTn id="3" fill="hold">
-                      <p:stCondLst>
-                        <p:cond delay="indefinite"/>
-                      </p:stCondLst>
-                      <p:childTnLst>
-                        <p:par>
-                          <p:cTn id="4" fill="hold">
-                            <p:stCondLst>
-                              <p:cond delay="0"/>
-                            </p:stCondLst>
-                            <p:childTnLst>
-                              <p:par>
-                                <p:cTn id="5" presetID="1" presetClass="entr" presetSubtype="0" fill="hold" grpId="0" nodeType="clickEffect">
-                                  <p:stCondLst>
-                                    <p:cond delay="0"/>
-                                  </p:stCondLst>
-                                  <p:childTnLst>
-                                    <p:set>
-                                      <p:cBhvr>
-                                        <p:cTn id="6" dur="1" fill="hold">
-                                          <p:stCondLst>
-                                            <p:cond delay="0"/>
-                                          </p:stCondLst>
-                                        </p:cTn>
-                                        <p:tgtEl>
-                                          <p:spTgt spid="7"/>
-                                        </p:tgtEl>
-                                        <p:attrNameLst>
-                                          <p:attrName>style.visibility</p:attrName>
-                                        </p:attrNameLst>
-                                      </p:cBhvr>
-                                      <p:to>
-                                        <p:strVal val="visible"/>
-                                      </p:to>
-                                    </p:set>
-                                  </p:childTnLst>
-                                </p:cTn>
-                              </p:par>
-                            </p:childTnLst>
-                          </p:cTn>
-                        </p:par>
-                      </p:childTnLst>
-                    </p:cTn>
-                  </p:par>
-                </p:childTnLst>
-              </p:cTn>
-              <p:prevCondLst>
-                <p:cond evt="onPrev" delay="0">
-                  <p:tgtEl>
-                    <p:sldTgt/>
-                  </p:tgtEl>
-                </p:cond>
-              </p:prevCondLst>
-              <p:nextCondLst>
-                <p:cond evt="onNext" delay="0">
-                  <p:tgtEl>
-                    <p:sldTgt/>
-                  </p:tgtEl>
-                </p:cond>
-              </p:nextCondLst>
-            </p:seq>
-          </p:childTnLst>
-        </p:cTn>
-      </p:par>
-    </p:tnLst>
-    <p:bldLst>
-      <p:bldP spid="7" grpId="0"/>
-    </p:bldLst>
-  </p:timing>
-</p:sld>
-</file>
-
-<file path=ppt/slides/slide7.xml><?xml version="1.0" encoding="utf-8"?>
-<p:sld xmlns:a="http://schemas.openxmlformats.org/drawingml/2006/main" xmlns:r="http://schemas.openxmlformats.org/officeDocument/2006/relationships" xmlns:p="http://schemas.openxmlformats.org/presentationml/2006/main">
-  <p:cSld>
-    <p:spTree>
-      <p:nvGrpSpPr>
-        <p:cNvPr id="1" name=""/>
-        <p:cNvGrpSpPr/>
-        <p:nvPr/>
-      </p:nvGrpSpPr>
-      <p:grpSpPr>
-        <a:xfrm>
-          <a:off x="0" y="0"/>
-          <a:ext cx="0" cy="0"/>
-          <a:chOff x="0" y="0"/>
-          <a:chExt cx="0" cy="0"/>
-        </a:xfrm>
-      </p:grpSpPr>
-      <p:sp>
-        <p:nvSpPr>
-          <p:cNvPr id="4" name="Content Placeholder 3"/>
-          <p:cNvSpPr>
-            <a:spLocks noGrp="1"/>
-          </p:cNvSpPr>
-          <p:nvPr>
-            <p:ph idx="1"/>
-          </p:nvPr>
-        </p:nvSpPr>
-        <p:spPr>
-          <a:xfrm>
-            <a:off x="787400" y="1018773"/>
-            <a:ext cx="11404600" cy="556028"/>
-          </a:xfrm>
-        </p:spPr>
-        <p:txBody>
-          <a:bodyPr/>
-          <a:lstStyle/>
-          <a:p>
-            <a:r>
-              <a:rPr lang="en-US" dirty="0"/>
-              <a:t>laughing, laughed, </a:t>
-            </a:r>
-            <a:r>
-              <a:rPr lang="en-US" dirty="0" smtClean="0"/>
-              <a:t>laughs =&gt; laugh-</a:t>
-            </a:r>
-            <a:endParaRPr lang="en-US" dirty="0"/>
-          </a:p>
-        </p:txBody>
-      </p:sp>
-      <p:sp>
-        <p:nvSpPr>
-          <p:cNvPr id="6" name="Title 1"/>
-          <p:cNvSpPr txBox="1">
-            <a:spLocks/>
-          </p:cNvSpPr>
-          <p:nvPr/>
-        </p:nvSpPr>
-        <p:spPr>
-          <a:xfrm>
-            <a:off x="0" y="0"/>
-            <a:ext cx="12192000" cy="1018773"/>
-          </a:xfrm>
-          <a:prstGeom prst="rect">
-            <a:avLst/>
-          </a:prstGeom>
-        </p:spPr>
-        <p:txBody>
-          <a:bodyPr vert="horz" lIns="91440" tIns="45720" rIns="91440" bIns="45720" rtlCol="0" anchor="ctr">
-            <a:normAutofit/>
-          </a:bodyPr>
-          <a:lstStyle>
-            <a:lvl1pPr algn="l" defTabSz="914400" rtl="0" eaLnBrk="1" latinLnBrk="0" hangingPunct="1">
-              <a:lnSpc>
-                <a:spcPct val="90000"/>
-              </a:lnSpc>
-              <a:spcBef>
-                <a:spcPct val="0"/>
-              </a:spcBef>
-              <a:buNone/>
-              <a:defRPr sz="4400" kern="1200">
-                <a:solidFill>
-                  <a:schemeClr val="tx1"/>
-                </a:solidFill>
-                <a:latin typeface="+mj-lt"/>
-                <a:ea typeface="+mj-ea"/>
-                <a:cs typeface="+mj-cs"/>
-              </a:defRPr>
-            </a:lvl1pPr>
-          </a:lstStyle>
-          <a:p>
-            <a:r>
-              <a:rPr lang="en-US" sz="4000" b="1" dirty="0" smtClean="0">
-                <a:solidFill>
-                  <a:srgbClr val="7030A0"/>
-                </a:solidFill>
-                <a:latin typeface="Times New Roman" panose="02020603050405020304" pitchFamily="18" charset="0"/>
-                <a:cs typeface="Times New Roman" panose="02020603050405020304" pitchFamily="18" charset="0"/>
-              </a:rPr>
-              <a:t>Stemming.</a:t>
-            </a:r>
-            <a:endParaRPr lang="en-US" sz="4000" b="1" dirty="0">
-              <a:solidFill>
-                <a:srgbClr val="7030A0"/>
-              </a:solidFill>
-              <a:latin typeface="Times New Roman" panose="02020603050405020304" pitchFamily="18" charset="0"/>
-              <a:cs typeface="Times New Roman" panose="02020603050405020304" pitchFamily="18" charset="0"/>
-            </a:endParaRPr>
-          </a:p>
-        </p:txBody>
-      </p:sp>
-      <p:sp>
-        <p:nvSpPr>
-          <p:cNvPr id="7" name="Content Placeholder 3"/>
-          <p:cNvSpPr txBox="1">
-            <a:spLocks/>
-          </p:cNvSpPr>
-          <p:nvPr/>
-        </p:nvSpPr>
-        <p:spPr>
-          <a:xfrm>
-            <a:off x="787400" y="1574801"/>
-            <a:ext cx="11404600" cy="556028"/>
-          </a:xfrm>
-          <a:prstGeom prst="rect">
-            <a:avLst/>
-          </a:prstGeom>
-        </p:spPr>
-        <p:txBody>
-          <a:bodyPr vert="horz" lIns="91440" tIns="45720" rIns="91440" bIns="45720" rtlCol="0">
-            <a:normAutofit/>
-          </a:bodyPr>
-          <a:lstStyle>
-            <a:lvl1pPr marL="228600" indent="-228600" algn="l" defTabSz="914400" rtl="0" eaLnBrk="1" latinLnBrk="0" hangingPunct="1">
-              <a:lnSpc>
-                <a:spcPct val="90000"/>
-              </a:lnSpc>
-              <a:spcBef>
-                <a:spcPts val="1000"/>
-              </a:spcBef>
-              <a:buFont typeface="Arial" panose="020B0604020202020204" pitchFamily="34" charset="0"/>
-              <a:buChar char="•"/>
-              <a:defRPr sz="2800" kern="1200">
-                <a:solidFill>
-                  <a:schemeClr val="tx1"/>
-                </a:solidFill>
-                <a:latin typeface="+mn-lt"/>
-                <a:ea typeface="+mn-ea"/>
-                <a:cs typeface="+mn-cs"/>
-              </a:defRPr>
-            </a:lvl1pPr>
-            <a:lvl2pPr marL="685800" indent="-228600" algn="l" defTabSz="914400" rtl="0" eaLnBrk="1" latinLnBrk="0" hangingPunct="1">
-              <a:lnSpc>
-                <a:spcPct val="90000"/>
-              </a:lnSpc>
-              <a:spcBef>
-                <a:spcPts val="500"/>
-              </a:spcBef>
-              <a:buFont typeface="Arial" panose="020B0604020202020204" pitchFamily="34" charset="0"/>
-              <a:buChar char="•"/>
-              <a:defRPr sz="2400" kern="1200">
-                <a:solidFill>
-                  <a:schemeClr val="tx1"/>
-                </a:solidFill>
-                <a:latin typeface="+mn-lt"/>
-                <a:ea typeface="+mn-ea"/>
-                <a:cs typeface="+mn-cs"/>
-              </a:defRPr>
-            </a:lvl2pPr>
-            <a:lvl3pPr marL="1143000" indent="-228600" algn="l" defTabSz="914400" rtl="0" eaLnBrk="1" latinLnBrk="0" hangingPunct="1">
-              <a:lnSpc>
-                <a:spcPct val="90000"/>
-              </a:lnSpc>
-              <a:spcBef>
-                <a:spcPts val="500"/>
-              </a:spcBef>
-              <a:buFont typeface="Arial" panose="020B0604020202020204" pitchFamily="34" charset="0"/>
-              <a:buChar char="•"/>
-              <a:defRPr sz="2000" kern="1200">
-                <a:solidFill>
-                  <a:schemeClr val="tx1"/>
-                </a:solidFill>
-                <a:latin typeface="+mn-lt"/>
-                <a:ea typeface="+mn-ea"/>
-                <a:cs typeface="+mn-cs"/>
-              </a:defRPr>
-            </a:lvl3pPr>
-            <a:lvl4pPr marL="1600200" indent="-228600" algn="l" defTabSz="914400" rtl="0" eaLnBrk="1" latinLnBrk="0" hangingPunct="1">
-              <a:lnSpc>
-                <a:spcPct val="90000"/>
-              </a:lnSpc>
-              <a:spcBef>
-                <a:spcPts val="500"/>
-              </a:spcBef>
-              <a:buFont typeface="Arial" panose="020B0604020202020204" pitchFamily="34" charset="0"/>
-              <a:buChar char="•"/>
-              <a:defRPr sz="1800" kern="1200">
-                <a:solidFill>
-                  <a:schemeClr val="tx1"/>
-                </a:solidFill>
-                <a:latin typeface="+mn-lt"/>
-                <a:ea typeface="+mn-ea"/>
-                <a:cs typeface="+mn-cs"/>
-              </a:defRPr>
-            </a:lvl4pPr>
-            <a:lvl5pPr marL="2057400" indent="-228600" algn="l" defTabSz="914400" rtl="0" eaLnBrk="1" latinLnBrk="0" hangingPunct="1">
-              <a:lnSpc>
-                <a:spcPct val="90000"/>
-              </a:lnSpc>
-              <a:spcBef>
-                <a:spcPts val="500"/>
-              </a:spcBef>
-              <a:buFont typeface="Arial" panose="020B0604020202020204" pitchFamily="34" charset="0"/>
-              <a:buChar char="•"/>
-              <a:defRPr sz="1800" kern="1200">
-                <a:solidFill>
-                  <a:schemeClr val="tx1"/>
-                </a:solidFill>
-                <a:latin typeface="+mn-lt"/>
-                <a:ea typeface="+mn-ea"/>
-                <a:cs typeface="+mn-cs"/>
-              </a:defRPr>
-            </a:lvl5pPr>
-            <a:lvl6pPr marL="2514600" indent="-228600" algn="l" defTabSz="914400" rtl="0" eaLnBrk="1" latinLnBrk="0" hangingPunct="1">
-              <a:lnSpc>
-                <a:spcPct val="90000"/>
-              </a:lnSpc>
-              <a:spcBef>
-                <a:spcPts val="500"/>
-              </a:spcBef>
-              <a:buFont typeface="Arial" panose="020B0604020202020204" pitchFamily="34" charset="0"/>
-              <a:buChar char="•"/>
-              <a:defRPr sz="1800" kern="1200">
-                <a:solidFill>
-                  <a:schemeClr val="tx1"/>
-                </a:solidFill>
-                <a:latin typeface="+mn-lt"/>
-                <a:ea typeface="+mn-ea"/>
-                <a:cs typeface="+mn-cs"/>
-              </a:defRPr>
-            </a:lvl6pPr>
-            <a:lvl7pPr marL="2971800" indent="-228600" algn="l" defTabSz="914400" rtl="0" eaLnBrk="1" latinLnBrk="0" hangingPunct="1">
-              <a:lnSpc>
-                <a:spcPct val="90000"/>
-              </a:lnSpc>
-              <a:spcBef>
-                <a:spcPts val="500"/>
-              </a:spcBef>
-              <a:buFont typeface="Arial" panose="020B0604020202020204" pitchFamily="34" charset="0"/>
-              <a:buChar char="•"/>
-              <a:defRPr sz="1800" kern="1200">
-                <a:solidFill>
-                  <a:schemeClr val="tx1"/>
-                </a:solidFill>
-                <a:latin typeface="+mn-lt"/>
-                <a:ea typeface="+mn-ea"/>
-                <a:cs typeface="+mn-cs"/>
-              </a:defRPr>
-            </a:lvl7pPr>
-            <a:lvl8pPr marL="3429000" indent="-228600" algn="l" defTabSz="914400" rtl="0" eaLnBrk="1" latinLnBrk="0" hangingPunct="1">
-              <a:lnSpc>
-                <a:spcPct val="90000"/>
-              </a:lnSpc>
-              <a:spcBef>
-                <a:spcPts val="500"/>
-              </a:spcBef>
-              <a:buFont typeface="Arial" panose="020B0604020202020204" pitchFamily="34" charset="0"/>
-              <a:buChar char="•"/>
-              <a:defRPr sz="1800" kern="1200">
-                <a:solidFill>
-                  <a:schemeClr val="tx1"/>
-                </a:solidFill>
-                <a:latin typeface="+mn-lt"/>
-                <a:ea typeface="+mn-ea"/>
-                <a:cs typeface="+mn-cs"/>
-              </a:defRPr>
-            </a:lvl8pPr>
-            <a:lvl9pPr marL="3886200" indent="-228600" algn="l" defTabSz="914400" rtl="0" eaLnBrk="1" latinLnBrk="0" hangingPunct="1">
-              <a:lnSpc>
-                <a:spcPct val="90000"/>
-              </a:lnSpc>
-              <a:spcBef>
-                <a:spcPts val="500"/>
-              </a:spcBef>
-              <a:buFont typeface="Arial" panose="020B0604020202020204" pitchFamily="34" charset="0"/>
-              <a:buChar char="•"/>
-              <a:defRPr sz="1800" kern="1200">
-                <a:solidFill>
-                  <a:schemeClr val="tx1"/>
-                </a:solidFill>
-                <a:latin typeface="+mn-lt"/>
-                <a:ea typeface="+mn-ea"/>
-                <a:cs typeface="+mn-cs"/>
-              </a:defRPr>
-            </a:lvl9pPr>
-          </a:lstStyle>
-          <a:p>
-            <a:r>
-              <a:rPr lang="en-US" dirty="0" smtClean="0"/>
-              <a:t>goes =&gt; goe	go =&gt; go</a:t>
-            </a:r>
-            <a:endParaRPr lang="en-US" dirty="0"/>
-          </a:p>
-        </p:txBody>
-      </p:sp>
-      <p:sp>
-        <p:nvSpPr>
-          <p:cNvPr id="8" name="Content Placeholder 3"/>
-          <p:cNvSpPr txBox="1">
-            <a:spLocks/>
-          </p:cNvSpPr>
-          <p:nvPr/>
-        </p:nvSpPr>
-        <p:spPr>
-          <a:xfrm>
-            <a:off x="787400" y="2130828"/>
-            <a:ext cx="11404600" cy="1196571"/>
-          </a:xfrm>
-          <a:prstGeom prst="rect">
-            <a:avLst/>
-          </a:prstGeom>
-        </p:spPr>
-        <p:txBody>
-          <a:bodyPr vert="horz" lIns="91440" tIns="45720" rIns="91440" bIns="45720" rtlCol="0">
-            <a:normAutofit/>
-          </a:bodyPr>
-          <a:lstStyle>
-            <a:lvl1pPr marL="228600" indent="-228600" algn="l" defTabSz="914400" rtl="0" eaLnBrk="1" latinLnBrk="0" hangingPunct="1">
-              <a:lnSpc>
-                <a:spcPct val="90000"/>
-              </a:lnSpc>
-              <a:spcBef>
-                <a:spcPts val="1000"/>
-              </a:spcBef>
-              <a:buFont typeface="Arial" panose="020B0604020202020204" pitchFamily="34" charset="0"/>
-              <a:buChar char="•"/>
-              <a:defRPr sz="2800" kern="1200">
-                <a:solidFill>
-                  <a:schemeClr val="tx1"/>
-                </a:solidFill>
-                <a:latin typeface="+mn-lt"/>
-                <a:ea typeface="+mn-ea"/>
-                <a:cs typeface="+mn-cs"/>
-              </a:defRPr>
-            </a:lvl1pPr>
-            <a:lvl2pPr marL="685800" indent="-228600" algn="l" defTabSz="914400" rtl="0" eaLnBrk="1" latinLnBrk="0" hangingPunct="1">
-              <a:lnSpc>
-                <a:spcPct val="90000"/>
-              </a:lnSpc>
-              <a:spcBef>
-                <a:spcPts val="500"/>
-              </a:spcBef>
-              <a:buFont typeface="Arial" panose="020B0604020202020204" pitchFamily="34" charset="0"/>
-              <a:buChar char="•"/>
-              <a:defRPr sz="2400" kern="1200">
-                <a:solidFill>
-                  <a:schemeClr val="tx1"/>
-                </a:solidFill>
-                <a:latin typeface="+mn-lt"/>
-                <a:ea typeface="+mn-ea"/>
-                <a:cs typeface="+mn-cs"/>
-              </a:defRPr>
-            </a:lvl2pPr>
-            <a:lvl3pPr marL="1143000" indent="-228600" algn="l" defTabSz="914400" rtl="0" eaLnBrk="1" latinLnBrk="0" hangingPunct="1">
-              <a:lnSpc>
-                <a:spcPct val="90000"/>
-              </a:lnSpc>
-              <a:spcBef>
-                <a:spcPts val="500"/>
-              </a:spcBef>
-              <a:buFont typeface="Arial" panose="020B0604020202020204" pitchFamily="34" charset="0"/>
-              <a:buChar char="•"/>
-              <a:defRPr sz="2000" kern="1200">
-                <a:solidFill>
-                  <a:schemeClr val="tx1"/>
-                </a:solidFill>
-                <a:latin typeface="+mn-lt"/>
-                <a:ea typeface="+mn-ea"/>
-                <a:cs typeface="+mn-cs"/>
-              </a:defRPr>
-            </a:lvl3pPr>
-            <a:lvl4pPr marL="1600200" indent="-228600" algn="l" defTabSz="914400" rtl="0" eaLnBrk="1" latinLnBrk="0" hangingPunct="1">
-              <a:lnSpc>
-                <a:spcPct val="90000"/>
-              </a:lnSpc>
-              <a:spcBef>
-                <a:spcPts val="500"/>
-              </a:spcBef>
-              <a:buFont typeface="Arial" panose="020B0604020202020204" pitchFamily="34" charset="0"/>
-              <a:buChar char="•"/>
-              <a:defRPr sz="1800" kern="1200">
-                <a:solidFill>
-                  <a:schemeClr val="tx1"/>
-                </a:solidFill>
-                <a:latin typeface="+mn-lt"/>
-                <a:ea typeface="+mn-ea"/>
-                <a:cs typeface="+mn-cs"/>
-              </a:defRPr>
-            </a:lvl4pPr>
-            <a:lvl5pPr marL="2057400" indent="-228600" algn="l" defTabSz="914400" rtl="0" eaLnBrk="1" latinLnBrk="0" hangingPunct="1">
-              <a:lnSpc>
-                <a:spcPct val="90000"/>
-              </a:lnSpc>
-              <a:spcBef>
-                <a:spcPts val="500"/>
-              </a:spcBef>
-              <a:buFont typeface="Arial" panose="020B0604020202020204" pitchFamily="34" charset="0"/>
-              <a:buChar char="•"/>
-              <a:defRPr sz="1800" kern="1200">
-                <a:solidFill>
-                  <a:schemeClr val="tx1"/>
-                </a:solidFill>
-                <a:latin typeface="+mn-lt"/>
-                <a:ea typeface="+mn-ea"/>
-                <a:cs typeface="+mn-cs"/>
-              </a:defRPr>
-            </a:lvl5pPr>
-            <a:lvl6pPr marL="2514600" indent="-228600" algn="l" defTabSz="914400" rtl="0" eaLnBrk="1" latinLnBrk="0" hangingPunct="1">
-              <a:lnSpc>
-                <a:spcPct val="90000"/>
-              </a:lnSpc>
-              <a:spcBef>
-                <a:spcPts val="500"/>
-              </a:spcBef>
-              <a:buFont typeface="Arial" panose="020B0604020202020204" pitchFamily="34" charset="0"/>
-              <a:buChar char="•"/>
-              <a:defRPr sz="1800" kern="1200">
-                <a:solidFill>
-                  <a:schemeClr val="tx1"/>
-                </a:solidFill>
-                <a:latin typeface="+mn-lt"/>
-                <a:ea typeface="+mn-ea"/>
-                <a:cs typeface="+mn-cs"/>
-              </a:defRPr>
-            </a:lvl6pPr>
-            <a:lvl7pPr marL="2971800" indent="-228600" algn="l" defTabSz="914400" rtl="0" eaLnBrk="1" latinLnBrk="0" hangingPunct="1">
-              <a:lnSpc>
-                <a:spcPct val="90000"/>
-              </a:lnSpc>
-              <a:spcBef>
-                <a:spcPts val="500"/>
-              </a:spcBef>
-              <a:buFont typeface="Arial" panose="020B0604020202020204" pitchFamily="34" charset="0"/>
-              <a:buChar char="•"/>
-              <a:defRPr sz="1800" kern="1200">
-                <a:solidFill>
-                  <a:schemeClr val="tx1"/>
-                </a:solidFill>
-                <a:latin typeface="+mn-lt"/>
-                <a:ea typeface="+mn-ea"/>
-                <a:cs typeface="+mn-cs"/>
-              </a:defRPr>
-            </a:lvl7pPr>
-            <a:lvl8pPr marL="3429000" indent="-228600" algn="l" defTabSz="914400" rtl="0" eaLnBrk="1" latinLnBrk="0" hangingPunct="1">
-              <a:lnSpc>
-                <a:spcPct val="90000"/>
-              </a:lnSpc>
-              <a:spcBef>
-                <a:spcPts val="500"/>
-              </a:spcBef>
-              <a:buFont typeface="Arial" panose="020B0604020202020204" pitchFamily="34" charset="0"/>
-              <a:buChar char="•"/>
-              <a:defRPr sz="1800" kern="1200">
-                <a:solidFill>
-                  <a:schemeClr val="tx1"/>
-                </a:solidFill>
-                <a:latin typeface="+mn-lt"/>
-                <a:ea typeface="+mn-ea"/>
-                <a:cs typeface="+mn-cs"/>
-              </a:defRPr>
-            </a:lvl8pPr>
-            <a:lvl9pPr marL="3886200" indent="-228600" algn="l" defTabSz="914400" rtl="0" eaLnBrk="1" latinLnBrk="0" hangingPunct="1">
-              <a:lnSpc>
-                <a:spcPct val="90000"/>
-              </a:lnSpc>
-              <a:spcBef>
-                <a:spcPts val="500"/>
-              </a:spcBef>
-              <a:buFont typeface="Arial" panose="020B0604020202020204" pitchFamily="34" charset="0"/>
-              <a:buChar char="•"/>
-              <a:defRPr sz="1800" kern="1200">
-                <a:solidFill>
-                  <a:schemeClr val="tx1"/>
-                </a:solidFill>
-                <a:latin typeface="+mn-lt"/>
-                <a:ea typeface="+mn-ea"/>
-                <a:cs typeface="+mn-cs"/>
-              </a:defRPr>
-            </a:lvl9pPr>
-          </a:lstStyle>
-          <a:p>
-            <a:r>
-              <a:rPr lang="en-US" dirty="0" smtClean="0"/>
-              <a:t>Go, went, gone;	speak, spoke, spoken, </a:t>
-            </a:r>
-            <a:r>
-              <a:rPr lang="en-US" dirty="0" smtClean="0"/>
-              <a:t>...</a:t>
-            </a:r>
-          </a:p>
-          <a:p>
-            <a:r>
-              <a:rPr lang="en-US" dirty="0"/>
-              <a:t>Collocation (She’s got black skin. She’s got dark skin).</a:t>
-            </a:r>
-            <a:endParaRPr lang="en-US" dirty="0"/>
-          </a:p>
-        </p:txBody>
-      </p:sp>
-    </p:spTree>
-    <p:extLst>
-      <p:ext uri="{BB962C8B-B14F-4D97-AF65-F5344CB8AC3E}">
-        <p14:creationId xmlns:p14="http://schemas.microsoft.com/office/powerpoint/2010/main" val="3633316152"/>
-      </p:ext>
-    </p:extLst>
-  </p:cSld>
-  <p:clrMapOvr>
-    <a:masterClrMapping/>
-  </p:clrMapOvr>
-  <p:timing>
-    <p:tnLst>
-      <p:par>
-        <p:cTn id="1" dur="indefinite" restart="never" nodeType="tmRoot">
-          <p:childTnLst>
-            <p:seq concurrent="1" nextAc="seek">
-              <p:cTn id="2" dur="indefinite" nodeType="mainSeq">
-                <p:childTnLst>
-                  <p:par>
-                    <p:cTn id="3" fill="hold">
-                      <p:stCondLst>
-                        <p:cond delay="indefinite"/>
-                      </p:stCondLst>
-                      <p:childTnLst>
-                        <p:par>
-                          <p:cTn id="4" fill="hold">
-                            <p:stCondLst>
-                              <p:cond delay="0"/>
-                            </p:stCondLst>
-                            <p:childTnLst>
-                              <p:par>
-                                <p:cTn id="5" presetID="1" presetClass="entr" presetSubtype="0" fill="hold" grpId="0" nodeType="clickEffect">
-                                  <p:stCondLst>
-                                    <p:cond delay="0"/>
-                                  </p:stCondLst>
-                                  <p:childTnLst>
-                                    <p:set>
-                                      <p:cBhvr>
-                                        <p:cTn id="6" dur="1" fill="hold">
-                                          <p:stCondLst>
-                                            <p:cond delay="0"/>
-                                          </p:stCondLst>
-                                        </p:cTn>
-                                        <p:tgtEl>
-                                          <p:spTgt spid="4">
-                                            <p:txEl>
-                                              <p:pRg st="0" end="0"/>
-                                            </p:txEl>
-                                          </p:spTgt>
-                                        </p:tgtEl>
-                                        <p:attrNameLst>
-                                          <p:attrName>style.visibility</p:attrName>
-                                        </p:attrNameLst>
-                                      </p:cBhvr>
-                                      <p:to>
-                                        <p:strVal val="visible"/>
-                                      </p:to>
-                                    </p:set>
-                                  </p:childTnLst>
-                                </p:cTn>
-                              </p:par>
-                            </p:childTnLst>
-                          </p:cTn>
-                        </p:par>
-                      </p:childTnLst>
-                    </p:cTn>
-                  </p:par>
-                  <p:par>
-                    <p:cTn id="7" fill="hold">
-                      <p:stCondLst>
-                        <p:cond delay="indefinite"/>
-                      </p:stCondLst>
-                      <p:childTnLst>
-                        <p:par>
-                          <p:cTn id="8" fill="hold">
-                            <p:stCondLst>
-                              <p:cond delay="0"/>
-                            </p:stCondLst>
-                            <p:childTnLst>
-                              <p:par>
-                                <p:cTn id="9" presetID="1" presetClass="entr" presetSubtype="0" fill="hold" grpId="0" nodeType="clickEffect">
-                                  <p:stCondLst>
-                                    <p:cond delay="0"/>
-                                  </p:stCondLst>
-                                  <p:childTnLst>
-                                    <p:set>
-                                      <p:cBhvr>
-                                        <p:cTn id="10" dur="1" fill="hold">
-                                          <p:stCondLst>
-                                            <p:cond delay="0"/>
-                                          </p:stCondLst>
-                                        </p:cTn>
-                                        <p:tgtEl>
-                                          <p:spTgt spid="7"/>
-                                        </p:tgtEl>
-                                        <p:attrNameLst>
-                                          <p:attrName>style.visibility</p:attrName>
-                                        </p:attrNameLst>
-                                      </p:cBhvr>
-                                      <p:to>
-                                        <p:strVal val="visible"/>
-                                      </p:to>
-                                    </p:set>
-                                  </p:childTnLst>
-                                </p:cTn>
-                              </p:par>
-                            </p:childTnLst>
-                          </p:cTn>
-                        </p:par>
-                      </p:childTnLst>
-                    </p:cTn>
-                  </p:par>
-                  <p:par>
-                    <p:cTn id="11" fill="hold">
-                      <p:stCondLst>
-                        <p:cond delay="indefinite"/>
-                      </p:stCondLst>
-                      <p:childTnLst>
-                        <p:par>
-                          <p:cTn id="12" fill="hold">
-                            <p:stCondLst>
-                              <p:cond delay="0"/>
-                            </p:stCondLst>
-                            <p:childTnLst>
-                              <p:par>
-                                <p:cTn id="13" presetID="1" presetClass="entr" presetSubtype="0" fill="hold" grpId="0" nodeType="clickEffect">
-                                  <p:stCondLst>
-                                    <p:cond delay="0"/>
-                                  </p:stCondLst>
-                                  <p:childTnLst>
-                                    <p:set>
-                                      <p:cBhvr>
-                                        <p:cTn id="14" dur="1" fill="hold">
-                                          <p:stCondLst>
-                                            <p:cond delay="0"/>
-                                          </p:stCondLst>
-                                        </p:cTn>
-                                        <p:tgtEl>
-                                          <p:spTgt spid="8"/>
-                                        </p:tgtEl>
-                                        <p:attrNameLst>
-                                          <p:attrName>style.visibility</p:attrName>
-                                        </p:attrNameLst>
-                                      </p:cBhvr>
-                                      <p:to>
-                                        <p:strVal val="visible"/>
-                                      </p:to>
-                                    </p:set>
-                                  </p:childTnLst>
-                                </p:cTn>
-                              </p:par>
-                            </p:childTnLst>
-                          </p:cTn>
-                        </p:par>
-                      </p:childTnLst>
-                    </p:cTn>
-                  </p:par>
-                </p:childTnLst>
-              </p:cTn>
-              <p:prevCondLst>
-                <p:cond evt="onPrev" delay="0">
-                  <p:tgtEl>
-                    <p:sldTgt/>
-                  </p:tgtEl>
-                </p:cond>
-              </p:prevCondLst>
-              <p:nextCondLst>
-                <p:cond evt="onNext" delay="0">
-                  <p:tgtEl>
-                    <p:sldTgt/>
-                  </p:tgtEl>
-                </p:cond>
-              </p:nextCondLst>
-            </p:seq>
-          </p:childTnLst>
-        </p:cTn>
-      </p:par>
-    </p:tnLst>
-    <p:bldLst>
-      <p:bldP spid="4" grpId="0" build="p"/>
-      <p:bldP spid="7" grpId="0"/>
-      <p:bldP spid="8" grpId="0"/>
     </p:bldLst>
   </p:timing>
 </p:sld>
